--- a/Progetto/Presentazione.pptx
+++ b/Progetto/Presentazione.pptx
@@ -5,16 +5,17 @@
     <p:sldMasterId id="2147483648" r:id="rId1"/>
   </p:sldMasterIdLst>
   <p:notesMasterIdLst>
-    <p:notesMasterId r:id="rId9"/>
+    <p:notesMasterId r:id="rId10"/>
   </p:notesMasterIdLst>
   <p:sldIdLst>
     <p:sldId id="256" r:id="rId2"/>
-    <p:sldId id="287" r:id="rId3"/>
-    <p:sldId id="284" r:id="rId4"/>
-    <p:sldId id="289" r:id="rId5"/>
-    <p:sldId id="288" r:id="rId6"/>
-    <p:sldId id="285" r:id="rId7"/>
-    <p:sldId id="282" r:id="rId8"/>
+    <p:sldId id="290" r:id="rId3"/>
+    <p:sldId id="287" r:id="rId4"/>
+    <p:sldId id="284" r:id="rId5"/>
+    <p:sldId id="289" r:id="rId6"/>
+    <p:sldId id="288" r:id="rId7"/>
+    <p:sldId id="285" r:id="rId8"/>
+    <p:sldId id="282" r:id="rId9"/>
   </p:sldIdLst>
   <p:sldSz cx="12192000" cy="6858000"/>
   <p:notesSz cx="6858000" cy="9144000"/>
@@ -229,7 +230,7 @@
           <a:p>
             <a:fld id="{B65E5A98-DA83-404B-AF61-44AE5342FB50}" type="datetimeFigureOut">
               <a:rPr lang="it-IT" smtClean="0"/>
-              <a:t>21/10/2022</a:t>
+              <a:t>01/11/2022</a:t>
             </a:fld>
             <a:endParaRPr lang="it-IT"/>
           </a:p>
@@ -643,7 +644,7 @@
           <a:p>
             <a:fld id="{9CD29C0B-695A-4D66-B8E9-5671F929A42B}" type="datetime1">
               <a:rPr lang="it-IT" smtClean="0"/>
-              <a:t>21/10/2022</a:t>
+              <a:t>01/11/2022</a:t>
             </a:fld>
             <a:endParaRPr lang="it-IT"/>
           </a:p>
@@ -841,7 +842,7 @@
           <a:p>
             <a:fld id="{AF0EC3E5-863F-4DFB-B3BC-1B55C7011BF9}" type="datetime1">
               <a:rPr lang="it-IT" smtClean="0"/>
-              <a:t>21/10/2022</a:t>
+              <a:t>01/11/2022</a:t>
             </a:fld>
             <a:endParaRPr lang="it-IT"/>
           </a:p>
@@ -1049,7 +1050,7 @@
           <a:p>
             <a:fld id="{DE4D602C-F8B6-42E8-BED7-016CDA0017F3}" type="datetime1">
               <a:rPr lang="it-IT" smtClean="0"/>
-              <a:t>21/10/2022</a:t>
+              <a:t>01/11/2022</a:t>
             </a:fld>
             <a:endParaRPr lang="it-IT"/>
           </a:p>
@@ -1247,7 +1248,7 @@
           <a:p>
             <a:fld id="{EDB10CE1-110C-4ED2-B55F-A302E1FD9F70}" type="datetime1">
               <a:rPr lang="it-IT" smtClean="0"/>
-              <a:t>21/10/2022</a:t>
+              <a:t>01/11/2022</a:t>
             </a:fld>
             <a:endParaRPr lang="it-IT"/>
           </a:p>
@@ -1522,7 +1523,7 @@
           <a:p>
             <a:fld id="{0F61B4B8-A1B7-42D4-A1E0-2645EDAC8BED}" type="datetime1">
               <a:rPr lang="it-IT" smtClean="0"/>
-              <a:t>21/10/2022</a:t>
+              <a:t>01/11/2022</a:t>
             </a:fld>
             <a:endParaRPr lang="it-IT"/>
           </a:p>
@@ -1787,7 +1788,7 @@
           <a:p>
             <a:fld id="{188DF4B9-859A-4780-A169-ED3A8349339B}" type="datetime1">
               <a:rPr lang="it-IT" smtClean="0"/>
-              <a:t>21/10/2022</a:t>
+              <a:t>01/11/2022</a:t>
             </a:fld>
             <a:endParaRPr lang="it-IT"/>
           </a:p>
@@ -2199,7 +2200,7 @@
           <a:p>
             <a:fld id="{24D45E2C-55DD-40A9-BF2D-48E7D2AB1ABA}" type="datetime1">
               <a:rPr lang="it-IT" smtClean="0"/>
-              <a:t>21/10/2022</a:t>
+              <a:t>01/11/2022</a:t>
             </a:fld>
             <a:endParaRPr lang="it-IT"/>
           </a:p>
@@ -2340,7 +2341,7 @@
           <a:p>
             <a:fld id="{DC20DFAC-47A9-47B0-8C05-A3316EEF3D0C}" type="datetime1">
               <a:rPr lang="it-IT" smtClean="0"/>
-              <a:t>21/10/2022</a:t>
+              <a:t>01/11/2022</a:t>
             </a:fld>
             <a:endParaRPr lang="it-IT"/>
           </a:p>
@@ -2453,7 +2454,7 @@
           <a:p>
             <a:fld id="{B48A923B-8423-475F-9DB1-11B37109C533}" type="datetime1">
               <a:rPr lang="it-IT" smtClean="0"/>
-              <a:t>21/10/2022</a:t>
+              <a:t>01/11/2022</a:t>
             </a:fld>
             <a:endParaRPr lang="it-IT"/>
           </a:p>
@@ -2764,7 +2765,7 @@
           <a:p>
             <a:fld id="{39A5E392-1A82-4114-9B1C-7507E099813A}" type="datetime1">
               <a:rPr lang="it-IT" smtClean="0"/>
-              <a:t>21/10/2022</a:t>
+              <a:t>01/11/2022</a:t>
             </a:fld>
             <a:endParaRPr lang="it-IT"/>
           </a:p>
@@ -3052,7 +3053,7 @@
           <a:p>
             <a:fld id="{3F1E08A9-9033-4FA7-A83A-B5FC89FF2B18}" type="datetime1">
               <a:rPr lang="it-IT" smtClean="0"/>
-              <a:t>21/10/2022</a:t>
+              <a:t>01/11/2022</a:t>
             </a:fld>
             <a:endParaRPr lang="it-IT"/>
           </a:p>
@@ -3293,7 +3294,7 @@
           <a:p>
             <a:fld id="{62F13085-FB8A-48A6-9A18-D32F849A60AC}" type="datetime1">
               <a:rPr lang="it-IT" smtClean="0"/>
-              <a:t>21/10/2022</a:t>
+              <a:t>01/11/2022</a:t>
             </a:fld>
             <a:endParaRPr lang="it-IT"/>
           </a:p>
@@ -4243,7 +4244,7 @@
           </a:bodyPr>
           <a:lstStyle/>
           <a:p>
-            <a:pPr algn="ctr"/>
+            <a:pPr algn="just"/>
             <a:r>
               <a:rPr lang="en-US" sz="4400" dirty="0" err="1">
                 <a:ln w="0"/>
@@ -4258,39 +4259,7 @@
                   </a:outerShdw>
                 </a:effectLst>
               </a:rPr>
-              <a:t>Assunzioni</a:t>
-            </a:r>
-            <a:r>
-              <a:rPr lang="en-US" sz="4400" dirty="0">
-                <a:ln w="0"/>
-                <a:solidFill>
-                  <a:srgbClr val="002060"/>
-                </a:solidFill>
-                <a:effectLst>
-                  <a:outerShdw blurRad="38100" dist="25400" dir="5400000" algn="ctr" rotWithShape="0">
-                    <a:srgbClr val="6E747A">
-                      <a:alpha val="43000"/>
-                    </a:srgbClr>
-                  </a:outerShdw>
-                </a:effectLst>
-              </a:rPr>
-              <a:t> – Caretakers &amp; </a:t>
-            </a:r>
-            <a:r>
-              <a:rPr lang="en-US" sz="4400" dirty="0" err="1">
-                <a:ln w="0"/>
-                <a:solidFill>
-                  <a:srgbClr val="002060"/>
-                </a:solidFill>
-                <a:effectLst>
-                  <a:outerShdw blurRad="38100" dist="25400" dir="5400000" algn="ctr" rotWithShape="0">
-                    <a:srgbClr val="6E747A">
-                      <a:alpha val="43000"/>
-                    </a:srgbClr>
-                  </a:outerShdw>
-                </a:effectLst>
-              </a:rPr>
-              <a:t>Anziani</a:t>
+              <a:t>Obbiettivo</a:t>
             </a:r>
             <a:endParaRPr lang="it-IT" sz="4400" i="1" dirty="0">
               <a:ln w="0"/>
@@ -4413,455 +4382,10 @@
           </a:extLst>
         </p:spPr>
       </p:pic>
-      <p:sp>
-        <p:nvSpPr>
-          <p:cNvPr id="9" name="CasellaDiTesto 12">
-            <a:extLst>
-              <a:ext uri="{FF2B5EF4-FFF2-40B4-BE49-F238E27FC236}">
-                <a16:creationId xmlns:a16="http://schemas.microsoft.com/office/drawing/2014/main" id="{41B46196-83F9-43AC-8107-35E3AA5E875B}"/>
-              </a:ext>
-            </a:extLst>
-          </p:cNvPr>
-          <p:cNvSpPr txBox="1"/>
-          <p:nvPr/>
-        </p:nvSpPr>
-        <p:spPr>
-          <a:xfrm>
-            <a:off x="1066800" y="2428726"/>
-            <a:ext cx="10058400" cy="2677656"/>
-          </a:xfrm>
-          <a:prstGeom prst="rect">
-            <a:avLst/>
-          </a:prstGeom>
-          <a:noFill/>
-        </p:spPr>
-        <p:txBody>
-          <a:bodyPr wrap="square" rtlCol="0">
-            <a:spAutoFit/>
-          </a:bodyPr>
-          <a:lstStyle/>
-          <a:p>
-            <a:pPr marL="342900" indent="-342900" algn="just">
-              <a:buFont typeface="Arial" panose="020B0604020202020204" pitchFamily="34" charset="0"/>
-              <a:buChar char="•"/>
-            </a:pPr>
-            <a:r>
-              <a:rPr lang="en-US" sz="2400" dirty="0" err="1">
-                <a:solidFill>
-                  <a:srgbClr val="002060"/>
-                </a:solidFill>
-              </a:rPr>
-              <a:t>Gli</a:t>
-            </a:r>
-            <a:r>
-              <a:rPr lang="en-US" sz="2400" dirty="0">
-                <a:solidFill>
-                  <a:srgbClr val="002060"/>
-                </a:solidFill>
-              </a:rPr>
-              <a:t> </a:t>
-            </a:r>
-            <a:r>
-              <a:rPr lang="en-US" sz="2400" dirty="0" err="1">
-                <a:solidFill>
-                  <a:srgbClr val="002060"/>
-                </a:solidFill>
-              </a:rPr>
-              <a:t>appartamenti</a:t>
-            </a:r>
-            <a:r>
-              <a:rPr lang="en-US" sz="2400" dirty="0">
-                <a:solidFill>
-                  <a:srgbClr val="002060"/>
-                </a:solidFill>
-              </a:rPr>
-              <a:t> </a:t>
-            </a:r>
-            <a:r>
-              <a:rPr lang="en-US" sz="2400" dirty="0" err="1">
-                <a:solidFill>
-                  <a:srgbClr val="002060"/>
-                </a:solidFill>
-              </a:rPr>
-              <a:t>sono</a:t>
-            </a:r>
-            <a:r>
-              <a:rPr lang="en-US" sz="2400" dirty="0">
-                <a:solidFill>
-                  <a:srgbClr val="002060"/>
-                </a:solidFill>
-              </a:rPr>
-              <a:t> </a:t>
-            </a:r>
-            <a:r>
-              <a:rPr lang="en-US" sz="2400" dirty="0" err="1">
-                <a:solidFill>
-                  <a:srgbClr val="002060"/>
-                </a:solidFill>
-              </a:rPr>
-              <a:t>residenze</a:t>
-            </a:r>
-            <a:r>
-              <a:rPr lang="en-US" sz="2400" dirty="0">
-                <a:solidFill>
-                  <a:srgbClr val="002060"/>
-                </a:solidFill>
-              </a:rPr>
-              <a:t> private, </a:t>
-            </a:r>
-            <a:r>
-              <a:rPr lang="en-US" sz="2400" dirty="0" err="1">
-                <a:solidFill>
-                  <a:srgbClr val="002060"/>
-                </a:solidFill>
-              </a:rPr>
-              <a:t>identificate</a:t>
-            </a:r>
-            <a:r>
-              <a:rPr lang="en-US" sz="2400" dirty="0">
-                <a:solidFill>
-                  <a:srgbClr val="002060"/>
-                </a:solidFill>
-              </a:rPr>
-              <a:t> </a:t>
-            </a:r>
-            <a:r>
-              <a:rPr lang="en-US" sz="2400" dirty="0" err="1">
-                <a:solidFill>
-                  <a:srgbClr val="002060"/>
-                </a:solidFill>
-              </a:rPr>
-              <a:t>univocamente</a:t>
-            </a:r>
-            <a:r>
-              <a:rPr lang="en-US" sz="2400" dirty="0">
-                <a:solidFill>
-                  <a:srgbClr val="002060"/>
-                </a:solidFill>
-              </a:rPr>
-              <a:t> da un </a:t>
-            </a:r>
-            <a:r>
-              <a:rPr lang="en-US" sz="2400" dirty="0" err="1">
-                <a:solidFill>
-                  <a:srgbClr val="002060"/>
-                </a:solidFill>
-              </a:rPr>
-              <a:t>indirizzo</a:t>
-            </a:r>
-            <a:r>
-              <a:rPr lang="en-US" sz="2400" dirty="0">
-                <a:solidFill>
-                  <a:srgbClr val="002060"/>
-                </a:solidFill>
-              </a:rPr>
-              <a:t>;</a:t>
-            </a:r>
-          </a:p>
-          <a:p>
-            <a:pPr marL="342900" indent="-342900" algn="just">
-              <a:buFont typeface="Arial" panose="020B0604020202020204" pitchFamily="34" charset="0"/>
-              <a:buChar char="•"/>
-            </a:pPr>
-            <a:r>
-              <a:rPr lang="en-US" sz="2400" dirty="0">
-                <a:solidFill>
-                  <a:srgbClr val="002060"/>
-                </a:solidFill>
-              </a:rPr>
-              <a:t>In </a:t>
-            </a:r>
-            <a:r>
-              <a:rPr lang="en-US" sz="2400" dirty="0" err="1">
-                <a:solidFill>
-                  <a:srgbClr val="002060"/>
-                </a:solidFill>
-              </a:rPr>
-              <a:t>ogni</a:t>
-            </a:r>
-            <a:r>
-              <a:rPr lang="en-US" sz="2400" dirty="0">
-                <a:solidFill>
-                  <a:srgbClr val="002060"/>
-                </a:solidFill>
-              </a:rPr>
-              <a:t> </a:t>
-            </a:r>
-            <a:r>
-              <a:rPr lang="en-US" sz="2400" dirty="0" err="1">
-                <a:solidFill>
-                  <a:srgbClr val="002060"/>
-                </a:solidFill>
-              </a:rPr>
-              <a:t>appartamento</a:t>
-            </a:r>
-            <a:r>
-              <a:rPr lang="en-US" sz="2400" dirty="0">
-                <a:solidFill>
-                  <a:srgbClr val="002060"/>
-                </a:solidFill>
-              </a:rPr>
-              <a:t> </a:t>
-            </a:r>
-            <a:r>
-              <a:rPr lang="en-US" sz="2400" dirty="0" err="1">
-                <a:solidFill>
-                  <a:srgbClr val="002060"/>
-                </a:solidFill>
-              </a:rPr>
-              <a:t>alloggia</a:t>
-            </a:r>
-            <a:r>
-              <a:rPr lang="en-US" sz="2400" dirty="0">
-                <a:solidFill>
-                  <a:srgbClr val="002060"/>
-                </a:solidFill>
-              </a:rPr>
-              <a:t> un solo </a:t>
-            </a:r>
-            <a:r>
-              <a:rPr lang="en-US" sz="2400" dirty="0" err="1">
-                <a:solidFill>
-                  <a:srgbClr val="002060"/>
-                </a:solidFill>
-              </a:rPr>
-              <a:t>anziano</a:t>
-            </a:r>
-            <a:r>
-              <a:rPr lang="en-US" sz="2400" dirty="0">
-                <a:solidFill>
-                  <a:srgbClr val="002060"/>
-                </a:solidFill>
-              </a:rPr>
-              <a:t>;</a:t>
-            </a:r>
-          </a:p>
-          <a:p>
-            <a:pPr marL="342900" indent="-342900" algn="just">
-              <a:buFont typeface="Arial" panose="020B0604020202020204" pitchFamily="34" charset="0"/>
-              <a:buChar char="•"/>
-            </a:pPr>
-            <a:r>
-              <a:rPr lang="en-US" sz="2400" dirty="0">
-                <a:solidFill>
-                  <a:srgbClr val="002060"/>
-                </a:solidFill>
-              </a:rPr>
-              <a:t>I caretakes </a:t>
-            </a:r>
-            <a:r>
-              <a:rPr lang="en-US" sz="2400" dirty="0" err="1">
-                <a:solidFill>
-                  <a:srgbClr val="002060"/>
-                </a:solidFill>
-              </a:rPr>
-              <a:t>dispongono</a:t>
-            </a:r>
-            <a:r>
-              <a:rPr lang="en-US" sz="2400" dirty="0">
-                <a:solidFill>
-                  <a:srgbClr val="002060"/>
-                </a:solidFill>
-              </a:rPr>
-              <a:t> di un </a:t>
-            </a:r>
-            <a:r>
-              <a:rPr lang="en-US" sz="2400" dirty="0" err="1">
-                <a:solidFill>
-                  <a:srgbClr val="002060"/>
-                </a:solidFill>
-              </a:rPr>
-              <a:t>terminale</a:t>
-            </a:r>
-            <a:r>
-              <a:rPr lang="en-US" sz="2400" dirty="0">
-                <a:solidFill>
-                  <a:srgbClr val="002060"/>
-                </a:solidFill>
-              </a:rPr>
-              <a:t> mobile;</a:t>
-            </a:r>
-          </a:p>
-          <a:p>
-            <a:pPr marL="342900" indent="-342900" algn="just">
-              <a:buFont typeface="Arial" panose="020B0604020202020204" pitchFamily="34" charset="0"/>
-              <a:buChar char="•"/>
-            </a:pPr>
-            <a:r>
-              <a:rPr lang="en-US" sz="2400" dirty="0">
-                <a:solidFill>
-                  <a:srgbClr val="002060"/>
-                </a:solidFill>
-              </a:rPr>
-              <a:t>I </a:t>
-            </a:r>
-            <a:r>
-              <a:rPr lang="en-US" sz="2400" dirty="0" err="1">
-                <a:solidFill>
-                  <a:srgbClr val="002060"/>
-                </a:solidFill>
-              </a:rPr>
-              <a:t>dati</a:t>
-            </a:r>
-            <a:r>
-              <a:rPr lang="en-US" sz="2400" dirty="0">
-                <a:solidFill>
-                  <a:srgbClr val="002060"/>
-                </a:solidFill>
-              </a:rPr>
-              <a:t> </a:t>
-            </a:r>
-            <a:r>
-              <a:rPr lang="en-US" sz="2400" dirty="0" err="1">
-                <a:solidFill>
-                  <a:srgbClr val="002060"/>
-                </a:solidFill>
-              </a:rPr>
-              <a:t>medi</a:t>
-            </a:r>
-            <a:r>
-              <a:rPr lang="en-US" sz="2400" dirty="0">
-                <a:solidFill>
-                  <a:srgbClr val="002060"/>
-                </a:solidFill>
-              </a:rPr>
-              <a:t> </a:t>
-            </a:r>
-            <a:r>
-              <a:rPr lang="en-US" sz="2400" dirty="0" err="1">
-                <a:solidFill>
-                  <a:srgbClr val="002060"/>
-                </a:solidFill>
-              </a:rPr>
-              <a:t>dell’anziano</a:t>
-            </a:r>
-            <a:r>
-              <a:rPr lang="en-US" sz="2400" dirty="0">
-                <a:solidFill>
-                  <a:srgbClr val="002060"/>
-                </a:solidFill>
-              </a:rPr>
-              <a:t>, </a:t>
-            </a:r>
-            <a:r>
-              <a:rPr lang="en-US" sz="2400" dirty="0" err="1">
-                <a:solidFill>
-                  <a:srgbClr val="002060"/>
-                </a:solidFill>
-              </a:rPr>
-              <a:t>calcolati</a:t>
-            </a:r>
-            <a:r>
-              <a:rPr lang="en-US" sz="2400" dirty="0">
-                <a:solidFill>
-                  <a:srgbClr val="002060"/>
-                </a:solidFill>
-              </a:rPr>
-              <a:t> </a:t>
-            </a:r>
-            <a:r>
-              <a:rPr lang="en-US" sz="2400" dirty="0" err="1">
-                <a:solidFill>
-                  <a:srgbClr val="002060"/>
-                </a:solidFill>
-              </a:rPr>
-              <a:t>su</a:t>
-            </a:r>
-            <a:r>
-              <a:rPr lang="en-US" sz="2400" dirty="0">
-                <a:solidFill>
-                  <a:srgbClr val="002060"/>
-                </a:solidFill>
-              </a:rPr>
-              <a:t> base </a:t>
-            </a:r>
-            <a:r>
-              <a:rPr lang="en-US" sz="2400" dirty="0" err="1">
-                <a:solidFill>
-                  <a:srgbClr val="002060"/>
-                </a:solidFill>
-              </a:rPr>
-              <a:t>settimanale</a:t>
-            </a:r>
-            <a:r>
-              <a:rPr lang="en-US" sz="2400" dirty="0">
-                <a:solidFill>
-                  <a:srgbClr val="002060"/>
-                </a:solidFill>
-              </a:rPr>
-              <a:t>, </a:t>
-            </a:r>
-            <a:r>
-              <a:rPr lang="en-US" sz="2400" dirty="0" err="1">
-                <a:solidFill>
-                  <a:srgbClr val="002060"/>
-                </a:solidFill>
-              </a:rPr>
-              <a:t>vengono</a:t>
-            </a:r>
-            <a:r>
-              <a:rPr lang="en-US" sz="2400" dirty="0">
-                <a:solidFill>
-                  <a:srgbClr val="002060"/>
-                </a:solidFill>
-              </a:rPr>
-              <a:t> </a:t>
-            </a:r>
-            <a:r>
-              <a:rPr lang="en-US" sz="2400" dirty="0" err="1">
-                <a:solidFill>
-                  <a:srgbClr val="002060"/>
-                </a:solidFill>
-              </a:rPr>
-              <a:t>automaticamente</a:t>
-            </a:r>
-            <a:r>
-              <a:rPr lang="en-US" sz="2400" dirty="0">
-                <a:solidFill>
-                  <a:srgbClr val="002060"/>
-                </a:solidFill>
-              </a:rPr>
-              <a:t> eliminate </a:t>
-            </a:r>
-            <a:r>
-              <a:rPr lang="en-US" sz="2400" dirty="0" err="1">
-                <a:solidFill>
-                  <a:srgbClr val="002060"/>
-                </a:solidFill>
-              </a:rPr>
-              <a:t>dopo</a:t>
-            </a:r>
-            <a:r>
-              <a:rPr lang="en-US" sz="2400">
-                <a:solidFill>
-                  <a:srgbClr val="002060"/>
-                </a:solidFill>
-              </a:rPr>
-              <a:t> TOT tempo;</a:t>
-            </a:r>
-            <a:endParaRPr lang="en-US" sz="2400" dirty="0">
-              <a:solidFill>
-                <a:srgbClr val="002060"/>
-              </a:solidFill>
-            </a:endParaRPr>
-          </a:p>
-          <a:p>
-            <a:pPr marL="342900" indent="-342900" algn="just">
-              <a:buFont typeface="Arial" panose="020B0604020202020204" pitchFamily="34" charset="0"/>
-              <a:buChar char="•"/>
-            </a:pPr>
-            <a:endParaRPr lang="en-US" sz="2400" dirty="0">
-              <a:solidFill>
-                <a:srgbClr val="002060"/>
-              </a:solidFill>
-            </a:endParaRPr>
-          </a:p>
-        </p:txBody>
-      </p:sp>
     </p:spTree>
     <p:extLst>
       <p:ext uri="{BB962C8B-B14F-4D97-AF65-F5344CB8AC3E}">
-        <p14:creationId xmlns:p14="http://schemas.microsoft.com/office/powerpoint/2010/main" val="414310380"/>
+        <p14:creationId xmlns:p14="http://schemas.microsoft.com/office/powerpoint/2010/main" val="222648987"/>
       </p:ext>
     </p:extLst>
   </p:cSld>
@@ -4962,7 +4486,7 @@
         <p:spPr>
           <a:xfrm>
             <a:off x="935484" y="1603373"/>
-            <a:ext cx="7823505" cy="769441"/>
+            <a:ext cx="8170809" cy="769441"/>
           </a:xfrm>
           <a:prstGeom prst="rect">
             <a:avLst/>
@@ -4975,7 +4499,7 @@
           </a:bodyPr>
           <a:lstStyle/>
           <a:p>
-            <a:pPr algn="ctr"/>
+            <a:pPr algn="just"/>
             <a:r>
               <a:rPr lang="en-US" sz="4400" dirty="0" err="1">
                 <a:ln w="0"/>
@@ -5006,7 +4530,7 @@
                   </a:outerShdw>
                 </a:effectLst>
               </a:rPr>
-              <a:t> – </a:t>
+              <a:t> – Caretakers &amp; </a:t>
             </a:r>
             <a:r>
               <a:rPr lang="en-US" sz="4400" dirty="0" err="1">
@@ -5022,39 +4546,7 @@
                   </a:outerShdw>
                 </a:effectLst>
               </a:rPr>
-              <a:t>Sensori</a:t>
-            </a:r>
-            <a:r>
-              <a:rPr lang="en-US" sz="4400" dirty="0">
-                <a:ln w="0"/>
-                <a:solidFill>
-                  <a:srgbClr val="002060"/>
-                </a:solidFill>
-                <a:effectLst>
-                  <a:outerShdw blurRad="38100" dist="25400" dir="5400000" algn="ctr" rotWithShape="0">
-                    <a:srgbClr val="6E747A">
-                      <a:alpha val="43000"/>
-                    </a:srgbClr>
-                  </a:outerShdw>
-                </a:effectLst>
-              </a:rPr>
-              <a:t> </a:t>
-            </a:r>
-            <a:r>
-              <a:rPr lang="en-US" sz="4400" dirty="0" err="1">
-                <a:ln w="0"/>
-                <a:solidFill>
-                  <a:srgbClr val="002060"/>
-                </a:solidFill>
-                <a:effectLst>
-                  <a:outerShdw blurRad="38100" dist="25400" dir="5400000" algn="ctr" rotWithShape="0">
-                    <a:srgbClr val="6E747A">
-                      <a:alpha val="43000"/>
-                    </a:srgbClr>
-                  </a:outerShdw>
-                </a:effectLst>
-              </a:rPr>
-              <a:t>Ambientali</a:t>
+              <a:t>Anziani</a:t>
             </a:r>
             <a:endParaRPr lang="it-IT" sz="4400" i="1" dirty="0">
               <a:ln w="0"/>
@@ -5179,10 +4671,10 @@
       </p:pic>
       <p:sp>
         <p:nvSpPr>
-          <p:cNvPr id="8" name="CasellaDiTesto 12">
-            <a:extLst>
-              <a:ext uri="{FF2B5EF4-FFF2-40B4-BE49-F238E27FC236}">
-                <a16:creationId xmlns:a16="http://schemas.microsoft.com/office/drawing/2014/main" id="{D22649C2-92CC-4428-9494-99EEF3B37735}"/>
+          <p:cNvPr id="9" name="CasellaDiTesto 12">
+            <a:extLst>
+              <a:ext uri="{FF2B5EF4-FFF2-40B4-BE49-F238E27FC236}">
+                <a16:creationId xmlns:a16="http://schemas.microsoft.com/office/drawing/2014/main" id="{41B46196-83F9-43AC-8107-35E3AA5E875B}"/>
               </a:ext>
             </a:extLst>
           </p:cNvPr>
@@ -5192,7 +4684,7 @@
         <p:spPr>
           <a:xfrm>
             <a:off x="1066800" y="2428726"/>
-            <a:ext cx="10058400" cy="4893647"/>
+            <a:ext cx="10058400" cy="2677656"/>
           </a:xfrm>
           <a:prstGeom prst="rect">
             <a:avLst/>
@@ -5215,7 +4707,7 @@
                   <a:srgbClr val="002060"/>
                 </a:solidFill>
               </a:rPr>
-              <a:t>Ogni</a:t>
+              <a:t>Gli</a:t>
             </a:r>
             <a:r>
               <a:rPr lang="en-US" sz="2400" dirty="0">
@@ -5231,7 +4723,7 @@
                   <a:srgbClr val="002060"/>
                 </a:solidFill>
               </a:rPr>
-              <a:t>appartamento</a:t>
+              <a:t>appartamenti</a:t>
             </a:r>
             <a:r>
               <a:rPr lang="en-US" sz="2400" dirty="0">
@@ -5247,55 +4739,7 @@
                   <a:srgbClr val="002060"/>
                 </a:solidFill>
               </a:rPr>
-              <a:t>presenta</a:t>
-            </a:r>
-            <a:r>
-              <a:rPr lang="en-US" sz="2400" dirty="0">
-                <a:solidFill>
-                  <a:srgbClr val="002060"/>
-                </a:solidFill>
-              </a:rPr>
-              <a:t> un solo </a:t>
-            </a:r>
-            <a:r>
-              <a:rPr lang="en-US" sz="2400" dirty="0" err="1">
-                <a:solidFill>
-                  <a:srgbClr val="002060"/>
-                </a:solidFill>
-              </a:rPr>
-              <a:t>sensore</a:t>
-            </a:r>
-            <a:r>
-              <a:rPr lang="en-US" sz="2400" dirty="0">
-                <a:solidFill>
-                  <a:srgbClr val="002060"/>
-                </a:solidFill>
-              </a:rPr>
-              <a:t> di </a:t>
-            </a:r>
-            <a:r>
-              <a:rPr lang="en-US" sz="2400" dirty="0" err="1">
-                <a:solidFill>
-                  <a:srgbClr val="002060"/>
-                </a:solidFill>
-              </a:rPr>
-              <a:t>movimento</a:t>
-            </a:r>
-            <a:r>
-              <a:rPr lang="en-US" sz="2400" dirty="0">
-                <a:solidFill>
-                  <a:srgbClr val="002060"/>
-                </a:solidFill>
-              </a:rPr>
-              <a:t> per stanza, </a:t>
-            </a:r>
-            <a:r>
-              <a:rPr lang="en-US" sz="2400" dirty="0" err="1">
-                <a:solidFill>
-                  <a:srgbClr val="002060"/>
-                </a:solidFill>
-              </a:rPr>
-              <a:t>posizionato</a:t>
+              <a:t>sono</a:t>
             </a:r>
             <a:r>
               <a:rPr lang="en-US" sz="2400" dirty="0">
@@ -5311,7 +4755,23 @@
                   <a:srgbClr val="002060"/>
                 </a:solidFill>
               </a:rPr>
-              <a:t>sul</a:t>
+              <a:t>residenze</a:t>
+            </a:r>
+            <a:r>
+              <a:rPr lang="en-US" sz="2400" dirty="0">
+                <a:solidFill>
+                  <a:srgbClr val="002060"/>
+                </a:solidFill>
+              </a:rPr>
+              <a:t> private, </a:t>
+            </a:r>
+            <a:r>
+              <a:rPr lang="en-US" sz="2400" dirty="0" err="1">
+                <a:solidFill>
+                  <a:srgbClr val="002060"/>
+                </a:solidFill>
+              </a:rPr>
+              <a:t>identificate</a:t>
             </a:r>
             <a:r>
               <a:rPr lang="en-US" sz="2400" dirty="0">
@@ -5327,55 +4787,23 @@
                   <a:srgbClr val="002060"/>
                 </a:solidFill>
               </a:rPr>
-              <a:t>soffitto</a:t>
-            </a:r>
-            <a:r>
-              <a:rPr lang="en-US" sz="2400" dirty="0">
-                <a:solidFill>
-                  <a:srgbClr val="002060"/>
-                </a:solidFill>
-              </a:rPr>
-              <a:t>, in modo da </a:t>
-            </a:r>
-            <a:r>
-              <a:rPr lang="en-US" sz="2400" dirty="0" err="1">
-                <a:solidFill>
-                  <a:srgbClr val="002060"/>
-                </a:solidFill>
-              </a:rPr>
-              <a:t>coprire</a:t>
-            </a:r>
-            <a:r>
-              <a:rPr lang="en-US" sz="2400" dirty="0">
-                <a:solidFill>
-                  <a:srgbClr val="002060"/>
-                </a:solidFill>
-              </a:rPr>
-              <a:t> </a:t>
-            </a:r>
-            <a:r>
-              <a:rPr lang="en-US" sz="2400" dirty="0" err="1">
-                <a:solidFill>
-                  <a:srgbClr val="002060"/>
-                </a:solidFill>
-              </a:rPr>
-              <a:t>tutta</a:t>
-            </a:r>
-            <a:r>
-              <a:rPr lang="en-US" sz="2400" dirty="0">
-                <a:solidFill>
-                  <a:srgbClr val="002060"/>
-                </a:solidFill>
-              </a:rPr>
-              <a:t> </a:t>
-            </a:r>
-            <a:r>
-              <a:rPr lang="en-US" sz="2400" dirty="0" err="1">
-                <a:solidFill>
-                  <a:srgbClr val="002060"/>
-                </a:solidFill>
-              </a:rPr>
-              <a:t>l’area</a:t>
+              <a:t>univocamente</a:t>
+            </a:r>
+            <a:r>
+              <a:rPr lang="en-US" sz="2400" dirty="0">
+                <a:solidFill>
+                  <a:srgbClr val="002060"/>
+                </a:solidFill>
+              </a:rPr>
+              <a:t> da un </a:t>
+            </a:r>
+            <a:r>
+              <a:rPr lang="en-US" sz="2400" dirty="0" err="1">
+                <a:solidFill>
+                  <a:srgbClr val="002060"/>
+                </a:solidFill>
+              </a:rPr>
+              <a:t>indirizzo</a:t>
             </a:r>
             <a:r>
               <a:rPr lang="en-US" sz="2400" dirty="0">
@@ -5397,31 +4825,15 @@
                   <a:srgbClr val="002060"/>
                 </a:solidFill>
               </a:rPr>
-              <a:t>Il </a:t>
-            </a:r>
-            <a:r>
-              <a:rPr lang="en-US" sz="2400" dirty="0" err="1">
-                <a:solidFill>
-                  <a:srgbClr val="002060"/>
-                </a:solidFill>
-              </a:rPr>
-              <a:t>sensore</a:t>
-            </a:r>
-            <a:r>
-              <a:rPr lang="en-US" sz="2400" dirty="0">
-                <a:solidFill>
-                  <a:srgbClr val="002060"/>
-                </a:solidFill>
-              </a:rPr>
-              <a:t> di </a:t>
-            </a:r>
-            <a:r>
-              <a:rPr lang="en-US" sz="2400" dirty="0" err="1">
-                <a:solidFill>
-                  <a:srgbClr val="002060"/>
-                </a:solidFill>
-              </a:rPr>
-              <a:t>movimento</a:t>
+              <a:t>In </a:t>
+            </a:r>
+            <a:r>
+              <a:rPr lang="en-US" sz="2400" dirty="0" err="1">
+                <a:solidFill>
+                  <a:srgbClr val="002060"/>
+                </a:solidFill>
+              </a:rPr>
+              <a:t>ogni</a:t>
             </a:r>
             <a:r>
               <a:rPr lang="en-US" sz="2400" dirty="0">
@@ -5437,7 +4849,7 @@
                   <a:srgbClr val="002060"/>
                 </a:solidFill>
               </a:rPr>
-              <a:t>effettua</a:t>
+              <a:t>appartamento</a:t>
             </a:r>
             <a:r>
               <a:rPr lang="en-US" sz="2400" dirty="0">
@@ -5448,76 +4860,28 @@
               <a:t> </a:t>
             </a:r>
             <a:r>
-              <a:rPr lang="en-US" sz="2400" b="1" i="1" dirty="0">
-                <a:solidFill>
-                  <a:srgbClr val="002060"/>
-                </a:solidFill>
-              </a:rPr>
-              <a:t>n</a:t>
-            </a:r>
-            <a:r>
-              <a:rPr lang="en-US" sz="2400" dirty="0">
-                <a:solidFill>
-                  <a:srgbClr val="002060"/>
-                </a:solidFill>
-              </a:rPr>
-              <a:t> </a:t>
-            </a:r>
-            <a:r>
-              <a:rPr lang="en-US" sz="2400" dirty="0" err="1">
-                <a:solidFill>
-                  <a:srgbClr val="002060"/>
-                </a:solidFill>
-              </a:rPr>
-              <a:t>controlli</a:t>
-            </a:r>
-            <a:r>
-              <a:rPr lang="en-US" sz="2400" dirty="0">
-                <a:solidFill>
-                  <a:srgbClr val="002060"/>
-                </a:solidFill>
-              </a:rPr>
-              <a:t> </a:t>
-            </a:r>
-            <a:r>
-              <a:rPr lang="en-US" sz="2400" dirty="0" err="1">
-                <a:solidFill>
-                  <a:srgbClr val="002060"/>
-                </a:solidFill>
-              </a:rPr>
-              <a:t>ogni</a:t>
-            </a:r>
-            <a:r>
-              <a:rPr lang="en-US" sz="2400" dirty="0">
-                <a:solidFill>
-                  <a:srgbClr val="002060"/>
-                </a:solidFill>
-              </a:rPr>
-              <a:t> </a:t>
-            </a:r>
-            <a:r>
-              <a:rPr lang="en-US" sz="2400" b="1" i="1" dirty="0">
-                <a:solidFill>
-                  <a:srgbClr val="002060"/>
-                </a:solidFill>
-              </a:rPr>
-              <a:t>m</a:t>
-            </a:r>
-            <a:r>
-              <a:rPr lang="en-US" sz="2400" dirty="0">
-                <a:solidFill>
-                  <a:srgbClr val="002060"/>
-                </a:solidFill>
-              </a:rPr>
-              <a:t> </a:t>
-            </a:r>
-            <a:r>
-              <a:rPr lang="en-US" sz="2400" dirty="0" err="1">
-                <a:solidFill>
-                  <a:srgbClr val="002060"/>
-                </a:solidFill>
-              </a:rPr>
-              <a:t>minuti</a:t>
+              <a:rPr lang="en-US" sz="2400" dirty="0" err="1">
+                <a:solidFill>
+                  <a:srgbClr val="002060"/>
+                </a:solidFill>
+              </a:rPr>
+              <a:t>alloggia</a:t>
+            </a:r>
+            <a:r>
+              <a:rPr lang="en-US" sz="2400" dirty="0">
+                <a:solidFill>
+                  <a:srgbClr val="002060"/>
+                </a:solidFill>
+              </a:rPr>
+              <a:t> un solo </a:t>
+            </a:r>
+            <a:r>
+              <a:rPr lang="en-US" sz="2400" dirty="0" err="1">
+                <a:solidFill>
+                  <a:srgbClr val="002060"/>
+                </a:solidFill>
+              </a:rPr>
+              <a:t>anziano</a:t>
             </a:r>
             <a:r>
               <a:rPr lang="en-US" sz="2400" dirty="0">
@@ -5534,164 +4898,44 @@
               <a:buChar char="•"/>
             </a:pPr>
             <a:r>
-              <a:rPr lang="en-US" sz="2400" dirty="0" err="1">
-                <a:solidFill>
-                  <a:srgbClr val="002060"/>
-                </a:solidFill>
-              </a:rPr>
-              <a:t>Ogni</a:t>
-            </a:r>
-            <a:r>
-              <a:rPr lang="en-US" sz="2400" dirty="0">
-                <a:solidFill>
-                  <a:srgbClr val="002060"/>
-                </a:solidFill>
-              </a:rPr>
-              <a:t> </a:t>
-            </a:r>
-            <a:r>
-              <a:rPr lang="en-US" sz="2400" dirty="0" err="1">
-                <a:solidFill>
-                  <a:srgbClr val="002060"/>
-                </a:solidFill>
-              </a:rPr>
-              <a:t>appartamento</a:t>
-            </a:r>
-            <a:r>
-              <a:rPr lang="en-US" sz="2400" dirty="0">
-                <a:solidFill>
-                  <a:srgbClr val="002060"/>
-                </a:solidFill>
-              </a:rPr>
-              <a:t> </a:t>
-            </a:r>
-            <a:r>
-              <a:rPr lang="en-US" sz="2400" dirty="0" err="1">
-                <a:solidFill>
-                  <a:srgbClr val="002060"/>
-                </a:solidFill>
-              </a:rPr>
-              <a:t>contiene</a:t>
-            </a:r>
-            <a:r>
-              <a:rPr lang="en-US" sz="2400" dirty="0">
-                <a:solidFill>
-                  <a:srgbClr val="002060"/>
-                </a:solidFill>
-              </a:rPr>
-              <a:t> un solo </a:t>
-            </a:r>
-            <a:r>
-              <a:rPr lang="en-US" sz="2400" dirty="0" err="1">
-                <a:solidFill>
-                  <a:srgbClr val="002060"/>
-                </a:solidFill>
-              </a:rPr>
-              <a:t>letto</a:t>
-            </a:r>
-            <a:r>
-              <a:rPr lang="en-US" sz="2400" dirty="0">
-                <a:solidFill>
-                  <a:srgbClr val="002060"/>
-                </a:solidFill>
-              </a:rPr>
-              <a:t>, sotto </a:t>
-            </a:r>
-            <a:r>
-              <a:rPr lang="en-US" sz="2400" dirty="0" err="1">
-                <a:solidFill>
-                  <a:srgbClr val="002060"/>
-                </a:solidFill>
-              </a:rPr>
-              <a:t>il</a:t>
-            </a:r>
-            <a:r>
-              <a:rPr lang="en-US" sz="2400" dirty="0">
-                <a:solidFill>
-                  <a:srgbClr val="002060"/>
-                </a:solidFill>
-              </a:rPr>
-              <a:t> quale </a:t>
-            </a:r>
-            <a:r>
-              <a:rPr lang="en-US" sz="2400" dirty="0" err="1">
-                <a:solidFill>
-                  <a:srgbClr val="002060"/>
-                </a:solidFill>
-              </a:rPr>
-              <a:t>viene</a:t>
-            </a:r>
-            <a:r>
-              <a:rPr lang="en-US" sz="2400" dirty="0">
-                <a:solidFill>
-                  <a:srgbClr val="002060"/>
-                </a:solidFill>
-              </a:rPr>
-              <a:t> </a:t>
-            </a:r>
-            <a:r>
-              <a:rPr lang="en-US" sz="2400" dirty="0" err="1">
-                <a:solidFill>
-                  <a:srgbClr val="002060"/>
-                </a:solidFill>
-              </a:rPr>
-              <a:t>istallato</a:t>
-            </a:r>
-            <a:r>
-              <a:rPr lang="en-US" sz="2400" dirty="0">
-                <a:solidFill>
-                  <a:srgbClr val="002060"/>
-                </a:solidFill>
-              </a:rPr>
-              <a:t> </a:t>
-            </a:r>
-            <a:r>
-              <a:rPr lang="en-US" sz="2400" dirty="0" err="1">
-                <a:solidFill>
-                  <a:srgbClr val="002060"/>
-                </a:solidFill>
-              </a:rPr>
-              <a:t>il</a:t>
-            </a:r>
-            <a:r>
-              <a:rPr lang="en-US" sz="2400" dirty="0">
-                <a:solidFill>
-                  <a:srgbClr val="002060"/>
-                </a:solidFill>
-              </a:rPr>
-              <a:t> </a:t>
-            </a:r>
-            <a:r>
-              <a:rPr lang="en-US" sz="2400" dirty="0" err="1">
-                <a:solidFill>
-                  <a:srgbClr val="002060"/>
-                </a:solidFill>
-              </a:rPr>
-              <a:t>sensore</a:t>
-            </a:r>
-            <a:r>
-              <a:rPr lang="en-US" sz="2400" dirty="0">
-                <a:solidFill>
-                  <a:srgbClr val="002060"/>
-                </a:solidFill>
-              </a:rPr>
-              <a:t> di </a:t>
-            </a:r>
-            <a:r>
-              <a:rPr lang="en-US" sz="2400" dirty="0" err="1">
-                <a:solidFill>
-                  <a:srgbClr val="002060"/>
-                </a:solidFill>
-              </a:rPr>
-              <a:t>pressione</a:t>
-            </a:r>
-            <a:r>
-              <a:rPr lang="en-US" sz="2400" dirty="0">
-                <a:solidFill>
-                  <a:srgbClr val="002060"/>
-                </a:solidFill>
-              </a:rPr>
-              <a:t>;</a:t>
+              <a:rPr lang="en-US" sz="2400" dirty="0">
+                <a:solidFill>
+                  <a:srgbClr val="002060"/>
+                </a:solidFill>
+              </a:rPr>
+              <a:t>I caretakes </a:t>
+            </a:r>
+            <a:r>
+              <a:rPr lang="en-US" sz="2400" dirty="0" err="1">
+                <a:solidFill>
+                  <a:srgbClr val="002060"/>
+                </a:solidFill>
+              </a:rPr>
+              <a:t>dispongono</a:t>
+            </a:r>
+            <a:r>
+              <a:rPr lang="en-US" sz="2400" dirty="0">
+                <a:solidFill>
+                  <a:srgbClr val="002060"/>
+                </a:solidFill>
+              </a:rPr>
+              <a:t> di un </a:t>
+            </a:r>
+            <a:r>
+              <a:rPr lang="en-US" sz="2400" dirty="0" err="1">
+                <a:solidFill>
+                  <a:srgbClr val="002060"/>
+                </a:solidFill>
+              </a:rPr>
+              <a:t>terminale</a:t>
+            </a:r>
+            <a:r>
+              <a:rPr lang="en-US" sz="2400" dirty="0">
+                <a:solidFill>
+                  <a:srgbClr val="002060"/>
+                </a:solidFill>
+              </a:rPr>
+              <a:t> mobile;</a:t>
             </a:r>
           </a:p>
           <a:p>
@@ -5705,31 +4949,15 @@
                   <a:srgbClr val="002060"/>
                 </a:solidFill>
               </a:rPr>
-              <a:t>Il </a:t>
-            </a:r>
-            <a:r>
-              <a:rPr lang="en-US" sz="2400" dirty="0" err="1">
-                <a:solidFill>
-                  <a:srgbClr val="002060"/>
-                </a:solidFill>
-              </a:rPr>
-              <a:t>sensore</a:t>
-            </a:r>
-            <a:r>
-              <a:rPr lang="en-US" sz="2400" dirty="0">
-                <a:solidFill>
-                  <a:srgbClr val="002060"/>
-                </a:solidFill>
-              </a:rPr>
-              <a:t> di </a:t>
-            </a:r>
-            <a:r>
-              <a:rPr lang="en-US" sz="2400" dirty="0" err="1">
-                <a:solidFill>
-                  <a:srgbClr val="002060"/>
-                </a:solidFill>
-              </a:rPr>
-              <a:t>pressione</a:t>
+              <a:t>I </a:t>
+            </a:r>
+            <a:r>
+              <a:rPr lang="en-US" sz="2400" dirty="0" err="1">
+                <a:solidFill>
+                  <a:srgbClr val="002060"/>
+                </a:solidFill>
+              </a:rPr>
+              <a:t>dati</a:t>
             </a:r>
             <a:r>
               <a:rPr lang="en-US" sz="2400" dirty="0">
@@ -5745,7 +4973,7 @@
                   <a:srgbClr val="002060"/>
                 </a:solidFill>
               </a:rPr>
-              <a:t>nel</a:t>
+              <a:t>medi</a:t>
             </a:r>
             <a:r>
               <a:rPr lang="en-US" sz="2400" dirty="0">
@@ -5761,7 +4989,23 @@
                   <a:srgbClr val="002060"/>
                 </a:solidFill>
               </a:rPr>
-              <a:t>letto</a:t>
+              <a:t>dell’anziano</a:t>
+            </a:r>
+            <a:r>
+              <a:rPr lang="en-US" sz="2400" dirty="0">
+                <a:solidFill>
+                  <a:srgbClr val="002060"/>
+                </a:solidFill>
+              </a:rPr>
+              <a:t>, </a:t>
+            </a:r>
+            <a:r>
+              <a:rPr lang="en-US" sz="2400" dirty="0" err="1">
+                <a:solidFill>
+                  <a:srgbClr val="002060"/>
+                </a:solidFill>
+              </a:rPr>
+              <a:t>calcolati</a:t>
             </a:r>
             <a:r>
               <a:rPr lang="en-US" sz="2400" dirty="0">
@@ -5777,23 +5021,39 @@
                   <a:srgbClr val="002060"/>
                 </a:solidFill>
               </a:rPr>
-              <a:t>effettua</a:t>
-            </a:r>
-            <a:r>
-              <a:rPr lang="en-US" sz="2400" dirty="0">
-                <a:solidFill>
-                  <a:srgbClr val="002060"/>
-                </a:solidFill>
-              </a:rPr>
-              <a:t> un </a:t>
-            </a:r>
-            <a:r>
-              <a:rPr lang="en-US" sz="2400" dirty="0" err="1">
-                <a:solidFill>
-                  <a:srgbClr val="002060"/>
-                </a:solidFill>
-              </a:rPr>
-              <a:t>controllo</a:t>
+              <a:t>su</a:t>
+            </a:r>
+            <a:r>
+              <a:rPr lang="en-US" sz="2400" dirty="0">
+                <a:solidFill>
+                  <a:srgbClr val="002060"/>
+                </a:solidFill>
+              </a:rPr>
+              <a:t> base </a:t>
+            </a:r>
+            <a:r>
+              <a:rPr lang="en-US" sz="2400" dirty="0" err="1">
+                <a:solidFill>
+                  <a:srgbClr val="002060"/>
+                </a:solidFill>
+              </a:rPr>
+              <a:t>settimanale</a:t>
+            </a:r>
+            <a:r>
+              <a:rPr lang="en-US" sz="2400" dirty="0">
+                <a:solidFill>
+                  <a:srgbClr val="002060"/>
+                </a:solidFill>
+              </a:rPr>
+              <a:t>, </a:t>
+            </a:r>
+            <a:r>
+              <a:rPr lang="en-US" sz="2400" dirty="0" err="1">
+                <a:solidFill>
+                  <a:srgbClr val="002060"/>
+                </a:solidFill>
+              </a:rPr>
+              <a:t>vengono</a:t>
             </a:r>
             <a:r>
               <a:rPr lang="en-US" sz="2400" dirty="0">
@@ -5809,23 +5069,23 @@
                   <a:srgbClr val="002060"/>
                 </a:solidFill>
               </a:rPr>
-              <a:t>ogni</a:t>
-            </a:r>
-            <a:r>
-              <a:rPr lang="en-US" sz="2400" dirty="0">
-                <a:solidFill>
-                  <a:srgbClr val="002060"/>
-                </a:solidFill>
-              </a:rPr>
-              <a:t> 5 </a:t>
-            </a:r>
-            <a:r>
-              <a:rPr lang="en-US" sz="2400" dirty="0" err="1">
-                <a:solidFill>
-                  <a:srgbClr val="002060"/>
-                </a:solidFill>
-              </a:rPr>
-              <a:t>minuti</a:t>
+              <a:t>automaticamente</a:t>
+            </a:r>
+            <a:r>
+              <a:rPr lang="en-US" sz="2400" dirty="0">
+                <a:solidFill>
+                  <a:srgbClr val="002060"/>
+                </a:solidFill>
+              </a:rPr>
+              <a:t> eliminate dopo 6 </a:t>
+            </a:r>
+            <a:r>
+              <a:rPr lang="en-US" sz="2400" dirty="0" err="1">
+                <a:solidFill>
+                  <a:srgbClr val="002060"/>
+                </a:solidFill>
+              </a:rPr>
+              <a:t>mesi</a:t>
             </a:r>
             <a:r>
               <a:rPr lang="en-US" sz="2400" dirty="0">
@@ -5847,223 +5107,79 @@
                   <a:srgbClr val="002060"/>
                 </a:solidFill>
               </a:rPr>
-              <a:t>Il </a:t>
-            </a:r>
-            <a:r>
-              <a:rPr lang="en-US" sz="2400" dirty="0" err="1">
-                <a:solidFill>
-                  <a:srgbClr val="002060"/>
-                </a:solidFill>
-              </a:rPr>
-              <a:t>sistema</a:t>
-            </a:r>
-            <a:r>
-              <a:rPr lang="en-US" sz="2400" dirty="0">
-                <a:solidFill>
-                  <a:srgbClr val="002060"/>
-                </a:solidFill>
-              </a:rPr>
-              <a:t> audio </a:t>
-            </a:r>
-            <a:r>
-              <a:rPr lang="en-US" sz="2400" dirty="0" err="1">
-                <a:solidFill>
-                  <a:srgbClr val="002060"/>
-                </a:solidFill>
-              </a:rPr>
-              <a:t>può</a:t>
-            </a:r>
-            <a:r>
-              <a:rPr lang="en-US" sz="2400" dirty="0">
-                <a:solidFill>
-                  <a:srgbClr val="002060"/>
-                </a:solidFill>
-              </a:rPr>
-              <a:t> </a:t>
-            </a:r>
-            <a:r>
-              <a:rPr lang="en-US" sz="2400" dirty="0" err="1">
-                <a:solidFill>
-                  <a:srgbClr val="002060"/>
-                </a:solidFill>
-              </a:rPr>
-              <a:t>essere</a:t>
-            </a:r>
-            <a:r>
-              <a:rPr lang="en-US" sz="2400" dirty="0">
-                <a:solidFill>
-                  <a:srgbClr val="002060"/>
-                </a:solidFill>
-              </a:rPr>
-              <a:t> </a:t>
-            </a:r>
-            <a:r>
-              <a:rPr lang="en-US" sz="2400" dirty="0" err="1">
-                <a:solidFill>
-                  <a:srgbClr val="002060"/>
-                </a:solidFill>
-              </a:rPr>
-              <a:t>utilizzato</a:t>
-            </a:r>
-            <a:r>
-              <a:rPr lang="en-US" sz="2400" dirty="0">
-                <a:solidFill>
-                  <a:srgbClr val="002060"/>
-                </a:solidFill>
-              </a:rPr>
-              <a:t>, previa </a:t>
-            </a:r>
-            <a:r>
-              <a:rPr lang="en-US" sz="2400" dirty="0" err="1">
-                <a:solidFill>
-                  <a:srgbClr val="002060"/>
-                </a:solidFill>
-              </a:rPr>
-              <a:t>attivazione</a:t>
-            </a:r>
-            <a:r>
-              <a:rPr lang="en-US" sz="2400" dirty="0">
-                <a:solidFill>
-                  <a:srgbClr val="002060"/>
-                </a:solidFill>
-              </a:rPr>
-              <a:t> da </a:t>
-            </a:r>
-            <a:r>
-              <a:rPr lang="en-US" sz="2400" dirty="0" err="1">
-                <a:solidFill>
-                  <a:srgbClr val="002060"/>
-                </a:solidFill>
-              </a:rPr>
-              <a:t>parte</a:t>
-            </a:r>
-            <a:r>
-              <a:rPr lang="en-US" sz="2400" dirty="0">
-                <a:solidFill>
-                  <a:srgbClr val="002060"/>
-                </a:solidFill>
-              </a:rPr>
-              <a:t> di un caretaker, per </a:t>
-            </a:r>
-            <a:r>
-              <a:rPr lang="en-US" sz="2400" dirty="0" err="1">
-                <a:solidFill>
-                  <a:srgbClr val="002060"/>
-                </a:solidFill>
-              </a:rPr>
-              <a:t>comunicare</a:t>
-            </a:r>
-            <a:r>
-              <a:rPr lang="en-US" sz="2400" dirty="0">
-                <a:solidFill>
-                  <a:srgbClr val="002060"/>
-                </a:solidFill>
-              </a:rPr>
-              <a:t> con </a:t>
-            </a:r>
-            <a:r>
-              <a:rPr lang="en-US" sz="2400" dirty="0" err="1">
-                <a:solidFill>
-                  <a:srgbClr val="002060"/>
-                </a:solidFill>
-              </a:rPr>
-              <a:t>l’aziano</a:t>
-            </a:r>
-            <a:r>
-              <a:rPr lang="en-US" sz="2400" dirty="0">
-                <a:solidFill>
-                  <a:srgbClr val="002060"/>
-                </a:solidFill>
-              </a:rPr>
-              <a:t>, e </a:t>
-            </a:r>
-            <a:r>
-              <a:rPr lang="en-US" sz="2400" dirty="0" err="1">
-                <a:solidFill>
-                  <a:srgbClr val="002060"/>
-                </a:solidFill>
-              </a:rPr>
-              <a:t>l’anziano</a:t>
-            </a:r>
-            <a:r>
-              <a:rPr lang="en-US" sz="2400" dirty="0">
-                <a:solidFill>
-                  <a:srgbClr val="002060"/>
-                </a:solidFill>
-              </a:rPr>
-              <a:t> </a:t>
-            </a:r>
-            <a:r>
-              <a:rPr lang="en-US" sz="2400" dirty="0" err="1">
-                <a:solidFill>
-                  <a:srgbClr val="002060"/>
-                </a:solidFill>
-              </a:rPr>
-              <a:t>può</a:t>
-            </a:r>
-            <a:r>
-              <a:rPr lang="en-US" sz="2400" dirty="0">
-                <a:solidFill>
-                  <a:srgbClr val="002060"/>
-                </a:solidFill>
-              </a:rPr>
-              <a:t> </a:t>
-            </a:r>
-            <a:r>
-              <a:rPr lang="en-US" sz="2400" dirty="0" err="1">
-                <a:solidFill>
-                  <a:srgbClr val="002060"/>
-                </a:solidFill>
-              </a:rPr>
-              <a:t>usare</a:t>
-            </a:r>
-            <a:r>
-              <a:rPr lang="en-US" sz="2400" dirty="0">
-                <a:solidFill>
-                  <a:srgbClr val="002060"/>
-                </a:solidFill>
-              </a:rPr>
-              <a:t> </a:t>
-            </a:r>
-            <a:r>
-              <a:rPr lang="en-US" sz="2400" dirty="0" err="1">
-                <a:solidFill>
-                  <a:srgbClr val="002060"/>
-                </a:solidFill>
-              </a:rPr>
-              <a:t>il</a:t>
-            </a:r>
-            <a:r>
-              <a:rPr lang="en-US" sz="2400" dirty="0">
-                <a:solidFill>
-                  <a:srgbClr val="002060"/>
-                </a:solidFill>
-              </a:rPr>
-              <a:t> </a:t>
-            </a:r>
-            <a:r>
-              <a:rPr lang="en-US" sz="2400" dirty="0" err="1">
-                <a:solidFill>
-                  <a:srgbClr val="002060"/>
-                </a:solidFill>
-              </a:rPr>
-              <a:t>microfono</a:t>
-            </a:r>
-            <a:r>
-              <a:rPr lang="en-US" sz="2400" dirty="0">
-                <a:solidFill>
-                  <a:srgbClr val="002060"/>
-                </a:solidFill>
-              </a:rPr>
-              <a:t> per </a:t>
-            </a:r>
-            <a:r>
-              <a:rPr lang="en-US" sz="2400" dirty="0" err="1">
-                <a:solidFill>
-                  <a:srgbClr val="002060"/>
-                </a:solidFill>
-              </a:rPr>
-              <a:t>rispondere</a:t>
+              <a:t>Si </a:t>
+            </a:r>
+            <a:r>
+              <a:rPr lang="en-US" sz="2400" dirty="0" err="1">
+                <a:solidFill>
+                  <a:srgbClr val="002060"/>
+                </a:solidFill>
+              </a:rPr>
+              <a:t>ipotizza</a:t>
+            </a:r>
+            <a:r>
+              <a:rPr lang="en-US" sz="2400" dirty="0">
+                <a:solidFill>
+                  <a:srgbClr val="002060"/>
+                </a:solidFill>
+              </a:rPr>
+              <a:t> la </a:t>
+            </a:r>
+            <a:r>
+              <a:rPr lang="en-US" sz="2400" dirty="0" err="1">
+                <a:solidFill>
+                  <a:srgbClr val="002060"/>
+                </a:solidFill>
+              </a:rPr>
+              <a:t>gestione</a:t>
+            </a:r>
+            <a:r>
+              <a:rPr lang="en-US" sz="2400" dirty="0">
+                <a:solidFill>
+                  <a:srgbClr val="002060"/>
+                </a:solidFill>
+              </a:rPr>
+              <a:t> di 1000 anziani </a:t>
+            </a:r>
+            <a:r>
+              <a:rPr lang="en-US" sz="2400" dirty="0" err="1">
+                <a:solidFill>
+                  <a:srgbClr val="002060"/>
+                </a:solidFill>
+              </a:rPr>
+              <a:t>diversi</a:t>
+            </a:r>
+            <a:r>
+              <a:rPr lang="en-US" sz="2400" dirty="0">
+                <a:solidFill>
+                  <a:srgbClr val="002060"/>
+                </a:solidFill>
+              </a:rPr>
+              <a:t>, </a:t>
+            </a:r>
+            <a:r>
+              <a:rPr lang="en-US" sz="2400" dirty="0" err="1">
+                <a:solidFill>
+                  <a:srgbClr val="002060"/>
+                </a:solidFill>
+              </a:rPr>
+              <a:t>quindi</a:t>
+            </a:r>
+            <a:r>
+              <a:rPr lang="en-US" sz="2400" dirty="0">
+                <a:solidFill>
+                  <a:srgbClr val="002060"/>
+                </a:solidFill>
+              </a:rPr>
+              <a:t> 1000 diverse </a:t>
+            </a:r>
+            <a:r>
+              <a:rPr lang="en-US" sz="2400" dirty="0" err="1">
+                <a:solidFill>
+                  <a:srgbClr val="002060"/>
+                </a:solidFill>
+              </a:rPr>
+              <a:t>abitazioni</a:t>
             </a:r>
             <a:r>
               <a:rPr lang="en-US" sz="2400" dirty="0">
@@ -6073,169 +5189,13 @@
               </a:rPr>
               <a:t>;</a:t>
             </a:r>
-          </a:p>
-          <a:p>
-            <a:pPr marL="342900" indent="-342900" algn="just">
-              <a:buFont typeface="Arial" panose="020B0604020202020204" pitchFamily="34" charset="0"/>
-              <a:buChar char="•"/>
-            </a:pPr>
-            <a:r>
-              <a:rPr lang="en-US" sz="2400" dirty="0" err="1">
-                <a:solidFill>
-                  <a:srgbClr val="002060"/>
-                </a:solidFill>
-              </a:rPr>
-              <a:t>L’anziano</a:t>
-            </a:r>
-            <a:r>
-              <a:rPr lang="en-US" sz="2400" dirty="0">
-                <a:solidFill>
-                  <a:srgbClr val="002060"/>
-                </a:solidFill>
-              </a:rPr>
-              <a:t> non </a:t>
-            </a:r>
-            <a:r>
-              <a:rPr lang="en-US" sz="2400" dirty="0" err="1">
-                <a:solidFill>
-                  <a:srgbClr val="002060"/>
-                </a:solidFill>
-              </a:rPr>
-              <a:t>può</a:t>
-            </a:r>
-            <a:r>
-              <a:rPr lang="en-US" sz="2400" dirty="0">
-                <a:solidFill>
-                  <a:srgbClr val="002060"/>
-                </a:solidFill>
-              </a:rPr>
-              <a:t> </a:t>
-            </a:r>
-            <a:r>
-              <a:rPr lang="en-US" sz="2400" dirty="0" err="1">
-                <a:solidFill>
-                  <a:srgbClr val="002060"/>
-                </a:solidFill>
-              </a:rPr>
-              <a:t>usare</a:t>
-            </a:r>
-            <a:r>
-              <a:rPr lang="en-US" sz="2400" dirty="0">
-                <a:solidFill>
-                  <a:srgbClr val="002060"/>
-                </a:solidFill>
-              </a:rPr>
-              <a:t> </a:t>
-            </a:r>
-            <a:r>
-              <a:rPr lang="en-US" sz="2400" dirty="0" err="1">
-                <a:solidFill>
-                  <a:srgbClr val="002060"/>
-                </a:solidFill>
-              </a:rPr>
-              <a:t>il</a:t>
-            </a:r>
-            <a:r>
-              <a:rPr lang="en-US" sz="2400" dirty="0">
-                <a:solidFill>
-                  <a:srgbClr val="002060"/>
-                </a:solidFill>
-              </a:rPr>
-              <a:t> </a:t>
-            </a:r>
-            <a:r>
-              <a:rPr lang="en-US" sz="2400" dirty="0" err="1">
-                <a:solidFill>
-                  <a:srgbClr val="002060"/>
-                </a:solidFill>
-              </a:rPr>
-              <a:t>sistema</a:t>
-            </a:r>
-            <a:r>
-              <a:rPr lang="en-US" sz="2400" dirty="0">
-                <a:solidFill>
-                  <a:srgbClr val="002060"/>
-                </a:solidFill>
-              </a:rPr>
-              <a:t> audio se </a:t>
-            </a:r>
-            <a:r>
-              <a:rPr lang="en-US" sz="2400" dirty="0" err="1">
-                <a:solidFill>
-                  <a:srgbClr val="002060"/>
-                </a:solidFill>
-              </a:rPr>
-              <a:t>questo</a:t>
-            </a:r>
-            <a:r>
-              <a:rPr lang="en-US" sz="2400" dirty="0">
-                <a:solidFill>
-                  <a:srgbClr val="002060"/>
-                </a:solidFill>
-              </a:rPr>
-              <a:t> prima non </a:t>
-            </a:r>
-            <a:r>
-              <a:rPr lang="en-US" sz="2400" dirty="0" err="1">
-                <a:solidFill>
-                  <a:srgbClr val="002060"/>
-                </a:solidFill>
-              </a:rPr>
-              <a:t>viene</a:t>
-            </a:r>
-            <a:r>
-              <a:rPr lang="en-US" sz="2400" dirty="0">
-                <a:solidFill>
-                  <a:srgbClr val="002060"/>
-                </a:solidFill>
-              </a:rPr>
-              <a:t> </a:t>
-            </a:r>
-            <a:r>
-              <a:rPr lang="en-US" sz="2400" dirty="0" err="1">
-                <a:solidFill>
-                  <a:srgbClr val="002060"/>
-                </a:solidFill>
-              </a:rPr>
-              <a:t>attivato</a:t>
-            </a:r>
-            <a:r>
-              <a:rPr lang="en-US" sz="2400" dirty="0">
-                <a:solidFill>
-                  <a:srgbClr val="002060"/>
-                </a:solidFill>
-              </a:rPr>
-              <a:t> da un caretaker;</a:t>
-            </a:r>
-          </a:p>
-          <a:p>
-            <a:pPr marL="342900" indent="-342900" algn="just">
-              <a:buFont typeface="Arial" panose="020B0604020202020204" pitchFamily="34" charset="0"/>
-              <a:buChar char="•"/>
-            </a:pPr>
-            <a:endParaRPr lang="en-US" sz="2400" dirty="0">
-              <a:solidFill>
-                <a:srgbClr val="002060"/>
-              </a:solidFill>
-            </a:endParaRPr>
-          </a:p>
-          <a:p>
-            <a:pPr marL="342900" indent="-342900" algn="just">
-              <a:buFont typeface="Arial" panose="020B0604020202020204" pitchFamily="34" charset="0"/>
-              <a:buChar char="•"/>
-            </a:pPr>
-            <a:endParaRPr lang="en-US" sz="2400" dirty="0">
-              <a:solidFill>
-                <a:srgbClr val="002060"/>
-              </a:solidFill>
-            </a:endParaRPr>
           </a:p>
         </p:txBody>
       </p:sp>
     </p:spTree>
     <p:extLst>
       <p:ext uri="{BB962C8B-B14F-4D97-AF65-F5344CB8AC3E}">
-        <p14:creationId xmlns:p14="http://schemas.microsoft.com/office/powerpoint/2010/main" val="1587358040"/>
+        <p14:creationId xmlns:p14="http://schemas.microsoft.com/office/powerpoint/2010/main" val="414310380"/>
       </p:ext>
     </p:extLst>
   </p:cSld>
@@ -6335,7 +5295,7 @@
         </p:nvSpPr>
         <p:spPr>
           <a:xfrm>
-            <a:off x="1066800" y="1619513"/>
+            <a:off x="935484" y="1603373"/>
             <a:ext cx="7823505" cy="769441"/>
           </a:xfrm>
           <a:prstGeom prst="rect">
@@ -6349,7 +5309,7 @@
           </a:bodyPr>
           <a:lstStyle/>
           <a:p>
-            <a:pPr algn="just"/>
+            <a:pPr algn="ctr"/>
             <a:r>
               <a:rPr lang="en-US" sz="4400" dirty="0" err="1">
                 <a:ln w="0"/>
@@ -6396,7 +5356,7 @@
                   </a:outerShdw>
                 </a:effectLst>
               </a:rPr>
-              <a:t>Servizi</a:t>
+              <a:t>Sensori</a:t>
             </a:r>
             <a:r>
               <a:rPr lang="en-US" sz="4400" dirty="0">
@@ -6428,7 +5388,7 @@
                   </a:outerShdw>
                 </a:effectLst>
               </a:rPr>
-              <a:t>Esterni</a:t>
+              <a:t>Ambientali</a:t>
             </a:r>
             <a:endParaRPr lang="it-IT" sz="4400" i="1" dirty="0">
               <a:ln w="0"/>
@@ -6566,7 +5526,7 @@
         <p:spPr>
           <a:xfrm>
             <a:off x="1066800" y="2428726"/>
-            <a:ext cx="10058400" cy="1200329"/>
+            <a:ext cx="10058400" cy="4893647"/>
           </a:xfrm>
           <a:prstGeom prst="rect">
             <a:avLst/>
@@ -6584,12 +5544,408 @@
               <a:buChar char="•"/>
             </a:pPr>
             <a:r>
-              <a:rPr lang="en-US" sz="2400" dirty="0">
-                <a:solidFill>
-                  <a:srgbClr val="002060"/>
-                </a:solidFill>
-              </a:rPr>
-              <a:t>Non </a:t>
+              <a:rPr lang="en-US" sz="2400" dirty="0" err="1">
+                <a:solidFill>
+                  <a:srgbClr val="002060"/>
+                </a:solidFill>
+              </a:rPr>
+              <a:t>Ogni</a:t>
+            </a:r>
+            <a:r>
+              <a:rPr lang="en-US" sz="2400" dirty="0">
+                <a:solidFill>
+                  <a:srgbClr val="002060"/>
+                </a:solidFill>
+              </a:rPr>
+              <a:t> </a:t>
+            </a:r>
+            <a:r>
+              <a:rPr lang="en-US" sz="2400" dirty="0" err="1">
+                <a:solidFill>
+                  <a:srgbClr val="002060"/>
+                </a:solidFill>
+              </a:rPr>
+              <a:t>appartamento</a:t>
+            </a:r>
+            <a:r>
+              <a:rPr lang="en-US" sz="2400" dirty="0">
+                <a:solidFill>
+                  <a:srgbClr val="002060"/>
+                </a:solidFill>
+              </a:rPr>
+              <a:t> </a:t>
+            </a:r>
+            <a:r>
+              <a:rPr lang="en-US" sz="2400" dirty="0" err="1">
+                <a:solidFill>
+                  <a:srgbClr val="002060"/>
+                </a:solidFill>
+              </a:rPr>
+              <a:t>presenta</a:t>
+            </a:r>
+            <a:r>
+              <a:rPr lang="en-US" sz="2400" dirty="0">
+                <a:solidFill>
+                  <a:srgbClr val="002060"/>
+                </a:solidFill>
+              </a:rPr>
+              <a:t> un solo </a:t>
+            </a:r>
+            <a:r>
+              <a:rPr lang="en-US" sz="2400" dirty="0" err="1">
+                <a:solidFill>
+                  <a:srgbClr val="002060"/>
+                </a:solidFill>
+              </a:rPr>
+              <a:t>sensore</a:t>
+            </a:r>
+            <a:r>
+              <a:rPr lang="en-US" sz="2400" dirty="0">
+                <a:solidFill>
+                  <a:srgbClr val="002060"/>
+                </a:solidFill>
+              </a:rPr>
+              <a:t> di </a:t>
+            </a:r>
+            <a:r>
+              <a:rPr lang="en-US" sz="2400" dirty="0" err="1">
+                <a:solidFill>
+                  <a:srgbClr val="002060"/>
+                </a:solidFill>
+              </a:rPr>
+              <a:t>movimento</a:t>
+            </a:r>
+            <a:r>
+              <a:rPr lang="en-US" sz="2400" dirty="0">
+                <a:solidFill>
+                  <a:srgbClr val="002060"/>
+                </a:solidFill>
+              </a:rPr>
+              <a:t> per stanza, </a:t>
+            </a:r>
+            <a:r>
+              <a:rPr lang="en-US" sz="2400" dirty="0" err="1">
+                <a:solidFill>
+                  <a:srgbClr val="002060"/>
+                </a:solidFill>
+              </a:rPr>
+              <a:t>posizionato</a:t>
+            </a:r>
+            <a:r>
+              <a:rPr lang="en-US" sz="2400" dirty="0">
+                <a:solidFill>
+                  <a:srgbClr val="002060"/>
+                </a:solidFill>
+              </a:rPr>
+              <a:t> </a:t>
+            </a:r>
+            <a:r>
+              <a:rPr lang="en-US" sz="2400" dirty="0" err="1">
+                <a:solidFill>
+                  <a:srgbClr val="002060"/>
+                </a:solidFill>
+              </a:rPr>
+              <a:t>sul</a:t>
+            </a:r>
+            <a:r>
+              <a:rPr lang="en-US" sz="2400" dirty="0">
+                <a:solidFill>
+                  <a:srgbClr val="002060"/>
+                </a:solidFill>
+              </a:rPr>
+              <a:t> </a:t>
+            </a:r>
+            <a:r>
+              <a:rPr lang="en-US" sz="2400" dirty="0" err="1">
+                <a:solidFill>
+                  <a:srgbClr val="002060"/>
+                </a:solidFill>
+              </a:rPr>
+              <a:t>soffitto</a:t>
+            </a:r>
+            <a:r>
+              <a:rPr lang="en-US" sz="2400" dirty="0">
+                <a:solidFill>
+                  <a:srgbClr val="002060"/>
+                </a:solidFill>
+              </a:rPr>
+              <a:t>, in modo da </a:t>
+            </a:r>
+            <a:r>
+              <a:rPr lang="en-US" sz="2400" dirty="0" err="1">
+                <a:solidFill>
+                  <a:srgbClr val="002060"/>
+                </a:solidFill>
+              </a:rPr>
+              <a:t>coprire</a:t>
+            </a:r>
+            <a:r>
+              <a:rPr lang="en-US" sz="2400" dirty="0">
+                <a:solidFill>
+                  <a:srgbClr val="002060"/>
+                </a:solidFill>
+              </a:rPr>
+              <a:t> </a:t>
+            </a:r>
+            <a:r>
+              <a:rPr lang="en-US" sz="2400" dirty="0" err="1">
+                <a:solidFill>
+                  <a:srgbClr val="002060"/>
+                </a:solidFill>
+              </a:rPr>
+              <a:t>tutta</a:t>
+            </a:r>
+            <a:r>
+              <a:rPr lang="en-US" sz="2400" dirty="0">
+                <a:solidFill>
+                  <a:srgbClr val="002060"/>
+                </a:solidFill>
+              </a:rPr>
+              <a:t> </a:t>
+            </a:r>
+            <a:r>
+              <a:rPr lang="en-US" sz="2400" dirty="0" err="1">
+                <a:solidFill>
+                  <a:srgbClr val="002060"/>
+                </a:solidFill>
+              </a:rPr>
+              <a:t>l’area</a:t>
+            </a:r>
+            <a:r>
+              <a:rPr lang="en-US" sz="2400" dirty="0">
+                <a:solidFill>
+                  <a:srgbClr val="002060"/>
+                </a:solidFill>
+              </a:rPr>
+              <a:t>;</a:t>
+            </a:r>
+          </a:p>
+          <a:p>
+            <a:pPr marL="342900" indent="-342900" algn="just">
+              <a:buFont typeface="Arial" panose="020B0604020202020204" pitchFamily="34" charset="0"/>
+              <a:buChar char="•"/>
+            </a:pPr>
+            <a:r>
+              <a:rPr lang="en-US" sz="2400" dirty="0">
+                <a:solidFill>
+                  <a:srgbClr val="002060"/>
+                </a:solidFill>
+              </a:rPr>
+              <a:t>Il </a:t>
+            </a:r>
+            <a:r>
+              <a:rPr lang="en-US" sz="2400" dirty="0" err="1">
+                <a:solidFill>
+                  <a:srgbClr val="002060"/>
+                </a:solidFill>
+              </a:rPr>
+              <a:t>sensore</a:t>
+            </a:r>
+            <a:r>
+              <a:rPr lang="en-US" sz="2400" dirty="0">
+                <a:solidFill>
+                  <a:srgbClr val="002060"/>
+                </a:solidFill>
+              </a:rPr>
+              <a:t> di </a:t>
+            </a:r>
+            <a:r>
+              <a:rPr lang="en-US" sz="2400" dirty="0" err="1">
+                <a:solidFill>
+                  <a:srgbClr val="002060"/>
+                </a:solidFill>
+              </a:rPr>
+              <a:t>movimento</a:t>
+            </a:r>
+            <a:r>
+              <a:rPr lang="en-US" sz="2400" dirty="0">
+                <a:solidFill>
+                  <a:srgbClr val="002060"/>
+                </a:solidFill>
+              </a:rPr>
+              <a:t> </a:t>
+            </a:r>
+            <a:r>
+              <a:rPr lang="en-US" sz="2400" dirty="0" err="1">
+                <a:solidFill>
+                  <a:srgbClr val="002060"/>
+                </a:solidFill>
+              </a:rPr>
+              <a:t>effettua</a:t>
+            </a:r>
+            <a:r>
+              <a:rPr lang="en-US" sz="2400" dirty="0">
+                <a:solidFill>
+                  <a:srgbClr val="002060"/>
+                </a:solidFill>
+              </a:rPr>
+              <a:t> </a:t>
+            </a:r>
+            <a:r>
+              <a:rPr lang="en-US" sz="2400" b="1" i="1" dirty="0">
+                <a:solidFill>
+                  <a:srgbClr val="002060"/>
+                </a:solidFill>
+              </a:rPr>
+              <a:t>n</a:t>
+            </a:r>
+            <a:r>
+              <a:rPr lang="en-US" sz="2400" dirty="0">
+                <a:solidFill>
+                  <a:srgbClr val="002060"/>
+                </a:solidFill>
+              </a:rPr>
+              <a:t> </a:t>
+            </a:r>
+            <a:r>
+              <a:rPr lang="en-US" sz="2400" dirty="0" err="1">
+                <a:solidFill>
+                  <a:srgbClr val="002060"/>
+                </a:solidFill>
+              </a:rPr>
+              <a:t>controlli</a:t>
+            </a:r>
+            <a:r>
+              <a:rPr lang="en-US" sz="2400" dirty="0">
+                <a:solidFill>
+                  <a:srgbClr val="002060"/>
+                </a:solidFill>
+              </a:rPr>
+              <a:t> </a:t>
+            </a:r>
+            <a:r>
+              <a:rPr lang="en-US" sz="2400" dirty="0" err="1">
+                <a:solidFill>
+                  <a:srgbClr val="002060"/>
+                </a:solidFill>
+              </a:rPr>
+              <a:t>ogni</a:t>
+            </a:r>
+            <a:r>
+              <a:rPr lang="en-US" sz="2400" dirty="0">
+                <a:solidFill>
+                  <a:srgbClr val="002060"/>
+                </a:solidFill>
+              </a:rPr>
+              <a:t> </a:t>
+            </a:r>
+            <a:r>
+              <a:rPr lang="en-US" sz="2400" b="1" i="1" dirty="0">
+                <a:solidFill>
+                  <a:srgbClr val="002060"/>
+                </a:solidFill>
+              </a:rPr>
+              <a:t>m</a:t>
+            </a:r>
+            <a:r>
+              <a:rPr lang="en-US" sz="2400" dirty="0">
+                <a:solidFill>
+                  <a:srgbClr val="002060"/>
+                </a:solidFill>
+              </a:rPr>
+              <a:t> </a:t>
+            </a:r>
+            <a:r>
+              <a:rPr lang="en-US" sz="2400" dirty="0" err="1">
+                <a:solidFill>
+                  <a:srgbClr val="002060"/>
+                </a:solidFill>
+              </a:rPr>
+              <a:t>minuti</a:t>
+            </a:r>
+            <a:r>
+              <a:rPr lang="en-US" sz="2400" dirty="0">
+                <a:solidFill>
+                  <a:srgbClr val="002060"/>
+                </a:solidFill>
+              </a:rPr>
+              <a:t>;</a:t>
+            </a:r>
+          </a:p>
+          <a:p>
+            <a:pPr marL="342900" indent="-342900" algn="just">
+              <a:buFont typeface="Arial" panose="020B0604020202020204" pitchFamily="34" charset="0"/>
+              <a:buChar char="•"/>
+            </a:pPr>
+            <a:r>
+              <a:rPr lang="en-US" sz="2400" dirty="0" err="1">
+                <a:solidFill>
+                  <a:srgbClr val="002060"/>
+                </a:solidFill>
+              </a:rPr>
+              <a:t>Ogni</a:t>
+            </a:r>
+            <a:r>
+              <a:rPr lang="en-US" sz="2400" dirty="0">
+                <a:solidFill>
+                  <a:srgbClr val="002060"/>
+                </a:solidFill>
+              </a:rPr>
+              <a:t> </a:t>
+            </a:r>
+            <a:r>
+              <a:rPr lang="en-US" sz="2400" dirty="0" err="1">
+                <a:solidFill>
+                  <a:srgbClr val="002060"/>
+                </a:solidFill>
+              </a:rPr>
+              <a:t>appartamento</a:t>
+            </a:r>
+            <a:r>
+              <a:rPr lang="en-US" sz="2400" dirty="0">
+                <a:solidFill>
+                  <a:srgbClr val="002060"/>
+                </a:solidFill>
+              </a:rPr>
+              <a:t> </a:t>
+            </a:r>
+            <a:r>
+              <a:rPr lang="en-US" sz="2400" dirty="0" err="1">
+                <a:solidFill>
+                  <a:srgbClr val="002060"/>
+                </a:solidFill>
+              </a:rPr>
+              <a:t>contiene</a:t>
+            </a:r>
+            <a:r>
+              <a:rPr lang="en-US" sz="2400" dirty="0">
+                <a:solidFill>
+                  <a:srgbClr val="002060"/>
+                </a:solidFill>
+              </a:rPr>
+              <a:t> un solo </a:t>
+            </a:r>
+            <a:r>
+              <a:rPr lang="en-US" sz="2400" dirty="0" err="1">
+                <a:solidFill>
+                  <a:srgbClr val="002060"/>
+                </a:solidFill>
+              </a:rPr>
+              <a:t>letto</a:t>
+            </a:r>
+            <a:r>
+              <a:rPr lang="en-US" sz="2400" dirty="0">
+                <a:solidFill>
+                  <a:srgbClr val="002060"/>
+                </a:solidFill>
+              </a:rPr>
+              <a:t>, sotto </a:t>
+            </a:r>
+            <a:r>
+              <a:rPr lang="en-US" sz="2400" dirty="0" err="1">
+                <a:solidFill>
+                  <a:srgbClr val="002060"/>
+                </a:solidFill>
+              </a:rPr>
+              <a:t>il</a:t>
+            </a:r>
+            <a:r>
+              <a:rPr lang="en-US" sz="2400" dirty="0">
+                <a:solidFill>
+                  <a:srgbClr val="002060"/>
+                </a:solidFill>
+              </a:rPr>
+              <a:t> quale </a:t>
             </a:r>
             <a:r>
               <a:rPr lang="en-US" sz="2400" dirty="0" err="1">
@@ -6613,55 +5969,7 @@
                   <a:srgbClr val="002060"/>
                 </a:solidFill>
               </a:rPr>
-              <a:t>mantenuta</a:t>
-            </a:r>
-            <a:r>
-              <a:rPr lang="en-US" sz="2400" dirty="0">
-                <a:solidFill>
-                  <a:srgbClr val="002060"/>
-                </a:solidFill>
-              </a:rPr>
-              <a:t> una </a:t>
-            </a:r>
-            <a:r>
-              <a:rPr lang="en-US" sz="2400" dirty="0" err="1">
-                <a:solidFill>
-                  <a:srgbClr val="002060"/>
-                </a:solidFill>
-              </a:rPr>
-              <a:t>copia</a:t>
-            </a:r>
-            <a:r>
-              <a:rPr lang="en-US" sz="2400" dirty="0">
-                <a:solidFill>
-                  <a:srgbClr val="002060"/>
-                </a:solidFill>
-              </a:rPr>
-              <a:t> locale </a:t>
-            </a:r>
-            <a:r>
-              <a:rPr lang="en-US" sz="2400" dirty="0" err="1">
-                <a:solidFill>
-                  <a:srgbClr val="002060"/>
-                </a:solidFill>
-              </a:rPr>
-              <a:t>della</a:t>
-            </a:r>
-            <a:r>
-              <a:rPr lang="en-US" sz="2400" dirty="0">
-                <a:solidFill>
-                  <a:srgbClr val="002060"/>
-                </a:solidFill>
-              </a:rPr>
-              <a:t> Base </a:t>
-            </a:r>
-            <a:r>
-              <a:rPr lang="en-US" sz="2400" dirty="0" err="1">
-                <a:solidFill>
-                  <a:srgbClr val="002060"/>
-                </a:solidFill>
-              </a:rPr>
-              <a:t>Dati</a:t>
+              <a:t>istallato</a:t>
             </a:r>
             <a:r>
               <a:rPr lang="en-US" sz="2400" dirty="0">
@@ -6677,15 +5985,529 @@
                   <a:srgbClr val="002060"/>
                 </a:solidFill>
               </a:rPr>
-              <a:t>Residenti</a:t>
-            </a:r>
-            <a:r>
-              <a:rPr lang="en-US" sz="2400" dirty="0">
-                <a:solidFill>
-                  <a:srgbClr val="002060"/>
-                </a:solidFill>
-              </a:rPr>
-              <a:t>, ma </a:t>
+              <a:t>il</a:t>
+            </a:r>
+            <a:r>
+              <a:rPr lang="en-US" sz="2400" dirty="0">
+                <a:solidFill>
+                  <a:srgbClr val="002060"/>
+                </a:solidFill>
+              </a:rPr>
+              <a:t> </a:t>
+            </a:r>
+            <a:r>
+              <a:rPr lang="en-US" sz="2400" dirty="0" err="1">
+                <a:solidFill>
+                  <a:srgbClr val="002060"/>
+                </a:solidFill>
+              </a:rPr>
+              <a:t>sensore</a:t>
+            </a:r>
+            <a:r>
+              <a:rPr lang="en-US" sz="2400" dirty="0">
+                <a:solidFill>
+                  <a:srgbClr val="002060"/>
+                </a:solidFill>
+              </a:rPr>
+              <a:t> di </a:t>
+            </a:r>
+            <a:r>
+              <a:rPr lang="en-US" sz="2400" dirty="0" err="1">
+                <a:solidFill>
+                  <a:srgbClr val="002060"/>
+                </a:solidFill>
+              </a:rPr>
+              <a:t>pressione</a:t>
+            </a:r>
+            <a:r>
+              <a:rPr lang="en-US" sz="2400" dirty="0">
+                <a:solidFill>
+                  <a:srgbClr val="002060"/>
+                </a:solidFill>
+              </a:rPr>
+              <a:t>;</a:t>
+            </a:r>
+          </a:p>
+          <a:p>
+            <a:pPr marL="342900" indent="-342900" algn="just">
+              <a:buFont typeface="Arial" panose="020B0604020202020204" pitchFamily="34" charset="0"/>
+              <a:buChar char="•"/>
+            </a:pPr>
+            <a:r>
+              <a:rPr lang="en-US" sz="2400" dirty="0">
+                <a:solidFill>
+                  <a:srgbClr val="002060"/>
+                </a:solidFill>
+              </a:rPr>
+              <a:t>Il </a:t>
+            </a:r>
+            <a:r>
+              <a:rPr lang="en-US" sz="2400" dirty="0" err="1">
+                <a:solidFill>
+                  <a:srgbClr val="002060"/>
+                </a:solidFill>
+              </a:rPr>
+              <a:t>sensore</a:t>
+            </a:r>
+            <a:r>
+              <a:rPr lang="en-US" sz="2400" dirty="0">
+                <a:solidFill>
+                  <a:srgbClr val="002060"/>
+                </a:solidFill>
+              </a:rPr>
+              <a:t> di </a:t>
+            </a:r>
+            <a:r>
+              <a:rPr lang="en-US" sz="2400" dirty="0" err="1">
+                <a:solidFill>
+                  <a:srgbClr val="002060"/>
+                </a:solidFill>
+              </a:rPr>
+              <a:t>pressione</a:t>
+            </a:r>
+            <a:r>
+              <a:rPr lang="en-US" sz="2400" dirty="0">
+                <a:solidFill>
+                  <a:srgbClr val="002060"/>
+                </a:solidFill>
+              </a:rPr>
+              <a:t> </a:t>
+            </a:r>
+            <a:r>
+              <a:rPr lang="en-US" sz="2400" dirty="0" err="1">
+                <a:solidFill>
+                  <a:srgbClr val="002060"/>
+                </a:solidFill>
+              </a:rPr>
+              <a:t>nel</a:t>
+            </a:r>
+            <a:r>
+              <a:rPr lang="en-US" sz="2400" dirty="0">
+                <a:solidFill>
+                  <a:srgbClr val="002060"/>
+                </a:solidFill>
+              </a:rPr>
+              <a:t> </a:t>
+            </a:r>
+            <a:r>
+              <a:rPr lang="en-US" sz="2400" dirty="0" err="1">
+                <a:solidFill>
+                  <a:srgbClr val="002060"/>
+                </a:solidFill>
+              </a:rPr>
+              <a:t>letto</a:t>
+            </a:r>
+            <a:r>
+              <a:rPr lang="en-US" sz="2400" dirty="0">
+                <a:solidFill>
+                  <a:srgbClr val="002060"/>
+                </a:solidFill>
+              </a:rPr>
+              <a:t> </a:t>
+            </a:r>
+            <a:r>
+              <a:rPr lang="en-US" sz="2400" dirty="0" err="1">
+                <a:solidFill>
+                  <a:srgbClr val="002060"/>
+                </a:solidFill>
+              </a:rPr>
+              <a:t>effettua</a:t>
+            </a:r>
+            <a:r>
+              <a:rPr lang="en-US" sz="2400" dirty="0">
+                <a:solidFill>
+                  <a:srgbClr val="002060"/>
+                </a:solidFill>
+              </a:rPr>
+              <a:t> un </a:t>
+            </a:r>
+            <a:r>
+              <a:rPr lang="en-US" sz="2400" dirty="0" err="1">
+                <a:solidFill>
+                  <a:srgbClr val="002060"/>
+                </a:solidFill>
+              </a:rPr>
+              <a:t>controllo</a:t>
+            </a:r>
+            <a:r>
+              <a:rPr lang="en-US" sz="2400" dirty="0">
+                <a:solidFill>
+                  <a:srgbClr val="002060"/>
+                </a:solidFill>
+              </a:rPr>
+              <a:t> </a:t>
+            </a:r>
+            <a:r>
+              <a:rPr lang="en-US" sz="2400" dirty="0" err="1">
+                <a:solidFill>
+                  <a:srgbClr val="002060"/>
+                </a:solidFill>
+              </a:rPr>
+              <a:t>ogni</a:t>
+            </a:r>
+            <a:r>
+              <a:rPr lang="en-US" sz="2400" dirty="0">
+                <a:solidFill>
+                  <a:srgbClr val="002060"/>
+                </a:solidFill>
+              </a:rPr>
+              <a:t> 5 </a:t>
+            </a:r>
+            <a:r>
+              <a:rPr lang="en-US" sz="2400" dirty="0" err="1">
+                <a:solidFill>
+                  <a:srgbClr val="002060"/>
+                </a:solidFill>
+              </a:rPr>
+              <a:t>minuti</a:t>
+            </a:r>
+            <a:r>
+              <a:rPr lang="en-US" sz="2400" dirty="0">
+                <a:solidFill>
+                  <a:srgbClr val="002060"/>
+                </a:solidFill>
+              </a:rPr>
+              <a:t>;</a:t>
+            </a:r>
+          </a:p>
+          <a:p>
+            <a:pPr marL="342900" indent="-342900" algn="just">
+              <a:buFont typeface="Arial" panose="020B0604020202020204" pitchFamily="34" charset="0"/>
+              <a:buChar char="•"/>
+            </a:pPr>
+            <a:r>
+              <a:rPr lang="en-US" sz="2400" dirty="0">
+                <a:solidFill>
+                  <a:srgbClr val="002060"/>
+                </a:solidFill>
+              </a:rPr>
+              <a:t>Il </a:t>
+            </a:r>
+            <a:r>
+              <a:rPr lang="en-US" sz="2400" dirty="0" err="1">
+                <a:solidFill>
+                  <a:srgbClr val="002060"/>
+                </a:solidFill>
+              </a:rPr>
+              <a:t>sistema</a:t>
+            </a:r>
+            <a:r>
+              <a:rPr lang="en-US" sz="2400" dirty="0">
+                <a:solidFill>
+                  <a:srgbClr val="002060"/>
+                </a:solidFill>
+              </a:rPr>
+              <a:t> audio </a:t>
+            </a:r>
+            <a:r>
+              <a:rPr lang="en-US" sz="2400" dirty="0" err="1">
+                <a:solidFill>
+                  <a:srgbClr val="002060"/>
+                </a:solidFill>
+              </a:rPr>
+              <a:t>può</a:t>
+            </a:r>
+            <a:r>
+              <a:rPr lang="en-US" sz="2400" dirty="0">
+                <a:solidFill>
+                  <a:srgbClr val="002060"/>
+                </a:solidFill>
+              </a:rPr>
+              <a:t> </a:t>
+            </a:r>
+            <a:r>
+              <a:rPr lang="en-US" sz="2400" dirty="0" err="1">
+                <a:solidFill>
+                  <a:srgbClr val="002060"/>
+                </a:solidFill>
+              </a:rPr>
+              <a:t>essere</a:t>
+            </a:r>
+            <a:r>
+              <a:rPr lang="en-US" sz="2400" dirty="0">
+                <a:solidFill>
+                  <a:srgbClr val="002060"/>
+                </a:solidFill>
+              </a:rPr>
+              <a:t> </a:t>
+            </a:r>
+            <a:r>
+              <a:rPr lang="en-US" sz="2400" dirty="0" err="1">
+                <a:solidFill>
+                  <a:srgbClr val="002060"/>
+                </a:solidFill>
+              </a:rPr>
+              <a:t>utilizzato</a:t>
+            </a:r>
+            <a:r>
+              <a:rPr lang="en-US" sz="2400" dirty="0">
+                <a:solidFill>
+                  <a:srgbClr val="002060"/>
+                </a:solidFill>
+              </a:rPr>
+              <a:t>, previa </a:t>
+            </a:r>
+            <a:r>
+              <a:rPr lang="en-US" sz="2400" dirty="0" err="1">
+                <a:solidFill>
+                  <a:srgbClr val="002060"/>
+                </a:solidFill>
+              </a:rPr>
+              <a:t>attivazione</a:t>
+            </a:r>
+            <a:r>
+              <a:rPr lang="en-US" sz="2400" dirty="0">
+                <a:solidFill>
+                  <a:srgbClr val="002060"/>
+                </a:solidFill>
+              </a:rPr>
+              <a:t> da </a:t>
+            </a:r>
+            <a:r>
+              <a:rPr lang="en-US" sz="2400" dirty="0" err="1">
+                <a:solidFill>
+                  <a:srgbClr val="002060"/>
+                </a:solidFill>
+              </a:rPr>
+              <a:t>parte</a:t>
+            </a:r>
+            <a:r>
+              <a:rPr lang="en-US" sz="2400" dirty="0">
+                <a:solidFill>
+                  <a:srgbClr val="002060"/>
+                </a:solidFill>
+              </a:rPr>
+              <a:t> di un caretaker, per </a:t>
+            </a:r>
+            <a:r>
+              <a:rPr lang="en-US" sz="2400" dirty="0" err="1">
+                <a:solidFill>
+                  <a:srgbClr val="002060"/>
+                </a:solidFill>
+              </a:rPr>
+              <a:t>comunicare</a:t>
+            </a:r>
+            <a:r>
+              <a:rPr lang="en-US" sz="2400" dirty="0">
+                <a:solidFill>
+                  <a:srgbClr val="002060"/>
+                </a:solidFill>
+              </a:rPr>
+              <a:t> con </a:t>
+            </a:r>
+            <a:r>
+              <a:rPr lang="en-US" sz="2400" dirty="0" err="1">
+                <a:solidFill>
+                  <a:srgbClr val="002060"/>
+                </a:solidFill>
+              </a:rPr>
+              <a:t>l’aziano</a:t>
+            </a:r>
+            <a:r>
+              <a:rPr lang="en-US" sz="2400" dirty="0">
+                <a:solidFill>
+                  <a:srgbClr val="002060"/>
+                </a:solidFill>
+              </a:rPr>
+              <a:t>, e </a:t>
+            </a:r>
+            <a:r>
+              <a:rPr lang="en-US" sz="2400" dirty="0" err="1">
+                <a:solidFill>
+                  <a:srgbClr val="002060"/>
+                </a:solidFill>
+              </a:rPr>
+              <a:t>l’anziano</a:t>
+            </a:r>
+            <a:r>
+              <a:rPr lang="en-US" sz="2400" dirty="0">
+                <a:solidFill>
+                  <a:srgbClr val="002060"/>
+                </a:solidFill>
+              </a:rPr>
+              <a:t> </a:t>
+            </a:r>
+            <a:r>
+              <a:rPr lang="en-US" sz="2400" dirty="0" err="1">
+                <a:solidFill>
+                  <a:srgbClr val="002060"/>
+                </a:solidFill>
+              </a:rPr>
+              <a:t>può</a:t>
+            </a:r>
+            <a:r>
+              <a:rPr lang="en-US" sz="2400" dirty="0">
+                <a:solidFill>
+                  <a:srgbClr val="002060"/>
+                </a:solidFill>
+              </a:rPr>
+              <a:t> </a:t>
+            </a:r>
+            <a:r>
+              <a:rPr lang="en-US" sz="2400" dirty="0" err="1">
+                <a:solidFill>
+                  <a:srgbClr val="002060"/>
+                </a:solidFill>
+              </a:rPr>
+              <a:t>usare</a:t>
+            </a:r>
+            <a:r>
+              <a:rPr lang="en-US" sz="2400" dirty="0">
+                <a:solidFill>
+                  <a:srgbClr val="002060"/>
+                </a:solidFill>
+              </a:rPr>
+              <a:t> </a:t>
+            </a:r>
+            <a:r>
+              <a:rPr lang="en-US" sz="2400" dirty="0" err="1">
+                <a:solidFill>
+                  <a:srgbClr val="002060"/>
+                </a:solidFill>
+              </a:rPr>
+              <a:t>il</a:t>
+            </a:r>
+            <a:r>
+              <a:rPr lang="en-US" sz="2400" dirty="0">
+                <a:solidFill>
+                  <a:srgbClr val="002060"/>
+                </a:solidFill>
+              </a:rPr>
+              <a:t> </a:t>
+            </a:r>
+            <a:r>
+              <a:rPr lang="en-US" sz="2400" dirty="0" err="1">
+                <a:solidFill>
+                  <a:srgbClr val="002060"/>
+                </a:solidFill>
+              </a:rPr>
+              <a:t>microfono</a:t>
+            </a:r>
+            <a:r>
+              <a:rPr lang="en-US" sz="2400" dirty="0">
+                <a:solidFill>
+                  <a:srgbClr val="002060"/>
+                </a:solidFill>
+              </a:rPr>
+              <a:t> per </a:t>
+            </a:r>
+            <a:r>
+              <a:rPr lang="en-US" sz="2400" dirty="0" err="1">
+                <a:solidFill>
+                  <a:srgbClr val="002060"/>
+                </a:solidFill>
+              </a:rPr>
+              <a:t>rispondere</a:t>
+            </a:r>
+            <a:r>
+              <a:rPr lang="en-US" sz="2400" dirty="0">
+                <a:solidFill>
+                  <a:srgbClr val="002060"/>
+                </a:solidFill>
+              </a:rPr>
+              <a:t>;</a:t>
+            </a:r>
+          </a:p>
+          <a:p>
+            <a:pPr marL="342900" indent="-342900" algn="just">
+              <a:buFont typeface="Arial" panose="020B0604020202020204" pitchFamily="34" charset="0"/>
+              <a:buChar char="•"/>
+            </a:pPr>
+            <a:r>
+              <a:rPr lang="en-US" sz="2400" dirty="0" err="1">
+                <a:solidFill>
+                  <a:srgbClr val="002060"/>
+                </a:solidFill>
+              </a:rPr>
+              <a:t>L’anziano</a:t>
+            </a:r>
+            <a:r>
+              <a:rPr lang="en-US" sz="2400" dirty="0">
+                <a:solidFill>
+                  <a:srgbClr val="002060"/>
+                </a:solidFill>
+              </a:rPr>
+              <a:t> non </a:t>
+            </a:r>
+            <a:r>
+              <a:rPr lang="en-US" sz="2400" dirty="0" err="1">
+                <a:solidFill>
+                  <a:srgbClr val="002060"/>
+                </a:solidFill>
+              </a:rPr>
+              <a:t>può</a:t>
+            </a:r>
+            <a:r>
+              <a:rPr lang="en-US" sz="2400" dirty="0">
+                <a:solidFill>
+                  <a:srgbClr val="002060"/>
+                </a:solidFill>
+              </a:rPr>
+              <a:t> </a:t>
+            </a:r>
+            <a:r>
+              <a:rPr lang="en-US" sz="2400" dirty="0" err="1">
+                <a:solidFill>
+                  <a:srgbClr val="002060"/>
+                </a:solidFill>
+              </a:rPr>
+              <a:t>usare</a:t>
+            </a:r>
+            <a:r>
+              <a:rPr lang="en-US" sz="2400" dirty="0">
+                <a:solidFill>
+                  <a:srgbClr val="002060"/>
+                </a:solidFill>
+              </a:rPr>
+              <a:t> </a:t>
+            </a:r>
+            <a:r>
+              <a:rPr lang="en-US" sz="2400" dirty="0" err="1">
+                <a:solidFill>
+                  <a:srgbClr val="002060"/>
+                </a:solidFill>
+              </a:rPr>
+              <a:t>il</a:t>
+            </a:r>
+            <a:r>
+              <a:rPr lang="en-US" sz="2400" dirty="0">
+                <a:solidFill>
+                  <a:srgbClr val="002060"/>
+                </a:solidFill>
+              </a:rPr>
+              <a:t> </a:t>
+            </a:r>
+            <a:r>
+              <a:rPr lang="en-US" sz="2400" dirty="0" err="1">
+                <a:solidFill>
+                  <a:srgbClr val="002060"/>
+                </a:solidFill>
+              </a:rPr>
+              <a:t>sistema</a:t>
+            </a:r>
+            <a:r>
+              <a:rPr lang="en-US" sz="2400" dirty="0">
+                <a:solidFill>
+                  <a:srgbClr val="002060"/>
+                </a:solidFill>
+              </a:rPr>
+              <a:t> audio se </a:t>
+            </a:r>
+            <a:r>
+              <a:rPr lang="en-US" sz="2400" dirty="0" err="1">
+                <a:solidFill>
+                  <a:srgbClr val="002060"/>
+                </a:solidFill>
+              </a:rPr>
+              <a:t>questo</a:t>
+            </a:r>
+            <a:r>
+              <a:rPr lang="en-US" sz="2400" dirty="0">
+                <a:solidFill>
+                  <a:srgbClr val="002060"/>
+                </a:solidFill>
+              </a:rPr>
+              <a:t> prima non </a:t>
             </a:r>
             <a:r>
               <a:rPr lang="en-US" sz="2400" dirty="0" err="1">
@@ -6709,63 +6531,15 @@
                   <a:srgbClr val="002060"/>
                 </a:solidFill>
               </a:rPr>
-              <a:t>contattata</a:t>
-            </a:r>
-            <a:r>
-              <a:rPr lang="en-US" sz="2400" dirty="0">
-                <a:solidFill>
-                  <a:srgbClr val="002060"/>
-                </a:solidFill>
-              </a:rPr>
-              <a:t> </a:t>
-            </a:r>
-            <a:r>
-              <a:rPr lang="en-US" sz="2400" dirty="0" err="1">
-                <a:solidFill>
-                  <a:srgbClr val="002060"/>
-                </a:solidFill>
-              </a:rPr>
-              <a:t>direttamente</a:t>
-            </a:r>
-            <a:r>
-              <a:rPr lang="en-US" sz="2400" dirty="0">
-                <a:solidFill>
-                  <a:srgbClr val="002060"/>
-                </a:solidFill>
-              </a:rPr>
-              <a:t> in </a:t>
-            </a:r>
-            <a:r>
-              <a:rPr lang="en-US" sz="2400" dirty="0" err="1">
-                <a:solidFill>
-                  <a:srgbClr val="002060"/>
-                </a:solidFill>
-              </a:rPr>
-              <a:t>caso</a:t>
-            </a:r>
-            <a:r>
-              <a:rPr lang="en-US" sz="2400" dirty="0">
-                <a:solidFill>
-                  <a:srgbClr val="002060"/>
-                </a:solidFill>
-              </a:rPr>
-              <a:t> di </a:t>
-            </a:r>
-            <a:r>
-              <a:rPr lang="en-US" sz="2400" dirty="0" err="1">
-                <a:solidFill>
-                  <a:srgbClr val="002060"/>
-                </a:solidFill>
-              </a:rPr>
-              <a:t>necessità</a:t>
-            </a:r>
-            <a:r>
-              <a:rPr lang="en-US" sz="2400" dirty="0">
-                <a:solidFill>
-                  <a:srgbClr val="002060"/>
-                </a:solidFill>
-              </a:rPr>
-              <a:t>;</a:t>
+              <a:t>attivato</a:t>
+            </a:r>
+            <a:r>
+              <a:rPr lang="en-US" sz="2400" dirty="0">
+                <a:solidFill>
+                  <a:srgbClr val="002060"/>
+                </a:solidFill>
+              </a:rPr>
+              <a:t> da un caretaker;</a:t>
             </a:r>
           </a:p>
           <a:p>
@@ -6779,12 +6553,23 @@
               </a:solidFill>
             </a:endParaRPr>
           </a:p>
+          <a:p>
+            <a:pPr marL="342900" indent="-342900" algn="just">
+              <a:buFont typeface="Arial" panose="020B0604020202020204" pitchFamily="34" charset="0"/>
+              <a:buChar char="•"/>
+            </a:pPr>
+            <a:endParaRPr lang="en-US" sz="2400" dirty="0">
+              <a:solidFill>
+                <a:srgbClr val="002060"/>
+              </a:solidFill>
+            </a:endParaRPr>
+          </a:p>
         </p:txBody>
       </p:sp>
     </p:spTree>
     <p:extLst>
       <p:ext uri="{BB962C8B-B14F-4D97-AF65-F5344CB8AC3E}">
-        <p14:creationId xmlns:p14="http://schemas.microsoft.com/office/powerpoint/2010/main" val="989982279"/>
+        <p14:creationId xmlns:p14="http://schemas.microsoft.com/office/powerpoint/2010/main" val="1587358040"/>
       </p:ext>
     </p:extLst>
   </p:cSld>
@@ -6884,7 +6669,7 @@
         </p:nvSpPr>
         <p:spPr>
           <a:xfrm>
-            <a:off x="1091639" y="1659285"/>
+            <a:off x="1066800" y="1619513"/>
             <a:ext cx="7823505" cy="769441"/>
           </a:xfrm>
           <a:prstGeom prst="rect">
@@ -6929,7 +6714,55 @@
                   </a:outerShdw>
                 </a:effectLst>
               </a:rPr>
-              <a:t> – Smartwatch</a:t>
+              <a:t> – </a:t>
+            </a:r>
+            <a:r>
+              <a:rPr lang="en-US" sz="4400" dirty="0" err="1">
+                <a:ln w="0"/>
+                <a:solidFill>
+                  <a:srgbClr val="002060"/>
+                </a:solidFill>
+                <a:effectLst>
+                  <a:outerShdw blurRad="38100" dist="25400" dir="5400000" algn="ctr" rotWithShape="0">
+                    <a:srgbClr val="6E747A">
+                      <a:alpha val="43000"/>
+                    </a:srgbClr>
+                  </a:outerShdw>
+                </a:effectLst>
+              </a:rPr>
+              <a:t>Servizi</a:t>
+            </a:r>
+            <a:r>
+              <a:rPr lang="en-US" sz="4400" dirty="0">
+                <a:ln w="0"/>
+                <a:solidFill>
+                  <a:srgbClr val="002060"/>
+                </a:solidFill>
+                <a:effectLst>
+                  <a:outerShdw blurRad="38100" dist="25400" dir="5400000" algn="ctr" rotWithShape="0">
+                    <a:srgbClr val="6E747A">
+                      <a:alpha val="43000"/>
+                    </a:srgbClr>
+                  </a:outerShdw>
+                </a:effectLst>
+              </a:rPr>
+              <a:t> </a:t>
+            </a:r>
+            <a:r>
+              <a:rPr lang="en-US" sz="4400" dirty="0" err="1">
+                <a:ln w="0"/>
+                <a:solidFill>
+                  <a:srgbClr val="002060"/>
+                </a:solidFill>
+                <a:effectLst>
+                  <a:outerShdw blurRad="38100" dist="25400" dir="5400000" algn="ctr" rotWithShape="0">
+                    <a:srgbClr val="6E747A">
+                      <a:alpha val="43000"/>
+                    </a:srgbClr>
+                  </a:outerShdw>
+                </a:effectLst>
+              </a:rPr>
+              <a:t>Esterni</a:t>
             </a:r>
             <a:endParaRPr lang="it-IT" sz="4400" i="1" dirty="0">
               <a:ln w="0"/>
@@ -7067,7 +6900,7 @@
         <p:spPr>
           <a:xfrm>
             <a:off x="1066800" y="2428726"/>
-            <a:ext cx="10058400" cy="3785652"/>
+            <a:ext cx="10058400" cy="1200329"/>
           </a:xfrm>
           <a:prstGeom prst="rect">
             <a:avLst/>
@@ -7085,12 +6918,20 @@
               <a:buChar char="•"/>
             </a:pPr>
             <a:r>
-              <a:rPr lang="en-US" sz="2400" dirty="0" err="1">
-                <a:solidFill>
-                  <a:srgbClr val="002060"/>
-                </a:solidFill>
-              </a:rPr>
-              <a:t>L’evento</a:t>
+              <a:rPr lang="en-US" sz="2400" dirty="0">
+                <a:solidFill>
+                  <a:srgbClr val="002060"/>
+                </a:solidFill>
+              </a:rPr>
+              <a:t>Non </a:t>
+            </a:r>
+            <a:r>
+              <a:rPr lang="en-US" sz="2400" dirty="0" err="1">
+                <a:solidFill>
+                  <a:srgbClr val="002060"/>
+                </a:solidFill>
+              </a:rPr>
+              <a:t>viene</a:t>
             </a:r>
             <a:r>
               <a:rPr lang="en-US" sz="2400" dirty="0">
@@ -7106,7 +6947,39 @@
                   <a:srgbClr val="002060"/>
                 </a:solidFill>
               </a:rPr>
-              <a:t>relativo</a:t>
+              <a:t>mantenuta</a:t>
+            </a:r>
+            <a:r>
+              <a:rPr lang="en-US" sz="2400" dirty="0">
+                <a:solidFill>
+                  <a:srgbClr val="002060"/>
+                </a:solidFill>
+              </a:rPr>
+              <a:t> una </a:t>
+            </a:r>
+            <a:r>
+              <a:rPr lang="en-US" sz="2400" dirty="0" err="1">
+                <a:solidFill>
+                  <a:srgbClr val="002060"/>
+                </a:solidFill>
+              </a:rPr>
+              <a:t>copia</a:t>
+            </a:r>
+            <a:r>
+              <a:rPr lang="en-US" sz="2400" dirty="0">
+                <a:solidFill>
+                  <a:srgbClr val="002060"/>
+                </a:solidFill>
+              </a:rPr>
+              <a:t> locale </a:t>
+            </a:r>
+            <a:r>
+              <a:rPr lang="en-US" sz="2400" dirty="0" err="1">
+                <a:solidFill>
+                  <a:srgbClr val="002060"/>
+                </a:solidFill>
+              </a:rPr>
+              <a:t>della</a:t>
             </a:r>
             <a:r>
               <a:rPr lang="en-US" sz="2400" dirty="0">
@@ -7117,15 +6990,23 @@
               <a:t> </a:t>
             </a:r>
             <a:r>
-              <a:rPr lang="en-US" sz="2400" dirty="0" err="1">
-                <a:solidFill>
-                  <a:srgbClr val="002060"/>
-                </a:solidFill>
-              </a:rPr>
-              <a:t>alla</a:t>
-            </a:r>
-            <a:r>
-              <a:rPr lang="en-US" sz="2400" dirty="0">
+              <a:rPr lang="en-US" sz="2400" b="1" i="1" dirty="0">
+                <a:solidFill>
+                  <a:srgbClr val="002060"/>
+                </a:solidFill>
+              </a:rPr>
+              <a:t>Base </a:t>
+            </a:r>
+            <a:r>
+              <a:rPr lang="en-US" sz="2400" b="1" i="1" dirty="0" err="1">
+                <a:solidFill>
+                  <a:srgbClr val="002060"/>
+                </a:solidFill>
+              </a:rPr>
+              <a:t>Dati</a:t>
+            </a:r>
+            <a:r>
+              <a:rPr lang="en-US" sz="2400" b="1" i="1" dirty="0">
                 <a:solidFill>
                   <a:srgbClr val="002060"/>
                 </a:solidFill>
@@ -7133,12 +7014,28 @@
               <a:t> </a:t>
             </a:r>
             <a:r>
-              <a:rPr lang="en-US" sz="2400" dirty="0" err="1">
-                <a:solidFill>
-                  <a:srgbClr val="002060"/>
-                </a:solidFill>
-              </a:rPr>
-              <a:t>scaricamento</a:t>
+              <a:rPr lang="en-US" sz="2400" b="1" i="1" dirty="0" err="1">
+                <a:solidFill>
+                  <a:srgbClr val="002060"/>
+                </a:solidFill>
+              </a:rPr>
+              <a:t>Residenti</a:t>
+            </a:r>
+            <a:r>
+              <a:rPr lang="en-US" sz="2400" dirty="0">
+                <a:solidFill>
+                  <a:srgbClr val="002060"/>
+                </a:solidFill>
+              </a:rPr>
+              <a:t>, ma </a:t>
+            </a:r>
+            <a:r>
+              <a:rPr lang="en-US" sz="2400" dirty="0" err="1">
+                <a:solidFill>
+                  <a:srgbClr val="002060"/>
+                </a:solidFill>
+              </a:rPr>
+              <a:t>viene</a:t>
             </a:r>
             <a:r>
               <a:rPr lang="en-US" sz="2400" dirty="0">
@@ -7154,23 +7051,7 @@
                   <a:srgbClr val="002060"/>
                 </a:solidFill>
               </a:rPr>
-              <a:t>dello</a:t>
-            </a:r>
-            <a:r>
-              <a:rPr lang="en-US" sz="2400" dirty="0">
-                <a:solidFill>
-                  <a:srgbClr val="002060"/>
-                </a:solidFill>
-              </a:rPr>
-              <a:t> smartwatch </a:t>
-            </a:r>
-            <a:r>
-              <a:rPr lang="en-US" sz="2400" dirty="0" err="1">
-                <a:solidFill>
-                  <a:srgbClr val="002060"/>
-                </a:solidFill>
-              </a:rPr>
-              <a:t>viene</a:t>
+              <a:t>contattata</a:t>
             </a:r>
             <a:r>
               <a:rPr lang="en-US" sz="2400" dirty="0">
@@ -7186,165 +7067,23 @@
                   <a:srgbClr val="002060"/>
                 </a:solidFill>
               </a:rPr>
-              <a:t>gestito</a:t>
-            </a:r>
-            <a:r>
-              <a:rPr lang="en-US" sz="2400" dirty="0">
-                <a:solidFill>
-                  <a:srgbClr val="002060"/>
-                </a:solidFill>
-              </a:rPr>
-              <a:t> </a:t>
-            </a:r>
-            <a:r>
-              <a:rPr lang="en-US" sz="2400" dirty="0" err="1">
-                <a:solidFill>
-                  <a:srgbClr val="002060"/>
-                </a:solidFill>
-              </a:rPr>
-              <a:t>allo</a:t>
-            </a:r>
-            <a:r>
-              <a:rPr lang="en-US" sz="2400" dirty="0">
-                <a:solidFill>
-                  <a:srgbClr val="002060"/>
-                </a:solidFill>
-              </a:rPr>
-              <a:t> </a:t>
-            </a:r>
-            <a:r>
-              <a:rPr lang="en-US" sz="2400" dirty="0" err="1">
-                <a:solidFill>
-                  <a:srgbClr val="002060"/>
-                </a:solidFill>
-              </a:rPr>
-              <a:t>stesso</a:t>
-            </a:r>
-            <a:r>
-              <a:rPr lang="en-US" sz="2400" dirty="0">
-                <a:solidFill>
-                  <a:srgbClr val="002060"/>
-                </a:solidFill>
-              </a:rPr>
-              <a:t> modo </a:t>
-            </a:r>
-            <a:r>
-              <a:rPr lang="en-US" sz="2400" dirty="0" err="1">
-                <a:solidFill>
-                  <a:srgbClr val="002060"/>
-                </a:solidFill>
-              </a:rPr>
-              <a:t>dell’evento</a:t>
-            </a:r>
-            <a:r>
-              <a:rPr lang="en-US" sz="2400" dirty="0">
-                <a:solidFill>
-                  <a:srgbClr val="002060"/>
-                </a:solidFill>
-              </a:rPr>
-              <a:t> </a:t>
-            </a:r>
-            <a:r>
-              <a:rPr lang="en-US" sz="2400" dirty="0" err="1">
-                <a:solidFill>
-                  <a:srgbClr val="002060"/>
-                </a:solidFill>
-              </a:rPr>
-              <a:t>relativo</a:t>
-            </a:r>
-            <a:r>
-              <a:rPr lang="en-US" sz="2400" dirty="0">
-                <a:solidFill>
-                  <a:srgbClr val="002060"/>
-                </a:solidFill>
-              </a:rPr>
-              <a:t> </a:t>
-            </a:r>
-            <a:r>
-              <a:rPr lang="en-US" sz="2400" dirty="0" err="1">
-                <a:solidFill>
-                  <a:srgbClr val="002060"/>
-                </a:solidFill>
-              </a:rPr>
-              <a:t>alla</a:t>
-            </a:r>
-            <a:r>
-              <a:rPr lang="en-US" sz="2400" dirty="0">
-                <a:solidFill>
-                  <a:srgbClr val="002060"/>
-                </a:solidFill>
-              </a:rPr>
-              <a:t> </a:t>
-            </a:r>
-            <a:r>
-              <a:rPr lang="en-US" sz="2400" dirty="0" err="1">
-                <a:solidFill>
-                  <a:srgbClr val="002060"/>
-                </a:solidFill>
-              </a:rPr>
-              <a:t>sua</a:t>
-            </a:r>
-            <a:r>
-              <a:rPr lang="en-US" sz="2400" dirty="0">
-                <a:solidFill>
-                  <a:srgbClr val="002060"/>
-                </a:solidFill>
-              </a:rPr>
-              <a:t> </a:t>
-            </a:r>
-            <a:r>
-              <a:rPr lang="en-US" sz="2400" dirty="0" err="1">
-                <a:solidFill>
-                  <a:srgbClr val="002060"/>
-                </a:solidFill>
-              </a:rPr>
-              <a:t>rimozione</a:t>
-            </a:r>
-            <a:r>
-              <a:rPr lang="en-US" sz="2400" dirty="0">
-                <a:solidFill>
-                  <a:srgbClr val="002060"/>
-                </a:solidFill>
-              </a:rPr>
-              <a:t> dal </a:t>
-            </a:r>
-            <a:r>
-              <a:rPr lang="en-US" sz="2400" dirty="0" err="1">
-                <a:solidFill>
-                  <a:srgbClr val="002060"/>
-                </a:solidFill>
-              </a:rPr>
-              <a:t>polso</a:t>
-            </a:r>
-            <a:r>
-              <a:rPr lang="en-US" sz="2400" dirty="0">
-                <a:solidFill>
-                  <a:srgbClr val="002060"/>
-                </a:solidFill>
-              </a:rPr>
-              <a:t>;</a:t>
-            </a:r>
-          </a:p>
-          <a:p>
-            <a:pPr marL="342900" indent="-342900" algn="just">
-              <a:buFont typeface="Arial" panose="020B0604020202020204" pitchFamily="34" charset="0"/>
-              <a:buChar char="•"/>
-            </a:pPr>
-            <a:r>
-              <a:rPr lang="en-US" sz="2400" dirty="0">
-                <a:solidFill>
-                  <a:srgbClr val="002060"/>
-                </a:solidFill>
-              </a:rPr>
-              <a:t>Il </a:t>
-            </a:r>
-            <a:r>
-              <a:rPr lang="en-US" sz="2400" dirty="0" err="1">
-                <a:solidFill>
-                  <a:srgbClr val="002060"/>
-                </a:solidFill>
-              </a:rPr>
-              <a:t>sensore</a:t>
+              <a:t>direttamente</a:t>
+            </a:r>
+            <a:r>
+              <a:rPr lang="en-US" sz="2400" dirty="0">
+                <a:solidFill>
+                  <a:srgbClr val="002060"/>
+                </a:solidFill>
+              </a:rPr>
+              <a:t> in </a:t>
+            </a:r>
+            <a:r>
+              <a:rPr lang="en-US" sz="2400" dirty="0" err="1">
+                <a:solidFill>
+                  <a:srgbClr val="002060"/>
+                </a:solidFill>
+              </a:rPr>
+              <a:t>caso</a:t>
             </a:r>
             <a:r>
               <a:rPr lang="en-US" sz="2400" dirty="0">
@@ -7360,371 +7099,7 @@
                   <a:srgbClr val="002060"/>
                 </a:solidFill>
               </a:rPr>
-              <a:t>accellerazione</a:t>
-            </a:r>
-            <a:r>
-              <a:rPr lang="en-US" sz="2400" dirty="0">
-                <a:solidFill>
-                  <a:srgbClr val="002060"/>
-                </a:solidFill>
-              </a:rPr>
-              <a:t> </a:t>
-            </a:r>
-            <a:r>
-              <a:rPr lang="en-US" sz="2400" dirty="0" err="1">
-                <a:solidFill>
-                  <a:srgbClr val="002060"/>
-                </a:solidFill>
-              </a:rPr>
-              <a:t>montato</a:t>
-            </a:r>
-            <a:r>
-              <a:rPr lang="en-US" sz="2400" dirty="0">
-                <a:solidFill>
-                  <a:srgbClr val="002060"/>
-                </a:solidFill>
-              </a:rPr>
-              <a:t> </a:t>
-            </a:r>
-            <a:r>
-              <a:rPr lang="en-US" sz="2400" dirty="0" err="1">
-                <a:solidFill>
-                  <a:srgbClr val="002060"/>
-                </a:solidFill>
-              </a:rPr>
-              <a:t>nello</a:t>
-            </a:r>
-            <a:r>
-              <a:rPr lang="en-US" sz="2400" dirty="0">
-                <a:solidFill>
-                  <a:srgbClr val="002060"/>
-                </a:solidFill>
-              </a:rPr>
-              <a:t> smartwatch </a:t>
-            </a:r>
-            <a:r>
-              <a:rPr lang="en-US" sz="2400" dirty="0" err="1">
-                <a:solidFill>
-                  <a:srgbClr val="002060"/>
-                </a:solidFill>
-              </a:rPr>
-              <a:t>rileva</a:t>
-            </a:r>
-            <a:r>
-              <a:rPr lang="en-US" sz="2400" dirty="0">
-                <a:solidFill>
-                  <a:srgbClr val="002060"/>
-                </a:solidFill>
-              </a:rPr>
-              <a:t> la </a:t>
-            </a:r>
-            <a:r>
-              <a:rPr lang="en-US" sz="2400" dirty="0" err="1">
-                <a:solidFill>
-                  <a:srgbClr val="002060"/>
-                </a:solidFill>
-              </a:rPr>
-              <a:t>posizione</a:t>
-            </a:r>
-            <a:r>
-              <a:rPr lang="en-US" sz="2400" dirty="0">
-                <a:solidFill>
-                  <a:srgbClr val="002060"/>
-                </a:solidFill>
-              </a:rPr>
-              <a:t> del </a:t>
-            </a:r>
-            <a:r>
-              <a:rPr lang="en-US" sz="2400" dirty="0" err="1">
-                <a:solidFill>
-                  <a:srgbClr val="002060"/>
-                </a:solidFill>
-              </a:rPr>
-              <a:t>residente</a:t>
-            </a:r>
-            <a:r>
-              <a:rPr lang="en-US" sz="2400" dirty="0">
-                <a:solidFill>
-                  <a:srgbClr val="002060"/>
-                </a:solidFill>
-              </a:rPr>
-              <a:t> 50 volte </a:t>
-            </a:r>
-            <a:r>
-              <a:rPr lang="en-US" sz="2400" dirty="0" err="1">
-                <a:solidFill>
-                  <a:srgbClr val="002060"/>
-                </a:solidFill>
-              </a:rPr>
-              <a:t>ogni</a:t>
-            </a:r>
-            <a:r>
-              <a:rPr lang="en-US" sz="2400" dirty="0">
-                <a:solidFill>
-                  <a:srgbClr val="002060"/>
-                </a:solidFill>
-              </a:rPr>
-              <a:t> secondo;</a:t>
-            </a:r>
-          </a:p>
-          <a:p>
-            <a:pPr marL="342900" indent="-342900" algn="just">
-              <a:buFont typeface="Arial" panose="020B0604020202020204" pitchFamily="34" charset="0"/>
-              <a:buChar char="•"/>
-            </a:pPr>
-            <a:r>
-              <a:rPr lang="en-US" sz="2400" dirty="0">
-                <a:solidFill>
-                  <a:srgbClr val="002060"/>
-                </a:solidFill>
-              </a:rPr>
-              <a:t>Il </a:t>
-            </a:r>
-            <a:r>
-              <a:rPr lang="en-US" sz="2400" dirty="0" err="1">
-                <a:solidFill>
-                  <a:srgbClr val="002060"/>
-                </a:solidFill>
-              </a:rPr>
-              <a:t>sensore</a:t>
-            </a:r>
-            <a:r>
-              <a:rPr lang="en-US" sz="2400" dirty="0">
-                <a:solidFill>
-                  <a:srgbClr val="002060"/>
-                </a:solidFill>
-              </a:rPr>
-              <a:t> </a:t>
-            </a:r>
-            <a:r>
-              <a:rPr lang="en-US" sz="2400" dirty="0" err="1">
-                <a:solidFill>
-                  <a:srgbClr val="002060"/>
-                </a:solidFill>
-              </a:rPr>
-              <a:t>dei</a:t>
-            </a:r>
-            <a:r>
-              <a:rPr lang="en-US" sz="2400" dirty="0">
-                <a:solidFill>
-                  <a:srgbClr val="002060"/>
-                </a:solidFill>
-              </a:rPr>
-              <a:t> </a:t>
-            </a:r>
-            <a:r>
-              <a:rPr lang="en-US" sz="2400" dirty="0" err="1">
-                <a:solidFill>
-                  <a:srgbClr val="002060"/>
-                </a:solidFill>
-              </a:rPr>
-              <a:t>battiti</a:t>
-            </a:r>
-            <a:r>
-              <a:rPr lang="en-US" sz="2400" dirty="0">
-                <a:solidFill>
-                  <a:srgbClr val="002060"/>
-                </a:solidFill>
-              </a:rPr>
-              <a:t> </a:t>
-            </a:r>
-            <a:r>
-              <a:rPr lang="en-US" sz="2400" dirty="0" err="1">
-                <a:solidFill>
-                  <a:srgbClr val="002060"/>
-                </a:solidFill>
-              </a:rPr>
-              <a:t>cardiaci</a:t>
-            </a:r>
-            <a:r>
-              <a:rPr lang="en-US" sz="2400" dirty="0">
-                <a:solidFill>
-                  <a:srgbClr val="002060"/>
-                </a:solidFill>
-              </a:rPr>
-              <a:t> </a:t>
-            </a:r>
-            <a:r>
-              <a:rPr lang="en-US" sz="2400" dirty="0" err="1">
-                <a:solidFill>
-                  <a:srgbClr val="002060"/>
-                </a:solidFill>
-              </a:rPr>
-              <a:t>montato</a:t>
-            </a:r>
-            <a:r>
-              <a:rPr lang="en-US" sz="2400" dirty="0">
-                <a:solidFill>
-                  <a:srgbClr val="002060"/>
-                </a:solidFill>
-              </a:rPr>
-              <a:t> </a:t>
-            </a:r>
-            <a:r>
-              <a:rPr lang="en-US" sz="2400" dirty="0" err="1">
-                <a:solidFill>
-                  <a:srgbClr val="002060"/>
-                </a:solidFill>
-              </a:rPr>
-              <a:t>nello</a:t>
-            </a:r>
-            <a:r>
-              <a:rPr lang="en-US" sz="2400" dirty="0">
-                <a:solidFill>
-                  <a:srgbClr val="002060"/>
-                </a:solidFill>
-              </a:rPr>
-              <a:t> smartwatch </a:t>
-            </a:r>
-            <a:r>
-              <a:rPr lang="en-US" sz="2400" dirty="0" err="1">
-                <a:solidFill>
-                  <a:srgbClr val="002060"/>
-                </a:solidFill>
-              </a:rPr>
-              <a:t>esegue</a:t>
-            </a:r>
-            <a:r>
-              <a:rPr lang="en-US" sz="2400" dirty="0">
-                <a:solidFill>
-                  <a:srgbClr val="002060"/>
-                </a:solidFill>
-              </a:rPr>
-              <a:t> una </a:t>
-            </a:r>
-            <a:r>
-              <a:rPr lang="en-US" sz="2400" dirty="0" err="1">
-                <a:solidFill>
-                  <a:srgbClr val="002060"/>
-                </a:solidFill>
-              </a:rPr>
-              <a:t>rilevazione</a:t>
-            </a:r>
-            <a:r>
-              <a:rPr lang="en-US" sz="2400" dirty="0">
-                <a:solidFill>
-                  <a:srgbClr val="002060"/>
-                </a:solidFill>
-              </a:rPr>
-              <a:t> al secondo;</a:t>
-            </a:r>
-          </a:p>
-          <a:p>
-            <a:pPr marL="342900" indent="-342900" algn="just">
-              <a:buFont typeface="Arial" panose="020B0604020202020204" pitchFamily="34" charset="0"/>
-              <a:buChar char="•"/>
-            </a:pPr>
-            <a:r>
-              <a:rPr lang="en-US" sz="2400" dirty="0">
-                <a:solidFill>
-                  <a:srgbClr val="002060"/>
-                </a:solidFill>
-              </a:rPr>
-              <a:t>Il </a:t>
-            </a:r>
-            <a:r>
-              <a:rPr lang="en-US" sz="2400" dirty="0" err="1">
-                <a:solidFill>
-                  <a:srgbClr val="002060"/>
-                </a:solidFill>
-              </a:rPr>
-              <a:t>sensore</a:t>
-            </a:r>
-            <a:r>
-              <a:rPr lang="en-US" sz="2400" dirty="0">
-                <a:solidFill>
-                  <a:srgbClr val="002060"/>
-                </a:solidFill>
-              </a:rPr>
-              <a:t> di temperature </a:t>
-            </a:r>
-            <a:r>
-              <a:rPr lang="en-US" sz="2400" dirty="0" err="1">
-                <a:solidFill>
-                  <a:srgbClr val="002060"/>
-                </a:solidFill>
-              </a:rPr>
-              <a:t>montato</a:t>
-            </a:r>
-            <a:r>
-              <a:rPr lang="en-US" sz="2400" dirty="0">
-                <a:solidFill>
-                  <a:srgbClr val="002060"/>
-                </a:solidFill>
-              </a:rPr>
-              <a:t> </a:t>
-            </a:r>
-            <a:r>
-              <a:rPr lang="en-US" sz="2400" dirty="0" err="1">
-                <a:solidFill>
-                  <a:srgbClr val="002060"/>
-                </a:solidFill>
-              </a:rPr>
-              <a:t>nello</a:t>
-            </a:r>
-            <a:r>
-              <a:rPr lang="en-US" sz="2400" dirty="0">
-                <a:solidFill>
-                  <a:srgbClr val="002060"/>
-                </a:solidFill>
-              </a:rPr>
-              <a:t> smartwatch </a:t>
-            </a:r>
-            <a:r>
-              <a:rPr lang="en-US" sz="2400" dirty="0" err="1">
-                <a:solidFill>
-                  <a:srgbClr val="002060"/>
-                </a:solidFill>
-              </a:rPr>
-              <a:t>esegue</a:t>
-            </a:r>
-            <a:r>
-              <a:rPr lang="en-US" sz="2400" dirty="0">
-                <a:solidFill>
-                  <a:srgbClr val="002060"/>
-                </a:solidFill>
-              </a:rPr>
-              <a:t> una </a:t>
-            </a:r>
-            <a:r>
-              <a:rPr lang="en-US" sz="2400" dirty="0" err="1">
-                <a:solidFill>
-                  <a:srgbClr val="002060"/>
-                </a:solidFill>
-              </a:rPr>
-              <a:t>rilevazione</a:t>
-            </a:r>
-            <a:r>
-              <a:rPr lang="en-US" sz="2400" dirty="0">
-                <a:solidFill>
-                  <a:srgbClr val="002060"/>
-                </a:solidFill>
-              </a:rPr>
-              <a:t> </a:t>
-            </a:r>
-            <a:r>
-              <a:rPr lang="en-US" sz="2400" dirty="0" err="1">
-                <a:solidFill>
-                  <a:srgbClr val="002060"/>
-                </a:solidFill>
-              </a:rPr>
-              <a:t>ogni</a:t>
-            </a:r>
-            <a:r>
-              <a:rPr lang="en-US" sz="2400" dirty="0">
-                <a:solidFill>
-                  <a:srgbClr val="002060"/>
-                </a:solidFill>
-              </a:rPr>
-              <a:t> </a:t>
-            </a:r>
-            <a:r>
-              <a:rPr lang="en-US" sz="2400" dirty="0" err="1">
-                <a:solidFill>
-                  <a:srgbClr val="002060"/>
-                </a:solidFill>
-              </a:rPr>
-              <a:t>minuto</a:t>
+              <a:t>necessità</a:t>
             </a:r>
             <a:r>
               <a:rPr lang="en-US" sz="2400" dirty="0">
@@ -7746,23 +7121,12 @@
               </a:solidFill>
             </a:endParaRPr>
           </a:p>
-          <a:p>
-            <a:pPr marL="342900" indent="-342900" algn="just">
-              <a:buFont typeface="Arial" panose="020B0604020202020204" pitchFamily="34" charset="0"/>
-              <a:buChar char="•"/>
-            </a:pPr>
-            <a:endParaRPr lang="en-US" sz="2400" dirty="0">
-              <a:solidFill>
-                <a:srgbClr val="002060"/>
-              </a:solidFill>
-            </a:endParaRPr>
-          </a:p>
         </p:txBody>
       </p:sp>
     </p:spTree>
     <p:extLst>
       <p:ext uri="{BB962C8B-B14F-4D97-AF65-F5344CB8AC3E}">
-        <p14:creationId xmlns:p14="http://schemas.microsoft.com/office/powerpoint/2010/main" val="1806286190"/>
+        <p14:creationId xmlns:p14="http://schemas.microsoft.com/office/powerpoint/2010/main" val="989982279"/>
       </p:ext>
     </p:extLst>
   </p:cSld>
@@ -7794,7 +7158,7 @@
           <p:cNvPr id="4" name="Segnaposto numero diapositiva 3">
             <a:extLst>
               <a:ext uri="{FF2B5EF4-FFF2-40B4-BE49-F238E27FC236}">
-                <a16:creationId xmlns:a16="http://schemas.microsoft.com/office/drawing/2014/main" id="{91E057A0-BAB1-4D57-BDBD-F8F3DE02BEE1}"/>
+                <a16:creationId xmlns:a16="http://schemas.microsoft.com/office/drawing/2014/main" id="{01EF95BD-3374-46E4-AC9E-7E535268BB89}"/>
               </a:ext>
             </a:extLst>
           </p:cNvPr>
@@ -7811,19 +7175,19 @@
           <a:lstStyle/>
           <a:p>
             <a:fld id="{AFB85319-5DF8-4B17-9881-6D5B2C7AB305}" type="slidenum">
-              <a:rPr lang="it-IT" smtClean="0"/>
+              <a:rPr lang="it-IT" sz="1400" smtClean="0"/>
               <a:t>6</a:t>
             </a:fld>
-            <a:endParaRPr lang="it-IT"/>
+            <a:endParaRPr lang="it-IT" sz="1400"/>
           </a:p>
         </p:txBody>
       </p:sp>
       <p:pic>
         <p:nvPicPr>
-          <p:cNvPr id="6" name="Immagine 5">
-            <a:extLst>
-              <a:ext uri="{FF2B5EF4-FFF2-40B4-BE49-F238E27FC236}">
-                <a16:creationId xmlns:a16="http://schemas.microsoft.com/office/drawing/2014/main" id="{64DD2710-C925-4AEB-B772-6D532D848EB4}"/>
+          <p:cNvPr id="10" name="Immagine 9">
+            <a:extLst>
+              <a:ext uri="{FF2B5EF4-FFF2-40B4-BE49-F238E27FC236}">
+                <a16:creationId xmlns:a16="http://schemas.microsoft.com/office/drawing/2014/main" id="{9D081748-0EA2-46D5-9276-91E6FA0B2E4D}"/>
               </a:ext>
             </a:extLst>
           </p:cNvPr>
@@ -7832,15 +7196,16 @@
           </p:cNvPicPr>
           <p:nvPr/>
         </p:nvPicPr>
-        <p:blipFill rotWithShape="1">
+        <p:blipFill>
           <a:blip r:embed="rId2"/>
-          <a:srcRect l="5289" t="10969" r="1423" b="12551"/>
-          <a:stretch/>
+          <a:stretch>
+            <a:fillRect/>
+          </a:stretch>
         </p:blipFill>
         <p:spPr>
           <a:xfrm>
             <a:off x="1066800" y="136525"/>
-            <a:ext cx="10058400" cy="1295266"/>
+            <a:ext cx="10058400" cy="1443217"/>
           </a:xfrm>
           <a:prstGeom prst="rect">
             <a:avLst/>
@@ -7849,10 +7214,10 @@
       </p:pic>
       <p:sp>
         <p:nvSpPr>
-          <p:cNvPr id="8" name="CasellaDiTesto 7">
-            <a:extLst>
-              <a:ext uri="{FF2B5EF4-FFF2-40B4-BE49-F238E27FC236}">
-                <a16:creationId xmlns:a16="http://schemas.microsoft.com/office/drawing/2014/main" id="{3E0E40B7-DD25-4779-A260-DCF2A62C4B41}"/>
+          <p:cNvPr id="12" name="CasellaDiTesto 11">
+            <a:extLst>
+              <a:ext uri="{FF2B5EF4-FFF2-40B4-BE49-F238E27FC236}">
+                <a16:creationId xmlns:a16="http://schemas.microsoft.com/office/drawing/2014/main" id="{FDD3222E-C016-4B80-A6D4-5A00B95E1DCE}"/>
               </a:ext>
             </a:extLst>
           </p:cNvPr>
@@ -7861,8 +7226,8 @@
         </p:nvSpPr>
         <p:spPr>
           <a:xfrm>
-            <a:off x="2413592" y="677393"/>
-            <a:ext cx="3754361" cy="584775"/>
+            <a:off x="1091639" y="1659285"/>
+            <a:ext cx="7823505" cy="769441"/>
           </a:xfrm>
           <a:prstGeom prst="rect">
             <a:avLst/>
@@ -7870,15 +7235,14 @@
           <a:noFill/>
         </p:spPr>
         <p:txBody>
-          <a:bodyPr wrap="none" rtlCol="0">
+          <a:bodyPr wrap="square" rtlCol="0">
             <a:spAutoFit/>
           </a:bodyPr>
-          <a:lstStyle>
-            <a:defPPr>
-              <a:defRPr lang="it-IT"/>
-            </a:defPPr>
-            <a:lvl1pPr>
-              <a:defRPr sz="4800">
+          <a:lstStyle/>
+          <a:p>
+            <a:pPr algn="just"/>
+            <a:r>
+              <a:rPr lang="en-US" sz="4400" dirty="0" err="1">
                 <a:ln w="0"/>
                 <a:solidFill>
                   <a:srgbClr val="002060"/>
@@ -7890,32 +7254,105 @@
                     </a:srgbClr>
                   </a:outerShdw>
                 </a:effectLst>
-              </a:defRPr>
-            </a:lvl1pPr>
-          </a:lstStyle>
-          <a:p>
-            <a:r>
-              <a:rPr lang="en-US" sz="3200" dirty="0" err="1"/>
-              <a:t>Linguaggi</a:t>
-            </a:r>
-            <a:r>
-              <a:rPr lang="en-US" sz="3200" dirty="0"/>
-              <a:t> </a:t>
-            </a:r>
-            <a:r>
-              <a:rPr lang="en-US" sz="3200" dirty="0" err="1"/>
-              <a:t>Confrontati</a:t>
-            </a:r>
-            <a:endParaRPr lang="it-IT" sz="3200" i="1" dirty="0"/>
+              </a:rPr>
+              <a:t>Assunzioni</a:t>
+            </a:r>
+            <a:r>
+              <a:rPr lang="en-US" sz="4400" dirty="0">
+                <a:ln w="0"/>
+                <a:solidFill>
+                  <a:srgbClr val="002060"/>
+                </a:solidFill>
+                <a:effectLst>
+                  <a:outerShdw blurRad="38100" dist="25400" dir="5400000" algn="ctr" rotWithShape="0">
+                    <a:srgbClr val="6E747A">
+                      <a:alpha val="43000"/>
+                    </a:srgbClr>
+                  </a:outerShdw>
+                </a:effectLst>
+              </a:rPr>
+              <a:t> – Smartwatch</a:t>
+            </a:r>
+            <a:endParaRPr lang="it-IT" sz="4400" i="1" dirty="0">
+              <a:ln w="0"/>
+              <a:solidFill>
+                <a:srgbClr val="002060"/>
+              </a:solidFill>
+              <a:effectLst>
+                <a:outerShdw blurRad="38100" dist="25400" dir="5400000" algn="ctr" rotWithShape="0">
+                  <a:srgbClr val="6E747A">
+                    <a:alpha val="43000"/>
+                  </a:srgbClr>
+                </a:outerShdw>
+              </a:effectLst>
+            </a:endParaRPr>
+          </a:p>
+        </p:txBody>
+      </p:sp>
+      <p:sp>
+        <p:nvSpPr>
+          <p:cNvPr id="14" name="CasellaDiTesto 13">
+            <a:extLst>
+              <a:ext uri="{FF2B5EF4-FFF2-40B4-BE49-F238E27FC236}">
+                <a16:creationId xmlns:a16="http://schemas.microsoft.com/office/drawing/2014/main" id="{A2C744A5-CEC3-4801-BA86-D842271B74C0}"/>
+              </a:ext>
+            </a:extLst>
+          </p:cNvPr>
+          <p:cNvSpPr txBox="1"/>
+          <p:nvPr/>
+        </p:nvSpPr>
+        <p:spPr>
+          <a:xfrm>
+            <a:off x="4029075" y="872406"/>
+            <a:ext cx="4133849" cy="369332"/>
+          </a:xfrm>
+          <a:prstGeom prst="rect">
+            <a:avLst/>
+          </a:prstGeom>
+          <a:solidFill>
+            <a:schemeClr val="bg1"/>
+          </a:solidFill>
+        </p:spPr>
+        <p:txBody>
+          <a:bodyPr wrap="square" rtlCol="0">
+            <a:spAutoFit/>
+          </a:bodyPr>
+          <a:lstStyle/>
+          <a:p>
+            <a:pPr algn="ctr"/>
+            <a:r>
+              <a:rPr lang="en-US" b="1" dirty="0">
+                <a:solidFill>
+                  <a:srgbClr val="800000"/>
+                </a:solidFill>
+              </a:rPr>
+              <a:t>Anno </a:t>
+            </a:r>
+            <a:r>
+              <a:rPr lang="it-IT" b="1" dirty="0">
+                <a:solidFill>
+                  <a:srgbClr val="800000"/>
+                </a:solidFill>
+              </a:rPr>
+              <a:t>Accademico</a:t>
+            </a:r>
+            <a:r>
+              <a:rPr lang="en-US" b="1" dirty="0">
+                <a:solidFill>
+                  <a:srgbClr val="800000"/>
+                </a:solidFill>
+              </a:rPr>
+              <a:t> 2022 – 2023</a:t>
+            </a:r>
           </a:p>
         </p:txBody>
       </p:sp>
       <p:pic>
         <p:nvPicPr>
-          <p:cNvPr id="9" name="Picture 2" descr="Università degli Studi di Milano-Bicocca - Wikipedia">
-            <a:extLst>
-              <a:ext uri="{FF2B5EF4-FFF2-40B4-BE49-F238E27FC236}">
-                <a16:creationId xmlns:a16="http://schemas.microsoft.com/office/drawing/2014/main" id="{9D1896BC-6EF3-43D9-B8A2-217137CA9550}"/>
+          <p:cNvPr id="1026" name="Picture 2" descr="Università degli Studi di Milano-Bicocca - Wikipedia">
+            <a:extLst>
+              <a:ext uri="{FF2B5EF4-FFF2-40B4-BE49-F238E27FC236}">
+                <a16:creationId xmlns:a16="http://schemas.microsoft.com/office/drawing/2014/main" id="{E42B5CFD-381D-44CC-A7E7-17BBC1F14845}"/>
               </a:ext>
             </a:extLst>
           </p:cNvPr>
@@ -7940,7 +7377,7 @@
         <p:spPr bwMode="auto">
           <a:xfrm>
             <a:off x="1066800" y="160156"/>
-            <a:ext cx="1346792" cy="1331078"/>
+            <a:ext cx="1390154" cy="1373934"/>
           </a:xfrm>
           <a:prstGeom prst="rect">
             <a:avLst/>
@@ -7957,10 +7394,958 @@
           </a:extLst>
         </p:spPr>
       </p:pic>
+      <p:sp>
+        <p:nvSpPr>
+          <p:cNvPr id="8" name="CasellaDiTesto 12">
+            <a:extLst>
+              <a:ext uri="{FF2B5EF4-FFF2-40B4-BE49-F238E27FC236}">
+                <a16:creationId xmlns:a16="http://schemas.microsoft.com/office/drawing/2014/main" id="{D22649C2-92CC-4428-9494-99EEF3B37735}"/>
+              </a:ext>
+            </a:extLst>
+          </p:cNvPr>
+          <p:cNvSpPr txBox="1"/>
+          <p:nvPr/>
+        </p:nvSpPr>
+        <p:spPr>
+          <a:xfrm>
+            <a:off x="1066800" y="2428726"/>
+            <a:ext cx="10058400" cy="4893647"/>
+          </a:xfrm>
+          <a:prstGeom prst="rect">
+            <a:avLst/>
+          </a:prstGeom>
+          <a:noFill/>
+        </p:spPr>
+        <p:txBody>
+          <a:bodyPr wrap="square" rtlCol="0">
+            <a:spAutoFit/>
+          </a:bodyPr>
+          <a:lstStyle/>
+          <a:p>
+            <a:pPr marL="342900" indent="-342900" algn="just">
+              <a:buFont typeface="Arial" panose="020B0604020202020204" pitchFamily="34" charset="0"/>
+              <a:buChar char="•"/>
+            </a:pPr>
+            <a:r>
+              <a:rPr lang="en-US" sz="2400" dirty="0" err="1">
+                <a:solidFill>
+                  <a:srgbClr val="002060"/>
+                </a:solidFill>
+              </a:rPr>
+              <a:t>L’evento</a:t>
+            </a:r>
+            <a:r>
+              <a:rPr lang="en-US" sz="2400" dirty="0">
+                <a:solidFill>
+                  <a:srgbClr val="002060"/>
+                </a:solidFill>
+              </a:rPr>
+              <a:t> </a:t>
+            </a:r>
+            <a:r>
+              <a:rPr lang="en-US" sz="2400" dirty="0" err="1">
+                <a:solidFill>
+                  <a:srgbClr val="002060"/>
+                </a:solidFill>
+              </a:rPr>
+              <a:t>relativo</a:t>
+            </a:r>
+            <a:r>
+              <a:rPr lang="en-US" sz="2400" dirty="0">
+                <a:solidFill>
+                  <a:srgbClr val="002060"/>
+                </a:solidFill>
+              </a:rPr>
+              <a:t> </a:t>
+            </a:r>
+            <a:r>
+              <a:rPr lang="en-US" sz="2400" dirty="0" err="1">
+                <a:solidFill>
+                  <a:srgbClr val="002060"/>
+                </a:solidFill>
+              </a:rPr>
+              <a:t>alla</a:t>
+            </a:r>
+            <a:r>
+              <a:rPr lang="en-US" sz="2400" dirty="0">
+                <a:solidFill>
+                  <a:srgbClr val="002060"/>
+                </a:solidFill>
+              </a:rPr>
+              <a:t> </a:t>
+            </a:r>
+            <a:r>
+              <a:rPr lang="en-US" sz="2400" dirty="0" err="1">
+                <a:solidFill>
+                  <a:srgbClr val="002060"/>
+                </a:solidFill>
+              </a:rPr>
+              <a:t>rimozione</a:t>
+            </a:r>
+            <a:r>
+              <a:rPr lang="en-US" sz="2400" dirty="0">
+                <a:solidFill>
+                  <a:srgbClr val="002060"/>
+                </a:solidFill>
+              </a:rPr>
+              <a:t> </a:t>
+            </a:r>
+            <a:r>
+              <a:rPr lang="en-US" sz="2400" dirty="0" err="1">
+                <a:solidFill>
+                  <a:srgbClr val="002060"/>
+                </a:solidFill>
+              </a:rPr>
+              <a:t>dello</a:t>
+            </a:r>
+            <a:r>
+              <a:rPr lang="en-US" sz="2400" dirty="0">
+                <a:solidFill>
+                  <a:srgbClr val="002060"/>
+                </a:solidFill>
+              </a:rPr>
+              <a:t> smartwatch è </a:t>
+            </a:r>
+            <a:r>
+              <a:rPr lang="en-US" sz="2400" dirty="0" err="1">
+                <a:solidFill>
+                  <a:srgbClr val="002060"/>
+                </a:solidFill>
+              </a:rPr>
+              <a:t>considerata</a:t>
+            </a:r>
+            <a:r>
+              <a:rPr lang="en-US" sz="2400" dirty="0">
+                <a:solidFill>
+                  <a:srgbClr val="002060"/>
+                </a:solidFill>
+              </a:rPr>
+              <a:t> </a:t>
+            </a:r>
+            <a:r>
+              <a:rPr lang="en-US" sz="2400" dirty="0" err="1">
+                <a:solidFill>
+                  <a:srgbClr val="002060"/>
+                </a:solidFill>
+              </a:rPr>
+              <a:t>una</a:t>
+            </a:r>
+            <a:r>
+              <a:rPr lang="en-US" sz="2400" dirty="0">
+                <a:solidFill>
+                  <a:srgbClr val="002060"/>
+                </a:solidFill>
+              </a:rPr>
+              <a:t> </a:t>
+            </a:r>
+            <a:r>
+              <a:rPr lang="en-US" sz="2400" dirty="0" err="1">
+                <a:solidFill>
+                  <a:srgbClr val="002060"/>
+                </a:solidFill>
+              </a:rPr>
+              <a:t>anomalia</a:t>
+            </a:r>
+            <a:r>
+              <a:rPr lang="en-US" sz="2400" dirty="0">
+                <a:solidFill>
+                  <a:srgbClr val="002060"/>
+                </a:solidFill>
+              </a:rPr>
+              <a:t>;</a:t>
+            </a:r>
+          </a:p>
+          <a:p>
+            <a:pPr marL="342900" indent="-342900" algn="just">
+              <a:buFont typeface="Arial" panose="020B0604020202020204" pitchFamily="34" charset="0"/>
+              <a:buChar char="•"/>
+            </a:pPr>
+            <a:r>
+              <a:rPr lang="en-US" sz="2400" dirty="0" err="1">
+                <a:solidFill>
+                  <a:srgbClr val="002060"/>
+                </a:solidFill>
+              </a:rPr>
+              <a:t>L’evento</a:t>
+            </a:r>
+            <a:r>
+              <a:rPr lang="en-US" sz="2400" dirty="0">
+                <a:solidFill>
+                  <a:srgbClr val="002060"/>
+                </a:solidFill>
+              </a:rPr>
+              <a:t> </a:t>
+            </a:r>
+            <a:r>
+              <a:rPr lang="en-US" sz="2400" dirty="0" err="1">
+                <a:solidFill>
+                  <a:srgbClr val="002060"/>
+                </a:solidFill>
+              </a:rPr>
+              <a:t>relativo</a:t>
+            </a:r>
+            <a:r>
+              <a:rPr lang="en-US" sz="2400" dirty="0">
+                <a:solidFill>
+                  <a:srgbClr val="002060"/>
+                </a:solidFill>
+              </a:rPr>
+              <a:t> </a:t>
+            </a:r>
+            <a:r>
+              <a:rPr lang="en-US" sz="2400" dirty="0" err="1">
+                <a:solidFill>
+                  <a:srgbClr val="002060"/>
+                </a:solidFill>
+              </a:rPr>
+              <a:t>alla</a:t>
+            </a:r>
+            <a:r>
+              <a:rPr lang="en-US" sz="2400" dirty="0">
+                <a:solidFill>
+                  <a:srgbClr val="002060"/>
+                </a:solidFill>
+              </a:rPr>
+              <a:t> </a:t>
+            </a:r>
+            <a:r>
+              <a:rPr lang="en-US" sz="2400" dirty="0" err="1">
+                <a:solidFill>
+                  <a:srgbClr val="002060"/>
+                </a:solidFill>
+              </a:rPr>
+              <a:t>scaricamento</a:t>
+            </a:r>
+            <a:r>
+              <a:rPr lang="en-US" sz="2400" dirty="0">
+                <a:solidFill>
+                  <a:srgbClr val="002060"/>
+                </a:solidFill>
+              </a:rPr>
+              <a:t> </a:t>
+            </a:r>
+            <a:r>
+              <a:rPr lang="en-US" sz="2400" dirty="0" err="1">
+                <a:solidFill>
+                  <a:srgbClr val="002060"/>
+                </a:solidFill>
+              </a:rPr>
+              <a:t>dello</a:t>
+            </a:r>
+            <a:r>
+              <a:rPr lang="en-US" sz="2400" dirty="0">
+                <a:solidFill>
+                  <a:srgbClr val="002060"/>
+                </a:solidFill>
+              </a:rPr>
+              <a:t> smartwatch </a:t>
+            </a:r>
+            <a:r>
+              <a:rPr lang="en-US" sz="2400" dirty="0" err="1">
+                <a:solidFill>
+                  <a:srgbClr val="002060"/>
+                </a:solidFill>
+              </a:rPr>
+              <a:t>viene</a:t>
+            </a:r>
+            <a:r>
+              <a:rPr lang="en-US" sz="2400" dirty="0">
+                <a:solidFill>
+                  <a:srgbClr val="002060"/>
+                </a:solidFill>
+              </a:rPr>
+              <a:t> </a:t>
+            </a:r>
+            <a:r>
+              <a:rPr lang="en-US" sz="2400" dirty="0" err="1">
+                <a:solidFill>
+                  <a:srgbClr val="002060"/>
+                </a:solidFill>
+              </a:rPr>
+              <a:t>gestito</a:t>
+            </a:r>
+            <a:r>
+              <a:rPr lang="en-US" sz="2400" dirty="0">
+                <a:solidFill>
+                  <a:srgbClr val="002060"/>
+                </a:solidFill>
+              </a:rPr>
+              <a:t> </a:t>
+            </a:r>
+            <a:r>
+              <a:rPr lang="en-US" sz="2400" dirty="0" err="1">
+                <a:solidFill>
+                  <a:srgbClr val="002060"/>
+                </a:solidFill>
+              </a:rPr>
+              <a:t>allo</a:t>
+            </a:r>
+            <a:r>
+              <a:rPr lang="en-US" sz="2400" dirty="0">
+                <a:solidFill>
+                  <a:srgbClr val="002060"/>
+                </a:solidFill>
+              </a:rPr>
+              <a:t> </a:t>
+            </a:r>
+            <a:r>
+              <a:rPr lang="en-US" sz="2400" dirty="0" err="1">
+                <a:solidFill>
+                  <a:srgbClr val="002060"/>
+                </a:solidFill>
+              </a:rPr>
+              <a:t>stesso</a:t>
+            </a:r>
+            <a:r>
+              <a:rPr lang="en-US" sz="2400" dirty="0">
+                <a:solidFill>
+                  <a:srgbClr val="002060"/>
+                </a:solidFill>
+              </a:rPr>
+              <a:t> modo </a:t>
+            </a:r>
+            <a:r>
+              <a:rPr lang="en-US" sz="2400" dirty="0" err="1">
+                <a:solidFill>
+                  <a:srgbClr val="002060"/>
+                </a:solidFill>
+              </a:rPr>
+              <a:t>dell’evento</a:t>
+            </a:r>
+            <a:r>
+              <a:rPr lang="en-US" sz="2400" dirty="0">
+                <a:solidFill>
+                  <a:srgbClr val="002060"/>
+                </a:solidFill>
+              </a:rPr>
+              <a:t> </a:t>
+            </a:r>
+            <a:r>
+              <a:rPr lang="en-US" sz="2400" dirty="0" err="1">
+                <a:solidFill>
+                  <a:srgbClr val="002060"/>
+                </a:solidFill>
+              </a:rPr>
+              <a:t>relativo</a:t>
+            </a:r>
+            <a:r>
+              <a:rPr lang="en-US" sz="2400" dirty="0">
+                <a:solidFill>
+                  <a:srgbClr val="002060"/>
+                </a:solidFill>
+              </a:rPr>
+              <a:t> </a:t>
+            </a:r>
+            <a:r>
+              <a:rPr lang="en-US" sz="2400" dirty="0" err="1">
+                <a:solidFill>
+                  <a:srgbClr val="002060"/>
+                </a:solidFill>
+              </a:rPr>
+              <a:t>alla</a:t>
+            </a:r>
+            <a:r>
+              <a:rPr lang="en-US" sz="2400" dirty="0">
+                <a:solidFill>
+                  <a:srgbClr val="002060"/>
+                </a:solidFill>
+              </a:rPr>
+              <a:t> </a:t>
+            </a:r>
+            <a:r>
+              <a:rPr lang="en-US" sz="2400" dirty="0" err="1">
+                <a:solidFill>
+                  <a:srgbClr val="002060"/>
+                </a:solidFill>
+              </a:rPr>
+              <a:t>sua</a:t>
+            </a:r>
+            <a:r>
+              <a:rPr lang="en-US" sz="2400" dirty="0">
+                <a:solidFill>
+                  <a:srgbClr val="002060"/>
+                </a:solidFill>
+              </a:rPr>
+              <a:t> </a:t>
+            </a:r>
+            <a:r>
+              <a:rPr lang="en-US" sz="2400" dirty="0" err="1">
+                <a:solidFill>
+                  <a:srgbClr val="002060"/>
+                </a:solidFill>
+              </a:rPr>
+              <a:t>rimozione</a:t>
+            </a:r>
+            <a:r>
+              <a:rPr lang="en-US" sz="2400" dirty="0">
+                <a:solidFill>
+                  <a:srgbClr val="002060"/>
+                </a:solidFill>
+              </a:rPr>
+              <a:t> dal </a:t>
+            </a:r>
+            <a:r>
+              <a:rPr lang="en-US" sz="2400" dirty="0" err="1">
+                <a:solidFill>
+                  <a:srgbClr val="002060"/>
+                </a:solidFill>
+              </a:rPr>
+              <a:t>polso</a:t>
+            </a:r>
+            <a:r>
+              <a:rPr lang="en-US" sz="2400" dirty="0">
+                <a:solidFill>
+                  <a:srgbClr val="002060"/>
+                </a:solidFill>
+              </a:rPr>
+              <a:t>;</a:t>
+            </a:r>
+          </a:p>
+          <a:p>
+            <a:pPr marL="342900" indent="-342900" algn="just">
+              <a:buFont typeface="Arial" panose="020B0604020202020204" pitchFamily="34" charset="0"/>
+              <a:buChar char="•"/>
+            </a:pPr>
+            <a:r>
+              <a:rPr lang="en-US" sz="2400" dirty="0">
+                <a:solidFill>
+                  <a:srgbClr val="002060"/>
+                </a:solidFill>
+              </a:rPr>
+              <a:t>Le </a:t>
+            </a:r>
+            <a:r>
+              <a:rPr lang="en-US" sz="2400" dirty="0" err="1">
+                <a:solidFill>
+                  <a:srgbClr val="002060"/>
+                </a:solidFill>
+              </a:rPr>
+              <a:t>anomalie</a:t>
+            </a:r>
+            <a:r>
+              <a:rPr lang="en-US" sz="2400" dirty="0">
+                <a:solidFill>
+                  <a:srgbClr val="002060"/>
+                </a:solidFill>
+              </a:rPr>
+              <a:t>, come le </a:t>
+            </a:r>
+            <a:r>
+              <a:rPr lang="en-US" sz="2400" dirty="0" err="1">
+                <a:solidFill>
+                  <a:srgbClr val="002060"/>
+                </a:solidFill>
+              </a:rPr>
+              <a:t>emergenze</a:t>
+            </a:r>
+            <a:r>
+              <a:rPr lang="en-US" sz="2400" dirty="0">
+                <a:solidFill>
+                  <a:srgbClr val="002060"/>
+                </a:solidFill>
+              </a:rPr>
+              <a:t>, </a:t>
+            </a:r>
+            <a:r>
+              <a:rPr lang="en-US" sz="2400" dirty="0" err="1">
+                <a:solidFill>
+                  <a:srgbClr val="002060"/>
+                </a:solidFill>
+              </a:rPr>
+              <a:t>saranno</a:t>
+            </a:r>
+            <a:r>
+              <a:rPr lang="en-US" sz="2400" dirty="0">
+                <a:solidFill>
+                  <a:srgbClr val="002060"/>
+                </a:solidFill>
+              </a:rPr>
+              <a:t> </a:t>
+            </a:r>
+            <a:r>
+              <a:rPr lang="en-US" sz="2400" dirty="0" err="1">
+                <a:solidFill>
+                  <a:srgbClr val="002060"/>
+                </a:solidFill>
+              </a:rPr>
+              <a:t>notificate</a:t>
+            </a:r>
+            <a:r>
+              <a:rPr lang="en-US" sz="2400" dirty="0">
+                <a:solidFill>
+                  <a:srgbClr val="002060"/>
+                </a:solidFill>
+              </a:rPr>
+              <a:t> </a:t>
+            </a:r>
+            <a:r>
+              <a:rPr lang="en-US" sz="2400">
+                <a:solidFill>
+                  <a:srgbClr val="002060"/>
+                </a:solidFill>
+              </a:rPr>
+              <a:t>al caretaker;</a:t>
+            </a:r>
+            <a:endParaRPr lang="en-US" sz="2400" dirty="0">
+              <a:solidFill>
+                <a:srgbClr val="002060"/>
+              </a:solidFill>
+            </a:endParaRPr>
+          </a:p>
+          <a:p>
+            <a:pPr marL="342900" indent="-342900" algn="just">
+              <a:buFont typeface="Arial" panose="020B0604020202020204" pitchFamily="34" charset="0"/>
+              <a:buChar char="•"/>
+            </a:pPr>
+            <a:r>
+              <a:rPr lang="en-US" sz="2400" dirty="0">
+                <a:solidFill>
+                  <a:srgbClr val="002060"/>
+                </a:solidFill>
+              </a:rPr>
+              <a:t>Il </a:t>
+            </a:r>
+            <a:r>
+              <a:rPr lang="en-US" sz="2400" dirty="0" err="1">
+                <a:solidFill>
+                  <a:srgbClr val="002060"/>
+                </a:solidFill>
+              </a:rPr>
+              <a:t>sensore</a:t>
+            </a:r>
+            <a:r>
+              <a:rPr lang="en-US" sz="2400" dirty="0">
+                <a:solidFill>
+                  <a:srgbClr val="002060"/>
+                </a:solidFill>
+              </a:rPr>
+              <a:t> di </a:t>
+            </a:r>
+            <a:r>
+              <a:rPr lang="en-US" sz="2400" dirty="0" err="1">
+                <a:solidFill>
+                  <a:srgbClr val="002060"/>
+                </a:solidFill>
+              </a:rPr>
+              <a:t>accellerazione</a:t>
+            </a:r>
+            <a:r>
+              <a:rPr lang="en-US" sz="2400" dirty="0">
+                <a:solidFill>
+                  <a:srgbClr val="002060"/>
+                </a:solidFill>
+              </a:rPr>
+              <a:t> </a:t>
+            </a:r>
+            <a:r>
+              <a:rPr lang="en-US" sz="2400" dirty="0" err="1">
+                <a:solidFill>
+                  <a:srgbClr val="002060"/>
+                </a:solidFill>
+              </a:rPr>
+              <a:t>montato</a:t>
+            </a:r>
+            <a:r>
+              <a:rPr lang="en-US" sz="2400" dirty="0">
+                <a:solidFill>
+                  <a:srgbClr val="002060"/>
+                </a:solidFill>
+              </a:rPr>
+              <a:t> </a:t>
+            </a:r>
+            <a:r>
+              <a:rPr lang="en-US" sz="2400" dirty="0" err="1">
+                <a:solidFill>
+                  <a:srgbClr val="002060"/>
+                </a:solidFill>
+              </a:rPr>
+              <a:t>nello</a:t>
+            </a:r>
+            <a:r>
+              <a:rPr lang="en-US" sz="2400" dirty="0">
+                <a:solidFill>
+                  <a:srgbClr val="002060"/>
+                </a:solidFill>
+              </a:rPr>
+              <a:t> smartwatch </a:t>
+            </a:r>
+            <a:r>
+              <a:rPr lang="en-US" sz="2400" dirty="0" err="1">
+                <a:solidFill>
+                  <a:srgbClr val="002060"/>
+                </a:solidFill>
+              </a:rPr>
+              <a:t>rileva</a:t>
+            </a:r>
+            <a:r>
+              <a:rPr lang="en-US" sz="2400" dirty="0">
+                <a:solidFill>
+                  <a:srgbClr val="002060"/>
+                </a:solidFill>
+              </a:rPr>
+              <a:t> la </a:t>
+            </a:r>
+            <a:r>
+              <a:rPr lang="en-US" sz="2400" dirty="0" err="1">
+                <a:solidFill>
+                  <a:srgbClr val="002060"/>
+                </a:solidFill>
+              </a:rPr>
+              <a:t>posizione</a:t>
+            </a:r>
+            <a:r>
+              <a:rPr lang="en-US" sz="2400" dirty="0">
+                <a:solidFill>
+                  <a:srgbClr val="002060"/>
+                </a:solidFill>
+              </a:rPr>
+              <a:t> del </a:t>
+            </a:r>
+            <a:r>
+              <a:rPr lang="en-US" sz="2400" dirty="0" err="1">
+                <a:solidFill>
+                  <a:srgbClr val="002060"/>
+                </a:solidFill>
+              </a:rPr>
+              <a:t>residente</a:t>
+            </a:r>
+            <a:r>
+              <a:rPr lang="en-US" sz="2400" dirty="0">
+                <a:solidFill>
+                  <a:srgbClr val="002060"/>
+                </a:solidFill>
+              </a:rPr>
+              <a:t> 50 volte </a:t>
+            </a:r>
+            <a:r>
+              <a:rPr lang="en-US" sz="2400" dirty="0" err="1">
+                <a:solidFill>
+                  <a:srgbClr val="002060"/>
+                </a:solidFill>
+              </a:rPr>
+              <a:t>ogni</a:t>
+            </a:r>
+            <a:r>
+              <a:rPr lang="en-US" sz="2400" dirty="0">
+                <a:solidFill>
+                  <a:srgbClr val="002060"/>
+                </a:solidFill>
+              </a:rPr>
+              <a:t> secondo;</a:t>
+            </a:r>
+          </a:p>
+          <a:p>
+            <a:pPr marL="342900" indent="-342900" algn="just">
+              <a:buFont typeface="Arial" panose="020B0604020202020204" pitchFamily="34" charset="0"/>
+              <a:buChar char="•"/>
+            </a:pPr>
+            <a:r>
+              <a:rPr lang="en-US" sz="2400" dirty="0">
+                <a:solidFill>
+                  <a:srgbClr val="002060"/>
+                </a:solidFill>
+              </a:rPr>
+              <a:t>Il </a:t>
+            </a:r>
+            <a:r>
+              <a:rPr lang="en-US" sz="2400" dirty="0" err="1">
+                <a:solidFill>
+                  <a:srgbClr val="002060"/>
+                </a:solidFill>
+              </a:rPr>
+              <a:t>sensore</a:t>
+            </a:r>
+            <a:r>
+              <a:rPr lang="en-US" sz="2400" dirty="0">
+                <a:solidFill>
+                  <a:srgbClr val="002060"/>
+                </a:solidFill>
+              </a:rPr>
+              <a:t> </a:t>
+            </a:r>
+            <a:r>
+              <a:rPr lang="en-US" sz="2400" dirty="0" err="1">
+                <a:solidFill>
+                  <a:srgbClr val="002060"/>
+                </a:solidFill>
+              </a:rPr>
+              <a:t>dei</a:t>
+            </a:r>
+            <a:r>
+              <a:rPr lang="en-US" sz="2400" dirty="0">
+                <a:solidFill>
+                  <a:srgbClr val="002060"/>
+                </a:solidFill>
+              </a:rPr>
+              <a:t> </a:t>
+            </a:r>
+            <a:r>
+              <a:rPr lang="en-US" sz="2400" dirty="0" err="1">
+                <a:solidFill>
+                  <a:srgbClr val="002060"/>
+                </a:solidFill>
+              </a:rPr>
+              <a:t>battiti</a:t>
+            </a:r>
+            <a:r>
+              <a:rPr lang="en-US" sz="2400" dirty="0">
+                <a:solidFill>
+                  <a:srgbClr val="002060"/>
+                </a:solidFill>
+              </a:rPr>
+              <a:t> </a:t>
+            </a:r>
+            <a:r>
+              <a:rPr lang="en-US" sz="2400" dirty="0" err="1">
+                <a:solidFill>
+                  <a:srgbClr val="002060"/>
+                </a:solidFill>
+              </a:rPr>
+              <a:t>cardiaci</a:t>
+            </a:r>
+            <a:r>
+              <a:rPr lang="en-US" sz="2400" dirty="0">
+                <a:solidFill>
+                  <a:srgbClr val="002060"/>
+                </a:solidFill>
+              </a:rPr>
+              <a:t> </a:t>
+            </a:r>
+            <a:r>
+              <a:rPr lang="en-US" sz="2400" dirty="0" err="1">
+                <a:solidFill>
+                  <a:srgbClr val="002060"/>
+                </a:solidFill>
+              </a:rPr>
+              <a:t>montato</a:t>
+            </a:r>
+            <a:r>
+              <a:rPr lang="en-US" sz="2400" dirty="0">
+                <a:solidFill>
+                  <a:srgbClr val="002060"/>
+                </a:solidFill>
+              </a:rPr>
+              <a:t> </a:t>
+            </a:r>
+            <a:r>
+              <a:rPr lang="en-US" sz="2400" dirty="0" err="1">
+                <a:solidFill>
+                  <a:srgbClr val="002060"/>
+                </a:solidFill>
+              </a:rPr>
+              <a:t>nello</a:t>
+            </a:r>
+            <a:r>
+              <a:rPr lang="en-US" sz="2400" dirty="0">
+                <a:solidFill>
+                  <a:srgbClr val="002060"/>
+                </a:solidFill>
+              </a:rPr>
+              <a:t> smartwatch </a:t>
+            </a:r>
+            <a:r>
+              <a:rPr lang="en-US" sz="2400" dirty="0" err="1">
+                <a:solidFill>
+                  <a:srgbClr val="002060"/>
+                </a:solidFill>
+              </a:rPr>
+              <a:t>esegue</a:t>
+            </a:r>
+            <a:r>
+              <a:rPr lang="en-US" sz="2400" dirty="0">
+                <a:solidFill>
+                  <a:srgbClr val="002060"/>
+                </a:solidFill>
+              </a:rPr>
+              <a:t> una </a:t>
+            </a:r>
+            <a:r>
+              <a:rPr lang="en-US" sz="2400" dirty="0" err="1">
+                <a:solidFill>
+                  <a:srgbClr val="002060"/>
+                </a:solidFill>
+              </a:rPr>
+              <a:t>rilevazione</a:t>
+            </a:r>
+            <a:r>
+              <a:rPr lang="en-US" sz="2400" dirty="0">
+                <a:solidFill>
+                  <a:srgbClr val="002060"/>
+                </a:solidFill>
+              </a:rPr>
+              <a:t> al secondo;</a:t>
+            </a:r>
+          </a:p>
+          <a:p>
+            <a:pPr marL="342900" indent="-342900" algn="just">
+              <a:buFont typeface="Arial" panose="020B0604020202020204" pitchFamily="34" charset="0"/>
+              <a:buChar char="•"/>
+            </a:pPr>
+            <a:r>
+              <a:rPr lang="en-US" sz="2400" dirty="0">
+                <a:solidFill>
+                  <a:srgbClr val="002060"/>
+                </a:solidFill>
+              </a:rPr>
+              <a:t>Il </a:t>
+            </a:r>
+            <a:r>
+              <a:rPr lang="en-US" sz="2400" dirty="0" err="1">
+                <a:solidFill>
+                  <a:srgbClr val="002060"/>
+                </a:solidFill>
+              </a:rPr>
+              <a:t>sensore</a:t>
+            </a:r>
+            <a:r>
+              <a:rPr lang="en-US" sz="2400" dirty="0">
+                <a:solidFill>
+                  <a:srgbClr val="002060"/>
+                </a:solidFill>
+              </a:rPr>
+              <a:t> di </a:t>
+            </a:r>
+            <a:r>
+              <a:rPr lang="en-US" sz="2400" dirty="0" err="1">
+                <a:solidFill>
+                  <a:srgbClr val="002060"/>
+                </a:solidFill>
+              </a:rPr>
+              <a:t>temperatura</a:t>
+            </a:r>
+            <a:r>
+              <a:rPr lang="en-US" sz="2400" dirty="0">
+                <a:solidFill>
+                  <a:srgbClr val="002060"/>
+                </a:solidFill>
+              </a:rPr>
+              <a:t> </a:t>
+            </a:r>
+            <a:r>
+              <a:rPr lang="en-US" sz="2400" dirty="0" err="1">
+                <a:solidFill>
+                  <a:srgbClr val="002060"/>
+                </a:solidFill>
+              </a:rPr>
+              <a:t>montato</a:t>
+            </a:r>
+            <a:r>
+              <a:rPr lang="en-US" sz="2400" dirty="0">
+                <a:solidFill>
+                  <a:srgbClr val="002060"/>
+                </a:solidFill>
+              </a:rPr>
+              <a:t> </a:t>
+            </a:r>
+            <a:r>
+              <a:rPr lang="en-US" sz="2400" dirty="0" err="1">
+                <a:solidFill>
+                  <a:srgbClr val="002060"/>
+                </a:solidFill>
+              </a:rPr>
+              <a:t>nello</a:t>
+            </a:r>
+            <a:r>
+              <a:rPr lang="en-US" sz="2400" dirty="0">
+                <a:solidFill>
+                  <a:srgbClr val="002060"/>
+                </a:solidFill>
+              </a:rPr>
+              <a:t> smartwatch </a:t>
+            </a:r>
+            <a:r>
+              <a:rPr lang="en-US" sz="2400" dirty="0" err="1">
+                <a:solidFill>
+                  <a:srgbClr val="002060"/>
+                </a:solidFill>
+              </a:rPr>
+              <a:t>esegue</a:t>
+            </a:r>
+            <a:r>
+              <a:rPr lang="en-US" sz="2400" dirty="0">
+                <a:solidFill>
+                  <a:srgbClr val="002060"/>
+                </a:solidFill>
+              </a:rPr>
+              <a:t> una </a:t>
+            </a:r>
+            <a:r>
+              <a:rPr lang="en-US" sz="2400" dirty="0" err="1">
+                <a:solidFill>
+                  <a:srgbClr val="002060"/>
+                </a:solidFill>
+              </a:rPr>
+              <a:t>rilevazione</a:t>
+            </a:r>
+            <a:r>
+              <a:rPr lang="en-US" sz="2400" dirty="0">
+                <a:solidFill>
+                  <a:srgbClr val="002060"/>
+                </a:solidFill>
+              </a:rPr>
+              <a:t> </a:t>
+            </a:r>
+            <a:r>
+              <a:rPr lang="en-US" sz="2400" dirty="0" err="1">
+                <a:solidFill>
+                  <a:srgbClr val="002060"/>
+                </a:solidFill>
+              </a:rPr>
+              <a:t>ogni</a:t>
+            </a:r>
+            <a:r>
+              <a:rPr lang="en-US" sz="2400" dirty="0">
+                <a:solidFill>
+                  <a:srgbClr val="002060"/>
+                </a:solidFill>
+              </a:rPr>
+              <a:t> </a:t>
+            </a:r>
+            <a:r>
+              <a:rPr lang="en-US" sz="2400" dirty="0" err="1">
+                <a:solidFill>
+                  <a:srgbClr val="002060"/>
+                </a:solidFill>
+              </a:rPr>
+              <a:t>minuto</a:t>
+            </a:r>
+            <a:r>
+              <a:rPr lang="en-US" sz="2400" dirty="0">
+                <a:solidFill>
+                  <a:srgbClr val="002060"/>
+                </a:solidFill>
+              </a:rPr>
+              <a:t>;</a:t>
+            </a:r>
+          </a:p>
+          <a:p>
+            <a:pPr marL="342900" indent="-342900" algn="just">
+              <a:buFont typeface="Arial" panose="020B0604020202020204" pitchFamily="34" charset="0"/>
+              <a:buChar char="•"/>
+            </a:pPr>
+            <a:endParaRPr lang="en-US" sz="2400" dirty="0">
+              <a:solidFill>
+                <a:srgbClr val="002060"/>
+              </a:solidFill>
+            </a:endParaRPr>
+          </a:p>
+          <a:p>
+            <a:pPr marL="342900" indent="-342900" algn="just">
+              <a:buFont typeface="Arial" panose="020B0604020202020204" pitchFamily="34" charset="0"/>
+              <a:buChar char="•"/>
+            </a:pPr>
+            <a:endParaRPr lang="en-US" sz="2400" dirty="0">
+              <a:solidFill>
+                <a:srgbClr val="002060"/>
+              </a:solidFill>
+            </a:endParaRPr>
+          </a:p>
+        </p:txBody>
+      </p:sp>
     </p:spTree>
     <p:extLst>
       <p:ext uri="{BB962C8B-B14F-4D97-AF65-F5344CB8AC3E}">
-        <p14:creationId xmlns:p14="http://schemas.microsoft.com/office/powerpoint/2010/main" val="2748035570"/>
+        <p14:creationId xmlns:p14="http://schemas.microsoft.com/office/powerpoint/2010/main" val="1806286190"/>
       </p:ext>
     </p:extLst>
   </p:cSld>
@@ -8011,6 +8396,204 @@
             <a:fld id="{AFB85319-5DF8-4B17-9881-6D5B2C7AB305}" type="slidenum">
               <a:rPr lang="it-IT" smtClean="0"/>
               <a:t>7</a:t>
+            </a:fld>
+            <a:endParaRPr lang="it-IT"/>
+          </a:p>
+        </p:txBody>
+      </p:sp>
+      <p:pic>
+        <p:nvPicPr>
+          <p:cNvPr id="6" name="Immagine 5">
+            <a:extLst>
+              <a:ext uri="{FF2B5EF4-FFF2-40B4-BE49-F238E27FC236}">
+                <a16:creationId xmlns:a16="http://schemas.microsoft.com/office/drawing/2014/main" id="{64DD2710-C925-4AEB-B772-6D532D848EB4}"/>
+              </a:ext>
+            </a:extLst>
+          </p:cNvPr>
+          <p:cNvPicPr>
+            <a:picLocks noChangeAspect="1"/>
+          </p:cNvPicPr>
+          <p:nvPr/>
+        </p:nvPicPr>
+        <p:blipFill rotWithShape="1">
+          <a:blip r:embed="rId2"/>
+          <a:srcRect l="5289" t="10969" r="1423" b="12551"/>
+          <a:stretch/>
+        </p:blipFill>
+        <p:spPr>
+          <a:xfrm>
+            <a:off x="1066800" y="136525"/>
+            <a:ext cx="10058400" cy="1295266"/>
+          </a:xfrm>
+          <a:prstGeom prst="rect">
+            <a:avLst/>
+          </a:prstGeom>
+        </p:spPr>
+      </p:pic>
+      <p:sp>
+        <p:nvSpPr>
+          <p:cNvPr id="8" name="CasellaDiTesto 7">
+            <a:extLst>
+              <a:ext uri="{FF2B5EF4-FFF2-40B4-BE49-F238E27FC236}">
+                <a16:creationId xmlns:a16="http://schemas.microsoft.com/office/drawing/2014/main" id="{3E0E40B7-DD25-4779-A260-DCF2A62C4B41}"/>
+              </a:ext>
+            </a:extLst>
+          </p:cNvPr>
+          <p:cNvSpPr txBox="1"/>
+          <p:nvPr/>
+        </p:nvSpPr>
+        <p:spPr>
+          <a:xfrm>
+            <a:off x="2413592" y="677393"/>
+            <a:ext cx="3754361" cy="584775"/>
+          </a:xfrm>
+          <a:prstGeom prst="rect">
+            <a:avLst/>
+          </a:prstGeom>
+          <a:noFill/>
+        </p:spPr>
+        <p:txBody>
+          <a:bodyPr wrap="none" rtlCol="0">
+            <a:spAutoFit/>
+          </a:bodyPr>
+          <a:lstStyle>
+            <a:defPPr>
+              <a:defRPr lang="it-IT"/>
+            </a:defPPr>
+            <a:lvl1pPr>
+              <a:defRPr sz="4800">
+                <a:ln w="0"/>
+                <a:solidFill>
+                  <a:srgbClr val="002060"/>
+                </a:solidFill>
+                <a:effectLst>
+                  <a:outerShdw blurRad="38100" dist="25400" dir="5400000" algn="ctr" rotWithShape="0">
+                    <a:srgbClr val="6E747A">
+                      <a:alpha val="43000"/>
+                    </a:srgbClr>
+                  </a:outerShdw>
+                </a:effectLst>
+              </a:defRPr>
+            </a:lvl1pPr>
+          </a:lstStyle>
+          <a:p>
+            <a:r>
+              <a:rPr lang="en-US" sz="3200" dirty="0" err="1"/>
+              <a:t>Linguaggi</a:t>
+            </a:r>
+            <a:r>
+              <a:rPr lang="en-US" sz="3200" dirty="0"/>
+              <a:t> </a:t>
+            </a:r>
+            <a:r>
+              <a:rPr lang="en-US" sz="3200" dirty="0" err="1"/>
+              <a:t>Confrontati</a:t>
+            </a:r>
+            <a:endParaRPr lang="it-IT" sz="3200" i="1" dirty="0"/>
+          </a:p>
+        </p:txBody>
+      </p:sp>
+      <p:pic>
+        <p:nvPicPr>
+          <p:cNvPr id="9" name="Picture 2" descr="Università degli Studi di Milano-Bicocca - Wikipedia">
+            <a:extLst>
+              <a:ext uri="{FF2B5EF4-FFF2-40B4-BE49-F238E27FC236}">
+                <a16:creationId xmlns:a16="http://schemas.microsoft.com/office/drawing/2014/main" id="{9D1896BC-6EF3-43D9-B8A2-217137CA9550}"/>
+              </a:ext>
+            </a:extLst>
+          </p:cNvPr>
+          <p:cNvPicPr>
+            <a:picLocks noChangeAspect="1" noChangeArrowheads="1"/>
+          </p:cNvPicPr>
+          <p:nvPr/>
+        </p:nvPicPr>
+        <p:blipFill>
+          <a:blip r:embed="rId3">
+            <a:extLst>
+              <a:ext uri="{28A0092B-C50C-407E-A947-70E740481C1C}">
+                <a14:useLocalDpi xmlns:a14="http://schemas.microsoft.com/office/drawing/2010/main" val="0"/>
+              </a:ext>
+            </a:extLst>
+          </a:blip>
+          <a:srcRect/>
+          <a:stretch>
+            <a:fillRect/>
+          </a:stretch>
+        </p:blipFill>
+        <p:spPr bwMode="auto">
+          <a:xfrm>
+            <a:off x="1066800" y="160156"/>
+            <a:ext cx="1346792" cy="1331078"/>
+          </a:xfrm>
+          <a:prstGeom prst="rect">
+            <a:avLst/>
+          </a:prstGeom>
+          <a:noFill/>
+          <a:extLst>
+            <a:ext uri="{909E8E84-426E-40DD-AFC4-6F175D3DCCD1}">
+              <a14:hiddenFill xmlns:a14="http://schemas.microsoft.com/office/drawing/2010/main">
+                <a:solidFill>
+                  <a:srgbClr val="FFFFFF"/>
+                </a:solidFill>
+              </a14:hiddenFill>
+            </a:ext>
+          </a:extLst>
+        </p:spPr>
+      </p:pic>
+    </p:spTree>
+    <p:extLst>
+      <p:ext uri="{BB962C8B-B14F-4D97-AF65-F5344CB8AC3E}">
+        <p14:creationId xmlns:p14="http://schemas.microsoft.com/office/powerpoint/2010/main" val="2748035570"/>
+      </p:ext>
+    </p:extLst>
+  </p:cSld>
+  <p:clrMapOvr>
+    <a:masterClrMapping/>
+  </p:clrMapOvr>
+</p:sld>
+</file>
+
+<file path=ppt/slides/slide8.xml><?xml version="1.0" encoding="utf-8"?>
+<p:sld xmlns:a="http://schemas.openxmlformats.org/drawingml/2006/main" xmlns:r="http://schemas.openxmlformats.org/officeDocument/2006/relationships" xmlns:p="http://schemas.openxmlformats.org/presentationml/2006/main">
+  <p:cSld>
+    <p:spTree>
+      <p:nvGrpSpPr>
+        <p:cNvPr id="1" name=""/>
+        <p:cNvGrpSpPr/>
+        <p:nvPr/>
+      </p:nvGrpSpPr>
+      <p:grpSpPr>
+        <a:xfrm>
+          <a:off x="0" y="0"/>
+          <a:ext cx="0" cy="0"/>
+          <a:chOff x="0" y="0"/>
+          <a:chExt cx="0" cy="0"/>
+        </a:xfrm>
+      </p:grpSpPr>
+      <p:sp>
+        <p:nvSpPr>
+          <p:cNvPr id="4" name="Segnaposto numero diapositiva 3">
+            <a:extLst>
+              <a:ext uri="{FF2B5EF4-FFF2-40B4-BE49-F238E27FC236}">
+                <a16:creationId xmlns:a16="http://schemas.microsoft.com/office/drawing/2014/main" id="{91E057A0-BAB1-4D57-BDBD-F8F3DE02BEE1}"/>
+              </a:ext>
+            </a:extLst>
+          </p:cNvPr>
+          <p:cNvSpPr>
+            <a:spLocks noGrp="1"/>
+          </p:cNvSpPr>
+          <p:nvPr>
+            <p:ph type="sldNum" sz="quarter" idx="12"/>
+          </p:nvPr>
+        </p:nvSpPr>
+        <p:spPr/>
+        <p:txBody>
+          <a:bodyPr/>
+          <a:lstStyle/>
+          <a:p>
+            <a:fld id="{AFB85319-5DF8-4B17-9881-6D5B2C7AB305}" type="slidenum">
+              <a:rPr lang="it-IT" smtClean="0"/>
+              <a:t>8</a:t>
             </a:fld>
             <a:endParaRPr lang="it-IT" dirty="0"/>
           </a:p>

--- a/Progetto/Presentazione.pptx
+++ b/Progetto/Presentazione.pptx
@@ -230,7 +230,7 @@
           <a:p>
             <a:fld id="{B65E5A98-DA83-404B-AF61-44AE5342FB50}" type="datetimeFigureOut">
               <a:rPr lang="it-IT" smtClean="0"/>
-              <a:t>01/11/2022</a:t>
+              <a:t>04/11/2022</a:t>
             </a:fld>
             <a:endParaRPr lang="it-IT"/>
           </a:p>
@@ -644,7 +644,7 @@
           <a:p>
             <a:fld id="{9CD29C0B-695A-4D66-B8E9-5671F929A42B}" type="datetime1">
               <a:rPr lang="it-IT" smtClean="0"/>
-              <a:t>01/11/2022</a:t>
+              <a:t>04/11/2022</a:t>
             </a:fld>
             <a:endParaRPr lang="it-IT"/>
           </a:p>
@@ -842,7 +842,7 @@
           <a:p>
             <a:fld id="{AF0EC3E5-863F-4DFB-B3BC-1B55C7011BF9}" type="datetime1">
               <a:rPr lang="it-IT" smtClean="0"/>
-              <a:t>01/11/2022</a:t>
+              <a:t>04/11/2022</a:t>
             </a:fld>
             <a:endParaRPr lang="it-IT"/>
           </a:p>
@@ -1050,7 +1050,7 @@
           <a:p>
             <a:fld id="{DE4D602C-F8B6-42E8-BED7-016CDA0017F3}" type="datetime1">
               <a:rPr lang="it-IT" smtClean="0"/>
-              <a:t>01/11/2022</a:t>
+              <a:t>04/11/2022</a:t>
             </a:fld>
             <a:endParaRPr lang="it-IT"/>
           </a:p>
@@ -1248,7 +1248,7 @@
           <a:p>
             <a:fld id="{EDB10CE1-110C-4ED2-B55F-A302E1FD9F70}" type="datetime1">
               <a:rPr lang="it-IT" smtClean="0"/>
-              <a:t>01/11/2022</a:t>
+              <a:t>04/11/2022</a:t>
             </a:fld>
             <a:endParaRPr lang="it-IT"/>
           </a:p>
@@ -1523,7 +1523,7 @@
           <a:p>
             <a:fld id="{0F61B4B8-A1B7-42D4-A1E0-2645EDAC8BED}" type="datetime1">
               <a:rPr lang="it-IT" smtClean="0"/>
-              <a:t>01/11/2022</a:t>
+              <a:t>04/11/2022</a:t>
             </a:fld>
             <a:endParaRPr lang="it-IT"/>
           </a:p>
@@ -1788,7 +1788,7 @@
           <a:p>
             <a:fld id="{188DF4B9-859A-4780-A169-ED3A8349339B}" type="datetime1">
               <a:rPr lang="it-IT" smtClean="0"/>
-              <a:t>01/11/2022</a:t>
+              <a:t>04/11/2022</a:t>
             </a:fld>
             <a:endParaRPr lang="it-IT"/>
           </a:p>
@@ -2200,7 +2200,7 @@
           <a:p>
             <a:fld id="{24D45E2C-55DD-40A9-BF2D-48E7D2AB1ABA}" type="datetime1">
               <a:rPr lang="it-IT" smtClean="0"/>
-              <a:t>01/11/2022</a:t>
+              <a:t>04/11/2022</a:t>
             </a:fld>
             <a:endParaRPr lang="it-IT"/>
           </a:p>
@@ -2341,7 +2341,7 @@
           <a:p>
             <a:fld id="{DC20DFAC-47A9-47B0-8C05-A3316EEF3D0C}" type="datetime1">
               <a:rPr lang="it-IT" smtClean="0"/>
-              <a:t>01/11/2022</a:t>
+              <a:t>04/11/2022</a:t>
             </a:fld>
             <a:endParaRPr lang="it-IT"/>
           </a:p>
@@ -2454,7 +2454,7 @@
           <a:p>
             <a:fld id="{B48A923B-8423-475F-9DB1-11B37109C533}" type="datetime1">
               <a:rPr lang="it-IT" smtClean="0"/>
-              <a:t>01/11/2022</a:t>
+              <a:t>04/11/2022</a:t>
             </a:fld>
             <a:endParaRPr lang="it-IT"/>
           </a:p>
@@ -2765,7 +2765,7 @@
           <a:p>
             <a:fld id="{39A5E392-1A82-4114-9B1C-7507E099813A}" type="datetime1">
               <a:rPr lang="it-IT" smtClean="0"/>
-              <a:t>01/11/2022</a:t>
+              <a:t>04/11/2022</a:t>
             </a:fld>
             <a:endParaRPr lang="it-IT"/>
           </a:p>
@@ -3053,7 +3053,7 @@
           <a:p>
             <a:fld id="{3F1E08A9-9033-4FA7-A83A-B5FC89FF2B18}" type="datetime1">
               <a:rPr lang="it-IT" smtClean="0"/>
-              <a:t>01/11/2022</a:t>
+              <a:t>04/11/2022</a:t>
             </a:fld>
             <a:endParaRPr lang="it-IT"/>
           </a:p>
@@ -3294,7 +3294,7 @@
           <a:p>
             <a:fld id="{62F13085-FB8A-48A6-9A18-D32F849A60AC}" type="datetime1">
               <a:rPr lang="it-IT" smtClean="0"/>
-              <a:t>01/11/2022</a:t>
+              <a:t>04/11/2022</a:t>
             </a:fld>
             <a:endParaRPr lang="it-IT"/>
           </a:p>
@@ -4684,7 +4684,7 @@
         <p:spPr>
           <a:xfrm>
             <a:off x="1066800" y="2428726"/>
-            <a:ext cx="10058400" cy="2677656"/>
+            <a:ext cx="10058400" cy="3046988"/>
           </a:xfrm>
           <a:prstGeom prst="rect">
             <a:avLst/>
@@ -4882,6 +4882,134 @@
                 </a:solidFill>
               </a:rPr>
               <a:t>anziano</a:t>
+            </a:r>
+            <a:r>
+              <a:rPr lang="en-US" sz="2400" dirty="0">
+                <a:solidFill>
+                  <a:srgbClr val="002060"/>
+                </a:solidFill>
+              </a:rPr>
+              <a:t>, </a:t>
+            </a:r>
+            <a:r>
+              <a:rPr lang="en-US" sz="2400" dirty="0" err="1">
+                <a:solidFill>
+                  <a:srgbClr val="002060"/>
+                </a:solidFill>
+              </a:rPr>
+              <a:t>quindi</a:t>
+            </a:r>
+            <a:r>
+              <a:rPr lang="en-US" sz="2400" dirty="0">
+                <a:solidFill>
+                  <a:srgbClr val="002060"/>
+                </a:solidFill>
+              </a:rPr>
+              <a:t> </a:t>
+            </a:r>
+            <a:r>
+              <a:rPr lang="en-US" sz="2400" dirty="0" err="1">
+                <a:solidFill>
+                  <a:srgbClr val="002060"/>
+                </a:solidFill>
+              </a:rPr>
+              <a:t>esiste</a:t>
+            </a:r>
+            <a:r>
+              <a:rPr lang="en-US" sz="2400" dirty="0">
+                <a:solidFill>
+                  <a:srgbClr val="002060"/>
+                </a:solidFill>
+              </a:rPr>
+              <a:t> una </a:t>
+            </a:r>
+            <a:r>
+              <a:rPr lang="en-US" sz="2400" dirty="0" err="1">
+                <a:solidFill>
+                  <a:srgbClr val="002060"/>
+                </a:solidFill>
+              </a:rPr>
+              <a:t>corrispondenza</a:t>
+            </a:r>
+            <a:r>
+              <a:rPr lang="en-US" sz="2400" dirty="0">
+                <a:solidFill>
+                  <a:srgbClr val="002060"/>
+                </a:solidFill>
+              </a:rPr>
+              <a:t> </a:t>
+            </a:r>
+            <a:r>
+              <a:rPr lang="en-US" sz="2400" dirty="0" err="1">
+                <a:solidFill>
+                  <a:srgbClr val="002060"/>
+                </a:solidFill>
+              </a:rPr>
+              <a:t>uno</a:t>
+            </a:r>
+            <a:r>
+              <a:rPr lang="en-US" sz="2400" dirty="0">
+                <a:solidFill>
+                  <a:srgbClr val="002060"/>
+                </a:solidFill>
+              </a:rPr>
+              <a:t> ad </a:t>
+            </a:r>
+            <a:r>
+              <a:rPr lang="en-US" sz="2400" dirty="0" err="1">
+                <a:solidFill>
+                  <a:srgbClr val="002060"/>
+                </a:solidFill>
+              </a:rPr>
+              <a:t>uno</a:t>
+            </a:r>
+            <a:r>
+              <a:rPr lang="en-US" sz="2400" dirty="0">
+                <a:solidFill>
+                  <a:srgbClr val="002060"/>
+                </a:solidFill>
+              </a:rPr>
+              <a:t> </a:t>
+            </a:r>
+            <a:r>
+              <a:rPr lang="en-US" sz="2400" dirty="0" err="1">
+                <a:solidFill>
+                  <a:srgbClr val="002060"/>
+                </a:solidFill>
+              </a:rPr>
+              <a:t>tra</a:t>
+            </a:r>
+            <a:r>
+              <a:rPr lang="en-US" sz="2400" dirty="0">
+                <a:solidFill>
+                  <a:srgbClr val="002060"/>
+                </a:solidFill>
+              </a:rPr>
+              <a:t> </a:t>
+            </a:r>
+            <a:r>
+              <a:rPr lang="en-US" sz="2400" dirty="0" err="1">
+                <a:solidFill>
+                  <a:srgbClr val="002060"/>
+                </a:solidFill>
+              </a:rPr>
+              <a:t>anziano</a:t>
+            </a:r>
+            <a:r>
+              <a:rPr lang="en-US" sz="2400" dirty="0">
+                <a:solidFill>
+                  <a:srgbClr val="002060"/>
+                </a:solidFill>
+              </a:rPr>
+              <a:t> e </a:t>
+            </a:r>
+            <a:r>
+              <a:rPr lang="en-US" sz="2400" dirty="0" err="1">
+                <a:solidFill>
+                  <a:srgbClr val="002060"/>
+                </a:solidFill>
+              </a:rPr>
+              <a:t>residenza</a:t>
             </a:r>
             <a:r>
               <a:rPr lang="en-US" sz="2400" dirty="0">
@@ -5969,7 +6097,7 @@
                   <a:srgbClr val="002060"/>
                 </a:solidFill>
               </a:rPr>
-              <a:t>istallato</a:t>
+              <a:t>installato</a:t>
             </a:r>
             <a:r>
               <a:rPr lang="en-US" sz="2400" dirty="0">

--- a/Progetto/Presentazione.pptx
+++ b/Progetto/Presentazione.pptx
@@ -230,7 +230,7 @@
           <a:p>
             <a:fld id="{B65E5A98-DA83-404B-AF61-44AE5342FB50}" type="datetimeFigureOut">
               <a:rPr lang="it-IT" smtClean="0"/>
-              <a:t>04/11/2022</a:t>
+              <a:t>11/11/2022</a:t>
             </a:fld>
             <a:endParaRPr lang="it-IT"/>
           </a:p>
@@ -644,7 +644,7 @@
           <a:p>
             <a:fld id="{9CD29C0B-695A-4D66-B8E9-5671F929A42B}" type="datetime1">
               <a:rPr lang="it-IT" smtClean="0"/>
-              <a:t>04/11/2022</a:t>
+              <a:t>11/11/2022</a:t>
             </a:fld>
             <a:endParaRPr lang="it-IT"/>
           </a:p>
@@ -842,7 +842,7 @@
           <a:p>
             <a:fld id="{AF0EC3E5-863F-4DFB-B3BC-1B55C7011BF9}" type="datetime1">
               <a:rPr lang="it-IT" smtClean="0"/>
-              <a:t>04/11/2022</a:t>
+              <a:t>11/11/2022</a:t>
             </a:fld>
             <a:endParaRPr lang="it-IT"/>
           </a:p>
@@ -1050,7 +1050,7 @@
           <a:p>
             <a:fld id="{DE4D602C-F8B6-42E8-BED7-016CDA0017F3}" type="datetime1">
               <a:rPr lang="it-IT" smtClean="0"/>
-              <a:t>04/11/2022</a:t>
+              <a:t>11/11/2022</a:t>
             </a:fld>
             <a:endParaRPr lang="it-IT"/>
           </a:p>
@@ -1248,7 +1248,7 @@
           <a:p>
             <a:fld id="{EDB10CE1-110C-4ED2-B55F-A302E1FD9F70}" type="datetime1">
               <a:rPr lang="it-IT" smtClean="0"/>
-              <a:t>04/11/2022</a:t>
+              <a:t>11/11/2022</a:t>
             </a:fld>
             <a:endParaRPr lang="it-IT"/>
           </a:p>
@@ -1523,7 +1523,7 @@
           <a:p>
             <a:fld id="{0F61B4B8-A1B7-42D4-A1E0-2645EDAC8BED}" type="datetime1">
               <a:rPr lang="it-IT" smtClean="0"/>
-              <a:t>04/11/2022</a:t>
+              <a:t>11/11/2022</a:t>
             </a:fld>
             <a:endParaRPr lang="it-IT"/>
           </a:p>
@@ -1788,7 +1788,7 @@
           <a:p>
             <a:fld id="{188DF4B9-859A-4780-A169-ED3A8349339B}" type="datetime1">
               <a:rPr lang="it-IT" smtClean="0"/>
-              <a:t>04/11/2022</a:t>
+              <a:t>11/11/2022</a:t>
             </a:fld>
             <a:endParaRPr lang="it-IT"/>
           </a:p>
@@ -2200,7 +2200,7 @@
           <a:p>
             <a:fld id="{24D45E2C-55DD-40A9-BF2D-48E7D2AB1ABA}" type="datetime1">
               <a:rPr lang="it-IT" smtClean="0"/>
-              <a:t>04/11/2022</a:t>
+              <a:t>11/11/2022</a:t>
             </a:fld>
             <a:endParaRPr lang="it-IT"/>
           </a:p>
@@ -2341,7 +2341,7 @@
           <a:p>
             <a:fld id="{DC20DFAC-47A9-47B0-8C05-A3316EEF3D0C}" type="datetime1">
               <a:rPr lang="it-IT" smtClean="0"/>
-              <a:t>04/11/2022</a:t>
+              <a:t>11/11/2022</a:t>
             </a:fld>
             <a:endParaRPr lang="it-IT"/>
           </a:p>
@@ -2454,7 +2454,7 @@
           <a:p>
             <a:fld id="{B48A923B-8423-475F-9DB1-11B37109C533}" type="datetime1">
               <a:rPr lang="it-IT" smtClean="0"/>
-              <a:t>04/11/2022</a:t>
+              <a:t>11/11/2022</a:t>
             </a:fld>
             <a:endParaRPr lang="it-IT"/>
           </a:p>
@@ -2765,7 +2765,7 @@
           <a:p>
             <a:fld id="{39A5E392-1A82-4114-9B1C-7507E099813A}" type="datetime1">
               <a:rPr lang="it-IT" smtClean="0"/>
-              <a:t>04/11/2022</a:t>
+              <a:t>11/11/2022</a:t>
             </a:fld>
             <a:endParaRPr lang="it-IT"/>
           </a:p>
@@ -3053,7 +3053,7 @@
           <a:p>
             <a:fld id="{3F1E08A9-9033-4FA7-A83A-B5FC89FF2B18}" type="datetime1">
               <a:rPr lang="it-IT" smtClean="0"/>
-              <a:t>04/11/2022</a:t>
+              <a:t>11/11/2022</a:t>
             </a:fld>
             <a:endParaRPr lang="it-IT"/>
           </a:p>
@@ -3294,7 +3294,7 @@
           <a:p>
             <a:fld id="{62F13085-FB8A-48A6-9A18-D32F849A60AC}" type="datetime1">
               <a:rPr lang="it-IT" smtClean="0"/>
-              <a:t>04/11/2022</a:t>
+              <a:t>11/11/2022</a:t>
             </a:fld>
             <a:endParaRPr lang="it-IT"/>
           </a:p>
@@ -5915,7 +5915,7 @@
                   <a:srgbClr val="002060"/>
                 </a:solidFill>
               </a:rPr>
-              <a:t>n</a:t>
+              <a:t>1</a:t>
             </a:r>
             <a:r>
               <a:rPr lang="en-US" sz="2400" dirty="0">
@@ -5931,63 +5931,31 @@
                   <a:srgbClr val="002060"/>
                 </a:solidFill>
               </a:rPr>
-              <a:t>controlli</a:t>
-            </a:r>
-            <a:r>
-              <a:rPr lang="en-US" sz="2400" dirty="0">
-                <a:solidFill>
-                  <a:srgbClr val="002060"/>
-                </a:solidFill>
-              </a:rPr>
-              <a:t> </a:t>
-            </a:r>
-            <a:r>
-              <a:rPr lang="en-US" sz="2400" dirty="0" err="1">
-                <a:solidFill>
-                  <a:srgbClr val="002060"/>
-                </a:solidFill>
-              </a:rPr>
-              <a:t>ogni</a:t>
-            </a:r>
-            <a:r>
-              <a:rPr lang="en-US" sz="2400" dirty="0">
-                <a:solidFill>
-                  <a:srgbClr val="002060"/>
-                </a:solidFill>
-              </a:rPr>
-              <a:t> </a:t>
-            </a:r>
-            <a:r>
-              <a:rPr lang="en-US" sz="2400" b="1" i="1" dirty="0">
-                <a:solidFill>
-                  <a:srgbClr val="002060"/>
-                </a:solidFill>
-              </a:rPr>
-              <a:t>m</a:t>
-            </a:r>
-            <a:r>
-              <a:rPr lang="en-US" sz="2400" dirty="0">
-                <a:solidFill>
-                  <a:srgbClr val="002060"/>
-                </a:solidFill>
-              </a:rPr>
-              <a:t> </a:t>
-            </a:r>
-            <a:r>
-              <a:rPr lang="en-US" sz="2400" dirty="0" err="1">
-                <a:solidFill>
-                  <a:srgbClr val="002060"/>
-                </a:solidFill>
-              </a:rPr>
-              <a:t>minuti</a:t>
-            </a:r>
-            <a:r>
-              <a:rPr lang="en-US" sz="2400" dirty="0">
-                <a:solidFill>
-                  <a:srgbClr val="002060"/>
-                </a:solidFill>
-              </a:rPr>
-              <a:t>;</a:t>
+              <a:t>controllo</a:t>
+            </a:r>
+            <a:r>
+              <a:rPr lang="en-US" sz="2400" dirty="0">
+                <a:solidFill>
+                  <a:srgbClr val="002060"/>
+                </a:solidFill>
+              </a:rPr>
+              <a:t> al secondo (60 al </a:t>
+            </a:r>
+            <a:r>
+              <a:rPr lang="en-US" sz="2400" dirty="0" err="1">
+                <a:solidFill>
+                  <a:srgbClr val="002060"/>
+                </a:solidFill>
+              </a:rPr>
+              <a:t>minuto</a:t>
+            </a:r>
+            <a:r>
+              <a:rPr lang="en-US" sz="2400" dirty="0">
+                <a:solidFill>
+                  <a:srgbClr val="002060"/>
+                </a:solidFill>
+              </a:rPr>
+              <a:t>);</a:t>
             </a:r>
           </a:p>
           <a:p>

--- a/Progetto/Presentazione.pptx
+++ b/Progetto/Presentazione.pptx
@@ -230,7 +230,7 @@
           <a:p>
             <a:fld id="{B65E5A98-DA83-404B-AF61-44AE5342FB50}" type="datetimeFigureOut">
               <a:rPr lang="it-IT" smtClean="0"/>
-              <a:t>11/11/2022</a:t>
+              <a:t>17/11/2022</a:t>
             </a:fld>
             <a:endParaRPr lang="it-IT"/>
           </a:p>
@@ -644,7 +644,7 @@
           <a:p>
             <a:fld id="{9CD29C0B-695A-4D66-B8E9-5671F929A42B}" type="datetime1">
               <a:rPr lang="it-IT" smtClean="0"/>
-              <a:t>11/11/2022</a:t>
+              <a:t>17/11/2022</a:t>
             </a:fld>
             <a:endParaRPr lang="it-IT"/>
           </a:p>
@@ -842,7 +842,7 @@
           <a:p>
             <a:fld id="{AF0EC3E5-863F-4DFB-B3BC-1B55C7011BF9}" type="datetime1">
               <a:rPr lang="it-IT" smtClean="0"/>
-              <a:t>11/11/2022</a:t>
+              <a:t>17/11/2022</a:t>
             </a:fld>
             <a:endParaRPr lang="it-IT"/>
           </a:p>
@@ -1050,7 +1050,7 @@
           <a:p>
             <a:fld id="{DE4D602C-F8B6-42E8-BED7-016CDA0017F3}" type="datetime1">
               <a:rPr lang="it-IT" smtClean="0"/>
-              <a:t>11/11/2022</a:t>
+              <a:t>17/11/2022</a:t>
             </a:fld>
             <a:endParaRPr lang="it-IT"/>
           </a:p>
@@ -1248,7 +1248,7 @@
           <a:p>
             <a:fld id="{EDB10CE1-110C-4ED2-B55F-A302E1FD9F70}" type="datetime1">
               <a:rPr lang="it-IT" smtClean="0"/>
-              <a:t>11/11/2022</a:t>
+              <a:t>17/11/2022</a:t>
             </a:fld>
             <a:endParaRPr lang="it-IT"/>
           </a:p>
@@ -1523,7 +1523,7 @@
           <a:p>
             <a:fld id="{0F61B4B8-A1B7-42D4-A1E0-2645EDAC8BED}" type="datetime1">
               <a:rPr lang="it-IT" smtClean="0"/>
-              <a:t>11/11/2022</a:t>
+              <a:t>17/11/2022</a:t>
             </a:fld>
             <a:endParaRPr lang="it-IT"/>
           </a:p>
@@ -1788,7 +1788,7 @@
           <a:p>
             <a:fld id="{188DF4B9-859A-4780-A169-ED3A8349339B}" type="datetime1">
               <a:rPr lang="it-IT" smtClean="0"/>
-              <a:t>11/11/2022</a:t>
+              <a:t>17/11/2022</a:t>
             </a:fld>
             <a:endParaRPr lang="it-IT"/>
           </a:p>
@@ -2200,7 +2200,7 @@
           <a:p>
             <a:fld id="{24D45E2C-55DD-40A9-BF2D-48E7D2AB1ABA}" type="datetime1">
               <a:rPr lang="it-IT" smtClean="0"/>
-              <a:t>11/11/2022</a:t>
+              <a:t>17/11/2022</a:t>
             </a:fld>
             <a:endParaRPr lang="it-IT"/>
           </a:p>
@@ -2341,7 +2341,7 @@
           <a:p>
             <a:fld id="{DC20DFAC-47A9-47B0-8C05-A3316EEF3D0C}" type="datetime1">
               <a:rPr lang="it-IT" smtClean="0"/>
-              <a:t>11/11/2022</a:t>
+              <a:t>17/11/2022</a:t>
             </a:fld>
             <a:endParaRPr lang="it-IT"/>
           </a:p>
@@ -2454,7 +2454,7 @@
           <a:p>
             <a:fld id="{B48A923B-8423-475F-9DB1-11B37109C533}" type="datetime1">
               <a:rPr lang="it-IT" smtClean="0"/>
-              <a:t>11/11/2022</a:t>
+              <a:t>17/11/2022</a:t>
             </a:fld>
             <a:endParaRPr lang="it-IT"/>
           </a:p>
@@ -2765,7 +2765,7 @@
           <a:p>
             <a:fld id="{39A5E392-1A82-4114-9B1C-7507E099813A}" type="datetime1">
               <a:rPr lang="it-IT" smtClean="0"/>
-              <a:t>11/11/2022</a:t>
+              <a:t>17/11/2022</a:t>
             </a:fld>
             <a:endParaRPr lang="it-IT"/>
           </a:p>
@@ -3053,7 +3053,7 @@
           <a:p>
             <a:fld id="{3F1E08A9-9033-4FA7-A83A-B5FC89FF2B18}" type="datetime1">
               <a:rPr lang="it-IT" smtClean="0"/>
-              <a:t>11/11/2022</a:t>
+              <a:t>17/11/2022</a:t>
             </a:fld>
             <a:endParaRPr lang="it-IT"/>
           </a:p>
@@ -3294,7 +3294,7 @@
           <a:p>
             <a:fld id="{62F13085-FB8A-48A6-9A18-D32F849A60AC}" type="datetime1">
               <a:rPr lang="it-IT" smtClean="0"/>
-              <a:t>11/11/2022</a:t>
+              <a:t>17/11/2022</a:t>
             </a:fld>
             <a:endParaRPr lang="it-IT"/>
           </a:p>
@@ -6247,23 +6247,7 @@
                   <a:srgbClr val="002060"/>
                 </a:solidFill>
               </a:rPr>
-              <a:t> 5 </a:t>
-            </a:r>
-            <a:r>
-              <a:rPr lang="en-US" sz="2400" dirty="0" err="1">
-                <a:solidFill>
-                  <a:srgbClr val="002060"/>
-                </a:solidFill>
-              </a:rPr>
-              <a:t>minuti</a:t>
-            </a:r>
-            <a:r>
-              <a:rPr lang="en-US" sz="2400" dirty="0">
-                <a:solidFill>
-                  <a:srgbClr val="002060"/>
-                </a:solidFill>
-              </a:rPr>
-              <a:t>;</a:t>
+              <a:t> 15 secondi;</a:t>
             </a:r>
           </a:p>
           <a:p>
@@ -7972,21 +7956,8 @@
                   <a:srgbClr val="002060"/>
                 </a:solidFill>
               </a:rPr>
-              <a:t> </a:t>
-            </a:r>
-            <a:r>
-              <a:rPr lang="en-US" sz="2400">
-                <a:solidFill>
-                  <a:srgbClr val="002060"/>
-                </a:solidFill>
-              </a:rPr>
-              <a:t>al caretaker;</a:t>
-            </a:r>
-            <a:endParaRPr lang="en-US" sz="2400" dirty="0">
-              <a:solidFill>
-                <a:srgbClr val="002060"/>
-              </a:solidFill>
-            </a:endParaRPr>
+              <a:t> al caretaker;</a:t>
+            </a:r>
           </a:p>
           <a:p>
             <a:pPr marL="342900" indent="-342900" algn="just">

--- a/Progetto/Presentazione.pptx
+++ b/Progetto/Presentazione.pptx
@@ -230,7 +230,7 @@
           <a:p>
             <a:fld id="{B65E5A98-DA83-404B-AF61-44AE5342FB50}" type="datetimeFigureOut">
               <a:rPr lang="it-IT" smtClean="0"/>
-              <a:t>17/11/2022</a:t>
+              <a:t>28/12/2022</a:t>
             </a:fld>
             <a:endParaRPr lang="it-IT"/>
           </a:p>
@@ -644,7 +644,7 @@
           <a:p>
             <a:fld id="{9CD29C0B-695A-4D66-B8E9-5671F929A42B}" type="datetime1">
               <a:rPr lang="it-IT" smtClean="0"/>
-              <a:t>17/11/2022</a:t>
+              <a:t>28/12/2022</a:t>
             </a:fld>
             <a:endParaRPr lang="it-IT"/>
           </a:p>
@@ -842,7 +842,7 @@
           <a:p>
             <a:fld id="{AF0EC3E5-863F-4DFB-B3BC-1B55C7011BF9}" type="datetime1">
               <a:rPr lang="it-IT" smtClean="0"/>
-              <a:t>17/11/2022</a:t>
+              <a:t>28/12/2022</a:t>
             </a:fld>
             <a:endParaRPr lang="it-IT"/>
           </a:p>
@@ -1050,7 +1050,7 @@
           <a:p>
             <a:fld id="{DE4D602C-F8B6-42E8-BED7-016CDA0017F3}" type="datetime1">
               <a:rPr lang="it-IT" smtClean="0"/>
-              <a:t>17/11/2022</a:t>
+              <a:t>28/12/2022</a:t>
             </a:fld>
             <a:endParaRPr lang="it-IT"/>
           </a:p>
@@ -1248,7 +1248,7 @@
           <a:p>
             <a:fld id="{EDB10CE1-110C-4ED2-B55F-A302E1FD9F70}" type="datetime1">
               <a:rPr lang="it-IT" smtClean="0"/>
-              <a:t>17/11/2022</a:t>
+              <a:t>28/12/2022</a:t>
             </a:fld>
             <a:endParaRPr lang="it-IT"/>
           </a:p>
@@ -1523,7 +1523,7 @@
           <a:p>
             <a:fld id="{0F61B4B8-A1B7-42D4-A1E0-2645EDAC8BED}" type="datetime1">
               <a:rPr lang="it-IT" smtClean="0"/>
-              <a:t>17/11/2022</a:t>
+              <a:t>28/12/2022</a:t>
             </a:fld>
             <a:endParaRPr lang="it-IT"/>
           </a:p>
@@ -1788,7 +1788,7 @@
           <a:p>
             <a:fld id="{188DF4B9-859A-4780-A169-ED3A8349339B}" type="datetime1">
               <a:rPr lang="it-IT" smtClean="0"/>
-              <a:t>17/11/2022</a:t>
+              <a:t>28/12/2022</a:t>
             </a:fld>
             <a:endParaRPr lang="it-IT"/>
           </a:p>
@@ -2200,7 +2200,7 @@
           <a:p>
             <a:fld id="{24D45E2C-55DD-40A9-BF2D-48E7D2AB1ABA}" type="datetime1">
               <a:rPr lang="it-IT" smtClean="0"/>
-              <a:t>17/11/2022</a:t>
+              <a:t>28/12/2022</a:t>
             </a:fld>
             <a:endParaRPr lang="it-IT"/>
           </a:p>
@@ -2341,7 +2341,7 @@
           <a:p>
             <a:fld id="{DC20DFAC-47A9-47B0-8C05-A3316EEF3D0C}" type="datetime1">
               <a:rPr lang="it-IT" smtClean="0"/>
-              <a:t>17/11/2022</a:t>
+              <a:t>28/12/2022</a:t>
             </a:fld>
             <a:endParaRPr lang="it-IT"/>
           </a:p>
@@ -2454,7 +2454,7 @@
           <a:p>
             <a:fld id="{B48A923B-8423-475F-9DB1-11B37109C533}" type="datetime1">
               <a:rPr lang="it-IT" smtClean="0"/>
-              <a:t>17/11/2022</a:t>
+              <a:t>28/12/2022</a:t>
             </a:fld>
             <a:endParaRPr lang="it-IT"/>
           </a:p>
@@ -2765,7 +2765,7 @@
           <a:p>
             <a:fld id="{39A5E392-1A82-4114-9B1C-7507E099813A}" type="datetime1">
               <a:rPr lang="it-IT" smtClean="0"/>
-              <a:t>17/11/2022</a:t>
+              <a:t>28/12/2022</a:t>
             </a:fld>
             <a:endParaRPr lang="it-IT"/>
           </a:p>
@@ -3053,7 +3053,7 @@
           <a:p>
             <a:fld id="{3F1E08A9-9033-4FA7-A83A-B5FC89FF2B18}" type="datetime1">
               <a:rPr lang="it-IT" smtClean="0"/>
-              <a:t>17/11/2022</a:t>
+              <a:t>28/12/2022</a:t>
             </a:fld>
             <a:endParaRPr lang="it-IT"/>
           </a:p>
@@ -3294,7 +3294,7 @@
           <a:p>
             <a:fld id="{62F13085-FB8A-48A6-9A18-D32F849A60AC}" type="datetime1">
               <a:rPr lang="it-IT" smtClean="0"/>
-              <a:t>17/11/2022</a:t>
+              <a:t>28/12/2022</a:t>
             </a:fld>
             <a:endParaRPr lang="it-IT"/>
           </a:p>
@@ -8605,6 +8605,42 @@
               </a14:hiddenFill>
             </a:ext>
           </a:extLst>
+        </p:spPr>
+      </p:pic>
+      <p:pic>
+        <p:nvPicPr>
+          <p:cNvPr id="3" name="Picture 2" descr="Diagram&#10;&#10;Description automatically generated">
+            <a:extLst>
+              <a:ext uri="{FF2B5EF4-FFF2-40B4-BE49-F238E27FC236}">
+                <a16:creationId xmlns:a16="http://schemas.microsoft.com/office/drawing/2014/main" id="{6348D6E9-2103-69DD-8909-D06418A71D4D}"/>
+              </a:ext>
+            </a:extLst>
+          </p:cNvPr>
+          <p:cNvPicPr>
+            <a:picLocks noChangeAspect="1"/>
+          </p:cNvPicPr>
+          <p:nvPr/>
+        </p:nvPicPr>
+        <p:blipFill>
+          <a:blip r:embed="rId4">
+            <a:extLst>
+              <a:ext uri="{28A0092B-C50C-407E-A947-70E740481C1C}">
+                <a14:useLocalDpi xmlns:a14="http://schemas.microsoft.com/office/drawing/2010/main" val="0"/>
+              </a:ext>
+            </a:extLst>
+          </a:blip>
+          <a:stretch>
+            <a:fillRect/>
+          </a:stretch>
+        </p:blipFill>
+        <p:spPr>
+          <a:xfrm>
+            <a:off x="2413592" y="1578112"/>
+            <a:ext cx="8143640" cy="4960800"/>
+          </a:xfrm>
+          <a:prstGeom prst="rect">
+            <a:avLst/>
+          </a:prstGeom>
         </p:spPr>
       </p:pic>
     </p:spTree>

--- a/Progetto/Presentazione.pptx
+++ b/Progetto/Presentazione.pptx
@@ -5,17 +5,20 @@
     <p:sldMasterId id="2147483648" r:id="rId1"/>
   </p:sldMasterIdLst>
   <p:notesMasterIdLst>
-    <p:notesMasterId r:id="rId10"/>
+    <p:notesMasterId r:id="rId13"/>
   </p:notesMasterIdLst>
   <p:sldIdLst>
     <p:sldId id="256" r:id="rId2"/>
-    <p:sldId id="290" r:id="rId3"/>
-    <p:sldId id="287" r:id="rId4"/>
-    <p:sldId id="284" r:id="rId5"/>
-    <p:sldId id="289" r:id="rId6"/>
-    <p:sldId id="288" r:id="rId7"/>
+    <p:sldId id="287" r:id="rId3"/>
+    <p:sldId id="284" r:id="rId4"/>
+    <p:sldId id="289" r:id="rId5"/>
+    <p:sldId id="288" r:id="rId6"/>
+    <p:sldId id="290" r:id="rId7"/>
     <p:sldId id="285" r:id="rId8"/>
-    <p:sldId id="282" r:id="rId9"/>
+    <p:sldId id="291" r:id="rId9"/>
+    <p:sldId id="293" r:id="rId10"/>
+    <p:sldId id="292" r:id="rId11"/>
+    <p:sldId id="282" r:id="rId12"/>
   </p:sldIdLst>
   <p:sldSz cx="12192000" cy="6858000"/>
   <p:notesSz cx="6858000" cy="9144000"/>
@@ -230,7 +233,7 @@
           <a:p>
             <a:fld id="{B65E5A98-DA83-404B-AF61-44AE5342FB50}" type="datetimeFigureOut">
               <a:rPr lang="it-IT" smtClean="0"/>
-              <a:t>28/12/2022</a:t>
+              <a:t>04/01/2023</a:t>
             </a:fld>
             <a:endParaRPr lang="it-IT"/>
           </a:p>
@@ -644,7 +647,7 @@
           <a:p>
             <a:fld id="{9CD29C0B-695A-4D66-B8E9-5671F929A42B}" type="datetime1">
               <a:rPr lang="it-IT" smtClean="0"/>
-              <a:t>28/12/2022</a:t>
+              <a:t>04/01/2023</a:t>
             </a:fld>
             <a:endParaRPr lang="it-IT"/>
           </a:p>
@@ -842,7 +845,7 @@
           <a:p>
             <a:fld id="{AF0EC3E5-863F-4DFB-B3BC-1B55C7011BF9}" type="datetime1">
               <a:rPr lang="it-IT" smtClean="0"/>
-              <a:t>28/12/2022</a:t>
+              <a:t>04/01/2023</a:t>
             </a:fld>
             <a:endParaRPr lang="it-IT"/>
           </a:p>
@@ -1050,7 +1053,7 @@
           <a:p>
             <a:fld id="{DE4D602C-F8B6-42E8-BED7-016CDA0017F3}" type="datetime1">
               <a:rPr lang="it-IT" smtClean="0"/>
-              <a:t>28/12/2022</a:t>
+              <a:t>04/01/2023</a:t>
             </a:fld>
             <a:endParaRPr lang="it-IT"/>
           </a:p>
@@ -1248,7 +1251,7 @@
           <a:p>
             <a:fld id="{EDB10CE1-110C-4ED2-B55F-A302E1FD9F70}" type="datetime1">
               <a:rPr lang="it-IT" smtClean="0"/>
-              <a:t>28/12/2022</a:t>
+              <a:t>04/01/2023</a:t>
             </a:fld>
             <a:endParaRPr lang="it-IT"/>
           </a:p>
@@ -1523,7 +1526,7 @@
           <a:p>
             <a:fld id="{0F61B4B8-A1B7-42D4-A1E0-2645EDAC8BED}" type="datetime1">
               <a:rPr lang="it-IT" smtClean="0"/>
-              <a:t>28/12/2022</a:t>
+              <a:t>04/01/2023</a:t>
             </a:fld>
             <a:endParaRPr lang="it-IT"/>
           </a:p>
@@ -1788,7 +1791,7 @@
           <a:p>
             <a:fld id="{188DF4B9-859A-4780-A169-ED3A8349339B}" type="datetime1">
               <a:rPr lang="it-IT" smtClean="0"/>
-              <a:t>28/12/2022</a:t>
+              <a:t>04/01/2023</a:t>
             </a:fld>
             <a:endParaRPr lang="it-IT"/>
           </a:p>
@@ -2200,7 +2203,7 @@
           <a:p>
             <a:fld id="{24D45E2C-55DD-40A9-BF2D-48E7D2AB1ABA}" type="datetime1">
               <a:rPr lang="it-IT" smtClean="0"/>
-              <a:t>28/12/2022</a:t>
+              <a:t>04/01/2023</a:t>
             </a:fld>
             <a:endParaRPr lang="it-IT"/>
           </a:p>
@@ -2341,7 +2344,7 @@
           <a:p>
             <a:fld id="{DC20DFAC-47A9-47B0-8C05-A3316EEF3D0C}" type="datetime1">
               <a:rPr lang="it-IT" smtClean="0"/>
-              <a:t>28/12/2022</a:t>
+              <a:t>04/01/2023</a:t>
             </a:fld>
             <a:endParaRPr lang="it-IT"/>
           </a:p>
@@ -2454,7 +2457,7 @@
           <a:p>
             <a:fld id="{B48A923B-8423-475F-9DB1-11B37109C533}" type="datetime1">
               <a:rPr lang="it-IT" smtClean="0"/>
-              <a:t>28/12/2022</a:t>
+              <a:t>04/01/2023</a:t>
             </a:fld>
             <a:endParaRPr lang="it-IT"/>
           </a:p>
@@ -2765,7 +2768,7 @@
           <a:p>
             <a:fld id="{39A5E392-1A82-4114-9B1C-7507E099813A}" type="datetime1">
               <a:rPr lang="it-IT" smtClean="0"/>
-              <a:t>28/12/2022</a:t>
+              <a:t>04/01/2023</a:t>
             </a:fld>
             <a:endParaRPr lang="it-IT"/>
           </a:p>
@@ -3053,7 +3056,7 @@
           <a:p>
             <a:fld id="{3F1E08A9-9033-4FA7-A83A-B5FC89FF2B18}" type="datetime1">
               <a:rPr lang="it-IT" smtClean="0"/>
-              <a:t>28/12/2022</a:t>
+              <a:t>04/01/2023</a:t>
             </a:fld>
             <a:endParaRPr lang="it-IT"/>
           </a:p>
@@ -3294,7 +3297,7 @@
           <a:p>
             <a:fld id="{62F13085-FB8A-48A6-9A18-D32F849A60AC}" type="datetime1">
               <a:rPr lang="it-IT" smtClean="0"/>
-              <a:t>28/12/2022</a:t>
+              <a:t>04/01/2023</a:t>
             </a:fld>
             <a:endParaRPr lang="it-IT"/>
           </a:p>
@@ -3785,8 +3788,8 @@
         </p:nvSpPr>
         <p:spPr>
           <a:xfrm>
-            <a:off x="986138" y="2096016"/>
-            <a:ext cx="10219721" cy="1938992"/>
+            <a:off x="986139" y="1869759"/>
+            <a:ext cx="10219721" cy="1846659"/>
           </a:xfrm>
           <a:prstGeom prst="rect">
             <a:avLst/>
@@ -3794,14 +3797,14 @@
           <a:noFill/>
         </p:spPr>
         <p:txBody>
-          <a:bodyPr wrap="square" rtlCol="0">
+          <a:bodyPr wrap="square" rtlCol="0" anchor="ctr">
             <a:spAutoFit/>
           </a:bodyPr>
           <a:lstStyle/>
           <a:p>
             <a:pPr algn="ctr"/>
             <a:r>
-              <a:rPr lang="en-US" sz="6000" dirty="0" err="1">
+              <a:rPr lang="en-US" sz="6000" dirty="0">
                 <a:ln w="0"/>
                 <a:solidFill>
                   <a:srgbClr val="002060"/>
@@ -3814,10 +3817,13 @@
                   </a:outerShdw>
                 </a:effectLst>
               </a:rPr>
-              <a:t>Progetto</a:t>
-            </a:r>
-            <a:r>
-              <a:rPr lang="en-US" sz="6000" dirty="0">
+              <a:t>Progetto ODA</a:t>
+            </a:r>
+          </a:p>
+          <a:p>
+            <a:pPr algn="ctr"/>
+            <a:r>
+              <a:rPr lang="en-US" sz="5400" i="1" dirty="0" err="1">
                 <a:ln w="0"/>
                 <a:solidFill>
                   <a:srgbClr val="002060"/>
@@ -3830,10 +3836,10 @@
                   </a:outerShdw>
                 </a:effectLst>
               </a:rPr>
-              <a:t> ODA -</a:t>
-            </a:r>
-            <a:r>
-              <a:rPr lang="en-US" sz="6000" dirty="0" err="1">
+              <a:t>Architettura</a:t>
+            </a:r>
+            <a:r>
+              <a:rPr lang="en-US" sz="5400" i="1" dirty="0">
                 <a:ln w="0"/>
                 <a:solidFill>
                   <a:srgbClr val="002060"/>
@@ -3846,25 +3852,9 @@
                   </a:outerShdw>
                 </a:effectLst>
               </a:rPr>
-              <a:t>Architettura</a:t>
-            </a:r>
-            <a:r>
-              <a:rPr lang="en-US" sz="6000" dirty="0">
-                <a:ln w="0"/>
-                <a:solidFill>
-                  <a:srgbClr val="002060"/>
-                </a:solidFill>
-                <a:effectLst>
-                  <a:outerShdw blurRad="38100" dist="25400" dir="5400000" algn="ctr" rotWithShape="0">
-                    <a:srgbClr val="6E747A">
-                      <a:alpha val="43000"/>
-                    </a:srgbClr>
-                  </a:outerShdw>
-                </a:effectLst>
-              </a:rPr>
               <a:t> del Software</a:t>
             </a:r>
-            <a:endParaRPr lang="it-IT" sz="6000" i="1" dirty="0">
+            <a:endParaRPr lang="it-IT" sz="5400" i="1" dirty="0">
               <a:ln w="0"/>
               <a:solidFill>
                 <a:srgbClr val="002060"/>
@@ -3999,7 +3989,7 @@
         </p:nvSpPr>
         <p:spPr>
           <a:xfrm>
-            <a:off x="6201671" y="4035008"/>
+            <a:off x="6095999" y="4021533"/>
             <a:ext cx="5748690" cy="1569660"/>
           </a:xfrm>
           <a:prstGeom prst="rect">
@@ -4093,8 +4083,8 @@
         </p:nvSpPr>
         <p:spPr>
           <a:xfrm>
-            <a:off x="5134838" y="5894685"/>
-            <a:ext cx="1922321" cy="461665"/>
+            <a:off x="4944883" y="5894685"/>
+            <a:ext cx="2302233" cy="461665"/>
           </a:xfrm>
           <a:prstGeom prst="rect">
             <a:avLst/>
@@ -4109,6 +4099,14 @@
           <a:p>
             <a:pPr algn="ctr"/>
             <a:r>
+              <a:rPr lang="en-US" sz="2400" i="1" dirty="0">
+                <a:solidFill>
+                  <a:srgbClr val="002060"/>
+                </a:solidFill>
+              </a:rPr>
+              <a:t>19 </a:t>
+            </a:r>
+            <a:r>
               <a:rPr lang="en-US" sz="2400" i="1" dirty="0" err="1">
                 <a:solidFill>
                   <a:srgbClr val="002060"/>
@@ -4131,6 +4129,357 @@
     <p:extLst>
       <p:ext uri="{BB962C8B-B14F-4D97-AF65-F5344CB8AC3E}">
         <p14:creationId xmlns:p14="http://schemas.microsoft.com/office/powerpoint/2010/main" val="2814185486"/>
+      </p:ext>
+    </p:extLst>
+  </p:cSld>
+  <p:clrMapOvr>
+    <a:masterClrMapping/>
+  </p:clrMapOvr>
+</p:sld>
+</file>
+
+<file path=ppt/slides/slide10.xml><?xml version="1.0" encoding="utf-8"?>
+<p:sld xmlns:a="http://schemas.openxmlformats.org/drawingml/2006/main" xmlns:r="http://schemas.openxmlformats.org/officeDocument/2006/relationships" xmlns:p="http://schemas.openxmlformats.org/presentationml/2006/main">
+  <p:cSld>
+    <p:spTree>
+      <p:nvGrpSpPr>
+        <p:cNvPr id="1" name=""/>
+        <p:cNvGrpSpPr/>
+        <p:nvPr/>
+      </p:nvGrpSpPr>
+      <p:grpSpPr>
+        <a:xfrm>
+          <a:off x="0" y="0"/>
+          <a:ext cx="0" cy="0"/>
+          <a:chOff x="0" y="0"/>
+          <a:chExt cx="0" cy="0"/>
+        </a:xfrm>
+      </p:grpSpPr>
+      <p:sp>
+        <p:nvSpPr>
+          <p:cNvPr id="4" name="Segnaposto numero diapositiva 3">
+            <a:extLst>
+              <a:ext uri="{FF2B5EF4-FFF2-40B4-BE49-F238E27FC236}">
+                <a16:creationId xmlns:a16="http://schemas.microsoft.com/office/drawing/2014/main" id="{91E057A0-BAB1-4D57-BDBD-F8F3DE02BEE1}"/>
+              </a:ext>
+            </a:extLst>
+          </p:cNvPr>
+          <p:cNvSpPr>
+            <a:spLocks noGrp="1"/>
+          </p:cNvSpPr>
+          <p:nvPr>
+            <p:ph type="sldNum" sz="quarter" idx="12"/>
+          </p:nvPr>
+        </p:nvSpPr>
+        <p:spPr/>
+        <p:txBody>
+          <a:bodyPr/>
+          <a:lstStyle/>
+          <a:p>
+            <a:fld id="{AFB85319-5DF8-4B17-9881-6D5B2C7AB305}" type="slidenum">
+              <a:rPr lang="it-IT" smtClean="0"/>
+              <a:t>10</a:t>
+            </a:fld>
+            <a:endParaRPr lang="it-IT"/>
+          </a:p>
+        </p:txBody>
+      </p:sp>
+      <p:pic>
+        <p:nvPicPr>
+          <p:cNvPr id="6" name="Immagine 5">
+            <a:extLst>
+              <a:ext uri="{FF2B5EF4-FFF2-40B4-BE49-F238E27FC236}">
+                <a16:creationId xmlns:a16="http://schemas.microsoft.com/office/drawing/2014/main" id="{64DD2710-C925-4AEB-B772-6D532D848EB4}"/>
+              </a:ext>
+            </a:extLst>
+          </p:cNvPr>
+          <p:cNvPicPr>
+            <a:picLocks noChangeAspect="1"/>
+          </p:cNvPicPr>
+          <p:nvPr/>
+        </p:nvPicPr>
+        <p:blipFill rotWithShape="1">
+          <a:blip r:embed="rId2"/>
+          <a:srcRect l="5289" t="10969" r="28138" b="12551"/>
+          <a:stretch/>
+        </p:blipFill>
+        <p:spPr>
+          <a:xfrm>
+            <a:off x="215980" y="231353"/>
+            <a:ext cx="7177874" cy="1295266"/>
+          </a:xfrm>
+          <a:prstGeom prst="rect">
+            <a:avLst/>
+          </a:prstGeom>
+        </p:spPr>
+      </p:pic>
+      <p:sp>
+        <p:nvSpPr>
+          <p:cNvPr id="8" name="CasellaDiTesto 7">
+            <a:extLst>
+              <a:ext uri="{FF2B5EF4-FFF2-40B4-BE49-F238E27FC236}">
+                <a16:creationId xmlns:a16="http://schemas.microsoft.com/office/drawing/2014/main" id="{3E0E40B7-DD25-4779-A260-DCF2A62C4B41}"/>
+              </a:ext>
+            </a:extLst>
+          </p:cNvPr>
+          <p:cNvSpPr txBox="1"/>
+          <p:nvPr/>
+        </p:nvSpPr>
+        <p:spPr>
+          <a:xfrm>
+            <a:off x="1562771" y="772221"/>
+            <a:ext cx="5831083" cy="584775"/>
+          </a:xfrm>
+          <a:prstGeom prst="rect">
+            <a:avLst/>
+          </a:prstGeom>
+          <a:noFill/>
+        </p:spPr>
+        <p:txBody>
+          <a:bodyPr wrap="none" rtlCol="0">
+            <a:spAutoFit/>
+          </a:bodyPr>
+          <a:lstStyle>
+            <a:defPPr>
+              <a:defRPr lang="it-IT"/>
+            </a:defPPr>
+            <a:lvl1pPr>
+              <a:defRPr sz="4800">
+                <a:ln w="0"/>
+                <a:solidFill>
+                  <a:srgbClr val="002060"/>
+                </a:solidFill>
+                <a:effectLst>
+                  <a:outerShdw blurRad="38100" dist="25400" dir="5400000" algn="ctr" rotWithShape="0">
+                    <a:srgbClr val="6E747A">
+                      <a:alpha val="43000"/>
+                    </a:srgbClr>
+                  </a:outerShdw>
+                </a:effectLst>
+              </a:defRPr>
+            </a:lvl1pPr>
+          </a:lstStyle>
+          <a:p>
+            <a:r>
+              <a:rPr lang="en-US" sz="3200" dirty="0"/>
+              <a:t>Diag1 – </a:t>
+            </a:r>
+            <a:r>
+              <a:rPr lang="en-US" sz="3200" dirty="0" err="1"/>
+              <a:t>Acquisizione</a:t>
+            </a:r>
+            <a:r>
+              <a:rPr lang="en-US" sz="3200" dirty="0"/>
+              <a:t> </a:t>
+            </a:r>
+            <a:r>
+              <a:rPr lang="en-US" sz="3200" dirty="0" err="1"/>
+              <a:t>Temperatura</a:t>
+            </a:r>
+            <a:endParaRPr lang="it-IT" sz="3200" i="1" dirty="0"/>
+          </a:p>
+        </p:txBody>
+      </p:sp>
+      <p:pic>
+        <p:nvPicPr>
+          <p:cNvPr id="9" name="Picture 2" descr="Università degli Studi di Milano-Bicocca - Wikipedia">
+            <a:extLst>
+              <a:ext uri="{FF2B5EF4-FFF2-40B4-BE49-F238E27FC236}">
+                <a16:creationId xmlns:a16="http://schemas.microsoft.com/office/drawing/2014/main" id="{9D1896BC-6EF3-43D9-B8A2-217137CA9550}"/>
+              </a:ext>
+            </a:extLst>
+          </p:cNvPr>
+          <p:cNvPicPr>
+            <a:picLocks noChangeAspect="1" noChangeArrowheads="1"/>
+          </p:cNvPicPr>
+          <p:nvPr/>
+        </p:nvPicPr>
+        <p:blipFill>
+          <a:blip r:embed="rId3">
+            <a:extLst>
+              <a:ext uri="{28A0092B-C50C-407E-A947-70E740481C1C}">
+                <a14:useLocalDpi xmlns:a14="http://schemas.microsoft.com/office/drawing/2010/main" val="0"/>
+              </a:ext>
+            </a:extLst>
+          </a:blip>
+          <a:srcRect/>
+          <a:stretch>
+            <a:fillRect/>
+          </a:stretch>
+        </p:blipFill>
+        <p:spPr bwMode="auto">
+          <a:xfrm>
+            <a:off x="215979" y="254984"/>
+            <a:ext cx="1346792" cy="1331078"/>
+          </a:xfrm>
+          <a:prstGeom prst="rect">
+            <a:avLst/>
+          </a:prstGeom>
+          <a:noFill/>
+          <a:extLst>
+            <a:ext uri="{909E8E84-426E-40DD-AFC4-6F175D3DCCD1}">
+              <a14:hiddenFill xmlns:a14="http://schemas.microsoft.com/office/drawing/2010/main">
+                <a:solidFill>
+                  <a:srgbClr val="FFFFFF"/>
+                </a:solidFill>
+              </a14:hiddenFill>
+            </a:ext>
+          </a:extLst>
+        </p:spPr>
+      </p:pic>
+      <p:pic>
+        <p:nvPicPr>
+          <p:cNvPr id="12" name="Picture 11">
+            <a:extLst>
+              <a:ext uri="{FF2B5EF4-FFF2-40B4-BE49-F238E27FC236}">
+                <a16:creationId xmlns:a16="http://schemas.microsoft.com/office/drawing/2014/main" id="{E743E987-573A-909D-5B67-F48694C7FD88}"/>
+              </a:ext>
+            </a:extLst>
+          </p:cNvPr>
+          <p:cNvPicPr>
+            <a:picLocks noChangeAspect="1"/>
+          </p:cNvPicPr>
+          <p:nvPr/>
+        </p:nvPicPr>
+        <p:blipFill rotWithShape="1">
+          <a:blip r:embed="rId4"/>
+          <a:srcRect l="3086" t="12997" r="4529" b="9330"/>
+          <a:stretch/>
+        </p:blipFill>
+        <p:spPr>
+          <a:xfrm>
+            <a:off x="2549236" y="2336799"/>
+            <a:ext cx="7093528" cy="2641601"/>
+          </a:xfrm>
+          <a:prstGeom prst="rect">
+            <a:avLst/>
+          </a:prstGeom>
+        </p:spPr>
+      </p:pic>
+    </p:spTree>
+    <p:extLst>
+      <p:ext uri="{BB962C8B-B14F-4D97-AF65-F5344CB8AC3E}">
+        <p14:creationId xmlns:p14="http://schemas.microsoft.com/office/powerpoint/2010/main" val="3537519527"/>
+      </p:ext>
+    </p:extLst>
+  </p:cSld>
+  <p:clrMapOvr>
+    <a:masterClrMapping/>
+  </p:clrMapOvr>
+</p:sld>
+</file>
+
+<file path=ppt/slides/slide11.xml><?xml version="1.0" encoding="utf-8"?>
+<p:sld xmlns:a="http://schemas.openxmlformats.org/drawingml/2006/main" xmlns:r="http://schemas.openxmlformats.org/officeDocument/2006/relationships" xmlns:p="http://schemas.openxmlformats.org/presentationml/2006/main">
+  <p:cSld>
+    <p:spTree>
+      <p:nvGrpSpPr>
+        <p:cNvPr id="1" name=""/>
+        <p:cNvGrpSpPr/>
+        <p:nvPr/>
+      </p:nvGrpSpPr>
+      <p:grpSpPr>
+        <a:xfrm>
+          <a:off x="0" y="0"/>
+          <a:ext cx="0" cy="0"/>
+          <a:chOff x="0" y="0"/>
+          <a:chExt cx="0" cy="0"/>
+        </a:xfrm>
+      </p:grpSpPr>
+      <p:sp>
+        <p:nvSpPr>
+          <p:cNvPr id="4" name="Segnaposto numero diapositiva 3">
+            <a:extLst>
+              <a:ext uri="{FF2B5EF4-FFF2-40B4-BE49-F238E27FC236}">
+                <a16:creationId xmlns:a16="http://schemas.microsoft.com/office/drawing/2014/main" id="{91E057A0-BAB1-4D57-BDBD-F8F3DE02BEE1}"/>
+              </a:ext>
+            </a:extLst>
+          </p:cNvPr>
+          <p:cNvSpPr>
+            <a:spLocks noGrp="1"/>
+          </p:cNvSpPr>
+          <p:nvPr>
+            <p:ph type="sldNum" sz="quarter" idx="12"/>
+          </p:nvPr>
+        </p:nvSpPr>
+        <p:spPr/>
+        <p:txBody>
+          <a:bodyPr/>
+          <a:lstStyle/>
+          <a:p>
+            <a:fld id="{AFB85319-5DF8-4B17-9881-6D5B2C7AB305}" type="slidenum">
+              <a:rPr lang="it-IT" smtClean="0"/>
+              <a:t>11</a:t>
+            </a:fld>
+            <a:endParaRPr lang="it-IT" dirty="0"/>
+          </a:p>
+        </p:txBody>
+      </p:sp>
+      <p:sp>
+        <p:nvSpPr>
+          <p:cNvPr id="7" name="Rectangle 9">
+            <a:extLst>
+              <a:ext uri="{FF2B5EF4-FFF2-40B4-BE49-F238E27FC236}">
+                <a16:creationId xmlns:a16="http://schemas.microsoft.com/office/drawing/2014/main" id="{CF7B5ACB-35EA-4058-827D-167D3165D90F}"/>
+              </a:ext>
+            </a:extLst>
+          </p:cNvPr>
+          <p:cNvSpPr/>
+          <p:nvPr/>
+        </p:nvSpPr>
+        <p:spPr>
+          <a:xfrm>
+            <a:off x="1743075" y="1751617"/>
+            <a:ext cx="8705850" cy="3354765"/>
+          </a:xfrm>
+          <a:prstGeom prst="rect">
+            <a:avLst/>
+          </a:prstGeom>
+        </p:spPr>
+        <p:txBody>
+          <a:bodyPr wrap="square">
+            <a:spAutoFit/>
+          </a:bodyPr>
+          <a:lstStyle/>
+          <a:p>
+            <a:pPr algn="ctr"/>
+            <a:r>
+              <a:rPr lang="it-IT" sz="9600" dirty="0">
+                <a:solidFill>
+                  <a:srgbClr val="002060"/>
+                </a:solidFill>
+              </a:rPr>
+              <a:t>GRAZIE PER </a:t>
+            </a:r>
+          </a:p>
+          <a:p>
+            <a:pPr algn="ctr"/>
+            <a:r>
+              <a:rPr lang="it-IT" sz="9600" dirty="0">
+                <a:solidFill>
+                  <a:srgbClr val="002060"/>
+                </a:solidFill>
+              </a:rPr>
+              <a:t>L’ATTENZIONE</a:t>
+            </a:r>
+          </a:p>
+          <a:p>
+            <a:pPr marL="342900" indent="-342900" algn="just">
+              <a:buFont typeface="Arial" panose="020B0604020202020204" pitchFamily="34" charset="0"/>
+              <a:buChar char="•"/>
+            </a:pPr>
+            <a:endParaRPr lang="it-IT" sz="2000" i="1" dirty="0">
+              <a:solidFill>
+                <a:srgbClr val="002060"/>
+              </a:solidFill>
+            </a:endParaRPr>
+          </a:p>
+        </p:txBody>
+      </p:sp>
+    </p:spTree>
+    <p:extLst>
+      <p:ext uri="{BB962C8B-B14F-4D97-AF65-F5344CB8AC3E}">
+        <p14:creationId xmlns:p14="http://schemas.microsoft.com/office/powerpoint/2010/main" val="603346053"/>
       </p:ext>
     </p:extLst>
   </p:cSld>
@@ -4259,7 +4608,39 @@
                   </a:outerShdw>
                 </a:effectLst>
               </a:rPr>
-              <a:t>Obbiettivo</a:t>
+              <a:t>Assunzioni</a:t>
+            </a:r>
+            <a:r>
+              <a:rPr lang="en-US" sz="4400" dirty="0">
+                <a:ln w="0"/>
+                <a:solidFill>
+                  <a:srgbClr val="002060"/>
+                </a:solidFill>
+                <a:effectLst>
+                  <a:outerShdw blurRad="38100" dist="25400" dir="5400000" algn="ctr" rotWithShape="0">
+                    <a:srgbClr val="6E747A">
+                      <a:alpha val="43000"/>
+                    </a:srgbClr>
+                  </a:outerShdw>
+                </a:effectLst>
+              </a:rPr>
+              <a:t> – Caretakers &amp; </a:t>
+            </a:r>
+            <a:r>
+              <a:rPr lang="en-US" sz="4400" dirty="0" err="1">
+                <a:ln w="0"/>
+                <a:solidFill>
+                  <a:srgbClr val="002060"/>
+                </a:solidFill>
+                <a:effectLst>
+                  <a:outerShdw blurRad="38100" dist="25400" dir="5400000" algn="ctr" rotWithShape="0">
+                    <a:srgbClr val="6E747A">
+                      <a:alpha val="43000"/>
+                    </a:srgbClr>
+                  </a:outerShdw>
+                </a:effectLst>
+              </a:rPr>
+              <a:t>Anziani</a:t>
             </a:r>
             <a:endParaRPr lang="it-IT" sz="4400" i="1" dirty="0">
               <a:ln w="0"/>
@@ -4382,10 +4763,949 @@
           </a:extLst>
         </p:spPr>
       </p:pic>
+      <p:sp>
+        <p:nvSpPr>
+          <p:cNvPr id="9" name="CasellaDiTesto 12">
+            <a:extLst>
+              <a:ext uri="{FF2B5EF4-FFF2-40B4-BE49-F238E27FC236}">
+                <a16:creationId xmlns:a16="http://schemas.microsoft.com/office/drawing/2014/main" id="{41B46196-83F9-43AC-8107-35E3AA5E875B}"/>
+              </a:ext>
+            </a:extLst>
+          </p:cNvPr>
+          <p:cNvSpPr txBox="1"/>
+          <p:nvPr/>
+        </p:nvSpPr>
+        <p:spPr>
+          <a:xfrm>
+            <a:off x="1066800" y="2428726"/>
+            <a:ext cx="10058400" cy="4154984"/>
+          </a:xfrm>
+          <a:prstGeom prst="rect">
+            <a:avLst/>
+          </a:prstGeom>
+          <a:noFill/>
+        </p:spPr>
+        <p:txBody>
+          <a:bodyPr wrap="square" rtlCol="0">
+            <a:spAutoFit/>
+          </a:bodyPr>
+          <a:lstStyle/>
+          <a:p>
+            <a:pPr marL="342900" indent="-342900" algn="just">
+              <a:buFont typeface="Arial" panose="020B0604020202020204" pitchFamily="34" charset="0"/>
+              <a:buChar char="•"/>
+            </a:pPr>
+            <a:r>
+              <a:rPr lang="en-US" sz="2400" dirty="0" err="1">
+                <a:solidFill>
+                  <a:srgbClr val="002060"/>
+                </a:solidFill>
+              </a:rPr>
+              <a:t>Gli</a:t>
+            </a:r>
+            <a:r>
+              <a:rPr lang="en-US" sz="2400" dirty="0">
+                <a:solidFill>
+                  <a:srgbClr val="002060"/>
+                </a:solidFill>
+              </a:rPr>
+              <a:t> </a:t>
+            </a:r>
+            <a:r>
+              <a:rPr lang="en-US" sz="2400" dirty="0" err="1">
+                <a:solidFill>
+                  <a:srgbClr val="002060"/>
+                </a:solidFill>
+              </a:rPr>
+              <a:t>appartamenti</a:t>
+            </a:r>
+            <a:r>
+              <a:rPr lang="en-US" sz="2400" dirty="0">
+                <a:solidFill>
+                  <a:srgbClr val="002060"/>
+                </a:solidFill>
+              </a:rPr>
+              <a:t> </a:t>
+            </a:r>
+            <a:r>
+              <a:rPr lang="en-US" sz="2400" dirty="0" err="1">
+                <a:solidFill>
+                  <a:srgbClr val="002060"/>
+                </a:solidFill>
+              </a:rPr>
+              <a:t>sono</a:t>
+            </a:r>
+            <a:r>
+              <a:rPr lang="en-US" sz="2400" dirty="0">
+                <a:solidFill>
+                  <a:srgbClr val="002060"/>
+                </a:solidFill>
+              </a:rPr>
+              <a:t> </a:t>
+            </a:r>
+            <a:r>
+              <a:rPr lang="en-US" sz="2400" dirty="0" err="1">
+                <a:solidFill>
+                  <a:srgbClr val="002060"/>
+                </a:solidFill>
+              </a:rPr>
+              <a:t>residenze</a:t>
+            </a:r>
+            <a:r>
+              <a:rPr lang="en-US" sz="2400" dirty="0">
+                <a:solidFill>
+                  <a:srgbClr val="002060"/>
+                </a:solidFill>
+              </a:rPr>
+              <a:t> private, </a:t>
+            </a:r>
+            <a:r>
+              <a:rPr lang="en-US" sz="2400" dirty="0" err="1">
+                <a:solidFill>
+                  <a:srgbClr val="002060"/>
+                </a:solidFill>
+              </a:rPr>
+              <a:t>identificate</a:t>
+            </a:r>
+            <a:r>
+              <a:rPr lang="en-US" sz="2400" dirty="0">
+                <a:solidFill>
+                  <a:srgbClr val="002060"/>
+                </a:solidFill>
+              </a:rPr>
+              <a:t> </a:t>
+            </a:r>
+            <a:r>
+              <a:rPr lang="en-US" sz="2400" dirty="0" err="1">
+                <a:solidFill>
+                  <a:srgbClr val="002060"/>
+                </a:solidFill>
+              </a:rPr>
+              <a:t>univocamente</a:t>
+            </a:r>
+            <a:r>
+              <a:rPr lang="en-US" sz="2400" dirty="0">
+                <a:solidFill>
+                  <a:srgbClr val="002060"/>
+                </a:solidFill>
+              </a:rPr>
+              <a:t> da un </a:t>
+            </a:r>
+            <a:r>
+              <a:rPr lang="en-US" sz="2400" dirty="0" err="1">
+                <a:solidFill>
+                  <a:srgbClr val="002060"/>
+                </a:solidFill>
+              </a:rPr>
+              <a:t>indirizzo</a:t>
+            </a:r>
+            <a:r>
+              <a:rPr lang="en-US" sz="2400" dirty="0">
+                <a:solidFill>
+                  <a:srgbClr val="002060"/>
+                </a:solidFill>
+              </a:rPr>
+              <a:t>;</a:t>
+            </a:r>
+          </a:p>
+          <a:p>
+            <a:pPr marL="342900" indent="-342900" algn="just">
+              <a:buFont typeface="Arial" panose="020B0604020202020204" pitchFamily="34" charset="0"/>
+              <a:buChar char="•"/>
+            </a:pPr>
+            <a:r>
+              <a:rPr lang="en-US" sz="2400" dirty="0">
+                <a:solidFill>
+                  <a:srgbClr val="002060"/>
+                </a:solidFill>
+              </a:rPr>
+              <a:t>In </a:t>
+            </a:r>
+            <a:r>
+              <a:rPr lang="en-US" sz="2400" dirty="0" err="1">
+                <a:solidFill>
+                  <a:srgbClr val="002060"/>
+                </a:solidFill>
+              </a:rPr>
+              <a:t>ogni</a:t>
+            </a:r>
+            <a:r>
+              <a:rPr lang="en-US" sz="2400" dirty="0">
+                <a:solidFill>
+                  <a:srgbClr val="002060"/>
+                </a:solidFill>
+              </a:rPr>
+              <a:t> </a:t>
+            </a:r>
+            <a:r>
+              <a:rPr lang="en-US" sz="2400" dirty="0" err="1">
+                <a:solidFill>
+                  <a:srgbClr val="002060"/>
+                </a:solidFill>
+              </a:rPr>
+              <a:t>appartamento</a:t>
+            </a:r>
+            <a:r>
+              <a:rPr lang="en-US" sz="2400" dirty="0">
+                <a:solidFill>
+                  <a:srgbClr val="002060"/>
+                </a:solidFill>
+              </a:rPr>
+              <a:t> </a:t>
+            </a:r>
+            <a:r>
+              <a:rPr lang="en-US" sz="2400" dirty="0" err="1">
+                <a:solidFill>
+                  <a:srgbClr val="002060"/>
+                </a:solidFill>
+              </a:rPr>
+              <a:t>alloggia</a:t>
+            </a:r>
+            <a:r>
+              <a:rPr lang="en-US" sz="2400" dirty="0">
+                <a:solidFill>
+                  <a:srgbClr val="002060"/>
+                </a:solidFill>
+              </a:rPr>
+              <a:t> un solo </a:t>
+            </a:r>
+            <a:r>
+              <a:rPr lang="en-US" sz="2400" dirty="0" err="1">
+                <a:solidFill>
+                  <a:srgbClr val="002060"/>
+                </a:solidFill>
+              </a:rPr>
+              <a:t>anziano</a:t>
+            </a:r>
+            <a:r>
+              <a:rPr lang="en-US" sz="2400" dirty="0">
+                <a:solidFill>
+                  <a:srgbClr val="002060"/>
+                </a:solidFill>
+              </a:rPr>
+              <a:t>, </a:t>
+            </a:r>
+            <a:r>
+              <a:rPr lang="en-US" sz="2400" dirty="0" err="1">
+                <a:solidFill>
+                  <a:srgbClr val="002060"/>
+                </a:solidFill>
+              </a:rPr>
+              <a:t>quindi</a:t>
+            </a:r>
+            <a:r>
+              <a:rPr lang="en-US" sz="2400" dirty="0">
+                <a:solidFill>
+                  <a:srgbClr val="002060"/>
+                </a:solidFill>
+              </a:rPr>
+              <a:t> </a:t>
+            </a:r>
+            <a:r>
+              <a:rPr lang="en-US" sz="2400" dirty="0" err="1">
+                <a:solidFill>
+                  <a:srgbClr val="002060"/>
+                </a:solidFill>
+              </a:rPr>
+              <a:t>esiste</a:t>
+            </a:r>
+            <a:r>
+              <a:rPr lang="en-US" sz="2400" dirty="0">
+                <a:solidFill>
+                  <a:srgbClr val="002060"/>
+                </a:solidFill>
+              </a:rPr>
+              <a:t> una </a:t>
+            </a:r>
+            <a:r>
+              <a:rPr lang="en-US" sz="2400" dirty="0" err="1">
+                <a:solidFill>
+                  <a:srgbClr val="002060"/>
+                </a:solidFill>
+              </a:rPr>
+              <a:t>corrispondenza</a:t>
+            </a:r>
+            <a:r>
+              <a:rPr lang="en-US" sz="2400" dirty="0">
+                <a:solidFill>
+                  <a:srgbClr val="002060"/>
+                </a:solidFill>
+              </a:rPr>
+              <a:t> </a:t>
+            </a:r>
+            <a:r>
+              <a:rPr lang="en-US" sz="2400" dirty="0" err="1">
+                <a:solidFill>
+                  <a:srgbClr val="002060"/>
+                </a:solidFill>
+              </a:rPr>
+              <a:t>uno</a:t>
+            </a:r>
+            <a:r>
+              <a:rPr lang="en-US" sz="2400" dirty="0">
+                <a:solidFill>
+                  <a:srgbClr val="002060"/>
+                </a:solidFill>
+              </a:rPr>
+              <a:t> ad </a:t>
+            </a:r>
+            <a:r>
+              <a:rPr lang="en-US" sz="2400" dirty="0" err="1">
+                <a:solidFill>
+                  <a:srgbClr val="002060"/>
+                </a:solidFill>
+              </a:rPr>
+              <a:t>uno</a:t>
+            </a:r>
+            <a:r>
+              <a:rPr lang="en-US" sz="2400" dirty="0">
+                <a:solidFill>
+                  <a:srgbClr val="002060"/>
+                </a:solidFill>
+              </a:rPr>
+              <a:t> </a:t>
+            </a:r>
+            <a:r>
+              <a:rPr lang="en-US" sz="2400" dirty="0" err="1">
+                <a:solidFill>
+                  <a:srgbClr val="002060"/>
+                </a:solidFill>
+              </a:rPr>
+              <a:t>tra</a:t>
+            </a:r>
+            <a:r>
+              <a:rPr lang="en-US" sz="2400" dirty="0">
+                <a:solidFill>
+                  <a:srgbClr val="002060"/>
+                </a:solidFill>
+              </a:rPr>
+              <a:t> </a:t>
+            </a:r>
+            <a:r>
+              <a:rPr lang="en-US" sz="2400" dirty="0" err="1">
+                <a:solidFill>
+                  <a:srgbClr val="002060"/>
+                </a:solidFill>
+              </a:rPr>
+              <a:t>anziano</a:t>
+            </a:r>
+            <a:r>
+              <a:rPr lang="en-US" sz="2400" dirty="0">
+                <a:solidFill>
+                  <a:srgbClr val="002060"/>
+                </a:solidFill>
+              </a:rPr>
+              <a:t> e </a:t>
+            </a:r>
+            <a:r>
+              <a:rPr lang="en-US" sz="2400" dirty="0" err="1">
+                <a:solidFill>
+                  <a:srgbClr val="002060"/>
+                </a:solidFill>
+              </a:rPr>
+              <a:t>residenza</a:t>
+            </a:r>
+            <a:r>
+              <a:rPr lang="en-US" sz="2400" dirty="0">
+                <a:solidFill>
+                  <a:srgbClr val="002060"/>
+                </a:solidFill>
+              </a:rPr>
+              <a:t>;</a:t>
+            </a:r>
+          </a:p>
+          <a:p>
+            <a:pPr marL="342900" indent="-342900" algn="just">
+              <a:buFont typeface="Arial" panose="020B0604020202020204" pitchFamily="34" charset="0"/>
+              <a:buChar char="•"/>
+            </a:pPr>
+            <a:r>
+              <a:rPr lang="en-US" sz="2400" dirty="0">
+                <a:solidFill>
+                  <a:srgbClr val="002060"/>
+                </a:solidFill>
+              </a:rPr>
+              <a:t>Si </a:t>
+            </a:r>
+            <a:r>
+              <a:rPr lang="en-US" sz="2400" dirty="0" err="1">
+                <a:solidFill>
+                  <a:srgbClr val="002060"/>
+                </a:solidFill>
+              </a:rPr>
+              <a:t>ipotizza</a:t>
+            </a:r>
+            <a:r>
+              <a:rPr lang="en-US" sz="2400" dirty="0">
+                <a:solidFill>
+                  <a:srgbClr val="002060"/>
+                </a:solidFill>
+              </a:rPr>
+              <a:t> la </a:t>
+            </a:r>
+            <a:r>
+              <a:rPr lang="en-US" sz="2400" dirty="0" err="1">
+                <a:solidFill>
+                  <a:srgbClr val="002060"/>
+                </a:solidFill>
+              </a:rPr>
+              <a:t>gestione</a:t>
+            </a:r>
+            <a:r>
+              <a:rPr lang="en-US" sz="2400" dirty="0">
+                <a:solidFill>
+                  <a:srgbClr val="002060"/>
+                </a:solidFill>
+              </a:rPr>
+              <a:t> di 1000 anziani </a:t>
+            </a:r>
+            <a:r>
+              <a:rPr lang="en-US" sz="2400" dirty="0" err="1">
+                <a:solidFill>
+                  <a:srgbClr val="002060"/>
+                </a:solidFill>
+              </a:rPr>
+              <a:t>diversi</a:t>
+            </a:r>
+            <a:r>
+              <a:rPr lang="en-US" sz="2400" dirty="0">
+                <a:solidFill>
+                  <a:srgbClr val="002060"/>
+                </a:solidFill>
+              </a:rPr>
+              <a:t>, </a:t>
+            </a:r>
+            <a:r>
+              <a:rPr lang="en-US" sz="2400" dirty="0" err="1">
+                <a:solidFill>
+                  <a:srgbClr val="002060"/>
+                </a:solidFill>
+              </a:rPr>
+              <a:t>quindi</a:t>
+            </a:r>
+            <a:r>
+              <a:rPr lang="en-US" sz="2400" dirty="0">
+                <a:solidFill>
+                  <a:srgbClr val="002060"/>
+                </a:solidFill>
+              </a:rPr>
+              <a:t> 1000 diverse </a:t>
+            </a:r>
+            <a:r>
+              <a:rPr lang="en-US" sz="2400" dirty="0" err="1">
+                <a:solidFill>
+                  <a:srgbClr val="002060"/>
+                </a:solidFill>
+              </a:rPr>
+              <a:t>abitazioni</a:t>
+            </a:r>
+            <a:r>
+              <a:rPr lang="en-US" sz="2400" dirty="0">
+                <a:solidFill>
+                  <a:srgbClr val="002060"/>
+                </a:solidFill>
+              </a:rPr>
+              <a:t>, </a:t>
+            </a:r>
+            <a:r>
+              <a:rPr lang="en-US" sz="2400" dirty="0" err="1">
+                <a:solidFill>
+                  <a:srgbClr val="002060"/>
+                </a:solidFill>
+              </a:rPr>
+              <a:t>ognuna</a:t>
+            </a:r>
+            <a:r>
+              <a:rPr lang="en-US" sz="2400" dirty="0">
+                <a:solidFill>
+                  <a:srgbClr val="002060"/>
+                </a:solidFill>
+              </a:rPr>
+              <a:t> </a:t>
+            </a:r>
+            <a:r>
+              <a:rPr lang="en-US" sz="2400" dirty="0" err="1">
+                <a:solidFill>
+                  <a:srgbClr val="002060"/>
+                </a:solidFill>
+              </a:rPr>
+              <a:t>contenente</a:t>
+            </a:r>
+            <a:r>
+              <a:rPr lang="en-US" sz="2400" dirty="0">
+                <a:solidFill>
+                  <a:srgbClr val="002060"/>
+                </a:solidFill>
+              </a:rPr>
+              <a:t> al </a:t>
+            </a:r>
+            <a:r>
+              <a:rPr lang="en-US" sz="2400" dirty="0" err="1">
+                <a:solidFill>
+                  <a:srgbClr val="002060"/>
+                </a:solidFill>
+              </a:rPr>
+              <a:t>più</a:t>
+            </a:r>
+            <a:r>
+              <a:rPr lang="en-US" sz="2400" dirty="0">
+                <a:solidFill>
+                  <a:srgbClr val="002060"/>
+                </a:solidFill>
+              </a:rPr>
+              <a:t> 5 </a:t>
+            </a:r>
+            <a:r>
+              <a:rPr lang="en-US" sz="2400" dirty="0" err="1">
+                <a:solidFill>
+                  <a:srgbClr val="002060"/>
+                </a:solidFill>
+              </a:rPr>
+              <a:t>stanze</a:t>
+            </a:r>
+            <a:r>
+              <a:rPr lang="en-US" sz="2400" dirty="0">
+                <a:solidFill>
+                  <a:srgbClr val="002060"/>
+                </a:solidFill>
+              </a:rPr>
+              <a:t>;</a:t>
+            </a:r>
+          </a:p>
+          <a:p>
+            <a:pPr marL="342900" indent="-342900" algn="just">
+              <a:buFont typeface="Arial" panose="020B0604020202020204" pitchFamily="34" charset="0"/>
+              <a:buChar char="•"/>
+            </a:pPr>
+            <a:r>
+              <a:rPr lang="en-US" sz="2400" dirty="0">
+                <a:solidFill>
+                  <a:srgbClr val="002060"/>
+                </a:solidFill>
+              </a:rPr>
+              <a:t>I caretakers </a:t>
+            </a:r>
+            <a:r>
+              <a:rPr lang="en-US" sz="2400" dirty="0" err="1">
+                <a:solidFill>
+                  <a:srgbClr val="002060"/>
+                </a:solidFill>
+              </a:rPr>
+              <a:t>vengono</a:t>
+            </a:r>
+            <a:r>
+              <a:rPr lang="en-US" sz="2400" dirty="0">
+                <a:solidFill>
+                  <a:srgbClr val="002060"/>
+                </a:solidFill>
+              </a:rPr>
+              <a:t> </a:t>
+            </a:r>
+            <a:r>
+              <a:rPr lang="en-US" sz="2400" dirty="0" err="1">
+                <a:solidFill>
+                  <a:srgbClr val="002060"/>
+                </a:solidFill>
+              </a:rPr>
+              <a:t>informati</a:t>
+            </a:r>
+            <a:r>
+              <a:rPr lang="en-US" sz="2400" dirty="0">
+                <a:solidFill>
+                  <a:srgbClr val="002060"/>
+                </a:solidFill>
+              </a:rPr>
+              <a:t>, </a:t>
+            </a:r>
+            <a:r>
+              <a:rPr lang="en-US" sz="2400" dirty="0" err="1">
+                <a:solidFill>
+                  <a:srgbClr val="002060"/>
+                </a:solidFill>
+              </a:rPr>
+              <a:t>tramite</a:t>
+            </a:r>
+            <a:r>
+              <a:rPr lang="en-US" sz="2400" dirty="0">
+                <a:solidFill>
+                  <a:srgbClr val="002060"/>
+                </a:solidFill>
+              </a:rPr>
+              <a:t> </a:t>
+            </a:r>
+            <a:r>
+              <a:rPr lang="en-US" sz="2400" dirty="0" err="1">
+                <a:solidFill>
+                  <a:srgbClr val="002060"/>
+                </a:solidFill>
+              </a:rPr>
+              <a:t>notifica</a:t>
+            </a:r>
+            <a:r>
+              <a:rPr lang="en-US" sz="2400" dirty="0">
+                <a:solidFill>
+                  <a:srgbClr val="002060"/>
+                </a:solidFill>
+              </a:rPr>
+              <a:t>, di </a:t>
+            </a:r>
+            <a:r>
+              <a:rPr lang="en-US" sz="2400" dirty="0" err="1">
+                <a:solidFill>
+                  <a:srgbClr val="002060"/>
+                </a:solidFill>
+              </a:rPr>
+              <a:t>una</a:t>
+            </a:r>
+            <a:r>
+              <a:rPr lang="en-US" sz="2400" dirty="0">
+                <a:solidFill>
+                  <a:srgbClr val="002060"/>
+                </a:solidFill>
+              </a:rPr>
+              <a:t> </a:t>
+            </a:r>
+            <a:r>
+              <a:rPr lang="en-US" sz="2400" dirty="0" err="1">
+                <a:solidFill>
+                  <a:srgbClr val="002060"/>
+                </a:solidFill>
+              </a:rPr>
+              <a:t>eventuale</a:t>
+            </a:r>
+            <a:r>
+              <a:rPr lang="en-US" sz="2400" dirty="0">
+                <a:solidFill>
+                  <a:srgbClr val="002060"/>
+                </a:solidFill>
+              </a:rPr>
+              <a:t> </a:t>
+            </a:r>
+            <a:r>
+              <a:rPr lang="en-US" sz="2400" dirty="0" err="1">
+                <a:solidFill>
+                  <a:srgbClr val="002060"/>
+                </a:solidFill>
+              </a:rPr>
+              <a:t>anomalia</a:t>
+            </a:r>
+            <a:r>
+              <a:rPr lang="en-US" sz="2400" dirty="0">
+                <a:solidFill>
+                  <a:srgbClr val="002060"/>
+                </a:solidFill>
+              </a:rPr>
+              <a:t>, </a:t>
+            </a:r>
+            <a:r>
+              <a:rPr lang="en-US" sz="2400" dirty="0" err="1">
+                <a:solidFill>
+                  <a:srgbClr val="002060"/>
+                </a:solidFill>
+              </a:rPr>
+              <a:t>mentre</a:t>
+            </a:r>
+            <a:r>
+              <a:rPr lang="en-US" sz="2400" dirty="0">
+                <a:solidFill>
+                  <a:srgbClr val="002060"/>
+                </a:solidFill>
+              </a:rPr>
+              <a:t>, </a:t>
+            </a:r>
+            <a:r>
+              <a:rPr lang="en-US" sz="2400" dirty="0" err="1">
+                <a:solidFill>
+                  <a:srgbClr val="002060"/>
+                </a:solidFill>
+              </a:rPr>
+              <a:t>possono</a:t>
+            </a:r>
+            <a:r>
+              <a:rPr lang="en-US" sz="2400" dirty="0">
+                <a:solidFill>
+                  <a:srgbClr val="002060"/>
+                </a:solidFill>
+              </a:rPr>
+              <a:t> </a:t>
+            </a:r>
+            <a:r>
+              <a:rPr lang="en-US" sz="2400" dirty="0" err="1">
+                <a:solidFill>
+                  <a:srgbClr val="002060"/>
+                </a:solidFill>
+              </a:rPr>
+              <a:t>visionare</a:t>
+            </a:r>
+            <a:r>
+              <a:rPr lang="en-US" sz="2400" dirty="0">
+                <a:solidFill>
+                  <a:srgbClr val="002060"/>
+                </a:solidFill>
+              </a:rPr>
+              <a:t> in </a:t>
+            </a:r>
+            <a:r>
+              <a:rPr lang="en-US" sz="2400" dirty="0" err="1">
+                <a:solidFill>
+                  <a:srgbClr val="002060"/>
+                </a:solidFill>
+              </a:rPr>
+              <a:t>ogni</a:t>
+            </a:r>
+            <a:r>
+              <a:rPr lang="en-US" sz="2400" dirty="0">
+                <a:solidFill>
+                  <a:srgbClr val="002060"/>
+                </a:solidFill>
+              </a:rPr>
+              <a:t> </a:t>
+            </a:r>
+            <a:r>
+              <a:rPr lang="en-US" sz="2400" dirty="0" err="1">
+                <a:solidFill>
+                  <a:srgbClr val="002060"/>
+                </a:solidFill>
+              </a:rPr>
+              <a:t>momento</a:t>
+            </a:r>
+            <a:r>
+              <a:rPr lang="en-US" sz="2400" dirty="0">
+                <a:solidFill>
+                  <a:srgbClr val="002060"/>
+                </a:solidFill>
+              </a:rPr>
+              <a:t> le diverse </a:t>
+            </a:r>
+            <a:r>
+              <a:rPr lang="en-US" sz="2400" dirty="0" err="1">
+                <a:solidFill>
+                  <a:srgbClr val="002060"/>
+                </a:solidFill>
+              </a:rPr>
+              <a:t>misurazioni</a:t>
+            </a:r>
+            <a:r>
+              <a:rPr lang="en-US" sz="2400" dirty="0">
+                <a:solidFill>
+                  <a:srgbClr val="002060"/>
+                </a:solidFill>
+              </a:rPr>
+              <a:t> relative </a:t>
+            </a:r>
+            <a:r>
+              <a:rPr lang="en-US" sz="2400" dirty="0" err="1">
+                <a:solidFill>
+                  <a:srgbClr val="002060"/>
+                </a:solidFill>
+              </a:rPr>
+              <a:t>all’anziano</a:t>
+            </a:r>
+            <a:r>
+              <a:rPr lang="en-US" sz="2400" dirty="0">
+                <a:solidFill>
+                  <a:srgbClr val="002060"/>
+                </a:solidFill>
+              </a:rPr>
+              <a:t>;</a:t>
+            </a:r>
+          </a:p>
+          <a:p>
+            <a:pPr marL="342900" indent="-342900" algn="just">
+              <a:buFont typeface="Arial" panose="020B0604020202020204" pitchFamily="34" charset="0"/>
+              <a:buChar char="•"/>
+            </a:pPr>
+            <a:r>
+              <a:rPr lang="en-US" sz="2400" dirty="0">
+                <a:solidFill>
+                  <a:srgbClr val="002060"/>
+                </a:solidFill>
+              </a:rPr>
+              <a:t>I </a:t>
+            </a:r>
+            <a:r>
+              <a:rPr lang="en-US" sz="2400" dirty="0" err="1">
+                <a:solidFill>
+                  <a:srgbClr val="002060"/>
+                </a:solidFill>
+              </a:rPr>
+              <a:t>famigliari</a:t>
+            </a:r>
+            <a:r>
+              <a:rPr lang="en-US" sz="2400" dirty="0">
+                <a:solidFill>
+                  <a:srgbClr val="002060"/>
+                </a:solidFill>
+              </a:rPr>
+              <a:t> </a:t>
+            </a:r>
+            <a:r>
+              <a:rPr lang="en-US" sz="2400" dirty="0" err="1">
+                <a:solidFill>
+                  <a:srgbClr val="002060"/>
+                </a:solidFill>
+              </a:rPr>
+              <a:t>hanno</a:t>
+            </a:r>
+            <a:r>
+              <a:rPr lang="en-US" sz="2400" dirty="0">
+                <a:solidFill>
+                  <a:srgbClr val="002060"/>
+                </a:solidFill>
+              </a:rPr>
+              <a:t> accesso solo ai </a:t>
+            </a:r>
+            <a:r>
+              <a:rPr lang="en-US" sz="2400" dirty="0" err="1">
+                <a:solidFill>
+                  <a:srgbClr val="002060"/>
+                </a:solidFill>
+              </a:rPr>
+              <a:t>dati</a:t>
+            </a:r>
+            <a:r>
+              <a:rPr lang="en-US" sz="2400" dirty="0">
+                <a:solidFill>
+                  <a:srgbClr val="002060"/>
+                </a:solidFill>
+              </a:rPr>
+              <a:t> </a:t>
+            </a:r>
+            <a:r>
+              <a:rPr lang="en-US" sz="2400" dirty="0" err="1">
+                <a:solidFill>
+                  <a:srgbClr val="002060"/>
+                </a:solidFill>
+              </a:rPr>
+              <a:t>recenti</a:t>
+            </a:r>
+            <a:r>
+              <a:rPr lang="en-US" sz="2400" dirty="0">
+                <a:solidFill>
+                  <a:srgbClr val="002060"/>
+                </a:solidFill>
+              </a:rPr>
+              <a:t>, </a:t>
+            </a:r>
+            <a:r>
+              <a:rPr lang="en-US" sz="2400" dirty="0" err="1">
+                <a:solidFill>
+                  <a:srgbClr val="002060"/>
+                </a:solidFill>
+              </a:rPr>
+              <a:t>mentre</a:t>
+            </a:r>
+            <a:r>
+              <a:rPr lang="en-US" sz="2400" dirty="0">
+                <a:solidFill>
+                  <a:srgbClr val="002060"/>
+                </a:solidFill>
+              </a:rPr>
+              <a:t>, il </a:t>
+            </a:r>
+            <a:r>
+              <a:rPr lang="en-US" sz="2400" dirty="0" err="1">
+                <a:solidFill>
+                  <a:srgbClr val="002060"/>
+                </a:solidFill>
+              </a:rPr>
+              <a:t>personale</a:t>
+            </a:r>
+            <a:r>
+              <a:rPr lang="en-US" sz="2400" dirty="0">
+                <a:solidFill>
+                  <a:srgbClr val="002060"/>
+                </a:solidFill>
+              </a:rPr>
+              <a:t> </a:t>
+            </a:r>
+            <a:r>
+              <a:rPr lang="en-US" sz="2400" dirty="0" err="1">
+                <a:solidFill>
+                  <a:srgbClr val="002060"/>
+                </a:solidFill>
+              </a:rPr>
+              <a:t>sanitario</a:t>
+            </a:r>
+            <a:r>
+              <a:rPr lang="en-US" sz="2400" dirty="0">
+                <a:solidFill>
+                  <a:srgbClr val="002060"/>
+                </a:solidFill>
+              </a:rPr>
+              <a:t> </a:t>
+            </a:r>
+            <a:r>
+              <a:rPr lang="en-US" sz="2400" dirty="0" err="1">
+                <a:solidFill>
+                  <a:srgbClr val="002060"/>
+                </a:solidFill>
+              </a:rPr>
+              <a:t>può</a:t>
+            </a:r>
+            <a:r>
+              <a:rPr lang="en-US" sz="2400" dirty="0">
+                <a:solidFill>
+                  <a:srgbClr val="002060"/>
+                </a:solidFill>
+              </a:rPr>
+              <a:t> </a:t>
+            </a:r>
+            <a:r>
+              <a:rPr lang="en-US" sz="2400" dirty="0" err="1">
+                <a:solidFill>
+                  <a:srgbClr val="002060"/>
+                </a:solidFill>
+              </a:rPr>
+              <a:t>vederne</a:t>
+            </a:r>
+            <a:r>
+              <a:rPr lang="en-US" sz="2400" dirty="0">
+                <a:solidFill>
+                  <a:srgbClr val="002060"/>
+                </a:solidFill>
+              </a:rPr>
+              <a:t> </a:t>
+            </a:r>
+            <a:r>
+              <a:rPr lang="en-US" sz="2400" dirty="0" err="1">
+                <a:solidFill>
+                  <a:srgbClr val="002060"/>
+                </a:solidFill>
+              </a:rPr>
+              <a:t>l’intero</a:t>
+            </a:r>
+            <a:r>
+              <a:rPr lang="en-US" sz="2400" dirty="0">
+                <a:solidFill>
+                  <a:srgbClr val="002060"/>
+                </a:solidFill>
+              </a:rPr>
+              <a:t> </a:t>
+            </a:r>
+            <a:r>
+              <a:rPr lang="en-US" sz="2400" dirty="0" err="1">
+                <a:solidFill>
+                  <a:srgbClr val="002060"/>
+                </a:solidFill>
+              </a:rPr>
+              <a:t>storico</a:t>
+            </a:r>
+            <a:r>
+              <a:rPr lang="en-US" sz="2400" dirty="0">
+                <a:solidFill>
+                  <a:srgbClr val="002060"/>
+                </a:solidFill>
+              </a:rPr>
+              <a:t>;</a:t>
+            </a:r>
+          </a:p>
+        </p:txBody>
+      </p:sp>
     </p:spTree>
     <p:extLst>
       <p:ext uri="{BB962C8B-B14F-4D97-AF65-F5344CB8AC3E}">
-        <p14:creationId xmlns:p14="http://schemas.microsoft.com/office/powerpoint/2010/main" val="222648987"/>
+        <p14:creationId xmlns:p14="http://schemas.microsoft.com/office/powerpoint/2010/main" val="414310380"/>
       </p:ext>
     </p:extLst>
   </p:cSld>
@@ -4486,7 +5806,7 @@
         <p:spPr>
           <a:xfrm>
             <a:off x="935484" y="1603373"/>
-            <a:ext cx="8170809" cy="769441"/>
+            <a:ext cx="7823505" cy="769441"/>
           </a:xfrm>
           <a:prstGeom prst="rect">
             <a:avLst/>
@@ -4499,7 +5819,7 @@
           </a:bodyPr>
           <a:lstStyle/>
           <a:p>
-            <a:pPr algn="just"/>
+            <a:pPr algn="ctr"/>
             <a:r>
               <a:rPr lang="en-US" sz="4400" dirty="0" err="1">
                 <a:ln w="0"/>
@@ -4530,7 +5850,7 @@
                   </a:outerShdw>
                 </a:effectLst>
               </a:rPr>
-              <a:t> – Caretakers &amp; </a:t>
+              <a:t> – </a:t>
             </a:r>
             <a:r>
               <a:rPr lang="en-US" sz="4400" dirty="0" err="1">
@@ -4546,7 +5866,39 @@
                   </a:outerShdw>
                 </a:effectLst>
               </a:rPr>
-              <a:t>Anziani</a:t>
+              <a:t>Sensori</a:t>
+            </a:r>
+            <a:r>
+              <a:rPr lang="en-US" sz="4400" dirty="0">
+                <a:ln w="0"/>
+                <a:solidFill>
+                  <a:srgbClr val="002060"/>
+                </a:solidFill>
+                <a:effectLst>
+                  <a:outerShdw blurRad="38100" dist="25400" dir="5400000" algn="ctr" rotWithShape="0">
+                    <a:srgbClr val="6E747A">
+                      <a:alpha val="43000"/>
+                    </a:srgbClr>
+                  </a:outerShdw>
+                </a:effectLst>
+              </a:rPr>
+              <a:t> </a:t>
+            </a:r>
+            <a:r>
+              <a:rPr lang="en-US" sz="4400" dirty="0" err="1">
+                <a:ln w="0"/>
+                <a:solidFill>
+                  <a:srgbClr val="002060"/>
+                </a:solidFill>
+                <a:effectLst>
+                  <a:outerShdw blurRad="38100" dist="25400" dir="5400000" algn="ctr" rotWithShape="0">
+                    <a:srgbClr val="6E747A">
+                      <a:alpha val="43000"/>
+                    </a:srgbClr>
+                  </a:outerShdw>
+                </a:effectLst>
+              </a:rPr>
+              <a:t>Ambientali</a:t>
             </a:r>
             <a:endParaRPr lang="it-IT" sz="4400" i="1" dirty="0">
               <a:ln w="0"/>
@@ -4671,10 +6023,10 @@
       </p:pic>
       <p:sp>
         <p:nvSpPr>
-          <p:cNvPr id="9" name="CasellaDiTesto 12">
-            <a:extLst>
-              <a:ext uri="{FF2B5EF4-FFF2-40B4-BE49-F238E27FC236}">
-                <a16:creationId xmlns:a16="http://schemas.microsoft.com/office/drawing/2014/main" id="{41B46196-83F9-43AC-8107-35E3AA5E875B}"/>
+          <p:cNvPr id="8" name="CasellaDiTesto 12">
+            <a:extLst>
+              <a:ext uri="{FF2B5EF4-FFF2-40B4-BE49-F238E27FC236}">
+                <a16:creationId xmlns:a16="http://schemas.microsoft.com/office/drawing/2014/main" id="{D22649C2-92CC-4428-9494-99EEF3B37735}"/>
               </a:ext>
             </a:extLst>
           </p:cNvPr>
@@ -4684,7 +6036,7 @@
         <p:spPr>
           <a:xfrm>
             <a:off x="1066800" y="2428726"/>
-            <a:ext cx="10058400" cy="3046988"/>
+            <a:ext cx="10058400" cy="2677656"/>
           </a:xfrm>
           <a:prstGeom prst="rect">
             <a:avLst/>
@@ -4707,7 +6059,7 @@
                   <a:srgbClr val="002060"/>
                 </a:solidFill>
               </a:rPr>
-              <a:t>Gli</a:t>
+              <a:t>Ogni</a:t>
             </a:r>
             <a:r>
               <a:rPr lang="en-US" sz="2400" dirty="0">
@@ -4723,7 +6075,7 @@
                   <a:srgbClr val="002060"/>
                 </a:solidFill>
               </a:rPr>
-              <a:t>appartamenti</a:t>
+              <a:t>appartamento</a:t>
             </a:r>
             <a:r>
               <a:rPr lang="en-US" sz="2400" dirty="0">
@@ -4739,7 +6091,55 @@
                   <a:srgbClr val="002060"/>
                 </a:solidFill>
               </a:rPr>
-              <a:t>sono</a:t>
+              <a:t>presenta</a:t>
+            </a:r>
+            <a:r>
+              <a:rPr lang="en-US" sz="2400" dirty="0">
+                <a:solidFill>
+                  <a:srgbClr val="002060"/>
+                </a:solidFill>
+              </a:rPr>
+              <a:t> un solo </a:t>
+            </a:r>
+            <a:r>
+              <a:rPr lang="en-US" sz="2400" dirty="0" err="1">
+                <a:solidFill>
+                  <a:srgbClr val="002060"/>
+                </a:solidFill>
+              </a:rPr>
+              <a:t>sensore</a:t>
+            </a:r>
+            <a:r>
+              <a:rPr lang="en-US" sz="2400" dirty="0">
+                <a:solidFill>
+                  <a:srgbClr val="002060"/>
+                </a:solidFill>
+              </a:rPr>
+              <a:t> di </a:t>
+            </a:r>
+            <a:r>
+              <a:rPr lang="en-US" sz="2400" dirty="0" err="1">
+                <a:solidFill>
+                  <a:srgbClr val="002060"/>
+                </a:solidFill>
+              </a:rPr>
+              <a:t>movimento</a:t>
+            </a:r>
+            <a:r>
+              <a:rPr lang="en-US" sz="2400" dirty="0">
+                <a:solidFill>
+                  <a:srgbClr val="002060"/>
+                </a:solidFill>
+              </a:rPr>
+              <a:t> per stanza, </a:t>
+            </a:r>
+            <a:r>
+              <a:rPr lang="en-US" sz="2400" dirty="0" err="1">
+                <a:solidFill>
+                  <a:srgbClr val="002060"/>
+                </a:solidFill>
+              </a:rPr>
+              <a:t>posizionato</a:t>
             </a:r>
             <a:r>
               <a:rPr lang="en-US" sz="2400" dirty="0">
@@ -4755,23 +6155,7 @@
                   <a:srgbClr val="002060"/>
                 </a:solidFill>
               </a:rPr>
-              <a:t>residenze</a:t>
-            </a:r>
-            <a:r>
-              <a:rPr lang="en-US" sz="2400" dirty="0">
-                <a:solidFill>
-                  <a:srgbClr val="002060"/>
-                </a:solidFill>
-              </a:rPr>
-              <a:t> private, </a:t>
-            </a:r>
-            <a:r>
-              <a:rPr lang="en-US" sz="2400" dirty="0" err="1">
-                <a:solidFill>
-                  <a:srgbClr val="002060"/>
-                </a:solidFill>
-              </a:rPr>
-              <a:t>identificate</a:t>
+              <a:t>sul</a:t>
             </a:r>
             <a:r>
               <a:rPr lang="en-US" sz="2400" dirty="0">
@@ -4787,23 +6171,55 @@
                   <a:srgbClr val="002060"/>
                 </a:solidFill>
               </a:rPr>
-              <a:t>univocamente</a:t>
-            </a:r>
-            <a:r>
-              <a:rPr lang="en-US" sz="2400" dirty="0">
-                <a:solidFill>
-                  <a:srgbClr val="002060"/>
-                </a:solidFill>
-              </a:rPr>
-              <a:t> da un </a:t>
-            </a:r>
-            <a:r>
-              <a:rPr lang="en-US" sz="2400" dirty="0" err="1">
-                <a:solidFill>
-                  <a:srgbClr val="002060"/>
-                </a:solidFill>
-              </a:rPr>
-              <a:t>indirizzo</a:t>
+              <a:t>soffitto</a:t>
+            </a:r>
+            <a:r>
+              <a:rPr lang="en-US" sz="2400" dirty="0">
+                <a:solidFill>
+                  <a:srgbClr val="002060"/>
+                </a:solidFill>
+              </a:rPr>
+              <a:t>, in modo da </a:t>
+            </a:r>
+            <a:r>
+              <a:rPr lang="en-US" sz="2400" dirty="0" err="1">
+                <a:solidFill>
+                  <a:srgbClr val="002060"/>
+                </a:solidFill>
+              </a:rPr>
+              <a:t>coprire</a:t>
+            </a:r>
+            <a:r>
+              <a:rPr lang="en-US" sz="2400" dirty="0">
+                <a:solidFill>
+                  <a:srgbClr val="002060"/>
+                </a:solidFill>
+              </a:rPr>
+              <a:t> </a:t>
+            </a:r>
+            <a:r>
+              <a:rPr lang="en-US" sz="2400" dirty="0" err="1">
+                <a:solidFill>
+                  <a:srgbClr val="002060"/>
+                </a:solidFill>
+              </a:rPr>
+              <a:t>tutta</a:t>
+            </a:r>
+            <a:r>
+              <a:rPr lang="en-US" sz="2400" dirty="0">
+                <a:solidFill>
+                  <a:srgbClr val="002060"/>
+                </a:solidFill>
+              </a:rPr>
+              <a:t> </a:t>
+            </a:r>
+            <a:r>
+              <a:rPr lang="en-US" sz="2400" dirty="0" err="1">
+                <a:solidFill>
+                  <a:srgbClr val="002060"/>
+                </a:solidFill>
+              </a:rPr>
+              <a:t>l’area</a:t>
             </a:r>
             <a:r>
               <a:rPr lang="en-US" sz="2400" dirty="0">
@@ -4825,15 +6241,31 @@
                   <a:srgbClr val="002060"/>
                 </a:solidFill>
               </a:rPr>
-              <a:t>In </a:t>
-            </a:r>
-            <a:r>
-              <a:rPr lang="en-US" sz="2400" dirty="0" err="1">
-                <a:solidFill>
-                  <a:srgbClr val="002060"/>
-                </a:solidFill>
-              </a:rPr>
-              <a:t>ogni</a:t>
+              <a:t>Il </a:t>
+            </a:r>
+            <a:r>
+              <a:rPr lang="en-US" sz="2400" dirty="0" err="1">
+                <a:solidFill>
+                  <a:srgbClr val="002060"/>
+                </a:solidFill>
+              </a:rPr>
+              <a:t>sensore</a:t>
+            </a:r>
+            <a:r>
+              <a:rPr lang="en-US" sz="2400" dirty="0">
+                <a:solidFill>
+                  <a:srgbClr val="002060"/>
+                </a:solidFill>
+              </a:rPr>
+              <a:t> di </a:t>
+            </a:r>
+            <a:r>
+              <a:rPr lang="en-US" sz="2400" dirty="0" err="1">
+                <a:solidFill>
+                  <a:srgbClr val="002060"/>
+                </a:solidFill>
+              </a:rPr>
+              <a:t>movimento</a:t>
             </a:r>
             <a:r>
               <a:rPr lang="en-US" sz="2400" dirty="0">
@@ -4849,175 +6281,47 @@
                   <a:srgbClr val="002060"/>
                 </a:solidFill>
               </a:rPr>
-              <a:t>appartamento</a:t>
-            </a:r>
-            <a:r>
-              <a:rPr lang="en-US" sz="2400" dirty="0">
-                <a:solidFill>
-                  <a:srgbClr val="002060"/>
-                </a:solidFill>
-              </a:rPr>
-              <a:t> </a:t>
-            </a:r>
-            <a:r>
-              <a:rPr lang="en-US" sz="2400" dirty="0" err="1">
-                <a:solidFill>
-                  <a:srgbClr val="002060"/>
-                </a:solidFill>
-              </a:rPr>
-              <a:t>alloggia</a:t>
-            </a:r>
-            <a:r>
-              <a:rPr lang="en-US" sz="2400" dirty="0">
-                <a:solidFill>
-                  <a:srgbClr val="002060"/>
-                </a:solidFill>
-              </a:rPr>
-              <a:t> un solo </a:t>
-            </a:r>
-            <a:r>
-              <a:rPr lang="en-US" sz="2400" dirty="0" err="1">
-                <a:solidFill>
-                  <a:srgbClr val="002060"/>
-                </a:solidFill>
-              </a:rPr>
-              <a:t>anziano</a:t>
-            </a:r>
-            <a:r>
-              <a:rPr lang="en-US" sz="2400" dirty="0">
-                <a:solidFill>
-                  <a:srgbClr val="002060"/>
-                </a:solidFill>
-              </a:rPr>
-              <a:t>, </a:t>
-            </a:r>
-            <a:r>
-              <a:rPr lang="en-US" sz="2400" dirty="0" err="1">
-                <a:solidFill>
-                  <a:srgbClr val="002060"/>
-                </a:solidFill>
-              </a:rPr>
-              <a:t>quindi</a:t>
-            </a:r>
-            <a:r>
-              <a:rPr lang="en-US" sz="2400" dirty="0">
-                <a:solidFill>
-                  <a:srgbClr val="002060"/>
-                </a:solidFill>
-              </a:rPr>
-              <a:t> </a:t>
-            </a:r>
-            <a:r>
-              <a:rPr lang="en-US" sz="2400" dirty="0" err="1">
-                <a:solidFill>
-                  <a:srgbClr val="002060"/>
-                </a:solidFill>
-              </a:rPr>
-              <a:t>esiste</a:t>
-            </a:r>
-            <a:r>
-              <a:rPr lang="en-US" sz="2400" dirty="0">
-                <a:solidFill>
-                  <a:srgbClr val="002060"/>
-                </a:solidFill>
-              </a:rPr>
-              <a:t> una </a:t>
-            </a:r>
-            <a:r>
-              <a:rPr lang="en-US" sz="2400" dirty="0" err="1">
-                <a:solidFill>
-                  <a:srgbClr val="002060"/>
-                </a:solidFill>
-              </a:rPr>
-              <a:t>corrispondenza</a:t>
-            </a:r>
-            <a:r>
-              <a:rPr lang="en-US" sz="2400" dirty="0">
-                <a:solidFill>
-                  <a:srgbClr val="002060"/>
-                </a:solidFill>
-              </a:rPr>
-              <a:t> </a:t>
-            </a:r>
-            <a:r>
-              <a:rPr lang="en-US" sz="2400" dirty="0" err="1">
-                <a:solidFill>
-                  <a:srgbClr val="002060"/>
-                </a:solidFill>
-              </a:rPr>
-              <a:t>uno</a:t>
-            </a:r>
-            <a:r>
-              <a:rPr lang="en-US" sz="2400" dirty="0">
-                <a:solidFill>
-                  <a:srgbClr val="002060"/>
-                </a:solidFill>
-              </a:rPr>
-              <a:t> ad </a:t>
-            </a:r>
-            <a:r>
-              <a:rPr lang="en-US" sz="2400" dirty="0" err="1">
-                <a:solidFill>
-                  <a:srgbClr val="002060"/>
-                </a:solidFill>
-              </a:rPr>
-              <a:t>uno</a:t>
-            </a:r>
-            <a:r>
-              <a:rPr lang="en-US" sz="2400" dirty="0">
-                <a:solidFill>
-                  <a:srgbClr val="002060"/>
-                </a:solidFill>
-              </a:rPr>
-              <a:t> </a:t>
-            </a:r>
-            <a:r>
-              <a:rPr lang="en-US" sz="2400" dirty="0" err="1">
-                <a:solidFill>
-                  <a:srgbClr val="002060"/>
-                </a:solidFill>
-              </a:rPr>
-              <a:t>tra</a:t>
-            </a:r>
-            <a:r>
-              <a:rPr lang="en-US" sz="2400" dirty="0">
-                <a:solidFill>
-                  <a:srgbClr val="002060"/>
-                </a:solidFill>
-              </a:rPr>
-              <a:t> </a:t>
-            </a:r>
-            <a:r>
-              <a:rPr lang="en-US" sz="2400" dirty="0" err="1">
-                <a:solidFill>
-                  <a:srgbClr val="002060"/>
-                </a:solidFill>
-              </a:rPr>
-              <a:t>anziano</a:t>
-            </a:r>
-            <a:r>
-              <a:rPr lang="en-US" sz="2400" dirty="0">
-                <a:solidFill>
-                  <a:srgbClr val="002060"/>
-                </a:solidFill>
-              </a:rPr>
-              <a:t> e </a:t>
-            </a:r>
-            <a:r>
-              <a:rPr lang="en-US" sz="2400" dirty="0" err="1">
-                <a:solidFill>
-                  <a:srgbClr val="002060"/>
-                </a:solidFill>
-              </a:rPr>
-              <a:t>residenza</a:t>
-            </a:r>
-            <a:r>
-              <a:rPr lang="en-US" sz="2400" dirty="0">
-                <a:solidFill>
-                  <a:srgbClr val="002060"/>
-                </a:solidFill>
-              </a:rPr>
-              <a:t>;</a:t>
+              <a:t>effettua</a:t>
+            </a:r>
+            <a:r>
+              <a:rPr lang="en-US" sz="2400" dirty="0">
+                <a:solidFill>
+                  <a:srgbClr val="002060"/>
+                </a:solidFill>
+              </a:rPr>
+              <a:t> 1 </a:t>
+            </a:r>
+            <a:r>
+              <a:rPr lang="en-US" sz="2400" dirty="0" err="1">
+                <a:solidFill>
+                  <a:srgbClr val="002060"/>
+                </a:solidFill>
+              </a:rPr>
+              <a:t>controllo</a:t>
+            </a:r>
+            <a:r>
+              <a:rPr lang="en-US" sz="2400" dirty="0">
+                <a:solidFill>
+                  <a:srgbClr val="002060"/>
+                </a:solidFill>
+              </a:rPr>
+              <a:t> al secondo (60 al </a:t>
+            </a:r>
+            <a:r>
+              <a:rPr lang="en-US" sz="2400" dirty="0" err="1">
+                <a:solidFill>
+                  <a:srgbClr val="002060"/>
+                </a:solidFill>
+              </a:rPr>
+              <a:t>minuto</a:t>
+            </a:r>
+            <a:r>
+              <a:rPr lang="en-US" sz="2400" dirty="0">
+                <a:solidFill>
+                  <a:srgbClr val="002060"/>
+                </a:solidFill>
+              </a:rPr>
+              <a:t>);</a:t>
             </a:r>
           </a:p>
           <a:p>
@@ -5026,44 +6330,164 @@
               <a:buChar char="•"/>
             </a:pPr>
             <a:r>
-              <a:rPr lang="en-US" sz="2400" dirty="0">
-                <a:solidFill>
-                  <a:srgbClr val="002060"/>
-                </a:solidFill>
-              </a:rPr>
-              <a:t>I caretakes </a:t>
-            </a:r>
-            <a:r>
-              <a:rPr lang="en-US" sz="2400" dirty="0" err="1">
-                <a:solidFill>
-                  <a:srgbClr val="002060"/>
-                </a:solidFill>
-              </a:rPr>
-              <a:t>dispongono</a:t>
-            </a:r>
-            <a:r>
-              <a:rPr lang="en-US" sz="2400" dirty="0">
-                <a:solidFill>
-                  <a:srgbClr val="002060"/>
-                </a:solidFill>
-              </a:rPr>
-              <a:t> di un </a:t>
-            </a:r>
-            <a:r>
-              <a:rPr lang="en-US" sz="2400" dirty="0" err="1">
-                <a:solidFill>
-                  <a:srgbClr val="002060"/>
-                </a:solidFill>
-              </a:rPr>
-              <a:t>terminale</a:t>
-            </a:r>
-            <a:r>
-              <a:rPr lang="en-US" sz="2400" dirty="0">
-                <a:solidFill>
-                  <a:srgbClr val="002060"/>
-                </a:solidFill>
-              </a:rPr>
-              <a:t> mobile;</a:t>
+              <a:rPr lang="en-US" sz="2400" dirty="0" err="1">
+                <a:solidFill>
+                  <a:srgbClr val="002060"/>
+                </a:solidFill>
+              </a:rPr>
+              <a:t>Ogni</a:t>
+            </a:r>
+            <a:r>
+              <a:rPr lang="en-US" sz="2400" dirty="0">
+                <a:solidFill>
+                  <a:srgbClr val="002060"/>
+                </a:solidFill>
+              </a:rPr>
+              <a:t> </a:t>
+            </a:r>
+            <a:r>
+              <a:rPr lang="en-US" sz="2400" dirty="0" err="1">
+                <a:solidFill>
+                  <a:srgbClr val="002060"/>
+                </a:solidFill>
+              </a:rPr>
+              <a:t>appartamento</a:t>
+            </a:r>
+            <a:r>
+              <a:rPr lang="en-US" sz="2400" dirty="0">
+                <a:solidFill>
+                  <a:srgbClr val="002060"/>
+                </a:solidFill>
+              </a:rPr>
+              <a:t> </a:t>
+            </a:r>
+            <a:r>
+              <a:rPr lang="en-US" sz="2400" dirty="0" err="1">
+                <a:solidFill>
+                  <a:srgbClr val="002060"/>
+                </a:solidFill>
+              </a:rPr>
+              <a:t>contiene</a:t>
+            </a:r>
+            <a:r>
+              <a:rPr lang="en-US" sz="2400" dirty="0">
+                <a:solidFill>
+                  <a:srgbClr val="002060"/>
+                </a:solidFill>
+              </a:rPr>
+              <a:t> un solo </a:t>
+            </a:r>
+            <a:r>
+              <a:rPr lang="en-US" sz="2400" dirty="0" err="1">
+                <a:solidFill>
+                  <a:srgbClr val="002060"/>
+                </a:solidFill>
+              </a:rPr>
+              <a:t>letto</a:t>
+            </a:r>
+            <a:r>
+              <a:rPr lang="en-US" sz="2400" dirty="0">
+                <a:solidFill>
+                  <a:srgbClr val="002060"/>
+                </a:solidFill>
+              </a:rPr>
+              <a:t>, sotto </a:t>
+            </a:r>
+            <a:r>
+              <a:rPr lang="en-US" sz="2400" dirty="0" err="1">
+                <a:solidFill>
+                  <a:srgbClr val="002060"/>
+                </a:solidFill>
+              </a:rPr>
+              <a:t>il</a:t>
+            </a:r>
+            <a:r>
+              <a:rPr lang="en-US" sz="2400" dirty="0">
+                <a:solidFill>
+                  <a:srgbClr val="002060"/>
+                </a:solidFill>
+              </a:rPr>
+              <a:t> quale </a:t>
+            </a:r>
+            <a:r>
+              <a:rPr lang="en-US" sz="2400" dirty="0" err="1">
+                <a:solidFill>
+                  <a:srgbClr val="002060"/>
+                </a:solidFill>
+              </a:rPr>
+              <a:t>viene</a:t>
+            </a:r>
+            <a:r>
+              <a:rPr lang="en-US" sz="2400" dirty="0">
+                <a:solidFill>
+                  <a:srgbClr val="002060"/>
+                </a:solidFill>
+              </a:rPr>
+              <a:t> </a:t>
+            </a:r>
+            <a:r>
+              <a:rPr lang="en-US" sz="2400" dirty="0" err="1">
+                <a:solidFill>
+                  <a:srgbClr val="002060"/>
+                </a:solidFill>
+              </a:rPr>
+              <a:t>installato</a:t>
+            </a:r>
+            <a:r>
+              <a:rPr lang="en-US" sz="2400" dirty="0">
+                <a:solidFill>
+                  <a:srgbClr val="002060"/>
+                </a:solidFill>
+              </a:rPr>
+              <a:t> </a:t>
+            </a:r>
+            <a:r>
+              <a:rPr lang="en-US" sz="2400" dirty="0" err="1">
+                <a:solidFill>
+                  <a:srgbClr val="002060"/>
+                </a:solidFill>
+              </a:rPr>
+              <a:t>il</a:t>
+            </a:r>
+            <a:r>
+              <a:rPr lang="en-US" sz="2400" dirty="0">
+                <a:solidFill>
+                  <a:srgbClr val="002060"/>
+                </a:solidFill>
+              </a:rPr>
+              <a:t> </a:t>
+            </a:r>
+            <a:r>
+              <a:rPr lang="en-US" sz="2400" dirty="0" err="1">
+                <a:solidFill>
+                  <a:srgbClr val="002060"/>
+                </a:solidFill>
+              </a:rPr>
+              <a:t>sensore</a:t>
+            </a:r>
+            <a:r>
+              <a:rPr lang="en-US" sz="2400" dirty="0">
+                <a:solidFill>
+                  <a:srgbClr val="002060"/>
+                </a:solidFill>
+              </a:rPr>
+              <a:t> di </a:t>
+            </a:r>
+            <a:r>
+              <a:rPr lang="en-US" sz="2400" dirty="0" err="1">
+                <a:solidFill>
+                  <a:srgbClr val="002060"/>
+                </a:solidFill>
+              </a:rPr>
+              <a:t>pressione</a:t>
+            </a:r>
+            <a:r>
+              <a:rPr lang="en-US" sz="2400" dirty="0">
+                <a:solidFill>
+                  <a:srgbClr val="002060"/>
+                </a:solidFill>
+              </a:rPr>
+              <a:t>;</a:t>
             </a:r>
           </a:p>
           <a:p>
@@ -5077,15 +6501,31 @@
                   <a:srgbClr val="002060"/>
                 </a:solidFill>
               </a:rPr>
-              <a:t>I </a:t>
-            </a:r>
-            <a:r>
-              <a:rPr lang="en-US" sz="2400" dirty="0" err="1">
-                <a:solidFill>
-                  <a:srgbClr val="002060"/>
-                </a:solidFill>
-              </a:rPr>
-              <a:t>dati</a:t>
+              <a:t>Il </a:t>
+            </a:r>
+            <a:r>
+              <a:rPr lang="en-US" sz="2400" dirty="0" err="1">
+                <a:solidFill>
+                  <a:srgbClr val="002060"/>
+                </a:solidFill>
+              </a:rPr>
+              <a:t>sensore</a:t>
+            </a:r>
+            <a:r>
+              <a:rPr lang="en-US" sz="2400" dirty="0">
+                <a:solidFill>
+                  <a:srgbClr val="002060"/>
+                </a:solidFill>
+              </a:rPr>
+              <a:t> di </a:t>
+            </a:r>
+            <a:r>
+              <a:rPr lang="en-US" sz="2400" dirty="0" err="1">
+                <a:solidFill>
+                  <a:srgbClr val="002060"/>
+                </a:solidFill>
+              </a:rPr>
+              <a:t>pressione</a:t>
             </a:r>
             <a:r>
               <a:rPr lang="en-US" sz="2400" dirty="0">
@@ -5101,7 +6541,7 @@
                   <a:srgbClr val="002060"/>
                 </a:solidFill>
               </a:rPr>
-              <a:t>medi</a:t>
+              <a:t>nel</a:t>
             </a:r>
             <a:r>
               <a:rPr lang="en-US" sz="2400" dirty="0">
@@ -5117,23 +6557,7 @@
                   <a:srgbClr val="002060"/>
                 </a:solidFill>
               </a:rPr>
-              <a:t>dell’anziano</a:t>
-            </a:r>
-            <a:r>
-              <a:rPr lang="en-US" sz="2400" dirty="0">
-                <a:solidFill>
-                  <a:srgbClr val="002060"/>
-                </a:solidFill>
-              </a:rPr>
-              <a:t>, </a:t>
-            </a:r>
-            <a:r>
-              <a:rPr lang="en-US" sz="2400" dirty="0" err="1">
-                <a:solidFill>
-                  <a:srgbClr val="002060"/>
-                </a:solidFill>
-              </a:rPr>
-              <a:t>calcolati</a:t>
+              <a:t>letto</a:t>
             </a:r>
             <a:r>
               <a:rPr lang="en-US" sz="2400" dirty="0">
@@ -5149,39 +6573,23 @@
                   <a:srgbClr val="002060"/>
                 </a:solidFill>
               </a:rPr>
-              <a:t>su</a:t>
-            </a:r>
-            <a:r>
-              <a:rPr lang="en-US" sz="2400" dirty="0">
-                <a:solidFill>
-                  <a:srgbClr val="002060"/>
-                </a:solidFill>
-              </a:rPr>
-              <a:t> base </a:t>
-            </a:r>
-            <a:r>
-              <a:rPr lang="en-US" sz="2400" dirty="0" err="1">
-                <a:solidFill>
-                  <a:srgbClr val="002060"/>
-                </a:solidFill>
-              </a:rPr>
-              <a:t>settimanale</a:t>
-            </a:r>
-            <a:r>
-              <a:rPr lang="en-US" sz="2400" dirty="0">
-                <a:solidFill>
-                  <a:srgbClr val="002060"/>
-                </a:solidFill>
-              </a:rPr>
-              <a:t>, </a:t>
-            </a:r>
-            <a:r>
-              <a:rPr lang="en-US" sz="2400" dirty="0" err="1">
-                <a:solidFill>
-                  <a:srgbClr val="002060"/>
-                </a:solidFill>
-              </a:rPr>
-              <a:t>vengono</a:t>
+              <a:t>effettua</a:t>
+            </a:r>
+            <a:r>
+              <a:rPr lang="en-US" sz="2400" dirty="0">
+                <a:solidFill>
+                  <a:srgbClr val="002060"/>
+                </a:solidFill>
+              </a:rPr>
+              <a:t> un </a:t>
+            </a:r>
+            <a:r>
+              <a:rPr lang="en-US" sz="2400" dirty="0" err="1">
+                <a:solidFill>
+                  <a:srgbClr val="002060"/>
+                </a:solidFill>
+              </a:rPr>
+              <a:t>controllo</a:t>
             </a:r>
             <a:r>
               <a:rPr lang="en-US" sz="2400" dirty="0">
@@ -5197,31 +6605,15 @@
                   <a:srgbClr val="002060"/>
                 </a:solidFill>
               </a:rPr>
-              <a:t>automaticamente</a:t>
-            </a:r>
-            <a:r>
-              <a:rPr lang="en-US" sz="2400" dirty="0">
-                <a:solidFill>
-                  <a:srgbClr val="002060"/>
-                </a:solidFill>
-              </a:rPr>
-              <a:t> eliminate dopo 6 </a:t>
-            </a:r>
-            <a:r>
-              <a:rPr lang="en-US" sz="2400" dirty="0" err="1">
-                <a:solidFill>
-                  <a:srgbClr val="002060"/>
-                </a:solidFill>
-              </a:rPr>
-              <a:t>mesi</a:t>
-            </a:r>
-            <a:r>
-              <a:rPr lang="en-US" sz="2400" dirty="0">
-                <a:solidFill>
-                  <a:srgbClr val="002060"/>
-                </a:solidFill>
-              </a:rPr>
-              <a:t>;</a:t>
+              <a:t>ogni</a:t>
+            </a:r>
+            <a:r>
+              <a:rPr lang="en-US" sz="2400" dirty="0">
+                <a:solidFill>
+                  <a:srgbClr val="002060"/>
+                </a:solidFill>
+              </a:rPr>
+              <a:t> 15 secondi;</a:t>
             </a:r>
           </a:p>
           <a:p>
@@ -5229,101 +6621,18 @@
               <a:buFont typeface="Arial" panose="020B0604020202020204" pitchFamily="34" charset="0"/>
               <a:buChar char="•"/>
             </a:pPr>
-            <a:r>
-              <a:rPr lang="en-US" sz="2400" dirty="0">
-                <a:solidFill>
-                  <a:srgbClr val="002060"/>
-                </a:solidFill>
-              </a:rPr>
-              <a:t>Si </a:t>
-            </a:r>
-            <a:r>
-              <a:rPr lang="en-US" sz="2400" dirty="0" err="1">
-                <a:solidFill>
-                  <a:srgbClr val="002060"/>
-                </a:solidFill>
-              </a:rPr>
-              <a:t>ipotizza</a:t>
-            </a:r>
-            <a:r>
-              <a:rPr lang="en-US" sz="2400" dirty="0">
-                <a:solidFill>
-                  <a:srgbClr val="002060"/>
-                </a:solidFill>
-              </a:rPr>
-              <a:t> la </a:t>
-            </a:r>
-            <a:r>
-              <a:rPr lang="en-US" sz="2400" dirty="0" err="1">
-                <a:solidFill>
-                  <a:srgbClr val="002060"/>
-                </a:solidFill>
-              </a:rPr>
-              <a:t>gestione</a:t>
-            </a:r>
-            <a:r>
-              <a:rPr lang="en-US" sz="2400" dirty="0">
-                <a:solidFill>
-                  <a:srgbClr val="002060"/>
-                </a:solidFill>
-              </a:rPr>
-              <a:t> di 1000 anziani </a:t>
-            </a:r>
-            <a:r>
-              <a:rPr lang="en-US" sz="2400" dirty="0" err="1">
-                <a:solidFill>
-                  <a:srgbClr val="002060"/>
-                </a:solidFill>
-              </a:rPr>
-              <a:t>diversi</a:t>
-            </a:r>
-            <a:r>
-              <a:rPr lang="en-US" sz="2400" dirty="0">
-                <a:solidFill>
-                  <a:srgbClr val="002060"/>
-                </a:solidFill>
-              </a:rPr>
-              <a:t>, </a:t>
-            </a:r>
-            <a:r>
-              <a:rPr lang="en-US" sz="2400" dirty="0" err="1">
-                <a:solidFill>
-                  <a:srgbClr val="002060"/>
-                </a:solidFill>
-              </a:rPr>
-              <a:t>quindi</a:t>
-            </a:r>
-            <a:r>
-              <a:rPr lang="en-US" sz="2400" dirty="0">
-                <a:solidFill>
-                  <a:srgbClr val="002060"/>
-                </a:solidFill>
-              </a:rPr>
-              <a:t> 1000 diverse </a:t>
-            </a:r>
-            <a:r>
-              <a:rPr lang="en-US" sz="2400" dirty="0" err="1">
-                <a:solidFill>
-                  <a:srgbClr val="002060"/>
-                </a:solidFill>
-              </a:rPr>
-              <a:t>abitazioni</a:t>
-            </a:r>
-            <a:r>
-              <a:rPr lang="en-US" sz="2400" dirty="0">
-                <a:solidFill>
-                  <a:srgbClr val="002060"/>
-                </a:solidFill>
-              </a:rPr>
-              <a:t>;</a:t>
-            </a:r>
+            <a:endParaRPr lang="en-US" sz="2400" dirty="0">
+              <a:solidFill>
+                <a:srgbClr val="002060"/>
+              </a:solidFill>
+            </a:endParaRPr>
           </a:p>
         </p:txBody>
       </p:sp>
     </p:spTree>
     <p:extLst>
       <p:ext uri="{BB962C8B-B14F-4D97-AF65-F5344CB8AC3E}">
-        <p14:creationId xmlns:p14="http://schemas.microsoft.com/office/powerpoint/2010/main" val="414310380"/>
+        <p14:creationId xmlns:p14="http://schemas.microsoft.com/office/powerpoint/2010/main" val="1587358040"/>
       </p:ext>
     </p:extLst>
   </p:cSld>
@@ -5423,7 +6732,7 @@
         </p:nvSpPr>
         <p:spPr>
           <a:xfrm>
-            <a:off x="935484" y="1603373"/>
+            <a:off x="1066800" y="1619513"/>
             <a:ext cx="7823505" cy="769441"/>
           </a:xfrm>
           <a:prstGeom prst="rect">
@@ -5437,7 +6746,7 @@
           </a:bodyPr>
           <a:lstStyle/>
           <a:p>
-            <a:pPr algn="ctr"/>
+            <a:pPr algn="just"/>
             <a:r>
               <a:rPr lang="en-US" sz="4400" dirty="0" err="1">
                 <a:ln w="0"/>
@@ -5484,7 +6793,7 @@
                   </a:outerShdw>
                 </a:effectLst>
               </a:rPr>
-              <a:t>Sensori</a:t>
+              <a:t>Servizi</a:t>
             </a:r>
             <a:r>
               <a:rPr lang="en-US" sz="4400" dirty="0">
@@ -5516,7 +6825,7 @@
                   </a:outerShdw>
                 </a:effectLst>
               </a:rPr>
-              <a:t>Ambientali</a:t>
+              <a:t>Esterni</a:t>
             </a:r>
             <a:endParaRPr lang="it-IT" sz="4400" i="1" dirty="0">
               <a:ln w="0"/>
@@ -5654,7 +6963,7 @@
         <p:spPr>
           <a:xfrm>
             <a:off x="1066800" y="2428726"/>
-            <a:ext cx="10058400" cy="4893647"/>
+            <a:ext cx="10058400" cy="3785652"/>
           </a:xfrm>
           <a:prstGeom prst="rect">
             <a:avLst/>
@@ -5672,12 +6981,36 @@
               <a:buChar char="•"/>
             </a:pPr>
             <a:r>
-              <a:rPr lang="en-US" sz="2400" dirty="0" err="1">
-                <a:solidFill>
-                  <a:srgbClr val="002060"/>
-                </a:solidFill>
-              </a:rPr>
-              <a:t>Ogni</a:t>
+              <a:rPr lang="en-US" sz="2400" dirty="0">
+                <a:solidFill>
+                  <a:srgbClr val="002060"/>
+                </a:solidFill>
+              </a:rPr>
+              <a:t>Si </a:t>
+            </a:r>
+            <a:r>
+              <a:rPr lang="en-US" sz="2400" dirty="0" err="1">
+                <a:solidFill>
+                  <a:srgbClr val="002060"/>
+                </a:solidFill>
+              </a:rPr>
+              <a:t>considera</a:t>
+            </a:r>
+            <a:r>
+              <a:rPr lang="en-US" sz="2400" dirty="0">
+                <a:solidFill>
+                  <a:srgbClr val="002060"/>
+                </a:solidFill>
+              </a:rPr>
+              <a:t> il Sistema audio come un </a:t>
+            </a:r>
+            <a:r>
+              <a:rPr lang="en-US" sz="2400" dirty="0" err="1">
+                <a:solidFill>
+                  <a:srgbClr val="002060"/>
+                </a:solidFill>
+              </a:rPr>
+              <a:t>componente</a:t>
             </a:r>
             <a:r>
               <a:rPr lang="en-US" sz="2400" dirty="0">
@@ -5693,7 +7026,23 @@
                   <a:srgbClr val="002060"/>
                 </a:solidFill>
               </a:rPr>
-              <a:t>appartamento</a:t>
+              <a:t>esterno</a:t>
+            </a:r>
+            <a:r>
+              <a:rPr lang="en-US" sz="2400" dirty="0">
+                <a:solidFill>
+                  <a:srgbClr val="002060"/>
+                </a:solidFill>
+              </a:rPr>
+              <a:t>, </a:t>
+            </a:r>
+            <a:r>
+              <a:rPr lang="en-US" sz="2400" dirty="0" err="1">
+                <a:solidFill>
+                  <a:srgbClr val="002060"/>
+                </a:solidFill>
+              </a:rPr>
+              <a:t>che</a:t>
             </a:r>
             <a:r>
               <a:rPr lang="en-US" sz="2400" dirty="0">
@@ -5709,55 +7058,23 @@
                   <a:srgbClr val="002060"/>
                 </a:solidFill>
               </a:rPr>
-              <a:t>presenta</a:t>
-            </a:r>
-            <a:r>
-              <a:rPr lang="en-US" sz="2400" dirty="0">
-                <a:solidFill>
-                  <a:srgbClr val="002060"/>
-                </a:solidFill>
-              </a:rPr>
-              <a:t> un solo </a:t>
-            </a:r>
-            <a:r>
-              <a:rPr lang="en-US" sz="2400" dirty="0" err="1">
-                <a:solidFill>
-                  <a:srgbClr val="002060"/>
-                </a:solidFill>
-              </a:rPr>
-              <a:t>sensore</a:t>
-            </a:r>
-            <a:r>
-              <a:rPr lang="en-US" sz="2400" dirty="0">
-                <a:solidFill>
-                  <a:srgbClr val="002060"/>
-                </a:solidFill>
-              </a:rPr>
-              <a:t> di </a:t>
-            </a:r>
-            <a:r>
-              <a:rPr lang="en-US" sz="2400" dirty="0" err="1">
-                <a:solidFill>
-                  <a:srgbClr val="002060"/>
-                </a:solidFill>
-              </a:rPr>
-              <a:t>movimento</a:t>
-            </a:r>
-            <a:r>
-              <a:rPr lang="en-US" sz="2400" dirty="0">
-                <a:solidFill>
-                  <a:srgbClr val="002060"/>
-                </a:solidFill>
-              </a:rPr>
-              <a:t> per stanza, </a:t>
-            </a:r>
-            <a:r>
-              <a:rPr lang="en-US" sz="2400" dirty="0" err="1">
-                <a:solidFill>
-                  <a:srgbClr val="002060"/>
-                </a:solidFill>
-              </a:rPr>
-              <a:t>posizionato</a:t>
+              <a:t>espone</a:t>
+            </a:r>
+            <a:r>
+              <a:rPr lang="en-US" sz="2400" dirty="0">
+                <a:solidFill>
+                  <a:srgbClr val="002060"/>
+                </a:solidFill>
+              </a:rPr>
+              <a:t> API per la </a:t>
+            </a:r>
+            <a:r>
+              <a:rPr lang="en-US" sz="2400" dirty="0" err="1">
+                <a:solidFill>
+                  <a:srgbClr val="002060"/>
+                </a:solidFill>
+              </a:rPr>
+              <a:t>sua</a:t>
             </a:r>
             <a:r>
               <a:rPr lang="en-US" sz="2400" dirty="0">
@@ -5773,7 +7090,55 @@
                   <a:srgbClr val="002060"/>
                 </a:solidFill>
               </a:rPr>
-              <a:t>sul</a:t>
+              <a:t>attivazione</a:t>
+            </a:r>
+            <a:r>
+              <a:rPr lang="en-US" sz="2400" dirty="0">
+                <a:solidFill>
+                  <a:srgbClr val="002060"/>
+                </a:solidFill>
+              </a:rPr>
+              <a:t> e </a:t>
+            </a:r>
+            <a:r>
+              <a:rPr lang="en-US" sz="2400" dirty="0" err="1">
+                <a:solidFill>
+                  <a:srgbClr val="002060"/>
+                </a:solidFill>
+              </a:rPr>
+              <a:t>disattivazione</a:t>
+            </a:r>
+            <a:r>
+              <a:rPr lang="en-US" sz="2400" dirty="0">
+                <a:solidFill>
+                  <a:srgbClr val="002060"/>
+                </a:solidFill>
+              </a:rPr>
+              <a:t>, </a:t>
+            </a:r>
+            <a:r>
+              <a:rPr lang="en-US" sz="2400" dirty="0" err="1">
+                <a:solidFill>
+                  <a:srgbClr val="002060"/>
+                </a:solidFill>
+              </a:rPr>
+              <a:t>mentre</a:t>
+            </a:r>
+            <a:r>
+              <a:rPr lang="en-US" sz="2400" dirty="0">
+                <a:solidFill>
+                  <a:srgbClr val="002060"/>
+                </a:solidFill>
+              </a:rPr>
+              <a:t>, </a:t>
+            </a:r>
+            <a:r>
+              <a:rPr lang="en-US" sz="2400" dirty="0" err="1">
+                <a:solidFill>
+                  <a:srgbClr val="002060"/>
+                </a:solidFill>
+              </a:rPr>
+              <a:t>sarà</a:t>
             </a:r>
             <a:r>
               <a:rPr lang="en-US" sz="2400" dirty="0">
@@ -5789,23 +7154,23 @@
                   <a:srgbClr val="002060"/>
                 </a:solidFill>
               </a:rPr>
-              <a:t>soffitto</a:t>
-            </a:r>
-            <a:r>
-              <a:rPr lang="en-US" sz="2400" dirty="0">
-                <a:solidFill>
-                  <a:srgbClr val="002060"/>
-                </a:solidFill>
-              </a:rPr>
-              <a:t>, in modo da </a:t>
-            </a:r>
-            <a:r>
-              <a:rPr lang="en-US" sz="2400" dirty="0" err="1">
-                <a:solidFill>
-                  <a:srgbClr val="002060"/>
-                </a:solidFill>
-              </a:rPr>
-              <a:t>coprire</a:t>
+              <a:t>lui</a:t>
+            </a:r>
+            <a:r>
+              <a:rPr lang="en-US" sz="2400" dirty="0">
+                <a:solidFill>
+                  <a:srgbClr val="002060"/>
+                </a:solidFill>
+              </a:rPr>
+              <a:t> ad </a:t>
+            </a:r>
+            <a:r>
+              <a:rPr lang="en-US" sz="2400" dirty="0" err="1">
+                <a:solidFill>
+                  <a:srgbClr val="002060"/>
+                </a:solidFill>
+              </a:rPr>
+              <a:t>occuparsi</a:t>
             </a:r>
             <a:r>
               <a:rPr lang="en-US" sz="2400" dirty="0">
@@ -5821,7 +7186,7 @@
                   <a:srgbClr val="002060"/>
                 </a:solidFill>
               </a:rPr>
-              <a:t>tutta</a:t>
+              <a:t>della</a:t>
             </a:r>
             <a:r>
               <a:rPr lang="en-US" sz="2400" dirty="0">
@@ -5837,7 +7202,39 @@
                   <a:srgbClr val="002060"/>
                 </a:solidFill>
               </a:rPr>
-              <a:t>l’area</a:t>
+              <a:t>gestione</a:t>
+            </a:r>
+            <a:r>
+              <a:rPr lang="en-US" sz="2400" dirty="0">
+                <a:solidFill>
+                  <a:srgbClr val="002060"/>
+                </a:solidFill>
+              </a:rPr>
+              <a:t> </a:t>
+            </a:r>
+            <a:r>
+              <a:rPr lang="en-US" sz="2400" dirty="0" err="1">
+                <a:solidFill>
+                  <a:srgbClr val="002060"/>
+                </a:solidFill>
+              </a:rPr>
+              <a:t>della</a:t>
+            </a:r>
+            <a:r>
+              <a:rPr lang="en-US" sz="2400" dirty="0">
+                <a:solidFill>
+                  <a:srgbClr val="002060"/>
+                </a:solidFill>
+              </a:rPr>
+              <a:t> </a:t>
+            </a:r>
+            <a:r>
+              <a:rPr lang="en-US" sz="2400" dirty="0" err="1">
+                <a:solidFill>
+                  <a:srgbClr val="002060"/>
+                </a:solidFill>
+              </a:rPr>
+              <a:t>comunicazione</a:t>
             </a:r>
             <a:r>
               <a:rPr lang="en-US" sz="2400" dirty="0">
@@ -5867,23 +7264,23 @@
                   <a:srgbClr val="002060"/>
                 </a:solidFill>
               </a:rPr>
-              <a:t>sensore</a:t>
-            </a:r>
-            <a:r>
-              <a:rPr lang="en-US" sz="2400" dirty="0">
-                <a:solidFill>
-                  <a:srgbClr val="002060"/>
-                </a:solidFill>
-              </a:rPr>
-              <a:t> di </a:t>
-            </a:r>
-            <a:r>
-              <a:rPr lang="en-US" sz="2400" dirty="0" err="1">
-                <a:solidFill>
-                  <a:srgbClr val="002060"/>
-                </a:solidFill>
-              </a:rPr>
-              <a:t>movimento</a:t>
+              <a:t>sistema</a:t>
+            </a:r>
+            <a:r>
+              <a:rPr lang="en-US" sz="2400" dirty="0">
+                <a:solidFill>
+                  <a:srgbClr val="002060"/>
+                </a:solidFill>
+              </a:rPr>
+              <a:t> audio </a:t>
+            </a:r>
+            <a:r>
+              <a:rPr lang="en-US" sz="2400" dirty="0" err="1">
+                <a:solidFill>
+                  <a:srgbClr val="002060"/>
+                </a:solidFill>
+              </a:rPr>
+              <a:t>può</a:t>
             </a:r>
             <a:r>
               <a:rPr lang="en-US" sz="2400" dirty="0">
@@ -5899,7 +7296,7 @@
                   <a:srgbClr val="002060"/>
                 </a:solidFill>
               </a:rPr>
-              <a:t>effettua</a:t>
+              <a:t>essere</a:t>
             </a:r>
             <a:r>
               <a:rPr lang="en-US" sz="2400" dirty="0">
@@ -5910,12 +7307,92 @@
               <a:t> </a:t>
             </a:r>
             <a:r>
-              <a:rPr lang="en-US" sz="2400" b="1" i="1" dirty="0">
-                <a:solidFill>
-                  <a:srgbClr val="002060"/>
-                </a:solidFill>
-              </a:rPr>
-              <a:t>1</a:t>
+              <a:rPr lang="en-US" sz="2400" dirty="0" err="1">
+                <a:solidFill>
+                  <a:srgbClr val="002060"/>
+                </a:solidFill>
+              </a:rPr>
+              <a:t>utilizzato</a:t>
+            </a:r>
+            <a:r>
+              <a:rPr lang="en-US" sz="2400" dirty="0">
+                <a:solidFill>
+                  <a:srgbClr val="002060"/>
+                </a:solidFill>
+              </a:rPr>
+              <a:t>, previa </a:t>
+            </a:r>
+            <a:r>
+              <a:rPr lang="en-US" sz="2400" dirty="0" err="1">
+                <a:solidFill>
+                  <a:srgbClr val="002060"/>
+                </a:solidFill>
+              </a:rPr>
+              <a:t>attivazione</a:t>
+            </a:r>
+            <a:r>
+              <a:rPr lang="en-US" sz="2400" dirty="0">
+                <a:solidFill>
+                  <a:srgbClr val="002060"/>
+                </a:solidFill>
+              </a:rPr>
+              <a:t> da </a:t>
+            </a:r>
+            <a:r>
+              <a:rPr lang="en-US" sz="2400" dirty="0" err="1">
+                <a:solidFill>
+                  <a:srgbClr val="002060"/>
+                </a:solidFill>
+              </a:rPr>
+              <a:t>parte</a:t>
+            </a:r>
+            <a:r>
+              <a:rPr lang="en-US" sz="2400" dirty="0">
+                <a:solidFill>
+                  <a:srgbClr val="002060"/>
+                </a:solidFill>
+              </a:rPr>
+              <a:t> di un caretaker, per </a:t>
+            </a:r>
+            <a:r>
+              <a:rPr lang="en-US" sz="2400" dirty="0" err="1">
+                <a:solidFill>
+                  <a:srgbClr val="002060"/>
+                </a:solidFill>
+              </a:rPr>
+              <a:t>comunicare</a:t>
+            </a:r>
+            <a:r>
+              <a:rPr lang="en-US" sz="2400" dirty="0">
+                <a:solidFill>
+                  <a:srgbClr val="002060"/>
+                </a:solidFill>
+              </a:rPr>
+              <a:t> con </a:t>
+            </a:r>
+            <a:r>
+              <a:rPr lang="it-IT" sz="2400" dirty="0">
+                <a:solidFill>
+                  <a:srgbClr val="002060"/>
+                </a:solidFill>
+              </a:rPr>
+              <a:t>l’anziano</a:t>
+            </a:r>
+            <a:r>
+              <a:rPr lang="en-US" sz="2400" dirty="0">
+                <a:solidFill>
+                  <a:srgbClr val="002060"/>
+                </a:solidFill>
+              </a:rPr>
+              <a:t>, e </a:t>
+            </a:r>
+            <a:r>
+              <a:rPr lang="en-US" sz="2400" dirty="0" err="1">
+                <a:solidFill>
+                  <a:srgbClr val="002060"/>
+                </a:solidFill>
+              </a:rPr>
+              <a:t>l’anziano</a:t>
             </a:r>
             <a:r>
               <a:rPr lang="en-US" sz="2400" dirty="0">
@@ -5931,31 +7408,63 @@
                   <a:srgbClr val="002060"/>
                 </a:solidFill>
               </a:rPr>
-              <a:t>controllo</a:t>
-            </a:r>
-            <a:r>
-              <a:rPr lang="en-US" sz="2400" dirty="0">
-                <a:solidFill>
-                  <a:srgbClr val="002060"/>
-                </a:solidFill>
-              </a:rPr>
-              <a:t> al secondo (60 al </a:t>
-            </a:r>
-            <a:r>
-              <a:rPr lang="en-US" sz="2400" dirty="0" err="1">
-                <a:solidFill>
-                  <a:srgbClr val="002060"/>
-                </a:solidFill>
-              </a:rPr>
-              <a:t>minuto</a:t>
-            </a:r>
-            <a:r>
-              <a:rPr lang="en-US" sz="2400" dirty="0">
-                <a:solidFill>
-                  <a:srgbClr val="002060"/>
-                </a:solidFill>
-              </a:rPr>
-              <a:t>);</a:t>
+              <a:t>può</a:t>
+            </a:r>
+            <a:r>
+              <a:rPr lang="en-US" sz="2400" dirty="0">
+                <a:solidFill>
+                  <a:srgbClr val="002060"/>
+                </a:solidFill>
+              </a:rPr>
+              <a:t> </a:t>
+            </a:r>
+            <a:r>
+              <a:rPr lang="en-US" sz="2400" dirty="0" err="1">
+                <a:solidFill>
+                  <a:srgbClr val="002060"/>
+                </a:solidFill>
+              </a:rPr>
+              <a:t>usare</a:t>
+            </a:r>
+            <a:r>
+              <a:rPr lang="en-US" sz="2400" dirty="0">
+                <a:solidFill>
+                  <a:srgbClr val="002060"/>
+                </a:solidFill>
+              </a:rPr>
+              <a:t> il </a:t>
+            </a:r>
+            <a:r>
+              <a:rPr lang="en-US" sz="2400" dirty="0" err="1">
+                <a:solidFill>
+                  <a:srgbClr val="002060"/>
+                </a:solidFill>
+              </a:rPr>
+              <a:t>microfono</a:t>
+            </a:r>
+            <a:r>
+              <a:rPr lang="en-US" sz="2400" dirty="0">
+                <a:solidFill>
+                  <a:srgbClr val="002060"/>
+                </a:solidFill>
+              </a:rPr>
+              <a:t> per </a:t>
+            </a:r>
+            <a:r>
+              <a:rPr lang="en-US" sz="2400" dirty="0" err="1">
+                <a:solidFill>
+                  <a:srgbClr val="002060"/>
+                </a:solidFill>
+              </a:rPr>
+              <a:t>rispondere</a:t>
+            </a:r>
+            <a:r>
+              <a:rPr lang="en-US" sz="2400" dirty="0">
+                <a:solidFill>
+                  <a:srgbClr val="002060"/>
+                </a:solidFill>
+              </a:rPr>
+              <a:t>;</a:t>
             </a:r>
           </a:p>
           <a:p>
@@ -5969,7 +7478,23 @@
                   <a:srgbClr val="002060"/>
                 </a:solidFill>
               </a:rPr>
-              <a:t>Ogni</a:t>
+              <a:t>L’anziano</a:t>
+            </a:r>
+            <a:r>
+              <a:rPr lang="en-US" sz="2400" dirty="0">
+                <a:solidFill>
+                  <a:srgbClr val="002060"/>
+                </a:solidFill>
+              </a:rPr>
+              <a:t> non </a:t>
+            </a:r>
+            <a:r>
+              <a:rPr lang="en-US" sz="2400" dirty="0" err="1">
+                <a:solidFill>
+                  <a:srgbClr val="002060"/>
+                </a:solidFill>
+              </a:rPr>
+              <a:t>può</a:t>
             </a:r>
             <a:r>
               <a:rPr lang="en-US" sz="2400" dirty="0">
@@ -5985,7 +7510,55 @@
                   <a:srgbClr val="002060"/>
                 </a:solidFill>
               </a:rPr>
-              <a:t>appartamento</a:t>
+              <a:t>usare</a:t>
+            </a:r>
+            <a:r>
+              <a:rPr lang="en-US" sz="2400" dirty="0">
+                <a:solidFill>
+                  <a:srgbClr val="002060"/>
+                </a:solidFill>
+              </a:rPr>
+              <a:t> il </a:t>
+            </a:r>
+            <a:r>
+              <a:rPr lang="en-US" sz="2400" dirty="0" err="1">
+                <a:solidFill>
+                  <a:srgbClr val="002060"/>
+                </a:solidFill>
+              </a:rPr>
+              <a:t>sistema</a:t>
+            </a:r>
+            <a:r>
+              <a:rPr lang="en-US" sz="2400" dirty="0">
+                <a:solidFill>
+                  <a:srgbClr val="002060"/>
+                </a:solidFill>
+              </a:rPr>
+              <a:t> audio se </a:t>
+            </a:r>
+            <a:r>
+              <a:rPr lang="en-US" sz="2400" dirty="0" err="1">
+                <a:solidFill>
+                  <a:srgbClr val="002060"/>
+                </a:solidFill>
+              </a:rPr>
+              <a:t>questo</a:t>
+            </a:r>
+            <a:r>
+              <a:rPr lang="en-US" sz="2400" dirty="0">
+                <a:solidFill>
+                  <a:srgbClr val="002060"/>
+                </a:solidFill>
+              </a:rPr>
+              <a:t> prima non </a:t>
+            </a:r>
+            <a:r>
+              <a:rPr lang="en-US" sz="2400" dirty="0" err="1">
+                <a:solidFill>
+                  <a:srgbClr val="002060"/>
+                </a:solidFill>
+              </a:rPr>
+              <a:t>viene</a:t>
             </a:r>
             <a:r>
               <a:rPr lang="en-US" sz="2400" dirty="0">
@@ -6001,127 +7574,15 @@
                   <a:srgbClr val="002060"/>
                 </a:solidFill>
               </a:rPr>
-              <a:t>contiene</a:t>
-            </a:r>
-            <a:r>
-              <a:rPr lang="en-US" sz="2400" dirty="0">
-                <a:solidFill>
-                  <a:srgbClr val="002060"/>
-                </a:solidFill>
-              </a:rPr>
-              <a:t> un solo </a:t>
-            </a:r>
-            <a:r>
-              <a:rPr lang="en-US" sz="2400" dirty="0" err="1">
-                <a:solidFill>
-                  <a:srgbClr val="002060"/>
-                </a:solidFill>
-              </a:rPr>
-              <a:t>letto</a:t>
-            </a:r>
-            <a:r>
-              <a:rPr lang="en-US" sz="2400" dirty="0">
-                <a:solidFill>
-                  <a:srgbClr val="002060"/>
-                </a:solidFill>
-              </a:rPr>
-              <a:t>, sotto </a:t>
-            </a:r>
-            <a:r>
-              <a:rPr lang="en-US" sz="2400" dirty="0" err="1">
-                <a:solidFill>
-                  <a:srgbClr val="002060"/>
-                </a:solidFill>
-              </a:rPr>
-              <a:t>il</a:t>
-            </a:r>
-            <a:r>
-              <a:rPr lang="en-US" sz="2400" dirty="0">
-                <a:solidFill>
-                  <a:srgbClr val="002060"/>
-                </a:solidFill>
-              </a:rPr>
-              <a:t> quale </a:t>
-            </a:r>
-            <a:r>
-              <a:rPr lang="en-US" sz="2400" dirty="0" err="1">
-                <a:solidFill>
-                  <a:srgbClr val="002060"/>
-                </a:solidFill>
-              </a:rPr>
-              <a:t>viene</a:t>
-            </a:r>
-            <a:r>
-              <a:rPr lang="en-US" sz="2400" dirty="0">
-                <a:solidFill>
-                  <a:srgbClr val="002060"/>
-                </a:solidFill>
-              </a:rPr>
-              <a:t> </a:t>
-            </a:r>
-            <a:r>
-              <a:rPr lang="en-US" sz="2400" dirty="0" err="1">
-                <a:solidFill>
-                  <a:srgbClr val="002060"/>
-                </a:solidFill>
-              </a:rPr>
-              <a:t>installato</a:t>
-            </a:r>
-            <a:r>
-              <a:rPr lang="en-US" sz="2400" dirty="0">
-                <a:solidFill>
-                  <a:srgbClr val="002060"/>
-                </a:solidFill>
-              </a:rPr>
-              <a:t> </a:t>
-            </a:r>
-            <a:r>
-              <a:rPr lang="en-US" sz="2400" dirty="0" err="1">
-                <a:solidFill>
-                  <a:srgbClr val="002060"/>
-                </a:solidFill>
-              </a:rPr>
-              <a:t>il</a:t>
-            </a:r>
-            <a:r>
-              <a:rPr lang="en-US" sz="2400" dirty="0">
-                <a:solidFill>
-                  <a:srgbClr val="002060"/>
-                </a:solidFill>
-              </a:rPr>
-              <a:t> </a:t>
-            </a:r>
-            <a:r>
-              <a:rPr lang="en-US" sz="2400" dirty="0" err="1">
-                <a:solidFill>
-                  <a:srgbClr val="002060"/>
-                </a:solidFill>
-              </a:rPr>
-              <a:t>sensore</a:t>
-            </a:r>
-            <a:r>
-              <a:rPr lang="en-US" sz="2400" dirty="0">
-                <a:solidFill>
-                  <a:srgbClr val="002060"/>
-                </a:solidFill>
-              </a:rPr>
-              <a:t> di </a:t>
-            </a:r>
-            <a:r>
-              <a:rPr lang="en-US" sz="2400" dirty="0" err="1">
-                <a:solidFill>
-                  <a:srgbClr val="002060"/>
-                </a:solidFill>
-              </a:rPr>
-              <a:t>pressione</a:t>
-            </a:r>
-            <a:r>
-              <a:rPr lang="en-US" sz="2400" dirty="0">
-                <a:solidFill>
-                  <a:srgbClr val="002060"/>
-                </a:solidFill>
-              </a:rPr>
-              <a:t>;</a:t>
+              <a:t>attivato</a:t>
+            </a:r>
+            <a:r>
+              <a:rPr lang="en-US" sz="2400" dirty="0">
+                <a:solidFill>
+                  <a:srgbClr val="002060"/>
+                </a:solidFill>
+              </a:rPr>
+              <a:t> da un caretaker;</a:t>
             </a:r>
           </a:p>
           <a:p>
@@ -6135,491 +7596,39 @@
                   <a:srgbClr val="002060"/>
                 </a:solidFill>
               </a:rPr>
-              <a:t>Il </a:t>
-            </a:r>
-            <a:r>
-              <a:rPr lang="en-US" sz="2400" dirty="0" err="1">
-                <a:solidFill>
-                  <a:srgbClr val="002060"/>
-                </a:solidFill>
-              </a:rPr>
-              <a:t>sensore</a:t>
-            </a:r>
-            <a:r>
-              <a:rPr lang="en-US" sz="2400" dirty="0">
-                <a:solidFill>
-                  <a:srgbClr val="002060"/>
-                </a:solidFill>
-              </a:rPr>
-              <a:t> di </a:t>
-            </a:r>
-            <a:r>
-              <a:rPr lang="en-US" sz="2400" dirty="0" err="1">
-                <a:solidFill>
-                  <a:srgbClr val="002060"/>
-                </a:solidFill>
-              </a:rPr>
-              <a:t>pressione</a:t>
-            </a:r>
-            <a:r>
-              <a:rPr lang="en-US" sz="2400" dirty="0">
-                <a:solidFill>
-                  <a:srgbClr val="002060"/>
-                </a:solidFill>
-              </a:rPr>
-              <a:t> </a:t>
-            </a:r>
-            <a:r>
-              <a:rPr lang="en-US" sz="2400" dirty="0" err="1">
-                <a:solidFill>
-                  <a:srgbClr val="002060"/>
-                </a:solidFill>
-              </a:rPr>
-              <a:t>nel</a:t>
-            </a:r>
-            <a:r>
-              <a:rPr lang="en-US" sz="2400" dirty="0">
-                <a:solidFill>
-                  <a:srgbClr val="002060"/>
-                </a:solidFill>
-              </a:rPr>
-              <a:t> </a:t>
-            </a:r>
-            <a:r>
-              <a:rPr lang="en-US" sz="2400" dirty="0" err="1">
-                <a:solidFill>
-                  <a:srgbClr val="002060"/>
-                </a:solidFill>
-              </a:rPr>
-              <a:t>letto</a:t>
-            </a:r>
-            <a:r>
-              <a:rPr lang="en-US" sz="2400" dirty="0">
-                <a:solidFill>
-                  <a:srgbClr val="002060"/>
-                </a:solidFill>
-              </a:rPr>
-              <a:t> </a:t>
-            </a:r>
-            <a:r>
-              <a:rPr lang="en-US" sz="2400" dirty="0" err="1">
-                <a:solidFill>
-                  <a:srgbClr val="002060"/>
-                </a:solidFill>
-              </a:rPr>
-              <a:t>effettua</a:t>
-            </a:r>
-            <a:r>
-              <a:rPr lang="en-US" sz="2400" dirty="0">
-                <a:solidFill>
-                  <a:srgbClr val="002060"/>
-                </a:solidFill>
-              </a:rPr>
-              <a:t> un </a:t>
-            </a:r>
-            <a:r>
-              <a:rPr lang="en-US" sz="2400" dirty="0" err="1">
-                <a:solidFill>
-                  <a:srgbClr val="002060"/>
-                </a:solidFill>
-              </a:rPr>
-              <a:t>controllo</a:t>
-            </a:r>
-            <a:r>
-              <a:rPr lang="en-US" sz="2400" dirty="0">
-                <a:solidFill>
-                  <a:srgbClr val="002060"/>
-                </a:solidFill>
-              </a:rPr>
-              <a:t> </a:t>
-            </a:r>
-            <a:r>
-              <a:rPr lang="en-US" sz="2400" dirty="0" err="1">
-                <a:solidFill>
-                  <a:srgbClr val="002060"/>
-                </a:solidFill>
-              </a:rPr>
-              <a:t>ogni</a:t>
-            </a:r>
-            <a:r>
-              <a:rPr lang="en-US" sz="2400" dirty="0">
-                <a:solidFill>
-                  <a:srgbClr val="002060"/>
-                </a:solidFill>
-              </a:rPr>
-              <a:t> 15 secondi;</a:t>
-            </a:r>
-          </a:p>
-          <a:p>
-            <a:pPr marL="342900" indent="-342900" algn="just">
-              <a:buFont typeface="Arial" panose="020B0604020202020204" pitchFamily="34" charset="0"/>
-              <a:buChar char="•"/>
-            </a:pPr>
-            <a:r>
-              <a:rPr lang="en-US" sz="2400" dirty="0">
-                <a:solidFill>
-                  <a:srgbClr val="002060"/>
-                </a:solidFill>
-              </a:rPr>
-              <a:t>Il </a:t>
-            </a:r>
-            <a:r>
-              <a:rPr lang="en-US" sz="2400" dirty="0" err="1">
-                <a:solidFill>
-                  <a:srgbClr val="002060"/>
-                </a:solidFill>
-              </a:rPr>
-              <a:t>sistema</a:t>
-            </a:r>
-            <a:r>
-              <a:rPr lang="en-US" sz="2400" dirty="0">
-                <a:solidFill>
-                  <a:srgbClr val="002060"/>
-                </a:solidFill>
-              </a:rPr>
-              <a:t> audio </a:t>
-            </a:r>
-            <a:r>
-              <a:rPr lang="en-US" sz="2400" dirty="0" err="1">
-                <a:solidFill>
-                  <a:srgbClr val="002060"/>
-                </a:solidFill>
-              </a:rPr>
-              <a:t>può</a:t>
-            </a:r>
-            <a:r>
-              <a:rPr lang="en-US" sz="2400" dirty="0">
-                <a:solidFill>
-                  <a:srgbClr val="002060"/>
-                </a:solidFill>
-              </a:rPr>
-              <a:t> </a:t>
-            </a:r>
-            <a:r>
-              <a:rPr lang="en-US" sz="2400" dirty="0" err="1">
-                <a:solidFill>
-                  <a:srgbClr val="002060"/>
-                </a:solidFill>
-              </a:rPr>
-              <a:t>essere</a:t>
-            </a:r>
-            <a:r>
-              <a:rPr lang="en-US" sz="2400" dirty="0">
-                <a:solidFill>
-                  <a:srgbClr val="002060"/>
-                </a:solidFill>
-              </a:rPr>
-              <a:t> </a:t>
-            </a:r>
-            <a:r>
-              <a:rPr lang="en-US" sz="2400" dirty="0" err="1">
-                <a:solidFill>
-                  <a:srgbClr val="002060"/>
-                </a:solidFill>
-              </a:rPr>
-              <a:t>utilizzato</a:t>
-            </a:r>
-            <a:r>
-              <a:rPr lang="en-US" sz="2400" dirty="0">
-                <a:solidFill>
-                  <a:srgbClr val="002060"/>
-                </a:solidFill>
-              </a:rPr>
-              <a:t>, previa </a:t>
-            </a:r>
-            <a:r>
-              <a:rPr lang="en-US" sz="2400" dirty="0" err="1">
-                <a:solidFill>
-                  <a:srgbClr val="002060"/>
-                </a:solidFill>
-              </a:rPr>
-              <a:t>attivazione</a:t>
-            </a:r>
-            <a:r>
-              <a:rPr lang="en-US" sz="2400" dirty="0">
-                <a:solidFill>
-                  <a:srgbClr val="002060"/>
-                </a:solidFill>
-              </a:rPr>
-              <a:t> da </a:t>
-            </a:r>
-            <a:r>
-              <a:rPr lang="en-US" sz="2400" dirty="0" err="1">
-                <a:solidFill>
-                  <a:srgbClr val="002060"/>
-                </a:solidFill>
-              </a:rPr>
-              <a:t>parte</a:t>
-            </a:r>
-            <a:r>
-              <a:rPr lang="en-US" sz="2400" dirty="0">
-                <a:solidFill>
-                  <a:srgbClr val="002060"/>
-                </a:solidFill>
-              </a:rPr>
-              <a:t> di un caretaker, per </a:t>
-            </a:r>
-            <a:r>
-              <a:rPr lang="en-US" sz="2400" dirty="0" err="1">
-                <a:solidFill>
-                  <a:srgbClr val="002060"/>
-                </a:solidFill>
-              </a:rPr>
-              <a:t>comunicare</a:t>
-            </a:r>
-            <a:r>
-              <a:rPr lang="en-US" sz="2400" dirty="0">
-                <a:solidFill>
-                  <a:srgbClr val="002060"/>
-                </a:solidFill>
-              </a:rPr>
-              <a:t> con </a:t>
-            </a:r>
-            <a:r>
-              <a:rPr lang="en-US" sz="2400" dirty="0" err="1">
-                <a:solidFill>
-                  <a:srgbClr val="002060"/>
-                </a:solidFill>
-              </a:rPr>
-              <a:t>l’aziano</a:t>
-            </a:r>
-            <a:r>
-              <a:rPr lang="en-US" sz="2400" dirty="0">
-                <a:solidFill>
-                  <a:srgbClr val="002060"/>
-                </a:solidFill>
-              </a:rPr>
-              <a:t>, e </a:t>
-            </a:r>
-            <a:r>
-              <a:rPr lang="en-US" sz="2400" dirty="0" err="1">
-                <a:solidFill>
-                  <a:srgbClr val="002060"/>
-                </a:solidFill>
-              </a:rPr>
-              <a:t>l’anziano</a:t>
-            </a:r>
-            <a:r>
-              <a:rPr lang="en-US" sz="2400" dirty="0">
-                <a:solidFill>
-                  <a:srgbClr val="002060"/>
-                </a:solidFill>
-              </a:rPr>
-              <a:t> </a:t>
-            </a:r>
-            <a:r>
-              <a:rPr lang="en-US" sz="2400" dirty="0" err="1">
-                <a:solidFill>
-                  <a:srgbClr val="002060"/>
-                </a:solidFill>
-              </a:rPr>
-              <a:t>può</a:t>
-            </a:r>
-            <a:r>
-              <a:rPr lang="en-US" sz="2400" dirty="0">
-                <a:solidFill>
-                  <a:srgbClr val="002060"/>
-                </a:solidFill>
-              </a:rPr>
-              <a:t> </a:t>
-            </a:r>
-            <a:r>
-              <a:rPr lang="en-US" sz="2400" dirty="0" err="1">
-                <a:solidFill>
-                  <a:srgbClr val="002060"/>
-                </a:solidFill>
-              </a:rPr>
-              <a:t>usare</a:t>
-            </a:r>
-            <a:r>
-              <a:rPr lang="en-US" sz="2400" dirty="0">
-                <a:solidFill>
-                  <a:srgbClr val="002060"/>
-                </a:solidFill>
-              </a:rPr>
-              <a:t> </a:t>
-            </a:r>
-            <a:r>
-              <a:rPr lang="en-US" sz="2400" dirty="0" err="1">
-                <a:solidFill>
-                  <a:srgbClr val="002060"/>
-                </a:solidFill>
-              </a:rPr>
-              <a:t>il</a:t>
-            </a:r>
-            <a:r>
-              <a:rPr lang="en-US" sz="2400" dirty="0">
-                <a:solidFill>
-                  <a:srgbClr val="002060"/>
-                </a:solidFill>
-              </a:rPr>
-              <a:t> </a:t>
-            </a:r>
-            <a:r>
-              <a:rPr lang="en-US" sz="2400" dirty="0" err="1">
-                <a:solidFill>
-                  <a:srgbClr val="002060"/>
-                </a:solidFill>
-              </a:rPr>
-              <a:t>microfono</a:t>
-            </a:r>
-            <a:r>
-              <a:rPr lang="en-US" sz="2400" dirty="0">
-                <a:solidFill>
-                  <a:srgbClr val="002060"/>
-                </a:solidFill>
-              </a:rPr>
-              <a:t> per </a:t>
-            </a:r>
-            <a:r>
-              <a:rPr lang="en-US" sz="2400" dirty="0" err="1">
-                <a:solidFill>
-                  <a:srgbClr val="002060"/>
-                </a:solidFill>
-              </a:rPr>
-              <a:t>rispondere</a:t>
-            </a:r>
-            <a:r>
-              <a:rPr lang="en-US" sz="2400" dirty="0">
-                <a:solidFill>
-                  <a:srgbClr val="002060"/>
-                </a:solidFill>
-              </a:rPr>
-              <a:t>;</a:t>
-            </a:r>
-          </a:p>
-          <a:p>
-            <a:pPr marL="342900" indent="-342900" algn="just">
-              <a:buFont typeface="Arial" panose="020B0604020202020204" pitchFamily="34" charset="0"/>
-              <a:buChar char="•"/>
-            </a:pPr>
-            <a:r>
-              <a:rPr lang="en-US" sz="2400" dirty="0" err="1">
-                <a:solidFill>
-                  <a:srgbClr val="002060"/>
-                </a:solidFill>
-              </a:rPr>
-              <a:t>L’anziano</a:t>
-            </a:r>
-            <a:r>
-              <a:rPr lang="en-US" sz="2400" dirty="0">
-                <a:solidFill>
-                  <a:srgbClr val="002060"/>
-                </a:solidFill>
-              </a:rPr>
-              <a:t> non </a:t>
-            </a:r>
-            <a:r>
-              <a:rPr lang="en-US" sz="2400" dirty="0" err="1">
-                <a:solidFill>
-                  <a:srgbClr val="002060"/>
-                </a:solidFill>
-              </a:rPr>
-              <a:t>può</a:t>
-            </a:r>
-            <a:r>
-              <a:rPr lang="en-US" sz="2400" dirty="0">
-                <a:solidFill>
-                  <a:srgbClr val="002060"/>
-                </a:solidFill>
-              </a:rPr>
-              <a:t> </a:t>
-            </a:r>
-            <a:r>
-              <a:rPr lang="en-US" sz="2400" dirty="0" err="1">
-                <a:solidFill>
-                  <a:srgbClr val="002060"/>
-                </a:solidFill>
-              </a:rPr>
-              <a:t>usare</a:t>
-            </a:r>
-            <a:r>
-              <a:rPr lang="en-US" sz="2400" dirty="0">
-                <a:solidFill>
-                  <a:srgbClr val="002060"/>
-                </a:solidFill>
-              </a:rPr>
-              <a:t> </a:t>
-            </a:r>
-            <a:r>
-              <a:rPr lang="en-US" sz="2400" dirty="0" err="1">
-                <a:solidFill>
-                  <a:srgbClr val="002060"/>
-                </a:solidFill>
-              </a:rPr>
-              <a:t>il</a:t>
-            </a:r>
-            <a:r>
-              <a:rPr lang="en-US" sz="2400" dirty="0">
-                <a:solidFill>
-                  <a:srgbClr val="002060"/>
-                </a:solidFill>
-              </a:rPr>
-              <a:t> </a:t>
-            </a:r>
-            <a:r>
-              <a:rPr lang="en-US" sz="2400" dirty="0" err="1">
-                <a:solidFill>
-                  <a:srgbClr val="002060"/>
-                </a:solidFill>
-              </a:rPr>
-              <a:t>sistema</a:t>
-            </a:r>
-            <a:r>
-              <a:rPr lang="en-US" sz="2400" dirty="0">
-                <a:solidFill>
-                  <a:srgbClr val="002060"/>
-                </a:solidFill>
-              </a:rPr>
-              <a:t> audio se </a:t>
-            </a:r>
-            <a:r>
-              <a:rPr lang="en-US" sz="2400" dirty="0" err="1">
-                <a:solidFill>
-                  <a:srgbClr val="002060"/>
-                </a:solidFill>
-              </a:rPr>
-              <a:t>questo</a:t>
-            </a:r>
-            <a:r>
-              <a:rPr lang="en-US" sz="2400" dirty="0">
-                <a:solidFill>
-                  <a:srgbClr val="002060"/>
-                </a:solidFill>
-              </a:rPr>
-              <a:t> prima non </a:t>
-            </a:r>
-            <a:r>
-              <a:rPr lang="en-US" sz="2400" dirty="0" err="1">
-                <a:solidFill>
-                  <a:srgbClr val="002060"/>
-                </a:solidFill>
-              </a:rPr>
-              <a:t>viene</a:t>
-            </a:r>
-            <a:r>
-              <a:rPr lang="en-US" sz="2400" dirty="0">
-                <a:solidFill>
-                  <a:srgbClr val="002060"/>
-                </a:solidFill>
-              </a:rPr>
-              <a:t> </a:t>
-            </a:r>
-            <a:r>
-              <a:rPr lang="en-US" sz="2400" dirty="0" err="1">
-                <a:solidFill>
-                  <a:srgbClr val="002060"/>
-                </a:solidFill>
-              </a:rPr>
-              <a:t>attivato</a:t>
-            </a:r>
-            <a:r>
-              <a:rPr lang="en-US" sz="2400" dirty="0">
-                <a:solidFill>
-                  <a:srgbClr val="002060"/>
-                </a:solidFill>
-              </a:rPr>
-              <a:t> da un caretaker;</a:t>
+              <a:t>Si </a:t>
+            </a:r>
+            <a:r>
+              <a:rPr lang="en-US" sz="2400" dirty="0" err="1">
+                <a:solidFill>
+                  <a:srgbClr val="002060"/>
+                </a:solidFill>
+              </a:rPr>
+              <a:t>considera</a:t>
+            </a:r>
+            <a:r>
+              <a:rPr lang="en-US" sz="2400" dirty="0">
+                <a:solidFill>
+                  <a:srgbClr val="002060"/>
+                </a:solidFill>
+              </a:rPr>
+              <a:t> la </a:t>
+            </a:r>
+            <a:r>
+              <a:rPr lang="en-US" sz="2400" dirty="0" err="1">
+                <a:solidFill>
+                  <a:srgbClr val="002060"/>
+                </a:solidFill>
+              </a:rPr>
+              <a:t>presenza</a:t>
+            </a:r>
+            <a:r>
+              <a:rPr lang="en-US" sz="2400" dirty="0">
+                <a:solidFill>
+                  <a:srgbClr val="002060"/>
+                </a:solidFill>
+              </a:rPr>
+              <a:t> di un solo Sistema audio per stanza;</a:t>
             </a:r>
           </a:p>
           <a:p>
@@ -6633,23 +7642,12 @@
               </a:solidFill>
             </a:endParaRPr>
           </a:p>
-          <a:p>
-            <a:pPr marL="342900" indent="-342900" algn="just">
-              <a:buFont typeface="Arial" panose="020B0604020202020204" pitchFamily="34" charset="0"/>
-              <a:buChar char="•"/>
-            </a:pPr>
-            <a:endParaRPr lang="en-US" sz="2400" dirty="0">
-              <a:solidFill>
-                <a:srgbClr val="002060"/>
-              </a:solidFill>
-            </a:endParaRPr>
-          </a:p>
         </p:txBody>
       </p:sp>
     </p:spTree>
     <p:extLst>
       <p:ext uri="{BB962C8B-B14F-4D97-AF65-F5344CB8AC3E}">
-        <p14:creationId xmlns:p14="http://schemas.microsoft.com/office/powerpoint/2010/main" val="1587358040"/>
+        <p14:creationId xmlns:p14="http://schemas.microsoft.com/office/powerpoint/2010/main" val="989982279"/>
       </p:ext>
     </p:extLst>
   </p:cSld>
@@ -6749,7 +7747,7 @@
         </p:nvSpPr>
         <p:spPr>
           <a:xfrm>
-            <a:off x="1066800" y="1619513"/>
+            <a:off x="1091639" y="1659285"/>
             <a:ext cx="7823505" cy="769441"/>
           </a:xfrm>
           <a:prstGeom prst="rect">
@@ -6794,55 +7792,7 @@
                   </a:outerShdw>
                 </a:effectLst>
               </a:rPr>
-              <a:t> – </a:t>
-            </a:r>
-            <a:r>
-              <a:rPr lang="en-US" sz="4400" dirty="0" err="1">
-                <a:ln w="0"/>
-                <a:solidFill>
-                  <a:srgbClr val="002060"/>
-                </a:solidFill>
-                <a:effectLst>
-                  <a:outerShdw blurRad="38100" dist="25400" dir="5400000" algn="ctr" rotWithShape="0">
-                    <a:srgbClr val="6E747A">
-                      <a:alpha val="43000"/>
-                    </a:srgbClr>
-                  </a:outerShdw>
-                </a:effectLst>
-              </a:rPr>
-              <a:t>Servizi</a:t>
-            </a:r>
-            <a:r>
-              <a:rPr lang="en-US" sz="4400" dirty="0">
-                <a:ln w="0"/>
-                <a:solidFill>
-                  <a:srgbClr val="002060"/>
-                </a:solidFill>
-                <a:effectLst>
-                  <a:outerShdw blurRad="38100" dist="25400" dir="5400000" algn="ctr" rotWithShape="0">
-                    <a:srgbClr val="6E747A">
-                      <a:alpha val="43000"/>
-                    </a:srgbClr>
-                  </a:outerShdw>
-                </a:effectLst>
-              </a:rPr>
-              <a:t> </a:t>
-            </a:r>
-            <a:r>
-              <a:rPr lang="en-US" sz="4400" dirty="0" err="1">
-                <a:ln w="0"/>
-                <a:solidFill>
-                  <a:srgbClr val="002060"/>
-                </a:solidFill>
-                <a:effectLst>
-                  <a:outerShdw blurRad="38100" dist="25400" dir="5400000" algn="ctr" rotWithShape="0">
-                    <a:srgbClr val="6E747A">
-                      <a:alpha val="43000"/>
-                    </a:srgbClr>
-                  </a:outerShdw>
-                </a:effectLst>
-              </a:rPr>
-              <a:t>Esterni</a:t>
+              <a:t> – Smartwatch</a:t>
             </a:r>
             <a:endParaRPr lang="it-IT" sz="4400" i="1" dirty="0">
               <a:ln w="0"/>
@@ -6980,7 +7930,7 @@
         <p:spPr>
           <a:xfrm>
             <a:off x="1066800" y="2428726"/>
-            <a:ext cx="10058400" cy="1200329"/>
+            <a:ext cx="10058400" cy="4524315"/>
           </a:xfrm>
           <a:prstGeom prst="rect">
             <a:avLst/>
@@ -6988,7 +7938,7 @@
           <a:noFill/>
         </p:spPr>
         <p:txBody>
-          <a:bodyPr wrap="square" rtlCol="0">
+          <a:bodyPr wrap="square" rtlCol="0" anchor="ctr">
             <a:spAutoFit/>
           </a:bodyPr>
           <a:lstStyle/>
@@ -6998,12 +7948,84 @@
               <a:buChar char="•"/>
             </a:pPr>
             <a:r>
-              <a:rPr lang="en-US" sz="2400" dirty="0">
-                <a:solidFill>
-                  <a:srgbClr val="002060"/>
-                </a:solidFill>
-              </a:rPr>
-              <a:t>Non </a:t>
+              <a:rPr lang="en-US" sz="2400" dirty="0" err="1">
+                <a:solidFill>
+                  <a:srgbClr val="002060"/>
+                </a:solidFill>
+              </a:rPr>
+              <a:t>L’evento</a:t>
+            </a:r>
+            <a:r>
+              <a:rPr lang="en-US" sz="2400" dirty="0">
+                <a:solidFill>
+                  <a:srgbClr val="002060"/>
+                </a:solidFill>
+              </a:rPr>
+              <a:t> </a:t>
+            </a:r>
+            <a:r>
+              <a:rPr lang="en-US" sz="2400" dirty="0" err="1">
+                <a:solidFill>
+                  <a:srgbClr val="002060"/>
+                </a:solidFill>
+              </a:rPr>
+              <a:t>relativo</a:t>
+            </a:r>
+            <a:r>
+              <a:rPr lang="en-US" sz="2400" dirty="0">
+                <a:solidFill>
+                  <a:srgbClr val="002060"/>
+                </a:solidFill>
+              </a:rPr>
+              <a:t> </a:t>
+            </a:r>
+            <a:r>
+              <a:rPr lang="en-US" sz="2400" dirty="0" err="1">
+                <a:solidFill>
+                  <a:srgbClr val="002060"/>
+                </a:solidFill>
+              </a:rPr>
+              <a:t>alla</a:t>
+            </a:r>
+            <a:r>
+              <a:rPr lang="en-US" sz="2400" dirty="0">
+                <a:solidFill>
+                  <a:srgbClr val="002060"/>
+                </a:solidFill>
+              </a:rPr>
+              <a:t> </a:t>
+            </a:r>
+            <a:r>
+              <a:rPr lang="en-US" sz="2400" dirty="0" err="1">
+                <a:solidFill>
+                  <a:srgbClr val="002060"/>
+                </a:solidFill>
+              </a:rPr>
+              <a:t>rimozione</a:t>
+            </a:r>
+            <a:r>
+              <a:rPr lang="en-US" sz="2400" dirty="0">
+                <a:solidFill>
+                  <a:srgbClr val="002060"/>
+                </a:solidFill>
+              </a:rPr>
+              <a:t> </a:t>
+            </a:r>
+            <a:r>
+              <a:rPr lang="en-US" sz="2400" dirty="0" err="1">
+                <a:solidFill>
+                  <a:srgbClr val="002060"/>
+                </a:solidFill>
+              </a:rPr>
+              <a:t>dello</a:t>
+            </a:r>
+            <a:r>
+              <a:rPr lang="en-US" sz="2400" dirty="0">
+                <a:solidFill>
+                  <a:srgbClr val="002060"/>
+                </a:solidFill>
+              </a:rPr>
+              <a:t> smartwatch </a:t>
             </a:r>
             <a:r>
               <a:rPr lang="en-US" sz="2400" dirty="0" err="1">
@@ -7027,7 +8049,663 @@
                   <a:srgbClr val="002060"/>
                 </a:solidFill>
               </a:rPr>
-              <a:t>mantenuta</a:t>
+              <a:t>verificato</a:t>
+            </a:r>
+            <a:r>
+              <a:rPr lang="en-US" sz="2400" dirty="0">
+                <a:solidFill>
+                  <a:srgbClr val="002060"/>
+                </a:solidFill>
+              </a:rPr>
+              <a:t> </a:t>
+            </a:r>
+            <a:r>
+              <a:rPr lang="en-US" sz="2400" dirty="0" err="1">
+                <a:solidFill>
+                  <a:srgbClr val="002060"/>
+                </a:solidFill>
+              </a:rPr>
+              <a:t>ogni</a:t>
+            </a:r>
+            <a:r>
+              <a:rPr lang="en-US" sz="2400" dirty="0">
+                <a:solidFill>
+                  <a:srgbClr val="002060"/>
+                </a:solidFill>
+              </a:rPr>
+              <a:t> 10 </a:t>
+            </a:r>
+            <a:r>
+              <a:rPr lang="en-US" sz="2400" dirty="0" err="1">
+                <a:solidFill>
+                  <a:srgbClr val="002060"/>
+                </a:solidFill>
+              </a:rPr>
+              <a:t>minuti</a:t>
+            </a:r>
+            <a:r>
+              <a:rPr lang="en-US" sz="2400" dirty="0">
+                <a:solidFill>
+                  <a:srgbClr val="002060"/>
+                </a:solidFill>
+              </a:rPr>
+              <a:t>;</a:t>
+            </a:r>
+          </a:p>
+          <a:p>
+            <a:pPr marL="342900" indent="-342900" algn="just">
+              <a:buFont typeface="Arial" panose="020B0604020202020204" pitchFamily="34" charset="0"/>
+              <a:buChar char="•"/>
+            </a:pPr>
+            <a:r>
+              <a:rPr lang="en-US" sz="2400" dirty="0" err="1">
+                <a:solidFill>
+                  <a:srgbClr val="002060"/>
+                </a:solidFill>
+              </a:rPr>
+              <a:t>L’evento</a:t>
+            </a:r>
+            <a:r>
+              <a:rPr lang="en-US" sz="2400" dirty="0">
+                <a:solidFill>
+                  <a:srgbClr val="002060"/>
+                </a:solidFill>
+              </a:rPr>
+              <a:t> </a:t>
+            </a:r>
+            <a:r>
+              <a:rPr lang="en-US" sz="2400" dirty="0" err="1">
+                <a:solidFill>
+                  <a:srgbClr val="002060"/>
+                </a:solidFill>
+              </a:rPr>
+              <a:t>relativo</a:t>
+            </a:r>
+            <a:r>
+              <a:rPr lang="en-US" sz="2400" dirty="0">
+                <a:solidFill>
+                  <a:srgbClr val="002060"/>
+                </a:solidFill>
+              </a:rPr>
+              <a:t> </a:t>
+            </a:r>
+            <a:r>
+              <a:rPr lang="en-US" sz="2400" dirty="0" err="1">
+                <a:solidFill>
+                  <a:srgbClr val="002060"/>
+                </a:solidFill>
+              </a:rPr>
+              <a:t>allo</a:t>
+            </a:r>
+            <a:r>
+              <a:rPr lang="en-US" sz="2400" dirty="0">
+                <a:solidFill>
+                  <a:srgbClr val="002060"/>
+                </a:solidFill>
+              </a:rPr>
+              <a:t> </a:t>
+            </a:r>
+            <a:r>
+              <a:rPr lang="en-US" sz="2400" dirty="0" err="1">
+                <a:solidFill>
+                  <a:srgbClr val="002060"/>
+                </a:solidFill>
+              </a:rPr>
+              <a:t>scaricamento</a:t>
+            </a:r>
+            <a:r>
+              <a:rPr lang="en-US" sz="2400" dirty="0">
+                <a:solidFill>
+                  <a:srgbClr val="002060"/>
+                </a:solidFill>
+              </a:rPr>
+              <a:t> </a:t>
+            </a:r>
+            <a:r>
+              <a:rPr lang="en-US" sz="2400" dirty="0" err="1">
+                <a:solidFill>
+                  <a:srgbClr val="002060"/>
+                </a:solidFill>
+              </a:rPr>
+              <a:t>dello</a:t>
+            </a:r>
+            <a:r>
+              <a:rPr lang="en-US" sz="2400" dirty="0">
+                <a:solidFill>
+                  <a:srgbClr val="002060"/>
+                </a:solidFill>
+              </a:rPr>
+              <a:t> smartwatch </a:t>
+            </a:r>
+            <a:r>
+              <a:rPr lang="en-US" sz="2400" dirty="0" err="1">
+                <a:solidFill>
+                  <a:srgbClr val="002060"/>
+                </a:solidFill>
+              </a:rPr>
+              <a:t>viene</a:t>
+            </a:r>
+            <a:r>
+              <a:rPr lang="en-US" sz="2400" dirty="0">
+                <a:solidFill>
+                  <a:srgbClr val="002060"/>
+                </a:solidFill>
+              </a:rPr>
+              <a:t> </a:t>
+            </a:r>
+            <a:r>
+              <a:rPr lang="en-US" sz="2400" dirty="0" err="1">
+                <a:solidFill>
+                  <a:srgbClr val="002060"/>
+                </a:solidFill>
+              </a:rPr>
+              <a:t>gestito</a:t>
+            </a:r>
+            <a:r>
+              <a:rPr lang="en-US" sz="2400" dirty="0">
+                <a:solidFill>
+                  <a:srgbClr val="002060"/>
+                </a:solidFill>
+              </a:rPr>
+              <a:t> </a:t>
+            </a:r>
+            <a:r>
+              <a:rPr lang="en-US" sz="2400" dirty="0" err="1">
+                <a:solidFill>
+                  <a:srgbClr val="002060"/>
+                </a:solidFill>
+              </a:rPr>
+              <a:t>allo</a:t>
+            </a:r>
+            <a:r>
+              <a:rPr lang="en-US" sz="2400" dirty="0">
+                <a:solidFill>
+                  <a:srgbClr val="002060"/>
+                </a:solidFill>
+              </a:rPr>
+              <a:t> </a:t>
+            </a:r>
+            <a:r>
+              <a:rPr lang="en-US" sz="2400" dirty="0" err="1">
+                <a:solidFill>
+                  <a:srgbClr val="002060"/>
+                </a:solidFill>
+              </a:rPr>
+              <a:t>stesso</a:t>
+            </a:r>
+            <a:r>
+              <a:rPr lang="en-US" sz="2400" dirty="0">
+                <a:solidFill>
+                  <a:srgbClr val="002060"/>
+                </a:solidFill>
+              </a:rPr>
+              <a:t> modo </a:t>
+            </a:r>
+            <a:r>
+              <a:rPr lang="en-US" sz="2400" dirty="0" err="1">
+                <a:solidFill>
+                  <a:srgbClr val="002060"/>
+                </a:solidFill>
+              </a:rPr>
+              <a:t>dell’evento</a:t>
+            </a:r>
+            <a:r>
+              <a:rPr lang="en-US" sz="2400" dirty="0">
+                <a:solidFill>
+                  <a:srgbClr val="002060"/>
+                </a:solidFill>
+              </a:rPr>
+              <a:t> </a:t>
+            </a:r>
+            <a:r>
+              <a:rPr lang="en-US" sz="2400" dirty="0" err="1">
+                <a:solidFill>
+                  <a:srgbClr val="002060"/>
+                </a:solidFill>
+              </a:rPr>
+              <a:t>relativo</a:t>
+            </a:r>
+            <a:r>
+              <a:rPr lang="en-US" sz="2400" dirty="0">
+                <a:solidFill>
+                  <a:srgbClr val="002060"/>
+                </a:solidFill>
+              </a:rPr>
+              <a:t> </a:t>
+            </a:r>
+            <a:r>
+              <a:rPr lang="en-US" sz="2400" dirty="0" err="1">
+                <a:solidFill>
+                  <a:srgbClr val="002060"/>
+                </a:solidFill>
+              </a:rPr>
+              <a:t>alla</a:t>
+            </a:r>
+            <a:r>
+              <a:rPr lang="en-US" sz="2400" dirty="0">
+                <a:solidFill>
+                  <a:srgbClr val="002060"/>
+                </a:solidFill>
+              </a:rPr>
+              <a:t> </a:t>
+            </a:r>
+            <a:r>
+              <a:rPr lang="en-US" sz="2400" dirty="0" err="1">
+                <a:solidFill>
+                  <a:srgbClr val="002060"/>
+                </a:solidFill>
+              </a:rPr>
+              <a:t>sua</a:t>
+            </a:r>
+            <a:r>
+              <a:rPr lang="en-US" sz="2400" dirty="0">
+                <a:solidFill>
+                  <a:srgbClr val="002060"/>
+                </a:solidFill>
+              </a:rPr>
+              <a:t> </a:t>
+            </a:r>
+            <a:r>
+              <a:rPr lang="en-US" sz="2400" dirty="0" err="1">
+                <a:solidFill>
+                  <a:srgbClr val="002060"/>
+                </a:solidFill>
+              </a:rPr>
+              <a:t>rimozione</a:t>
+            </a:r>
+            <a:r>
+              <a:rPr lang="en-US" sz="2400" dirty="0">
+                <a:solidFill>
+                  <a:srgbClr val="002060"/>
+                </a:solidFill>
+              </a:rPr>
+              <a:t> dal </a:t>
+            </a:r>
+            <a:r>
+              <a:rPr lang="en-US" sz="2400" dirty="0" err="1">
+                <a:solidFill>
+                  <a:srgbClr val="002060"/>
+                </a:solidFill>
+              </a:rPr>
+              <a:t>polso</a:t>
+            </a:r>
+            <a:r>
+              <a:rPr lang="en-US" sz="2400" dirty="0">
+                <a:solidFill>
+                  <a:srgbClr val="002060"/>
+                </a:solidFill>
+              </a:rPr>
+              <a:t>;</a:t>
+            </a:r>
+          </a:p>
+          <a:p>
+            <a:pPr marL="342900" indent="-342900" algn="just">
+              <a:buFont typeface="Arial" panose="020B0604020202020204" pitchFamily="34" charset="0"/>
+              <a:buChar char="•"/>
+            </a:pPr>
+            <a:r>
+              <a:rPr lang="en-US" sz="2400" dirty="0">
+                <a:solidFill>
+                  <a:srgbClr val="002060"/>
+                </a:solidFill>
+              </a:rPr>
+              <a:t>Il </a:t>
+            </a:r>
+            <a:r>
+              <a:rPr lang="en-US" sz="2400" dirty="0" err="1">
+                <a:solidFill>
+                  <a:srgbClr val="002060"/>
+                </a:solidFill>
+              </a:rPr>
+              <a:t>sensore</a:t>
+            </a:r>
+            <a:r>
+              <a:rPr lang="en-US" sz="2400" dirty="0">
+                <a:solidFill>
+                  <a:srgbClr val="002060"/>
+                </a:solidFill>
+              </a:rPr>
+              <a:t> di </a:t>
+            </a:r>
+            <a:r>
+              <a:rPr lang="en-US" sz="2400" dirty="0" err="1">
+                <a:solidFill>
+                  <a:srgbClr val="002060"/>
+                </a:solidFill>
+              </a:rPr>
+              <a:t>accelerazione</a:t>
+            </a:r>
+            <a:r>
+              <a:rPr lang="en-US" sz="2400" dirty="0">
+                <a:solidFill>
+                  <a:srgbClr val="002060"/>
+                </a:solidFill>
+              </a:rPr>
+              <a:t> </a:t>
+            </a:r>
+            <a:r>
+              <a:rPr lang="en-US" sz="2400" dirty="0" err="1">
+                <a:solidFill>
+                  <a:srgbClr val="002060"/>
+                </a:solidFill>
+              </a:rPr>
+              <a:t>montato</a:t>
+            </a:r>
+            <a:r>
+              <a:rPr lang="en-US" sz="2400" dirty="0">
+                <a:solidFill>
+                  <a:srgbClr val="002060"/>
+                </a:solidFill>
+              </a:rPr>
+              <a:t> </a:t>
+            </a:r>
+            <a:r>
+              <a:rPr lang="en-US" sz="2400" dirty="0" err="1">
+                <a:solidFill>
+                  <a:srgbClr val="002060"/>
+                </a:solidFill>
+              </a:rPr>
+              <a:t>nello</a:t>
+            </a:r>
+            <a:r>
+              <a:rPr lang="en-US" sz="2400" dirty="0">
+                <a:solidFill>
+                  <a:srgbClr val="002060"/>
+                </a:solidFill>
+              </a:rPr>
+              <a:t> smartwatch </a:t>
+            </a:r>
+            <a:r>
+              <a:rPr lang="en-US" sz="2400" dirty="0" err="1">
+                <a:solidFill>
+                  <a:srgbClr val="002060"/>
+                </a:solidFill>
+              </a:rPr>
+              <a:t>rileva</a:t>
+            </a:r>
+            <a:r>
+              <a:rPr lang="en-US" sz="2400" dirty="0">
+                <a:solidFill>
+                  <a:srgbClr val="002060"/>
+                </a:solidFill>
+              </a:rPr>
+              <a:t> la </a:t>
+            </a:r>
+            <a:r>
+              <a:rPr lang="en-US" sz="2400" dirty="0" err="1">
+                <a:solidFill>
+                  <a:srgbClr val="002060"/>
+                </a:solidFill>
+              </a:rPr>
+              <a:t>posizione</a:t>
+            </a:r>
+            <a:r>
+              <a:rPr lang="en-US" sz="2400" dirty="0">
+                <a:solidFill>
+                  <a:srgbClr val="002060"/>
+                </a:solidFill>
+              </a:rPr>
+              <a:t> del </a:t>
+            </a:r>
+            <a:r>
+              <a:rPr lang="en-US" sz="2400" dirty="0" err="1">
+                <a:solidFill>
+                  <a:srgbClr val="002060"/>
+                </a:solidFill>
+              </a:rPr>
+              <a:t>residente</a:t>
+            </a:r>
+            <a:r>
+              <a:rPr lang="en-US" sz="2400" dirty="0">
+                <a:solidFill>
+                  <a:srgbClr val="002060"/>
+                </a:solidFill>
+              </a:rPr>
+              <a:t> 50 volte </a:t>
+            </a:r>
+            <a:r>
+              <a:rPr lang="en-US" sz="2400" dirty="0" err="1">
+                <a:solidFill>
+                  <a:srgbClr val="002060"/>
+                </a:solidFill>
+              </a:rPr>
+              <a:t>ogni</a:t>
+            </a:r>
+            <a:r>
+              <a:rPr lang="en-US" sz="2400" dirty="0">
+                <a:solidFill>
+                  <a:srgbClr val="002060"/>
+                </a:solidFill>
+              </a:rPr>
+              <a:t> secondo;</a:t>
+            </a:r>
+          </a:p>
+          <a:p>
+            <a:pPr marL="342900" indent="-342900" algn="just">
+              <a:buFont typeface="Arial" panose="020B0604020202020204" pitchFamily="34" charset="0"/>
+              <a:buChar char="•"/>
+            </a:pPr>
+            <a:r>
+              <a:rPr lang="en-US" sz="2400" dirty="0">
+                <a:solidFill>
+                  <a:srgbClr val="002060"/>
+                </a:solidFill>
+              </a:rPr>
+              <a:t>Il </a:t>
+            </a:r>
+            <a:r>
+              <a:rPr lang="en-US" sz="2400" dirty="0" err="1">
+                <a:solidFill>
+                  <a:srgbClr val="002060"/>
+                </a:solidFill>
+              </a:rPr>
+              <a:t>sensore</a:t>
+            </a:r>
+            <a:r>
+              <a:rPr lang="en-US" sz="2400" dirty="0">
+                <a:solidFill>
+                  <a:srgbClr val="002060"/>
+                </a:solidFill>
+              </a:rPr>
+              <a:t> </a:t>
+            </a:r>
+            <a:r>
+              <a:rPr lang="en-US" sz="2400" dirty="0" err="1">
+                <a:solidFill>
+                  <a:srgbClr val="002060"/>
+                </a:solidFill>
+              </a:rPr>
+              <a:t>dei</a:t>
+            </a:r>
+            <a:r>
+              <a:rPr lang="en-US" sz="2400" dirty="0">
+                <a:solidFill>
+                  <a:srgbClr val="002060"/>
+                </a:solidFill>
+              </a:rPr>
+              <a:t> </a:t>
+            </a:r>
+            <a:r>
+              <a:rPr lang="en-US" sz="2400" dirty="0" err="1">
+                <a:solidFill>
+                  <a:srgbClr val="002060"/>
+                </a:solidFill>
+              </a:rPr>
+              <a:t>battiti</a:t>
+            </a:r>
+            <a:r>
+              <a:rPr lang="en-US" sz="2400" dirty="0">
+                <a:solidFill>
+                  <a:srgbClr val="002060"/>
+                </a:solidFill>
+              </a:rPr>
+              <a:t> </a:t>
+            </a:r>
+            <a:r>
+              <a:rPr lang="en-US" sz="2400" dirty="0" err="1">
+                <a:solidFill>
+                  <a:srgbClr val="002060"/>
+                </a:solidFill>
+              </a:rPr>
+              <a:t>cardiaci</a:t>
+            </a:r>
+            <a:r>
+              <a:rPr lang="en-US" sz="2400" dirty="0">
+                <a:solidFill>
+                  <a:srgbClr val="002060"/>
+                </a:solidFill>
+              </a:rPr>
+              <a:t> </a:t>
+            </a:r>
+            <a:r>
+              <a:rPr lang="en-US" sz="2400" dirty="0" err="1">
+                <a:solidFill>
+                  <a:srgbClr val="002060"/>
+                </a:solidFill>
+              </a:rPr>
+              <a:t>montato</a:t>
+            </a:r>
+            <a:r>
+              <a:rPr lang="en-US" sz="2400" dirty="0">
+                <a:solidFill>
+                  <a:srgbClr val="002060"/>
+                </a:solidFill>
+              </a:rPr>
+              <a:t> </a:t>
+            </a:r>
+            <a:r>
+              <a:rPr lang="en-US" sz="2400" dirty="0" err="1">
+                <a:solidFill>
+                  <a:srgbClr val="002060"/>
+                </a:solidFill>
+              </a:rPr>
+              <a:t>nello</a:t>
+            </a:r>
+            <a:r>
+              <a:rPr lang="en-US" sz="2400" dirty="0">
+                <a:solidFill>
+                  <a:srgbClr val="002060"/>
+                </a:solidFill>
+              </a:rPr>
+              <a:t> smartwatch </a:t>
+            </a:r>
+            <a:r>
+              <a:rPr lang="en-US" sz="2400" dirty="0" err="1">
+                <a:solidFill>
+                  <a:srgbClr val="002060"/>
+                </a:solidFill>
+              </a:rPr>
+              <a:t>esegue</a:t>
+            </a:r>
+            <a:r>
+              <a:rPr lang="en-US" sz="2400" dirty="0">
+                <a:solidFill>
+                  <a:srgbClr val="002060"/>
+                </a:solidFill>
+              </a:rPr>
+              <a:t> 10 </a:t>
+            </a:r>
+            <a:r>
+              <a:rPr lang="en-US" sz="2400" dirty="0" err="1">
+                <a:solidFill>
+                  <a:srgbClr val="002060"/>
+                </a:solidFill>
+              </a:rPr>
+              <a:t>rilevazioni</a:t>
+            </a:r>
+            <a:r>
+              <a:rPr lang="en-US" sz="2400" dirty="0">
+                <a:solidFill>
+                  <a:srgbClr val="002060"/>
+                </a:solidFill>
+              </a:rPr>
+              <a:t> al secondo;</a:t>
+            </a:r>
+          </a:p>
+          <a:p>
+            <a:pPr marL="342900" indent="-342900" algn="just">
+              <a:buFont typeface="Arial" panose="020B0604020202020204" pitchFamily="34" charset="0"/>
+              <a:buChar char="•"/>
+            </a:pPr>
+            <a:r>
+              <a:rPr lang="en-US" sz="2400" dirty="0">
+                <a:solidFill>
+                  <a:srgbClr val="002060"/>
+                </a:solidFill>
+              </a:rPr>
+              <a:t>Il </a:t>
+            </a:r>
+            <a:r>
+              <a:rPr lang="en-US" sz="2400" dirty="0" err="1">
+                <a:solidFill>
+                  <a:srgbClr val="002060"/>
+                </a:solidFill>
+              </a:rPr>
+              <a:t>sensore</a:t>
+            </a:r>
+            <a:r>
+              <a:rPr lang="en-US" sz="2400" dirty="0">
+                <a:solidFill>
+                  <a:srgbClr val="002060"/>
+                </a:solidFill>
+              </a:rPr>
+              <a:t> di </a:t>
+            </a:r>
+            <a:r>
+              <a:rPr lang="en-US" sz="2400" dirty="0" err="1">
+                <a:solidFill>
+                  <a:srgbClr val="002060"/>
+                </a:solidFill>
+              </a:rPr>
+              <a:t>temperatura</a:t>
+            </a:r>
+            <a:r>
+              <a:rPr lang="en-US" sz="2400" dirty="0">
+                <a:solidFill>
+                  <a:srgbClr val="002060"/>
+                </a:solidFill>
+              </a:rPr>
+              <a:t> </a:t>
+            </a:r>
+            <a:r>
+              <a:rPr lang="en-US" sz="2400" dirty="0" err="1">
+                <a:solidFill>
+                  <a:srgbClr val="002060"/>
+                </a:solidFill>
+              </a:rPr>
+              <a:t>montato</a:t>
+            </a:r>
+            <a:r>
+              <a:rPr lang="en-US" sz="2400" dirty="0">
+                <a:solidFill>
+                  <a:srgbClr val="002060"/>
+                </a:solidFill>
+              </a:rPr>
+              <a:t> </a:t>
+            </a:r>
+            <a:r>
+              <a:rPr lang="en-US" sz="2400" dirty="0" err="1">
+                <a:solidFill>
+                  <a:srgbClr val="002060"/>
+                </a:solidFill>
+              </a:rPr>
+              <a:t>nello</a:t>
+            </a:r>
+            <a:r>
+              <a:rPr lang="en-US" sz="2400" dirty="0">
+                <a:solidFill>
+                  <a:srgbClr val="002060"/>
+                </a:solidFill>
+              </a:rPr>
+              <a:t> smartwatch </a:t>
+            </a:r>
+            <a:r>
+              <a:rPr lang="en-US" sz="2400" dirty="0" err="1">
+                <a:solidFill>
+                  <a:srgbClr val="002060"/>
+                </a:solidFill>
+              </a:rPr>
+              <a:t>esegue</a:t>
             </a:r>
             <a:r>
               <a:rPr lang="en-US" sz="2400" dirty="0">
@@ -7043,23 +8721,7 @@
                   <a:srgbClr val="002060"/>
                 </a:solidFill>
               </a:rPr>
-              <a:t>copia</a:t>
-            </a:r>
-            <a:r>
-              <a:rPr lang="en-US" sz="2400" dirty="0">
-                <a:solidFill>
-                  <a:srgbClr val="002060"/>
-                </a:solidFill>
-              </a:rPr>
-              <a:t> locale </a:t>
-            </a:r>
-            <a:r>
-              <a:rPr lang="en-US" sz="2400" dirty="0" err="1">
-                <a:solidFill>
-                  <a:srgbClr val="002060"/>
-                </a:solidFill>
-              </a:rPr>
-              <a:t>della</a:t>
+              <a:t>rilevazione</a:t>
             </a:r>
             <a:r>
               <a:rPr lang="en-US" sz="2400" dirty="0">
@@ -7070,23 +8732,15 @@
               <a:t> </a:t>
             </a:r>
             <a:r>
-              <a:rPr lang="en-US" sz="2400" b="1" i="1" dirty="0">
-                <a:solidFill>
-                  <a:srgbClr val="002060"/>
-                </a:solidFill>
-              </a:rPr>
-              <a:t>Base </a:t>
-            </a:r>
-            <a:r>
-              <a:rPr lang="en-US" sz="2400" b="1" i="1" dirty="0" err="1">
-                <a:solidFill>
-                  <a:srgbClr val="002060"/>
-                </a:solidFill>
-              </a:rPr>
-              <a:t>Dati</a:t>
-            </a:r>
-            <a:r>
-              <a:rPr lang="en-US" sz="2400" b="1" i="1" dirty="0">
+              <a:rPr lang="en-US" sz="2400" dirty="0" err="1">
+                <a:solidFill>
+                  <a:srgbClr val="002060"/>
+                </a:solidFill>
+              </a:rPr>
+              <a:t>ogni</a:t>
+            </a:r>
+            <a:r>
+              <a:rPr lang="en-US" sz="2400" dirty="0">
                 <a:solidFill>
                   <a:srgbClr val="002060"/>
                 </a:solidFill>
@@ -7094,92 +8748,12 @@
               <a:t> </a:t>
             </a:r>
             <a:r>
-              <a:rPr lang="en-US" sz="2400" b="1" i="1" dirty="0" err="1">
-                <a:solidFill>
-                  <a:srgbClr val="002060"/>
-                </a:solidFill>
-              </a:rPr>
-              <a:t>Residenti</a:t>
-            </a:r>
-            <a:r>
-              <a:rPr lang="en-US" sz="2400" dirty="0">
-                <a:solidFill>
-                  <a:srgbClr val="002060"/>
-                </a:solidFill>
-              </a:rPr>
-              <a:t>, ma </a:t>
-            </a:r>
-            <a:r>
-              <a:rPr lang="en-US" sz="2400" dirty="0" err="1">
-                <a:solidFill>
-                  <a:srgbClr val="002060"/>
-                </a:solidFill>
-              </a:rPr>
-              <a:t>viene</a:t>
-            </a:r>
-            <a:r>
-              <a:rPr lang="en-US" sz="2400" dirty="0">
-                <a:solidFill>
-                  <a:srgbClr val="002060"/>
-                </a:solidFill>
-              </a:rPr>
-              <a:t> </a:t>
-            </a:r>
-            <a:r>
-              <a:rPr lang="en-US" sz="2400" dirty="0" err="1">
-                <a:solidFill>
-                  <a:srgbClr val="002060"/>
-                </a:solidFill>
-              </a:rPr>
-              <a:t>contattata</a:t>
-            </a:r>
-            <a:r>
-              <a:rPr lang="en-US" sz="2400" dirty="0">
-                <a:solidFill>
-                  <a:srgbClr val="002060"/>
-                </a:solidFill>
-              </a:rPr>
-              <a:t> </a:t>
-            </a:r>
-            <a:r>
-              <a:rPr lang="en-US" sz="2400" dirty="0" err="1">
-                <a:solidFill>
-                  <a:srgbClr val="002060"/>
-                </a:solidFill>
-              </a:rPr>
-              <a:t>direttamente</a:t>
-            </a:r>
-            <a:r>
-              <a:rPr lang="en-US" sz="2400" dirty="0">
-                <a:solidFill>
-                  <a:srgbClr val="002060"/>
-                </a:solidFill>
-              </a:rPr>
-              <a:t> in </a:t>
-            </a:r>
-            <a:r>
-              <a:rPr lang="en-US" sz="2400" dirty="0" err="1">
-                <a:solidFill>
-                  <a:srgbClr val="002060"/>
-                </a:solidFill>
-              </a:rPr>
-              <a:t>caso</a:t>
-            </a:r>
-            <a:r>
-              <a:rPr lang="en-US" sz="2400" dirty="0">
-                <a:solidFill>
-                  <a:srgbClr val="002060"/>
-                </a:solidFill>
-              </a:rPr>
-              <a:t> di </a:t>
-            </a:r>
-            <a:r>
-              <a:rPr lang="en-US" sz="2400" dirty="0" err="1">
-                <a:solidFill>
-                  <a:srgbClr val="002060"/>
-                </a:solidFill>
-              </a:rPr>
-              <a:t>necessità</a:t>
+              <a:rPr lang="en-US" sz="2400" dirty="0" err="1">
+                <a:solidFill>
+                  <a:srgbClr val="002060"/>
+                </a:solidFill>
+              </a:rPr>
+              <a:t>minuto</a:t>
             </a:r>
             <a:r>
               <a:rPr lang="en-US" sz="2400" dirty="0">
@@ -7201,12 +8775,23 @@
               </a:solidFill>
             </a:endParaRPr>
           </a:p>
+          <a:p>
+            <a:pPr marL="342900" indent="-342900" algn="just">
+              <a:buFont typeface="Arial" panose="020B0604020202020204" pitchFamily="34" charset="0"/>
+              <a:buChar char="•"/>
+            </a:pPr>
+            <a:endParaRPr lang="en-US" sz="2400" dirty="0">
+              <a:solidFill>
+                <a:srgbClr val="002060"/>
+              </a:solidFill>
+            </a:endParaRPr>
+          </a:p>
         </p:txBody>
       </p:sp>
     </p:spTree>
     <p:extLst>
       <p:ext uri="{BB962C8B-B14F-4D97-AF65-F5344CB8AC3E}">
-        <p14:creationId xmlns:p14="http://schemas.microsoft.com/office/powerpoint/2010/main" val="989982279"/>
+        <p14:creationId xmlns:p14="http://schemas.microsoft.com/office/powerpoint/2010/main" val="1806286190"/>
       </p:ext>
     </p:extLst>
   </p:cSld>
@@ -7306,8 +8891,8 @@
         </p:nvSpPr>
         <p:spPr>
           <a:xfrm>
-            <a:off x="1091639" y="1659285"/>
-            <a:ext cx="7823505" cy="769441"/>
+            <a:off x="986138" y="2998550"/>
+            <a:ext cx="10219721" cy="1938992"/>
           </a:xfrm>
           <a:prstGeom prst="rect">
             <a:avLst/>
@@ -7315,14 +8900,14 @@
           <a:noFill/>
         </p:spPr>
         <p:txBody>
-          <a:bodyPr wrap="square" rtlCol="0">
+          <a:bodyPr wrap="square" rtlCol="0" anchor="ctr">
             <a:spAutoFit/>
           </a:bodyPr>
           <a:lstStyle/>
           <a:p>
-            <a:pPr algn="just"/>
-            <a:r>
-              <a:rPr lang="en-US" sz="4400" dirty="0" err="1">
+            <a:pPr algn="ctr"/>
+            <a:r>
+              <a:rPr lang="en-US" sz="6000" i="1" dirty="0">
                 <a:ln w="0"/>
                 <a:solidFill>
                   <a:srgbClr val="002060"/>
@@ -7335,10 +8920,13 @@
                   </a:outerShdw>
                 </a:effectLst>
               </a:rPr>
-              <a:t>Assunzioni</a:t>
-            </a:r>
-            <a:r>
-              <a:rPr lang="en-US" sz="4400" dirty="0">
+              <a:t>Problem</a:t>
+            </a:r>
+          </a:p>
+          <a:p>
+            <a:pPr algn="ctr"/>
+            <a:r>
+              <a:rPr lang="en-US" sz="6000" i="1" dirty="0">
                 <a:ln w="0"/>
                 <a:solidFill>
                   <a:srgbClr val="002060"/>
@@ -7351,9 +8939,9 @@
                   </a:outerShdw>
                 </a:effectLst>
               </a:rPr>
-              <a:t> – Smartwatch</a:t>
-            </a:r>
-            <a:endParaRPr lang="it-IT" sz="4400" i="1" dirty="0">
+              <a:t>Architecture</a:t>
+            </a:r>
+            <a:endParaRPr lang="it-IT" sz="6000" i="1" dirty="0">
               <a:ln w="0"/>
               <a:solidFill>
                 <a:srgbClr val="002060"/>
@@ -7474,945 +9062,10 @@
           </a:extLst>
         </p:spPr>
       </p:pic>
-      <p:sp>
-        <p:nvSpPr>
-          <p:cNvPr id="8" name="CasellaDiTesto 12">
-            <a:extLst>
-              <a:ext uri="{FF2B5EF4-FFF2-40B4-BE49-F238E27FC236}">
-                <a16:creationId xmlns:a16="http://schemas.microsoft.com/office/drawing/2014/main" id="{D22649C2-92CC-4428-9494-99EEF3B37735}"/>
-              </a:ext>
-            </a:extLst>
-          </p:cNvPr>
-          <p:cNvSpPr txBox="1"/>
-          <p:nvPr/>
-        </p:nvSpPr>
-        <p:spPr>
-          <a:xfrm>
-            <a:off x="1066800" y="2428726"/>
-            <a:ext cx="10058400" cy="4893647"/>
-          </a:xfrm>
-          <a:prstGeom prst="rect">
-            <a:avLst/>
-          </a:prstGeom>
-          <a:noFill/>
-        </p:spPr>
-        <p:txBody>
-          <a:bodyPr wrap="square" rtlCol="0">
-            <a:spAutoFit/>
-          </a:bodyPr>
-          <a:lstStyle/>
-          <a:p>
-            <a:pPr marL="342900" indent="-342900" algn="just">
-              <a:buFont typeface="Arial" panose="020B0604020202020204" pitchFamily="34" charset="0"/>
-              <a:buChar char="•"/>
-            </a:pPr>
-            <a:r>
-              <a:rPr lang="en-US" sz="2400" dirty="0" err="1">
-                <a:solidFill>
-                  <a:srgbClr val="002060"/>
-                </a:solidFill>
-              </a:rPr>
-              <a:t>L’evento</a:t>
-            </a:r>
-            <a:r>
-              <a:rPr lang="en-US" sz="2400" dirty="0">
-                <a:solidFill>
-                  <a:srgbClr val="002060"/>
-                </a:solidFill>
-              </a:rPr>
-              <a:t> </a:t>
-            </a:r>
-            <a:r>
-              <a:rPr lang="en-US" sz="2400" dirty="0" err="1">
-                <a:solidFill>
-                  <a:srgbClr val="002060"/>
-                </a:solidFill>
-              </a:rPr>
-              <a:t>relativo</a:t>
-            </a:r>
-            <a:r>
-              <a:rPr lang="en-US" sz="2400" dirty="0">
-                <a:solidFill>
-                  <a:srgbClr val="002060"/>
-                </a:solidFill>
-              </a:rPr>
-              <a:t> </a:t>
-            </a:r>
-            <a:r>
-              <a:rPr lang="en-US" sz="2400" dirty="0" err="1">
-                <a:solidFill>
-                  <a:srgbClr val="002060"/>
-                </a:solidFill>
-              </a:rPr>
-              <a:t>alla</a:t>
-            </a:r>
-            <a:r>
-              <a:rPr lang="en-US" sz="2400" dirty="0">
-                <a:solidFill>
-                  <a:srgbClr val="002060"/>
-                </a:solidFill>
-              </a:rPr>
-              <a:t> </a:t>
-            </a:r>
-            <a:r>
-              <a:rPr lang="en-US" sz="2400" dirty="0" err="1">
-                <a:solidFill>
-                  <a:srgbClr val="002060"/>
-                </a:solidFill>
-              </a:rPr>
-              <a:t>rimozione</a:t>
-            </a:r>
-            <a:r>
-              <a:rPr lang="en-US" sz="2400" dirty="0">
-                <a:solidFill>
-                  <a:srgbClr val="002060"/>
-                </a:solidFill>
-              </a:rPr>
-              <a:t> </a:t>
-            </a:r>
-            <a:r>
-              <a:rPr lang="en-US" sz="2400" dirty="0" err="1">
-                <a:solidFill>
-                  <a:srgbClr val="002060"/>
-                </a:solidFill>
-              </a:rPr>
-              <a:t>dello</a:t>
-            </a:r>
-            <a:r>
-              <a:rPr lang="en-US" sz="2400" dirty="0">
-                <a:solidFill>
-                  <a:srgbClr val="002060"/>
-                </a:solidFill>
-              </a:rPr>
-              <a:t> smartwatch è </a:t>
-            </a:r>
-            <a:r>
-              <a:rPr lang="en-US" sz="2400" dirty="0" err="1">
-                <a:solidFill>
-                  <a:srgbClr val="002060"/>
-                </a:solidFill>
-              </a:rPr>
-              <a:t>considerata</a:t>
-            </a:r>
-            <a:r>
-              <a:rPr lang="en-US" sz="2400" dirty="0">
-                <a:solidFill>
-                  <a:srgbClr val="002060"/>
-                </a:solidFill>
-              </a:rPr>
-              <a:t> </a:t>
-            </a:r>
-            <a:r>
-              <a:rPr lang="en-US" sz="2400" dirty="0" err="1">
-                <a:solidFill>
-                  <a:srgbClr val="002060"/>
-                </a:solidFill>
-              </a:rPr>
-              <a:t>una</a:t>
-            </a:r>
-            <a:r>
-              <a:rPr lang="en-US" sz="2400" dirty="0">
-                <a:solidFill>
-                  <a:srgbClr val="002060"/>
-                </a:solidFill>
-              </a:rPr>
-              <a:t> </a:t>
-            </a:r>
-            <a:r>
-              <a:rPr lang="en-US" sz="2400" dirty="0" err="1">
-                <a:solidFill>
-                  <a:srgbClr val="002060"/>
-                </a:solidFill>
-              </a:rPr>
-              <a:t>anomalia</a:t>
-            </a:r>
-            <a:r>
-              <a:rPr lang="en-US" sz="2400" dirty="0">
-                <a:solidFill>
-                  <a:srgbClr val="002060"/>
-                </a:solidFill>
-              </a:rPr>
-              <a:t>;</a:t>
-            </a:r>
-          </a:p>
-          <a:p>
-            <a:pPr marL="342900" indent="-342900" algn="just">
-              <a:buFont typeface="Arial" panose="020B0604020202020204" pitchFamily="34" charset="0"/>
-              <a:buChar char="•"/>
-            </a:pPr>
-            <a:r>
-              <a:rPr lang="en-US" sz="2400" dirty="0" err="1">
-                <a:solidFill>
-                  <a:srgbClr val="002060"/>
-                </a:solidFill>
-              </a:rPr>
-              <a:t>L’evento</a:t>
-            </a:r>
-            <a:r>
-              <a:rPr lang="en-US" sz="2400" dirty="0">
-                <a:solidFill>
-                  <a:srgbClr val="002060"/>
-                </a:solidFill>
-              </a:rPr>
-              <a:t> </a:t>
-            </a:r>
-            <a:r>
-              <a:rPr lang="en-US" sz="2400" dirty="0" err="1">
-                <a:solidFill>
-                  <a:srgbClr val="002060"/>
-                </a:solidFill>
-              </a:rPr>
-              <a:t>relativo</a:t>
-            </a:r>
-            <a:r>
-              <a:rPr lang="en-US" sz="2400" dirty="0">
-                <a:solidFill>
-                  <a:srgbClr val="002060"/>
-                </a:solidFill>
-              </a:rPr>
-              <a:t> </a:t>
-            </a:r>
-            <a:r>
-              <a:rPr lang="en-US" sz="2400" dirty="0" err="1">
-                <a:solidFill>
-                  <a:srgbClr val="002060"/>
-                </a:solidFill>
-              </a:rPr>
-              <a:t>alla</a:t>
-            </a:r>
-            <a:r>
-              <a:rPr lang="en-US" sz="2400" dirty="0">
-                <a:solidFill>
-                  <a:srgbClr val="002060"/>
-                </a:solidFill>
-              </a:rPr>
-              <a:t> </a:t>
-            </a:r>
-            <a:r>
-              <a:rPr lang="en-US" sz="2400" dirty="0" err="1">
-                <a:solidFill>
-                  <a:srgbClr val="002060"/>
-                </a:solidFill>
-              </a:rPr>
-              <a:t>scaricamento</a:t>
-            </a:r>
-            <a:r>
-              <a:rPr lang="en-US" sz="2400" dirty="0">
-                <a:solidFill>
-                  <a:srgbClr val="002060"/>
-                </a:solidFill>
-              </a:rPr>
-              <a:t> </a:t>
-            </a:r>
-            <a:r>
-              <a:rPr lang="en-US" sz="2400" dirty="0" err="1">
-                <a:solidFill>
-                  <a:srgbClr val="002060"/>
-                </a:solidFill>
-              </a:rPr>
-              <a:t>dello</a:t>
-            </a:r>
-            <a:r>
-              <a:rPr lang="en-US" sz="2400" dirty="0">
-                <a:solidFill>
-                  <a:srgbClr val="002060"/>
-                </a:solidFill>
-              </a:rPr>
-              <a:t> smartwatch </a:t>
-            </a:r>
-            <a:r>
-              <a:rPr lang="en-US" sz="2400" dirty="0" err="1">
-                <a:solidFill>
-                  <a:srgbClr val="002060"/>
-                </a:solidFill>
-              </a:rPr>
-              <a:t>viene</a:t>
-            </a:r>
-            <a:r>
-              <a:rPr lang="en-US" sz="2400" dirty="0">
-                <a:solidFill>
-                  <a:srgbClr val="002060"/>
-                </a:solidFill>
-              </a:rPr>
-              <a:t> </a:t>
-            </a:r>
-            <a:r>
-              <a:rPr lang="en-US" sz="2400" dirty="0" err="1">
-                <a:solidFill>
-                  <a:srgbClr val="002060"/>
-                </a:solidFill>
-              </a:rPr>
-              <a:t>gestito</a:t>
-            </a:r>
-            <a:r>
-              <a:rPr lang="en-US" sz="2400" dirty="0">
-                <a:solidFill>
-                  <a:srgbClr val="002060"/>
-                </a:solidFill>
-              </a:rPr>
-              <a:t> </a:t>
-            </a:r>
-            <a:r>
-              <a:rPr lang="en-US" sz="2400" dirty="0" err="1">
-                <a:solidFill>
-                  <a:srgbClr val="002060"/>
-                </a:solidFill>
-              </a:rPr>
-              <a:t>allo</a:t>
-            </a:r>
-            <a:r>
-              <a:rPr lang="en-US" sz="2400" dirty="0">
-                <a:solidFill>
-                  <a:srgbClr val="002060"/>
-                </a:solidFill>
-              </a:rPr>
-              <a:t> </a:t>
-            </a:r>
-            <a:r>
-              <a:rPr lang="en-US" sz="2400" dirty="0" err="1">
-                <a:solidFill>
-                  <a:srgbClr val="002060"/>
-                </a:solidFill>
-              </a:rPr>
-              <a:t>stesso</a:t>
-            </a:r>
-            <a:r>
-              <a:rPr lang="en-US" sz="2400" dirty="0">
-                <a:solidFill>
-                  <a:srgbClr val="002060"/>
-                </a:solidFill>
-              </a:rPr>
-              <a:t> modo </a:t>
-            </a:r>
-            <a:r>
-              <a:rPr lang="en-US" sz="2400" dirty="0" err="1">
-                <a:solidFill>
-                  <a:srgbClr val="002060"/>
-                </a:solidFill>
-              </a:rPr>
-              <a:t>dell’evento</a:t>
-            </a:r>
-            <a:r>
-              <a:rPr lang="en-US" sz="2400" dirty="0">
-                <a:solidFill>
-                  <a:srgbClr val="002060"/>
-                </a:solidFill>
-              </a:rPr>
-              <a:t> </a:t>
-            </a:r>
-            <a:r>
-              <a:rPr lang="en-US" sz="2400" dirty="0" err="1">
-                <a:solidFill>
-                  <a:srgbClr val="002060"/>
-                </a:solidFill>
-              </a:rPr>
-              <a:t>relativo</a:t>
-            </a:r>
-            <a:r>
-              <a:rPr lang="en-US" sz="2400" dirty="0">
-                <a:solidFill>
-                  <a:srgbClr val="002060"/>
-                </a:solidFill>
-              </a:rPr>
-              <a:t> </a:t>
-            </a:r>
-            <a:r>
-              <a:rPr lang="en-US" sz="2400" dirty="0" err="1">
-                <a:solidFill>
-                  <a:srgbClr val="002060"/>
-                </a:solidFill>
-              </a:rPr>
-              <a:t>alla</a:t>
-            </a:r>
-            <a:r>
-              <a:rPr lang="en-US" sz="2400" dirty="0">
-                <a:solidFill>
-                  <a:srgbClr val="002060"/>
-                </a:solidFill>
-              </a:rPr>
-              <a:t> </a:t>
-            </a:r>
-            <a:r>
-              <a:rPr lang="en-US" sz="2400" dirty="0" err="1">
-                <a:solidFill>
-                  <a:srgbClr val="002060"/>
-                </a:solidFill>
-              </a:rPr>
-              <a:t>sua</a:t>
-            </a:r>
-            <a:r>
-              <a:rPr lang="en-US" sz="2400" dirty="0">
-                <a:solidFill>
-                  <a:srgbClr val="002060"/>
-                </a:solidFill>
-              </a:rPr>
-              <a:t> </a:t>
-            </a:r>
-            <a:r>
-              <a:rPr lang="en-US" sz="2400" dirty="0" err="1">
-                <a:solidFill>
-                  <a:srgbClr val="002060"/>
-                </a:solidFill>
-              </a:rPr>
-              <a:t>rimozione</a:t>
-            </a:r>
-            <a:r>
-              <a:rPr lang="en-US" sz="2400" dirty="0">
-                <a:solidFill>
-                  <a:srgbClr val="002060"/>
-                </a:solidFill>
-              </a:rPr>
-              <a:t> dal </a:t>
-            </a:r>
-            <a:r>
-              <a:rPr lang="en-US" sz="2400" dirty="0" err="1">
-                <a:solidFill>
-                  <a:srgbClr val="002060"/>
-                </a:solidFill>
-              </a:rPr>
-              <a:t>polso</a:t>
-            </a:r>
-            <a:r>
-              <a:rPr lang="en-US" sz="2400" dirty="0">
-                <a:solidFill>
-                  <a:srgbClr val="002060"/>
-                </a:solidFill>
-              </a:rPr>
-              <a:t>;</a:t>
-            </a:r>
-          </a:p>
-          <a:p>
-            <a:pPr marL="342900" indent="-342900" algn="just">
-              <a:buFont typeface="Arial" panose="020B0604020202020204" pitchFamily="34" charset="0"/>
-              <a:buChar char="•"/>
-            </a:pPr>
-            <a:r>
-              <a:rPr lang="en-US" sz="2400" dirty="0">
-                <a:solidFill>
-                  <a:srgbClr val="002060"/>
-                </a:solidFill>
-              </a:rPr>
-              <a:t>Le </a:t>
-            </a:r>
-            <a:r>
-              <a:rPr lang="en-US" sz="2400" dirty="0" err="1">
-                <a:solidFill>
-                  <a:srgbClr val="002060"/>
-                </a:solidFill>
-              </a:rPr>
-              <a:t>anomalie</a:t>
-            </a:r>
-            <a:r>
-              <a:rPr lang="en-US" sz="2400" dirty="0">
-                <a:solidFill>
-                  <a:srgbClr val="002060"/>
-                </a:solidFill>
-              </a:rPr>
-              <a:t>, come le </a:t>
-            </a:r>
-            <a:r>
-              <a:rPr lang="en-US" sz="2400" dirty="0" err="1">
-                <a:solidFill>
-                  <a:srgbClr val="002060"/>
-                </a:solidFill>
-              </a:rPr>
-              <a:t>emergenze</a:t>
-            </a:r>
-            <a:r>
-              <a:rPr lang="en-US" sz="2400" dirty="0">
-                <a:solidFill>
-                  <a:srgbClr val="002060"/>
-                </a:solidFill>
-              </a:rPr>
-              <a:t>, </a:t>
-            </a:r>
-            <a:r>
-              <a:rPr lang="en-US" sz="2400" dirty="0" err="1">
-                <a:solidFill>
-                  <a:srgbClr val="002060"/>
-                </a:solidFill>
-              </a:rPr>
-              <a:t>saranno</a:t>
-            </a:r>
-            <a:r>
-              <a:rPr lang="en-US" sz="2400" dirty="0">
-                <a:solidFill>
-                  <a:srgbClr val="002060"/>
-                </a:solidFill>
-              </a:rPr>
-              <a:t> </a:t>
-            </a:r>
-            <a:r>
-              <a:rPr lang="en-US" sz="2400" dirty="0" err="1">
-                <a:solidFill>
-                  <a:srgbClr val="002060"/>
-                </a:solidFill>
-              </a:rPr>
-              <a:t>notificate</a:t>
-            </a:r>
-            <a:r>
-              <a:rPr lang="en-US" sz="2400" dirty="0">
-                <a:solidFill>
-                  <a:srgbClr val="002060"/>
-                </a:solidFill>
-              </a:rPr>
-              <a:t> al caretaker;</a:t>
-            </a:r>
-          </a:p>
-          <a:p>
-            <a:pPr marL="342900" indent="-342900" algn="just">
-              <a:buFont typeface="Arial" panose="020B0604020202020204" pitchFamily="34" charset="0"/>
-              <a:buChar char="•"/>
-            </a:pPr>
-            <a:r>
-              <a:rPr lang="en-US" sz="2400" dirty="0">
-                <a:solidFill>
-                  <a:srgbClr val="002060"/>
-                </a:solidFill>
-              </a:rPr>
-              <a:t>Il </a:t>
-            </a:r>
-            <a:r>
-              <a:rPr lang="en-US" sz="2400" dirty="0" err="1">
-                <a:solidFill>
-                  <a:srgbClr val="002060"/>
-                </a:solidFill>
-              </a:rPr>
-              <a:t>sensore</a:t>
-            </a:r>
-            <a:r>
-              <a:rPr lang="en-US" sz="2400" dirty="0">
-                <a:solidFill>
-                  <a:srgbClr val="002060"/>
-                </a:solidFill>
-              </a:rPr>
-              <a:t> di </a:t>
-            </a:r>
-            <a:r>
-              <a:rPr lang="en-US" sz="2400" dirty="0" err="1">
-                <a:solidFill>
-                  <a:srgbClr val="002060"/>
-                </a:solidFill>
-              </a:rPr>
-              <a:t>accellerazione</a:t>
-            </a:r>
-            <a:r>
-              <a:rPr lang="en-US" sz="2400" dirty="0">
-                <a:solidFill>
-                  <a:srgbClr val="002060"/>
-                </a:solidFill>
-              </a:rPr>
-              <a:t> </a:t>
-            </a:r>
-            <a:r>
-              <a:rPr lang="en-US" sz="2400" dirty="0" err="1">
-                <a:solidFill>
-                  <a:srgbClr val="002060"/>
-                </a:solidFill>
-              </a:rPr>
-              <a:t>montato</a:t>
-            </a:r>
-            <a:r>
-              <a:rPr lang="en-US" sz="2400" dirty="0">
-                <a:solidFill>
-                  <a:srgbClr val="002060"/>
-                </a:solidFill>
-              </a:rPr>
-              <a:t> </a:t>
-            </a:r>
-            <a:r>
-              <a:rPr lang="en-US" sz="2400" dirty="0" err="1">
-                <a:solidFill>
-                  <a:srgbClr val="002060"/>
-                </a:solidFill>
-              </a:rPr>
-              <a:t>nello</a:t>
-            </a:r>
-            <a:r>
-              <a:rPr lang="en-US" sz="2400" dirty="0">
-                <a:solidFill>
-                  <a:srgbClr val="002060"/>
-                </a:solidFill>
-              </a:rPr>
-              <a:t> smartwatch </a:t>
-            </a:r>
-            <a:r>
-              <a:rPr lang="en-US" sz="2400" dirty="0" err="1">
-                <a:solidFill>
-                  <a:srgbClr val="002060"/>
-                </a:solidFill>
-              </a:rPr>
-              <a:t>rileva</a:t>
-            </a:r>
-            <a:r>
-              <a:rPr lang="en-US" sz="2400" dirty="0">
-                <a:solidFill>
-                  <a:srgbClr val="002060"/>
-                </a:solidFill>
-              </a:rPr>
-              <a:t> la </a:t>
-            </a:r>
-            <a:r>
-              <a:rPr lang="en-US" sz="2400" dirty="0" err="1">
-                <a:solidFill>
-                  <a:srgbClr val="002060"/>
-                </a:solidFill>
-              </a:rPr>
-              <a:t>posizione</a:t>
-            </a:r>
-            <a:r>
-              <a:rPr lang="en-US" sz="2400" dirty="0">
-                <a:solidFill>
-                  <a:srgbClr val="002060"/>
-                </a:solidFill>
-              </a:rPr>
-              <a:t> del </a:t>
-            </a:r>
-            <a:r>
-              <a:rPr lang="en-US" sz="2400" dirty="0" err="1">
-                <a:solidFill>
-                  <a:srgbClr val="002060"/>
-                </a:solidFill>
-              </a:rPr>
-              <a:t>residente</a:t>
-            </a:r>
-            <a:r>
-              <a:rPr lang="en-US" sz="2400" dirty="0">
-                <a:solidFill>
-                  <a:srgbClr val="002060"/>
-                </a:solidFill>
-              </a:rPr>
-              <a:t> 50 volte </a:t>
-            </a:r>
-            <a:r>
-              <a:rPr lang="en-US" sz="2400" dirty="0" err="1">
-                <a:solidFill>
-                  <a:srgbClr val="002060"/>
-                </a:solidFill>
-              </a:rPr>
-              <a:t>ogni</a:t>
-            </a:r>
-            <a:r>
-              <a:rPr lang="en-US" sz="2400" dirty="0">
-                <a:solidFill>
-                  <a:srgbClr val="002060"/>
-                </a:solidFill>
-              </a:rPr>
-              <a:t> secondo;</a:t>
-            </a:r>
-          </a:p>
-          <a:p>
-            <a:pPr marL="342900" indent="-342900" algn="just">
-              <a:buFont typeface="Arial" panose="020B0604020202020204" pitchFamily="34" charset="0"/>
-              <a:buChar char="•"/>
-            </a:pPr>
-            <a:r>
-              <a:rPr lang="en-US" sz="2400" dirty="0">
-                <a:solidFill>
-                  <a:srgbClr val="002060"/>
-                </a:solidFill>
-              </a:rPr>
-              <a:t>Il </a:t>
-            </a:r>
-            <a:r>
-              <a:rPr lang="en-US" sz="2400" dirty="0" err="1">
-                <a:solidFill>
-                  <a:srgbClr val="002060"/>
-                </a:solidFill>
-              </a:rPr>
-              <a:t>sensore</a:t>
-            </a:r>
-            <a:r>
-              <a:rPr lang="en-US" sz="2400" dirty="0">
-                <a:solidFill>
-                  <a:srgbClr val="002060"/>
-                </a:solidFill>
-              </a:rPr>
-              <a:t> </a:t>
-            </a:r>
-            <a:r>
-              <a:rPr lang="en-US" sz="2400" dirty="0" err="1">
-                <a:solidFill>
-                  <a:srgbClr val="002060"/>
-                </a:solidFill>
-              </a:rPr>
-              <a:t>dei</a:t>
-            </a:r>
-            <a:r>
-              <a:rPr lang="en-US" sz="2400" dirty="0">
-                <a:solidFill>
-                  <a:srgbClr val="002060"/>
-                </a:solidFill>
-              </a:rPr>
-              <a:t> </a:t>
-            </a:r>
-            <a:r>
-              <a:rPr lang="en-US" sz="2400" dirty="0" err="1">
-                <a:solidFill>
-                  <a:srgbClr val="002060"/>
-                </a:solidFill>
-              </a:rPr>
-              <a:t>battiti</a:t>
-            </a:r>
-            <a:r>
-              <a:rPr lang="en-US" sz="2400" dirty="0">
-                <a:solidFill>
-                  <a:srgbClr val="002060"/>
-                </a:solidFill>
-              </a:rPr>
-              <a:t> </a:t>
-            </a:r>
-            <a:r>
-              <a:rPr lang="en-US" sz="2400" dirty="0" err="1">
-                <a:solidFill>
-                  <a:srgbClr val="002060"/>
-                </a:solidFill>
-              </a:rPr>
-              <a:t>cardiaci</a:t>
-            </a:r>
-            <a:r>
-              <a:rPr lang="en-US" sz="2400" dirty="0">
-                <a:solidFill>
-                  <a:srgbClr val="002060"/>
-                </a:solidFill>
-              </a:rPr>
-              <a:t> </a:t>
-            </a:r>
-            <a:r>
-              <a:rPr lang="en-US" sz="2400" dirty="0" err="1">
-                <a:solidFill>
-                  <a:srgbClr val="002060"/>
-                </a:solidFill>
-              </a:rPr>
-              <a:t>montato</a:t>
-            </a:r>
-            <a:r>
-              <a:rPr lang="en-US" sz="2400" dirty="0">
-                <a:solidFill>
-                  <a:srgbClr val="002060"/>
-                </a:solidFill>
-              </a:rPr>
-              <a:t> </a:t>
-            </a:r>
-            <a:r>
-              <a:rPr lang="en-US" sz="2400" dirty="0" err="1">
-                <a:solidFill>
-                  <a:srgbClr val="002060"/>
-                </a:solidFill>
-              </a:rPr>
-              <a:t>nello</a:t>
-            </a:r>
-            <a:r>
-              <a:rPr lang="en-US" sz="2400" dirty="0">
-                <a:solidFill>
-                  <a:srgbClr val="002060"/>
-                </a:solidFill>
-              </a:rPr>
-              <a:t> smartwatch </a:t>
-            </a:r>
-            <a:r>
-              <a:rPr lang="en-US" sz="2400" dirty="0" err="1">
-                <a:solidFill>
-                  <a:srgbClr val="002060"/>
-                </a:solidFill>
-              </a:rPr>
-              <a:t>esegue</a:t>
-            </a:r>
-            <a:r>
-              <a:rPr lang="en-US" sz="2400" dirty="0">
-                <a:solidFill>
-                  <a:srgbClr val="002060"/>
-                </a:solidFill>
-              </a:rPr>
-              <a:t> una </a:t>
-            </a:r>
-            <a:r>
-              <a:rPr lang="en-US" sz="2400" dirty="0" err="1">
-                <a:solidFill>
-                  <a:srgbClr val="002060"/>
-                </a:solidFill>
-              </a:rPr>
-              <a:t>rilevazione</a:t>
-            </a:r>
-            <a:r>
-              <a:rPr lang="en-US" sz="2400" dirty="0">
-                <a:solidFill>
-                  <a:srgbClr val="002060"/>
-                </a:solidFill>
-              </a:rPr>
-              <a:t> al secondo;</a:t>
-            </a:r>
-          </a:p>
-          <a:p>
-            <a:pPr marL="342900" indent="-342900" algn="just">
-              <a:buFont typeface="Arial" panose="020B0604020202020204" pitchFamily="34" charset="0"/>
-              <a:buChar char="•"/>
-            </a:pPr>
-            <a:r>
-              <a:rPr lang="en-US" sz="2400" dirty="0">
-                <a:solidFill>
-                  <a:srgbClr val="002060"/>
-                </a:solidFill>
-              </a:rPr>
-              <a:t>Il </a:t>
-            </a:r>
-            <a:r>
-              <a:rPr lang="en-US" sz="2400" dirty="0" err="1">
-                <a:solidFill>
-                  <a:srgbClr val="002060"/>
-                </a:solidFill>
-              </a:rPr>
-              <a:t>sensore</a:t>
-            </a:r>
-            <a:r>
-              <a:rPr lang="en-US" sz="2400" dirty="0">
-                <a:solidFill>
-                  <a:srgbClr val="002060"/>
-                </a:solidFill>
-              </a:rPr>
-              <a:t> di </a:t>
-            </a:r>
-            <a:r>
-              <a:rPr lang="en-US" sz="2400" dirty="0" err="1">
-                <a:solidFill>
-                  <a:srgbClr val="002060"/>
-                </a:solidFill>
-              </a:rPr>
-              <a:t>temperatura</a:t>
-            </a:r>
-            <a:r>
-              <a:rPr lang="en-US" sz="2400" dirty="0">
-                <a:solidFill>
-                  <a:srgbClr val="002060"/>
-                </a:solidFill>
-              </a:rPr>
-              <a:t> </a:t>
-            </a:r>
-            <a:r>
-              <a:rPr lang="en-US" sz="2400" dirty="0" err="1">
-                <a:solidFill>
-                  <a:srgbClr val="002060"/>
-                </a:solidFill>
-              </a:rPr>
-              <a:t>montato</a:t>
-            </a:r>
-            <a:r>
-              <a:rPr lang="en-US" sz="2400" dirty="0">
-                <a:solidFill>
-                  <a:srgbClr val="002060"/>
-                </a:solidFill>
-              </a:rPr>
-              <a:t> </a:t>
-            </a:r>
-            <a:r>
-              <a:rPr lang="en-US" sz="2400" dirty="0" err="1">
-                <a:solidFill>
-                  <a:srgbClr val="002060"/>
-                </a:solidFill>
-              </a:rPr>
-              <a:t>nello</a:t>
-            </a:r>
-            <a:r>
-              <a:rPr lang="en-US" sz="2400" dirty="0">
-                <a:solidFill>
-                  <a:srgbClr val="002060"/>
-                </a:solidFill>
-              </a:rPr>
-              <a:t> smartwatch </a:t>
-            </a:r>
-            <a:r>
-              <a:rPr lang="en-US" sz="2400" dirty="0" err="1">
-                <a:solidFill>
-                  <a:srgbClr val="002060"/>
-                </a:solidFill>
-              </a:rPr>
-              <a:t>esegue</a:t>
-            </a:r>
-            <a:r>
-              <a:rPr lang="en-US" sz="2400" dirty="0">
-                <a:solidFill>
-                  <a:srgbClr val="002060"/>
-                </a:solidFill>
-              </a:rPr>
-              <a:t> una </a:t>
-            </a:r>
-            <a:r>
-              <a:rPr lang="en-US" sz="2400" dirty="0" err="1">
-                <a:solidFill>
-                  <a:srgbClr val="002060"/>
-                </a:solidFill>
-              </a:rPr>
-              <a:t>rilevazione</a:t>
-            </a:r>
-            <a:r>
-              <a:rPr lang="en-US" sz="2400" dirty="0">
-                <a:solidFill>
-                  <a:srgbClr val="002060"/>
-                </a:solidFill>
-              </a:rPr>
-              <a:t> </a:t>
-            </a:r>
-            <a:r>
-              <a:rPr lang="en-US" sz="2400" dirty="0" err="1">
-                <a:solidFill>
-                  <a:srgbClr val="002060"/>
-                </a:solidFill>
-              </a:rPr>
-              <a:t>ogni</a:t>
-            </a:r>
-            <a:r>
-              <a:rPr lang="en-US" sz="2400" dirty="0">
-                <a:solidFill>
-                  <a:srgbClr val="002060"/>
-                </a:solidFill>
-              </a:rPr>
-              <a:t> </a:t>
-            </a:r>
-            <a:r>
-              <a:rPr lang="en-US" sz="2400" dirty="0" err="1">
-                <a:solidFill>
-                  <a:srgbClr val="002060"/>
-                </a:solidFill>
-              </a:rPr>
-              <a:t>minuto</a:t>
-            </a:r>
-            <a:r>
-              <a:rPr lang="en-US" sz="2400" dirty="0">
-                <a:solidFill>
-                  <a:srgbClr val="002060"/>
-                </a:solidFill>
-              </a:rPr>
-              <a:t>;</a:t>
-            </a:r>
-          </a:p>
-          <a:p>
-            <a:pPr marL="342900" indent="-342900" algn="just">
-              <a:buFont typeface="Arial" panose="020B0604020202020204" pitchFamily="34" charset="0"/>
-              <a:buChar char="•"/>
-            </a:pPr>
-            <a:endParaRPr lang="en-US" sz="2400" dirty="0">
-              <a:solidFill>
-                <a:srgbClr val="002060"/>
-              </a:solidFill>
-            </a:endParaRPr>
-          </a:p>
-          <a:p>
-            <a:pPr marL="342900" indent="-342900" algn="just">
-              <a:buFont typeface="Arial" panose="020B0604020202020204" pitchFamily="34" charset="0"/>
-              <a:buChar char="•"/>
-            </a:pPr>
-            <a:endParaRPr lang="en-US" sz="2400" dirty="0">
-              <a:solidFill>
-                <a:srgbClr val="002060"/>
-              </a:solidFill>
-            </a:endParaRPr>
-          </a:p>
-        </p:txBody>
-      </p:sp>
     </p:spTree>
     <p:extLst>
       <p:ext uri="{BB962C8B-B14F-4D97-AF65-F5344CB8AC3E}">
-        <p14:creationId xmlns:p14="http://schemas.microsoft.com/office/powerpoint/2010/main" val="1806286190"/>
+        <p14:creationId xmlns:p14="http://schemas.microsoft.com/office/powerpoint/2010/main" val="1743659190"/>
       </p:ext>
     </p:extLst>
   </p:cSld>
@@ -8484,13 +9137,13 @@
         </p:nvPicPr>
         <p:blipFill rotWithShape="1">
           <a:blip r:embed="rId2"/>
-          <a:srcRect l="5289" t="10969" r="1423" b="12551"/>
+          <a:srcRect l="5289" t="10969" r="40176" b="12551"/>
           <a:stretch/>
         </p:blipFill>
         <p:spPr>
           <a:xfrm>
-            <a:off x="1066800" y="136525"/>
-            <a:ext cx="10058400" cy="1295266"/>
+            <a:off x="215979" y="231353"/>
+            <a:ext cx="5880021" cy="1295266"/>
           </a:xfrm>
           <a:prstGeom prst="rect">
             <a:avLst/>
@@ -8511,8 +9164,8 @@
         </p:nvSpPr>
         <p:spPr>
           <a:xfrm>
-            <a:off x="2413592" y="677393"/>
-            <a:ext cx="3754361" cy="584775"/>
+            <a:off x="1562771" y="772221"/>
+            <a:ext cx="4533229" cy="584775"/>
           </a:xfrm>
           <a:prstGeom prst="rect">
             <a:avLst/>
@@ -8546,7 +9199,7 @@
           <a:p>
             <a:r>
               <a:rPr lang="en-US" sz="3200" dirty="0" err="1"/>
-              <a:t>Linguaggi</a:t>
+              <a:t>Diagramma</a:t>
             </a:r>
             <a:r>
               <a:rPr lang="en-US" sz="3200" dirty="0"/>
@@ -8554,7 +9207,23 @@
             </a:r>
             <a:r>
               <a:rPr lang="en-US" sz="3200" dirty="0" err="1"/>
-              <a:t>Confrontati</a:t>
+              <a:t>dei</a:t>
+            </a:r>
+            <a:r>
+              <a:rPr lang="en-US" sz="3200" dirty="0"/>
+              <a:t> </a:t>
+            </a:r>
+            <a:r>
+              <a:rPr lang="en-US" sz="3200" dirty="0" err="1"/>
+              <a:t>Casi</a:t>
+            </a:r>
+            <a:r>
+              <a:rPr lang="en-US" sz="3200" dirty="0"/>
+              <a:t> </a:t>
+            </a:r>
+            <a:r>
+              <a:rPr lang="en-US" sz="3200" dirty="0" err="1"/>
+              <a:t>d’Uso</a:t>
             </a:r>
             <a:endParaRPr lang="it-IT" sz="3200" i="1" dirty="0"/>
           </a:p>
@@ -8589,7 +9258,7 @@
         </p:blipFill>
         <p:spPr bwMode="auto">
           <a:xfrm>
-            <a:off x="1066800" y="160156"/>
+            <a:off x="215979" y="254984"/>
             <a:ext cx="1346792" cy="1331078"/>
           </a:xfrm>
           <a:prstGeom prst="rect">
@@ -8612,7 +9281,7 @@
           <p:cNvPr id="3" name="Picture 2" descr="Diagram&#10;&#10;Description automatically generated">
             <a:extLst>
               <a:ext uri="{FF2B5EF4-FFF2-40B4-BE49-F238E27FC236}">
-                <a16:creationId xmlns:a16="http://schemas.microsoft.com/office/drawing/2014/main" id="{6348D6E9-2103-69DD-8909-D06418A71D4D}"/>
+                <a16:creationId xmlns:a16="http://schemas.microsoft.com/office/drawing/2014/main" id="{DEA66F45-DBE1-EE60-EF4D-616BA38E420B}"/>
               </a:ext>
             </a:extLst>
           </p:cNvPr>
@@ -8635,12 +9304,17 @@
         </p:blipFill>
         <p:spPr>
           <a:xfrm>
-            <a:off x="2413592" y="1578112"/>
-            <a:ext cx="8143640" cy="4960800"/>
+            <a:off x="6472402" y="254984"/>
+            <a:ext cx="5277853" cy="6283928"/>
           </a:xfrm>
           <a:prstGeom prst="rect">
             <a:avLst/>
           </a:prstGeom>
+          <a:ln>
+            <a:solidFill>
+              <a:schemeClr val="tx1"/>
+            </a:solidFill>
+          </a:ln>
         </p:spPr>
       </p:pic>
     </p:spTree>
@@ -8698,75 +9372,476 @@
               <a:rPr lang="it-IT" smtClean="0"/>
               <a:t>8</a:t>
             </a:fld>
-            <a:endParaRPr lang="it-IT" dirty="0"/>
+            <a:endParaRPr lang="it-IT"/>
           </a:p>
         </p:txBody>
       </p:sp>
-      <p:sp>
-        <p:nvSpPr>
-          <p:cNvPr id="7" name="Rectangle 9">
-            <a:extLst>
-              <a:ext uri="{FF2B5EF4-FFF2-40B4-BE49-F238E27FC236}">
-                <a16:creationId xmlns:a16="http://schemas.microsoft.com/office/drawing/2014/main" id="{CF7B5ACB-35EA-4058-827D-167D3165D90F}"/>
-              </a:ext>
-            </a:extLst>
-          </p:cNvPr>
-          <p:cNvSpPr/>
+      <p:pic>
+        <p:nvPicPr>
+          <p:cNvPr id="6" name="Immagine 5">
+            <a:extLst>
+              <a:ext uri="{FF2B5EF4-FFF2-40B4-BE49-F238E27FC236}">
+                <a16:creationId xmlns:a16="http://schemas.microsoft.com/office/drawing/2014/main" id="{64DD2710-C925-4AEB-B772-6D532D848EB4}"/>
+              </a:ext>
+            </a:extLst>
+          </p:cNvPr>
+          <p:cNvPicPr>
+            <a:picLocks noChangeAspect="1"/>
+          </p:cNvPicPr>
           <p:nvPr/>
-        </p:nvSpPr>
+        </p:nvPicPr>
+        <p:blipFill rotWithShape="1">
+          <a:blip r:embed="rId2"/>
+          <a:srcRect l="5289" t="10969" r="54792" b="12551"/>
+          <a:stretch/>
+        </p:blipFill>
         <p:spPr>
           <a:xfrm>
-            <a:off x="1743075" y="1751617"/>
-            <a:ext cx="8705850" cy="3354765"/>
+            <a:off x="215980" y="231353"/>
+            <a:ext cx="4304076" cy="1295266"/>
           </a:xfrm>
           <a:prstGeom prst="rect">
             <a:avLst/>
           </a:prstGeom>
         </p:spPr>
+      </p:pic>
+      <p:sp>
+        <p:nvSpPr>
+          <p:cNvPr id="8" name="CasellaDiTesto 7">
+            <a:extLst>
+              <a:ext uri="{FF2B5EF4-FFF2-40B4-BE49-F238E27FC236}">
+                <a16:creationId xmlns:a16="http://schemas.microsoft.com/office/drawing/2014/main" id="{3E0E40B7-DD25-4779-A260-DCF2A62C4B41}"/>
+              </a:ext>
+            </a:extLst>
+          </p:cNvPr>
+          <p:cNvSpPr txBox="1"/>
+          <p:nvPr/>
+        </p:nvSpPr>
+        <p:spPr>
+          <a:xfrm>
+            <a:off x="1562771" y="772221"/>
+            <a:ext cx="2957284" cy="584775"/>
+          </a:xfrm>
+          <a:prstGeom prst="rect">
+            <a:avLst/>
+          </a:prstGeom>
+          <a:noFill/>
+        </p:spPr>
         <p:txBody>
-          <a:bodyPr wrap="square">
+          <a:bodyPr wrap="none" rtlCol="0">
+            <a:spAutoFit/>
+          </a:bodyPr>
+          <a:lstStyle>
+            <a:defPPr>
+              <a:defRPr lang="it-IT"/>
+            </a:defPPr>
+            <a:lvl1pPr>
+              <a:defRPr sz="4800">
+                <a:ln w="0"/>
+                <a:solidFill>
+                  <a:srgbClr val="002060"/>
+                </a:solidFill>
+                <a:effectLst>
+                  <a:outerShdw blurRad="38100" dist="25400" dir="5400000" algn="ctr" rotWithShape="0">
+                    <a:srgbClr val="6E747A">
+                      <a:alpha val="43000"/>
+                    </a:srgbClr>
+                  </a:outerShdw>
+                </a:effectLst>
+              </a:defRPr>
+            </a:lvl1pPr>
+          </a:lstStyle>
+          <a:p>
+            <a:r>
+              <a:rPr lang="en-US" sz="3200" dirty="0" err="1"/>
+              <a:t>Modello</a:t>
+            </a:r>
+            <a:r>
+              <a:rPr lang="en-US" sz="3200" dirty="0"/>
+              <a:t> </a:t>
+            </a:r>
+            <a:r>
+              <a:rPr lang="en-US" sz="3200" dirty="0" err="1"/>
+              <a:t>dei</a:t>
+            </a:r>
+            <a:r>
+              <a:rPr lang="en-US" sz="3200" dirty="0"/>
+              <a:t> </a:t>
+            </a:r>
+            <a:r>
+              <a:rPr lang="en-US" sz="3200" dirty="0" err="1"/>
+              <a:t>Dati</a:t>
+            </a:r>
+            <a:endParaRPr lang="it-IT" sz="3200" i="1" dirty="0"/>
+          </a:p>
+        </p:txBody>
+      </p:sp>
+      <p:pic>
+        <p:nvPicPr>
+          <p:cNvPr id="9" name="Picture 2" descr="Università degli Studi di Milano-Bicocca - Wikipedia">
+            <a:extLst>
+              <a:ext uri="{FF2B5EF4-FFF2-40B4-BE49-F238E27FC236}">
+                <a16:creationId xmlns:a16="http://schemas.microsoft.com/office/drawing/2014/main" id="{9D1896BC-6EF3-43D9-B8A2-217137CA9550}"/>
+              </a:ext>
+            </a:extLst>
+          </p:cNvPr>
+          <p:cNvPicPr>
+            <a:picLocks noChangeAspect="1" noChangeArrowheads="1"/>
+          </p:cNvPicPr>
+          <p:nvPr/>
+        </p:nvPicPr>
+        <p:blipFill>
+          <a:blip r:embed="rId3">
+            <a:extLst>
+              <a:ext uri="{28A0092B-C50C-407E-A947-70E740481C1C}">
+                <a14:useLocalDpi xmlns:a14="http://schemas.microsoft.com/office/drawing/2010/main" val="0"/>
+              </a:ext>
+            </a:extLst>
+          </a:blip>
+          <a:srcRect/>
+          <a:stretch>
+            <a:fillRect/>
+          </a:stretch>
+        </p:blipFill>
+        <p:spPr bwMode="auto">
+          <a:xfrm>
+            <a:off x="215979" y="254984"/>
+            <a:ext cx="1346792" cy="1331078"/>
+          </a:xfrm>
+          <a:prstGeom prst="rect">
+            <a:avLst/>
+          </a:prstGeom>
+          <a:noFill/>
+          <a:extLst>
+            <a:ext uri="{909E8E84-426E-40DD-AFC4-6F175D3DCCD1}">
+              <a14:hiddenFill xmlns:a14="http://schemas.microsoft.com/office/drawing/2010/main">
+                <a:solidFill>
+                  <a:srgbClr val="FFFFFF"/>
+                </a:solidFill>
+              </a14:hiddenFill>
+            </a:ext>
+          </a:extLst>
+        </p:spPr>
+      </p:pic>
+      <p:pic>
+        <p:nvPicPr>
+          <p:cNvPr id="5" name="Picture 4" descr="Graphical user interface&#10;&#10;Description automatically generated">
+            <a:extLst>
+              <a:ext uri="{FF2B5EF4-FFF2-40B4-BE49-F238E27FC236}">
+                <a16:creationId xmlns:a16="http://schemas.microsoft.com/office/drawing/2014/main" id="{E517A267-AE05-BDCA-0C16-D26DA74719F2}"/>
+              </a:ext>
+            </a:extLst>
+          </p:cNvPr>
+          <p:cNvPicPr>
+            <a:picLocks noChangeAspect="1"/>
+          </p:cNvPicPr>
+          <p:nvPr/>
+        </p:nvPicPr>
+        <p:blipFill>
+          <a:blip r:embed="rId4">
+            <a:extLst>
+              <a:ext uri="{28A0092B-C50C-407E-A947-70E740481C1C}">
+                <a14:useLocalDpi xmlns:a14="http://schemas.microsoft.com/office/drawing/2010/main" val="0"/>
+              </a:ext>
+            </a:extLst>
+          </a:blip>
+          <a:stretch>
+            <a:fillRect/>
+          </a:stretch>
+        </p:blipFill>
+        <p:spPr>
+          <a:xfrm>
+            <a:off x="4748726" y="784255"/>
+            <a:ext cx="7227294" cy="5289490"/>
+          </a:xfrm>
+          <a:prstGeom prst="rect">
+            <a:avLst/>
+          </a:prstGeom>
+          <a:ln>
+            <a:solidFill>
+              <a:schemeClr val="tx1"/>
+            </a:solidFill>
+          </a:ln>
+        </p:spPr>
+      </p:pic>
+    </p:spTree>
+    <p:extLst>
+      <p:ext uri="{BB962C8B-B14F-4D97-AF65-F5344CB8AC3E}">
+        <p14:creationId xmlns:p14="http://schemas.microsoft.com/office/powerpoint/2010/main" val="2438069434"/>
+      </p:ext>
+    </p:extLst>
+  </p:cSld>
+  <p:clrMapOvr>
+    <a:masterClrMapping/>
+  </p:clrMapOvr>
+</p:sld>
+</file>
+
+<file path=ppt/slides/slide9.xml><?xml version="1.0" encoding="utf-8"?>
+<p:sld xmlns:a="http://schemas.openxmlformats.org/drawingml/2006/main" xmlns:r="http://schemas.openxmlformats.org/officeDocument/2006/relationships" xmlns:p="http://schemas.openxmlformats.org/presentationml/2006/main">
+  <p:cSld>
+    <p:spTree>
+      <p:nvGrpSpPr>
+        <p:cNvPr id="1" name=""/>
+        <p:cNvGrpSpPr/>
+        <p:nvPr/>
+      </p:nvGrpSpPr>
+      <p:grpSpPr>
+        <a:xfrm>
+          <a:off x="0" y="0"/>
+          <a:ext cx="0" cy="0"/>
+          <a:chOff x="0" y="0"/>
+          <a:chExt cx="0" cy="0"/>
+        </a:xfrm>
+      </p:grpSpPr>
+      <p:sp>
+        <p:nvSpPr>
+          <p:cNvPr id="4" name="Segnaposto numero diapositiva 3">
+            <a:extLst>
+              <a:ext uri="{FF2B5EF4-FFF2-40B4-BE49-F238E27FC236}">
+                <a16:creationId xmlns:a16="http://schemas.microsoft.com/office/drawing/2014/main" id="{01EF95BD-3374-46E4-AC9E-7E535268BB89}"/>
+              </a:ext>
+            </a:extLst>
+          </p:cNvPr>
+          <p:cNvSpPr>
+            <a:spLocks noGrp="1"/>
+          </p:cNvSpPr>
+          <p:nvPr>
+            <p:ph type="sldNum" sz="quarter" idx="12"/>
+          </p:nvPr>
+        </p:nvSpPr>
+        <p:spPr/>
+        <p:txBody>
+          <a:bodyPr/>
+          <a:lstStyle/>
+          <a:p>
+            <a:fld id="{AFB85319-5DF8-4B17-9881-6D5B2C7AB305}" type="slidenum">
+              <a:rPr lang="it-IT" sz="1400" smtClean="0"/>
+              <a:t>9</a:t>
+            </a:fld>
+            <a:endParaRPr lang="it-IT" sz="1400"/>
+          </a:p>
+        </p:txBody>
+      </p:sp>
+      <p:pic>
+        <p:nvPicPr>
+          <p:cNvPr id="10" name="Immagine 9">
+            <a:extLst>
+              <a:ext uri="{FF2B5EF4-FFF2-40B4-BE49-F238E27FC236}">
+                <a16:creationId xmlns:a16="http://schemas.microsoft.com/office/drawing/2014/main" id="{9D081748-0EA2-46D5-9276-91E6FA0B2E4D}"/>
+              </a:ext>
+            </a:extLst>
+          </p:cNvPr>
+          <p:cNvPicPr>
+            <a:picLocks noChangeAspect="1"/>
+          </p:cNvPicPr>
+          <p:nvPr/>
+        </p:nvPicPr>
+        <p:blipFill>
+          <a:blip r:embed="rId2"/>
+          <a:stretch>
+            <a:fillRect/>
+          </a:stretch>
+        </p:blipFill>
+        <p:spPr>
+          <a:xfrm>
+            <a:off x="1066800" y="136525"/>
+            <a:ext cx="10058400" cy="1443217"/>
+          </a:xfrm>
+          <a:prstGeom prst="rect">
+            <a:avLst/>
+          </a:prstGeom>
+        </p:spPr>
+      </p:pic>
+      <p:sp>
+        <p:nvSpPr>
+          <p:cNvPr id="12" name="CasellaDiTesto 11">
+            <a:extLst>
+              <a:ext uri="{FF2B5EF4-FFF2-40B4-BE49-F238E27FC236}">
+                <a16:creationId xmlns:a16="http://schemas.microsoft.com/office/drawing/2014/main" id="{FDD3222E-C016-4B80-A6D4-5A00B95E1DCE}"/>
+              </a:ext>
+            </a:extLst>
+          </p:cNvPr>
+          <p:cNvSpPr txBox="1"/>
+          <p:nvPr/>
+        </p:nvSpPr>
+        <p:spPr>
+          <a:xfrm>
+            <a:off x="986138" y="3090882"/>
+            <a:ext cx="10219721" cy="1754326"/>
+          </a:xfrm>
+          <a:prstGeom prst="rect">
+            <a:avLst/>
+          </a:prstGeom>
+          <a:noFill/>
+        </p:spPr>
+        <p:txBody>
+          <a:bodyPr wrap="square" rtlCol="0" anchor="ctr">
             <a:spAutoFit/>
           </a:bodyPr>
           <a:lstStyle/>
           <a:p>
             <a:pPr algn="ctr"/>
             <a:r>
-              <a:rPr lang="it-IT" sz="9600" dirty="0">
-                <a:solidFill>
-                  <a:srgbClr val="002060"/>
-                </a:solidFill>
-              </a:rPr>
-              <a:t>GRAZIE PER </a:t>
+              <a:rPr lang="en-US" sz="6000" i="1" dirty="0">
+                <a:ln w="0"/>
+                <a:solidFill>
+                  <a:srgbClr val="002060"/>
+                </a:solidFill>
+                <a:effectLst>
+                  <a:outerShdw blurRad="38100" dist="25400" dir="5400000" algn="ctr" rotWithShape="0">
+                    <a:srgbClr val="6E747A">
+                      <a:alpha val="43000"/>
+                    </a:srgbClr>
+                  </a:outerShdw>
+                </a:effectLst>
+              </a:rPr>
+              <a:t>Problem Architecture</a:t>
             </a:r>
           </a:p>
           <a:p>
             <a:pPr algn="ctr"/>
             <a:r>
-              <a:rPr lang="it-IT" sz="9600" dirty="0">
-                <a:solidFill>
-                  <a:srgbClr val="002060"/>
-                </a:solidFill>
-              </a:rPr>
-              <a:t>L’ATTENZIONE</a:t>
-            </a:r>
-          </a:p>
-          <a:p>
-            <a:pPr marL="342900" indent="-342900" algn="just">
-              <a:buFont typeface="Arial" panose="020B0604020202020204" pitchFamily="34" charset="0"/>
-              <a:buChar char="•"/>
-            </a:pPr>
-            <a:endParaRPr lang="it-IT" sz="2000" i="1" dirty="0">
+              <a:rPr lang="en-US" sz="4800" i="1" dirty="0">
+                <a:ln w="0"/>
+                <a:solidFill>
+                  <a:srgbClr val="002060"/>
+                </a:solidFill>
+                <a:effectLst>
+                  <a:outerShdw blurRad="38100" dist="25400" dir="5400000" algn="ctr" rotWithShape="0">
+                    <a:srgbClr val="6E747A">
+                      <a:alpha val="43000"/>
+                    </a:srgbClr>
+                  </a:outerShdw>
+                </a:effectLst>
+              </a:rPr>
+              <a:t>Activity Diagrams</a:t>
+            </a:r>
+            <a:endParaRPr lang="it-IT" sz="4800" i="1" dirty="0">
+              <a:ln w="0"/>
               <a:solidFill>
                 <a:srgbClr val="002060"/>
               </a:solidFill>
+              <a:effectLst>
+                <a:outerShdw blurRad="38100" dist="25400" dir="5400000" algn="ctr" rotWithShape="0">
+                  <a:srgbClr val="6E747A">
+                    <a:alpha val="43000"/>
+                  </a:srgbClr>
+                </a:outerShdw>
+              </a:effectLst>
             </a:endParaRPr>
           </a:p>
         </p:txBody>
       </p:sp>
+      <p:sp>
+        <p:nvSpPr>
+          <p:cNvPr id="14" name="CasellaDiTesto 13">
+            <a:extLst>
+              <a:ext uri="{FF2B5EF4-FFF2-40B4-BE49-F238E27FC236}">
+                <a16:creationId xmlns:a16="http://schemas.microsoft.com/office/drawing/2014/main" id="{A2C744A5-CEC3-4801-BA86-D842271B74C0}"/>
+              </a:ext>
+            </a:extLst>
+          </p:cNvPr>
+          <p:cNvSpPr txBox="1"/>
+          <p:nvPr/>
+        </p:nvSpPr>
+        <p:spPr>
+          <a:xfrm>
+            <a:off x="4029075" y="872406"/>
+            <a:ext cx="4133849" cy="369332"/>
+          </a:xfrm>
+          <a:prstGeom prst="rect">
+            <a:avLst/>
+          </a:prstGeom>
+          <a:solidFill>
+            <a:schemeClr val="bg1"/>
+          </a:solidFill>
+        </p:spPr>
+        <p:txBody>
+          <a:bodyPr wrap="square" rtlCol="0">
+            <a:spAutoFit/>
+          </a:bodyPr>
+          <a:lstStyle/>
+          <a:p>
+            <a:pPr algn="ctr"/>
+            <a:r>
+              <a:rPr lang="en-US" b="1" dirty="0">
+                <a:solidFill>
+                  <a:srgbClr val="800000"/>
+                </a:solidFill>
+              </a:rPr>
+              <a:t>Anno </a:t>
+            </a:r>
+            <a:r>
+              <a:rPr lang="it-IT" b="1" dirty="0">
+                <a:solidFill>
+                  <a:srgbClr val="800000"/>
+                </a:solidFill>
+              </a:rPr>
+              <a:t>Accademico</a:t>
+            </a:r>
+            <a:r>
+              <a:rPr lang="en-US" b="1" dirty="0">
+                <a:solidFill>
+                  <a:srgbClr val="800000"/>
+                </a:solidFill>
+              </a:rPr>
+              <a:t> 2022 – 2023</a:t>
+            </a:r>
+          </a:p>
+        </p:txBody>
+      </p:sp>
+      <p:pic>
+        <p:nvPicPr>
+          <p:cNvPr id="1026" name="Picture 2" descr="Università degli Studi di Milano-Bicocca - Wikipedia">
+            <a:extLst>
+              <a:ext uri="{FF2B5EF4-FFF2-40B4-BE49-F238E27FC236}">
+                <a16:creationId xmlns:a16="http://schemas.microsoft.com/office/drawing/2014/main" id="{E42B5CFD-381D-44CC-A7E7-17BBC1F14845}"/>
+              </a:ext>
+            </a:extLst>
+          </p:cNvPr>
+          <p:cNvPicPr>
+            <a:picLocks noChangeAspect="1" noChangeArrowheads="1"/>
+          </p:cNvPicPr>
+          <p:nvPr/>
+        </p:nvPicPr>
+        <p:blipFill>
+          <a:blip r:embed="rId3">
+            <a:extLst>
+              <a:ext uri="{28A0092B-C50C-407E-A947-70E740481C1C}">
+                <a14:useLocalDpi xmlns:a14="http://schemas.microsoft.com/office/drawing/2010/main" val="0"/>
+              </a:ext>
+            </a:extLst>
+          </a:blip>
+          <a:srcRect/>
+          <a:stretch>
+            <a:fillRect/>
+          </a:stretch>
+        </p:blipFill>
+        <p:spPr bwMode="auto">
+          <a:xfrm>
+            <a:off x="1066800" y="160156"/>
+            <a:ext cx="1390154" cy="1373934"/>
+          </a:xfrm>
+          <a:prstGeom prst="rect">
+            <a:avLst/>
+          </a:prstGeom>
+          <a:noFill/>
+          <a:extLst>
+            <a:ext uri="{909E8E84-426E-40DD-AFC4-6F175D3DCCD1}">
+              <a14:hiddenFill xmlns:a14="http://schemas.microsoft.com/office/drawing/2010/main">
+                <a:solidFill>
+                  <a:srgbClr val="FFFFFF"/>
+                </a:solidFill>
+              </a14:hiddenFill>
+            </a:ext>
+          </a:extLst>
+        </p:spPr>
+      </p:pic>
     </p:spTree>
     <p:extLst>
       <p:ext uri="{BB962C8B-B14F-4D97-AF65-F5344CB8AC3E}">
-        <p14:creationId xmlns:p14="http://schemas.microsoft.com/office/powerpoint/2010/main" val="603346053"/>
+        <p14:creationId xmlns:p14="http://schemas.microsoft.com/office/powerpoint/2010/main" val="540241923"/>
       </p:ext>
     </p:extLst>
   </p:cSld>

--- a/Progetto/Presentazione.pptx
+++ b/Progetto/Presentazione.pptx
@@ -5,7 +5,7 @@
     <p:sldMasterId id="2147483648" r:id="rId1"/>
   </p:sldMasterIdLst>
   <p:notesMasterIdLst>
-    <p:notesMasterId r:id="rId54"/>
+    <p:notesMasterId r:id="rId57"/>
   </p:notesMasterIdLst>
   <p:sldIdLst>
     <p:sldId id="256" r:id="rId2"/>
@@ -49,17 +49,20 @@
     <p:sldId id="313" r:id="rId40"/>
     <p:sldId id="314" r:id="rId41"/>
     <p:sldId id="315" r:id="rId42"/>
-    <p:sldId id="316" r:id="rId43"/>
-    <p:sldId id="317" r:id="rId44"/>
-    <p:sldId id="318" r:id="rId45"/>
-    <p:sldId id="319" r:id="rId46"/>
-    <p:sldId id="320" r:id="rId47"/>
-    <p:sldId id="321" r:id="rId48"/>
-    <p:sldId id="322" r:id="rId49"/>
-    <p:sldId id="323" r:id="rId50"/>
-    <p:sldId id="326" r:id="rId51"/>
-    <p:sldId id="328" r:id="rId52"/>
-    <p:sldId id="299" r:id="rId53"/>
+    <p:sldId id="346" r:id="rId43"/>
+    <p:sldId id="347" r:id="rId44"/>
+    <p:sldId id="317" r:id="rId45"/>
+    <p:sldId id="318" r:id="rId46"/>
+    <p:sldId id="319" r:id="rId47"/>
+    <p:sldId id="320" r:id="rId48"/>
+    <p:sldId id="321" r:id="rId49"/>
+    <p:sldId id="322" r:id="rId50"/>
+    <p:sldId id="323" r:id="rId51"/>
+    <p:sldId id="326" r:id="rId52"/>
+    <p:sldId id="328" r:id="rId53"/>
+    <p:sldId id="348" r:id="rId54"/>
+    <p:sldId id="349" r:id="rId55"/>
+    <p:sldId id="299" r:id="rId56"/>
   </p:sldIdLst>
   <p:sldSz cx="12192000" cy="6858000"/>
   <p:notesSz cx="6858000" cy="9144000"/>
@@ -1195,7 +1198,7 @@
           <a:p>
             <a:fld id="{B65E5A98-DA83-404B-AF61-44AE5342FB50}" type="datetimeFigureOut">
               <a:rPr lang="it-IT" smtClean="0"/>
-              <a:t>06/01/2023</a:t>
+              <a:t>08/01/2023</a:t>
             </a:fld>
             <a:endParaRPr lang="it-IT"/>
           </a:p>
@@ -1609,7 +1612,7 @@
           <a:p>
             <a:fld id="{9CD29C0B-695A-4D66-B8E9-5671F929A42B}" type="datetime1">
               <a:rPr lang="it-IT" smtClean="0"/>
-              <a:t>06/01/2023</a:t>
+              <a:t>08/01/2023</a:t>
             </a:fld>
             <a:endParaRPr lang="it-IT"/>
           </a:p>
@@ -1807,7 +1810,7 @@
           <a:p>
             <a:fld id="{AF0EC3E5-863F-4DFB-B3BC-1B55C7011BF9}" type="datetime1">
               <a:rPr lang="it-IT" smtClean="0"/>
-              <a:t>06/01/2023</a:t>
+              <a:t>08/01/2023</a:t>
             </a:fld>
             <a:endParaRPr lang="it-IT"/>
           </a:p>
@@ -2015,7 +2018,7 @@
           <a:p>
             <a:fld id="{DE4D602C-F8B6-42E8-BED7-016CDA0017F3}" type="datetime1">
               <a:rPr lang="it-IT" smtClean="0"/>
-              <a:t>06/01/2023</a:t>
+              <a:t>08/01/2023</a:t>
             </a:fld>
             <a:endParaRPr lang="it-IT"/>
           </a:p>
@@ -2213,7 +2216,7 @@
           <a:p>
             <a:fld id="{EDB10CE1-110C-4ED2-B55F-A302E1FD9F70}" type="datetime1">
               <a:rPr lang="it-IT" smtClean="0"/>
-              <a:t>06/01/2023</a:t>
+              <a:t>08/01/2023</a:t>
             </a:fld>
             <a:endParaRPr lang="it-IT"/>
           </a:p>
@@ -2488,7 +2491,7 @@
           <a:p>
             <a:fld id="{0F61B4B8-A1B7-42D4-A1E0-2645EDAC8BED}" type="datetime1">
               <a:rPr lang="it-IT" smtClean="0"/>
-              <a:t>06/01/2023</a:t>
+              <a:t>08/01/2023</a:t>
             </a:fld>
             <a:endParaRPr lang="it-IT"/>
           </a:p>
@@ -2753,7 +2756,7 @@
           <a:p>
             <a:fld id="{188DF4B9-859A-4780-A169-ED3A8349339B}" type="datetime1">
               <a:rPr lang="it-IT" smtClean="0"/>
-              <a:t>06/01/2023</a:t>
+              <a:t>08/01/2023</a:t>
             </a:fld>
             <a:endParaRPr lang="it-IT"/>
           </a:p>
@@ -3165,7 +3168,7 @@
           <a:p>
             <a:fld id="{24D45E2C-55DD-40A9-BF2D-48E7D2AB1ABA}" type="datetime1">
               <a:rPr lang="it-IT" smtClean="0"/>
-              <a:t>06/01/2023</a:t>
+              <a:t>08/01/2023</a:t>
             </a:fld>
             <a:endParaRPr lang="it-IT"/>
           </a:p>
@@ -3306,7 +3309,7 @@
           <a:p>
             <a:fld id="{DC20DFAC-47A9-47B0-8C05-A3316EEF3D0C}" type="datetime1">
               <a:rPr lang="it-IT" smtClean="0"/>
-              <a:t>06/01/2023</a:t>
+              <a:t>08/01/2023</a:t>
             </a:fld>
             <a:endParaRPr lang="it-IT"/>
           </a:p>
@@ -3419,7 +3422,7 @@
           <a:p>
             <a:fld id="{B48A923B-8423-475F-9DB1-11B37109C533}" type="datetime1">
               <a:rPr lang="it-IT" smtClean="0"/>
-              <a:t>06/01/2023</a:t>
+              <a:t>08/01/2023</a:t>
             </a:fld>
             <a:endParaRPr lang="it-IT"/>
           </a:p>
@@ -3730,7 +3733,7 @@
           <a:p>
             <a:fld id="{39A5E392-1A82-4114-9B1C-7507E099813A}" type="datetime1">
               <a:rPr lang="it-IT" smtClean="0"/>
-              <a:t>06/01/2023</a:t>
+              <a:t>08/01/2023</a:t>
             </a:fld>
             <a:endParaRPr lang="it-IT"/>
           </a:p>
@@ -4018,7 +4021,7 @@
           <a:p>
             <a:fld id="{3F1E08A9-9033-4FA7-A83A-B5FC89FF2B18}" type="datetime1">
               <a:rPr lang="it-IT" smtClean="0"/>
-              <a:t>06/01/2023</a:t>
+              <a:t>08/01/2023</a:t>
             </a:fld>
             <a:endParaRPr lang="it-IT"/>
           </a:p>
@@ -4259,7 +4262,7 @@
           <a:p>
             <a:fld id="{62F13085-FB8A-48A6-9A18-D32F849A60AC}" type="datetime1">
               <a:rPr lang="it-IT" smtClean="0"/>
-              <a:t>06/01/2023</a:t>
+              <a:t>08/01/2023</a:t>
             </a:fld>
             <a:endParaRPr lang="it-IT"/>
           </a:p>
@@ -11189,8 +11192,8 @@
           </a:extLst>
         </p:spPr>
       </p:pic>
-      <mc:AlternateContent xmlns:mc="http://schemas.openxmlformats.org/markup-compatibility/2006">
-        <mc:Choice xmlns:a14="http://schemas.microsoft.com/office/drawing/2010/main" Requires="a14">
+      <mc:AlternateContent xmlns:mc="http://schemas.openxmlformats.org/markup-compatibility/2006" xmlns:a14="http://schemas.microsoft.com/office/drawing/2010/main">
+        <mc:Choice Requires="a14">
           <p:sp>
             <p:nvSpPr>
               <p:cNvPr id="2" name="CasellaDiTesto 7">
@@ -11289,24 +11292,28 @@
                     <m:r>
                       <a:rPr lang="en-US" sz="2000">
                         <a:effectLst/>
+                        <a:latin typeface="Cambria Math" panose="02040503050406030204" pitchFamily="18" charset="0"/>
                       </a:rPr>
                       <m:t>1000 </m:t>
                     </m:r>
                     <m:r>
                       <a:rPr lang="en-US" sz="2000">
                         <a:effectLst/>
+                        <a:latin typeface="Cambria Math" panose="02040503050406030204" pitchFamily="18" charset="0"/>
                       </a:rPr>
                       <m:t>𝑠𝑒𝑐</m:t>
                     </m:r>
                     <m:r>
                       <a:rPr lang="en-US" sz="2000">
                         <a:effectLst/>
+                        <a:latin typeface="Cambria Math" panose="02040503050406030204" pitchFamily="18" charset="0"/>
                       </a:rPr>
                       <m:t>. ≅16,6 </m:t>
                     </m:r>
                     <m:r>
                       <a:rPr lang="en-US" sz="2000">
                         <a:effectLst/>
+                        <a:latin typeface="Cambria Math" panose="02040503050406030204" pitchFamily="18" charset="0"/>
                       </a:rPr>
                       <m:t>𝑚𝑖𝑛𝑢𝑡𝑖</m:t>
                     </m:r>
@@ -11322,7 +11329,7 @@
             </p:txBody>
           </p:sp>
         </mc:Choice>
-        <mc:Fallback>
+        <mc:Fallback xmlns="">
           <p:sp>
             <p:nvSpPr>
               <p:cNvPr id="2" name="CasellaDiTesto 7">
@@ -32533,6 +32540,534 @@
           </a:p>
         </p:txBody>
       </p:sp>
+      <p:sp>
+        <p:nvSpPr>
+          <p:cNvPr id="2" name="CasellaDiTesto 7">
+            <a:extLst>
+              <a:ext uri="{FF2B5EF4-FFF2-40B4-BE49-F238E27FC236}">
+                <a16:creationId xmlns:a16="http://schemas.microsoft.com/office/drawing/2014/main" id="{0D899BAC-63B0-5E74-C75C-4D3AE76A05BD}"/>
+              </a:ext>
+            </a:extLst>
+          </p:cNvPr>
+          <p:cNvSpPr txBox="1"/>
+          <p:nvPr/>
+        </p:nvSpPr>
+        <p:spPr>
+          <a:xfrm>
+            <a:off x="85035" y="1250225"/>
+            <a:ext cx="3717108" cy="5632311"/>
+          </a:xfrm>
+          <a:prstGeom prst="rect">
+            <a:avLst/>
+          </a:prstGeom>
+          <a:noFill/>
+        </p:spPr>
+        <p:txBody>
+          <a:bodyPr wrap="square" rtlCol="0">
+            <a:spAutoFit/>
+          </a:bodyPr>
+          <a:lstStyle>
+            <a:defPPr>
+              <a:defRPr lang="it-IT"/>
+            </a:defPPr>
+            <a:lvl1pPr>
+              <a:defRPr sz="4800">
+                <a:ln w="0"/>
+                <a:solidFill>
+                  <a:srgbClr val="002060"/>
+                </a:solidFill>
+                <a:effectLst>
+                  <a:outerShdw blurRad="38100" dist="25400" dir="5400000" algn="ctr" rotWithShape="0">
+                    <a:srgbClr val="6E747A">
+                      <a:alpha val="43000"/>
+                    </a:srgbClr>
+                  </a:outerShdw>
+                </a:effectLst>
+              </a:defRPr>
+            </a:lvl1pPr>
+          </a:lstStyle>
+          <a:p>
+            <a:pPr marL="342900" indent="-342900" algn="just">
+              <a:buFont typeface="Arial" panose="020B0604020202020204" pitchFamily="34" charset="0"/>
+              <a:buChar char="•"/>
+            </a:pPr>
+            <a:r>
+              <a:rPr lang="en-US" sz="2000" dirty="0">
+                <a:effectLst/>
+              </a:rPr>
+              <a:t>Il datastore </a:t>
+            </a:r>
+            <a:r>
+              <a:rPr lang="en-US" sz="2000" i="1" dirty="0">
+                <a:effectLst/>
+              </a:rPr>
+              <a:t>Ds1</a:t>
+            </a:r>
+            <a:r>
+              <a:rPr lang="en-US" sz="2000" dirty="0">
+                <a:effectLst/>
+              </a:rPr>
+              <a:t>, </a:t>
+            </a:r>
+            <a:r>
+              <a:rPr lang="en-US" sz="2000" dirty="0" err="1">
+                <a:effectLst/>
+              </a:rPr>
+              <a:t>su</a:t>
+            </a:r>
+            <a:r>
+              <a:rPr lang="en-US" sz="2000" dirty="0">
+                <a:effectLst/>
+              </a:rPr>
+              <a:t> cui </a:t>
+            </a:r>
+            <a:r>
+              <a:rPr lang="en-US" sz="2000" dirty="0" err="1">
+                <a:effectLst/>
+              </a:rPr>
+              <a:t>vengono</a:t>
+            </a:r>
+            <a:r>
+              <a:rPr lang="en-US" sz="2000" dirty="0">
+                <a:effectLst/>
+              </a:rPr>
+              <a:t> </a:t>
+            </a:r>
+            <a:r>
+              <a:rPr lang="en-US" sz="2000" dirty="0" err="1">
+                <a:effectLst/>
+              </a:rPr>
+              <a:t>salvate</a:t>
+            </a:r>
+            <a:r>
+              <a:rPr lang="en-US" sz="2000" dirty="0">
+                <a:effectLst/>
+              </a:rPr>
+              <a:t> </a:t>
+            </a:r>
+            <a:r>
+              <a:rPr lang="en-US" sz="2000" dirty="0" err="1">
+                <a:effectLst/>
+              </a:rPr>
+              <a:t>tutte</a:t>
+            </a:r>
+            <a:r>
+              <a:rPr lang="en-US" sz="2000" dirty="0">
+                <a:effectLst/>
+              </a:rPr>
+              <a:t> le </a:t>
+            </a:r>
+            <a:r>
+              <a:rPr lang="en-US" sz="2000" dirty="0" err="1">
+                <a:effectLst/>
+              </a:rPr>
+              <a:t>rilevazioni</a:t>
+            </a:r>
+            <a:r>
+              <a:rPr lang="en-US" sz="2000" dirty="0">
+                <a:effectLst/>
+              </a:rPr>
+              <a:t> di </a:t>
+            </a:r>
+            <a:r>
+              <a:rPr lang="en-US" sz="2000" dirty="0" err="1">
+                <a:effectLst/>
+              </a:rPr>
+              <a:t>temperatura</a:t>
+            </a:r>
+            <a:r>
+              <a:rPr lang="en-US" sz="2000" dirty="0">
+                <a:effectLst/>
+              </a:rPr>
+              <a:t>, è </a:t>
+            </a:r>
+            <a:r>
+              <a:rPr lang="en-US" sz="2000" dirty="0" err="1">
+                <a:effectLst/>
+              </a:rPr>
+              <a:t>stato</a:t>
+            </a:r>
+            <a:r>
+              <a:rPr lang="en-US" sz="2000" dirty="0">
+                <a:effectLst/>
+              </a:rPr>
+              <a:t> </a:t>
+            </a:r>
+            <a:r>
+              <a:rPr lang="en-US" sz="2000" dirty="0" err="1">
+                <a:effectLst/>
+              </a:rPr>
+              <a:t>posto</a:t>
+            </a:r>
+            <a:r>
+              <a:rPr lang="en-US" sz="2000" dirty="0">
+                <a:effectLst/>
+              </a:rPr>
+              <a:t> </a:t>
+            </a:r>
+            <a:r>
+              <a:rPr lang="en-US" sz="2000" dirty="0" err="1">
+                <a:effectLst/>
+              </a:rPr>
+              <a:t>all’esterno</a:t>
+            </a:r>
+            <a:r>
+              <a:rPr lang="en-US" sz="2000" dirty="0">
+                <a:effectLst/>
+              </a:rPr>
+              <a:t> del </a:t>
+            </a:r>
+            <a:r>
+              <a:rPr lang="en-US" sz="2000" dirty="0" err="1">
+                <a:effectLst/>
+              </a:rPr>
+              <a:t>componente</a:t>
+            </a:r>
+            <a:r>
+              <a:rPr lang="en-US" sz="2000" dirty="0">
+                <a:effectLst/>
+              </a:rPr>
+              <a:t>, </a:t>
+            </a:r>
+            <a:r>
+              <a:rPr lang="en-US" sz="2000" dirty="0" err="1">
+                <a:effectLst/>
+              </a:rPr>
+              <a:t>perché</a:t>
+            </a:r>
+            <a:r>
+              <a:rPr lang="en-US" sz="2000" dirty="0">
+                <a:effectLst/>
+              </a:rPr>
+              <a:t> </a:t>
+            </a:r>
+            <a:r>
+              <a:rPr lang="en-US" sz="2000" dirty="0" err="1">
+                <a:effectLst/>
+              </a:rPr>
+              <a:t>sarà</a:t>
+            </a:r>
+            <a:r>
+              <a:rPr lang="en-US" sz="2000" dirty="0">
+                <a:effectLst/>
+              </a:rPr>
+              <a:t> </a:t>
+            </a:r>
+            <a:r>
+              <a:rPr lang="en-US" sz="2000" dirty="0" err="1">
+                <a:effectLst/>
+              </a:rPr>
+              <a:t>utilizzato</a:t>
+            </a:r>
+            <a:r>
+              <a:rPr lang="en-US" sz="2000" dirty="0">
+                <a:effectLst/>
+              </a:rPr>
+              <a:t> </a:t>
+            </a:r>
+            <a:r>
+              <a:rPr lang="en-US" sz="2000" dirty="0" err="1">
+                <a:effectLst/>
+              </a:rPr>
+              <a:t>anche</a:t>
+            </a:r>
+            <a:r>
+              <a:rPr lang="en-US" sz="2000" dirty="0">
+                <a:effectLst/>
+              </a:rPr>
+              <a:t> da </a:t>
+            </a:r>
+            <a:r>
+              <a:rPr lang="en-US" sz="2000" dirty="0" err="1">
+                <a:effectLst/>
+              </a:rPr>
+              <a:t>altri</a:t>
+            </a:r>
+            <a:r>
+              <a:rPr lang="en-US" sz="2000" dirty="0">
+                <a:effectLst/>
+              </a:rPr>
+              <a:t>, come </a:t>
+            </a:r>
+            <a:r>
+              <a:rPr lang="en-US" sz="2000" dirty="0" err="1">
+                <a:effectLst/>
+              </a:rPr>
+              <a:t>Gestore</a:t>
+            </a:r>
+            <a:r>
+              <a:rPr lang="en-US" sz="2000" dirty="0">
+                <a:effectLst/>
+              </a:rPr>
+              <a:t> Smartwatch e </a:t>
+            </a:r>
+            <a:r>
+              <a:rPr lang="en-US" sz="2000" dirty="0" err="1">
+                <a:effectLst/>
+              </a:rPr>
+              <a:t>Gestore</a:t>
+            </a:r>
+            <a:r>
+              <a:rPr lang="en-US" sz="2000" dirty="0">
+                <a:effectLst/>
+              </a:rPr>
+              <a:t> </a:t>
+            </a:r>
+            <a:r>
+              <a:rPr lang="en-US" sz="2000" dirty="0" err="1">
+                <a:effectLst/>
+              </a:rPr>
+              <a:t>Interazione</a:t>
+            </a:r>
+            <a:r>
+              <a:rPr lang="en-US" sz="2000" dirty="0">
+                <a:effectLst/>
+              </a:rPr>
+              <a:t> </a:t>
+            </a:r>
+            <a:r>
+              <a:rPr lang="en-US" sz="2000" dirty="0" err="1">
+                <a:effectLst/>
+              </a:rPr>
+              <a:t>Utente</a:t>
+            </a:r>
+            <a:r>
+              <a:rPr lang="en-US" sz="2000" dirty="0">
+                <a:effectLst/>
+              </a:rPr>
+              <a:t>;</a:t>
+            </a:r>
+          </a:p>
+          <a:p>
+            <a:pPr marL="342900" indent="-342900" algn="just">
+              <a:buFont typeface="Arial" panose="020B0604020202020204" pitchFamily="34" charset="0"/>
+              <a:buChar char="•"/>
+            </a:pPr>
+            <a:r>
+              <a:rPr lang="en-US" sz="2000" dirty="0">
+                <a:effectLst/>
+              </a:rPr>
+              <a:t>Si </a:t>
+            </a:r>
+            <a:r>
+              <a:rPr lang="en-US" sz="2000" dirty="0" err="1">
+                <a:effectLst/>
+              </a:rPr>
+              <a:t>prevede</a:t>
+            </a:r>
+            <a:r>
+              <a:rPr lang="en-US" sz="2000" dirty="0">
+                <a:effectLst/>
+              </a:rPr>
+              <a:t> </a:t>
+            </a:r>
+            <a:r>
+              <a:rPr lang="en-US" sz="2000" dirty="0" err="1">
+                <a:effectLst/>
+              </a:rPr>
+              <a:t>una</a:t>
+            </a:r>
+            <a:r>
+              <a:rPr lang="en-US" sz="2000" dirty="0">
+                <a:effectLst/>
+              </a:rPr>
+              <a:t> </a:t>
+            </a:r>
+            <a:r>
+              <a:rPr lang="en-US" sz="2000" dirty="0" err="1">
+                <a:effectLst/>
+              </a:rPr>
+              <a:t>istanza</a:t>
+            </a:r>
+            <a:r>
+              <a:rPr lang="en-US" sz="2000" dirty="0">
+                <a:effectLst/>
+              </a:rPr>
+              <a:t> di </a:t>
+            </a:r>
+            <a:r>
+              <a:rPr lang="en-US" sz="2000" dirty="0" err="1">
+                <a:effectLst/>
+              </a:rPr>
+              <a:t>questo</a:t>
+            </a:r>
+            <a:r>
+              <a:rPr lang="en-US" sz="2000" dirty="0">
+                <a:effectLst/>
+              </a:rPr>
+              <a:t> </a:t>
+            </a:r>
+            <a:r>
+              <a:rPr lang="en-US" sz="2000" dirty="0" err="1">
+                <a:effectLst/>
+              </a:rPr>
+              <a:t>componente</a:t>
+            </a:r>
+            <a:r>
+              <a:rPr lang="en-US" sz="2000" dirty="0">
+                <a:effectLst/>
+              </a:rPr>
+              <a:t> per </a:t>
+            </a:r>
+            <a:r>
+              <a:rPr lang="en-US" sz="2000" dirty="0" err="1">
+                <a:effectLst/>
+              </a:rPr>
+              <a:t>ogni</a:t>
+            </a:r>
+            <a:r>
+              <a:rPr lang="en-US" sz="2000" dirty="0">
+                <a:effectLst/>
+              </a:rPr>
+              <a:t> </a:t>
+            </a:r>
+            <a:r>
+              <a:rPr lang="en-US" sz="2000" dirty="0" err="1">
+                <a:effectLst/>
+              </a:rPr>
+              <a:t>residente</a:t>
+            </a:r>
+            <a:r>
+              <a:rPr lang="en-US" sz="2000" dirty="0">
+                <a:effectLst/>
+              </a:rPr>
+              <a:t>, </a:t>
+            </a:r>
+            <a:r>
+              <a:rPr lang="en-US" sz="2000" dirty="0" err="1">
+                <a:effectLst/>
+              </a:rPr>
+              <a:t>probabilmente</a:t>
+            </a:r>
+            <a:r>
+              <a:rPr lang="en-US" sz="2000" dirty="0">
+                <a:effectLst/>
+              </a:rPr>
+              <a:t> in </a:t>
+            </a:r>
+            <a:r>
+              <a:rPr lang="en-US" sz="2000" dirty="0" err="1">
+                <a:effectLst/>
+              </a:rPr>
+              <a:t>esecuzione</a:t>
+            </a:r>
+            <a:r>
+              <a:rPr lang="en-US" sz="2000" dirty="0">
+                <a:effectLst/>
+              </a:rPr>
+              <a:t> proprio </a:t>
+            </a:r>
+            <a:r>
+              <a:rPr lang="en-US" sz="2000" dirty="0" err="1">
+                <a:effectLst/>
+              </a:rPr>
+              <a:t>sullo</a:t>
+            </a:r>
+            <a:r>
+              <a:rPr lang="en-US" sz="2000" dirty="0">
+                <a:effectLst/>
+              </a:rPr>
+              <a:t> smartwatch;</a:t>
+            </a:r>
+          </a:p>
+          <a:p>
+            <a:pPr marL="342900" indent="-342900" algn="just">
+              <a:buFont typeface="Arial" panose="020B0604020202020204" pitchFamily="34" charset="0"/>
+              <a:buChar char="•"/>
+            </a:pPr>
+            <a:r>
+              <a:rPr lang="en-US" sz="2000" dirty="0" err="1">
+                <a:effectLst/>
+              </a:rPr>
+              <a:t>Quanto</a:t>
+            </a:r>
+            <a:r>
+              <a:rPr lang="en-US" sz="2000" dirty="0">
+                <a:effectLst/>
+              </a:rPr>
+              <a:t> </a:t>
+            </a:r>
+            <a:r>
+              <a:rPr lang="en-US" sz="2000" dirty="0" err="1">
+                <a:effectLst/>
+              </a:rPr>
+              <a:t>detto</a:t>
+            </a:r>
+            <a:r>
+              <a:rPr lang="en-US" sz="2000" dirty="0">
+                <a:effectLst/>
+              </a:rPr>
+              <a:t> sopra, vale </a:t>
+            </a:r>
+            <a:r>
+              <a:rPr lang="en-US" sz="2000" dirty="0" err="1">
+                <a:effectLst/>
+              </a:rPr>
+              <a:t>anche</a:t>
+            </a:r>
+            <a:r>
+              <a:rPr lang="en-US" sz="2000" dirty="0">
+                <a:effectLst/>
+              </a:rPr>
+              <a:t> per </a:t>
+            </a:r>
+            <a:r>
+              <a:rPr lang="en-US" sz="2000" dirty="0" err="1">
+                <a:effectLst/>
+              </a:rPr>
+              <a:t>i</a:t>
+            </a:r>
+            <a:r>
+              <a:rPr lang="en-US" sz="2000" dirty="0">
+                <a:effectLst/>
+              </a:rPr>
+              <a:t> </a:t>
+            </a:r>
+            <a:r>
+              <a:rPr lang="en-US" sz="2000" dirty="0" err="1">
+                <a:effectLst/>
+              </a:rPr>
+              <a:t>prossimi</a:t>
+            </a:r>
+            <a:r>
+              <a:rPr lang="en-US" sz="2000" dirty="0">
+                <a:effectLst/>
+              </a:rPr>
+              <a:t> due </a:t>
+            </a:r>
+            <a:r>
+              <a:rPr lang="en-US" sz="2000" dirty="0" err="1">
+                <a:effectLst/>
+              </a:rPr>
+              <a:t>componenti</a:t>
+            </a:r>
+            <a:r>
+              <a:rPr lang="en-US" sz="2000" dirty="0">
+                <a:effectLst/>
+              </a:rPr>
+              <a:t>;</a:t>
+            </a:r>
+          </a:p>
+          <a:p>
+            <a:pPr marL="342900" indent="-342900" algn="just">
+              <a:buFont typeface="Arial" panose="020B0604020202020204" pitchFamily="34" charset="0"/>
+              <a:buChar char="•"/>
+            </a:pPr>
+            <a:endParaRPr lang="en-US" sz="2000" dirty="0">
+              <a:effectLst/>
+            </a:endParaRPr>
+          </a:p>
+          <a:p>
+            <a:pPr marL="342900" indent="-342900" algn="just">
+              <a:buFont typeface="Arial" panose="020B0604020202020204" pitchFamily="34" charset="0"/>
+              <a:buChar char="•"/>
+            </a:pPr>
+            <a:endParaRPr lang="en-US" sz="2000" dirty="0">
+              <a:effectLst/>
+            </a:endParaRPr>
+          </a:p>
+        </p:txBody>
+      </p:sp>
     </p:spTree>
     <p:extLst>
       <p:ext uri="{BB962C8B-B14F-4D97-AF65-F5344CB8AC3E}">
@@ -34197,8 +34732,8 @@
         </p:blipFill>
         <p:spPr>
           <a:xfrm>
-            <a:off x="2265960" y="754398"/>
-            <a:ext cx="9841006" cy="6064226"/>
+            <a:off x="3812875" y="1020561"/>
+            <a:ext cx="8294091" cy="5110986"/>
           </a:xfrm>
           <a:prstGeom prst="rect">
             <a:avLst/>
@@ -34219,7 +34754,7 @@
         </p:nvSpPr>
         <p:spPr>
           <a:xfrm>
-            <a:off x="9353726" y="6259810"/>
+            <a:off x="9621144" y="5606606"/>
             <a:ext cx="1256947" cy="461665"/>
           </a:xfrm>
           <a:prstGeom prst="rect">
@@ -34250,6 +34785,897 @@
               <a:rPr lang="it-IT" sz="1200" b="1" i="1" dirty="0"/>
               <a:t>#appartamenti</a:t>
             </a:r>
+          </a:p>
+        </p:txBody>
+      </p:sp>
+      <p:sp>
+        <p:nvSpPr>
+          <p:cNvPr id="2" name="CasellaDiTesto 7">
+            <a:extLst>
+              <a:ext uri="{FF2B5EF4-FFF2-40B4-BE49-F238E27FC236}">
+                <a16:creationId xmlns:a16="http://schemas.microsoft.com/office/drawing/2014/main" id="{27298019-A2B6-77D1-662B-8D468FDDF06A}"/>
+              </a:ext>
+            </a:extLst>
+          </p:cNvPr>
+          <p:cNvSpPr txBox="1"/>
+          <p:nvPr/>
+        </p:nvSpPr>
+        <p:spPr>
+          <a:xfrm>
+            <a:off x="85034" y="1020561"/>
+            <a:ext cx="3508909" cy="5324535"/>
+          </a:xfrm>
+          <a:prstGeom prst="rect">
+            <a:avLst/>
+          </a:prstGeom>
+          <a:noFill/>
+        </p:spPr>
+        <p:txBody>
+          <a:bodyPr wrap="square" rtlCol="0">
+            <a:spAutoFit/>
+          </a:bodyPr>
+          <a:lstStyle>
+            <a:defPPr>
+              <a:defRPr lang="it-IT"/>
+            </a:defPPr>
+            <a:lvl1pPr>
+              <a:defRPr sz="4800">
+                <a:ln w="0"/>
+                <a:solidFill>
+                  <a:srgbClr val="002060"/>
+                </a:solidFill>
+                <a:effectLst>
+                  <a:outerShdw blurRad="38100" dist="25400" dir="5400000" algn="ctr" rotWithShape="0">
+                    <a:srgbClr val="6E747A">
+                      <a:alpha val="43000"/>
+                    </a:srgbClr>
+                  </a:outerShdw>
+                </a:effectLst>
+              </a:defRPr>
+            </a:lvl1pPr>
+          </a:lstStyle>
+          <a:p>
+            <a:pPr marL="342900" indent="-342900" algn="just">
+              <a:buFont typeface="Arial" panose="020B0604020202020204" pitchFamily="34" charset="0"/>
+              <a:buChar char="•"/>
+            </a:pPr>
+            <a:r>
+              <a:rPr lang="en-US" sz="1600" i="1" dirty="0" err="1">
+                <a:effectLst/>
+              </a:rPr>
+              <a:t>Movimento</a:t>
+            </a:r>
+            <a:r>
+              <a:rPr lang="en-US" sz="1600" dirty="0">
+                <a:effectLst/>
+              </a:rPr>
+              <a:t> e </a:t>
+            </a:r>
+            <a:r>
+              <a:rPr lang="en-US" sz="1600" i="1" dirty="0" err="1">
+                <a:effectLst/>
+              </a:rPr>
+              <a:t>Pressione</a:t>
+            </a:r>
+            <a:r>
+              <a:rPr lang="en-US" sz="1600" dirty="0">
+                <a:effectLst/>
+              </a:rPr>
+              <a:t> </a:t>
+            </a:r>
+            <a:r>
+              <a:rPr lang="en-US" sz="1600" dirty="0" err="1">
+                <a:effectLst/>
+              </a:rPr>
+              <a:t>vengono</a:t>
+            </a:r>
+            <a:r>
+              <a:rPr lang="en-US" sz="1600" dirty="0">
+                <a:effectLst/>
+              </a:rPr>
+              <a:t> </a:t>
+            </a:r>
+            <a:r>
+              <a:rPr lang="en-US" sz="1600" dirty="0" err="1">
+                <a:effectLst/>
+              </a:rPr>
+              <a:t>gestiti</a:t>
+            </a:r>
+            <a:r>
+              <a:rPr lang="en-US" sz="1600" dirty="0">
+                <a:effectLst/>
+              </a:rPr>
+              <a:t> </a:t>
+            </a:r>
+            <a:r>
+              <a:rPr lang="en-US" sz="1600" dirty="0" err="1">
+                <a:effectLst/>
+              </a:rPr>
+              <a:t>dallo</a:t>
+            </a:r>
+            <a:r>
+              <a:rPr lang="en-US" sz="1600" dirty="0">
+                <a:effectLst/>
+              </a:rPr>
+              <a:t> </a:t>
+            </a:r>
+            <a:r>
+              <a:rPr lang="en-US" sz="1600" dirty="0" err="1">
+                <a:effectLst/>
+              </a:rPr>
+              <a:t>stesso</a:t>
+            </a:r>
+            <a:r>
+              <a:rPr lang="en-US" sz="1600" dirty="0">
+                <a:effectLst/>
+              </a:rPr>
+              <a:t> </a:t>
+            </a:r>
+            <a:r>
+              <a:rPr lang="en-US" sz="1600" dirty="0" err="1">
+                <a:effectLst/>
+              </a:rPr>
+              <a:t>componente</a:t>
+            </a:r>
+            <a:r>
+              <a:rPr lang="en-US" sz="1600" dirty="0">
+                <a:effectLst/>
+              </a:rPr>
+              <a:t> </a:t>
+            </a:r>
+            <a:r>
+              <a:rPr lang="en-US" sz="1600" dirty="0" err="1">
+                <a:effectLst/>
+              </a:rPr>
+              <a:t>perché</a:t>
+            </a:r>
+            <a:r>
+              <a:rPr lang="en-US" sz="1600" dirty="0">
+                <a:effectLst/>
+              </a:rPr>
+              <a:t>, </a:t>
+            </a:r>
+            <a:r>
+              <a:rPr lang="en-US" sz="1600" dirty="0" err="1">
+                <a:effectLst/>
+              </a:rPr>
+              <a:t>nel</a:t>
+            </a:r>
+            <a:r>
+              <a:rPr lang="en-US" sz="1600" dirty="0">
+                <a:effectLst/>
+              </a:rPr>
+              <a:t> </a:t>
+            </a:r>
+            <a:r>
+              <a:rPr lang="en-US" sz="1600" dirty="0" err="1">
+                <a:effectLst/>
+              </a:rPr>
+              <a:t>caso</a:t>
+            </a:r>
+            <a:r>
+              <a:rPr lang="en-US" sz="1600" dirty="0">
+                <a:effectLst/>
+              </a:rPr>
+              <a:t> di </a:t>
+            </a:r>
+            <a:r>
+              <a:rPr lang="en-US" sz="1600" dirty="0" err="1">
+                <a:effectLst/>
+              </a:rPr>
+              <a:t>rilevazione</a:t>
+            </a:r>
+            <a:r>
+              <a:rPr lang="en-US" sz="1600" dirty="0">
+                <a:effectLst/>
+              </a:rPr>
+              <a:t> di </a:t>
+            </a:r>
+            <a:r>
+              <a:rPr lang="en-US" sz="1600" dirty="0" err="1">
+                <a:effectLst/>
+              </a:rPr>
+              <a:t>movimento</a:t>
+            </a:r>
+            <a:r>
+              <a:rPr lang="en-US" sz="1600" dirty="0">
+                <a:effectLst/>
+              </a:rPr>
+              <a:t> in </a:t>
+            </a:r>
+            <a:r>
+              <a:rPr lang="en-US" sz="1600" dirty="0" err="1">
+                <a:effectLst/>
+              </a:rPr>
+              <a:t>una</a:t>
+            </a:r>
+            <a:r>
+              <a:rPr lang="en-US" sz="1600" dirty="0">
+                <a:effectLst/>
+              </a:rPr>
+              <a:t> stanza, </a:t>
+            </a:r>
+            <a:r>
+              <a:rPr lang="en-US" sz="1600" dirty="0" err="1">
+                <a:effectLst/>
+              </a:rPr>
+              <a:t>bisogna</a:t>
+            </a:r>
+            <a:r>
+              <a:rPr lang="en-US" sz="1600" dirty="0">
+                <a:effectLst/>
+              </a:rPr>
+              <a:t> </a:t>
+            </a:r>
+            <a:r>
+              <a:rPr lang="en-US" sz="1600" dirty="0" err="1">
+                <a:effectLst/>
+              </a:rPr>
+              <a:t>verificare</a:t>
+            </a:r>
+            <a:r>
+              <a:rPr lang="en-US" sz="1600" dirty="0">
+                <a:effectLst/>
+              </a:rPr>
+              <a:t> se il </a:t>
+            </a:r>
+            <a:r>
+              <a:rPr lang="en-US" sz="1600" dirty="0" err="1">
+                <a:effectLst/>
+              </a:rPr>
+              <a:t>residente</a:t>
+            </a:r>
+            <a:r>
+              <a:rPr lang="en-US" sz="1600" dirty="0">
+                <a:effectLst/>
+              </a:rPr>
+              <a:t> è </a:t>
+            </a:r>
+            <a:r>
+              <a:rPr lang="en-US" sz="1600" dirty="0" err="1">
+                <a:effectLst/>
+              </a:rPr>
+              <a:t>nel</a:t>
+            </a:r>
+            <a:r>
+              <a:rPr lang="en-US" sz="1600" dirty="0">
+                <a:effectLst/>
+              </a:rPr>
+              <a:t> </a:t>
+            </a:r>
+            <a:r>
+              <a:rPr lang="en-US" sz="1600" dirty="0" err="1">
+                <a:effectLst/>
+              </a:rPr>
+              <a:t>letto</a:t>
+            </a:r>
+            <a:r>
+              <a:rPr lang="en-US" sz="1600" dirty="0">
+                <a:effectLst/>
+              </a:rPr>
+              <a:t> per </a:t>
+            </a:r>
+            <a:r>
+              <a:rPr lang="en-US" sz="1600" dirty="0" err="1">
+                <a:effectLst/>
+              </a:rPr>
+              <a:t>capire</a:t>
+            </a:r>
+            <a:r>
+              <a:rPr lang="en-US" sz="1600" dirty="0">
+                <a:effectLst/>
+              </a:rPr>
+              <a:t> come </a:t>
+            </a:r>
+            <a:r>
+              <a:rPr lang="en-US" sz="1600" dirty="0" err="1">
+                <a:effectLst/>
+              </a:rPr>
+              <a:t>agire</a:t>
+            </a:r>
+            <a:r>
+              <a:rPr lang="en-US" sz="1600" dirty="0">
+                <a:effectLst/>
+              </a:rPr>
+              <a:t>: se </a:t>
+            </a:r>
+            <a:r>
+              <a:rPr lang="en-US" sz="1600" dirty="0" err="1">
+                <a:effectLst/>
+              </a:rPr>
+              <a:t>si</a:t>
+            </a:r>
+            <a:r>
+              <a:rPr lang="en-US" sz="1600" dirty="0">
+                <a:effectLst/>
+              </a:rPr>
+              <a:t> </a:t>
+            </a:r>
+            <a:r>
+              <a:rPr lang="en-US" sz="1600" dirty="0" err="1">
+                <a:effectLst/>
+              </a:rPr>
+              <a:t>rileva</a:t>
+            </a:r>
+            <a:r>
+              <a:rPr lang="en-US" sz="1600" dirty="0">
+                <a:effectLst/>
+              </a:rPr>
+              <a:t> </a:t>
+            </a:r>
+            <a:r>
+              <a:rPr lang="en-US" sz="1600" dirty="0" err="1">
+                <a:effectLst/>
+              </a:rPr>
+              <a:t>movimento</a:t>
+            </a:r>
+            <a:r>
+              <a:rPr lang="en-US" sz="1600" dirty="0">
+                <a:effectLst/>
+              </a:rPr>
+              <a:t> in </a:t>
+            </a:r>
+            <a:r>
+              <a:rPr lang="en-US" sz="1600" dirty="0" err="1">
+                <a:effectLst/>
+              </a:rPr>
+              <a:t>una</a:t>
+            </a:r>
+            <a:r>
+              <a:rPr lang="en-US" sz="1600" dirty="0">
+                <a:effectLst/>
+              </a:rPr>
+              <a:t> stanza, ma il </a:t>
+            </a:r>
+            <a:r>
+              <a:rPr lang="en-US" sz="1600" dirty="0" err="1">
+                <a:effectLst/>
+              </a:rPr>
+              <a:t>residente</a:t>
+            </a:r>
+            <a:r>
+              <a:rPr lang="en-US" sz="1600" dirty="0">
+                <a:effectLst/>
+              </a:rPr>
+              <a:t> è </a:t>
+            </a:r>
+            <a:r>
+              <a:rPr lang="en-US" sz="1600" dirty="0" err="1">
+                <a:effectLst/>
+              </a:rPr>
+              <a:t>nel</a:t>
+            </a:r>
+            <a:r>
+              <a:rPr lang="en-US" sz="1600" dirty="0">
+                <a:effectLst/>
+              </a:rPr>
+              <a:t> </a:t>
+            </a:r>
+            <a:r>
+              <a:rPr lang="en-US" sz="1600" dirty="0" err="1">
+                <a:effectLst/>
+              </a:rPr>
+              <a:t>letto</a:t>
+            </a:r>
+            <a:r>
+              <a:rPr lang="en-US" sz="1600" dirty="0">
+                <a:effectLst/>
+              </a:rPr>
+              <a:t>, </a:t>
+            </a:r>
+            <a:r>
+              <a:rPr lang="en-US" sz="1600" dirty="0" err="1">
+                <a:effectLst/>
+              </a:rPr>
+              <a:t>allora</a:t>
+            </a:r>
+            <a:r>
+              <a:rPr lang="en-US" sz="1600" dirty="0">
+                <a:effectLst/>
+              </a:rPr>
+              <a:t> </a:t>
+            </a:r>
+            <a:r>
+              <a:rPr lang="en-US" sz="1600" dirty="0" err="1">
+                <a:effectLst/>
+              </a:rPr>
+              <a:t>si</a:t>
+            </a:r>
+            <a:r>
+              <a:rPr lang="en-US" sz="1600" dirty="0">
+                <a:effectLst/>
+              </a:rPr>
+              <a:t> </a:t>
+            </a:r>
+            <a:r>
+              <a:rPr lang="en-US" sz="1600" dirty="0" err="1">
+                <a:effectLst/>
+              </a:rPr>
+              <a:t>ipotizza</a:t>
+            </a:r>
+            <a:r>
+              <a:rPr lang="en-US" sz="1600" dirty="0">
+                <a:effectLst/>
+              </a:rPr>
+              <a:t> </a:t>
+            </a:r>
+            <a:r>
+              <a:rPr lang="en-US" sz="1600" dirty="0" err="1">
+                <a:effectLst/>
+              </a:rPr>
+              <a:t>una</a:t>
+            </a:r>
+            <a:r>
+              <a:rPr lang="en-US" sz="1600" dirty="0">
+                <a:effectLst/>
+              </a:rPr>
+              <a:t> </a:t>
+            </a:r>
+            <a:r>
+              <a:rPr lang="en-US" sz="1600" dirty="0" err="1">
+                <a:effectLst/>
+              </a:rPr>
+              <a:t>incursione</a:t>
+            </a:r>
+            <a:r>
+              <a:rPr lang="en-US" sz="1600" dirty="0">
+                <a:effectLst/>
+              </a:rPr>
+              <a:t> in casa, </a:t>
+            </a:r>
+            <a:r>
+              <a:rPr lang="en-US" sz="1600" dirty="0" err="1">
+                <a:effectLst/>
+              </a:rPr>
+              <a:t>mentre</a:t>
+            </a:r>
+            <a:r>
+              <a:rPr lang="en-US" sz="1600" dirty="0">
+                <a:effectLst/>
+              </a:rPr>
+              <a:t>, se non </a:t>
+            </a:r>
+            <a:r>
+              <a:rPr lang="en-US" sz="1600" dirty="0" err="1">
+                <a:effectLst/>
+              </a:rPr>
+              <a:t>si</a:t>
+            </a:r>
+            <a:r>
+              <a:rPr lang="en-US" sz="1600" dirty="0">
+                <a:effectLst/>
+              </a:rPr>
+              <a:t> </a:t>
+            </a:r>
+            <a:r>
+              <a:rPr lang="en-US" sz="1600" dirty="0" err="1">
+                <a:effectLst/>
+              </a:rPr>
+              <a:t>rileva</a:t>
+            </a:r>
+            <a:r>
+              <a:rPr lang="en-US" sz="1600" dirty="0">
+                <a:effectLst/>
+              </a:rPr>
+              <a:t> </a:t>
+            </a:r>
+            <a:r>
+              <a:rPr lang="en-US" sz="1600" dirty="0" err="1">
+                <a:effectLst/>
+              </a:rPr>
+              <a:t>alcun</a:t>
+            </a:r>
+            <a:r>
+              <a:rPr lang="en-US" sz="1600" dirty="0">
+                <a:effectLst/>
+              </a:rPr>
+              <a:t> </a:t>
+            </a:r>
+            <a:r>
+              <a:rPr lang="en-US" sz="1600" dirty="0" err="1">
+                <a:effectLst/>
+              </a:rPr>
+              <a:t>movimento</a:t>
+            </a:r>
+            <a:r>
+              <a:rPr lang="en-US" sz="1600" dirty="0">
+                <a:effectLst/>
+              </a:rPr>
+              <a:t>, e il </a:t>
+            </a:r>
+            <a:r>
+              <a:rPr lang="en-US" sz="1600" dirty="0" err="1">
+                <a:effectLst/>
+              </a:rPr>
+              <a:t>residente</a:t>
+            </a:r>
+            <a:r>
+              <a:rPr lang="en-US" sz="1600" dirty="0">
+                <a:effectLst/>
+              </a:rPr>
+              <a:t> non è </a:t>
+            </a:r>
+            <a:r>
+              <a:rPr lang="en-US" sz="1600" dirty="0" err="1">
+                <a:effectLst/>
+              </a:rPr>
+              <a:t>nel</a:t>
+            </a:r>
+            <a:r>
+              <a:rPr lang="en-US" sz="1600" dirty="0">
+                <a:effectLst/>
+              </a:rPr>
+              <a:t> </a:t>
+            </a:r>
+            <a:r>
+              <a:rPr lang="en-US" sz="1600" dirty="0" err="1">
+                <a:effectLst/>
+              </a:rPr>
+              <a:t>letto</a:t>
+            </a:r>
+            <a:r>
+              <a:rPr lang="en-US" sz="1600" dirty="0">
+                <a:effectLst/>
+              </a:rPr>
+              <a:t>, </a:t>
+            </a:r>
+            <a:r>
+              <a:rPr lang="en-US" sz="1600" dirty="0" err="1">
+                <a:effectLst/>
+              </a:rPr>
+              <a:t>allora</a:t>
+            </a:r>
+            <a:r>
+              <a:rPr lang="en-US" sz="1600" dirty="0">
+                <a:effectLst/>
+              </a:rPr>
+              <a:t> </a:t>
+            </a:r>
+            <a:r>
+              <a:rPr lang="en-US" sz="1600" dirty="0" err="1">
+                <a:effectLst/>
+              </a:rPr>
+              <a:t>si</a:t>
+            </a:r>
+            <a:r>
+              <a:rPr lang="en-US" sz="1600" dirty="0">
+                <a:effectLst/>
+              </a:rPr>
+              <a:t> </a:t>
+            </a:r>
+            <a:r>
+              <a:rPr lang="en-US" sz="1600" dirty="0" err="1">
+                <a:effectLst/>
+              </a:rPr>
+              <a:t>ipotizza</a:t>
+            </a:r>
+            <a:r>
+              <a:rPr lang="en-US" sz="1600" dirty="0">
+                <a:effectLst/>
+              </a:rPr>
+              <a:t> </a:t>
+            </a:r>
+            <a:r>
+              <a:rPr lang="en-US" sz="1600" dirty="0" err="1">
+                <a:effectLst/>
+              </a:rPr>
+              <a:t>una</a:t>
+            </a:r>
+            <a:r>
+              <a:rPr lang="en-US" sz="1600" dirty="0">
+                <a:effectLst/>
+              </a:rPr>
+              <a:t> </a:t>
+            </a:r>
+            <a:r>
+              <a:rPr lang="en-US" sz="1600" dirty="0" err="1">
+                <a:effectLst/>
+              </a:rPr>
+              <a:t>sua</a:t>
+            </a:r>
+            <a:r>
+              <a:rPr lang="en-US" sz="1600" dirty="0">
+                <a:effectLst/>
+              </a:rPr>
+              <a:t> </a:t>
+            </a:r>
+            <a:r>
+              <a:rPr lang="en-US" sz="1600" dirty="0" err="1">
+                <a:effectLst/>
+              </a:rPr>
+              <a:t>caduta</a:t>
+            </a:r>
+            <a:r>
+              <a:rPr lang="en-US" sz="1600" dirty="0">
+                <a:effectLst/>
+              </a:rPr>
+              <a:t> o </a:t>
+            </a:r>
+            <a:r>
+              <a:rPr lang="en-US" sz="1600" dirty="0" err="1">
+                <a:effectLst/>
+              </a:rPr>
+              <a:t>malanno</a:t>
+            </a:r>
+            <a:r>
+              <a:rPr lang="en-US" sz="1600" dirty="0">
+                <a:effectLst/>
+              </a:rPr>
+              <a:t>;</a:t>
+            </a:r>
+          </a:p>
+          <a:p>
+            <a:pPr marL="342900" indent="-342900" algn="just">
+              <a:buFont typeface="Arial" panose="020B0604020202020204" pitchFamily="34" charset="0"/>
+              <a:buChar char="•"/>
+            </a:pPr>
+            <a:r>
+              <a:rPr lang="en-US" sz="1600" dirty="0">
+                <a:effectLst/>
+              </a:rPr>
+              <a:t>La </a:t>
+            </a:r>
+            <a:r>
+              <a:rPr lang="en-US" sz="1600" dirty="0" err="1">
+                <a:effectLst/>
+              </a:rPr>
+              <a:t>molteplicità</a:t>
+            </a:r>
+            <a:r>
+              <a:rPr lang="en-US" sz="1600" dirty="0">
+                <a:effectLst/>
+              </a:rPr>
+              <a:t> del </a:t>
+            </a:r>
+            <a:r>
+              <a:rPr lang="en-US" sz="1600" dirty="0" err="1">
+                <a:effectLst/>
+              </a:rPr>
+              <a:t>componente</a:t>
+            </a:r>
+            <a:r>
+              <a:rPr lang="en-US" sz="1600" dirty="0">
+                <a:effectLst/>
+              </a:rPr>
+              <a:t> è </a:t>
+            </a:r>
+            <a:r>
+              <a:rPr lang="en-US" sz="1600" dirty="0" err="1">
+                <a:effectLst/>
+              </a:rPr>
+              <a:t>pari</a:t>
+            </a:r>
+            <a:r>
+              <a:rPr lang="en-US" sz="1600" dirty="0">
+                <a:effectLst/>
+              </a:rPr>
+              <a:t> al </a:t>
+            </a:r>
+            <a:r>
+              <a:rPr lang="en-US" sz="1600" dirty="0" err="1">
+                <a:effectLst/>
+              </a:rPr>
+              <a:t>numero</a:t>
+            </a:r>
+            <a:r>
+              <a:rPr lang="en-US" sz="1600" dirty="0">
+                <a:effectLst/>
+              </a:rPr>
+              <a:t> di </a:t>
+            </a:r>
+            <a:r>
+              <a:rPr lang="en-US" sz="1600" dirty="0" err="1">
+                <a:effectLst/>
+              </a:rPr>
+              <a:t>appartamenti</a:t>
+            </a:r>
+            <a:r>
+              <a:rPr lang="en-US" sz="1600" dirty="0">
+                <a:effectLst/>
+              </a:rPr>
+              <a:t> </a:t>
+            </a:r>
+            <a:r>
+              <a:rPr lang="en-US" sz="1600" dirty="0" err="1">
+                <a:effectLst/>
+              </a:rPr>
+              <a:t>perché</a:t>
+            </a:r>
+            <a:r>
+              <a:rPr lang="en-US" sz="1600" dirty="0">
+                <a:effectLst/>
+              </a:rPr>
+              <a:t> il </a:t>
+            </a:r>
+            <a:r>
+              <a:rPr lang="en-US" sz="1600" i="1" dirty="0" err="1">
+                <a:effectLst/>
+              </a:rPr>
+              <a:t>Gestore</a:t>
+            </a:r>
+            <a:r>
+              <a:rPr lang="en-US" sz="1600" i="1" dirty="0">
+                <a:effectLst/>
+              </a:rPr>
+              <a:t> </a:t>
+            </a:r>
+            <a:r>
+              <a:rPr lang="en-US" sz="1600" i="1" dirty="0" err="1">
+                <a:effectLst/>
+              </a:rPr>
+              <a:t>Ambientale</a:t>
+            </a:r>
+            <a:r>
+              <a:rPr lang="en-US" sz="1600" i="1" dirty="0">
+                <a:effectLst/>
+              </a:rPr>
+              <a:t> </a:t>
+            </a:r>
+            <a:r>
+              <a:rPr lang="en-US" sz="1600" dirty="0" err="1">
+                <a:effectLst/>
+              </a:rPr>
+              <a:t>controlla</a:t>
+            </a:r>
+            <a:r>
+              <a:rPr lang="en-US" sz="1600" dirty="0">
+                <a:effectLst/>
+              </a:rPr>
+              <a:t> </a:t>
+            </a:r>
+            <a:r>
+              <a:rPr lang="en-US" sz="1600" dirty="0" err="1">
+                <a:effectLst/>
+              </a:rPr>
+              <a:t>sia</a:t>
+            </a:r>
+            <a:r>
+              <a:rPr lang="en-US" sz="1600" dirty="0">
+                <a:effectLst/>
+              </a:rPr>
+              <a:t> il </a:t>
+            </a:r>
+            <a:r>
+              <a:rPr lang="en-US" sz="1600" dirty="0" err="1">
+                <a:effectLst/>
+              </a:rPr>
+              <a:t>singolo</a:t>
+            </a:r>
+            <a:r>
+              <a:rPr lang="en-US" sz="1600" dirty="0">
+                <a:effectLst/>
+              </a:rPr>
+              <a:t> </a:t>
+            </a:r>
+            <a:r>
+              <a:rPr lang="en-US" sz="1600" dirty="0" err="1">
+                <a:effectLst/>
+              </a:rPr>
+              <a:t>sensore</a:t>
+            </a:r>
+            <a:r>
+              <a:rPr lang="en-US" sz="1600" dirty="0">
+                <a:effectLst/>
+              </a:rPr>
+              <a:t> di </a:t>
+            </a:r>
+            <a:r>
+              <a:rPr lang="en-US" sz="1600" dirty="0" err="1">
+                <a:effectLst/>
+              </a:rPr>
+              <a:t>pressione</a:t>
+            </a:r>
+            <a:r>
+              <a:rPr lang="en-US" sz="1600" dirty="0">
+                <a:effectLst/>
+              </a:rPr>
+              <a:t>, </a:t>
+            </a:r>
+            <a:r>
+              <a:rPr lang="en-US" sz="1600" dirty="0" err="1">
+                <a:effectLst/>
+              </a:rPr>
+              <a:t>che</a:t>
+            </a:r>
+            <a:r>
+              <a:rPr lang="en-US" sz="1600" dirty="0">
+                <a:effectLst/>
+              </a:rPr>
+              <a:t> tutti </a:t>
+            </a:r>
+            <a:r>
+              <a:rPr lang="en-US" sz="1600" dirty="0" err="1">
+                <a:effectLst/>
+              </a:rPr>
+              <a:t>i</a:t>
+            </a:r>
+            <a:r>
+              <a:rPr lang="en-US" sz="1600" dirty="0">
+                <a:effectLst/>
+              </a:rPr>
+              <a:t> </a:t>
+            </a:r>
+            <a:r>
+              <a:rPr lang="en-US" sz="1600" dirty="0" err="1">
+                <a:effectLst/>
+              </a:rPr>
+              <a:t>sensori</a:t>
+            </a:r>
+            <a:r>
+              <a:rPr lang="en-US" sz="1600" dirty="0">
+                <a:effectLst/>
+              </a:rPr>
+              <a:t> di </a:t>
+            </a:r>
+            <a:r>
+              <a:rPr lang="en-US" sz="1600" dirty="0" err="1">
+                <a:effectLst/>
+              </a:rPr>
+              <a:t>movimento</a:t>
+            </a:r>
+            <a:r>
+              <a:rPr lang="en-US" sz="1600" dirty="0">
+                <a:effectLst/>
+              </a:rPr>
+              <a:t> </a:t>
+            </a:r>
+            <a:r>
+              <a:rPr lang="en-US" sz="1600" dirty="0" err="1">
+                <a:effectLst/>
+              </a:rPr>
+              <a:t>presenti</a:t>
+            </a:r>
+            <a:r>
+              <a:rPr lang="en-US" sz="1600" dirty="0">
+                <a:effectLst/>
+              </a:rPr>
+              <a:t> </a:t>
+            </a:r>
+            <a:r>
+              <a:rPr lang="en-US" sz="1600" dirty="0" err="1">
+                <a:effectLst/>
+              </a:rPr>
+              <a:t>nelle</a:t>
+            </a:r>
+            <a:r>
+              <a:rPr lang="en-US" sz="1600" dirty="0">
+                <a:effectLst/>
+              </a:rPr>
+              <a:t> </a:t>
+            </a:r>
+            <a:r>
+              <a:rPr lang="en-US" sz="1600" dirty="0" err="1">
+                <a:effectLst/>
+              </a:rPr>
+              <a:t>varie</a:t>
+            </a:r>
+            <a:r>
+              <a:rPr lang="en-US" sz="1600" dirty="0">
+                <a:effectLst/>
+              </a:rPr>
+              <a:t> </a:t>
+            </a:r>
+            <a:r>
+              <a:rPr lang="en-US" sz="1600" dirty="0" err="1">
+                <a:effectLst/>
+              </a:rPr>
+              <a:t>stanze</a:t>
+            </a:r>
+            <a:r>
+              <a:rPr lang="en-US" sz="1600" dirty="0">
+                <a:effectLst/>
+              </a:rPr>
+              <a:t>;</a:t>
+            </a:r>
+          </a:p>
+          <a:p>
+            <a:pPr marL="342900" indent="-342900" algn="just">
+              <a:buFont typeface="Arial" panose="020B0604020202020204" pitchFamily="34" charset="0"/>
+              <a:buChar char="•"/>
+            </a:pPr>
+            <a:endParaRPr lang="en-US" sz="2000" dirty="0">
+              <a:effectLst/>
+            </a:endParaRPr>
           </a:p>
         </p:txBody>
       </p:sp>
@@ -34440,7 +35866,7 @@
         </p:blipFill>
         <p:spPr>
           <a:xfrm>
-            <a:off x="300037" y="1232126"/>
+            <a:off x="315402" y="923329"/>
             <a:ext cx="11591925" cy="4867275"/>
           </a:xfrm>
           <a:prstGeom prst="rect">
@@ -34462,7 +35888,7 @@
         </p:nvSpPr>
         <p:spPr>
           <a:xfrm>
-            <a:off x="10480527" y="5535378"/>
+            <a:off x="10495892" y="5226581"/>
             <a:ext cx="1256947" cy="461665"/>
           </a:xfrm>
           <a:prstGeom prst="rect">
@@ -34496,6 +35922,189 @@
           </a:p>
         </p:txBody>
       </p:sp>
+      <p:sp>
+        <p:nvSpPr>
+          <p:cNvPr id="2" name="CasellaDiTesto 7">
+            <a:extLst>
+              <a:ext uri="{FF2B5EF4-FFF2-40B4-BE49-F238E27FC236}">
+                <a16:creationId xmlns:a16="http://schemas.microsoft.com/office/drawing/2014/main" id="{CC5C049A-51B4-9689-608A-C3069CEADE87}"/>
+              </a:ext>
+            </a:extLst>
+          </p:cNvPr>
+          <p:cNvSpPr txBox="1"/>
+          <p:nvPr/>
+        </p:nvSpPr>
+        <p:spPr>
+          <a:xfrm>
+            <a:off x="315402" y="6017796"/>
+            <a:ext cx="11591925" cy="338554"/>
+          </a:xfrm>
+          <a:prstGeom prst="rect">
+            <a:avLst/>
+          </a:prstGeom>
+          <a:noFill/>
+        </p:spPr>
+        <p:txBody>
+          <a:bodyPr wrap="square" rtlCol="0">
+            <a:spAutoFit/>
+          </a:bodyPr>
+          <a:lstStyle>
+            <a:defPPr>
+              <a:defRPr lang="it-IT"/>
+            </a:defPPr>
+            <a:lvl1pPr>
+              <a:defRPr sz="4800">
+                <a:ln w="0"/>
+                <a:solidFill>
+                  <a:srgbClr val="002060"/>
+                </a:solidFill>
+                <a:effectLst>
+                  <a:outerShdw blurRad="38100" dist="25400" dir="5400000" algn="ctr" rotWithShape="0">
+                    <a:srgbClr val="6E747A">
+                      <a:alpha val="43000"/>
+                    </a:srgbClr>
+                  </a:outerShdw>
+                </a:effectLst>
+              </a:defRPr>
+            </a:lvl1pPr>
+          </a:lstStyle>
+          <a:p>
+            <a:pPr marL="342900" indent="-342900" algn="just">
+              <a:buFont typeface="Arial" panose="020B0604020202020204" pitchFamily="34" charset="0"/>
+              <a:buChar char="•"/>
+            </a:pPr>
+            <a:r>
+              <a:rPr lang="en-US" sz="1600" dirty="0">
+                <a:effectLst/>
+              </a:rPr>
+              <a:t>Si </a:t>
+            </a:r>
+            <a:r>
+              <a:rPr lang="en-US" sz="1600" dirty="0" err="1">
+                <a:effectLst/>
+              </a:rPr>
+              <a:t>prevede</a:t>
+            </a:r>
+            <a:r>
+              <a:rPr lang="en-US" sz="1600" dirty="0">
+                <a:effectLst/>
+              </a:rPr>
+              <a:t> un solo </a:t>
+            </a:r>
+            <a:r>
+              <a:rPr lang="en-US" sz="1600" dirty="0" err="1">
+                <a:effectLst/>
+              </a:rPr>
+              <a:t>Gestore</a:t>
+            </a:r>
+            <a:r>
+              <a:rPr lang="en-US" sz="1600" dirty="0">
+                <a:effectLst/>
+              </a:rPr>
+              <a:t> </a:t>
+            </a:r>
+            <a:r>
+              <a:rPr lang="en-US" sz="1600" dirty="0" err="1">
+                <a:effectLst/>
+              </a:rPr>
+              <a:t>dell’Interazione</a:t>
+            </a:r>
+            <a:r>
+              <a:rPr lang="en-US" sz="1600" dirty="0">
+                <a:effectLst/>
+              </a:rPr>
+              <a:t> con </a:t>
+            </a:r>
+            <a:r>
+              <a:rPr lang="en-US" sz="1600" dirty="0" err="1">
+                <a:effectLst/>
+              </a:rPr>
+              <a:t>l’Utente</a:t>
+            </a:r>
+            <a:r>
+              <a:rPr lang="en-US" sz="1600" dirty="0">
+                <a:effectLst/>
+              </a:rPr>
+              <a:t>, </a:t>
+            </a:r>
+            <a:r>
+              <a:rPr lang="en-US" sz="1600" dirty="0" err="1">
+                <a:effectLst/>
+              </a:rPr>
+              <a:t>che</a:t>
+            </a:r>
+            <a:r>
+              <a:rPr lang="en-US" sz="1600" dirty="0">
+                <a:effectLst/>
+              </a:rPr>
+              <a:t> </a:t>
+            </a:r>
+            <a:r>
+              <a:rPr lang="en-US" sz="1600" dirty="0" err="1">
+                <a:effectLst/>
+              </a:rPr>
+              <a:t>si</a:t>
+            </a:r>
+            <a:r>
+              <a:rPr lang="en-US" sz="1600" dirty="0">
+                <a:effectLst/>
+              </a:rPr>
+              <a:t> </a:t>
+            </a:r>
+            <a:r>
+              <a:rPr lang="en-US" sz="1600" dirty="0" err="1">
+                <a:effectLst/>
+              </a:rPr>
+              <a:t>occuperà</a:t>
+            </a:r>
+            <a:r>
+              <a:rPr lang="en-US" sz="1600" dirty="0">
+                <a:effectLst/>
+              </a:rPr>
+              <a:t> di </a:t>
+            </a:r>
+            <a:r>
+              <a:rPr lang="en-US" sz="1600" dirty="0" err="1">
+                <a:effectLst/>
+              </a:rPr>
+              <a:t>tutte</a:t>
+            </a:r>
+            <a:r>
+              <a:rPr lang="en-US" sz="1600" dirty="0">
+                <a:effectLst/>
+              </a:rPr>
+              <a:t> le </a:t>
+            </a:r>
+            <a:r>
+              <a:rPr lang="en-US" sz="1600" dirty="0" err="1">
+                <a:effectLst/>
+              </a:rPr>
+              <a:t>possibili</a:t>
+            </a:r>
+            <a:r>
+              <a:rPr lang="en-US" sz="1600" dirty="0">
+                <a:effectLst/>
+              </a:rPr>
+              <a:t> </a:t>
+            </a:r>
+            <a:r>
+              <a:rPr lang="en-US" sz="1600" dirty="0" err="1">
+                <a:effectLst/>
+              </a:rPr>
+              <a:t>richieste</a:t>
+            </a:r>
+            <a:r>
+              <a:rPr lang="en-US" sz="1600" dirty="0">
+                <a:effectLst/>
+              </a:rPr>
+              <a:t>;</a:t>
+            </a:r>
+            <a:endParaRPr lang="en-US" sz="2000" dirty="0">
+              <a:effectLst/>
+            </a:endParaRPr>
+          </a:p>
+        </p:txBody>
+      </p:sp>
     </p:spTree>
     <p:extLst>
       <p:ext uri="{BB962C8B-B14F-4D97-AF65-F5344CB8AC3E}">
@@ -34510,6 +36119,624 @@
 </file>
 
 <file path=ppt/slides/slide42.xml><?xml version="1.0" encoding="utf-8"?>
+<p:sld xmlns:a="http://schemas.openxmlformats.org/drawingml/2006/main" xmlns:r="http://schemas.openxmlformats.org/officeDocument/2006/relationships" xmlns:p="http://schemas.openxmlformats.org/presentationml/2006/main">
+  <p:cSld>
+    <p:spTree>
+      <p:nvGrpSpPr>
+        <p:cNvPr id="1" name=""/>
+        <p:cNvGrpSpPr/>
+        <p:nvPr/>
+      </p:nvGrpSpPr>
+      <p:grpSpPr>
+        <a:xfrm>
+          <a:off x="0" y="0"/>
+          <a:ext cx="0" cy="0"/>
+          <a:chOff x="0" y="0"/>
+          <a:chExt cx="0" cy="0"/>
+        </a:xfrm>
+      </p:grpSpPr>
+      <p:sp>
+        <p:nvSpPr>
+          <p:cNvPr id="4" name="Segnaposto numero diapositiva 3">
+            <a:extLst>
+              <a:ext uri="{FF2B5EF4-FFF2-40B4-BE49-F238E27FC236}">
+                <a16:creationId xmlns:a16="http://schemas.microsoft.com/office/drawing/2014/main" id="{91E057A0-BAB1-4D57-BDBD-F8F3DE02BEE1}"/>
+              </a:ext>
+            </a:extLst>
+          </p:cNvPr>
+          <p:cNvSpPr>
+            <a:spLocks noGrp="1"/>
+          </p:cNvSpPr>
+          <p:nvPr>
+            <p:ph type="sldNum" sz="quarter" idx="12"/>
+          </p:nvPr>
+        </p:nvSpPr>
+        <p:spPr/>
+        <p:txBody>
+          <a:bodyPr/>
+          <a:lstStyle/>
+          <a:p>
+            <a:fld id="{AFB85319-5DF8-4B17-9881-6D5B2C7AB305}" type="slidenum">
+              <a:rPr lang="it-IT" smtClean="0"/>
+              <a:t>42</a:t>
+            </a:fld>
+            <a:endParaRPr lang="it-IT"/>
+          </a:p>
+        </p:txBody>
+      </p:sp>
+      <p:pic>
+        <p:nvPicPr>
+          <p:cNvPr id="6" name="Immagine 5">
+            <a:extLst>
+              <a:ext uri="{FF2B5EF4-FFF2-40B4-BE49-F238E27FC236}">
+                <a16:creationId xmlns:a16="http://schemas.microsoft.com/office/drawing/2014/main" id="{64DD2710-C925-4AEB-B772-6D532D848EB4}"/>
+              </a:ext>
+            </a:extLst>
+          </p:cNvPr>
+          <p:cNvPicPr>
+            <a:picLocks noChangeAspect="1"/>
+          </p:cNvPicPr>
+          <p:nvPr/>
+        </p:nvPicPr>
+        <p:blipFill rotWithShape="1">
+          <a:blip r:embed="rId2"/>
+          <a:srcRect l="17779" t="42905" r="48946" b="12551"/>
+          <a:stretch/>
+        </p:blipFill>
+        <p:spPr>
+          <a:xfrm>
+            <a:off x="85034" y="0"/>
+            <a:ext cx="3587649" cy="754398"/>
+          </a:xfrm>
+          <a:prstGeom prst="rect">
+            <a:avLst/>
+          </a:prstGeom>
+        </p:spPr>
+      </p:pic>
+      <p:sp>
+        <p:nvSpPr>
+          <p:cNvPr id="8" name="CasellaDiTesto 7">
+            <a:extLst>
+              <a:ext uri="{FF2B5EF4-FFF2-40B4-BE49-F238E27FC236}">
+                <a16:creationId xmlns:a16="http://schemas.microsoft.com/office/drawing/2014/main" id="{3E0E40B7-DD25-4779-A260-DCF2A62C4B41}"/>
+              </a:ext>
+            </a:extLst>
+          </p:cNvPr>
+          <p:cNvSpPr txBox="1"/>
+          <p:nvPr/>
+        </p:nvSpPr>
+        <p:spPr>
+          <a:xfrm>
+            <a:off x="85035" y="0"/>
+            <a:ext cx="3587649" cy="584775"/>
+          </a:xfrm>
+          <a:prstGeom prst="rect">
+            <a:avLst/>
+          </a:prstGeom>
+          <a:noFill/>
+        </p:spPr>
+        <p:txBody>
+          <a:bodyPr wrap="none" rtlCol="0">
+            <a:spAutoFit/>
+          </a:bodyPr>
+          <a:lstStyle>
+            <a:defPPr>
+              <a:defRPr lang="it-IT"/>
+            </a:defPPr>
+            <a:lvl1pPr>
+              <a:defRPr sz="4800">
+                <a:ln w="0"/>
+                <a:solidFill>
+                  <a:srgbClr val="002060"/>
+                </a:solidFill>
+                <a:effectLst>
+                  <a:outerShdw blurRad="38100" dist="25400" dir="5400000" algn="ctr" rotWithShape="0">
+                    <a:srgbClr val="6E747A">
+                      <a:alpha val="43000"/>
+                    </a:srgbClr>
+                  </a:outerShdw>
+                </a:effectLst>
+              </a:defRPr>
+            </a:lvl1pPr>
+          </a:lstStyle>
+          <a:p>
+            <a:r>
+              <a:rPr lang="en-US" sz="3200" dirty="0" err="1"/>
+              <a:t>Gestore</a:t>
+            </a:r>
+            <a:r>
+              <a:rPr lang="en-US" sz="3200" dirty="0"/>
+              <a:t> Smartwatch</a:t>
+            </a:r>
+            <a:endParaRPr lang="it-IT" sz="3200" i="1" dirty="0"/>
+          </a:p>
+        </p:txBody>
+      </p:sp>
+      <p:sp>
+        <p:nvSpPr>
+          <p:cNvPr id="7" name="TextBox 6">
+            <a:extLst>
+              <a:ext uri="{FF2B5EF4-FFF2-40B4-BE49-F238E27FC236}">
+                <a16:creationId xmlns:a16="http://schemas.microsoft.com/office/drawing/2014/main" id="{B1B5105D-CD00-6FC2-1E72-8B7CA8AC2DB4}"/>
+              </a:ext>
+            </a:extLst>
+          </p:cNvPr>
+          <p:cNvSpPr txBox="1"/>
+          <p:nvPr/>
+        </p:nvSpPr>
+        <p:spPr>
+          <a:xfrm>
+            <a:off x="9840285" y="2924432"/>
+            <a:ext cx="1256947" cy="461665"/>
+          </a:xfrm>
+          <a:prstGeom prst="rect">
+            <a:avLst/>
+          </a:prstGeom>
+          <a:noFill/>
+          <a:ln>
+            <a:solidFill>
+              <a:schemeClr val="tx1"/>
+            </a:solidFill>
+          </a:ln>
+        </p:spPr>
+        <p:txBody>
+          <a:bodyPr wrap="none" rtlCol="0" anchor="ctr">
+            <a:spAutoFit/>
+          </a:bodyPr>
+          <a:lstStyle/>
+          <a:p>
+            <a:pPr algn="ctr"/>
+            <a:r>
+              <a:rPr lang="it-IT" sz="1200" b="1" i="1" dirty="0"/>
+              <a:t>&lt;&lt;molteplicità&gt;&gt;</a:t>
+            </a:r>
+          </a:p>
+          <a:p>
+            <a:pPr algn="ctr"/>
+            <a:r>
+              <a:rPr lang="it-IT" sz="1200" b="1" i="1" dirty="0"/>
+              <a:t>#residenti</a:t>
+            </a:r>
+          </a:p>
+        </p:txBody>
+      </p:sp>
+      <p:sp>
+        <p:nvSpPr>
+          <p:cNvPr id="2" name="CasellaDiTesto 7">
+            <a:extLst>
+              <a:ext uri="{FF2B5EF4-FFF2-40B4-BE49-F238E27FC236}">
+                <a16:creationId xmlns:a16="http://schemas.microsoft.com/office/drawing/2014/main" id="{CC5C049A-51B4-9689-608A-C3069CEADE87}"/>
+              </a:ext>
+            </a:extLst>
+          </p:cNvPr>
+          <p:cNvSpPr txBox="1"/>
+          <p:nvPr/>
+        </p:nvSpPr>
+        <p:spPr>
+          <a:xfrm>
+            <a:off x="315402" y="5461694"/>
+            <a:ext cx="9328930" cy="1077218"/>
+          </a:xfrm>
+          <a:prstGeom prst="rect">
+            <a:avLst/>
+          </a:prstGeom>
+          <a:noFill/>
+        </p:spPr>
+        <p:txBody>
+          <a:bodyPr wrap="square" rtlCol="0">
+            <a:spAutoFit/>
+          </a:bodyPr>
+          <a:lstStyle>
+            <a:defPPr>
+              <a:defRPr lang="it-IT"/>
+            </a:defPPr>
+            <a:lvl1pPr>
+              <a:defRPr sz="4800">
+                <a:ln w="0"/>
+                <a:solidFill>
+                  <a:srgbClr val="002060"/>
+                </a:solidFill>
+                <a:effectLst>
+                  <a:outerShdw blurRad="38100" dist="25400" dir="5400000" algn="ctr" rotWithShape="0">
+                    <a:srgbClr val="6E747A">
+                      <a:alpha val="43000"/>
+                    </a:srgbClr>
+                  </a:outerShdw>
+                </a:effectLst>
+              </a:defRPr>
+            </a:lvl1pPr>
+          </a:lstStyle>
+          <a:p>
+            <a:pPr marL="342900" indent="-342900" algn="just">
+              <a:buFont typeface="Arial" panose="020B0604020202020204" pitchFamily="34" charset="0"/>
+              <a:buChar char="•"/>
+            </a:pPr>
+            <a:r>
+              <a:rPr lang="en-US" sz="1600" dirty="0">
+                <a:effectLst/>
+              </a:rPr>
+              <a:t>Il </a:t>
+            </a:r>
+            <a:r>
+              <a:rPr lang="en-US" sz="1600" dirty="0" err="1">
+                <a:effectLst/>
+              </a:rPr>
+              <a:t>controllo</a:t>
+            </a:r>
+            <a:r>
+              <a:rPr lang="en-US" sz="1600" dirty="0">
+                <a:effectLst/>
+              </a:rPr>
+              <a:t> </a:t>
+            </a:r>
+            <a:r>
+              <a:rPr lang="en-US" sz="1600" dirty="0" err="1">
+                <a:effectLst/>
+              </a:rPr>
+              <a:t>della</a:t>
+            </a:r>
+            <a:r>
+              <a:rPr lang="en-US" sz="1600" dirty="0">
+                <a:effectLst/>
+              </a:rPr>
+              <a:t> </a:t>
+            </a:r>
+            <a:r>
+              <a:rPr lang="en-US" sz="1600" dirty="0" err="1">
+                <a:effectLst/>
+              </a:rPr>
+              <a:t>presenza</a:t>
+            </a:r>
+            <a:r>
+              <a:rPr lang="en-US" sz="1600" dirty="0">
+                <a:effectLst/>
+              </a:rPr>
+              <a:t> </a:t>
+            </a:r>
+            <a:r>
+              <a:rPr lang="en-US" sz="1600" dirty="0" err="1">
+                <a:effectLst/>
+              </a:rPr>
+              <a:t>dello</a:t>
+            </a:r>
+            <a:r>
+              <a:rPr lang="en-US" sz="1600" dirty="0">
+                <a:effectLst/>
+              </a:rPr>
+              <a:t> Smartwatch </a:t>
+            </a:r>
+            <a:r>
+              <a:rPr lang="en-US" sz="1600" dirty="0" err="1">
+                <a:effectLst/>
+              </a:rPr>
+              <a:t>viene</a:t>
+            </a:r>
+            <a:r>
+              <a:rPr lang="en-US" sz="1600" dirty="0">
+                <a:effectLst/>
+              </a:rPr>
+              <a:t> </a:t>
+            </a:r>
+            <a:r>
+              <a:rPr lang="en-US" sz="1600" dirty="0" err="1">
+                <a:effectLst/>
+              </a:rPr>
+              <a:t>fatto</a:t>
+            </a:r>
+            <a:r>
+              <a:rPr lang="en-US" sz="1600" dirty="0">
+                <a:effectLst/>
+              </a:rPr>
+              <a:t> </a:t>
+            </a:r>
+            <a:r>
+              <a:rPr lang="en-US" sz="1600" dirty="0" err="1">
+                <a:effectLst/>
+              </a:rPr>
+              <a:t>considerando</a:t>
+            </a:r>
+            <a:r>
+              <a:rPr lang="en-US" sz="1600" dirty="0">
+                <a:effectLst/>
+              </a:rPr>
+              <a:t> </a:t>
+            </a:r>
+            <a:r>
+              <a:rPr lang="en-US" sz="1600" dirty="0" err="1">
+                <a:effectLst/>
+              </a:rPr>
+              <a:t>solamente</a:t>
+            </a:r>
+            <a:r>
+              <a:rPr lang="en-US" sz="1600" dirty="0">
+                <a:effectLst/>
+              </a:rPr>
+              <a:t> le </a:t>
+            </a:r>
+            <a:r>
+              <a:rPr lang="en-US" sz="1600" dirty="0" err="1">
+                <a:effectLst/>
+              </a:rPr>
+              <a:t>ultime</a:t>
+            </a:r>
+            <a:r>
+              <a:rPr lang="en-US" sz="1600" dirty="0">
+                <a:effectLst/>
+              </a:rPr>
+              <a:t> </a:t>
+            </a:r>
+            <a:r>
+              <a:rPr lang="en-US" sz="1600" dirty="0" err="1">
+                <a:effectLst/>
+              </a:rPr>
+              <a:t>rilevazioni</a:t>
+            </a:r>
+            <a:r>
+              <a:rPr lang="en-US" sz="1600" dirty="0">
+                <a:effectLst/>
+              </a:rPr>
+              <a:t> </a:t>
+            </a:r>
+            <a:r>
+              <a:rPr lang="en-US" sz="1600" dirty="0" err="1">
+                <a:effectLst/>
+              </a:rPr>
+              <a:t>raccolte</a:t>
+            </a:r>
+            <a:r>
+              <a:rPr lang="en-US" sz="1600" dirty="0">
+                <a:effectLst/>
+              </a:rPr>
+              <a:t> </a:t>
+            </a:r>
+            <a:r>
+              <a:rPr lang="en-US" sz="1600" dirty="0" err="1">
+                <a:effectLst/>
+              </a:rPr>
+              <a:t>dai</a:t>
+            </a:r>
+            <a:r>
+              <a:rPr lang="en-US" sz="1600" dirty="0">
+                <a:effectLst/>
+              </a:rPr>
+              <a:t> </a:t>
+            </a:r>
+            <a:r>
+              <a:rPr lang="en-US" sz="1600" dirty="0" err="1">
+                <a:effectLst/>
+              </a:rPr>
+              <a:t>sensori</a:t>
+            </a:r>
+            <a:r>
+              <a:rPr lang="en-US" sz="1600" dirty="0">
+                <a:effectLst/>
+              </a:rPr>
+              <a:t>;</a:t>
+            </a:r>
+          </a:p>
+          <a:p>
+            <a:pPr marL="342900" indent="-342900" algn="just">
+              <a:buFont typeface="Arial" panose="020B0604020202020204" pitchFamily="34" charset="0"/>
+              <a:buChar char="•"/>
+            </a:pPr>
+            <a:r>
+              <a:rPr lang="en-US" sz="1600" dirty="0">
+                <a:effectLst/>
+              </a:rPr>
+              <a:t>La </a:t>
+            </a:r>
+            <a:r>
+              <a:rPr lang="en-US" sz="1600" dirty="0" err="1">
+                <a:effectLst/>
+              </a:rPr>
+              <a:t>molteplicità</a:t>
+            </a:r>
+            <a:r>
+              <a:rPr lang="en-US" sz="1600" dirty="0">
+                <a:effectLst/>
+              </a:rPr>
+              <a:t> di </a:t>
+            </a:r>
+            <a:r>
+              <a:rPr lang="en-US" sz="1600" dirty="0" err="1">
+                <a:effectLst/>
+              </a:rPr>
+              <a:t>questo</a:t>
+            </a:r>
+            <a:r>
+              <a:rPr lang="en-US" sz="1600" dirty="0">
+                <a:effectLst/>
+              </a:rPr>
+              <a:t> </a:t>
+            </a:r>
+            <a:r>
+              <a:rPr lang="en-US" sz="1600" dirty="0" err="1">
+                <a:effectLst/>
+              </a:rPr>
+              <a:t>componente</a:t>
+            </a:r>
+            <a:r>
+              <a:rPr lang="en-US" sz="1600" dirty="0">
+                <a:effectLst/>
+              </a:rPr>
+              <a:t> è </a:t>
+            </a:r>
+            <a:r>
+              <a:rPr lang="en-US" sz="1600" dirty="0" err="1">
+                <a:effectLst/>
+              </a:rPr>
+              <a:t>pari</a:t>
+            </a:r>
+            <a:r>
+              <a:rPr lang="en-US" sz="1600" dirty="0">
+                <a:effectLst/>
+              </a:rPr>
+              <a:t> al </a:t>
+            </a:r>
+            <a:r>
+              <a:rPr lang="en-US" sz="1600" dirty="0" err="1">
+                <a:effectLst/>
+              </a:rPr>
+              <a:t>numero</a:t>
+            </a:r>
+            <a:r>
+              <a:rPr lang="en-US" sz="1600" dirty="0">
+                <a:effectLst/>
+              </a:rPr>
+              <a:t> di </a:t>
+            </a:r>
+            <a:r>
+              <a:rPr lang="en-US" sz="1600" dirty="0" err="1">
+                <a:effectLst/>
+              </a:rPr>
+              <a:t>residenti</a:t>
+            </a:r>
+            <a:r>
+              <a:rPr lang="en-US" sz="1600" dirty="0">
+                <a:effectLst/>
+              </a:rPr>
+              <a:t>, </a:t>
+            </a:r>
+            <a:r>
+              <a:rPr lang="en-US" sz="1600" dirty="0" err="1">
+                <a:effectLst/>
+              </a:rPr>
+              <a:t>perché</a:t>
+            </a:r>
+            <a:r>
+              <a:rPr lang="en-US" sz="1600" dirty="0">
+                <a:effectLst/>
+              </a:rPr>
+              <a:t> </a:t>
+            </a:r>
+            <a:r>
+              <a:rPr lang="en-US" sz="1600" dirty="0" err="1">
+                <a:effectLst/>
+              </a:rPr>
+              <a:t>si</a:t>
+            </a:r>
+            <a:r>
+              <a:rPr lang="en-US" sz="1600" dirty="0">
+                <a:effectLst/>
+              </a:rPr>
+              <a:t> </a:t>
+            </a:r>
+            <a:r>
+              <a:rPr lang="en-US" sz="1600" dirty="0" err="1">
+                <a:effectLst/>
+              </a:rPr>
+              <a:t>prevede</a:t>
+            </a:r>
+            <a:r>
+              <a:rPr lang="en-US" sz="1600" dirty="0">
+                <a:effectLst/>
+              </a:rPr>
+              <a:t> la </a:t>
+            </a:r>
+            <a:r>
+              <a:rPr lang="en-US" sz="1600" dirty="0" err="1">
+                <a:effectLst/>
+              </a:rPr>
+              <a:t>sua</a:t>
+            </a:r>
+            <a:r>
+              <a:rPr lang="en-US" sz="1600" dirty="0">
+                <a:effectLst/>
+              </a:rPr>
+              <a:t> </a:t>
+            </a:r>
+            <a:r>
+              <a:rPr lang="en-US" sz="1600" dirty="0" err="1">
+                <a:effectLst/>
+              </a:rPr>
+              <a:t>esecuzione</a:t>
+            </a:r>
+            <a:r>
+              <a:rPr lang="en-US" sz="1600" dirty="0">
+                <a:effectLst/>
+              </a:rPr>
+              <a:t> </a:t>
+            </a:r>
+            <a:r>
+              <a:rPr lang="en-US" sz="1600" dirty="0" err="1">
+                <a:effectLst/>
+              </a:rPr>
+              <a:t>direttamente</a:t>
+            </a:r>
+            <a:r>
+              <a:rPr lang="en-US" sz="1600" dirty="0">
+                <a:effectLst/>
+              </a:rPr>
+              <a:t> </a:t>
+            </a:r>
+            <a:r>
+              <a:rPr lang="en-US" sz="1600" dirty="0" err="1">
+                <a:effectLst/>
+              </a:rPr>
+              <a:t>sullo</a:t>
+            </a:r>
+            <a:r>
+              <a:rPr lang="en-US" sz="1600" dirty="0">
+                <a:effectLst/>
+              </a:rPr>
+              <a:t> smartwatch.</a:t>
+            </a:r>
+            <a:endParaRPr lang="en-US" sz="2000" dirty="0">
+              <a:effectLst/>
+            </a:endParaRPr>
+          </a:p>
+        </p:txBody>
+      </p:sp>
+      <p:pic>
+        <p:nvPicPr>
+          <p:cNvPr id="9" name="Picture 8" descr="A picture containing diagram&#10;&#10;Description automatically generated">
+            <a:extLst>
+              <a:ext uri="{FF2B5EF4-FFF2-40B4-BE49-F238E27FC236}">
+                <a16:creationId xmlns:a16="http://schemas.microsoft.com/office/drawing/2014/main" id="{7C0F6784-8523-8A13-21DE-FEE86CC55D77}"/>
+              </a:ext>
+            </a:extLst>
+          </p:cNvPr>
+          <p:cNvPicPr>
+            <a:picLocks noChangeAspect="1"/>
+          </p:cNvPicPr>
+          <p:nvPr/>
+        </p:nvPicPr>
+        <p:blipFill>
+          <a:blip r:embed="rId3">
+            <a:extLst>
+              <a:ext uri="{28A0092B-C50C-407E-A947-70E740481C1C}">
+                <a14:useLocalDpi xmlns:a14="http://schemas.microsoft.com/office/drawing/2010/main" val="0"/>
+              </a:ext>
+            </a:extLst>
+          </a:blip>
+          <a:stretch>
+            <a:fillRect/>
+          </a:stretch>
+        </p:blipFill>
+        <p:spPr>
+          <a:xfrm>
+            <a:off x="315402" y="754398"/>
+            <a:ext cx="10934700" cy="5534025"/>
+          </a:xfrm>
+          <a:prstGeom prst="rect">
+            <a:avLst/>
+          </a:prstGeom>
+        </p:spPr>
+      </p:pic>
+    </p:spTree>
+    <p:extLst>
+      <p:ext uri="{BB962C8B-B14F-4D97-AF65-F5344CB8AC3E}">
+        <p14:creationId xmlns:p14="http://schemas.microsoft.com/office/powerpoint/2010/main" val="464333130"/>
+      </p:ext>
+    </p:extLst>
+  </p:cSld>
+  <p:clrMapOvr>
+    <a:masterClrMapping/>
+  </p:clrMapOvr>
+</p:sld>
+</file>
+
+<file path=ppt/slides/slide43.xml><?xml version="1.0" encoding="utf-8"?>
 <p:sld xmlns:a="http://schemas.openxmlformats.org/drawingml/2006/main" xmlns:r="http://schemas.openxmlformats.org/officeDocument/2006/relationships" xmlns:p="http://schemas.openxmlformats.org/presentationml/2006/main">
   <p:cSld>
     <p:spTree>
@@ -34549,7 +36776,7 @@
           <a:p>
             <a:fld id="{AFB85319-5DF8-4B17-9881-6D5B2C7AB305}" type="slidenum">
               <a:rPr lang="it-IT" sz="1400" smtClean="0"/>
-              <a:t>42</a:t>
+              <a:t>43</a:t>
             </a:fld>
             <a:endParaRPr lang="it-IT" sz="1400"/>
           </a:p>
@@ -34599,8 +36826,8 @@
         </p:nvSpPr>
         <p:spPr>
           <a:xfrm>
-            <a:off x="986138" y="2998550"/>
-            <a:ext cx="10219721" cy="1938992"/>
+            <a:off x="1262366" y="4831586"/>
+            <a:ext cx="10219721" cy="1015663"/>
           </a:xfrm>
           <a:prstGeom prst="rect">
             <a:avLst/>
@@ -34628,26 +36855,7 @@
                   </a:outerShdw>
                 </a:effectLst>
               </a:rPr>
-              <a:t>Concrete</a:t>
-            </a:r>
-          </a:p>
-          <a:p>
-            <a:pPr algn="ctr"/>
-            <a:r>
-              <a:rPr lang="en-US" sz="6000" i="1" dirty="0">
-                <a:ln w="0"/>
-                <a:solidFill>
-                  <a:srgbClr val="002060"/>
-                </a:solidFill>
-                <a:effectLst>
-                  <a:outerShdw blurRad="38100" dist="25400" dir="5400000" algn="ctr" rotWithShape="0">
-                    <a:srgbClr val="6E747A">
-                      <a:alpha val="43000"/>
-                    </a:srgbClr>
-                  </a:outerShdw>
-                </a:effectLst>
-              </a:rPr>
-              <a:t>Architecture</a:t>
+              <a:t>Concrete Architecture</a:t>
             </a:r>
             <a:endParaRPr lang="it-IT" sz="6000" i="1" dirty="0">
               <a:ln w="0"/>
@@ -34770,71 +36978,12 @@
           </a:extLst>
         </p:spPr>
       </p:pic>
-    </p:spTree>
-    <p:extLst>
-      <p:ext uri="{BB962C8B-B14F-4D97-AF65-F5344CB8AC3E}">
-        <p14:creationId xmlns:p14="http://schemas.microsoft.com/office/powerpoint/2010/main" val="2034156234"/>
-      </p:ext>
-    </p:extLst>
-  </p:cSld>
-  <p:clrMapOvr>
-    <a:masterClrMapping/>
-  </p:clrMapOvr>
-</p:sld>
-</file>
-
-<file path=ppt/slides/slide43.xml><?xml version="1.0" encoding="utf-8"?>
-<p:sld xmlns:a="http://schemas.openxmlformats.org/drawingml/2006/main" xmlns:r="http://schemas.openxmlformats.org/officeDocument/2006/relationships" xmlns:p="http://schemas.openxmlformats.org/presentationml/2006/main">
-  <p:cSld>
-    <p:spTree>
-      <p:nvGrpSpPr>
-        <p:cNvPr id="1" name=""/>
-        <p:cNvGrpSpPr/>
-        <p:nvPr/>
-      </p:nvGrpSpPr>
-      <p:grpSpPr>
-        <a:xfrm>
-          <a:off x="0" y="0"/>
-          <a:ext cx="0" cy="0"/>
-          <a:chOff x="0" y="0"/>
-          <a:chExt cx="0" cy="0"/>
-        </a:xfrm>
-      </p:grpSpPr>
-      <p:sp>
-        <p:nvSpPr>
-          <p:cNvPr id="4" name="Segnaposto numero diapositiva 3">
+      <p:pic>
+        <p:nvPicPr>
+          <p:cNvPr id="5" name="Picture 4" descr="A picture containing engineering drawing&#10;&#10;Description automatically generated">
             <a:extLst>
               <a:ext uri="{FF2B5EF4-FFF2-40B4-BE49-F238E27FC236}">
-                <a16:creationId xmlns:a16="http://schemas.microsoft.com/office/drawing/2014/main" id="{91E057A0-BAB1-4D57-BDBD-F8F3DE02BEE1}"/>
-              </a:ext>
-            </a:extLst>
-          </p:cNvPr>
-          <p:cNvSpPr>
-            <a:spLocks noGrp="1"/>
-          </p:cNvSpPr>
-          <p:nvPr>
-            <p:ph type="sldNum" sz="quarter" idx="12"/>
-          </p:nvPr>
-        </p:nvSpPr>
-        <p:spPr/>
-        <p:txBody>
-          <a:bodyPr/>
-          <a:lstStyle/>
-          <a:p>
-            <a:fld id="{AFB85319-5DF8-4B17-9881-6D5B2C7AB305}" type="slidenum">
-              <a:rPr lang="it-IT" smtClean="0"/>
-              <a:t>43</a:t>
-            </a:fld>
-            <a:endParaRPr lang="it-IT"/>
-          </a:p>
-        </p:txBody>
-      </p:sp>
-      <p:pic>
-        <p:nvPicPr>
-          <p:cNvPr id="6" name="Immagine 5">
-            <a:extLst>
-              <a:ext uri="{FF2B5EF4-FFF2-40B4-BE49-F238E27FC236}">
-                <a16:creationId xmlns:a16="http://schemas.microsoft.com/office/drawing/2014/main" id="{64DD2710-C925-4AEB-B772-6D532D848EB4}"/>
+                <a16:creationId xmlns:a16="http://schemas.microsoft.com/office/drawing/2014/main" id="{1029CF78-93B4-DEBF-B55B-F6D454B0B638}"/>
               </a:ext>
             </a:extLst>
           </p:cNvPr>
@@ -34844,142 +36993,30 @@
           <p:nvPr/>
         </p:nvPicPr>
         <p:blipFill rotWithShape="1">
-          <a:blip r:embed="rId2"/>
-          <a:srcRect l="5288" t="10969" r="44800" b="12551"/>
+          <a:blip r:embed="rId4">
+            <a:extLst>
+              <a:ext uri="{28A0092B-C50C-407E-A947-70E740481C1C}">
+                <a14:useLocalDpi xmlns:a14="http://schemas.microsoft.com/office/drawing/2010/main" val="0"/>
+              </a:ext>
+            </a:extLst>
+          </a:blip>
+          <a:srcRect t="4163"/>
           <a:stretch/>
         </p:blipFill>
         <p:spPr>
           <a:xfrm>
-            <a:off x="215980" y="231353"/>
-            <a:ext cx="5381485" cy="1295266"/>
+            <a:off x="4280766" y="1667508"/>
+            <a:ext cx="3630465" cy="3350463"/>
           </a:xfrm>
           <a:prstGeom prst="rect">
             <a:avLst/>
           </a:prstGeom>
         </p:spPr>
       </p:pic>
-      <p:sp>
-        <p:nvSpPr>
-          <p:cNvPr id="8" name="CasellaDiTesto 7">
-            <a:extLst>
-              <a:ext uri="{FF2B5EF4-FFF2-40B4-BE49-F238E27FC236}">
-                <a16:creationId xmlns:a16="http://schemas.microsoft.com/office/drawing/2014/main" id="{3E0E40B7-DD25-4779-A260-DCF2A62C4B41}"/>
-              </a:ext>
-            </a:extLst>
-          </p:cNvPr>
-          <p:cNvSpPr txBox="1"/>
-          <p:nvPr/>
-        </p:nvSpPr>
-        <p:spPr>
-          <a:xfrm>
-            <a:off x="1562771" y="772221"/>
-            <a:ext cx="4034694" cy="584775"/>
-          </a:xfrm>
-          <a:prstGeom prst="rect">
-            <a:avLst/>
-          </a:prstGeom>
-          <a:noFill/>
-        </p:spPr>
-        <p:txBody>
-          <a:bodyPr wrap="none" rtlCol="0">
-            <a:spAutoFit/>
-          </a:bodyPr>
-          <a:lstStyle>
-            <a:defPPr>
-              <a:defRPr lang="it-IT"/>
-            </a:defPPr>
-            <a:lvl1pPr>
-              <a:defRPr sz="4800">
-                <a:ln w="0"/>
-                <a:solidFill>
-                  <a:srgbClr val="002060"/>
-                </a:solidFill>
-                <a:effectLst>
-                  <a:outerShdw blurRad="38100" dist="25400" dir="5400000" algn="ctr" rotWithShape="0">
-                    <a:srgbClr val="6E747A">
-                      <a:alpha val="43000"/>
-                    </a:srgbClr>
-                  </a:outerShdw>
-                </a:effectLst>
-              </a:defRPr>
-            </a:lvl1pPr>
-          </a:lstStyle>
-          <a:p>
-            <a:r>
-              <a:rPr lang="en-US" sz="3200" dirty="0" err="1"/>
-              <a:t>Diagramma</a:t>
-            </a:r>
-            <a:r>
-              <a:rPr lang="en-US" sz="3200" dirty="0"/>
-              <a:t> </a:t>
-            </a:r>
-            <a:r>
-              <a:rPr lang="en-US" sz="3200" dirty="0" err="1"/>
-              <a:t>delle</a:t>
-            </a:r>
-            <a:r>
-              <a:rPr lang="en-US" sz="3200" dirty="0"/>
-              <a:t> </a:t>
-            </a:r>
-            <a:r>
-              <a:rPr lang="en-US" sz="3200" dirty="0" err="1"/>
-              <a:t>Classi</a:t>
-            </a:r>
-            <a:endParaRPr lang="it-IT" sz="3200" i="1" dirty="0"/>
-          </a:p>
-        </p:txBody>
-      </p:sp>
-      <p:pic>
-        <p:nvPicPr>
-          <p:cNvPr id="9" name="Picture 2" descr="Università degli Studi di Milano-Bicocca - Wikipedia">
-            <a:extLst>
-              <a:ext uri="{FF2B5EF4-FFF2-40B4-BE49-F238E27FC236}">
-                <a16:creationId xmlns:a16="http://schemas.microsoft.com/office/drawing/2014/main" id="{9D1896BC-6EF3-43D9-B8A2-217137CA9550}"/>
-              </a:ext>
-            </a:extLst>
-          </p:cNvPr>
-          <p:cNvPicPr>
-            <a:picLocks noChangeAspect="1" noChangeArrowheads="1"/>
-          </p:cNvPicPr>
-          <p:nvPr/>
-        </p:nvPicPr>
-        <p:blipFill>
-          <a:blip r:embed="rId3">
-            <a:extLst>
-              <a:ext uri="{28A0092B-C50C-407E-A947-70E740481C1C}">
-                <a14:useLocalDpi xmlns:a14="http://schemas.microsoft.com/office/drawing/2010/main" val="0"/>
-              </a:ext>
-            </a:extLst>
-          </a:blip>
-          <a:srcRect/>
-          <a:stretch>
-            <a:fillRect/>
-          </a:stretch>
-        </p:blipFill>
-        <p:spPr bwMode="auto">
-          <a:xfrm>
-            <a:off x="215979" y="254984"/>
-            <a:ext cx="1346792" cy="1331078"/>
-          </a:xfrm>
-          <a:prstGeom prst="rect">
-            <a:avLst/>
-          </a:prstGeom>
-          <a:noFill/>
-          <a:extLst>
-            <a:ext uri="{909E8E84-426E-40DD-AFC4-6F175D3DCCD1}">
-              <a14:hiddenFill xmlns:a14="http://schemas.microsoft.com/office/drawing/2010/main">
-                <a:solidFill>
-                  <a:srgbClr val="FFFFFF"/>
-                </a:solidFill>
-              </a14:hiddenFill>
-            </a:ext>
-          </a:extLst>
-        </p:spPr>
-      </p:pic>
     </p:spTree>
     <p:extLst>
       <p:ext uri="{BB962C8B-B14F-4D97-AF65-F5344CB8AC3E}">
-        <p14:creationId xmlns:p14="http://schemas.microsoft.com/office/powerpoint/2010/main" val="48041517"/>
+        <p14:creationId xmlns:p14="http://schemas.microsoft.com/office/powerpoint/2010/main" val="2563873281"/>
       </p:ext>
     </p:extLst>
   </p:cSld>
@@ -35051,13 +37088,13 @@
         </p:nvPicPr>
         <p:blipFill rotWithShape="1">
           <a:blip r:embed="rId2"/>
-          <a:srcRect l="5288" t="10969" r="47745" b="12551"/>
+          <a:srcRect l="17779" t="42905" r="44800" b="12551"/>
           <a:stretch/>
         </p:blipFill>
         <p:spPr>
           <a:xfrm>
-            <a:off x="215980" y="231353"/>
-            <a:ext cx="5063899" cy="1295266"/>
+            <a:off x="166778" y="59404"/>
+            <a:ext cx="4034694" cy="754398"/>
           </a:xfrm>
           <a:prstGeom prst="rect">
             <a:avLst/>
@@ -35078,8 +37115,8 @@
         </p:nvSpPr>
         <p:spPr>
           <a:xfrm>
-            <a:off x="1562771" y="772221"/>
-            <a:ext cx="3717108" cy="584775"/>
+            <a:off x="166778" y="59404"/>
+            <a:ext cx="4034694" cy="584775"/>
           </a:xfrm>
           <a:prstGeom prst="rect">
             <a:avLst/>
@@ -35113,7 +37150,7 @@
           <a:p>
             <a:r>
               <a:rPr lang="en-US" sz="3200" dirty="0" err="1"/>
-              <a:t>Gestore</a:t>
+              <a:t>Diagramma</a:t>
             </a:r>
             <a:r>
               <a:rPr lang="en-US" sz="3200" dirty="0"/>
@@ -35121,7 +37158,15 @@
             </a:r>
             <a:r>
               <a:rPr lang="en-US" sz="3200" dirty="0" err="1"/>
-              <a:t>Temperatura</a:t>
+              <a:t>delle</a:t>
+            </a:r>
+            <a:r>
+              <a:rPr lang="en-US" sz="3200" dirty="0"/>
+              <a:t> </a:t>
+            </a:r>
+            <a:r>
+              <a:rPr lang="en-US" sz="3200" dirty="0" err="1"/>
+              <a:t>Classi</a:t>
             </a:r>
             <a:endParaRPr lang="it-IT" sz="3200" i="1" dirty="0"/>
           </a:p>
@@ -35129,57 +37174,10 @@
       </p:sp>
       <p:pic>
         <p:nvPicPr>
-          <p:cNvPr id="9" name="Picture 2" descr="Università degli Studi di Milano-Bicocca - Wikipedia">
+          <p:cNvPr id="7" name="Picture 6" descr="Text&#10;&#10;Description automatically generated with low confidence">
             <a:extLst>
               <a:ext uri="{FF2B5EF4-FFF2-40B4-BE49-F238E27FC236}">
-                <a16:creationId xmlns:a16="http://schemas.microsoft.com/office/drawing/2014/main" id="{9D1896BC-6EF3-43D9-B8A2-217137CA9550}"/>
-              </a:ext>
-            </a:extLst>
-          </p:cNvPr>
-          <p:cNvPicPr>
-            <a:picLocks noChangeAspect="1" noChangeArrowheads="1"/>
-          </p:cNvPicPr>
-          <p:nvPr/>
-        </p:nvPicPr>
-        <p:blipFill>
-          <a:blip r:embed="rId3">
-            <a:extLst>
-              <a:ext uri="{28A0092B-C50C-407E-A947-70E740481C1C}">
-                <a14:useLocalDpi xmlns:a14="http://schemas.microsoft.com/office/drawing/2010/main" val="0"/>
-              </a:ext>
-            </a:extLst>
-          </a:blip>
-          <a:srcRect/>
-          <a:stretch>
-            <a:fillRect/>
-          </a:stretch>
-        </p:blipFill>
-        <p:spPr bwMode="auto">
-          <a:xfrm>
-            <a:off x="215979" y="254984"/>
-            <a:ext cx="1346792" cy="1331078"/>
-          </a:xfrm>
-          <a:prstGeom prst="rect">
-            <a:avLst/>
-          </a:prstGeom>
-          <a:noFill/>
-          <a:extLst>
-            <a:ext uri="{909E8E84-426E-40DD-AFC4-6F175D3DCCD1}">
-              <a14:hiddenFill xmlns:a14="http://schemas.microsoft.com/office/drawing/2010/main">
-                <a:solidFill>
-                  <a:srgbClr val="FFFFFF"/>
-                </a:solidFill>
-              </a14:hiddenFill>
-            </a:ext>
-          </a:extLst>
-        </p:spPr>
-      </p:pic>
-      <p:pic>
-        <p:nvPicPr>
-          <p:cNvPr id="5" name="Picture 4" descr="Diagram&#10;&#10;Description automatically generated">
-            <a:extLst>
-              <a:ext uri="{FF2B5EF4-FFF2-40B4-BE49-F238E27FC236}">
-                <a16:creationId xmlns:a16="http://schemas.microsoft.com/office/drawing/2014/main" id="{9469444F-3A7E-A21D-209E-60A043532ADA}"/>
+                <a16:creationId xmlns:a16="http://schemas.microsoft.com/office/drawing/2014/main" id="{1825E8E4-F59D-47C1-21AD-FE846030AE8E}"/>
               </a:ext>
             </a:extLst>
           </p:cNvPr>
@@ -35189,7 +37187,7 @@
           <p:nvPr/>
         </p:nvPicPr>
         <p:blipFill>
-          <a:blip r:embed="rId4">
+          <a:blip r:embed="rId3">
             <a:extLst>
               <a:ext uri="{28A0092B-C50C-407E-A947-70E740481C1C}">
                 <a14:useLocalDpi xmlns:a14="http://schemas.microsoft.com/office/drawing/2010/main" val="0"/>
@@ -35202,18 +37200,306 @@
         </p:blipFill>
         <p:spPr>
           <a:xfrm>
-            <a:off x="3059260" y="1586062"/>
-            <a:ext cx="8916761" cy="4796020"/>
+            <a:off x="2911117" y="240494"/>
+            <a:ext cx="9114105" cy="6298418"/>
           </a:xfrm>
           <a:prstGeom prst="rect">
             <a:avLst/>
           </a:prstGeom>
         </p:spPr>
       </p:pic>
+      <p:sp>
+        <p:nvSpPr>
+          <p:cNvPr id="10" name="CasellaDiTesto 7">
+            <a:extLst>
+              <a:ext uri="{FF2B5EF4-FFF2-40B4-BE49-F238E27FC236}">
+                <a16:creationId xmlns:a16="http://schemas.microsoft.com/office/drawing/2014/main" id="{50ACA1E7-63D6-0B67-214E-B63E56C94B81}"/>
+              </a:ext>
+            </a:extLst>
+          </p:cNvPr>
+          <p:cNvSpPr txBox="1"/>
+          <p:nvPr/>
+        </p:nvSpPr>
+        <p:spPr>
+          <a:xfrm>
+            <a:off x="166778" y="1614253"/>
+            <a:ext cx="2662686" cy="2062103"/>
+          </a:xfrm>
+          <a:prstGeom prst="rect">
+            <a:avLst/>
+          </a:prstGeom>
+          <a:noFill/>
+        </p:spPr>
+        <p:txBody>
+          <a:bodyPr wrap="square" rtlCol="0">
+            <a:spAutoFit/>
+          </a:bodyPr>
+          <a:lstStyle>
+            <a:defPPr>
+              <a:defRPr lang="it-IT"/>
+            </a:defPPr>
+            <a:lvl1pPr>
+              <a:defRPr sz="4800">
+                <a:ln w="0"/>
+                <a:solidFill>
+                  <a:srgbClr val="002060"/>
+                </a:solidFill>
+                <a:effectLst>
+                  <a:outerShdw blurRad="38100" dist="25400" dir="5400000" algn="ctr" rotWithShape="0">
+                    <a:srgbClr val="6E747A">
+                      <a:alpha val="43000"/>
+                    </a:srgbClr>
+                  </a:outerShdw>
+                </a:effectLst>
+              </a:defRPr>
+            </a:lvl1pPr>
+          </a:lstStyle>
+          <a:p>
+            <a:pPr algn="just"/>
+            <a:r>
+              <a:rPr lang="en-US" sz="1600" dirty="0">
+                <a:effectLst/>
+              </a:rPr>
+              <a:t>I </a:t>
+            </a:r>
+            <a:r>
+              <a:rPr lang="en-US" sz="1600" dirty="0" err="1">
+                <a:effectLst/>
+              </a:rPr>
+              <a:t>gestori</a:t>
+            </a:r>
+            <a:r>
+              <a:rPr lang="en-US" sz="1600" dirty="0">
+                <a:effectLst/>
+              </a:rPr>
+              <a:t> </a:t>
+            </a:r>
+            <a:r>
+              <a:rPr lang="en-US" sz="1600" dirty="0" err="1">
+                <a:effectLst/>
+              </a:rPr>
+              <a:t>dei</a:t>
+            </a:r>
+            <a:r>
+              <a:rPr lang="en-US" sz="1600" dirty="0">
+                <a:effectLst/>
+              </a:rPr>
+              <a:t> </a:t>
+            </a:r>
+            <a:r>
+              <a:rPr lang="en-US" sz="1600" dirty="0" err="1">
+                <a:effectLst/>
+              </a:rPr>
+              <a:t>diversi</a:t>
+            </a:r>
+            <a:r>
+              <a:rPr lang="en-US" sz="1600" dirty="0">
+                <a:effectLst/>
+              </a:rPr>
+              <a:t> </a:t>
+            </a:r>
+            <a:r>
+              <a:rPr lang="en-US" sz="1600" dirty="0" err="1">
+                <a:effectLst/>
+              </a:rPr>
+              <a:t>sensori</a:t>
+            </a:r>
+            <a:r>
+              <a:rPr lang="en-US" sz="1600" dirty="0">
+                <a:effectLst/>
+              </a:rPr>
+              <a:t> </a:t>
+            </a:r>
+            <a:r>
+              <a:rPr lang="en-US" sz="1600" dirty="0" err="1">
+                <a:effectLst/>
+              </a:rPr>
+              <a:t>sono</a:t>
+            </a:r>
+            <a:r>
+              <a:rPr lang="en-US" sz="1600" dirty="0">
+                <a:effectLst/>
+              </a:rPr>
+              <a:t> tutti </a:t>
+            </a:r>
+            <a:r>
+              <a:rPr lang="en-US" sz="1600" dirty="0" err="1">
+                <a:effectLst/>
+              </a:rPr>
+              <a:t>componenti</a:t>
+            </a:r>
+            <a:r>
+              <a:rPr lang="en-US" sz="1600" dirty="0">
+                <a:effectLst/>
+              </a:rPr>
+              <a:t> </a:t>
+            </a:r>
+            <a:r>
+              <a:rPr lang="en-US" sz="1600" i="1" dirty="0" err="1">
+                <a:effectLst/>
+              </a:rPr>
+              <a:t>Sequenziali</a:t>
+            </a:r>
+            <a:r>
+              <a:rPr lang="en-US" sz="1600" dirty="0">
+                <a:effectLst/>
+              </a:rPr>
+              <a:t> </a:t>
+            </a:r>
+            <a:r>
+              <a:rPr lang="en-US" sz="1600" dirty="0" err="1">
+                <a:effectLst/>
+              </a:rPr>
+              <a:t>perché</a:t>
+            </a:r>
+            <a:r>
+              <a:rPr lang="en-US" sz="1600" dirty="0">
+                <a:effectLst/>
+              </a:rPr>
+              <a:t> </a:t>
+            </a:r>
+            <a:r>
+              <a:rPr lang="en-US" sz="1600" dirty="0" err="1">
+                <a:effectLst/>
+              </a:rPr>
+              <a:t>ricevono</a:t>
+            </a:r>
+            <a:r>
+              <a:rPr lang="en-US" sz="1600" dirty="0">
+                <a:effectLst/>
+              </a:rPr>
+              <a:t> </a:t>
+            </a:r>
+            <a:r>
+              <a:rPr lang="en-US" sz="1600" dirty="0" err="1">
+                <a:effectLst/>
+              </a:rPr>
+              <a:t>molte</a:t>
+            </a:r>
+            <a:r>
+              <a:rPr lang="en-US" sz="1600" dirty="0">
+                <a:effectLst/>
+              </a:rPr>
+              <a:t> </a:t>
+            </a:r>
+            <a:r>
+              <a:rPr lang="en-US" sz="1600" dirty="0" err="1">
+                <a:effectLst/>
+              </a:rPr>
+              <a:t>richieste</a:t>
+            </a:r>
+            <a:r>
+              <a:rPr lang="en-US" sz="1600" dirty="0">
+                <a:effectLst/>
+              </a:rPr>
+              <a:t> di </a:t>
+            </a:r>
+            <a:r>
+              <a:rPr lang="en-US" sz="1600" dirty="0" err="1">
+                <a:effectLst/>
+              </a:rPr>
+              <a:t>frequente</a:t>
+            </a:r>
+            <a:r>
+              <a:rPr lang="en-US" sz="1600" dirty="0">
+                <a:effectLst/>
+              </a:rPr>
+              <a:t>, e </a:t>
+            </a:r>
+            <a:r>
+              <a:rPr lang="en-US" sz="1600" dirty="0" err="1">
+                <a:effectLst/>
+              </a:rPr>
+              <a:t>hanno</a:t>
+            </a:r>
+            <a:r>
+              <a:rPr lang="en-US" sz="1600" dirty="0">
+                <a:effectLst/>
+              </a:rPr>
+              <a:t> un delay basso, </a:t>
+            </a:r>
+            <a:r>
+              <a:rPr lang="en-US" sz="1600" dirty="0" err="1">
+                <a:effectLst/>
+              </a:rPr>
+              <a:t>quindi</a:t>
+            </a:r>
+            <a:r>
+              <a:rPr lang="en-US" sz="1600" dirty="0">
+                <a:effectLst/>
+              </a:rPr>
+              <a:t> </a:t>
+            </a:r>
+            <a:r>
+              <a:rPr lang="en-US" sz="1600" dirty="0" err="1">
+                <a:effectLst/>
+              </a:rPr>
+              <a:t>vengono</a:t>
+            </a:r>
+            <a:r>
+              <a:rPr lang="en-US" sz="1600" dirty="0">
+                <a:effectLst/>
+              </a:rPr>
+              <a:t> </a:t>
+            </a:r>
+            <a:r>
+              <a:rPr lang="en-US" sz="1600" dirty="0" err="1">
+                <a:effectLst/>
+              </a:rPr>
+              <a:t>bufferizzate</a:t>
+            </a:r>
+            <a:r>
+              <a:rPr lang="en-US" sz="1600" dirty="0">
+                <a:effectLst/>
+              </a:rPr>
+              <a:t> e </a:t>
+            </a:r>
+            <a:r>
+              <a:rPr lang="en-US" sz="1600" dirty="0" err="1">
+                <a:effectLst/>
+              </a:rPr>
+              <a:t>servite</a:t>
+            </a:r>
+            <a:r>
+              <a:rPr lang="en-US" sz="1600" dirty="0">
+                <a:effectLst/>
+              </a:rPr>
+              <a:t> secondo </a:t>
+            </a:r>
+            <a:r>
+              <a:rPr lang="en-US" sz="1600" dirty="0" err="1">
+                <a:effectLst/>
+              </a:rPr>
+              <a:t>l’ordine</a:t>
+            </a:r>
+            <a:r>
+              <a:rPr lang="en-US" sz="1600" dirty="0">
+                <a:effectLst/>
+              </a:rPr>
+              <a:t> di </a:t>
+            </a:r>
+            <a:r>
+              <a:rPr lang="en-US" sz="1600" dirty="0" err="1">
+                <a:effectLst/>
+              </a:rPr>
+              <a:t>arrivo</a:t>
+            </a:r>
+            <a:r>
+              <a:rPr lang="en-US" sz="1600" dirty="0">
+                <a:effectLst/>
+              </a:rPr>
+              <a:t>;</a:t>
+            </a:r>
+            <a:endParaRPr lang="en-US" sz="2000" dirty="0">
+              <a:effectLst/>
+            </a:endParaRPr>
+          </a:p>
+        </p:txBody>
+      </p:sp>
     </p:spTree>
     <p:extLst>
       <p:ext uri="{BB962C8B-B14F-4D97-AF65-F5344CB8AC3E}">
-        <p14:creationId xmlns:p14="http://schemas.microsoft.com/office/powerpoint/2010/main" val="2832973598"/>
+        <p14:creationId xmlns:p14="http://schemas.microsoft.com/office/powerpoint/2010/main" val="48041517"/>
       </p:ext>
     </p:extLst>
   </p:cSld>
@@ -35285,13 +37571,13 @@
         </p:nvPicPr>
         <p:blipFill rotWithShape="1">
           <a:blip r:embed="rId2"/>
-          <a:srcRect l="5288" t="10969" r="46074" b="12551"/>
+          <a:srcRect l="5288" t="10969" r="47745" b="12551"/>
           <a:stretch/>
         </p:blipFill>
         <p:spPr>
           <a:xfrm>
             <a:off x="215980" y="231353"/>
-            <a:ext cx="5244012" cy="1295266"/>
+            <a:ext cx="5063899" cy="1295266"/>
           </a:xfrm>
           <a:prstGeom prst="rect">
             <a:avLst/>
@@ -35313,7 +37599,7 @@
         <p:spPr>
           <a:xfrm>
             <a:off x="1562771" y="772221"/>
-            <a:ext cx="3897221" cy="584775"/>
+            <a:ext cx="3717108" cy="584775"/>
           </a:xfrm>
           <a:prstGeom prst="rect">
             <a:avLst/>
@@ -35346,8 +37632,16 @@
           </a:lstStyle>
           <a:p>
             <a:r>
-              <a:rPr lang="en-US" sz="3200"/>
-              <a:t>Gestore Accelerazione</a:t>
+              <a:rPr lang="en-US" sz="3200" dirty="0" err="1"/>
+              <a:t>Gestore</a:t>
+            </a:r>
+            <a:r>
+              <a:rPr lang="en-US" sz="3200" dirty="0"/>
+              <a:t> </a:t>
+            </a:r>
+            <a:r>
+              <a:rPr lang="en-US" sz="3200" dirty="0" err="1"/>
+              <a:t>Temperatura</a:t>
             </a:r>
             <a:endParaRPr lang="it-IT" sz="3200" i="1" dirty="0"/>
           </a:p>
@@ -35402,10 +37696,10 @@
       </p:pic>
       <p:pic>
         <p:nvPicPr>
-          <p:cNvPr id="10" name="Picture 9" descr="Diagram&#10;&#10;Description automatically generated">
+          <p:cNvPr id="5" name="Picture 4" descr="Diagram&#10;&#10;Description automatically generated">
             <a:extLst>
               <a:ext uri="{FF2B5EF4-FFF2-40B4-BE49-F238E27FC236}">
-                <a16:creationId xmlns:a16="http://schemas.microsoft.com/office/drawing/2014/main" id="{0D96B2D8-63D8-2915-E4F1-E68B12A8D083}"/>
+                <a16:creationId xmlns:a16="http://schemas.microsoft.com/office/drawing/2014/main" id="{9469444F-3A7E-A21D-209E-60A043532ADA}"/>
               </a:ext>
             </a:extLst>
           </p:cNvPr>
@@ -35428,18 +37722,477 @@
         </p:blipFill>
         <p:spPr>
           <a:xfrm>
-            <a:off x="3042932" y="1551547"/>
-            <a:ext cx="8933089" cy="4804803"/>
+            <a:off x="3188656" y="1586062"/>
+            <a:ext cx="8916761" cy="4796020"/>
           </a:xfrm>
           <a:prstGeom prst="rect">
             <a:avLst/>
           </a:prstGeom>
         </p:spPr>
       </p:pic>
+      <p:sp>
+        <p:nvSpPr>
+          <p:cNvPr id="2" name="CasellaDiTesto 7">
+            <a:extLst>
+              <a:ext uri="{FF2B5EF4-FFF2-40B4-BE49-F238E27FC236}">
+                <a16:creationId xmlns:a16="http://schemas.microsoft.com/office/drawing/2014/main" id="{18055004-94FE-BF68-AE2E-D65C5C53A391}"/>
+              </a:ext>
+            </a:extLst>
+          </p:cNvPr>
+          <p:cNvSpPr txBox="1"/>
+          <p:nvPr/>
+        </p:nvSpPr>
+        <p:spPr>
+          <a:xfrm>
+            <a:off x="215979" y="1829931"/>
+            <a:ext cx="2843281" cy="4708981"/>
+          </a:xfrm>
+          <a:prstGeom prst="rect">
+            <a:avLst/>
+          </a:prstGeom>
+          <a:noFill/>
+        </p:spPr>
+        <p:txBody>
+          <a:bodyPr wrap="square" rtlCol="0">
+            <a:spAutoFit/>
+          </a:bodyPr>
+          <a:lstStyle>
+            <a:defPPr>
+              <a:defRPr lang="it-IT"/>
+            </a:defPPr>
+            <a:lvl1pPr>
+              <a:defRPr sz="4800">
+                <a:ln w="0"/>
+                <a:solidFill>
+                  <a:srgbClr val="002060"/>
+                </a:solidFill>
+                <a:effectLst>
+                  <a:outerShdw blurRad="38100" dist="25400" dir="5400000" algn="ctr" rotWithShape="0">
+                    <a:srgbClr val="6E747A">
+                      <a:alpha val="43000"/>
+                    </a:srgbClr>
+                  </a:outerShdw>
+                </a:effectLst>
+              </a:defRPr>
+            </a:lvl1pPr>
+          </a:lstStyle>
+          <a:p>
+            <a:pPr algn="just"/>
+            <a:r>
+              <a:rPr lang="en-US" sz="2000" dirty="0" err="1">
+                <a:effectLst/>
+              </a:rPr>
+              <a:t>Alla</a:t>
+            </a:r>
+            <a:r>
+              <a:rPr lang="en-US" sz="2000" dirty="0">
+                <a:effectLst/>
+              </a:rPr>
+              <a:t> </a:t>
+            </a:r>
+            <a:r>
+              <a:rPr lang="en-US" sz="2000" dirty="0" err="1">
+                <a:effectLst/>
+              </a:rPr>
+              <a:t>ricezione</a:t>
+            </a:r>
+            <a:r>
+              <a:rPr lang="en-US" sz="2000" dirty="0">
+                <a:effectLst/>
+              </a:rPr>
+              <a:t> di </a:t>
+            </a:r>
+            <a:r>
+              <a:rPr lang="en-US" sz="2000" dirty="0" err="1">
+                <a:effectLst/>
+              </a:rPr>
+              <a:t>ogni</a:t>
+            </a:r>
+            <a:r>
+              <a:rPr lang="en-US" sz="2000" dirty="0">
+                <a:effectLst/>
+              </a:rPr>
+              <a:t> </a:t>
+            </a:r>
+            <a:r>
+              <a:rPr lang="en-US" sz="2000" dirty="0" err="1">
+                <a:effectLst/>
+              </a:rPr>
+              <a:t>rilevazione</a:t>
+            </a:r>
+            <a:r>
+              <a:rPr lang="en-US" sz="2000" dirty="0">
+                <a:effectLst/>
+              </a:rPr>
+              <a:t>, </a:t>
+            </a:r>
+            <a:r>
+              <a:rPr lang="en-US" sz="2000" dirty="0" err="1">
+                <a:effectLst/>
+              </a:rPr>
+              <a:t>questa</a:t>
+            </a:r>
+            <a:r>
+              <a:rPr lang="en-US" sz="2000" dirty="0">
+                <a:effectLst/>
+              </a:rPr>
+              <a:t> </a:t>
+            </a:r>
+            <a:r>
+              <a:rPr lang="en-US" sz="2000" dirty="0" err="1">
+                <a:effectLst/>
+              </a:rPr>
+              <a:t>viene</a:t>
+            </a:r>
+            <a:r>
+              <a:rPr lang="en-US" sz="2000" dirty="0">
+                <a:effectLst/>
+              </a:rPr>
+              <a:t> </a:t>
+            </a:r>
+            <a:r>
+              <a:rPr lang="en-US" sz="2000" dirty="0" err="1">
+                <a:effectLst/>
+              </a:rPr>
+              <a:t>inserita</a:t>
+            </a:r>
+            <a:r>
+              <a:rPr lang="en-US" sz="2000" dirty="0">
+                <a:effectLst/>
+              </a:rPr>
+              <a:t> </a:t>
+            </a:r>
+            <a:r>
+              <a:rPr lang="en-US" sz="2000" dirty="0" err="1">
+                <a:effectLst/>
+              </a:rPr>
+              <a:t>su</a:t>
+            </a:r>
+            <a:r>
+              <a:rPr lang="en-US" sz="2000" dirty="0">
+                <a:effectLst/>
+              </a:rPr>
+              <a:t> due buffer, uno </a:t>
+            </a:r>
+            <a:r>
+              <a:rPr lang="en-US" sz="2000" dirty="0" err="1">
+                <a:effectLst/>
+              </a:rPr>
+              <a:t>utilizzato</a:t>
+            </a:r>
+            <a:r>
+              <a:rPr lang="en-US" sz="2000" dirty="0">
+                <a:effectLst/>
+              </a:rPr>
+              <a:t> per </a:t>
+            </a:r>
+            <a:r>
+              <a:rPr lang="en-US" sz="2000" dirty="0" err="1">
+                <a:effectLst/>
+              </a:rPr>
+              <a:t>verificare</a:t>
+            </a:r>
+            <a:r>
+              <a:rPr lang="en-US" sz="2000" dirty="0">
+                <a:effectLst/>
+              </a:rPr>
+              <a:t> la </a:t>
+            </a:r>
+            <a:r>
+              <a:rPr lang="en-US" sz="2000" dirty="0" err="1">
+                <a:effectLst/>
+              </a:rPr>
+              <a:t>presenza</a:t>
+            </a:r>
+            <a:r>
+              <a:rPr lang="en-US" sz="2000" dirty="0">
+                <a:effectLst/>
+              </a:rPr>
+              <a:t> di </a:t>
+            </a:r>
+            <a:r>
+              <a:rPr lang="en-US" sz="2000" dirty="0" err="1">
+                <a:effectLst/>
+              </a:rPr>
+              <a:t>anomalie</a:t>
+            </a:r>
+            <a:r>
+              <a:rPr lang="en-US" sz="2000" dirty="0">
+                <a:effectLst/>
+              </a:rPr>
+              <a:t> in tempo </a:t>
+            </a:r>
+            <a:r>
+              <a:rPr lang="en-US" sz="2000" dirty="0" err="1">
+                <a:effectLst/>
+              </a:rPr>
+              <a:t>reale</a:t>
+            </a:r>
+            <a:r>
+              <a:rPr lang="en-US" sz="2000" dirty="0">
+                <a:effectLst/>
+              </a:rPr>
+              <a:t>, e uno </a:t>
+            </a:r>
+            <a:r>
+              <a:rPr lang="en-US" sz="2000" dirty="0" err="1">
+                <a:effectLst/>
+              </a:rPr>
+              <a:t>utilizzato</a:t>
+            </a:r>
+            <a:r>
+              <a:rPr lang="en-US" sz="2000" dirty="0">
+                <a:effectLst/>
+              </a:rPr>
+              <a:t> per la </a:t>
+            </a:r>
+            <a:r>
+              <a:rPr lang="en-US" sz="2000" dirty="0" err="1">
+                <a:effectLst/>
+              </a:rPr>
+              <a:t>trasmissione</a:t>
+            </a:r>
+            <a:r>
+              <a:rPr lang="en-US" sz="2000" dirty="0">
+                <a:effectLst/>
+              </a:rPr>
+              <a:t> </a:t>
+            </a:r>
+            <a:r>
+              <a:rPr lang="en-US" sz="2000" dirty="0" err="1">
+                <a:effectLst/>
+              </a:rPr>
+              <a:t>allo</a:t>
+            </a:r>
+            <a:r>
+              <a:rPr lang="en-US" sz="2000" dirty="0">
+                <a:effectLst/>
+              </a:rPr>
+              <a:t> </a:t>
+            </a:r>
+            <a:r>
+              <a:rPr lang="en-US" sz="2000" dirty="0" err="1">
+                <a:effectLst/>
+              </a:rPr>
+              <a:t>storico</a:t>
+            </a:r>
+            <a:r>
+              <a:rPr lang="en-US" sz="2000" dirty="0">
+                <a:effectLst/>
+              </a:rPr>
+              <a:t>. Nel </a:t>
+            </a:r>
+            <a:r>
+              <a:rPr lang="en-US" sz="2000" dirty="0" err="1">
+                <a:effectLst/>
+              </a:rPr>
+              <a:t>caso</a:t>
+            </a:r>
+            <a:r>
+              <a:rPr lang="en-US" sz="2000" dirty="0">
+                <a:effectLst/>
+              </a:rPr>
+              <a:t> </a:t>
+            </a:r>
+            <a:r>
+              <a:rPr lang="en-US" sz="2000" dirty="0" err="1">
+                <a:effectLst/>
+              </a:rPr>
+              <a:t>venga</a:t>
+            </a:r>
+            <a:r>
+              <a:rPr lang="en-US" sz="2000" dirty="0">
+                <a:effectLst/>
+              </a:rPr>
+              <a:t> </a:t>
+            </a:r>
+            <a:r>
+              <a:rPr lang="en-US" sz="2000" dirty="0" err="1">
+                <a:effectLst/>
+              </a:rPr>
+              <a:t>rilevata</a:t>
+            </a:r>
+            <a:r>
+              <a:rPr lang="en-US" sz="2000" dirty="0">
+                <a:effectLst/>
+              </a:rPr>
+              <a:t> </a:t>
+            </a:r>
+            <a:r>
+              <a:rPr lang="en-US" sz="2000" dirty="0" err="1">
+                <a:effectLst/>
+              </a:rPr>
+              <a:t>una</a:t>
+            </a:r>
+            <a:r>
+              <a:rPr lang="en-US" sz="2000" dirty="0">
+                <a:effectLst/>
+              </a:rPr>
+              <a:t> </a:t>
+            </a:r>
+            <a:r>
+              <a:rPr lang="en-US" sz="2000" dirty="0" err="1">
+                <a:effectLst/>
+              </a:rPr>
+              <a:t>anomalia</a:t>
+            </a:r>
+            <a:r>
+              <a:rPr lang="en-US" sz="2000" dirty="0">
+                <a:effectLst/>
+              </a:rPr>
+              <a:t>, </a:t>
+            </a:r>
+            <a:r>
+              <a:rPr lang="en-US" sz="2000" dirty="0" err="1">
+                <a:effectLst/>
+              </a:rPr>
+              <a:t>si</a:t>
+            </a:r>
+            <a:r>
+              <a:rPr lang="en-US" sz="2000" dirty="0">
+                <a:effectLst/>
+              </a:rPr>
+              <a:t> </a:t>
+            </a:r>
+            <a:r>
+              <a:rPr lang="en-US" sz="2000" dirty="0" err="1">
+                <a:effectLst/>
+              </a:rPr>
+              <a:t>richiede</a:t>
+            </a:r>
+            <a:r>
+              <a:rPr lang="en-US" sz="2000" dirty="0">
+                <a:effectLst/>
+              </a:rPr>
+              <a:t> </a:t>
+            </a:r>
+            <a:r>
+              <a:rPr lang="en-US" sz="2000" dirty="0" err="1">
+                <a:effectLst/>
+              </a:rPr>
+              <a:t>alla</a:t>
+            </a:r>
+            <a:r>
+              <a:rPr lang="en-US" sz="2000" dirty="0">
+                <a:effectLst/>
+              </a:rPr>
+              <a:t> BDR la </a:t>
+            </a:r>
+            <a:r>
+              <a:rPr lang="en-US" sz="2000" dirty="0" err="1">
+                <a:effectLst/>
+              </a:rPr>
+              <a:t>lista</a:t>
+            </a:r>
+            <a:r>
+              <a:rPr lang="en-US" sz="2000" dirty="0">
+                <a:effectLst/>
+              </a:rPr>
+              <a:t> di tutti </a:t>
+            </a:r>
+            <a:r>
+              <a:rPr lang="en-US" sz="2000" dirty="0" err="1">
+                <a:effectLst/>
+              </a:rPr>
+              <a:t>i</a:t>
+            </a:r>
+            <a:r>
+              <a:rPr lang="en-US" sz="2000" dirty="0">
+                <a:effectLst/>
+              </a:rPr>
+              <a:t> caretakers </a:t>
+            </a:r>
+            <a:r>
+              <a:rPr lang="en-US" sz="2000" dirty="0" err="1">
+                <a:effectLst/>
+              </a:rPr>
+              <a:t>associati</a:t>
+            </a:r>
+            <a:r>
+              <a:rPr lang="en-US" sz="2000" dirty="0">
+                <a:effectLst/>
+              </a:rPr>
+              <a:t> al </a:t>
+            </a:r>
+            <a:r>
+              <a:rPr lang="en-US" sz="2000" dirty="0" err="1">
+                <a:effectLst/>
+              </a:rPr>
+              <a:t>residente</a:t>
+            </a:r>
+            <a:r>
+              <a:rPr lang="en-US" sz="2000" dirty="0">
+                <a:effectLst/>
+              </a:rPr>
+              <a:t> </a:t>
+            </a:r>
+            <a:r>
+              <a:rPr lang="en-US" sz="2000" dirty="0" err="1">
+                <a:effectLst/>
+              </a:rPr>
+              <a:t>considerato</a:t>
+            </a:r>
+            <a:r>
+              <a:rPr lang="en-US" sz="2000" dirty="0">
+                <a:effectLst/>
+              </a:rPr>
+              <a:t>, e </a:t>
+            </a:r>
+            <a:r>
+              <a:rPr lang="en-US" sz="2000" dirty="0" err="1">
+                <a:effectLst/>
+              </a:rPr>
+              <a:t>questi</a:t>
+            </a:r>
+            <a:r>
+              <a:rPr lang="en-US" sz="2000" dirty="0">
+                <a:effectLst/>
+              </a:rPr>
+              <a:t> </a:t>
+            </a:r>
+            <a:r>
+              <a:rPr lang="en-US" sz="2000" dirty="0" err="1">
+                <a:effectLst/>
+              </a:rPr>
+              <a:t>vengono</a:t>
+            </a:r>
+            <a:r>
+              <a:rPr lang="en-US" sz="2000" dirty="0">
+                <a:effectLst/>
+              </a:rPr>
+              <a:t> </a:t>
+            </a:r>
+            <a:r>
+              <a:rPr lang="en-US" sz="2000" dirty="0" err="1">
+                <a:effectLst/>
+              </a:rPr>
+              <a:t>informati</a:t>
+            </a:r>
+            <a:r>
+              <a:rPr lang="en-US" sz="2000" dirty="0">
+                <a:effectLst/>
+              </a:rPr>
+              <a:t> </a:t>
+            </a:r>
+            <a:r>
+              <a:rPr lang="en-US" sz="2000" dirty="0" err="1">
+                <a:effectLst/>
+              </a:rPr>
+              <a:t>dell’accaduto</a:t>
+            </a:r>
+            <a:r>
+              <a:rPr lang="en-US" sz="2000" dirty="0">
+                <a:effectLst/>
+              </a:rPr>
+              <a:t>.</a:t>
+            </a:r>
+          </a:p>
+        </p:txBody>
+      </p:sp>
     </p:spTree>
     <p:extLst>
       <p:ext uri="{BB962C8B-B14F-4D97-AF65-F5344CB8AC3E}">
-        <p14:creationId xmlns:p14="http://schemas.microsoft.com/office/powerpoint/2010/main" val="76487310"/>
+        <p14:creationId xmlns:p14="http://schemas.microsoft.com/office/powerpoint/2010/main" val="2832973598"/>
       </p:ext>
     </p:extLst>
   </p:cSld>
@@ -35511,13 +38264,13 @@
         </p:nvPicPr>
         <p:blipFill rotWithShape="1">
           <a:blip r:embed="rId2"/>
-          <a:srcRect l="5288" t="10969" r="58099" b="12551"/>
+          <a:srcRect l="5288" t="10969" r="46074" b="12551"/>
           <a:stretch/>
         </p:blipFill>
         <p:spPr>
           <a:xfrm>
             <a:off x="215980" y="231353"/>
-            <a:ext cx="3947568" cy="1295266"/>
+            <a:ext cx="5244012" cy="1295266"/>
           </a:xfrm>
           <a:prstGeom prst="rect">
             <a:avLst/>
@@ -35539,7 +38292,7 @@
         <p:spPr>
           <a:xfrm>
             <a:off x="1562771" y="772221"/>
-            <a:ext cx="2600777" cy="584775"/>
+            <a:ext cx="3897221" cy="584775"/>
           </a:xfrm>
           <a:prstGeom prst="rect">
             <a:avLst/>
@@ -35572,16 +38325,8 @@
           </a:lstStyle>
           <a:p>
             <a:r>
-              <a:rPr lang="en-US" sz="3200" dirty="0" err="1"/>
-              <a:t>Gestore</a:t>
-            </a:r>
-            <a:r>
-              <a:rPr lang="en-US" sz="3200" dirty="0"/>
-              <a:t> </a:t>
-            </a:r>
-            <a:r>
-              <a:rPr lang="en-US" sz="3200" dirty="0" err="1"/>
-              <a:t>Battiti</a:t>
+              <a:rPr lang="en-US" sz="3200"/>
+              <a:t>Gestore Accelerazione</a:t>
             </a:r>
             <a:endParaRPr lang="it-IT" sz="3200" i="1" dirty="0"/>
           </a:p>
@@ -35639,7 +38384,7 @@
           <p:cNvPr id="10" name="Picture 9" descr="Diagram&#10;&#10;Description automatically generated">
             <a:extLst>
               <a:ext uri="{FF2B5EF4-FFF2-40B4-BE49-F238E27FC236}">
-                <a16:creationId xmlns:a16="http://schemas.microsoft.com/office/drawing/2014/main" id="{88C7911F-9C44-4F6D-FBF2-9CCCB3BE9FF4}"/>
+                <a16:creationId xmlns:a16="http://schemas.microsoft.com/office/drawing/2014/main" id="{0D96B2D8-63D8-2915-E4F1-E68B12A8D083}"/>
               </a:ext>
             </a:extLst>
           </p:cNvPr>
@@ -35662,8 +38407,8 @@
         </p:blipFill>
         <p:spPr>
           <a:xfrm>
-            <a:off x="2650058" y="1522796"/>
-            <a:ext cx="9325962" cy="5016116"/>
+            <a:off x="1629455" y="1551547"/>
+            <a:ext cx="8933089" cy="4804803"/>
           </a:xfrm>
           <a:prstGeom prst="rect">
             <a:avLst/>
@@ -35673,7 +38418,7 @@
     </p:spTree>
     <p:extLst>
       <p:ext uri="{BB962C8B-B14F-4D97-AF65-F5344CB8AC3E}">
-        <p14:creationId xmlns:p14="http://schemas.microsoft.com/office/powerpoint/2010/main" val="3048617538"/>
+        <p14:creationId xmlns:p14="http://schemas.microsoft.com/office/powerpoint/2010/main" val="76487310"/>
       </p:ext>
     </p:extLst>
   </p:cSld>
@@ -35745,13 +38490,13 @@
         </p:nvPicPr>
         <p:blipFill rotWithShape="1">
           <a:blip r:embed="rId2"/>
-          <a:srcRect l="17780" t="42905" r="46074" b="12551"/>
+          <a:srcRect l="5288" t="10969" r="58099" b="12551"/>
           <a:stretch/>
         </p:blipFill>
         <p:spPr>
           <a:xfrm>
-            <a:off x="258083" y="136525"/>
-            <a:ext cx="3897221" cy="754398"/>
+            <a:off x="215980" y="231353"/>
+            <a:ext cx="3947568" cy="1295266"/>
           </a:xfrm>
           <a:prstGeom prst="rect">
             <a:avLst/>
@@ -35772,8 +38517,8 @@
         </p:nvSpPr>
         <p:spPr>
           <a:xfrm>
-            <a:off x="258084" y="136525"/>
-            <a:ext cx="3508909" cy="584775"/>
+            <a:off x="1562771" y="772221"/>
+            <a:ext cx="2600777" cy="584775"/>
           </a:xfrm>
           <a:prstGeom prst="rect">
             <a:avLst/>
@@ -35815,7 +38560,7 @@
             </a:r>
             <a:r>
               <a:rPr lang="en-US" sz="3200" dirty="0" err="1"/>
-              <a:t>Ambientale</a:t>
+              <a:t>Battiti</a:t>
             </a:r>
             <a:endParaRPr lang="it-IT" sz="3200" i="1" dirty="0"/>
           </a:p>
@@ -35823,10 +38568,57 @@
       </p:sp>
       <p:pic>
         <p:nvPicPr>
-          <p:cNvPr id="5" name="Picture 4" descr="A screenshot of a computer&#10;&#10;Description automatically generated with medium confidence">
+          <p:cNvPr id="9" name="Picture 2" descr="Università degli Studi di Milano-Bicocca - Wikipedia">
             <a:extLst>
               <a:ext uri="{FF2B5EF4-FFF2-40B4-BE49-F238E27FC236}">
-                <a16:creationId xmlns:a16="http://schemas.microsoft.com/office/drawing/2014/main" id="{3DFC0E16-822F-5BDB-C0C5-A6B1BCF02BCD}"/>
+                <a16:creationId xmlns:a16="http://schemas.microsoft.com/office/drawing/2014/main" id="{9D1896BC-6EF3-43D9-B8A2-217137CA9550}"/>
+              </a:ext>
+            </a:extLst>
+          </p:cNvPr>
+          <p:cNvPicPr>
+            <a:picLocks noChangeAspect="1" noChangeArrowheads="1"/>
+          </p:cNvPicPr>
+          <p:nvPr/>
+        </p:nvPicPr>
+        <p:blipFill>
+          <a:blip r:embed="rId3">
+            <a:extLst>
+              <a:ext uri="{28A0092B-C50C-407E-A947-70E740481C1C}">
+                <a14:useLocalDpi xmlns:a14="http://schemas.microsoft.com/office/drawing/2010/main" val="0"/>
+              </a:ext>
+            </a:extLst>
+          </a:blip>
+          <a:srcRect/>
+          <a:stretch>
+            <a:fillRect/>
+          </a:stretch>
+        </p:blipFill>
+        <p:spPr bwMode="auto">
+          <a:xfrm>
+            <a:off x="215979" y="254984"/>
+            <a:ext cx="1346792" cy="1331078"/>
+          </a:xfrm>
+          <a:prstGeom prst="rect">
+            <a:avLst/>
+          </a:prstGeom>
+          <a:noFill/>
+          <a:extLst>
+            <a:ext uri="{909E8E84-426E-40DD-AFC4-6F175D3DCCD1}">
+              <a14:hiddenFill xmlns:a14="http://schemas.microsoft.com/office/drawing/2010/main">
+                <a:solidFill>
+                  <a:srgbClr val="FFFFFF"/>
+                </a:solidFill>
+              </a14:hiddenFill>
+            </a:ext>
+          </a:extLst>
+        </p:spPr>
+      </p:pic>
+      <p:pic>
+        <p:nvPicPr>
+          <p:cNvPr id="10" name="Picture 9" descr="Diagram&#10;&#10;Description automatically generated">
+            <a:extLst>
+              <a:ext uri="{FF2B5EF4-FFF2-40B4-BE49-F238E27FC236}">
+                <a16:creationId xmlns:a16="http://schemas.microsoft.com/office/drawing/2014/main" id="{88C7911F-9C44-4F6D-FBF2-9CCCB3BE9FF4}"/>
               </a:ext>
             </a:extLst>
           </p:cNvPr>
@@ -35836,7 +38628,7 @@
           <p:nvPr/>
         </p:nvPicPr>
         <p:blipFill>
-          <a:blip r:embed="rId3">
+          <a:blip r:embed="rId4">
             <a:extLst>
               <a:ext uri="{28A0092B-C50C-407E-A947-70E740481C1C}">
                 <a14:useLocalDpi xmlns:a14="http://schemas.microsoft.com/office/drawing/2010/main" val="0"/>
@@ -35849,8 +38641,8 @@
         </p:blipFill>
         <p:spPr>
           <a:xfrm>
-            <a:off x="3546022" y="890923"/>
-            <a:ext cx="8387895" cy="5708588"/>
+            <a:off x="1433019" y="1526619"/>
+            <a:ext cx="9325962" cy="5016116"/>
           </a:xfrm>
           <a:prstGeom prst="rect">
             <a:avLst/>
@@ -35860,7 +38652,7 @@
     </p:spTree>
     <p:extLst>
       <p:ext uri="{BB962C8B-B14F-4D97-AF65-F5344CB8AC3E}">
-        <p14:creationId xmlns:p14="http://schemas.microsoft.com/office/powerpoint/2010/main" val="1183687207"/>
+        <p14:creationId xmlns:p14="http://schemas.microsoft.com/office/powerpoint/2010/main" val="3048617538"/>
       </p:ext>
     </p:extLst>
   </p:cSld>
@@ -35932,13 +38724,13 @@
         </p:nvPicPr>
         <p:blipFill rotWithShape="1">
           <a:blip r:embed="rId2"/>
-          <a:srcRect l="17780" t="42905" r="59521" b="12551"/>
+          <a:srcRect l="17780" t="42905" r="46074" b="12551"/>
           <a:stretch/>
         </p:blipFill>
         <p:spPr>
           <a:xfrm>
-            <a:off x="258084" y="136525"/>
-            <a:ext cx="2447466" cy="754398"/>
+            <a:off x="258083" y="136525"/>
+            <a:ext cx="3897221" cy="754398"/>
           </a:xfrm>
           <a:prstGeom prst="rect">
             <a:avLst/>
@@ -35960,7 +38752,7 @@
         <p:spPr>
           <a:xfrm>
             <a:off x="258084" y="136525"/>
-            <a:ext cx="2447465" cy="584775"/>
+            <a:ext cx="3508909" cy="584775"/>
           </a:xfrm>
           <a:prstGeom prst="rect">
             <a:avLst/>
@@ -35994,7 +38786,15 @@
           <a:p>
             <a:r>
               <a:rPr lang="en-US" sz="3200" dirty="0" err="1"/>
-              <a:t>Monitoraggio</a:t>
+              <a:t>Gestore</a:t>
+            </a:r>
+            <a:r>
+              <a:rPr lang="en-US" sz="3200" dirty="0"/>
+              <a:t> </a:t>
+            </a:r>
+            <a:r>
+              <a:rPr lang="en-US" sz="3200" dirty="0" err="1"/>
+              <a:t>Ambientale</a:t>
             </a:r>
             <a:endParaRPr lang="it-IT" sz="3200" i="1" dirty="0"/>
           </a:p>
@@ -36002,10 +38802,10 @@
       </p:sp>
       <p:pic>
         <p:nvPicPr>
-          <p:cNvPr id="3" name="Picture 2" descr="Text&#10;&#10;Description automatically generated with medium confidence">
+          <p:cNvPr id="5" name="Picture 4" descr="A screenshot of a computer&#10;&#10;Description automatically generated with medium confidence">
             <a:extLst>
               <a:ext uri="{FF2B5EF4-FFF2-40B4-BE49-F238E27FC236}">
-                <a16:creationId xmlns:a16="http://schemas.microsoft.com/office/drawing/2014/main" id="{F979AA2C-D9D3-CBBE-EBA1-5B06C4D5CB2F}"/>
+                <a16:creationId xmlns:a16="http://schemas.microsoft.com/office/drawing/2014/main" id="{3DFC0E16-822F-5BDB-C0C5-A6B1BCF02BCD}"/>
               </a:ext>
             </a:extLst>
           </p:cNvPr>
@@ -36028,8 +38828,8 @@
         </p:blipFill>
         <p:spPr>
           <a:xfrm>
-            <a:off x="2784113" y="401825"/>
-            <a:ext cx="9149803" cy="5954525"/>
+            <a:off x="1902052" y="919204"/>
+            <a:ext cx="8387895" cy="5708588"/>
           </a:xfrm>
           <a:prstGeom prst="rect">
             <a:avLst/>
@@ -36039,7 +38839,7 @@
     </p:spTree>
     <p:extLst>
       <p:ext uri="{BB962C8B-B14F-4D97-AF65-F5344CB8AC3E}">
-        <p14:creationId xmlns:p14="http://schemas.microsoft.com/office/powerpoint/2010/main" val="3816198807"/>
+        <p14:creationId xmlns:p14="http://schemas.microsoft.com/office/powerpoint/2010/main" val="1183687207"/>
       </p:ext>
     </p:extLst>
   </p:cSld>
@@ -36111,13 +38911,13 @@
         </p:nvPicPr>
         <p:blipFill rotWithShape="1">
           <a:blip r:embed="rId2"/>
-          <a:srcRect l="17780" t="42905" r="69723" b="12551"/>
+          <a:srcRect l="17780" t="42905" r="59521" b="12551"/>
           <a:stretch/>
         </p:blipFill>
         <p:spPr>
           <a:xfrm>
             <a:off x="258084" y="136525"/>
-            <a:ext cx="1347420" cy="754398"/>
+            <a:ext cx="2447466" cy="754398"/>
           </a:xfrm>
           <a:prstGeom prst="rect">
             <a:avLst/>
@@ -36139,7 +38939,7 @@
         <p:spPr>
           <a:xfrm>
             <a:off x="258084" y="136525"/>
-            <a:ext cx="1347420" cy="584775"/>
+            <a:ext cx="2447465" cy="584775"/>
           </a:xfrm>
           <a:prstGeom prst="rect">
             <a:avLst/>
@@ -36173,18 +38973,18 @@
           <a:p>
             <a:r>
               <a:rPr lang="en-US" sz="3200" dirty="0" err="1"/>
-              <a:t>Storico</a:t>
-            </a:r>
-            <a:endParaRPr lang="it-IT" sz="3200" dirty="0"/>
+              <a:t>Monitoraggio</a:t>
+            </a:r>
+            <a:endParaRPr lang="it-IT" sz="3200" i="1" dirty="0"/>
           </a:p>
         </p:txBody>
       </p:sp>
       <p:pic>
         <p:nvPicPr>
-          <p:cNvPr id="3" name="Picture 2" descr="Text&#10;&#10;Description automatically generated with low confidence">
+          <p:cNvPr id="3" name="Picture 2" descr="Text&#10;&#10;Description automatically generated with medium confidence">
             <a:extLst>
               <a:ext uri="{FF2B5EF4-FFF2-40B4-BE49-F238E27FC236}">
-                <a16:creationId xmlns:a16="http://schemas.microsoft.com/office/drawing/2014/main" id="{A078A0A9-AD9C-4297-89E6-52D38E8126D4}"/>
+                <a16:creationId xmlns:a16="http://schemas.microsoft.com/office/drawing/2014/main" id="{F979AA2C-D9D3-CBBE-EBA1-5B06C4D5CB2F}"/>
               </a:ext>
             </a:extLst>
           </p:cNvPr>
@@ -36207,18 +39007,561 @@
         </p:blipFill>
         <p:spPr>
           <a:xfrm>
-            <a:off x="2056968" y="136525"/>
-            <a:ext cx="9666947" cy="6429917"/>
+            <a:off x="2930762" y="401825"/>
+            <a:ext cx="9149803" cy="5954525"/>
           </a:xfrm>
           <a:prstGeom prst="rect">
             <a:avLst/>
           </a:prstGeom>
         </p:spPr>
       </p:pic>
+      <p:sp>
+        <p:nvSpPr>
+          <p:cNvPr id="2" name="CasellaDiTesto 7">
+            <a:extLst>
+              <a:ext uri="{FF2B5EF4-FFF2-40B4-BE49-F238E27FC236}">
+                <a16:creationId xmlns:a16="http://schemas.microsoft.com/office/drawing/2014/main" id="{8CC54F55-66F7-D584-CE41-FB90B3512A05}"/>
+              </a:ext>
+            </a:extLst>
+          </p:cNvPr>
+          <p:cNvSpPr txBox="1"/>
+          <p:nvPr/>
+        </p:nvSpPr>
+        <p:spPr>
+          <a:xfrm>
+            <a:off x="258084" y="917912"/>
+            <a:ext cx="2843281" cy="5940088"/>
+          </a:xfrm>
+          <a:prstGeom prst="rect">
+            <a:avLst/>
+          </a:prstGeom>
+          <a:noFill/>
+        </p:spPr>
+        <p:txBody>
+          <a:bodyPr wrap="square" rtlCol="0">
+            <a:spAutoFit/>
+          </a:bodyPr>
+          <a:lstStyle>
+            <a:defPPr>
+              <a:defRPr lang="it-IT"/>
+            </a:defPPr>
+            <a:lvl1pPr>
+              <a:defRPr sz="4800">
+                <a:ln w="0"/>
+                <a:solidFill>
+                  <a:srgbClr val="002060"/>
+                </a:solidFill>
+                <a:effectLst>
+                  <a:outerShdw blurRad="38100" dist="25400" dir="5400000" algn="ctr" rotWithShape="0">
+                    <a:srgbClr val="6E747A">
+                      <a:alpha val="43000"/>
+                    </a:srgbClr>
+                  </a:outerShdw>
+                </a:effectLst>
+              </a:defRPr>
+            </a:lvl1pPr>
+          </a:lstStyle>
+          <a:p>
+            <a:pPr algn="just"/>
+            <a:r>
+              <a:rPr lang="en-US" sz="2000" dirty="0" err="1">
+                <a:effectLst/>
+              </a:rPr>
+              <a:t>Quando</a:t>
+            </a:r>
+            <a:r>
+              <a:rPr lang="en-US" sz="2000" dirty="0">
+                <a:effectLst/>
+              </a:rPr>
+              <a:t> un caretaker </a:t>
+            </a:r>
+            <a:r>
+              <a:rPr lang="en-US" sz="2000" dirty="0" err="1">
+                <a:effectLst/>
+              </a:rPr>
+              <a:t>richiede</a:t>
+            </a:r>
+            <a:r>
+              <a:rPr lang="en-US" sz="2000" dirty="0">
+                <a:effectLst/>
+              </a:rPr>
+              <a:t> le </a:t>
+            </a:r>
+            <a:r>
+              <a:rPr lang="en-US" sz="2000" dirty="0" err="1">
+                <a:effectLst/>
+              </a:rPr>
+              <a:t>misurazioni</a:t>
+            </a:r>
+            <a:r>
+              <a:rPr lang="en-US" sz="2000" dirty="0">
+                <a:effectLst/>
+              </a:rPr>
+              <a:t> in tempo </a:t>
+            </a:r>
+            <a:r>
+              <a:rPr lang="en-US" sz="2000" dirty="0" err="1">
+                <a:effectLst/>
+              </a:rPr>
+              <a:t>reale</a:t>
+            </a:r>
+            <a:r>
+              <a:rPr lang="en-US" sz="2000" dirty="0">
+                <a:effectLst/>
+              </a:rPr>
+              <a:t> per un </a:t>
+            </a:r>
+            <a:r>
+              <a:rPr lang="en-US" sz="2000" dirty="0" err="1">
+                <a:effectLst/>
+              </a:rPr>
+              <a:t>certo</a:t>
+            </a:r>
+            <a:r>
+              <a:rPr lang="en-US" sz="2000" dirty="0">
+                <a:effectLst/>
+              </a:rPr>
+              <a:t> </a:t>
+            </a:r>
+            <a:r>
+              <a:rPr lang="en-US" sz="2000" dirty="0" err="1">
+                <a:effectLst/>
+              </a:rPr>
+              <a:t>residente</a:t>
+            </a:r>
+            <a:r>
+              <a:rPr lang="en-US" sz="2000" dirty="0">
+                <a:effectLst/>
+              </a:rPr>
+              <a:t>, </a:t>
+            </a:r>
+            <a:r>
+              <a:rPr lang="en-US" sz="2000" dirty="0" err="1">
+                <a:effectLst/>
+              </a:rPr>
+              <a:t>vengono</a:t>
+            </a:r>
+            <a:r>
+              <a:rPr lang="en-US" sz="2000" dirty="0">
+                <a:effectLst/>
+              </a:rPr>
+              <a:t> </a:t>
+            </a:r>
+            <a:r>
+              <a:rPr lang="en-US" sz="2000" dirty="0" err="1">
+                <a:effectLst/>
+              </a:rPr>
+              <a:t>prelevati</a:t>
+            </a:r>
+            <a:r>
+              <a:rPr lang="en-US" sz="2000" dirty="0">
+                <a:effectLst/>
+              </a:rPr>
+              <a:t> </a:t>
+            </a:r>
+            <a:r>
+              <a:rPr lang="en-US" sz="2000" dirty="0" err="1">
+                <a:effectLst/>
+              </a:rPr>
+              <a:t>dai</a:t>
+            </a:r>
+            <a:r>
+              <a:rPr lang="en-US" sz="2000" dirty="0">
+                <a:effectLst/>
+              </a:rPr>
+              <a:t> </a:t>
+            </a:r>
+            <a:r>
+              <a:rPr lang="en-US" sz="2000" dirty="0" err="1">
+                <a:effectLst/>
+              </a:rPr>
+              <a:t>diversi</a:t>
+            </a:r>
+            <a:r>
+              <a:rPr lang="en-US" sz="2000" dirty="0">
+                <a:effectLst/>
+              </a:rPr>
+              <a:t> datastore le </a:t>
+            </a:r>
+            <a:r>
+              <a:rPr lang="en-US" sz="2000" dirty="0" err="1">
+                <a:effectLst/>
+              </a:rPr>
+              <a:t>rilevazioni</a:t>
+            </a:r>
+            <a:r>
+              <a:rPr lang="en-US" sz="2000" dirty="0">
+                <a:effectLst/>
+              </a:rPr>
+              <a:t> </a:t>
+            </a:r>
+            <a:r>
+              <a:rPr lang="en-US" sz="2000" dirty="0" err="1">
+                <a:effectLst/>
+              </a:rPr>
+              <a:t>più</a:t>
+            </a:r>
+            <a:r>
+              <a:rPr lang="en-US" sz="2000" dirty="0">
+                <a:effectLst/>
+              </a:rPr>
+              <a:t> </a:t>
+            </a:r>
+            <a:r>
+              <a:rPr lang="en-US" sz="2000" dirty="0" err="1">
+                <a:effectLst/>
+              </a:rPr>
+              <a:t>recenti</a:t>
+            </a:r>
+            <a:r>
+              <a:rPr lang="en-US" sz="2000" dirty="0">
+                <a:effectLst/>
+              </a:rPr>
+              <a:t>, </a:t>
+            </a:r>
+            <a:r>
+              <a:rPr lang="en-US" sz="2000" dirty="0" err="1">
+                <a:effectLst/>
+              </a:rPr>
+              <a:t>sulla</a:t>
+            </a:r>
+            <a:r>
+              <a:rPr lang="en-US" sz="2000" dirty="0">
+                <a:effectLst/>
+              </a:rPr>
+              <a:t> base di </a:t>
+            </a:r>
+            <a:r>
+              <a:rPr lang="en-US" sz="2000" dirty="0" err="1">
+                <a:effectLst/>
+              </a:rPr>
+              <a:t>queste</a:t>
+            </a:r>
+            <a:r>
+              <a:rPr lang="en-US" sz="2000" dirty="0">
+                <a:effectLst/>
+              </a:rPr>
+              <a:t> </a:t>
+            </a:r>
+            <a:r>
+              <a:rPr lang="en-US" sz="2000" dirty="0" err="1">
+                <a:effectLst/>
+              </a:rPr>
+              <a:t>viene</a:t>
+            </a:r>
+            <a:r>
+              <a:rPr lang="en-US" sz="2000" dirty="0">
+                <a:effectLst/>
+              </a:rPr>
+              <a:t> </a:t>
+            </a:r>
+            <a:r>
+              <a:rPr lang="en-US" sz="2000" dirty="0" err="1">
+                <a:effectLst/>
+              </a:rPr>
+              <a:t>calcolato</a:t>
+            </a:r>
+            <a:r>
+              <a:rPr lang="en-US" sz="2000" dirty="0">
+                <a:effectLst/>
+              </a:rPr>
+              <a:t> il </a:t>
+            </a:r>
+            <a:r>
+              <a:rPr lang="en-US" sz="2000" dirty="0" err="1">
+                <a:effectLst/>
+              </a:rPr>
+              <a:t>fattore</a:t>
+            </a:r>
+            <a:r>
+              <a:rPr lang="en-US" sz="2000" dirty="0">
+                <a:effectLst/>
+              </a:rPr>
+              <a:t> di </a:t>
+            </a:r>
+            <a:r>
+              <a:rPr lang="en-US" sz="2000" dirty="0" err="1">
+                <a:effectLst/>
+              </a:rPr>
+              <a:t>rischio</a:t>
+            </a:r>
+            <a:r>
+              <a:rPr lang="en-US" sz="2000" dirty="0">
+                <a:effectLst/>
+              </a:rPr>
+              <a:t> e </a:t>
+            </a:r>
+            <a:r>
+              <a:rPr lang="en-US" sz="2000" dirty="0" err="1">
+                <a:effectLst/>
+              </a:rPr>
+              <a:t>i</a:t>
+            </a:r>
+            <a:r>
+              <a:rPr lang="en-US" sz="2000" dirty="0">
+                <a:effectLst/>
+              </a:rPr>
+              <a:t> </a:t>
+            </a:r>
+            <a:r>
+              <a:rPr lang="en-US" sz="2000" dirty="0" err="1">
+                <a:effectLst/>
+              </a:rPr>
+              <a:t>valori</a:t>
+            </a:r>
+            <a:r>
+              <a:rPr lang="en-US" sz="2000" dirty="0">
+                <a:effectLst/>
+              </a:rPr>
+              <a:t> </a:t>
+            </a:r>
+            <a:r>
+              <a:rPr lang="en-US" sz="2000" dirty="0" err="1">
+                <a:effectLst/>
+              </a:rPr>
+              <a:t>medi</a:t>
+            </a:r>
+            <a:r>
+              <a:rPr lang="en-US" sz="2000" dirty="0">
+                <a:effectLst/>
+              </a:rPr>
+              <a:t> di </a:t>
+            </a:r>
+            <a:r>
+              <a:rPr lang="en-US" sz="2000" dirty="0" err="1">
+                <a:effectLst/>
+              </a:rPr>
+              <a:t>battito</a:t>
+            </a:r>
+            <a:r>
+              <a:rPr lang="en-US" sz="2000" dirty="0">
+                <a:effectLst/>
+              </a:rPr>
+              <a:t> </a:t>
+            </a:r>
+            <a:r>
+              <a:rPr lang="en-US" sz="2000" dirty="0" err="1">
+                <a:effectLst/>
+              </a:rPr>
+              <a:t>cardiaco</a:t>
+            </a:r>
+            <a:r>
+              <a:rPr lang="en-US" sz="2000" dirty="0">
+                <a:effectLst/>
+              </a:rPr>
+              <a:t>, </a:t>
+            </a:r>
+            <a:r>
+              <a:rPr lang="en-US" sz="2000" dirty="0" err="1">
+                <a:effectLst/>
+              </a:rPr>
+              <a:t>temperatura</a:t>
+            </a:r>
+            <a:r>
+              <a:rPr lang="en-US" sz="2000" dirty="0">
+                <a:effectLst/>
+              </a:rPr>
+              <a:t> e </a:t>
+            </a:r>
+            <a:r>
+              <a:rPr lang="en-US" sz="2000" dirty="0" err="1">
+                <a:effectLst/>
+              </a:rPr>
+              <a:t>accelerazione</a:t>
+            </a:r>
+            <a:r>
+              <a:rPr lang="en-US" sz="2000" dirty="0">
+                <a:effectLst/>
+              </a:rPr>
+              <a:t>, e poi il </a:t>
+            </a:r>
+            <a:r>
+              <a:rPr lang="en-US" sz="2000" dirty="0" err="1">
+                <a:effectLst/>
+              </a:rPr>
+              <a:t>tutto</a:t>
+            </a:r>
+            <a:r>
+              <a:rPr lang="en-US" sz="2000" dirty="0">
+                <a:effectLst/>
+              </a:rPr>
+              <a:t> </a:t>
+            </a:r>
+            <a:r>
+              <a:rPr lang="en-US" sz="2000" dirty="0" err="1">
+                <a:effectLst/>
+              </a:rPr>
+              <a:t>viene</a:t>
+            </a:r>
+            <a:r>
+              <a:rPr lang="en-US" sz="2000" dirty="0">
+                <a:effectLst/>
+              </a:rPr>
+              <a:t> </a:t>
+            </a:r>
+            <a:r>
+              <a:rPr lang="en-US" sz="2000" dirty="0" err="1">
+                <a:effectLst/>
+              </a:rPr>
+              <a:t>inviato</a:t>
+            </a:r>
+            <a:r>
+              <a:rPr lang="en-US" sz="2000" dirty="0">
+                <a:effectLst/>
+              </a:rPr>
+              <a:t> al caretaker. </a:t>
+            </a:r>
+            <a:r>
+              <a:rPr lang="en-US" sz="2000" dirty="0" err="1">
+                <a:effectLst/>
+              </a:rPr>
+              <a:t>Invece</a:t>
+            </a:r>
+            <a:r>
+              <a:rPr lang="en-US" sz="2000" dirty="0">
+                <a:effectLst/>
+              </a:rPr>
+              <a:t>, se </a:t>
+            </a:r>
+            <a:r>
+              <a:rPr lang="en-US" sz="2000" dirty="0" err="1">
+                <a:effectLst/>
+              </a:rPr>
+              <a:t>si</a:t>
+            </a:r>
+            <a:r>
+              <a:rPr lang="en-US" sz="2000" dirty="0">
+                <a:effectLst/>
+              </a:rPr>
+              <a:t> </a:t>
+            </a:r>
+            <a:r>
+              <a:rPr lang="en-US" sz="2000" dirty="0" err="1">
+                <a:effectLst/>
+              </a:rPr>
+              <a:t>richiede</a:t>
+            </a:r>
+            <a:r>
+              <a:rPr lang="en-US" sz="2000" dirty="0">
+                <a:effectLst/>
+              </a:rPr>
+              <a:t> lo </a:t>
+            </a:r>
+            <a:r>
+              <a:rPr lang="en-US" sz="2000" i="1" dirty="0" err="1">
+                <a:effectLst/>
+              </a:rPr>
+              <a:t>Storico</a:t>
+            </a:r>
+            <a:r>
+              <a:rPr lang="en-US" sz="2000" dirty="0">
+                <a:effectLst/>
+              </a:rPr>
+              <a:t> (</a:t>
+            </a:r>
+            <a:r>
+              <a:rPr lang="en-US" sz="2000" dirty="0" err="1">
+                <a:effectLst/>
+              </a:rPr>
+              <a:t>possibile</a:t>
+            </a:r>
+            <a:r>
+              <a:rPr lang="en-US" sz="2000" dirty="0">
+                <a:effectLst/>
+              </a:rPr>
+              <a:t> solo per </a:t>
+            </a:r>
+            <a:r>
+              <a:rPr lang="en-US" sz="2000" dirty="0" err="1">
+                <a:effectLst/>
+              </a:rPr>
+              <a:t>l’operatore</a:t>
+            </a:r>
+            <a:r>
+              <a:rPr lang="en-US" sz="2000" dirty="0">
+                <a:effectLst/>
+              </a:rPr>
+              <a:t> </a:t>
+            </a:r>
+            <a:r>
+              <a:rPr lang="en-US" sz="2000" dirty="0" err="1">
+                <a:effectLst/>
+              </a:rPr>
+              <a:t>sanitario</a:t>
+            </a:r>
+            <a:r>
+              <a:rPr lang="en-US" sz="2000" dirty="0">
+                <a:effectLst/>
+              </a:rPr>
+              <a:t>), </a:t>
+            </a:r>
+            <a:r>
+              <a:rPr lang="en-US" sz="2000" dirty="0" err="1">
+                <a:effectLst/>
+              </a:rPr>
+              <a:t>vengono</a:t>
+            </a:r>
+            <a:r>
+              <a:rPr lang="en-US" sz="2000" dirty="0">
+                <a:effectLst/>
+              </a:rPr>
+              <a:t> </a:t>
+            </a:r>
+            <a:r>
+              <a:rPr lang="en-US" sz="2000" dirty="0" err="1">
+                <a:effectLst/>
+              </a:rPr>
+              <a:t>inviati</a:t>
+            </a:r>
+            <a:r>
+              <a:rPr lang="en-US" sz="2000" dirty="0">
+                <a:effectLst/>
+              </a:rPr>
+              <a:t> tutti </a:t>
+            </a:r>
+            <a:r>
+              <a:rPr lang="en-US" sz="2000" dirty="0" err="1">
+                <a:effectLst/>
+              </a:rPr>
+              <a:t>i</a:t>
+            </a:r>
+            <a:r>
+              <a:rPr lang="en-US" sz="2000" dirty="0">
+                <a:effectLst/>
+              </a:rPr>
+              <a:t> </a:t>
+            </a:r>
+            <a:r>
+              <a:rPr lang="en-US" sz="2000" dirty="0" err="1">
+                <a:effectLst/>
+              </a:rPr>
+              <a:t>dati</a:t>
+            </a:r>
+            <a:r>
+              <a:rPr lang="en-US" sz="2000" dirty="0">
+                <a:effectLst/>
+              </a:rPr>
+              <a:t> </a:t>
+            </a:r>
+            <a:r>
+              <a:rPr lang="en-US" sz="2000" dirty="0" err="1">
+                <a:effectLst/>
+              </a:rPr>
+              <a:t>presenti</a:t>
+            </a:r>
+            <a:r>
+              <a:rPr lang="en-US" sz="2000" dirty="0">
+                <a:effectLst/>
+              </a:rPr>
+              <a:t>.</a:t>
+            </a:r>
+          </a:p>
+        </p:txBody>
+      </p:sp>
     </p:spTree>
     <p:extLst>
       <p:ext uri="{BB962C8B-B14F-4D97-AF65-F5344CB8AC3E}">
-        <p14:creationId xmlns:p14="http://schemas.microsoft.com/office/powerpoint/2010/main" val="2073415645"/>
+        <p14:creationId xmlns:p14="http://schemas.microsoft.com/office/powerpoint/2010/main" val="3816198807"/>
       </p:ext>
     </p:extLst>
   </p:cSld>
@@ -37402,13 +40745,13 @@
         </p:nvPicPr>
         <p:blipFill rotWithShape="1">
           <a:blip r:embed="rId2"/>
-          <a:srcRect l="5288" t="10969" r="52644" b="12551"/>
+          <a:srcRect l="17780" t="42905" r="69723" b="12551"/>
           <a:stretch/>
         </p:blipFill>
         <p:spPr>
           <a:xfrm>
-            <a:off x="215980" y="231353"/>
-            <a:ext cx="4535634" cy="1295266"/>
+            <a:off x="258084" y="136525"/>
+            <a:ext cx="1347420" cy="754398"/>
           </a:xfrm>
           <a:prstGeom prst="rect">
             <a:avLst/>
@@ -37429,8 +40772,8 @@
         </p:nvSpPr>
         <p:spPr>
           <a:xfrm>
-            <a:off x="1562771" y="772221"/>
-            <a:ext cx="3123804" cy="584775"/>
+            <a:off x="258084" y="136525"/>
+            <a:ext cx="1347420" cy="584775"/>
           </a:xfrm>
           <a:prstGeom prst="rect">
             <a:avLst/>
@@ -37464,73 +40807,18 @@
           <a:p>
             <a:r>
               <a:rPr lang="en-US" sz="3200" dirty="0" err="1"/>
-              <a:t>Richiesta</a:t>
-            </a:r>
-            <a:r>
-              <a:rPr lang="en-US" sz="3200" dirty="0"/>
-              <a:t> </a:t>
-            </a:r>
-            <a:r>
-              <a:rPr lang="en-US" sz="3200" dirty="0" err="1"/>
-              <a:t>Soccorsi</a:t>
-            </a:r>
-            <a:endParaRPr lang="it-IT" sz="3200" i="1" dirty="0"/>
+              <a:t>Storico</a:t>
+            </a:r>
+            <a:endParaRPr lang="it-IT" sz="3200" dirty="0"/>
           </a:p>
         </p:txBody>
       </p:sp>
       <p:pic>
         <p:nvPicPr>
-          <p:cNvPr id="9" name="Picture 2" descr="Università degli Studi di Milano-Bicocca - Wikipedia">
+          <p:cNvPr id="3" name="Picture 2" descr="Text&#10;&#10;Description automatically generated with low confidence">
             <a:extLst>
               <a:ext uri="{FF2B5EF4-FFF2-40B4-BE49-F238E27FC236}">
-                <a16:creationId xmlns:a16="http://schemas.microsoft.com/office/drawing/2014/main" id="{9D1896BC-6EF3-43D9-B8A2-217137CA9550}"/>
-              </a:ext>
-            </a:extLst>
-          </p:cNvPr>
-          <p:cNvPicPr>
-            <a:picLocks noChangeAspect="1" noChangeArrowheads="1"/>
-          </p:cNvPicPr>
-          <p:nvPr/>
-        </p:nvPicPr>
-        <p:blipFill>
-          <a:blip r:embed="rId3">
-            <a:extLst>
-              <a:ext uri="{28A0092B-C50C-407E-A947-70E740481C1C}">
-                <a14:useLocalDpi xmlns:a14="http://schemas.microsoft.com/office/drawing/2010/main" val="0"/>
-              </a:ext>
-            </a:extLst>
-          </a:blip>
-          <a:srcRect/>
-          <a:stretch>
-            <a:fillRect/>
-          </a:stretch>
-        </p:blipFill>
-        <p:spPr bwMode="auto">
-          <a:xfrm>
-            <a:off x="215979" y="254984"/>
-            <a:ext cx="1346792" cy="1331078"/>
-          </a:xfrm>
-          <a:prstGeom prst="rect">
-            <a:avLst/>
-          </a:prstGeom>
-          <a:noFill/>
-          <a:extLst>
-            <a:ext uri="{909E8E84-426E-40DD-AFC4-6F175D3DCCD1}">
-              <a14:hiddenFill xmlns:a14="http://schemas.microsoft.com/office/drawing/2010/main">
-                <a:solidFill>
-                  <a:srgbClr val="FFFFFF"/>
-                </a:solidFill>
-              </a14:hiddenFill>
-            </a:ext>
-          </a:extLst>
-        </p:spPr>
-      </p:pic>
-      <p:pic>
-        <p:nvPicPr>
-          <p:cNvPr id="3" name="Picture 2" descr="Text&#10;&#10;Description automatically generated with medium confidence">
-            <a:extLst>
-              <a:ext uri="{FF2B5EF4-FFF2-40B4-BE49-F238E27FC236}">
-                <a16:creationId xmlns:a16="http://schemas.microsoft.com/office/drawing/2014/main" id="{D290B169-AFE9-3BF9-DDBB-E24E272E3F07}"/>
+                <a16:creationId xmlns:a16="http://schemas.microsoft.com/office/drawing/2014/main" id="{A078A0A9-AD9C-4297-89E6-52D38E8126D4}"/>
               </a:ext>
             </a:extLst>
           </p:cNvPr>
@@ -37540,7 +40828,7 @@
           <p:nvPr/>
         </p:nvPicPr>
         <p:blipFill>
-          <a:blip r:embed="rId4">
+          <a:blip r:embed="rId3">
             <a:extLst>
               <a:ext uri="{28A0092B-C50C-407E-A947-70E740481C1C}">
                 <a14:useLocalDpi xmlns:a14="http://schemas.microsoft.com/office/drawing/2010/main" val="0"/>
@@ -37553,8 +40841,8 @@
         </p:blipFill>
         <p:spPr>
           <a:xfrm>
-            <a:off x="4033837" y="2067487"/>
-            <a:ext cx="4124325" cy="3371850"/>
+            <a:off x="2056968" y="136525"/>
+            <a:ext cx="9666947" cy="6429917"/>
           </a:xfrm>
           <a:prstGeom prst="rect">
             <a:avLst/>
@@ -37564,7 +40852,7 @@
     </p:spTree>
     <p:extLst>
       <p:ext uri="{BB962C8B-B14F-4D97-AF65-F5344CB8AC3E}">
-        <p14:creationId xmlns:p14="http://schemas.microsoft.com/office/powerpoint/2010/main" val="3746243604"/>
+        <p14:creationId xmlns:p14="http://schemas.microsoft.com/office/powerpoint/2010/main" val="2073415645"/>
       </p:ext>
     </p:extLst>
   </p:cSld>
@@ -37636,13 +40924,13 @@
         </p:nvPicPr>
         <p:blipFill rotWithShape="1">
           <a:blip r:embed="rId2"/>
-          <a:srcRect l="17778" t="42905" r="34284" b="12551"/>
+          <a:srcRect l="5288" t="10969" r="52644" b="12551"/>
           <a:stretch/>
         </p:blipFill>
         <p:spPr>
           <a:xfrm>
-            <a:off x="258083" y="136525"/>
-            <a:ext cx="5168593" cy="754398"/>
+            <a:off x="215980" y="231353"/>
+            <a:ext cx="4535634" cy="1295266"/>
           </a:xfrm>
           <a:prstGeom prst="rect">
             <a:avLst/>
@@ -37663,8 +40951,8 @@
         </p:nvSpPr>
         <p:spPr>
           <a:xfrm>
-            <a:off x="258084" y="136525"/>
-            <a:ext cx="5168594" cy="584775"/>
+            <a:off x="1562771" y="772221"/>
+            <a:ext cx="3123804" cy="584775"/>
           </a:xfrm>
           <a:prstGeom prst="rect">
             <a:avLst/>
@@ -37698,26 +40986,73 @@
           <a:p>
             <a:r>
               <a:rPr lang="en-US" sz="3200" dirty="0" err="1"/>
-              <a:t>Comunicazione</a:t>
+              <a:t>Richiesta</a:t>
             </a:r>
             <a:r>
               <a:rPr lang="en-US" sz="3200" dirty="0"/>
-              <a:t> con </a:t>
+              <a:t> </a:t>
             </a:r>
             <a:r>
               <a:rPr lang="en-US" sz="3200" dirty="0" err="1"/>
-              <a:t>Residente</a:t>
-            </a:r>
-            <a:endParaRPr lang="it-IT" sz="3200" dirty="0"/>
+              <a:t>Soccorsi</a:t>
+            </a:r>
+            <a:endParaRPr lang="it-IT" sz="3200" i="1" dirty="0"/>
           </a:p>
         </p:txBody>
       </p:sp>
       <p:pic>
         <p:nvPicPr>
-          <p:cNvPr id="2" name="Picture 1" descr="A picture containing graphical user interface&#10;&#10;Description automatically generated">
+          <p:cNvPr id="9" name="Picture 2" descr="Università degli Studi di Milano-Bicocca - Wikipedia">
             <a:extLst>
               <a:ext uri="{FF2B5EF4-FFF2-40B4-BE49-F238E27FC236}">
-                <a16:creationId xmlns:a16="http://schemas.microsoft.com/office/drawing/2014/main" id="{7C4FCC20-D1A0-5A4E-E331-B8C751A7E676}"/>
+                <a16:creationId xmlns:a16="http://schemas.microsoft.com/office/drawing/2014/main" id="{9D1896BC-6EF3-43D9-B8A2-217137CA9550}"/>
+              </a:ext>
+            </a:extLst>
+          </p:cNvPr>
+          <p:cNvPicPr>
+            <a:picLocks noChangeAspect="1" noChangeArrowheads="1"/>
+          </p:cNvPicPr>
+          <p:nvPr/>
+        </p:nvPicPr>
+        <p:blipFill>
+          <a:blip r:embed="rId3">
+            <a:extLst>
+              <a:ext uri="{28A0092B-C50C-407E-A947-70E740481C1C}">
+                <a14:useLocalDpi xmlns:a14="http://schemas.microsoft.com/office/drawing/2010/main" val="0"/>
+              </a:ext>
+            </a:extLst>
+          </a:blip>
+          <a:srcRect/>
+          <a:stretch>
+            <a:fillRect/>
+          </a:stretch>
+        </p:blipFill>
+        <p:spPr bwMode="auto">
+          <a:xfrm>
+            <a:off x="215979" y="254984"/>
+            <a:ext cx="1346792" cy="1331078"/>
+          </a:xfrm>
+          <a:prstGeom prst="rect">
+            <a:avLst/>
+          </a:prstGeom>
+          <a:noFill/>
+          <a:extLst>
+            <a:ext uri="{909E8E84-426E-40DD-AFC4-6F175D3DCCD1}">
+              <a14:hiddenFill xmlns:a14="http://schemas.microsoft.com/office/drawing/2010/main">
+                <a:solidFill>
+                  <a:srgbClr val="FFFFFF"/>
+                </a:solidFill>
+              </a14:hiddenFill>
+            </a:ext>
+          </a:extLst>
+        </p:spPr>
+      </p:pic>
+      <p:pic>
+        <p:nvPicPr>
+          <p:cNvPr id="3" name="Picture 2" descr="Text&#10;&#10;Description automatically generated with medium confidence">
+            <a:extLst>
+              <a:ext uri="{FF2B5EF4-FFF2-40B4-BE49-F238E27FC236}">
+                <a16:creationId xmlns:a16="http://schemas.microsoft.com/office/drawing/2014/main" id="{D290B169-AFE9-3BF9-DDBB-E24E272E3F07}"/>
               </a:ext>
             </a:extLst>
           </p:cNvPr>
@@ -37727,7 +41062,7 @@
           <p:nvPr/>
         </p:nvPicPr>
         <p:blipFill>
-          <a:blip r:embed="rId3">
+          <a:blip r:embed="rId4">
             <a:extLst>
               <a:ext uri="{28A0092B-C50C-407E-A947-70E740481C1C}">
                 <a14:useLocalDpi xmlns:a14="http://schemas.microsoft.com/office/drawing/2010/main" val="0"/>
@@ -37740,18 +41075,321 @@
         </p:blipFill>
         <p:spPr>
           <a:xfrm>
-            <a:off x="5527221" y="396378"/>
-            <a:ext cx="6406695" cy="6065244"/>
+            <a:off x="6483739" y="1894959"/>
+            <a:ext cx="4124325" cy="3371850"/>
           </a:xfrm>
           <a:prstGeom prst="rect">
             <a:avLst/>
           </a:prstGeom>
         </p:spPr>
       </p:pic>
+      <p:sp>
+        <p:nvSpPr>
+          <p:cNvPr id="2" name="CasellaDiTesto 7">
+            <a:extLst>
+              <a:ext uri="{FF2B5EF4-FFF2-40B4-BE49-F238E27FC236}">
+                <a16:creationId xmlns:a16="http://schemas.microsoft.com/office/drawing/2014/main" id="{4D89626A-4590-E73B-1799-ADFFAD12EF20}"/>
+              </a:ext>
+            </a:extLst>
+          </p:cNvPr>
+          <p:cNvSpPr txBox="1"/>
+          <p:nvPr/>
+        </p:nvSpPr>
+        <p:spPr>
+          <a:xfrm>
+            <a:off x="1040517" y="2766313"/>
+            <a:ext cx="4535634" cy="1938992"/>
+          </a:xfrm>
+          <a:prstGeom prst="rect">
+            <a:avLst/>
+          </a:prstGeom>
+          <a:noFill/>
+        </p:spPr>
+        <p:txBody>
+          <a:bodyPr wrap="square" rtlCol="0">
+            <a:spAutoFit/>
+          </a:bodyPr>
+          <a:lstStyle>
+            <a:defPPr>
+              <a:defRPr lang="it-IT"/>
+            </a:defPPr>
+            <a:lvl1pPr>
+              <a:defRPr sz="4800">
+                <a:ln w="0"/>
+                <a:solidFill>
+                  <a:srgbClr val="002060"/>
+                </a:solidFill>
+                <a:effectLst>
+                  <a:outerShdw blurRad="38100" dist="25400" dir="5400000" algn="ctr" rotWithShape="0">
+                    <a:srgbClr val="6E747A">
+                      <a:alpha val="43000"/>
+                    </a:srgbClr>
+                  </a:outerShdw>
+                </a:effectLst>
+              </a:defRPr>
+            </a:lvl1pPr>
+          </a:lstStyle>
+          <a:p>
+            <a:pPr algn="just"/>
+            <a:r>
+              <a:rPr lang="en-US" sz="2000" dirty="0" err="1">
+                <a:effectLst/>
+              </a:rPr>
+              <a:t>Quando</a:t>
+            </a:r>
+            <a:r>
+              <a:rPr lang="en-US" sz="2000" dirty="0">
+                <a:effectLst/>
+              </a:rPr>
+              <a:t> </a:t>
+            </a:r>
+            <a:r>
+              <a:rPr lang="en-US" sz="2000" dirty="0" err="1">
+                <a:effectLst/>
+              </a:rPr>
+              <a:t>l’operatore</a:t>
+            </a:r>
+            <a:r>
+              <a:rPr lang="en-US" sz="2000" dirty="0">
+                <a:effectLst/>
+              </a:rPr>
+              <a:t> </a:t>
+            </a:r>
+            <a:r>
+              <a:rPr lang="en-US" sz="2000" dirty="0" err="1">
+                <a:effectLst/>
+              </a:rPr>
+              <a:t>sanitario</a:t>
+            </a:r>
+            <a:r>
+              <a:rPr lang="en-US" sz="2000" dirty="0">
+                <a:effectLst/>
+              </a:rPr>
+              <a:t>, </a:t>
+            </a:r>
+            <a:r>
+              <a:rPr lang="en-US" sz="2000" dirty="0" err="1">
+                <a:effectLst/>
+              </a:rPr>
+              <a:t>unico</a:t>
+            </a:r>
+            <a:r>
+              <a:rPr lang="en-US" sz="2000" dirty="0">
+                <a:effectLst/>
+              </a:rPr>
+              <a:t> </a:t>
+            </a:r>
+            <a:r>
+              <a:rPr lang="en-US" sz="2000" dirty="0" err="1">
+                <a:effectLst/>
+              </a:rPr>
+              <a:t>che</a:t>
+            </a:r>
+            <a:r>
+              <a:rPr lang="en-US" sz="2000" dirty="0">
+                <a:effectLst/>
+              </a:rPr>
+              <a:t> ne ha la </a:t>
+            </a:r>
+            <a:r>
+              <a:rPr lang="en-US" sz="2000" dirty="0" err="1">
+                <a:effectLst/>
+              </a:rPr>
+              <a:t>possibilità</a:t>
+            </a:r>
+            <a:r>
+              <a:rPr lang="en-US" sz="2000" dirty="0">
+                <a:effectLst/>
+              </a:rPr>
+              <a:t>, </a:t>
+            </a:r>
+            <a:r>
+              <a:rPr lang="en-US" sz="2000" dirty="0" err="1">
+                <a:effectLst/>
+              </a:rPr>
+              <a:t>richiede</a:t>
+            </a:r>
+            <a:r>
+              <a:rPr lang="en-US" sz="2000" dirty="0">
+                <a:effectLst/>
+              </a:rPr>
+              <a:t> al Sistema </a:t>
+            </a:r>
+            <a:r>
+              <a:rPr lang="en-US" sz="2000" dirty="0" err="1">
+                <a:effectLst/>
+              </a:rPr>
+              <a:t>una</a:t>
+            </a:r>
+            <a:r>
+              <a:rPr lang="en-US" sz="2000" dirty="0">
+                <a:effectLst/>
+              </a:rPr>
+              <a:t> </a:t>
+            </a:r>
+            <a:r>
+              <a:rPr lang="en-US" sz="2000" dirty="0" err="1">
+                <a:effectLst/>
+              </a:rPr>
+              <a:t>chiamata</a:t>
+            </a:r>
+            <a:r>
+              <a:rPr lang="en-US" sz="2000" dirty="0">
+                <a:effectLst/>
+              </a:rPr>
+              <a:t> al SPS per un </a:t>
+            </a:r>
+            <a:r>
+              <a:rPr lang="en-US" sz="2000" dirty="0" err="1">
+                <a:effectLst/>
+              </a:rPr>
+              <a:t>certo</a:t>
+            </a:r>
+            <a:r>
+              <a:rPr lang="en-US" sz="2000" dirty="0">
+                <a:effectLst/>
+              </a:rPr>
+              <a:t> </a:t>
+            </a:r>
+            <a:r>
+              <a:rPr lang="en-US" sz="2000" dirty="0" err="1">
+                <a:effectLst/>
+              </a:rPr>
+              <a:t>residente</a:t>
+            </a:r>
+            <a:r>
+              <a:rPr lang="en-US" sz="2000" dirty="0">
+                <a:effectLst/>
+              </a:rPr>
+              <a:t>, il Sistema </a:t>
+            </a:r>
+            <a:r>
+              <a:rPr lang="en-US" sz="2000" dirty="0" err="1">
+                <a:effectLst/>
+              </a:rPr>
+              <a:t>recupera</a:t>
+            </a:r>
+            <a:r>
+              <a:rPr lang="en-US" sz="2000" dirty="0">
+                <a:effectLst/>
+              </a:rPr>
+              <a:t> </a:t>
+            </a:r>
+            <a:r>
+              <a:rPr lang="en-US" sz="2000" dirty="0" err="1">
+                <a:effectLst/>
+              </a:rPr>
+              <a:t>l’indirizzo</a:t>
+            </a:r>
+            <a:r>
+              <a:rPr lang="en-US" sz="2000" dirty="0">
+                <a:effectLst/>
+              </a:rPr>
+              <a:t> di </a:t>
+            </a:r>
+            <a:r>
+              <a:rPr lang="en-US" sz="2000" dirty="0" err="1">
+                <a:effectLst/>
+              </a:rPr>
+              <a:t>quel</a:t>
+            </a:r>
+            <a:r>
+              <a:rPr lang="en-US" sz="2000" dirty="0">
+                <a:effectLst/>
+              </a:rPr>
+              <a:t> </a:t>
+            </a:r>
+            <a:r>
+              <a:rPr lang="en-US" sz="2000" dirty="0" err="1">
+                <a:effectLst/>
+              </a:rPr>
+              <a:t>residente</a:t>
+            </a:r>
+            <a:r>
+              <a:rPr lang="en-US" sz="2000" dirty="0">
+                <a:effectLst/>
+              </a:rPr>
+              <a:t> </a:t>
+            </a:r>
+            <a:r>
+              <a:rPr lang="en-US" sz="2000" dirty="0" err="1">
+                <a:effectLst/>
+              </a:rPr>
+              <a:t>dalla</a:t>
+            </a:r>
+            <a:r>
+              <a:rPr lang="en-US" sz="2000" dirty="0">
+                <a:effectLst/>
+              </a:rPr>
+              <a:t> BDR, e lo </a:t>
+            </a:r>
+            <a:r>
+              <a:rPr lang="en-US" sz="2000" dirty="0" err="1">
+                <a:effectLst/>
+              </a:rPr>
+              <a:t>comunica</a:t>
+            </a:r>
+            <a:r>
+              <a:rPr lang="en-US" sz="2000" dirty="0">
+                <a:effectLst/>
+              </a:rPr>
+              <a:t> al SPS </a:t>
+            </a:r>
+            <a:r>
+              <a:rPr lang="en-US" sz="2000" dirty="0" err="1">
+                <a:effectLst/>
+              </a:rPr>
+              <a:t>insieme</a:t>
+            </a:r>
+            <a:r>
+              <a:rPr lang="en-US" sz="2000" dirty="0">
+                <a:effectLst/>
+              </a:rPr>
+              <a:t> </a:t>
+            </a:r>
+            <a:r>
+              <a:rPr lang="en-US" sz="2000" dirty="0" err="1">
+                <a:effectLst/>
+              </a:rPr>
+              <a:t>alla</a:t>
+            </a:r>
+            <a:r>
+              <a:rPr lang="en-US" sz="2000" dirty="0">
+                <a:effectLst/>
+              </a:rPr>
+              <a:t> </a:t>
+            </a:r>
+            <a:r>
+              <a:rPr lang="en-US" sz="2000" dirty="0" err="1">
+                <a:effectLst/>
+              </a:rPr>
+              <a:t>richiesta</a:t>
+            </a:r>
+            <a:r>
+              <a:rPr lang="en-US" sz="2000" dirty="0">
+                <a:effectLst/>
+              </a:rPr>
+              <a:t> di </a:t>
+            </a:r>
+            <a:r>
+              <a:rPr lang="en-US" sz="2000" dirty="0" err="1">
+                <a:effectLst/>
+              </a:rPr>
+              <a:t>soccorsi</a:t>
+            </a:r>
+            <a:r>
+              <a:rPr lang="en-US" sz="2000" dirty="0">
+                <a:effectLst/>
+              </a:rPr>
+              <a:t>.</a:t>
+            </a:r>
+          </a:p>
+        </p:txBody>
+      </p:sp>
     </p:spTree>
     <p:extLst>
       <p:ext uri="{BB962C8B-B14F-4D97-AF65-F5344CB8AC3E}">
-        <p14:creationId xmlns:p14="http://schemas.microsoft.com/office/powerpoint/2010/main" val="1214262007"/>
+        <p14:creationId xmlns:p14="http://schemas.microsoft.com/office/powerpoint/2010/main" val="3746243604"/>
       </p:ext>
     </p:extLst>
   </p:cSld>
@@ -37802,6 +41440,1689 @@
             <a:fld id="{AFB85319-5DF8-4B17-9881-6D5B2C7AB305}" type="slidenum">
               <a:rPr lang="it-IT" smtClean="0"/>
               <a:t>52</a:t>
+            </a:fld>
+            <a:endParaRPr lang="it-IT"/>
+          </a:p>
+        </p:txBody>
+      </p:sp>
+      <p:pic>
+        <p:nvPicPr>
+          <p:cNvPr id="6" name="Immagine 5">
+            <a:extLst>
+              <a:ext uri="{FF2B5EF4-FFF2-40B4-BE49-F238E27FC236}">
+                <a16:creationId xmlns:a16="http://schemas.microsoft.com/office/drawing/2014/main" id="{64DD2710-C925-4AEB-B772-6D532D848EB4}"/>
+              </a:ext>
+            </a:extLst>
+          </p:cNvPr>
+          <p:cNvPicPr>
+            <a:picLocks noChangeAspect="1"/>
+          </p:cNvPicPr>
+          <p:nvPr/>
+        </p:nvPicPr>
+        <p:blipFill rotWithShape="1">
+          <a:blip r:embed="rId2"/>
+          <a:srcRect l="17778" t="42905" r="34284" b="12551"/>
+          <a:stretch/>
+        </p:blipFill>
+        <p:spPr>
+          <a:xfrm>
+            <a:off x="258083" y="136525"/>
+            <a:ext cx="5168593" cy="754398"/>
+          </a:xfrm>
+          <a:prstGeom prst="rect">
+            <a:avLst/>
+          </a:prstGeom>
+        </p:spPr>
+      </p:pic>
+      <p:sp>
+        <p:nvSpPr>
+          <p:cNvPr id="8" name="CasellaDiTesto 7">
+            <a:extLst>
+              <a:ext uri="{FF2B5EF4-FFF2-40B4-BE49-F238E27FC236}">
+                <a16:creationId xmlns:a16="http://schemas.microsoft.com/office/drawing/2014/main" id="{3E0E40B7-DD25-4779-A260-DCF2A62C4B41}"/>
+              </a:ext>
+            </a:extLst>
+          </p:cNvPr>
+          <p:cNvSpPr txBox="1"/>
+          <p:nvPr/>
+        </p:nvSpPr>
+        <p:spPr>
+          <a:xfrm>
+            <a:off x="258084" y="136525"/>
+            <a:ext cx="5168594" cy="584775"/>
+          </a:xfrm>
+          <a:prstGeom prst="rect">
+            <a:avLst/>
+          </a:prstGeom>
+          <a:noFill/>
+        </p:spPr>
+        <p:txBody>
+          <a:bodyPr wrap="none" rtlCol="0">
+            <a:spAutoFit/>
+          </a:bodyPr>
+          <a:lstStyle>
+            <a:defPPr>
+              <a:defRPr lang="it-IT"/>
+            </a:defPPr>
+            <a:lvl1pPr>
+              <a:defRPr sz="4800">
+                <a:ln w="0"/>
+                <a:solidFill>
+                  <a:srgbClr val="002060"/>
+                </a:solidFill>
+                <a:effectLst>
+                  <a:outerShdw blurRad="38100" dist="25400" dir="5400000" algn="ctr" rotWithShape="0">
+                    <a:srgbClr val="6E747A">
+                      <a:alpha val="43000"/>
+                    </a:srgbClr>
+                  </a:outerShdw>
+                </a:effectLst>
+              </a:defRPr>
+            </a:lvl1pPr>
+          </a:lstStyle>
+          <a:p>
+            <a:r>
+              <a:rPr lang="en-US" sz="3200" dirty="0" err="1"/>
+              <a:t>Comunicazione</a:t>
+            </a:r>
+            <a:r>
+              <a:rPr lang="en-US" sz="3200" dirty="0"/>
+              <a:t> con </a:t>
+            </a:r>
+            <a:r>
+              <a:rPr lang="en-US" sz="3200" dirty="0" err="1"/>
+              <a:t>Residente</a:t>
+            </a:r>
+            <a:endParaRPr lang="it-IT" sz="3200" dirty="0"/>
+          </a:p>
+        </p:txBody>
+      </p:sp>
+      <p:pic>
+        <p:nvPicPr>
+          <p:cNvPr id="2" name="Picture 1" descr="A picture containing graphical user interface&#10;&#10;Description automatically generated">
+            <a:extLst>
+              <a:ext uri="{FF2B5EF4-FFF2-40B4-BE49-F238E27FC236}">
+                <a16:creationId xmlns:a16="http://schemas.microsoft.com/office/drawing/2014/main" id="{7C4FCC20-D1A0-5A4E-E331-B8C751A7E676}"/>
+              </a:ext>
+            </a:extLst>
+          </p:cNvPr>
+          <p:cNvPicPr>
+            <a:picLocks noChangeAspect="1"/>
+          </p:cNvPicPr>
+          <p:nvPr/>
+        </p:nvPicPr>
+        <p:blipFill>
+          <a:blip r:embed="rId3">
+            <a:extLst>
+              <a:ext uri="{28A0092B-C50C-407E-A947-70E740481C1C}">
+                <a14:useLocalDpi xmlns:a14="http://schemas.microsoft.com/office/drawing/2010/main" val="0"/>
+              </a:ext>
+            </a:extLst>
+          </a:blip>
+          <a:stretch>
+            <a:fillRect/>
+          </a:stretch>
+        </p:blipFill>
+        <p:spPr>
+          <a:xfrm>
+            <a:off x="5527221" y="396378"/>
+            <a:ext cx="6406695" cy="6065244"/>
+          </a:xfrm>
+          <a:prstGeom prst="rect">
+            <a:avLst/>
+          </a:prstGeom>
+        </p:spPr>
+      </p:pic>
+      <p:sp>
+        <p:nvSpPr>
+          <p:cNvPr id="3" name="CasellaDiTesto 7">
+            <a:extLst>
+              <a:ext uri="{FF2B5EF4-FFF2-40B4-BE49-F238E27FC236}">
+                <a16:creationId xmlns:a16="http://schemas.microsoft.com/office/drawing/2014/main" id="{D9F3FFF1-A938-2A3A-81FC-9C230D392CAD}"/>
+              </a:ext>
+            </a:extLst>
+          </p:cNvPr>
+          <p:cNvSpPr txBox="1"/>
+          <p:nvPr/>
+        </p:nvSpPr>
+        <p:spPr>
+          <a:xfrm>
+            <a:off x="258084" y="1074509"/>
+            <a:ext cx="5269137" cy="5324535"/>
+          </a:xfrm>
+          <a:prstGeom prst="rect">
+            <a:avLst/>
+          </a:prstGeom>
+          <a:noFill/>
+        </p:spPr>
+        <p:txBody>
+          <a:bodyPr wrap="square" rtlCol="0">
+            <a:spAutoFit/>
+          </a:bodyPr>
+          <a:lstStyle>
+            <a:defPPr>
+              <a:defRPr lang="it-IT"/>
+            </a:defPPr>
+            <a:lvl1pPr>
+              <a:defRPr sz="4800">
+                <a:ln w="0"/>
+                <a:solidFill>
+                  <a:srgbClr val="002060"/>
+                </a:solidFill>
+                <a:effectLst>
+                  <a:outerShdw blurRad="38100" dist="25400" dir="5400000" algn="ctr" rotWithShape="0">
+                    <a:srgbClr val="6E747A">
+                      <a:alpha val="43000"/>
+                    </a:srgbClr>
+                  </a:outerShdw>
+                </a:effectLst>
+              </a:defRPr>
+            </a:lvl1pPr>
+          </a:lstStyle>
+          <a:p>
+            <a:pPr marL="342900" indent="-342900" algn="just">
+              <a:buFont typeface="Arial" panose="020B0604020202020204" pitchFamily="34" charset="0"/>
+              <a:buChar char="•"/>
+            </a:pPr>
+            <a:r>
+              <a:rPr lang="en-US" sz="2000" dirty="0" err="1">
+                <a:effectLst/>
+              </a:rPr>
+              <a:t>Quando</a:t>
+            </a:r>
+            <a:r>
+              <a:rPr lang="en-US" sz="2000" dirty="0">
+                <a:effectLst/>
+              </a:rPr>
+              <a:t> un caretaker </a:t>
+            </a:r>
+            <a:r>
+              <a:rPr lang="en-US" sz="2000" dirty="0" err="1">
+                <a:effectLst/>
+              </a:rPr>
+              <a:t>richiede</a:t>
+            </a:r>
+            <a:r>
+              <a:rPr lang="en-US" sz="2000" dirty="0">
+                <a:effectLst/>
+              </a:rPr>
+              <a:t> di </a:t>
+            </a:r>
+            <a:r>
+              <a:rPr lang="en-US" sz="2000" dirty="0" err="1">
+                <a:effectLst/>
+              </a:rPr>
+              <a:t>comunicare</a:t>
+            </a:r>
+            <a:r>
+              <a:rPr lang="en-US" sz="2000" dirty="0">
+                <a:effectLst/>
+              </a:rPr>
+              <a:t> con un </a:t>
+            </a:r>
+            <a:r>
+              <a:rPr lang="en-US" sz="2000" dirty="0" err="1">
+                <a:effectLst/>
+              </a:rPr>
+              <a:t>certo</a:t>
+            </a:r>
+            <a:r>
+              <a:rPr lang="en-US" sz="2000" dirty="0">
+                <a:effectLst/>
+              </a:rPr>
+              <a:t> </a:t>
+            </a:r>
+            <a:r>
+              <a:rPr lang="en-US" sz="2000" dirty="0" err="1">
+                <a:effectLst/>
+              </a:rPr>
+              <a:t>residente</a:t>
+            </a:r>
+            <a:r>
+              <a:rPr lang="en-US" sz="2000" dirty="0">
+                <a:effectLst/>
+              </a:rPr>
+              <a:t>, il Sistema </a:t>
+            </a:r>
+            <a:r>
+              <a:rPr lang="en-US" sz="2000" dirty="0" err="1">
+                <a:effectLst/>
+              </a:rPr>
+              <a:t>inizialmente</a:t>
+            </a:r>
+            <a:r>
+              <a:rPr lang="en-US" sz="2000" dirty="0">
+                <a:effectLst/>
+              </a:rPr>
+              <a:t> </a:t>
+            </a:r>
+            <a:r>
+              <a:rPr lang="en-US" sz="2000" dirty="0" err="1">
+                <a:effectLst/>
+              </a:rPr>
+              <a:t>identifica</a:t>
+            </a:r>
+            <a:r>
+              <a:rPr lang="en-US" sz="2000" dirty="0">
+                <a:effectLst/>
+              </a:rPr>
+              <a:t> la stanza </a:t>
+            </a:r>
+            <a:r>
+              <a:rPr lang="en-US" sz="2000" dirty="0" err="1">
+                <a:effectLst/>
+              </a:rPr>
+              <a:t>dell’appartamente</a:t>
+            </a:r>
+            <a:r>
+              <a:rPr lang="en-US" sz="2000" dirty="0">
+                <a:effectLst/>
+              </a:rPr>
+              <a:t> in cui </a:t>
+            </a:r>
+            <a:r>
+              <a:rPr lang="en-US" sz="2000" dirty="0" err="1">
+                <a:effectLst/>
+              </a:rPr>
+              <a:t>questo</a:t>
+            </a:r>
+            <a:r>
+              <a:rPr lang="en-US" sz="2000" dirty="0">
+                <a:effectLst/>
+              </a:rPr>
+              <a:t> </a:t>
+            </a:r>
+            <a:r>
+              <a:rPr lang="en-US" sz="2000" dirty="0" err="1">
+                <a:effectLst/>
+              </a:rPr>
+              <a:t>si</a:t>
+            </a:r>
+            <a:r>
+              <a:rPr lang="en-US" sz="2000" dirty="0">
+                <a:effectLst/>
+              </a:rPr>
+              <a:t> </a:t>
+            </a:r>
+            <a:r>
+              <a:rPr lang="en-US" sz="2000" dirty="0" err="1">
+                <a:effectLst/>
+              </a:rPr>
+              <a:t>trova</a:t>
+            </a:r>
+            <a:r>
+              <a:rPr lang="en-US" sz="2000" dirty="0">
+                <a:effectLst/>
+              </a:rPr>
+              <a:t>, e poi fa </a:t>
+            </a:r>
+            <a:r>
+              <a:rPr lang="en-US" sz="2000" dirty="0" err="1">
+                <a:effectLst/>
+              </a:rPr>
+              <a:t>partire</a:t>
+            </a:r>
+            <a:r>
+              <a:rPr lang="en-US" sz="2000" dirty="0">
+                <a:effectLst/>
+              </a:rPr>
+              <a:t> la </a:t>
+            </a:r>
+            <a:r>
+              <a:rPr lang="en-US" sz="2000" dirty="0" err="1">
+                <a:effectLst/>
+              </a:rPr>
+              <a:t>comunicazione</a:t>
+            </a:r>
+            <a:r>
+              <a:rPr lang="en-US" sz="2000" dirty="0">
+                <a:effectLst/>
+              </a:rPr>
+              <a:t>, </a:t>
+            </a:r>
+            <a:r>
+              <a:rPr lang="en-US" sz="2000" dirty="0" err="1">
+                <a:effectLst/>
+              </a:rPr>
+              <a:t>che</a:t>
+            </a:r>
+            <a:r>
+              <a:rPr lang="en-US" sz="2000" dirty="0">
+                <a:effectLst/>
+              </a:rPr>
+              <a:t> </a:t>
+            </a:r>
+            <a:r>
+              <a:rPr lang="en-US" sz="2000" dirty="0" err="1">
+                <a:effectLst/>
+              </a:rPr>
+              <a:t>avverrà</a:t>
+            </a:r>
+            <a:r>
+              <a:rPr lang="en-US" sz="2000" dirty="0">
+                <a:effectLst/>
+              </a:rPr>
+              <a:t> </a:t>
+            </a:r>
+            <a:r>
+              <a:rPr lang="en-US" sz="2000" dirty="0" err="1">
+                <a:effectLst/>
+              </a:rPr>
+              <a:t>tramite</a:t>
+            </a:r>
+            <a:r>
+              <a:rPr lang="en-US" sz="2000" dirty="0">
+                <a:effectLst/>
+              </a:rPr>
+              <a:t> il </a:t>
+            </a:r>
+            <a:r>
+              <a:rPr lang="en-US" sz="2000" dirty="0" err="1">
+                <a:effectLst/>
+              </a:rPr>
+              <a:t>sistema</a:t>
+            </a:r>
+            <a:r>
+              <a:rPr lang="en-US" sz="2000" dirty="0">
+                <a:effectLst/>
+              </a:rPr>
+              <a:t> audio di </a:t>
+            </a:r>
+            <a:r>
+              <a:rPr lang="en-US" sz="2000" dirty="0" err="1">
+                <a:effectLst/>
+              </a:rPr>
+              <a:t>quella</a:t>
+            </a:r>
+            <a:r>
+              <a:rPr lang="en-US" sz="2000" dirty="0">
+                <a:effectLst/>
+              </a:rPr>
+              <a:t> stanza. </a:t>
+            </a:r>
+            <a:r>
+              <a:rPr lang="en-US" sz="2000" dirty="0" err="1">
+                <a:effectLst/>
+              </a:rPr>
+              <a:t>Quando</a:t>
+            </a:r>
+            <a:r>
+              <a:rPr lang="en-US" sz="2000" dirty="0">
+                <a:effectLst/>
+              </a:rPr>
+              <a:t> il caretaker lo </a:t>
+            </a:r>
+            <a:r>
+              <a:rPr lang="en-US" sz="2000" dirty="0" err="1">
+                <a:effectLst/>
+              </a:rPr>
+              <a:t>vorrà</a:t>
+            </a:r>
+            <a:r>
+              <a:rPr lang="en-US" sz="2000" dirty="0">
+                <a:effectLst/>
+              </a:rPr>
+              <a:t>, </a:t>
+            </a:r>
+            <a:r>
+              <a:rPr lang="en-US" sz="2000" dirty="0" err="1">
+                <a:effectLst/>
+              </a:rPr>
+              <a:t>potrà</a:t>
+            </a:r>
+            <a:r>
+              <a:rPr lang="en-US" sz="2000" dirty="0">
+                <a:effectLst/>
+              </a:rPr>
+              <a:t> </a:t>
+            </a:r>
+            <a:r>
+              <a:rPr lang="en-US" sz="2000" dirty="0" err="1">
+                <a:effectLst/>
+              </a:rPr>
+              <a:t>chiudere</a:t>
+            </a:r>
+            <a:r>
+              <a:rPr lang="en-US" sz="2000" dirty="0">
+                <a:effectLst/>
+              </a:rPr>
+              <a:t> la </a:t>
+            </a:r>
+            <a:r>
+              <a:rPr lang="en-US" sz="2000" dirty="0" err="1">
+                <a:effectLst/>
+              </a:rPr>
+              <a:t>comunicazione</a:t>
+            </a:r>
+            <a:r>
+              <a:rPr lang="en-US" sz="2000" dirty="0">
+                <a:effectLst/>
+              </a:rPr>
+              <a:t>;</a:t>
+            </a:r>
+          </a:p>
+          <a:p>
+            <a:pPr marL="342900" indent="-342900" algn="just">
+              <a:buFont typeface="Arial" panose="020B0604020202020204" pitchFamily="34" charset="0"/>
+              <a:buChar char="•"/>
+            </a:pPr>
+            <a:r>
+              <a:rPr lang="en-US" sz="2000" dirty="0">
+                <a:effectLst/>
+              </a:rPr>
+              <a:t>Si </a:t>
+            </a:r>
+            <a:r>
+              <a:rPr lang="en-US" sz="2000" dirty="0" err="1">
+                <a:effectLst/>
+              </a:rPr>
+              <a:t>noti</a:t>
+            </a:r>
+            <a:r>
+              <a:rPr lang="en-US" sz="2000" dirty="0">
+                <a:effectLst/>
+              </a:rPr>
+              <a:t> </a:t>
+            </a:r>
+            <a:r>
+              <a:rPr lang="en-US" sz="2000" dirty="0" err="1">
+                <a:effectLst/>
+              </a:rPr>
+              <a:t>che</a:t>
+            </a:r>
+            <a:r>
+              <a:rPr lang="en-US" sz="2000" dirty="0">
+                <a:effectLst/>
+              </a:rPr>
+              <a:t> la </a:t>
+            </a:r>
+            <a:r>
+              <a:rPr lang="en-US" sz="2000" dirty="0" err="1">
+                <a:effectLst/>
+              </a:rPr>
+              <a:t>funzione</a:t>
+            </a:r>
+            <a:r>
+              <a:rPr lang="en-US" sz="2000" dirty="0">
+                <a:effectLst/>
+              </a:rPr>
+              <a:t> di </a:t>
+            </a:r>
+            <a:r>
+              <a:rPr lang="en-US" sz="2000" dirty="0" err="1">
+                <a:effectLst/>
+              </a:rPr>
+              <a:t>apertura</a:t>
+            </a:r>
+            <a:r>
+              <a:rPr lang="en-US" sz="2000" dirty="0">
+                <a:effectLst/>
+              </a:rPr>
+              <a:t> </a:t>
+            </a:r>
+            <a:r>
+              <a:rPr lang="en-US" sz="2000" dirty="0" err="1">
+                <a:effectLst/>
+              </a:rPr>
+              <a:t>della</a:t>
+            </a:r>
+            <a:r>
+              <a:rPr lang="en-US" sz="2000" dirty="0">
+                <a:effectLst/>
+              </a:rPr>
+              <a:t> </a:t>
+            </a:r>
+            <a:r>
+              <a:rPr lang="en-US" sz="2000" dirty="0" err="1">
+                <a:effectLst/>
+              </a:rPr>
+              <a:t>comunicazione</a:t>
+            </a:r>
+            <a:r>
+              <a:rPr lang="en-US" sz="2000" dirty="0">
+                <a:effectLst/>
+              </a:rPr>
+              <a:t> è </a:t>
+            </a:r>
+            <a:r>
+              <a:rPr lang="en-US" sz="2000" dirty="0" err="1">
+                <a:effectLst/>
+              </a:rPr>
+              <a:t>sincrona</a:t>
+            </a:r>
+            <a:r>
+              <a:rPr lang="en-US" sz="2000" dirty="0">
+                <a:effectLst/>
+              </a:rPr>
+              <a:t>, visto </a:t>
+            </a:r>
+            <a:r>
+              <a:rPr lang="en-US" sz="2000" dirty="0" err="1">
+                <a:effectLst/>
+              </a:rPr>
+              <a:t>che</a:t>
+            </a:r>
+            <a:r>
+              <a:rPr lang="en-US" sz="2000" dirty="0">
+                <a:effectLst/>
+              </a:rPr>
+              <a:t> al caretaker </a:t>
+            </a:r>
+            <a:r>
+              <a:rPr lang="en-US" sz="2000" dirty="0" err="1">
+                <a:effectLst/>
+              </a:rPr>
+              <a:t>interessa</a:t>
+            </a:r>
+            <a:r>
+              <a:rPr lang="en-US" sz="2000" dirty="0">
+                <a:effectLst/>
+              </a:rPr>
+              <a:t> </a:t>
+            </a:r>
+            <a:r>
+              <a:rPr lang="en-US" sz="2000" dirty="0" err="1">
+                <a:effectLst/>
+              </a:rPr>
+              <a:t>sapere</a:t>
+            </a:r>
+            <a:r>
+              <a:rPr lang="en-US" sz="2000" dirty="0">
+                <a:effectLst/>
+              </a:rPr>
+              <a:t> se la </a:t>
+            </a:r>
+            <a:r>
+              <a:rPr lang="en-US" sz="2000" dirty="0" err="1">
+                <a:effectLst/>
+              </a:rPr>
+              <a:t>comunicazione</a:t>
+            </a:r>
+            <a:r>
+              <a:rPr lang="en-US" sz="2000" dirty="0">
+                <a:effectLst/>
+              </a:rPr>
+              <a:t> è </a:t>
+            </a:r>
+            <a:r>
+              <a:rPr lang="en-US" sz="2000" dirty="0" err="1">
+                <a:effectLst/>
+              </a:rPr>
+              <a:t>iniziata</a:t>
+            </a:r>
+            <a:r>
+              <a:rPr lang="en-US" sz="2000" dirty="0">
+                <a:effectLst/>
+              </a:rPr>
+              <a:t> </a:t>
+            </a:r>
+            <a:r>
+              <a:rPr lang="en-US" sz="2000" dirty="0" err="1">
+                <a:effectLst/>
+              </a:rPr>
+              <a:t>oppure</a:t>
+            </a:r>
+            <a:r>
+              <a:rPr lang="en-US" sz="2000" dirty="0">
+                <a:effectLst/>
+              </a:rPr>
+              <a:t> no, </a:t>
+            </a:r>
+            <a:r>
+              <a:rPr lang="en-US" sz="2000" dirty="0" err="1">
+                <a:effectLst/>
+              </a:rPr>
+              <a:t>mentre</a:t>
+            </a:r>
+            <a:r>
+              <a:rPr lang="en-US" sz="2000" dirty="0">
+                <a:effectLst/>
+              </a:rPr>
+              <a:t>, la </a:t>
+            </a:r>
+            <a:r>
+              <a:rPr lang="en-US" sz="2000" dirty="0" err="1">
+                <a:effectLst/>
+              </a:rPr>
+              <a:t>funzione</a:t>
+            </a:r>
+            <a:r>
+              <a:rPr lang="en-US" sz="2000" dirty="0">
+                <a:effectLst/>
+              </a:rPr>
+              <a:t> di </a:t>
+            </a:r>
+            <a:r>
+              <a:rPr lang="en-US" sz="2000" dirty="0" err="1">
+                <a:effectLst/>
+              </a:rPr>
+              <a:t>chisura</a:t>
+            </a:r>
+            <a:r>
+              <a:rPr lang="en-US" sz="2000" dirty="0">
+                <a:effectLst/>
+              </a:rPr>
+              <a:t> è </a:t>
+            </a:r>
+            <a:r>
+              <a:rPr lang="en-US" sz="2000" dirty="0" err="1">
+                <a:effectLst/>
+              </a:rPr>
+              <a:t>asincrona</a:t>
+            </a:r>
+            <a:r>
+              <a:rPr lang="en-US" sz="2000" dirty="0">
+                <a:effectLst/>
+              </a:rPr>
+              <a:t> </a:t>
+            </a:r>
+            <a:r>
+              <a:rPr lang="en-US" sz="2000" dirty="0" err="1">
+                <a:effectLst/>
+              </a:rPr>
+              <a:t>perché</a:t>
+            </a:r>
+            <a:r>
+              <a:rPr lang="en-US" sz="2000" dirty="0">
+                <a:effectLst/>
+              </a:rPr>
+              <a:t>, </a:t>
+            </a:r>
+            <a:r>
+              <a:rPr lang="en-US" sz="2000" dirty="0" err="1">
+                <a:effectLst/>
+              </a:rPr>
+              <a:t>una</a:t>
+            </a:r>
+            <a:r>
+              <a:rPr lang="en-US" sz="2000" dirty="0">
+                <a:effectLst/>
+              </a:rPr>
+              <a:t> volta </a:t>
+            </a:r>
+            <a:r>
+              <a:rPr lang="en-US" sz="2000" dirty="0" err="1">
+                <a:effectLst/>
+              </a:rPr>
+              <a:t>chiusa</a:t>
+            </a:r>
+            <a:r>
+              <a:rPr lang="en-US" sz="2000" dirty="0">
+                <a:effectLst/>
+              </a:rPr>
+              <a:t> la </a:t>
+            </a:r>
+            <a:r>
+              <a:rPr lang="en-US" sz="2000" dirty="0" err="1">
+                <a:effectLst/>
+              </a:rPr>
+              <a:t>comunicazione</a:t>
+            </a:r>
+            <a:r>
+              <a:rPr lang="en-US" sz="2000" dirty="0">
+                <a:effectLst/>
+              </a:rPr>
+              <a:t>, al caretaker non </a:t>
+            </a:r>
+            <a:r>
+              <a:rPr lang="en-US" sz="2000" dirty="0" err="1">
+                <a:effectLst/>
+              </a:rPr>
+              <a:t>interessa</a:t>
+            </a:r>
+            <a:r>
+              <a:rPr lang="en-US" sz="2000" dirty="0">
+                <a:effectLst/>
+              </a:rPr>
+              <a:t> </a:t>
+            </a:r>
+            <a:r>
+              <a:rPr lang="en-US" sz="2000" dirty="0" err="1">
+                <a:effectLst/>
+              </a:rPr>
+              <a:t>sapere</a:t>
+            </a:r>
+            <a:r>
+              <a:rPr lang="en-US" sz="2000" dirty="0">
+                <a:effectLst/>
+              </a:rPr>
+              <a:t> se </a:t>
+            </a:r>
+            <a:r>
+              <a:rPr lang="en-US" sz="2000" dirty="0" err="1">
+                <a:effectLst/>
+              </a:rPr>
+              <a:t>effettivamente</a:t>
+            </a:r>
+            <a:r>
+              <a:rPr lang="en-US" sz="2000" dirty="0">
+                <a:effectLst/>
+              </a:rPr>
+              <a:t> è </a:t>
+            </a:r>
+            <a:r>
+              <a:rPr lang="en-US" sz="2000" dirty="0" err="1">
+                <a:effectLst/>
+              </a:rPr>
+              <a:t>terminata</a:t>
+            </a:r>
+            <a:r>
+              <a:rPr lang="en-US" sz="2000" dirty="0">
+                <a:effectLst/>
+              </a:rPr>
+              <a:t> o </a:t>
+            </a:r>
+            <a:r>
+              <a:rPr lang="en-US" sz="2000" dirty="0" err="1">
+                <a:effectLst/>
+              </a:rPr>
+              <a:t>meno</a:t>
+            </a:r>
+            <a:r>
+              <a:rPr lang="en-US" sz="2000" dirty="0">
+                <a:effectLst/>
+              </a:rPr>
+              <a:t>, visto </a:t>
+            </a:r>
+            <a:r>
+              <a:rPr lang="en-US" sz="2000" dirty="0" err="1">
+                <a:effectLst/>
+              </a:rPr>
+              <a:t>che</a:t>
+            </a:r>
+            <a:r>
+              <a:rPr lang="en-US" sz="2000" dirty="0">
+                <a:effectLst/>
+              </a:rPr>
+              <a:t> di </a:t>
+            </a:r>
+            <a:r>
+              <a:rPr lang="en-US" sz="2000" dirty="0" err="1">
+                <a:effectLst/>
+              </a:rPr>
+              <a:t>ciò</a:t>
+            </a:r>
+            <a:r>
+              <a:rPr lang="en-US" sz="2000" dirty="0">
+                <a:effectLst/>
+              </a:rPr>
+              <a:t> se ne </a:t>
+            </a:r>
+            <a:r>
+              <a:rPr lang="en-US" sz="2000" dirty="0" err="1">
+                <a:effectLst/>
+              </a:rPr>
+              <a:t>deve</a:t>
+            </a:r>
+            <a:r>
+              <a:rPr lang="en-US" sz="2000" dirty="0">
+                <a:effectLst/>
+              </a:rPr>
+              <a:t> </a:t>
+            </a:r>
+            <a:r>
+              <a:rPr lang="en-US" sz="2000" dirty="0" err="1">
+                <a:effectLst/>
+              </a:rPr>
+              <a:t>occupare</a:t>
+            </a:r>
+            <a:r>
+              <a:rPr lang="en-US" sz="2000" dirty="0">
+                <a:effectLst/>
+              </a:rPr>
+              <a:t> il Sistema;</a:t>
+            </a:r>
+          </a:p>
+        </p:txBody>
+      </p:sp>
+    </p:spTree>
+    <p:extLst>
+      <p:ext uri="{BB962C8B-B14F-4D97-AF65-F5344CB8AC3E}">
+        <p14:creationId xmlns:p14="http://schemas.microsoft.com/office/powerpoint/2010/main" val="1214262007"/>
+      </p:ext>
+    </p:extLst>
+  </p:cSld>
+  <p:clrMapOvr>
+    <a:masterClrMapping/>
+  </p:clrMapOvr>
+</p:sld>
+</file>
+
+<file path=ppt/slides/slide53.xml><?xml version="1.0" encoding="utf-8"?>
+<p:sld xmlns:a="http://schemas.openxmlformats.org/drawingml/2006/main" xmlns:r="http://schemas.openxmlformats.org/officeDocument/2006/relationships" xmlns:p="http://schemas.openxmlformats.org/presentationml/2006/main">
+  <p:cSld>
+    <p:spTree>
+      <p:nvGrpSpPr>
+        <p:cNvPr id="1" name=""/>
+        <p:cNvGrpSpPr/>
+        <p:nvPr/>
+      </p:nvGrpSpPr>
+      <p:grpSpPr>
+        <a:xfrm>
+          <a:off x="0" y="0"/>
+          <a:ext cx="0" cy="0"/>
+          <a:chOff x="0" y="0"/>
+          <a:chExt cx="0" cy="0"/>
+        </a:xfrm>
+      </p:grpSpPr>
+      <p:sp>
+        <p:nvSpPr>
+          <p:cNvPr id="4" name="Segnaposto numero diapositiva 3">
+            <a:extLst>
+              <a:ext uri="{FF2B5EF4-FFF2-40B4-BE49-F238E27FC236}">
+                <a16:creationId xmlns:a16="http://schemas.microsoft.com/office/drawing/2014/main" id="{91E057A0-BAB1-4D57-BDBD-F8F3DE02BEE1}"/>
+              </a:ext>
+            </a:extLst>
+          </p:cNvPr>
+          <p:cNvSpPr>
+            <a:spLocks noGrp="1"/>
+          </p:cNvSpPr>
+          <p:nvPr>
+            <p:ph type="sldNum" sz="quarter" idx="12"/>
+          </p:nvPr>
+        </p:nvSpPr>
+        <p:spPr/>
+        <p:txBody>
+          <a:bodyPr/>
+          <a:lstStyle/>
+          <a:p>
+            <a:fld id="{AFB85319-5DF8-4B17-9881-6D5B2C7AB305}" type="slidenum">
+              <a:rPr lang="it-IT" smtClean="0"/>
+              <a:t>53</a:t>
+            </a:fld>
+            <a:endParaRPr lang="it-IT"/>
+          </a:p>
+        </p:txBody>
+      </p:sp>
+      <p:pic>
+        <p:nvPicPr>
+          <p:cNvPr id="6" name="Immagine 5">
+            <a:extLst>
+              <a:ext uri="{FF2B5EF4-FFF2-40B4-BE49-F238E27FC236}">
+                <a16:creationId xmlns:a16="http://schemas.microsoft.com/office/drawing/2014/main" id="{64DD2710-C925-4AEB-B772-6D532D848EB4}"/>
+              </a:ext>
+            </a:extLst>
+          </p:cNvPr>
+          <p:cNvPicPr>
+            <a:picLocks noChangeAspect="1"/>
+          </p:cNvPicPr>
+          <p:nvPr/>
+        </p:nvPicPr>
+        <p:blipFill rotWithShape="1">
+          <a:blip r:embed="rId2"/>
+          <a:srcRect l="17778" t="42905" r="32092" b="12551"/>
+          <a:stretch/>
+        </p:blipFill>
+        <p:spPr>
+          <a:xfrm>
+            <a:off x="258083" y="136525"/>
+            <a:ext cx="5404941" cy="754398"/>
+          </a:xfrm>
+          <a:prstGeom prst="rect">
+            <a:avLst/>
+          </a:prstGeom>
+        </p:spPr>
+      </p:pic>
+      <p:sp>
+        <p:nvSpPr>
+          <p:cNvPr id="8" name="CasellaDiTesto 7">
+            <a:extLst>
+              <a:ext uri="{FF2B5EF4-FFF2-40B4-BE49-F238E27FC236}">
+                <a16:creationId xmlns:a16="http://schemas.microsoft.com/office/drawing/2014/main" id="{3E0E40B7-DD25-4779-A260-DCF2A62C4B41}"/>
+              </a:ext>
+            </a:extLst>
+          </p:cNvPr>
+          <p:cNvSpPr txBox="1"/>
+          <p:nvPr/>
+        </p:nvSpPr>
+        <p:spPr>
+          <a:xfrm>
+            <a:off x="258084" y="136525"/>
+            <a:ext cx="5404941" cy="584775"/>
+          </a:xfrm>
+          <a:prstGeom prst="rect">
+            <a:avLst/>
+          </a:prstGeom>
+          <a:noFill/>
+        </p:spPr>
+        <p:txBody>
+          <a:bodyPr wrap="none" rtlCol="0">
+            <a:spAutoFit/>
+          </a:bodyPr>
+          <a:lstStyle>
+            <a:defPPr>
+              <a:defRPr lang="it-IT"/>
+            </a:defPPr>
+            <a:lvl1pPr>
+              <a:defRPr sz="4800">
+                <a:ln w="0"/>
+                <a:solidFill>
+                  <a:srgbClr val="002060"/>
+                </a:solidFill>
+                <a:effectLst>
+                  <a:outerShdw blurRad="38100" dist="25400" dir="5400000" algn="ctr" rotWithShape="0">
+                    <a:srgbClr val="6E747A">
+                      <a:alpha val="43000"/>
+                    </a:srgbClr>
+                  </a:outerShdw>
+                </a:effectLst>
+              </a:defRPr>
+            </a:lvl1pPr>
+          </a:lstStyle>
+          <a:p>
+            <a:r>
+              <a:rPr lang="en-US" sz="3200" dirty="0" err="1"/>
+              <a:t>Controllo</a:t>
+            </a:r>
+            <a:r>
+              <a:rPr lang="en-US" sz="3200" dirty="0"/>
+              <a:t> </a:t>
+            </a:r>
+            <a:r>
+              <a:rPr lang="en-US" sz="3200" dirty="0" err="1"/>
+              <a:t>presenza</a:t>
+            </a:r>
+            <a:r>
+              <a:rPr lang="en-US" sz="3200" dirty="0"/>
+              <a:t> Smartwatch</a:t>
+            </a:r>
+            <a:endParaRPr lang="it-IT" sz="3200" dirty="0"/>
+          </a:p>
+        </p:txBody>
+      </p:sp>
+      <p:pic>
+        <p:nvPicPr>
+          <p:cNvPr id="7" name="Picture 6" descr="Graphical user interface&#10;&#10;Description automatically generated">
+            <a:extLst>
+              <a:ext uri="{FF2B5EF4-FFF2-40B4-BE49-F238E27FC236}">
+                <a16:creationId xmlns:a16="http://schemas.microsoft.com/office/drawing/2014/main" id="{6EA29C5D-93ED-39FE-462D-DED08D3B9AC9}"/>
+              </a:ext>
+            </a:extLst>
+          </p:cNvPr>
+          <p:cNvPicPr>
+            <a:picLocks noChangeAspect="1"/>
+          </p:cNvPicPr>
+          <p:nvPr/>
+        </p:nvPicPr>
+        <p:blipFill>
+          <a:blip r:embed="rId3">
+            <a:extLst>
+              <a:ext uri="{28A0092B-C50C-407E-A947-70E740481C1C}">
+                <a14:useLocalDpi xmlns:a14="http://schemas.microsoft.com/office/drawing/2010/main" val="0"/>
+              </a:ext>
+            </a:extLst>
+          </a:blip>
+          <a:stretch>
+            <a:fillRect/>
+          </a:stretch>
+        </p:blipFill>
+        <p:spPr>
+          <a:xfrm>
+            <a:off x="2899481" y="1014565"/>
+            <a:ext cx="9206688" cy="5341785"/>
+          </a:xfrm>
+          <a:prstGeom prst="rect">
+            <a:avLst/>
+          </a:prstGeom>
+        </p:spPr>
+      </p:pic>
+      <p:sp>
+        <p:nvSpPr>
+          <p:cNvPr id="9" name="CasellaDiTesto 7">
+            <a:extLst>
+              <a:ext uri="{FF2B5EF4-FFF2-40B4-BE49-F238E27FC236}">
+                <a16:creationId xmlns:a16="http://schemas.microsoft.com/office/drawing/2014/main" id="{48358944-6EE5-A709-722D-D45190C37916}"/>
+              </a:ext>
+            </a:extLst>
+          </p:cNvPr>
+          <p:cNvSpPr txBox="1"/>
+          <p:nvPr/>
+        </p:nvSpPr>
+        <p:spPr>
+          <a:xfrm>
+            <a:off x="258083" y="2328149"/>
+            <a:ext cx="2976823" cy="1815882"/>
+          </a:xfrm>
+          <a:prstGeom prst="rect">
+            <a:avLst/>
+          </a:prstGeom>
+          <a:noFill/>
+        </p:spPr>
+        <p:txBody>
+          <a:bodyPr wrap="square" rtlCol="0">
+            <a:spAutoFit/>
+          </a:bodyPr>
+          <a:lstStyle>
+            <a:defPPr>
+              <a:defRPr lang="it-IT"/>
+            </a:defPPr>
+            <a:lvl1pPr>
+              <a:defRPr sz="4800">
+                <a:ln w="0"/>
+                <a:solidFill>
+                  <a:srgbClr val="002060"/>
+                </a:solidFill>
+                <a:effectLst>
+                  <a:outerShdw blurRad="38100" dist="25400" dir="5400000" algn="ctr" rotWithShape="0">
+                    <a:srgbClr val="6E747A">
+                      <a:alpha val="43000"/>
+                    </a:srgbClr>
+                  </a:outerShdw>
+                </a:effectLst>
+              </a:defRPr>
+            </a:lvl1pPr>
+          </a:lstStyle>
+          <a:p>
+            <a:pPr algn="just"/>
+            <a:r>
+              <a:rPr lang="en-US" sz="1600" dirty="0">
+                <a:effectLst/>
+              </a:rPr>
+              <a:t>Per </a:t>
+            </a:r>
+            <a:r>
+              <a:rPr lang="en-US" sz="1600" dirty="0" err="1">
+                <a:effectLst/>
+              </a:rPr>
+              <a:t>verificare</a:t>
+            </a:r>
+            <a:r>
+              <a:rPr lang="en-US" sz="1600" dirty="0">
+                <a:effectLst/>
+              </a:rPr>
+              <a:t> la </a:t>
+            </a:r>
+            <a:r>
+              <a:rPr lang="en-US" sz="1600" dirty="0" err="1">
+                <a:effectLst/>
+              </a:rPr>
+              <a:t>presenza</a:t>
+            </a:r>
+            <a:r>
+              <a:rPr lang="en-US" sz="1600" dirty="0">
+                <a:effectLst/>
+              </a:rPr>
+              <a:t> o </a:t>
+            </a:r>
+            <a:r>
+              <a:rPr lang="en-US" sz="1600" dirty="0" err="1">
+                <a:effectLst/>
+              </a:rPr>
+              <a:t>meno</a:t>
+            </a:r>
+            <a:r>
+              <a:rPr lang="en-US" sz="1600" dirty="0">
+                <a:effectLst/>
+              </a:rPr>
+              <a:t> </a:t>
+            </a:r>
+            <a:r>
+              <a:rPr lang="en-US" sz="1600" dirty="0" err="1">
+                <a:effectLst/>
+              </a:rPr>
+              <a:t>dello</a:t>
+            </a:r>
+            <a:r>
+              <a:rPr lang="en-US" sz="1600" dirty="0">
+                <a:effectLst/>
+              </a:rPr>
+              <a:t> smartwatch, </a:t>
+            </a:r>
+            <a:r>
+              <a:rPr lang="en-US" sz="1600" dirty="0" err="1">
+                <a:effectLst/>
+              </a:rPr>
+              <a:t>vengono</a:t>
+            </a:r>
+            <a:r>
+              <a:rPr lang="en-US" sz="1600" dirty="0">
+                <a:effectLst/>
+              </a:rPr>
+              <a:t> considerate le </a:t>
+            </a:r>
+            <a:r>
+              <a:rPr lang="en-US" sz="1600" dirty="0" err="1">
+                <a:effectLst/>
+              </a:rPr>
+              <a:t>rilevazioni</a:t>
+            </a:r>
+            <a:r>
+              <a:rPr lang="en-US" sz="1600" dirty="0">
+                <a:effectLst/>
+              </a:rPr>
+              <a:t> </a:t>
+            </a:r>
+            <a:r>
+              <a:rPr lang="en-US" sz="1600" dirty="0" err="1">
+                <a:effectLst/>
+              </a:rPr>
+              <a:t>più</a:t>
+            </a:r>
+            <a:r>
+              <a:rPr lang="en-US" sz="1600" dirty="0">
+                <a:effectLst/>
+              </a:rPr>
+              <a:t> </a:t>
+            </a:r>
+            <a:r>
+              <a:rPr lang="en-US" sz="1600" dirty="0" err="1">
+                <a:effectLst/>
+              </a:rPr>
+              <a:t>recenti</a:t>
+            </a:r>
+            <a:r>
+              <a:rPr lang="en-US" sz="1600" dirty="0">
+                <a:effectLst/>
+              </a:rPr>
+              <a:t> di tutti </a:t>
+            </a:r>
+            <a:r>
+              <a:rPr lang="en-US" sz="1600" dirty="0" err="1">
+                <a:effectLst/>
+              </a:rPr>
+              <a:t>i</a:t>
+            </a:r>
+            <a:r>
+              <a:rPr lang="en-US" sz="1600" dirty="0">
+                <a:effectLst/>
+              </a:rPr>
+              <a:t> </a:t>
+            </a:r>
+            <a:r>
+              <a:rPr lang="en-US" sz="1600" dirty="0" err="1">
+                <a:effectLst/>
+              </a:rPr>
+              <a:t>sensori</a:t>
+            </a:r>
+            <a:r>
+              <a:rPr lang="en-US" sz="1600" dirty="0">
+                <a:effectLst/>
+              </a:rPr>
+              <a:t> wearable e, se </a:t>
+            </a:r>
+            <a:r>
+              <a:rPr lang="en-US" sz="1600" dirty="0" err="1">
+                <a:effectLst/>
+              </a:rPr>
+              <a:t>si</a:t>
+            </a:r>
+            <a:r>
+              <a:rPr lang="en-US" sz="1600" dirty="0">
+                <a:effectLst/>
+              </a:rPr>
+              <a:t> </a:t>
+            </a:r>
+            <a:r>
+              <a:rPr lang="en-US" sz="1600" dirty="0" err="1">
+                <a:effectLst/>
+              </a:rPr>
+              <a:t>identifica</a:t>
+            </a:r>
+            <a:r>
+              <a:rPr lang="en-US" sz="1600" dirty="0">
+                <a:effectLst/>
+              </a:rPr>
+              <a:t> </a:t>
+            </a:r>
+            <a:r>
+              <a:rPr lang="en-US" sz="1600" dirty="0" err="1">
+                <a:effectLst/>
+              </a:rPr>
+              <a:t>una</a:t>
+            </a:r>
+            <a:r>
+              <a:rPr lang="en-US" sz="1600" dirty="0">
+                <a:effectLst/>
+              </a:rPr>
+              <a:t> </a:t>
+            </a:r>
+            <a:r>
+              <a:rPr lang="en-US" sz="1600" dirty="0" err="1">
+                <a:effectLst/>
+              </a:rPr>
+              <a:t>anomalia</a:t>
+            </a:r>
+            <a:r>
+              <a:rPr lang="en-US" sz="1600" dirty="0">
+                <a:effectLst/>
+              </a:rPr>
+              <a:t>, lo </a:t>
+            </a:r>
+            <a:r>
+              <a:rPr lang="en-US" sz="1600" dirty="0" err="1">
+                <a:effectLst/>
+              </a:rPr>
+              <a:t>si</a:t>
+            </a:r>
+            <a:r>
+              <a:rPr lang="en-US" sz="1600" dirty="0">
+                <a:effectLst/>
+              </a:rPr>
+              <a:t> </a:t>
+            </a:r>
+            <a:r>
+              <a:rPr lang="en-US" sz="1600" dirty="0" err="1">
+                <a:effectLst/>
+              </a:rPr>
+              <a:t>comunica</a:t>
+            </a:r>
+            <a:r>
+              <a:rPr lang="en-US" sz="1600" dirty="0">
+                <a:effectLst/>
+              </a:rPr>
+              <a:t> a tutti </a:t>
+            </a:r>
+            <a:r>
+              <a:rPr lang="en-US" sz="1600" dirty="0" err="1">
+                <a:effectLst/>
+              </a:rPr>
+              <a:t>i</a:t>
+            </a:r>
+            <a:r>
+              <a:rPr lang="en-US" sz="1600" dirty="0">
+                <a:effectLst/>
+              </a:rPr>
+              <a:t> caretaker </a:t>
+            </a:r>
+            <a:r>
+              <a:rPr lang="en-US" sz="1600" dirty="0" err="1">
+                <a:effectLst/>
+              </a:rPr>
+              <a:t>associati</a:t>
+            </a:r>
+            <a:r>
+              <a:rPr lang="en-US" sz="1600" dirty="0">
+                <a:effectLst/>
+              </a:rPr>
+              <a:t> al </a:t>
+            </a:r>
+            <a:r>
+              <a:rPr lang="en-US" sz="1600" dirty="0" err="1">
+                <a:effectLst/>
+              </a:rPr>
+              <a:t>residente</a:t>
+            </a:r>
+            <a:r>
+              <a:rPr lang="en-US" sz="1600" dirty="0">
+                <a:effectLst/>
+              </a:rPr>
+              <a:t> </a:t>
+            </a:r>
+            <a:r>
+              <a:rPr lang="en-US" sz="1600" dirty="0" err="1">
+                <a:effectLst/>
+              </a:rPr>
+              <a:t>considerato</a:t>
+            </a:r>
+            <a:r>
+              <a:rPr lang="en-US" sz="1600" dirty="0">
+                <a:effectLst/>
+              </a:rPr>
+              <a:t>.</a:t>
+            </a:r>
+          </a:p>
+        </p:txBody>
+      </p:sp>
+    </p:spTree>
+    <p:extLst>
+      <p:ext uri="{BB962C8B-B14F-4D97-AF65-F5344CB8AC3E}">
+        <p14:creationId xmlns:p14="http://schemas.microsoft.com/office/powerpoint/2010/main" val="3208059500"/>
+      </p:ext>
+    </p:extLst>
+  </p:cSld>
+  <p:clrMapOvr>
+    <a:masterClrMapping/>
+  </p:clrMapOvr>
+</p:sld>
+</file>
+
+<file path=ppt/slides/slide54.xml><?xml version="1.0" encoding="utf-8"?>
+<p:sld xmlns:a="http://schemas.openxmlformats.org/drawingml/2006/main" xmlns:r="http://schemas.openxmlformats.org/officeDocument/2006/relationships" xmlns:p="http://schemas.openxmlformats.org/presentationml/2006/main">
+  <p:cSld>
+    <p:spTree>
+      <p:nvGrpSpPr>
+        <p:cNvPr id="1" name=""/>
+        <p:cNvGrpSpPr/>
+        <p:nvPr/>
+      </p:nvGrpSpPr>
+      <p:grpSpPr>
+        <a:xfrm>
+          <a:off x="0" y="0"/>
+          <a:ext cx="0" cy="0"/>
+          <a:chOff x="0" y="0"/>
+          <a:chExt cx="0" cy="0"/>
+        </a:xfrm>
+      </p:grpSpPr>
+      <p:sp>
+        <p:nvSpPr>
+          <p:cNvPr id="4" name="Segnaposto numero diapositiva 3">
+            <a:extLst>
+              <a:ext uri="{FF2B5EF4-FFF2-40B4-BE49-F238E27FC236}">
+                <a16:creationId xmlns:a16="http://schemas.microsoft.com/office/drawing/2014/main" id="{01EF95BD-3374-46E4-AC9E-7E535268BB89}"/>
+              </a:ext>
+            </a:extLst>
+          </p:cNvPr>
+          <p:cNvSpPr>
+            <a:spLocks noGrp="1"/>
+          </p:cNvSpPr>
+          <p:nvPr>
+            <p:ph type="sldNum" sz="quarter" idx="12"/>
+          </p:nvPr>
+        </p:nvSpPr>
+        <p:spPr/>
+        <p:txBody>
+          <a:bodyPr/>
+          <a:lstStyle/>
+          <a:p>
+            <a:fld id="{AFB85319-5DF8-4B17-9881-6D5B2C7AB305}" type="slidenum">
+              <a:rPr lang="it-IT" sz="1400" smtClean="0"/>
+              <a:t>54</a:t>
+            </a:fld>
+            <a:endParaRPr lang="it-IT" sz="1400"/>
+          </a:p>
+        </p:txBody>
+      </p:sp>
+      <p:pic>
+        <p:nvPicPr>
+          <p:cNvPr id="10" name="Immagine 9">
+            <a:extLst>
+              <a:ext uri="{FF2B5EF4-FFF2-40B4-BE49-F238E27FC236}">
+                <a16:creationId xmlns:a16="http://schemas.microsoft.com/office/drawing/2014/main" id="{9D081748-0EA2-46D5-9276-91E6FA0B2E4D}"/>
+              </a:ext>
+            </a:extLst>
+          </p:cNvPr>
+          <p:cNvPicPr>
+            <a:picLocks noChangeAspect="1"/>
+          </p:cNvPicPr>
+          <p:nvPr/>
+        </p:nvPicPr>
+        <p:blipFill>
+          <a:blip r:embed="rId2"/>
+          <a:stretch>
+            <a:fillRect/>
+          </a:stretch>
+        </p:blipFill>
+        <p:spPr>
+          <a:xfrm>
+            <a:off x="1066800" y="136525"/>
+            <a:ext cx="10058400" cy="1443217"/>
+          </a:xfrm>
+          <a:prstGeom prst="rect">
+            <a:avLst/>
+          </a:prstGeom>
+        </p:spPr>
+      </p:pic>
+      <p:sp>
+        <p:nvSpPr>
+          <p:cNvPr id="12" name="CasellaDiTesto 11">
+            <a:extLst>
+              <a:ext uri="{FF2B5EF4-FFF2-40B4-BE49-F238E27FC236}">
+                <a16:creationId xmlns:a16="http://schemas.microsoft.com/office/drawing/2014/main" id="{FDD3222E-C016-4B80-A6D4-5A00B95E1DCE}"/>
+              </a:ext>
+            </a:extLst>
+          </p:cNvPr>
+          <p:cNvSpPr txBox="1"/>
+          <p:nvPr/>
+        </p:nvSpPr>
+        <p:spPr>
+          <a:xfrm>
+            <a:off x="1262366" y="4831586"/>
+            <a:ext cx="10219721" cy="1015663"/>
+          </a:xfrm>
+          <a:prstGeom prst="rect">
+            <a:avLst/>
+          </a:prstGeom>
+          <a:noFill/>
+        </p:spPr>
+        <p:txBody>
+          <a:bodyPr wrap="square" rtlCol="0" anchor="ctr">
+            <a:spAutoFit/>
+          </a:bodyPr>
+          <a:lstStyle/>
+          <a:p>
+            <a:pPr algn="ctr"/>
+            <a:r>
+              <a:rPr lang="en-US" sz="6000" i="1">
+                <a:ln w="0"/>
+                <a:solidFill>
+                  <a:srgbClr val="002060"/>
+                </a:solidFill>
+                <a:effectLst>
+                  <a:outerShdw blurRad="38100" dist="25400" dir="5400000" algn="ctr" rotWithShape="0">
+                    <a:srgbClr val="6E747A">
+                      <a:alpha val="43000"/>
+                    </a:srgbClr>
+                  </a:outerShdw>
+                </a:effectLst>
+              </a:rPr>
+              <a:t>Deployment </a:t>
+            </a:r>
+            <a:r>
+              <a:rPr lang="en-US" sz="6000" i="1" dirty="0">
+                <a:ln w="0"/>
+                <a:solidFill>
+                  <a:srgbClr val="002060"/>
+                </a:solidFill>
+                <a:effectLst>
+                  <a:outerShdw blurRad="38100" dist="25400" dir="5400000" algn="ctr" rotWithShape="0">
+                    <a:srgbClr val="6E747A">
+                      <a:alpha val="43000"/>
+                    </a:srgbClr>
+                  </a:outerShdw>
+                </a:effectLst>
+              </a:rPr>
+              <a:t>Architecture</a:t>
+            </a:r>
+            <a:endParaRPr lang="it-IT" sz="6000" i="1" dirty="0">
+              <a:ln w="0"/>
+              <a:solidFill>
+                <a:srgbClr val="002060"/>
+              </a:solidFill>
+              <a:effectLst>
+                <a:outerShdw blurRad="38100" dist="25400" dir="5400000" algn="ctr" rotWithShape="0">
+                  <a:srgbClr val="6E747A">
+                    <a:alpha val="43000"/>
+                  </a:srgbClr>
+                </a:outerShdw>
+              </a:effectLst>
+            </a:endParaRPr>
+          </a:p>
+        </p:txBody>
+      </p:sp>
+      <p:sp>
+        <p:nvSpPr>
+          <p:cNvPr id="14" name="CasellaDiTesto 13">
+            <a:extLst>
+              <a:ext uri="{FF2B5EF4-FFF2-40B4-BE49-F238E27FC236}">
+                <a16:creationId xmlns:a16="http://schemas.microsoft.com/office/drawing/2014/main" id="{A2C744A5-CEC3-4801-BA86-D842271B74C0}"/>
+              </a:ext>
+            </a:extLst>
+          </p:cNvPr>
+          <p:cNvSpPr txBox="1"/>
+          <p:nvPr/>
+        </p:nvSpPr>
+        <p:spPr>
+          <a:xfrm>
+            <a:off x="4029075" y="872406"/>
+            <a:ext cx="4133849" cy="369332"/>
+          </a:xfrm>
+          <a:prstGeom prst="rect">
+            <a:avLst/>
+          </a:prstGeom>
+          <a:solidFill>
+            <a:schemeClr val="bg1"/>
+          </a:solidFill>
+        </p:spPr>
+        <p:txBody>
+          <a:bodyPr wrap="square" rtlCol="0">
+            <a:spAutoFit/>
+          </a:bodyPr>
+          <a:lstStyle/>
+          <a:p>
+            <a:pPr algn="ctr"/>
+            <a:r>
+              <a:rPr lang="en-US" b="1" dirty="0">
+                <a:solidFill>
+                  <a:srgbClr val="800000"/>
+                </a:solidFill>
+              </a:rPr>
+              <a:t>Anno </a:t>
+            </a:r>
+            <a:r>
+              <a:rPr lang="it-IT" b="1" dirty="0">
+                <a:solidFill>
+                  <a:srgbClr val="800000"/>
+                </a:solidFill>
+              </a:rPr>
+              <a:t>Accademico</a:t>
+            </a:r>
+            <a:r>
+              <a:rPr lang="en-US" b="1" dirty="0">
+                <a:solidFill>
+                  <a:srgbClr val="800000"/>
+                </a:solidFill>
+              </a:rPr>
+              <a:t> 2022 – 2023</a:t>
+            </a:r>
+          </a:p>
+        </p:txBody>
+      </p:sp>
+      <p:pic>
+        <p:nvPicPr>
+          <p:cNvPr id="1026" name="Picture 2" descr="Università degli Studi di Milano-Bicocca - Wikipedia">
+            <a:extLst>
+              <a:ext uri="{FF2B5EF4-FFF2-40B4-BE49-F238E27FC236}">
+                <a16:creationId xmlns:a16="http://schemas.microsoft.com/office/drawing/2014/main" id="{E42B5CFD-381D-44CC-A7E7-17BBC1F14845}"/>
+              </a:ext>
+            </a:extLst>
+          </p:cNvPr>
+          <p:cNvPicPr>
+            <a:picLocks noChangeAspect="1" noChangeArrowheads="1"/>
+          </p:cNvPicPr>
+          <p:nvPr/>
+        </p:nvPicPr>
+        <p:blipFill>
+          <a:blip r:embed="rId3">
+            <a:extLst>
+              <a:ext uri="{28A0092B-C50C-407E-A947-70E740481C1C}">
+                <a14:useLocalDpi xmlns:a14="http://schemas.microsoft.com/office/drawing/2010/main" val="0"/>
+              </a:ext>
+            </a:extLst>
+          </a:blip>
+          <a:srcRect/>
+          <a:stretch>
+            <a:fillRect/>
+          </a:stretch>
+        </p:blipFill>
+        <p:spPr bwMode="auto">
+          <a:xfrm>
+            <a:off x="1066800" y="160156"/>
+            <a:ext cx="1390154" cy="1373934"/>
+          </a:xfrm>
+          <a:prstGeom prst="rect">
+            <a:avLst/>
+          </a:prstGeom>
+          <a:noFill/>
+          <a:extLst>
+            <a:ext uri="{909E8E84-426E-40DD-AFC4-6F175D3DCCD1}">
+              <a14:hiddenFill xmlns:a14="http://schemas.microsoft.com/office/drawing/2010/main">
+                <a:solidFill>
+                  <a:srgbClr val="FFFFFF"/>
+                </a:solidFill>
+              </a14:hiddenFill>
+            </a:ext>
+          </a:extLst>
+        </p:spPr>
+      </p:pic>
+      <p:pic>
+        <p:nvPicPr>
+          <p:cNvPr id="5" name="Picture 4" descr="A picture containing engineering drawing&#10;&#10;Description automatically generated">
+            <a:extLst>
+              <a:ext uri="{FF2B5EF4-FFF2-40B4-BE49-F238E27FC236}">
+                <a16:creationId xmlns:a16="http://schemas.microsoft.com/office/drawing/2014/main" id="{1029CF78-93B4-DEBF-B55B-F6D454B0B638}"/>
+              </a:ext>
+            </a:extLst>
+          </p:cNvPr>
+          <p:cNvPicPr>
+            <a:picLocks noChangeAspect="1"/>
+          </p:cNvPicPr>
+          <p:nvPr/>
+        </p:nvPicPr>
+        <p:blipFill rotWithShape="1">
+          <a:blip r:embed="rId4">
+            <a:extLst>
+              <a:ext uri="{28A0092B-C50C-407E-A947-70E740481C1C}">
+                <a14:useLocalDpi xmlns:a14="http://schemas.microsoft.com/office/drawing/2010/main" val="0"/>
+              </a:ext>
+            </a:extLst>
+          </a:blip>
+          <a:srcRect t="4163"/>
+          <a:stretch/>
+        </p:blipFill>
+        <p:spPr>
+          <a:xfrm>
+            <a:off x="4280766" y="1667508"/>
+            <a:ext cx="3630465" cy="3350463"/>
+          </a:xfrm>
+          <a:prstGeom prst="rect">
+            <a:avLst/>
+          </a:prstGeom>
+        </p:spPr>
+      </p:pic>
+    </p:spTree>
+    <p:extLst>
+      <p:ext uri="{BB962C8B-B14F-4D97-AF65-F5344CB8AC3E}">
+        <p14:creationId xmlns:p14="http://schemas.microsoft.com/office/powerpoint/2010/main" val="3896270581"/>
+      </p:ext>
+    </p:extLst>
+  </p:cSld>
+  <p:clrMapOvr>
+    <a:masterClrMapping/>
+  </p:clrMapOvr>
+</p:sld>
+</file>
+
+<file path=ppt/slides/slide55.xml><?xml version="1.0" encoding="utf-8"?>
+<p:sld xmlns:a="http://schemas.openxmlformats.org/drawingml/2006/main" xmlns:r="http://schemas.openxmlformats.org/officeDocument/2006/relationships" xmlns:p="http://schemas.openxmlformats.org/presentationml/2006/main">
+  <p:cSld>
+    <p:spTree>
+      <p:nvGrpSpPr>
+        <p:cNvPr id="1" name=""/>
+        <p:cNvGrpSpPr/>
+        <p:nvPr/>
+      </p:nvGrpSpPr>
+      <p:grpSpPr>
+        <a:xfrm>
+          <a:off x="0" y="0"/>
+          <a:ext cx="0" cy="0"/>
+          <a:chOff x="0" y="0"/>
+          <a:chExt cx="0" cy="0"/>
+        </a:xfrm>
+      </p:grpSpPr>
+      <p:sp>
+        <p:nvSpPr>
+          <p:cNvPr id="4" name="Segnaposto numero diapositiva 3">
+            <a:extLst>
+              <a:ext uri="{FF2B5EF4-FFF2-40B4-BE49-F238E27FC236}">
+                <a16:creationId xmlns:a16="http://schemas.microsoft.com/office/drawing/2014/main" id="{91E057A0-BAB1-4D57-BDBD-F8F3DE02BEE1}"/>
+              </a:ext>
+            </a:extLst>
+          </p:cNvPr>
+          <p:cNvSpPr>
+            <a:spLocks noGrp="1"/>
+          </p:cNvSpPr>
+          <p:nvPr>
+            <p:ph type="sldNum" sz="quarter" idx="12"/>
+          </p:nvPr>
+        </p:nvSpPr>
+        <p:spPr/>
+        <p:txBody>
+          <a:bodyPr/>
+          <a:lstStyle/>
+          <a:p>
+            <a:fld id="{AFB85319-5DF8-4B17-9881-6D5B2C7AB305}" type="slidenum">
+              <a:rPr lang="it-IT" smtClean="0"/>
+              <a:t>55</a:t>
             </a:fld>
             <a:endParaRPr lang="it-IT" dirty="0"/>
           </a:p>

--- a/Progetto/Presentazione.pptx
+++ b/Progetto/Presentazione.pptx
@@ -5,7 +5,7 @@
     <p:sldMasterId id="2147483648" r:id="rId1"/>
   </p:sldMasterIdLst>
   <p:notesMasterIdLst>
-    <p:notesMasterId r:id="rId57"/>
+    <p:notesMasterId r:id="rId60"/>
   </p:notesMasterIdLst>
   <p:sldIdLst>
     <p:sldId id="256" r:id="rId2"/>
@@ -62,7 +62,10 @@
     <p:sldId id="328" r:id="rId53"/>
     <p:sldId id="348" r:id="rId54"/>
     <p:sldId id="349" r:id="rId55"/>
-    <p:sldId id="299" r:id="rId56"/>
+    <p:sldId id="350" r:id="rId56"/>
+    <p:sldId id="351" r:id="rId57"/>
+    <p:sldId id="352" r:id="rId58"/>
+    <p:sldId id="299" r:id="rId59"/>
   </p:sldIdLst>
   <p:sldSz cx="12192000" cy="6858000"/>
   <p:notesSz cx="6858000" cy="9144000"/>
@@ -1198,7 +1201,7 @@
           <a:p>
             <a:fld id="{B65E5A98-DA83-404B-AF61-44AE5342FB50}" type="datetimeFigureOut">
               <a:rPr lang="it-IT" smtClean="0"/>
-              <a:t>08/01/2023</a:t>
+              <a:t>09/01/2023</a:t>
             </a:fld>
             <a:endParaRPr lang="it-IT"/>
           </a:p>
@@ -1612,7 +1615,7 @@
           <a:p>
             <a:fld id="{9CD29C0B-695A-4D66-B8E9-5671F929A42B}" type="datetime1">
               <a:rPr lang="it-IT" smtClean="0"/>
-              <a:t>08/01/2023</a:t>
+              <a:t>09/01/2023</a:t>
             </a:fld>
             <a:endParaRPr lang="it-IT"/>
           </a:p>
@@ -1810,7 +1813,7 @@
           <a:p>
             <a:fld id="{AF0EC3E5-863F-4DFB-B3BC-1B55C7011BF9}" type="datetime1">
               <a:rPr lang="it-IT" smtClean="0"/>
-              <a:t>08/01/2023</a:t>
+              <a:t>09/01/2023</a:t>
             </a:fld>
             <a:endParaRPr lang="it-IT"/>
           </a:p>
@@ -2018,7 +2021,7 @@
           <a:p>
             <a:fld id="{DE4D602C-F8B6-42E8-BED7-016CDA0017F3}" type="datetime1">
               <a:rPr lang="it-IT" smtClean="0"/>
-              <a:t>08/01/2023</a:t>
+              <a:t>09/01/2023</a:t>
             </a:fld>
             <a:endParaRPr lang="it-IT"/>
           </a:p>
@@ -2216,7 +2219,7 @@
           <a:p>
             <a:fld id="{EDB10CE1-110C-4ED2-B55F-A302E1FD9F70}" type="datetime1">
               <a:rPr lang="it-IT" smtClean="0"/>
-              <a:t>08/01/2023</a:t>
+              <a:t>09/01/2023</a:t>
             </a:fld>
             <a:endParaRPr lang="it-IT"/>
           </a:p>
@@ -2491,7 +2494,7 @@
           <a:p>
             <a:fld id="{0F61B4B8-A1B7-42D4-A1E0-2645EDAC8BED}" type="datetime1">
               <a:rPr lang="it-IT" smtClean="0"/>
-              <a:t>08/01/2023</a:t>
+              <a:t>09/01/2023</a:t>
             </a:fld>
             <a:endParaRPr lang="it-IT"/>
           </a:p>
@@ -2756,7 +2759,7 @@
           <a:p>
             <a:fld id="{188DF4B9-859A-4780-A169-ED3A8349339B}" type="datetime1">
               <a:rPr lang="it-IT" smtClean="0"/>
-              <a:t>08/01/2023</a:t>
+              <a:t>09/01/2023</a:t>
             </a:fld>
             <a:endParaRPr lang="it-IT"/>
           </a:p>
@@ -3168,7 +3171,7 @@
           <a:p>
             <a:fld id="{24D45E2C-55DD-40A9-BF2D-48E7D2AB1ABA}" type="datetime1">
               <a:rPr lang="it-IT" smtClean="0"/>
-              <a:t>08/01/2023</a:t>
+              <a:t>09/01/2023</a:t>
             </a:fld>
             <a:endParaRPr lang="it-IT"/>
           </a:p>
@@ -3309,7 +3312,7 @@
           <a:p>
             <a:fld id="{DC20DFAC-47A9-47B0-8C05-A3316EEF3D0C}" type="datetime1">
               <a:rPr lang="it-IT" smtClean="0"/>
-              <a:t>08/01/2023</a:t>
+              <a:t>09/01/2023</a:t>
             </a:fld>
             <a:endParaRPr lang="it-IT"/>
           </a:p>
@@ -3422,7 +3425,7 @@
           <a:p>
             <a:fld id="{B48A923B-8423-475F-9DB1-11B37109C533}" type="datetime1">
               <a:rPr lang="it-IT" smtClean="0"/>
-              <a:t>08/01/2023</a:t>
+              <a:t>09/01/2023</a:t>
             </a:fld>
             <a:endParaRPr lang="it-IT"/>
           </a:p>
@@ -3733,7 +3736,7 @@
           <a:p>
             <a:fld id="{39A5E392-1A82-4114-9B1C-7507E099813A}" type="datetime1">
               <a:rPr lang="it-IT" smtClean="0"/>
-              <a:t>08/01/2023</a:t>
+              <a:t>09/01/2023</a:t>
             </a:fld>
             <a:endParaRPr lang="it-IT"/>
           </a:p>
@@ -4021,7 +4024,7 @@
           <a:p>
             <a:fld id="{3F1E08A9-9033-4FA7-A83A-B5FC89FF2B18}" type="datetime1">
               <a:rPr lang="it-IT" smtClean="0"/>
-              <a:t>08/01/2023</a:t>
+              <a:t>09/01/2023</a:t>
             </a:fld>
             <a:endParaRPr lang="it-IT"/>
           </a:p>
@@ -4262,7 +4265,7 @@
           <a:p>
             <a:fld id="{62F13085-FB8A-48A6-9A18-D32F849A60AC}" type="datetime1">
               <a:rPr lang="it-IT" smtClean="0"/>
-              <a:t>08/01/2023</a:t>
+              <a:t>09/01/2023</a:t>
             </a:fld>
             <a:endParaRPr lang="it-IT"/>
           </a:p>
@@ -7820,7 +7823,7 @@
         <p:spPr>
           <a:xfrm>
             <a:off x="935484" y="1603373"/>
-            <a:ext cx="8170809" cy="769441"/>
+            <a:ext cx="8355165" cy="769441"/>
           </a:xfrm>
           <a:prstGeom prst="rect">
             <a:avLst/>
@@ -7880,7 +7883,7 @@
                   </a:outerShdw>
                 </a:effectLst>
               </a:rPr>
-              <a:t>Anziani</a:t>
+              <a:t>Residenti</a:t>
             </a:r>
             <a:endParaRPr lang="it-IT" sz="4400" i="1" dirty="0">
               <a:ln w="0"/>
@@ -8215,7 +8218,7 @@
                   <a:srgbClr val="002060"/>
                 </a:solidFill>
               </a:rPr>
-              <a:t>anziano</a:t>
+              <a:t>residente</a:t>
             </a:r>
             <a:r>
               <a:rPr lang="en-US" sz="2400" dirty="0">
@@ -8271,6 +8274,22 @@
                   <a:srgbClr val="002060"/>
                 </a:solidFill>
               </a:rPr>
+              <a:t> uno ad uno </a:t>
+            </a:r>
+            <a:r>
+              <a:rPr lang="en-US" sz="2400" dirty="0" err="1">
+                <a:solidFill>
+                  <a:srgbClr val="002060"/>
+                </a:solidFill>
+              </a:rPr>
+              <a:t>tra</a:t>
+            </a:r>
+            <a:r>
+              <a:rPr lang="en-US" sz="2400" dirty="0">
+                <a:solidFill>
+                  <a:srgbClr val="002060"/>
+                </a:solidFill>
+              </a:rPr>
               <a:t> </a:t>
             </a:r>
             <a:r>
@@ -8279,7 +8298,7 @@
                   <a:srgbClr val="002060"/>
                 </a:solidFill>
               </a:rPr>
-              <a:t>uno</a:t>
+              <a:t>residente</a:t>
             </a:r>
             <a:r>
               <a:rPr lang="en-US" sz="2400" dirty="0">
@@ -8287,7 +8306,7 @@
                   <a:srgbClr val="002060"/>
                 </a:solidFill>
               </a:rPr>
-              <a:t> ad </a:t>
+              <a:t> e </a:t>
             </a:r>
             <a:r>
               <a:rPr lang="en-US" sz="2400" dirty="0" err="1">
@@ -8295,55 +8314,7 @@
                   <a:srgbClr val="002060"/>
                 </a:solidFill>
               </a:rPr>
-              <a:t>uno</a:t>
-            </a:r>
-            <a:r>
-              <a:rPr lang="en-US" sz="2400" dirty="0">
-                <a:solidFill>
-                  <a:srgbClr val="002060"/>
-                </a:solidFill>
-              </a:rPr>
-              <a:t> </a:t>
-            </a:r>
-            <a:r>
-              <a:rPr lang="en-US" sz="2400" dirty="0" err="1">
-                <a:solidFill>
-                  <a:srgbClr val="002060"/>
-                </a:solidFill>
-              </a:rPr>
-              <a:t>tra</a:t>
-            </a:r>
-            <a:r>
-              <a:rPr lang="en-US" sz="2400" dirty="0">
-                <a:solidFill>
-                  <a:srgbClr val="002060"/>
-                </a:solidFill>
-              </a:rPr>
-              <a:t> </a:t>
-            </a:r>
-            <a:r>
-              <a:rPr lang="en-US" sz="2400" dirty="0" err="1">
-                <a:solidFill>
-                  <a:srgbClr val="002060"/>
-                </a:solidFill>
-              </a:rPr>
-              <a:t>anziano</a:t>
-            </a:r>
-            <a:r>
-              <a:rPr lang="en-US" sz="2400" dirty="0">
-                <a:solidFill>
-                  <a:srgbClr val="002060"/>
-                </a:solidFill>
-              </a:rPr>
-              <a:t> e </a:t>
-            </a:r>
-            <a:r>
-              <a:rPr lang="en-US" sz="2400" dirty="0" err="1">
-                <a:solidFill>
-                  <a:srgbClr val="002060"/>
-                </a:solidFill>
-              </a:rPr>
-              <a:t>residenza</a:t>
+              <a:t>appartamento</a:t>
             </a:r>
             <a:r>
               <a:rPr lang="en-US" sz="2400" dirty="0">
@@ -8397,7 +8368,7 @@
                   <a:srgbClr val="002060"/>
                 </a:solidFill>
               </a:rPr>
-              <a:t> di 1000 anziani </a:t>
+              <a:t> di 1000 </a:t>
             </a:r>
             <a:r>
               <a:rPr lang="en-US" sz="2400" dirty="0" err="1">
@@ -8405,6 +8376,22 @@
                   <a:srgbClr val="002060"/>
                 </a:solidFill>
               </a:rPr>
+              <a:t>residenti</a:t>
+            </a:r>
+            <a:r>
+              <a:rPr lang="en-US" sz="2400" dirty="0">
+                <a:solidFill>
+                  <a:srgbClr val="002060"/>
+                </a:solidFill>
+              </a:rPr>
+              <a:t> </a:t>
+            </a:r>
+            <a:r>
+              <a:rPr lang="en-US" sz="2400" dirty="0" err="1">
+                <a:solidFill>
+                  <a:srgbClr val="002060"/>
+                </a:solidFill>
+              </a:rPr>
               <a:t>diversi</a:t>
             </a:r>
             <a:r>
@@ -8429,7 +8416,7 @@
                   <a:srgbClr val="002060"/>
                 </a:solidFill>
               </a:rPr>
-              <a:t> 1000 diverse </a:t>
+              <a:t> 1000 </a:t>
             </a:r>
             <a:r>
               <a:rPr lang="en-US" sz="2400" dirty="0" err="1">
@@ -8437,7 +8424,7 @@
                   <a:srgbClr val="002060"/>
                 </a:solidFill>
               </a:rPr>
-              <a:t>abitazioni</a:t>
+              <a:t>diversi</a:t>
             </a:r>
             <a:r>
               <a:rPr lang="en-US" sz="2400" dirty="0">
@@ -8445,6 +8432,22 @@
                   <a:srgbClr val="002060"/>
                 </a:solidFill>
               </a:rPr>
+              <a:t> </a:t>
+            </a:r>
+            <a:r>
+              <a:rPr lang="en-US" sz="2400" dirty="0" err="1">
+                <a:solidFill>
+                  <a:srgbClr val="002060"/>
+                </a:solidFill>
+              </a:rPr>
+              <a:t>appartamenti</a:t>
+            </a:r>
+            <a:r>
+              <a:rPr lang="en-US" sz="2400" dirty="0">
+                <a:solidFill>
+                  <a:srgbClr val="002060"/>
+                </a:solidFill>
+              </a:rPr>
               <a:t>, </a:t>
             </a:r>
             <a:r>
@@ -8453,7 +8456,7 @@
                   <a:srgbClr val="002060"/>
                 </a:solidFill>
               </a:rPr>
-              <a:t>ognuna</a:t>
+              <a:t>ognuno</a:t>
             </a:r>
             <a:r>
               <a:rPr lang="en-US" sz="2400" dirty="0">
@@ -8731,7 +8734,7 @@
                   <a:srgbClr val="002060"/>
                 </a:solidFill>
               </a:rPr>
-              <a:t> relative </a:t>
+              <a:t> relative al </a:t>
             </a:r>
             <a:r>
               <a:rPr lang="en-US" sz="2400" dirty="0" err="1">
@@ -8739,7 +8742,7 @@
                   <a:srgbClr val="002060"/>
                 </a:solidFill>
               </a:rPr>
-              <a:t>all’anziano</a:t>
+              <a:t>residente</a:t>
             </a:r>
             <a:r>
               <a:rPr lang="en-US" sz="2400" dirty="0">
@@ -8747,7 +8750,7 @@
                   <a:srgbClr val="002060"/>
                 </a:solidFill>
               </a:rPr>
-              <a:t>;</a:t>
+              <a:t> di interesse;</a:t>
             </a:r>
           </a:p>
           <a:p>
@@ -10368,7 +10371,7 @@
               <a:rPr lang="it-IT" sz="2000" dirty="0">
                 <a:effectLst/>
               </a:rPr>
-              <a:t> TUTTI i dati acquisiti;</a:t>
+              <a:t> TUTTI i valori acquisiti;</a:t>
             </a:r>
           </a:p>
         </p:txBody>
@@ -10699,7 +10702,7 @@
               <a:rPr lang="it-IT" sz="2000" dirty="0">
                 <a:effectLst/>
               </a:rPr>
-              <a:t>Alla ricezione di una richiesta di soccorsi per un certo residente, si ottiene, interpellando la BDR, l’indirizzo del suo appartamento, in modo da comunicarlo al SPS, per una azione tempestiva;</a:t>
+              <a:t>Alla ricezione di una richiesta di soccorsi per un certo residente, si ottiene, interpellando la BDR, l’indirizzo del suo appartamento, in modo da comunicarlo al SPS per una azione tempestiva;</a:t>
             </a:r>
           </a:p>
         </p:txBody>
@@ -11192,8 +11195,8 @@
           </a:extLst>
         </p:spPr>
       </p:pic>
-      <mc:AlternateContent xmlns:mc="http://schemas.openxmlformats.org/markup-compatibility/2006" xmlns:a14="http://schemas.microsoft.com/office/drawing/2010/main">
-        <mc:Choice Requires="a14">
+      <mc:AlternateContent xmlns:mc="http://schemas.openxmlformats.org/markup-compatibility/2006">
+        <mc:Choice xmlns:a14="http://schemas.microsoft.com/office/drawing/2010/main" Requires="a14">
           <p:sp>
             <p:nvSpPr>
               <p:cNvPr id="2" name="CasellaDiTesto 7">
@@ -11308,7 +11311,7 @@
                         <a:effectLst/>
                         <a:latin typeface="Cambria Math" panose="02040503050406030204" pitchFamily="18" charset="0"/>
                       </a:rPr>
-                      <m:t>. ≅16,6 </m:t>
+                      <m:t> ≅16,6 </m:t>
                     </m:r>
                     <m:r>
                       <a:rPr lang="en-US" sz="2000">
@@ -11329,7 +11332,7 @@
             </p:txBody>
           </p:sp>
         </mc:Choice>
-        <mc:Fallback xmlns="">
+        <mc:Fallback>
           <p:sp>
             <p:nvSpPr>
               <p:cNvPr id="2" name="CasellaDiTesto 7">
@@ -12568,23 +12571,7 @@
                   <a:srgbClr val="002060"/>
                 </a:solidFill>
               </a:rPr>
-              <a:t>, sotto </a:t>
-            </a:r>
-            <a:r>
-              <a:rPr lang="en-US" sz="2400" dirty="0" err="1">
-                <a:solidFill>
-                  <a:srgbClr val="002060"/>
-                </a:solidFill>
-              </a:rPr>
-              <a:t>il</a:t>
-            </a:r>
-            <a:r>
-              <a:rPr lang="en-US" sz="2400" dirty="0">
-                <a:solidFill>
-                  <a:srgbClr val="002060"/>
-                </a:solidFill>
-              </a:rPr>
-              <a:t> quale </a:t>
+              <a:t>, sotto il quale </a:t>
             </a:r>
             <a:r>
               <a:rPr lang="en-US" sz="2400" dirty="0" err="1">
@@ -34285,7 +34272,7 @@
                   <a:srgbClr val="002060"/>
                 </a:solidFill>
               </a:rPr>
-              <a:t>l’anziano</a:t>
+              <a:t>il residente</a:t>
             </a:r>
             <a:r>
               <a:rPr lang="en-US" sz="2400" dirty="0">
@@ -34293,7 +34280,7 @@
                   <a:srgbClr val="002060"/>
                 </a:solidFill>
               </a:rPr>
-              <a:t>, e </a:t>
+              <a:t>, </a:t>
             </a:r>
             <a:r>
               <a:rPr lang="en-US" sz="2400" dirty="0" err="1">
@@ -34301,7 +34288,7 @@
                   <a:srgbClr val="002060"/>
                 </a:solidFill>
               </a:rPr>
-              <a:t>l’anziano</a:t>
+              <a:t>che</a:t>
             </a:r>
             <a:r>
               <a:rPr lang="en-US" sz="2400" dirty="0">
@@ -34382,12 +34369,20 @@
               <a:buChar char="•"/>
             </a:pPr>
             <a:r>
+              <a:rPr lang="en-US" sz="2400" dirty="0">
+                <a:solidFill>
+                  <a:srgbClr val="002060"/>
+                </a:solidFill>
+              </a:rPr>
+              <a:t>Il </a:t>
+            </a:r>
+            <a:r>
               <a:rPr lang="en-US" sz="2400" dirty="0" err="1">
                 <a:solidFill>
                   <a:srgbClr val="002060"/>
                 </a:solidFill>
               </a:rPr>
-              <a:t>L’anziano</a:t>
+              <a:t>residente</a:t>
             </a:r>
             <a:r>
               <a:rPr lang="en-US" sz="2400" dirty="0">
@@ -36315,7 +36310,7 @@
         <p:spPr>
           <a:xfrm>
             <a:off x="315402" y="5461694"/>
-            <a:ext cx="9328930" cy="1077218"/>
+            <a:ext cx="9328930" cy="830997"/>
           </a:xfrm>
           <a:prstGeom prst="rect">
             <a:avLst/>
@@ -36595,91 +36590,7 @@
               <a:rPr lang="en-US" sz="1600" dirty="0">
                 <a:effectLst/>
               </a:rPr>
-              <a:t>, </a:t>
-            </a:r>
-            <a:r>
-              <a:rPr lang="en-US" sz="1600" dirty="0" err="1">
-                <a:effectLst/>
-              </a:rPr>
-              <a:t>perché</a:t>
-            </a:r>
-            <a:r>
-              <a:rPr lang="en-US" sz="1600" dirty="0">
-                <a:effectLst/>
-              </a:rPr>
-              <a:t> </a:t>
-            </a:r>
-            <a:r>
-              <a:rPr lang="en-US" sz="1600" dirty="0" err="1">
-                <a:effectLst/>
-              </a:rPr>
-              <a:t>si</a:t>
-            </a:r>
-            <a:r>
-              <a:rPr lang="en-US" sz="1600" dirty="0">
-                <a:effectLst/>
-              </a:rPr>
-              <a:t> </a:t>
-            </a:r>
-            <a:r>
-              <a:rPr lang="en-US" sz="1600" dirty="0" err="1">
-                <a:effectLst/>
-              </a:rPr>
-              <a:t>prevede</a:t>
-            </a:r>
-            <a:r>
-              <a:rPr lang="en-US" sz="1600" dirty="0">
-                <a:effectLst/>
-              </a:rPr>
-              <a:t> la </a:t>
-            </a:r>
-            <a:r>
-              <a:rPr lang="en-US" sz="1600" dirty="0" err="1">
-                <a:effectLst/>
-              </a:rPr>
-              <a:t>sua</a:t>
-            </a:r>
-            <a:r>
-              <a:rPr lang="en-US" sz="1600" dirty="0">
-                <a:effectLst/>
-              </a:rPr>
-              <a:t> </a:t>
-            </a:r>
-            <a:r>
-              <a:rPr lang="en-US" sz="1600" dirty="0" err="1">
-                <a:effectLst/>
-              </a:rPr>
-              <a:t>esecuzione</a:t>
-            </a:r>
-            <a:r>
-              <a:rPr lang="en-US" sz="1600" dirty="0">
-                <a:effectLst/>
-              </a:rPr>
-              <a:t> </a:t>
-            </a:r>
-            <a:r>
-              <a:rPr lang="en-US" sz="1600" dirty="0" err="1">
-                <a:effectLst/>
-              </a:rPr>
-              <a:t>direttamente</a:t>
-            </a:r>
-            <a:r>
-              <a:rPr lang="en-US" sz="1600" dirty="0">
-                <a:effectLst/>
-              </a:rPr>
-              <a:t> </a:t>
-            </a:r>
-            <a:r>
-              <a:rPr lang="en-US" sz="1600" dirty="0" err="1">
-                <a:effectLst/>
-              </a:rPr>
-              <a:t>sullo</a:t>
-            </a:r>
-            <a:r>
-              <a:rPr lang="en-US" sz="1600" dirty="0">
-                <a:effectLst/>
-              </a:rPr>
-              <a:t> smartwatch.</a:t>
+              <a:t>.</a:t>
             </a:r>
             <a:endParaRPr lang="en-US" sz="2000" dirty="0">
               <a:effectLst/>
@@ -40611,7 +40522,7 @@
                   <a:srgbClr val="002060"/>
                 </a:solidFill>
               </a:rPr>
-              <a:t> una </a:t>
+              <a:t> 1 </a:t>
             </a:r>
             <a:r>
               <a:rPr lang="en-US" sz="2400" dirty="0" err="1">
@@ -41712,7 +41623,7 @@
               <a:rPr lang="en-US" sz="2000" dirty="0" err="1">
                 <a:effectLst/>
               </a:rPr>
-              <a:t>dell’appartamente</a:t>
+              <a:t>dell’appartamento</a:t>
             </a:r>
             <a:r>
               <a:rPr lang="en-US" sz="2000" dirty="0">
@@ -43036,10 +42947,10 @@
       </p:pic>
       <p:pic>
         <p:nvPicPr>
-          <p:cNvPr id="5" name="Picture 4" descr="A picture containing engineering drawing&#10;&#10;Description automatically generated">
+          <p:cNvPr id="3" name="Picture 2" descr="A picture containing text, clock&#10;&#10;Description automatically generated">
             <a:extLst>
               <a:ext uri="{FF2B5EF4-FFF2-40B4-BE49-F238E27FC236}">
-                <a16:creationId xmlns:a16="http://schemas.microsoft.com/office/drawing/2014/main" id="{1029CF78-93B4-DEBF-B55B-F6D454B0B638}"/>
+                <a16:creationId xmlns:a16="http://schemas.microsoft.com/office/drawing/2014/main" id="{7E37F16C-E528-D7E6-07F0-C6BDD6F03CD7}"/>
               </a:ext>
             </a:extLst>
           </p:cNvPr>
@@ -43048,7 +42959,7 @@
           </p:cNvPicPr>
           <p:nvPr/>
         </p:nvPicPr>
-        <p:blipFill rotWithShape="1">
+        <p:blipFill>
           <a:blip r:embed="rId4">
             <a:extLst>
               <a:ext uri="{28A0092B-C50C-407E-A947-70E740481C1C}">
@@ -43056,13 +42967,14 @@
               </a:ext>
             </a:extLst>
           </a:blip>
-          <a:srcRect t="4163"/>
-          <a:stretch/>
+          <a:stretch>
+            <a:fillRect/>
+          </a:stretch>
         </p:blipFill>
         <p:spPr>
           <a:xfrm>
-            <a:off x="4280766" y="1667508"/>
-            <a:ext cx="3630465" cy="3350463"/>
+            <a:off x="4290526" y="1534090"/>
+            <a:ext cx="3610946" cy="3477207"/>
           </a:xfrm>
           <a:prstGeom prst="rect">
             <a:avLst/>
@@ -43123,6 +43035,2899 @@
             <a:fld id="{AFB85319-5DF8-4B17-9881-6D5B2C7AB305}" type="slidenum">
               <a:rPr lang="it-IT" smtClean="0"/>
               <a:t>55</a:t>
+            </a:fld>
+            <a:endParaRPr lang="it-IT"/>
+          </a:p>
+        </p:txBody>
+      </p:sp>
+      <p:pic>
+        <p:nvPicPr>
+          <p:cNvPr id="6" name="Immagine 5">
+            <a:extLst>
+              <a:ext uri="{FF2B5EF4-FFF2-40B4-BE49-F238E27FC236}">
+                <a16:creationId xmlns:a16="http://schemas.microsoft.com/office/drawing/2014/main" id="{64DD2710-C925-4AEB-B772-6D532D848EB4}"/>
+              </a:ext>
+            </a:extLst>
+          </p:cNvPr>
+          <p:cNvPicPr>
+            <a:picLocks noChangeAspect="1"/>
+          </p:cNvPicPr>
+          <p:nvPr/>
+        </p:nvPicPr>
+        <p:blipFill rotWithShape="1">
+          <a:blip r:embed="rId2"/>
+          <a:srcRect l="5288" t="10969" r="47212" b="12551"/>
+          <a:stretch/>
+        </p:blipFill>
+        <p:spPr>
+          <a:xfrm>
+            <a:off x="215980" y="231353"/>
+            <a:ext cx="5121222" cy="1295266"/>
+          </a:xfrm>
+          <a:prstGeom prst="rect">
+            <a:avLst/>
+          </a:prstGeom>
+        </p:spPr>
+      </p:pic>
+      <p:sp>
+        <p:nvSpPr>
+          <p:cNvPr id="8" name="CasellaDiTesto 7">
+            <a:extLst>
+              <a:ext uri="{FF2B5EF4-FFF2-40B4-BE49-F238E27FC236}">
+                <a16:creationId xmlns:a16="http://schemas.microsoft.com/office/drawing/2014/main" id="{3E0E40B7-DD25-4779-A260-DCF2A62C4B41}"/>
+              </a:ext>
+            </a:extLst>
+          </p:cNvPr>
+          <p:cNvSpPr txBox="1"/>
+          <p:nvPr/>
+        </p:nvSpPr>
+        <p:spPr>
+          <a:xfrm>
+            <a:off x="1562771" y="772221"/>
+            <a:ext cx="3774431" cy="584775"/>
+          </a:xfrm>
+          <a:prstGeom prst="rect">
+            <a:avLst/>
+          </a:prstGeom>
+          <a:noFill/>
+        </p:spPr>
+        <p:txBody>
+          <a:bodyPr wrap="none" rtlCol="0">
+            <a:spAutoFit/>
+          </a:bodyPr>
+          <a:lstStyle>
+            <a:defPPr>
+              <a:defRPr lang="it-IT"/>
+            </a:defPPr>
+            <a:lvl1pPr>
+              <a:defRPr sz="4800">
+                <a:ln w="0"/>
+                <a:solidFill>
+                  <a:srgbClr val="002060"/>
+                </a:solidFill>
+                <a:effectLst>
+                  <a:outerShdw blurRad="38100" dist="25400" dir="5400000" algn="ctr" rotWithShape="0">
+                    <a:srgbClr val="6E747A">
+                      <a:alpha val="43000"/>
+                    </a:srgbClr>
+                  </a:outerShdw>
+                </a:effectLst>
+              </a:defRPr>
+            </a:lvl1pPr>
+          </a:lstStyle>
+          <a:p>
+            <a:r>
+              <a:rPr lang="en-US" sz="3200" dirty="0" err="1"/>
+              <a:t>Diagramma</a:t>
+            </a:r>
+            <a:r>
+              <a:rPr lang="en-US" sz="3200" dirty="0"/>
+              <a:t> di Deploy</a:t>
+            </a:r>
+            <a:endParaRPr lang="it-IT" sz="3200" i="1" dirty="0"/>
+          </a:p>
+        </p:txBody>
+      </p:sp>
+      <p:pic>
+        <p:nvPicPr>
+          <p:cNvPr id="9" name="Picture 2" descr="Università degli Studi di Milano-Bicocca - Wikipedia">
+            <a:extLst>
+              <a:ext uri="{FF2B5EF4-FFF2-40B4-BE49-F238E27FC236}">
+                <a16:creationId xmlns:a16="http://schemas.microsoft.com/office/drawing/2014/main" id="{9D1896BC-6EF3-43D9-B8A2-217137CA9550}"/>
+              </a:ext>
+            </a:extLst>
+          </p:cNvPr>
+          <p:cNvPicPr>
+            <a:picLocks noChangeAspect="1" noChangeArrowheads="1"/>
+          </p:cNvPicPr>
+          <p:nvPr/>
+        </p:nvPicPr>
+        <p:blipFill>
+          <a:blip r:embed="rId3">
+            <a:extLst>
+              <a:ext uri="{28A0092B-C50C-407E-A947-70E740481C1C}">
+                <a14:useLocalDpi xmlns:a14="http://schemas.microsoft.com/office/drawing/2010/main" val="0"/>
+              </a:ext>
+            </a:extLst>
+          </a:blip>
+          <a:srcRect/>
+          <a:stretch>
+            <a:fillRect/>
+          </a:stretch>
+        </p:blipFill>
+        <p:spPr bwMode="auto">
+          <a:xfrm>
+            <a:off x="215979" y="254984"/>
+            <a:ext cx="1346792" cy="1331078"/>
+          </a:xfrm>
+          <a:prstGeom prst="rect">
+            <a:avLst/>
+          </a:prstGeom>
+          <a:noFill/>
+          <a:extLst>
+            <a:ext uri="{909E8E84-426E-40DD-AFC4-6F175D3DCCD1}">
+              <a14:hiddenFill xmlns:a14="http://schemas.microsoft.com/office/drawing/2010/main">
+                <a:solidFill>
+                  <a:srgbClr val="FFFFFF"/>
+                </a:solidFill>
+              </a14:hiddenFill>
+            </a:ext>
+          </a:extLst>
+        </p:spPr>
+      </p:pic>
+      <p:sp>
+        <p:nvSpPr>
+          <p:cNvPr id="2" name="CasellaDiTesto 7">
+            <a:extLst>
+              <a:ext uri="{FF2B5EF4-FFF2-40B4-BE49-F238E27FC236}">
+                <a16:creationId xmlns:a16="http://schemas.microsoft.com/office/drawing/2014/main" id="{4D89626A-4590-E73B-1799-ADFFAD12EF20}"/>
+              </a:ext>
+            </a:extLst>
+          </p:cNvPr>
+          <p:cNvSpPr txBox="1"/>
+          <p:nvPr/>
+        </p:nvSpPr>
+        <p:spPr>
+          <a:xfrm>
+            <a:off x="240744" y="2103299"/>
+            <a:ext cx="5096458" cy="4093428"/>
+          </a:xfrm>
+          <a:prstGeom prst="rect">
+            <a:avLst/>
+          </a:prstGeom>
+          <a:noFill/>
+        </p:spPr>
+        <p:txBody>
+          <a:bodyPr wrap="square" rtlCol="0">
+            <a:spAutoFit/>
+          </a:bodyPr>
+          <a:lstStyle>
+            <a:defPPr>
+              <a:defRPr lang="it-IT"/>
+            </a:defPPr>
+            <a:lvl1pPr>
+              <a:defRPr sz="4800">
+                <a:ln w="0"/>
+                <a:solidFill>
+                  <a:srgbClr val="002060"/>
+                </a:solidFill>
+                <a:effectLst>
+                  <a:outerShdw blurRad="38100" dist="25400" dir="5400000" algn="ctr" rotWithShape="0">
+                    <a:srgbClr val="6E747A">
+                      <a:alpha val="43000"/>
+                    </a:srgbClr>
+                  </a:outerShdw>
+                </a:effectLst>
+              </a:defRPr>
+            </a:lvl1pPr>
+          </a:lstStyle>
+          <a:p>
+            <a:pPr marL="342900" indent="-342900" algn="just">
+              <a:buFont typeface="Arial" panose="020B0604020202020204" pitchFamily="34" charset="0"/>
+              <a:buChar char="•"/>
+            </a:pPr>
+            <a:r>
+              <a:rPr lang="it-IT" sz="2000" dirty="0">
+                <a:effectLst/>
+              </a:rPr>
+              <a:t>Su un nodo centrale, comune a tutto il Sistema, si prevede l’</a:t>
+            </a:r>
+            <a:r>
+              <a:rPr lang="it-IT" sz="2000" dirty="0" err="1">
+                <a:effectLst/>
+              </a:rPr>
+              <a:t>istanziazione</a:t>
+            </a:r>
+            <a:r>
+              <a:rPr lang="it-IT" sz="2000" dirty="0">
+                <a:effectLst/>
+              </a:rPr>
+              <a:t> del componente di </a:t>
+            </a:r>
+            <a:r>
+              <a:rPr lang="it-IT" sz="2000" i="1" dirty="0">
+                <a:effectLst/>
+              </a:rPr>
+              <a:t>Gestione dell’Interazione con l’Utente</a:t>
+            </a:r>
+            <a:r>
+              <a:rPr lang="it-IT" sz="2000" dirty="0">
+                <a:effectLst/>
+              </a:rPr>
+              <a:t>. Questo componente riceverà tutte le richieste dei </a:t>
+            </a:r>
+            <a:r>
+              <a:rPr lang="it-IT" sz="2000" dirty="0" err="1">
+                <a:effectLst/>
+              </a:rPr>
+              <a:t>caretakers</a:t>
+            </a:r>
+            <a:r>
+              <a:rPr lang="it-IT" sz="2000" dirty="0">
+                <a:effectLst/>
+              </a:rPr>
+              <a:t>, e le gestirà sulla base dell’ordine di arrivo;</a:t>
+            </a:r>
+          </a:p>
+          <a:p>
+            <a:pPr marL="342900" indent="-342900" algn="just">
+              <a:buFont typeface="Arial" panose="020B0604020202020204" pitchFamily="34" charset="0"/>
+              <a:buChar char="•"/>
+            </a:pPr>
+            <a:r>
+              <a:rPr lang="it-IT" sz="2000" dirty="0">
+                <a:effectLst/>
+              </a:rPr>
+              <a:t>In ogni appartamento saranno istanziati i componenti di </a:t>
+            </a:r>
+            <a:r>
+              <a:rPr lang="it-IT" sz="2000" i="1" dirty="0">
+                <a:effectLst/>
+              </a:rPr>
+              <a:t>Gestione Ambientale </a:t>
+            </a:r>
+            <a:r>
+              <a:rPr lang="it-IT" sz="2000" dirty="0">
+                <a:effectLst/>
+              </a:rPr>
+              <a:t>e </a:t>
+            </a:r>
+            <a:r>
+              <a:rPr lang="it-IT" sz="2000" i="1" dirty="0">
+                <a:effectLst/>
+              </a:rPr>
+              <a:t>Gestione </a:t>
+            </a:r>
+            <a:r>
+              <a:rPr lang="it-IT" sz="2000" i="1" dirty="0" err="1">
+                <a:effectLst/>
+              </a:rPr>
+              <a:t>Smartwatch</a:t>
+            </a:r>
+            <a:r>
+              <a:rPr lang="it-IT" sz="2000" dirty="0">
+                <a:effectLst/>
+              </a:rPr>
+              <a:t>. Questi componenti interagiranno con lo </a:t>
+            </a:r>
+            <a:r>
+              <a:rPr lang="it-IT" sz="2000" dirty="0" err="1">
+                <a:effectLst/>
+              </a:rPr>
+              <a:t>Smartwatch</a:t>
+            </a:r>
+            <a:r>
+              <a:rPr lang="it-IT" sz="2000" dirty="0">
+                <a:effectLst/>
+              </a:rPr>
+              <a:t> del residente, e utilizzeranno per il salvataggio uno </a:t>
+            </a:r>
+            <a:r>
+              <a:rPr lang="it-IT" sz="2000" dirty="0" err="1">
+                <a:effectLst/>
+              </a:rPr>
+              <a:t>storage</a:t>
+            </a:r>
+            <a:r>
+              <a:rPr lang="it-IT" sz="2000" dirty="0">
+                <a:effectLst/>
+              </a:rPr>
+              <a:t> assegnato all’appartamento, presente in </a:t>
+            </a:r>
+            <a:r>
+              <a:rPr lang="it-IT" sz="2000" dirty="0" err="1">
+                <a:effectLst/>
+              </a:rPr>
+              <a:t>Cloud</a:t>
+            </a:r>
+            <a:r>
+              <a:rPr lang="it-IT" sz="2000" dirty="0">
+                <a:effectLst/>
+              </a:rPr>
+              <a:t>;</a:t>
+            </a:r>
+          </a:p>
+        </p:txBody>
+      </p:sp>
+      <p:pic>
+        <p:nvPicPr>
+          <p:cNvPr id="7" name="Picture 6" descr="Graphical user interface&#10;&#10;Description automatically generated with low confidence">
+            <a:extLst>
+              <a:ext uri="{FF2B5EF4-FFF2-40B4-BE49-F238E27FC236}">
+                <a16:creationId xmlns:a16="http://schemas.microsoft.com/office/drawing/2014/main" id="{398407F4-8B49-35AC-ED13-EE3F5BE3DF00}"/>
+              </a:ext>
+            </a:extLst>
+          </p:cNvPr>
+          <p:cNvPicPr>
+            <a:picLocks noChangeAspect="1"/>
+          </p:cNvPicPr>
+          <p:nvPr/>
+        </p:nvPicPr>
+        <p:blipFill>
+          <a:blip r:embed="rId4">
+            <a:extLst>
+              <a:ext uri="{28A0092B-C50C-407E-A947-70E740481C1C}">
+                <a14:useLocalDpi xmlns:a14="http://schemas.microsoft.com/office/drawing/2010/main" val="0"/>
+              </a:ext>
+            </a:extLst>
+          </a:blip>
+          <a:stretch>
+            <a:fillRect/>
+          </a:stretch>
+        </p:blipFill>
+        <p:spPr>
+          <a:xfrm>
+            <a:off x="5683461" y="1489492"/>
+            <a:ext cx="6362052" cy="4866858"/>
+          </a:xfrm>
+          <a:prstGeom prst="rect">
+            <a:avLst/>
+          </a:prstGeom>
+        </p:spPr>
+      </p:pic>
+    </p:spTree>
+    <p:extLst>
+      <p:ext uri="{BB962C8B-B14F-4D97-AF65-F5344CB8AC3E}">
+        <p14:creationId xmlns:p14="http://schemas.microsoft.com/office/powerpoint/2010/main" val="621367093"/>
+      </p:ext>
+    </p:extLst>
+  </p:cSld>
+  <p:clrMapOvr>
+    <a:masterClrMapping/>
+  </p:clrMapOvr>
+</p:sld>
+</file>
+
+<file path=ppt/slides/slide56.xml><?xml version="1.0" encoding="utf-8"?>
+<p:sld xmlns:a="http://schemas.openxmlformats.org/drawingml/2006/main" xmlns:r="http://schemas.openxmlformats.org/officeDocument/2006/relationships" xmlns:p="http://schemas.openxmlformats.org/presentationml/2006/main">
+  <p:cSld>
+    <p:spTree>
+      <p:nvGrpSpPr>
+        <p:cNvPr id="1" name=""/>
+        <p:cNvGrpSpPr/>
+        <p:nvPr/>
+      </p:nvGrpSpPr>
+      <p:grpSpPr>
+        <a:xfrm>
+          <a:off x="0" y="0"/>
+          <a:ext cx="0" cy="0"/>
+          <a:chOff x="0" y="0"/>
+          <a:chExt cx="0" cy="0"/>
+        </a:xfrm>
+      </p:grpSpPr>
+      <p:sp>
+        <p:nvSpPr>
+          <p:cNvPr id="4" name="Segnaposto numero diapositiva 3">
+            <a:extLst>
+              <a:ext uri="{FF2B5EF4-FFF2-40B4-BE49-F238E27FC236}">
+                <a16:creationId xmlns:a16="http://schemas.microsoft.com/office/drawing/2014/main" id="{01EF95BD-3374-46E4-AC9E-7E535268BB89}"/>
+              </a:ext>
+            </a:extLst>
+          </p:cNvPr>
+          <p:cNvSpPr>
+            <a:spLocks noGrp="1"/>
+          </p:cNvSpPr>
+          <p:nvPr>
+            <p:ph type="sldNum" sz="quarter" idx="12"/>
+          </p:nvPr>
+        </p:nvSpPr>
+        <p:spPr/>
+        <p:txBody>
+          <a:bodyPr/>
+          <a:lstStyle/>
+          <a:p>
+            <a:fld id="{AFB85319-5DF8-4B17-9881-6D5B2C7AB305}" type="slidenum">
+              <a:rPr lang="it-IT" sz="1400" smtClean="0"/>
+              <a:t>56</a:t>
+            </a:fld>
+            <a:endParaRPr lang="it-IT" sz="1400"/>
+          </a:p>
+        </p:txBody>
+      </p:sp>
+      <p:pic>
+        <p:nvPicPr>
+          <p:cNvPr id="10" name="Immagine 9">
+            <a:extLst>
+              <a:ext uri="{FF2B5EF4-FFF2-40B4-BE49-F238E27FC236}">
+                <a16:creationId xmlns:a16="http://schemas.microsoft.com/office/drawing/2014/main" id="{9D081748-0EA2-46D5-9276-91E6FA0B2E4D}"/>
+              </a:ext>
+            </a:extLst>
+          </p:cNvPr>
+          <p:cNvPicPr>
+            <a:picLocks noChangeAspect="1"/>
+          </p:cNvPicPr>
+          <p:nvPr/>
+        </p:nvPicPr>
+        <p:blipFill>
+          <a:blip r:embed="rId2"/>
+          <a:stretch>
+            <a:fillRect/>
+          </a:stretch>
+        </p:blipFill>
+        <p:spPr>
+          <a:xfrm>
+            <a:off x="1066800" y="136525"/>
+            <a:ext cx="10058400" cy="1443217"/>
+          </a:xfrm>
+          <a:prstGeom prst="rect">
+            <a:avLst/>
+          </a:prstGeom>
+        </p:spPr>
+      </p:pic>
+      <p:sp>
+        <p:nvSpPr>
+          <p:cNvPr id="12" name="CasellaDiTesto 11">
+            <a:extLst>
+              <a:ext uri="{FF2B5EF4-FFF2-40B4-BE49-F238E27FC236}">
+                <a16:creationId xmlns:a16="http://schemas.microsoft.com/office/drawing/2014/main" id="{FDD3222E-C016-4B80-A6D4-5A00B95E1DCE}"/>
+              </a:ext>
+            </a:extLst>
+          </p:cNvPr>
+          <p:cNvSpPr txBox="1"/>
+          <p:nvPr/>
+        </p:nvSpPr>
+        <p:spPr>
+          <a:xfrm>
+            <a:off x="935485" y="1603373"/>
+            <a:ext cx="6457354" cy="769441"/>
+          </a:xfrm>
+          <a:prstGeom prst="rect">
+            <a:avLst/>
+          </a:prstGeom>
+          <a:noFill/>
+        </p:spPr>
+        <p:txBody>
+          <a:bodyPr wrap="square" rtlCol="0">
+            <a:spAutoFit/>
+          </a:bodyPr>
+          <a:lstStyle/>
+          <a:p>
+            <a:pPr algn="just"/>
+            <a:r>
+              <a:rPr lang="en-US" sz="4400" dirty="0">
+                <a:ln w="0"/>
+                <a:solidFill>
+                  <a:srgbClr val="002060"/>
+                </a:solidFill>
+                <a:effectLst>
+                  <a:outerShdw blurRad="38100" dist="25400" dir="5400000" algn="ctr" rotWithShape="0">
+                    <a:srgbClr val="6E747A">
+                      <a:alpha val="43000"/>
+                    </a:srgbClr>
+                  </a:outerShdw>
+                </a:effectLst>
+              </a:rPr>
+              <a:t>Software Quality – Security</a:t>
+            </a:r>
+            <a:endParaRPr lang="it-IT" sz="4400" i="1" dirty="0">
+              <a:ln w="0"/>
+              <a:solidFill>
+                <a:srgbClr val="002060"/>
+              </a:solidFill>
+              <a:effectLst>
+                <a:outerShdw blurRad="38100" dist="25400" dir="5400000" algn="ctr" rotWithShape="0">
+                  <a:srgbClr val="6E747A">
+                    <a:alpha val="43000"/>
+                  </a:srgbClr>
+                </a:outerShdw>
+              </a:effectLst>
+            </a:endParaRPr>
+          </a:p>
+        </p:txBody>
+      </p:sp>
+      <p:sp>
+        <p:nvSpPr>
+          <p:cNvPr id="14" name="CasellaDiTesto 13">
+            <a:extLst>
+              <a:ext uri="{FF2B5EF4-FFF2-40B4-BE49-F238E27FC236}">
+                <a16:creationId xmlns:a16="http://schemas.microsoft.com/office/drawing/2014/main" id="{A2C744A5-CEC3-4801-BA86-D842271B74C0}"/>
+              </a:ext>
+            </a:extLst>
+          </p:cNvPr>
+          <p:cNvSpPr txBox="1"/>
+          <p:nvPr/>
+        </p:nvSpPr>
+        <p:spPr>
+          <a:xfrm>
+            <a:off x="4029075" y="872406"/>
+            <a:ext cx="4133849" cy="369332"/>
+          </a:xfrm>
+          <a:prstGeom prst="rect">
+            <a:avLst/>
+          </a:prstGeom>
+          <a:solidFill>
+            <a:schemeClr val="bg1"/>
+          </a:solidFill>
+        </p:spPr>
+        <p:txBody>
+          <a:bodyPr wrap="square" rtlCol="0">
+            <a:spAutoFit/>
+          </a:bodyPr>
+          <a:lstStyle/>
+          <a:p>
+            <a:pPr algn="ctr"/>
+            <a:r>
+              <a:rPr lang="en-US" b="1" dirty="0">
+                <a:solidFill>
+                  <a:srgbClr val="800000"/>
+                </a:solidFill>
+              </a:rPr>
+              <a:t>Anno </a:t>
+            </a:r>
+            <a:r>
+              <a:rPr lang="it-IT" b="1" dirty="0">
+                <a:solidFill>
+                  <a:srgbClr val="800000"/>
+                </a:solidFill>
+              </a:rPr>
+              <a:t>Accademico</a:t>
+            </a:r>
+            <a:r>
+              <a:rPr lang="en-US" b="1" dirty="0">
+                <a:solidFill>
+                  <a:srgbClr val="800000"/>
+                </a:solidFill>
+              </a:rPr>
+              <a:t> 2022 – 2023</a:t>
+            </a:r>
+          </a:p>
+        </p:txBody>
+      </p:sp>
+      <p:pic>
+        <p:nvPicPr>
+          <p:cNvPr id="1026" name="Picture 2" descr="Università degli Studi di Milano-Bicocca - Wikipedia">
+            <a:extLst>
+              <a:ext uri="{FF2B5EF4-FFF2-40B4-BE49-F238E27FC236}">
+                <a16:creationId xmlns:a16="http://schemas.microsoft.com/office/drawing/2014/main" id="{E42B5CFD-381D-44CC-A7E7-17BBC1F14845}"/>
+              </a:ext>
+            </a:extLst>
+          </p:cNvPr>
+          <p:cNvPicPr>
+            <a:picLocks noChangeAspect="1" noChangeArrowheads="1"/>
+          </p:cNvPicPr>
+          <p:nvPr/>
+        </p:nvPicPr>
+        <p:blipFill>
+          <a:blip r:embed="rId3">
+            <a:extLst>
+              <a:ext uri="{28A0092B-C50C-407E-A947-70E740481C1C}">
+                <a14:useLocalDpi xmlns:a14="http://schemas.microsoft.com/office/drawing/2010/main" val="0"/>
+              </a:ext>
+            </a:extLst>
+          </a:blip>
+          <a:srcRect/>
+          <a:stretch>
+            <a:fillRect/>
+          </a:stretch>
+        </p:blipFill>
+        <p:spPr bwMode="auto">
+          <a:xfrm>
+            <a:off x="1066800" y="160156"/>
+            <a:ext cx="1390154" cy="1373934"/>
+          </a:xfrm>
+          <a:prstGeom prst="rect">
+            <a:avLst/>
+          </a:prstGeom>
+          <a:noFill/>
+          <a:extLst>
+            <a:ext uri="{909E8E84-426E-40DD-AFC4-6F175D3DCCD1}">
+              <a14:hiddenFill xmlns:a14="http://schemas.microsoft.com/office/drawing/2010/main">
+                <a:solidFill>
+                  <a:srgbClr val="FFFFFF"/>
+                </a:solidFill>
+              </a14:hiddenFill>
+            </a:ext>
+          </a:extLst>
+        </p:spPr>
+      </p:pic>
+      <p:sp>
+        <p:nvSpPr>
+          <p:cNvPr id="9" name="CasellaDiTesto 12">
+            <a:extLst>
+              <a:ext uri="{FF2B5EF4-FFF2-40B4-BE49-F238E27FC236}">
+                <a16:creationId xmlns:a16="http://schemas.microsoft.com/office/drawing/2014/main" id="{41B46196-83F9-43AC-8107-35E3AA5E875B}"/>
+              </a:ext>
+            </a:extLst>
+          </p:cNvPr>
+          <p:cNvSpPr txBox="1"/>
+          <p:nvPr/>
+        </p:nvSpPr>
+        <p:spPr>
+          <a:xfrm>
+            <a:off x="1066800" y="2428726"/>
+            <a:ext cx="10058400" cy="4154984"/>
+          </a:xfrm>
+          <a:prstGeom prst="rect">
+            <a:avLst/>
+          </a:prstGeom>
+          <a:noFill/>
+        </p:spPr>
+        <p:txBody>
+          <a:bodyPr wrap="square" rtlCol="0">
+            <a:spAutoFit/>
+          </a:bodyPr>
+          <a:lstStyle/>
+          <a:p>
+            <a:pPr marL="342900" indent="-342900" algn="just">
+              <a:buFont typeface="Arial" panose="020B0604020202020204" pitchFamily="34" charset="0"/>
+              <a:buChar char="•"/>
+            </a:pPr>
+            <a:r>
+              <a:rPr lang="en-US" sz="2400" dirty="0" err="1">
+                <a:solidFill>
+                  <a:srgbClr val="002060"/>
+                </a:solidFill>
+              </a:rPr>
+              <a:t>Essendo</a:t>
+            </a:r>
+            <a:r>
+              <a:rPr lang="en-US" sz="2400" dirty="0">
+                <a:solidFill>
+                  <a:srgbClr val="002060"/>
+                </a:solidFill>
+              </a:rPr>
+              <a:t> le </a:t>
+            </a:r>
+            <a:r>
+              <a:rPr lang="en-US" sz="2400" dirty="0" err="1">
+                <a:solidFill>
+                  <a:srgbClr val="002060"/>
+                </a:solidFill>
+              </a:rPr>
+              <a:t>misurazioni</a:t>
+            </a:r>
+            <a:r>
+              <a:rPr lang="en-US" sz="2400" dirty="0">
+                <a:solidFill>
+                  <a:srgbClr val="002060"/>
+                </a:solidFill>
+              </a:rPr>
+              <a:t> </a:t>
+            </a:r>
+            <a:r>
+              <a:rPr lang="it-IT" sz="2400" dirty="0">
+                <a:solidFill>
+                  <a:srgbClr val="002060"/>
+                </a:solidFill>
+              </a:rPr>
+              <a:t>del residente dati sensibili, si ipotizza l’applicazione della </a:t>
+            </a:r>
+            <a:r>
+              <a:rPr lang="it-IT" sz="2400" i="1" dirty="0">
+                <a:solidFill>
+                  <a:srgbClr val="002060"/>
+                </a:solidFill>
+              </a:rPr>
+              <a:t>crittografia asimmetrica </a:t>
+            </a:r>
+            <a:r>
+              <a:rPr lang="it-IT" sz="2400" dirty="0">
+                <a:solidFill>
+                  <a:srgbClr val="002060"/>
+                </a:solidFill>
+              </a:rPr>
+              <a:t>per la trasmissione delle informazioni;</a:t>
+            </a:r>
+          </a:p>
+          <a:p>
+            <a:pPr marL="342900" indent="-342900" algn="just">
+              <a:buFont typeface="Arial" panose="020B0604020202020204" pitchFamily="34" charset="0"/>
+              <a:buChar char="•"/>
+            </a:pPr>
+            <a:r>
+              <a:rPr lang="en-US" sz="2400" dirty="0">
+                <a:solidFill>
+                  <a:srgbClr val="002060"/>
+                </a:solidFill>
+              </a:rPr>
+              <a:t>Per </a:t>
+            </a:r>
+            <a:r>
+              <a:rPr lang="en-US" sz="2400" dirty="0" err="1">
+                <a:solidFill>
+                  <a:srgbClr val="002060"/>
+                </a:solidFill>
+              </a:rPr>
+              <a:t>garantire</a:t>
+            </a:r>
+            <a:r>
+              <a:rPr lang="en-US" sz="2400" dirty="0">
+                <a:solidFill>
+                  <a:srgbClr val="002060"/>
+                </a:solidFill>
+              </a:rPr>
+              <a:t> </a:t>
+            </a:r>
+            <a:r>
+              <a:rPr lang="en-US" sz="2400" dirty="0" err="1">
+                <a:solidFill>
+                  <a:srgbClr val="002060"/>
+                </a:solidFill>
+              </a:rPr>
+              <a:t>l’integrita</a:t>
+            </a:r>
+            <a:r>
+              <a:rPr lang="en-US" sz="2400" dirty="0">
+                <a:solidFill>
+                  <a:srgbClr val="002060"/>
+                </a:solidFill>
+              </a:rPr>
+              <a:t> </a:t>
+            </a:r>
+            <a:r>
+              <a:rPr lang="en-US" sz="2400" dirty="0" err="1">
+                <a:solidFill>
+                  <a:srgbClr val="002060"/>
+                </a:solidFill>
+              </a:rPr>
+              <a:t>della</a:t>
+            </a:r>
+            <a:r>
+              <a:rPr lang="en-US" sz="2400" dirty="0">
+                <a:solidFill>
+                  <a:srgbClr val="002060"/>
+                </a:solidFill>
+              </a:rPr>
+              <a:t> </a:t>
+            </a:r>
+            <a:r>
+              <a:rPr lang="en-US" sz="2400" dirty="0" err="1">
+                <a:solidFill>
+                  <a:srgbClr val="002060"/>
+                </a:solidFill>
+              </a:rPr>
+              <a:t>comunicazione</a:t>
+            </a:r>
+            <a:r>
+              <a:rPr lang="en-US" sz="2400" dirty="0">
+                <a:solidFill>
+                  <a:srgbClr val="002060"/>
+                </a:solidFill>
+              </a:rPr>
+              <a:t>, </a:t>
+            </a:r>
+            <a:r>
+              <a:rPr lang="en-US" sz="2400" dirty="0" err="1">
+                <a:solidFill>
+                  <a:srgbClr val="002060"/>
+                </a:solidFill>
+              </a:rPr>
+              <a:t>evitando</a:t>
+            </a:r>
+            <a:r>
+              <a:rPr lang="en-US" sz="2400" dirty="0">
+                <a:solidFill>
+                  <a:srgbClr val="002060"/>
+                </a:solidFill>
+              </a:rPr>
+              <a:t> </a:t>
+            </a:r>
+            <a:r>
+              <a:rPr lang="en-US" sz="2400" dirty="0" err="1">
+                <a:solidFill>
+                  <a:srgbClr val="002060"/>
+                </a:solidFill>
+              </a:rPr>
+              <a:t>eventuali</a:t>
+            </a:r>
+            <a:r>
+              <a:rPr lang="en-US" sz="2400" dirty="0">
+                <a:solidFill>
+                  <a:srgbClr val="002060"/>
+                </a:solidFill>
+              </a:rPr>
+              <a:t> </a:t>
+            </a:r>
+            <a:r>
+              <a:rPr lang="en-US" sz="2400" dirty="0" err="1">
+                <a:solidFill>
+                  <a:srgbClr val="002060"/>
+                </a:solidFill>
+              </a:rPr>
+              <a:t>attacchi</a:t>
+            </a:r>
+            <a:r>
+              <a:rPr lang="en-US" sz="2400" dirty="0">
+                <a:solidFill>
+                  <a:srgbClr val="002060"/>
+                </a:solidFill>
+              </a:rPr>
+              <a:t> del </a:t>
+            </a:r>
+            <a:r>
+              <a:rPr lang="en-US" sz="2400" dirty="0" err="1">
+                <a:solidFill>
+                  <a:srgbClr val="002060"/>
+                </a:solidFill>
+              </a:rPr>
+              <a:t>tipo</a:t>
+            </a:r>
+            <a:r>
+              <a:rPr lang="en-US" sz="2400" dirty="0">
+                <a:solidFill>
+                  <a:srgbClr val="002060"/>
+                </a:solidFill>
+              </a:rPr>
+              <a:t> </a:t>
+            </a:r>
+            <a:r>
+              <a:rPr lang="en-US" sz="2400" i="1" dirty="0">
+                <a:solidFill>
+                  <a:srgbClr val="002060"/>
+                </a:solidFill>
+              </a:rPr>
+              <a:t>man-in-the-middle</a:t>
+            </a:r>
+            <a:r>
+              <a:rPr lang="en-US" sz="2400" dirty="0">
+                <a:solidFill>
+                  <a:srgbClr val="002060"/>
+                </a:solidFill>
+              </a:rPr>
+              <a:t>, </a:t>
+            </a:r>
+            <a:r>
+              <a:rPr lang="en-US" sz="2400" dirty="0" err="1">
+                <a:solidFill>
+                  <a:srgbClr val="002060"/>
+                </a:solidFill>
+              </a:rPr>
+              <a:t>si</a:t>
+            </a:r>
+            <a:r>
+              <a:rPr lang="en-US" sz="2400" dirty="0">
+                <a:solidFill>
+                  <a:srgbClr val="002060"/>
+                </a:solidFill>
+              </a:rPr>
+              <a:t> </a:t>
+            </a:r>
+            <a:r>
+              <a:rPr lang="en-US" sz="2400" dirty="0" err="1">
+                <a:solidFill>
+                  <a:srgbClr val="002060"/>
+                </a:solidFill>
+              </a:rPr>
+              <a:t>opta</a:t>
+            </a:r>
+            <a:r>
+              <a:rPr lang="en-US" sz="2400" dirty="0">
+                <a:solidFill>
+                  <a:srgbClr val="002060"/>
+                </a:solidFill>
+              </a:rPr>
+              <a:t> per </a:t>
+            </a:r>
+            <a:r>
+              <a:rPr lang="en-US" sz="2400" dirty="0" err="1">
+                <a:solidFill>
+                  <a:srgbClr val="002060"/>
+                </a:solidFill>
+              </a:rPr>
+              <a:t>l’utilizzo</a:t>
+            </a:r>
+            <a:r>
+              <a:rPr lang="en-US" sz="2400" dirty="0">
+                <a:solidFill>
+                  <a:srgbClr val="002060"/>
+                </a:solidFill>
+              </a:rPr>
+              <a:t> </a:t>
+            </a:r>
+            <a:r>
+              <a:rPr lang="en-US" sz="2400" dirty="0" err="1">
+                <a:solidFill>
+                  <a:srgbClr val="002060"/>
+                </a:solidFill>
+              </a:rPr>
+              <a:t>della</a:t>
+            </a:r>
+            <a:r>
+              <a:rPr lang="en-US" sz="2400" dirty="0">
+                <a:solidFill>
+                  <a:srgbClr val="002060"/>
+                </a:solidFill>
+              </a:rPr>
+              <a:t> </a:t>
+            </a:r>
+            <a:r>
+              <a:rPr lang="en-US" sz="2400" i="1" dirty="0" err="1">
+                <a:solidFill>
+                  <a:srgbClr val="002060"/>
+                </a:solidFill>
+              </a:rPr>
+              <a:t>firma</a:t>
+            </a:r>
+            <a:r>
+              <a:rPr lang="en-US" sz="2400" i="1" dirty="0">
+                <a:solidFill>
+                  <a:srgbClr val="002060"/>
+                </a:solidFill>
+              </a:rPr>
+              <a:t> </a:t>
+            </a:r>
+            <a:r>
+              <a:rPr lang="en-US" sz="2400" i="1" dirty="0" err="1">
+                <a:solidFill>
+                  <a:srgbClr val="002060"/>
+                </a:solidFill>
+              </a:rPr>
+              <a:t>digitale</a:t>
+            </a:r>
+            <a:r>
+              <a:rPr lang="en-US" sz="2400" dirty="0">
+                <a:solidFill>
+                  <a:srgbClr val="002060"/>
+                </a:solidFill>
+              </a:rPr>
+              <a:t>, </a:t>
+            </a:r>
+            <a:r>
+              <a:rPr lang="en-US" sz="2400" dirty="0" err="1">
+                <a:solidFill>
+                  <a:srgbClr val="002060"/>
+                </a:solidFill>
+              </a:rPr>
+              <a:t>applicata</a:t>
+            </a:r>
+            <a:r>
+              <a:rPr lang="en-US" sz="2400" dirty="0">
+                <a:solidFill>
+                  <a:srgbClr val="002060"/>
+                </a:solidFill>
+              </a:rPr>
+              <a:t> </a:t>
+            </a:r>
+            <a:r>
+              <a:rPr lang="en-US" sz="2400" dirty="0" err="1">
+                <a:solidFill>
+                  <a:srgbClr val="002060"/>
+                </a:solidFill>
+              </a:rPr>
+              <a:t>solamente</a:t>
+            </a:r>
+            <a:r>
+              <a:rPr lang="en-US" sz="2400" dirty="0">
+                <a:solidFill>
+                  <a:srgbClr val="002060"/>
+                </a:solidFill>
+              </a:rPr>
+              <a:t> </a:t>
+            </a:r>
+            <a:r>
+              <a:rPr lang="en-US" sz="2400" dirty="0" err="1">
+                <a:solidFill>
+                  <a:srgbClr val="002060"/>
+                </a:solidFill>
+              </a:rPr>
+              <a:t>nella</a:t>
+            </a:r>
+            <a:r>
+              <a:rPr lang="en-US" sz="2400" dirty="0">
+                <a:solidFill>
+                  <a:srgbClr val="002060"/>
+                </a:solidFill>
+              </a:rPr>
+              <a:t> </a:t>
+            </a:r>
+            <a:r>
+              <a:rPr lang="en-US" sz="2400" dirty="0" err="1">
+                <a:solidFill>
+                  <a:srgbClr val="002060"/>
+                </a:solidFill>
+              </a:rPr>
+              <a:t>comunicazione</a:t>
+            </a:r>
+            <a:r>
+              <a:rPr lang="en-US" sz="2400" dirty="0">
+                <a:solidFill>
+                  <a:srgbClr val="002060"/>
+                </a:solidFill>
+              </a:rPr>
+              <a:t> </a:t>
+            </a:r>
+            <a:r>
+              <a:rPr lang="en-US" sz="2400" dirty="0" err="1">
+                <a:solidFill>
+                  <a:srgbClr val="002060"/>
+                </a:solidFill>
+              </a:rPr>
+              <a:t>tra</a:t>
+            </a:r>
+            <a:r>
+              <a:rPr lang="en-US" sz="2400" dirty="0">
+                <a:solidFill>
+                  <a:srgbClr val="002060"/>
+                </a:solidFill>
+              </a:rPr>
+              <a:t> </a:t>
+            </a:r>
+            <a:r>
+              <a:rPr lang="en-US" sz="2400" dirty="0" err="1">
+                <a:solidFill>
+                  <a:srgbClr val="002060"/>
+                </a:solidFill>
+              </a:rPr>
+              <a:t>nodo</a:t>
+            </a:r>
+            <a:r>
+              <a:rPr lang="en-US" sz="2400" dirty="0">
+                <a:solidFill>
+                  <a:srgbClr val="002060"/>
+                </a:solidFill>
+              </a:rPr>
+              <a:t> centrale e caretaker, in modo da </a:t>
+            </a:r>
+            <a:r>
+              <a:rPr lang="en-US" sz="2400" dirty="0" err="1">
+                <a:solidFill>
+                  <a:srgbClr val="002060"/>
+                </a:solidFill>
+              </a:rPr>
+              <a:t>evitare</a:t>
+            </a:r>
+            <a:r>
+              <a:rPr lang="en-US" sz="2400" dirty="0">
+                <a:solidFill>
+                  <a:srgbClr val="002060"/>
+                </a:solidFill>
+              </a:rPr>
+              <a:t> un overhead </a:t>
+            </a:r>
+            <a:r>
+              <a:rPr lang="en-US" sz="2400" dirty="0" err="1">
+                <a:solidFill>
+                  <a:srgbClr val="002060"/>
+                </a:solidFill>
+              </a:rPr>
+              <a:t>troppo</a:t>
+            </a:r>
+            <a:r>
+              <a:rPr lang="en-US" sz="2400" dirty="0">
+                <a:solidFill>
+                  <a:srgbClr val="002060"/>
+                </a:solidFill>
+              </a:rPr>
+              <a:t> </a:t>
+            </a:r>
+            <a:r>
+              <a:rPr lang="en-US" sz="2400" dirty="0" err="1">
+                <a:solidFill>
+                  <a:srgbClr val="002060"/>
+                </a:solidFill>
+              </a:rPr>
+              <a:t>elevato</a:t>
+            </a:r>
+            <a:r>
+              <a:rPr lang="en-US" sz="2400" dirty="0">
+                <a:solidFill>
+                  <a:srgbClr val="002060"/>
+                </a:solidFill>
+              </a:rPr>
+              <a:t> per le </a:t>
+            </a:r>
+            <a:r>
+              <a:rPr lang="en-US" sz="2400" dirty="0" err="1">
+                <a:solidFill>
+                  <a:srgbClr val="002060"/>
+                </a:solidFill>
+              </a:rPr>
+              <a:t>trasmissioni</a:t>
+            </a:r>
+            <a:r>
+              <a:rPr lang="en-US" sz="2400" dirty="0">
+                <a:solidFill>
+                  <a:srgbClr val="002060"/>
+                </a:solidFill>
+              </a:rPr>
+              <a:t> ad </a:t>
+            </a:r>
+            <a:r>
+              <a:rPr lang="en-US" sz="2400" dirty="0" err="1">
+                <a:solidFill>
+                  <a:srgbClr val="002060"/>
+                </a:solidFill>
+              </a:rPr>
+              <a:t>alta</a:t>
+            </a:r>
+            <a:r>
+              <a:rPr lang="en-US" sz="2400" dirty="0">
+                <a:solidFill>
+                  <a:srgbClr val="002060"/>
+                </a:solidFill>
+              </a:rPr>
+              <a:t> </a:t>
+            </a:r>
+            <a:r>
+              <a:rPr lang="en-US" sz="2400" dirty="0" err="1">
+                <a:solidFill>
+                  <a:srgbClr val="002060"/>
+                </a:solidFill>
+              </a:rPr>
+              <a:t>frequenza</a:t>
+            </a:r>
+            <a:r>
+              <a:rPr lang="en-US" sz="2400" dirty="0">
+                <a:solidFill>
+                  <a:srgbClr val="002060"/>
+                </a:solidFill>
+              </a:rPr>
+              <a:t>, come quelle </a:t>
+            </a:r>
+            <a:r>
+              <a:rPr lang="en-US" sz="2400" dirty="0" err="1">
+                <a:solidFill>
+                  <a:srgbClr val="002060"/>
+                </a:solidFill>
+              </a:rPr>
+              <a:t>fatte</a:t>
+            </a:r>
+            <a:r>
+              <a:rPr lang="en-US" sz="2400" dirty="0">
+                <a:solidFill>
+                  <a:srgbClr val="002060"/>
+                </a:solidFill>
+              </a:rPr>
+              <a:t> </a:t>
+            </a:r>
+            <a:r>
+              <a:rPr lang="en-US" sz="2400" dirty="0" err="1">
+                <a:solidFill>
+                  <a:srgbClr val="002060"/>
+                </a:solidFill>
+              </a:rPr>
+              <a:t>dai</a:t>
+            </a:r>
+            <a:r>
+              <a:rPr lang="en-US" sz="2400" dirty="0">
+                <a:solidFill>
+                  <a:srgbClr val="002060"/>
+                </a:solidFill>
+              </a:rPr>
+              <a:t> </a:t>
+            </a:r>
+            <a:r>
+              <a:rPr lang="en-US" sz="2400" dirty="0" err="1">
+                <a:solidFill>
+                  <a:srgbClr val="002060"/>
+                </a:solidFill>
+              </a:rPr>
+              <a:t>gestori</a:t>
+            </a:r>
+            <a:r>
+              <a:rPr lang="en-US" sz="2400" dirty="0">
+                <a:solidFill>
+                  <a:srgbClr val="002060"/>
+                </a:solidFill>
+              </a:rPr>
+              <a:t> </a:t>
+            </a:r>
+            <a:r>
+              <a:rPr lang="en-US" sz="2400" dirty="0" err="1">
+                <a:solidFill>
+                  <a:srgbClr val="002060"/>
+                </a:solidFill>
+              </a:rPr>
+              <a:t>dei</a:t>
+            </a:r>
+            <a:r>
+              <a:rPr lang="en-US" sz="2400" dirty="0">
+                <a:solidFill>
+                  <a:srgbClr val="002060"/>
+                </a:solidFill>
+              </a:rPr>
+              <a:t> </a:t>
+            </a:r>
+            <a:r>
+              <a:rPr lang="en-US" sz="2400" dirty="0" err="1">
+                <a:solidFill>
+                  <a:srgbClr val="002060"/>
+                </a:solidFill>
+              </a:rPr>
+              <a:t>sensori</a:t>
+            </a:r>
+            <a:r>
+              <a:rPr lang="en-US" sz="2400" dirty="0">
+                <a:solidFill>
+                  <a:srgbClr val="002060"/>
+                </a:solidFill>
+              </a:rPr>
+              <a:t>;</a:t>
+            </a:r>
+          </a:p>
+          <a:p>
+            <a:pPr marL="342900" indent="-342900" algn="just">
+              <a:buFont typeface="Arial" panose="020B0604020202020204" pitchFamily="34" charset="0"/>
+              <a:buChar char="•"/>
+            </a:pPr>
+            <a:r>
+              <a:rPr lang="en-US" sz="2400" dirty="0" err="1">
+                <a:solidFill>
+                  <a:srgbClr val="002060"/>
+                </a:solidFill>
+              </a:rPr>
+              <a:t>Ipotizzando</a:t>
+            </a:r>
+            <a:r>
+              <a:rPr lang="en-US" sz="2400" dirty="0">
+                <a:solidFill>
+                  <a:srgbClr val="002060"/>
+                </a:solidFill>
+              </a:rPr>
+              <a:t> </a:t>
+            </a:r>
+            <a:r>
+              <a:rPr lang="en-US" sz="2400" dirty="0" err="1">
+                <a:solidFill>
+                  <a:srgbClr val="002060"/>
+                </a:solidFill>
+              </a:rPr>
+              <a:t>l’utilizzo</a:t>
+            </a:r>
+            <a:r>
+              <a:rPr lang="en-US" sz="2400" dirty="0">
+                <a:solidFill>
+                  <a:srgbClr val="002060"/>
+                </a:solidFill>
+              </a:rPr>
+              <a:t> di un Sistema cloud per lo storage </a:t>
+            </a:r>
+            <a:r>
+              <a:rPr lang="en-US" sz="2400" dirty="0" err="1">
+                <a:solidFill>
+                  <a:srgbClr val="002060"/>
+                </a:solidFill>
+              </a:rPr>
+              <a:t>dei</a:t>
+            </a:r>
+            <a:r>
+              <a:rPr lang="en-US" sz="2400" dirty="0">
+                <a:solidFill>
+                  <a:srgbClr val="002060"/>
+                </a:solidFill>
+              </a:rPr>
+              <a:t> </a:t>
+            </a:r>
+            <a:r>
+              <a:rPr lang="en-US" sz="2400" dirty="0" err="1">
+                <a:solidFill>
+                  <a:srgbClr val="002060"/>
+                </a:solidFill>
+              </a:rPr>
+              <a:t>dati</a:t>
+            </a:r>
+            <a:r>
+              <a:rPr lang="en-US" sz="2400" dirty="0">
+                <a:solidFill>
+                  <a:srgbClr val="002060"/>
+                </a:solidFill>
+              </a:rPr>
+              <a:t>, ha senso </a:t>
+            </a:r>
+            <a:r>
+              <a:rPr lang="en-US" sz="2400" dirty="0" err="1">
+                <a:solidFill>
+                  <a:srgbClr val="002060"/>
+                </a:solidFill>
+              </a:rPr>
+              <a:t>applicare</a:t>
+            </a:r>
+            <a:r>
+              <a:rPr lang="en-US" sz="2400" dirty="0">
+                <a:solidFill>
+                  <a:srgbClr val="002060"/>
+                </a:solidFill>
+              </a:rPr>
+              <a:t> la </a:t>
+            </a:r>
+            <a:r>
+              <a:rPr lang="en-US" sz="2400" dirty="0" err="1">
+                <a:solidFill>
+                  <a:srgbClr val="002060"/>
+                </a:solidFill>
+              </a:rPr>
+              <a:t>tattica</a:t>
+            </a:r>
+            <a:r>
+              <a:rPr lang="en-US" sz="2400" dirty="0">
+                <a:solidFill>
+                  <a:srgbClr val="002060"/>
+                </a:solidFill>
+              </a:rPr>
+              <a:t> di Audit, in modo da </a:t>
+            </a:r>
+            <a:r>
+              <a:rPr lang="en-US" sz="2400" dirty="0" err="1">
+                <a:solidFill>
+                  <a:srgbClr val="002060"/>
+                </a:solidFill>
+              </a:rPr>
+              <a:t>tenere</a:t>
+            </a:r>
+            <a:r>
+              <a:rPr lang="en-US" sz="2400" dirty="0">
+                <a:solidFill>
+                  <a:srgbClr val="002060"/>
+                </a:solidFill>
+              </a:rPr>
+              <a:t> </a:t>
+            </a:r>
+            <a:r>
+              <a:rPr lang="en-US" sz="2400" dirty="0" err="1">
+                <a:solidFill>
+                  <a:srgbClr val="002060"/>
+                </a:solidFill>
+              </a:rPr>
+              <a:t>traccia</a:t>
+            </a:r>
+            <a:r>
+              <a:rPr lang="en-US" sz="2400" dirty="0">
+                <a:solidFill>
+                  <a:srgbClr val="002060"/>
+                </a:solidFill>
+              </a:rPr>
+              <a:t> di </a:t>
+            </a:r>
+            <a:r>
+              <a:rPr lang="en-US" sz="2400" dirty="0" err="1">
+                <a:solidFill>
+                  <a:srgbClr val="002060"/>
+                </a:solidFill>
+              </a:rPr>
+              <a:t>tutte</a:t>
+            </a:r>
+            <a:r>
+              <a:rPr lang="en-US" sz="2400" dirty="0">
+                <a:solidFill>
+                  <a:srgbClr val="002060"/>
+                </a:solidFill>
+              </a:rPr>
+              <a:t> le </a:t>
+            </a:r>
+            <a:r>
+              <a:rPr lang="en-US" sz="2400" dirty="0" err="1">
+                <a:solidFill>
+                  <a:srgbClr val="002060"/>
+                </a:solidFill>
+              </a:rPr>
+              <a:t>modifiche</a:t>
+            </a:r>
+            <a:r>
+              <a:rPr lang="en-US" sz="2400" dirty="0">
+                <a:solidFill>
+                  <a:srgbClr val="002060"/>
+                </a:solidFill>
+              </a:rPr>
+              <a:t> </a:t>
+            </a:r>
+            <a:r>
+              <a:rPr lang="en-US" sz="2400" dirty="0" err="1">
+                <a:solidFill>
+                  <a:srgbClr val="002060"/>
+                </a:solidFill>
+              </a:rPr>
+              <a:t>fatte</a:t>
+            </a:r>
+            <a:r>
+              <a:rPr lang="en-US" sz="2400" dirty="0">
+                <a:solidFill>
+                  <a:srgbClr val="002060"/>
+                </a:solidFill>
+              </a:rPr>
+              <a:t>, e </a:t>
+            </a:r>
+            <a:r>
+              <a:rPr lang="en-US" sz="2400" dirty="0" err="1">
+                <a:solidFill>
+                  <a:srgbClr val="002060"/>
+                </a:solidFill>
+              </a:rPr>
+              <a:t>poter</a:t>
+            </a:r>
+            <a:r>
+              <a:rPr lang="en-US" sz="2400" dirty="0">
+                <a:solidFill>
+                  <a:srgbClr val="002060"/>
+                </a:solidFill>
+              </a:rPr>
+              <a:t> </a:t>
+            </a:r>
+            <a:r>
+              <a:rPr lang="en-US" sz="2400" dirty="0" err="1">
+                <a:solidFill>
+                  <a:srgbClr val="002060"/>
+                </a:solidFill>
+              </a:rPr>
+              <a:t>eseguire</a:t>
+            </a:r>
+            <a:r>
+              <a:rPr lang="en-US" sz="2400" dirty="0">
+                <a:solidFill>
+                  <a:srgbClr val="002060"/>
+                </a:solidFill>
+              </a:rPr>
+              <a:t> la recover del Sistema, </a:t>
+            </a:r>
+            <a:r>
+              <a:rPr lang="en-US" sz="2400" dirty="0" err="1">
+                <a:solidFill>
+                  <a:srgbClr val="002060"/>
+                </a:solidFill>
+              </a:rPr>
+              <a:t>nel</a:t>
+            </a:r>
+            <a:r>
+              <a:rPr lang="en-US" sz="2400" dirty="0">
+                <a:solidFill>
+                  <a:srgbClr val="002060"/>
+                </a:solidFill>
+              </a:rPr>
+              <a:t> </a:t>
+            </a:r>
+            <a:r>
+              <a:rPr lang="en-US" sz="2400" dirty="0" err="1">
+                <a:solidFill>
+                  <a:srgbClr val="002060"/>
+                </a:solidFill>
+              </a:rPr>
+              <a:t>caso</a:t>
+            </a:r>
+            <a:r>
+              <a:rPr lang="en-US" sz="2400" dirty="0">
+                <a:solidFill>
+                  <a:srgbClr val="002060"/>
+                </a:solidFill>
+              </a:rPr>
+              <a:t> di </a:t>
+            </a:r>
+            <a:r>
+              <a:rPr lang="en-US" sz="2400" dirty="0" err="1">
+                <a:solidFill>
+                  <a:srgbClr val="002060"/>
+                </a:solidFill>
+              </a:rPr>
+              <a:t>guasti</a:t>
+            </a:r>
+            <a:r>
+              <a:rPr lang="en-US" sz="2400" dirty="0">
+                <a:solidFill>
+                  <a:srgbClr val="002060"/>
+                </a:solidFill>
+              </a:rPr>
+              <a:t>, in </a:t>
+            </a:r>
+            <a:r>
+              <a:rPr lang="en-US" sz="2400" dirty="0" err="1">
+                <a:solidFill>
+                  <a:srgbClr val="002060"/>
+                </a:solidFill>
+              </a:rPr>
+              <a:t>maniera</a:t>
+            </a:r>
+            <a:r>
+              <a:rPr lang="en-US" sz="2400" dirty="0">
+                <a:solidFill>
+                  <a:srgbClr val="002060"/>
+                </a:solidFill>
+              </a:rPr>
+              <a:t> </a:t>
+            </a:r>
+            <a:r>
+              <a:rPr lang="en-US" sz="2400" dirty="0" err="1">
+                <a:solidFill>
+                  <a:srgbClr val="002060"/>
+                </a:solidFill>
+              </a:rPr>
+              <a:t>più</a:t>
+            </a:r>
+            <a:r>
+              <a:rPr lang="en-US" sz="2400" dirty="0">
+                <a:solidFill>
+                  <a:srgbClr val="002060"/>
+                </a:solidFill>
+              </a:rPr>
+              <a:t> </a:t>
+            </a:r>
+            <a:r>
+              <a:rPr lang="en-US" sz="2400" dirty="0" err="1">
+                <a:solidFill>
+                  <a:srgbClr val="002060"/>
+                </a:solidFill>
+              </a:rPr>
+              <a:t>immediata</a:t>
+            </a:r>
+            <a:r>
+              <a:rPr lang="en-US" sz="2400" dirty="0">
+                <a:solidFill>
+                  <a:srgbClr val="002060"/>
+                </a:solidFill>
+              </a:rPr>
+              <a:t>;</a:t>
+            </a:r>
+          </a:p>
+        </p:txBody>
+      </p:sp>
+    </p:spTree>
+    <p:extLst>
+      <p:ext uri="{BB962C8B-B14F-4D97-AF65-F5344CB8AC3E}">
+        <p14:creationId xmlns:p14="http://schemas.microsoft.com/office/powerpoint/2010/main" val="1660483951"/>
+      </p:ext>
+    </p:extLst>
+  </p:cSld>
+  <p:clrMapOvr>
+    <a:masterClrMapping/>
+  </p:clrMapOvr>
+</p:sld>
+</file>
+
+<file path=ppt/slides/slide57.xml><?xml version="1.0" encoding="utf-8"?>
+<p:sld xmlns:a="http://schemas.openxmlformats.org/drawingml/2006/main" xmlns:r="http://schemas.openxmlformats.org/officeDocument/2006/relationships" xmlns:p="http://schemas.openxmlformats.org/presentationml/2006/main">
+  <p:cSld>
+    <p:spTree>
+      <p:nvGrpSpPr>
+        <p:cNvPr id="1" name=""/>
+        <p:cNvGrpSpPr/>
+        <p:nvPr/>
+      </p:nvGrpSpPr>
+      <p:grpSpPr>
+        <a:xfrm>
+          <a:off x="0" y="0"/>
+          <a:ext cx="0" cy="0"/>
+          <a:chOff x="0" y="0"/>
+          <a:chExt cx="0" cy="0"/>
+        </a:xfrm>
+      </p:grpSpPr>
+      <p:sp>
+        <p:nvSpPr>
+          <p:cNvPr id="4" name="Segnaposto numero diapositiva 3">
+            <a:extLst>
+              <a:ext uri="{FF2B5EF4-FFF2-40B4-BE49-F238E27FC236}">
+                <a16:creationId xmlns:a16="http://schemas.microsoft.com/office/drawing/2014/main" id="{01EF95BD-3374-46E4-AC9E-7E535268BB89}"/>
+              </a:ext>
+            </a:extLst>
+          </p:cNvPr>
+          <p:cNvSpPr>
+            <a:spLocks noGrp="1"/>
+          </p:cNvSpPr>
+          <p:nvPr>
+            <p:ph type="sldNum" sz="quarter" idx="12"/>
+          </p:nvPr>
+        </p:nvSpPr>
+        <p:spPr/>
+        <p:txBody>
+          <a:bodyPr/>
+          <a:lstStyle/>
+          <a:p>
+            <a:fld id="{AFB85319-5DF8-4B17-9881-6D5B2C7AB305}" type="slidenum">
+              <a:rPr lang="it-IT" sz="1400" smtClean="0"/>
+              <a:t>57</a:t>
+            </a:fld>
+            <a:endParaRPr lang="it-IT" sz="1400"/>
+          </a:p>
+        </p:txBody>
+      </p:sp>
+      <p:pic>
+        <p:nvPicPr>
+          <p:cNvPr id="10" name="Immagine 9">
+            <a:extLst>
+              <a:ext uri="{FF2B5EF4-FFF2-40B4-BE49-F238E27FC236}">
+                <a16:creationId xmlns:a16="http://schemas.microsoft.com/office/drawing/2014/main" id="{9D081748-0EA2-46D5-9276-91E6FA0B2E4D}"/>
+              </a:ext>
+            </a:extLst>
+          </p:cNvPr>
+          <p:cNvPicPr>
+            <a:picLocks noChangeAspect="1"/>
+          </p:cNvPicPr>
+          <p:nvPr/>
+        </p:nvPicPr>
+        <p:blipFill>
+          <a:blip r:embed="rId2"/>
+          <a:stretch>
+            <a:fillRect/>
+          </a:stretch>
+        </p:blipFill>
+        <p:spPr>
+          <a:xfrm>
+            <a:off x="1066800" y="136525"/>
+            <a:ext cx="10058400" cy="1443217"/>
+          </a:xfrm>
+          <a:prstGeom prst="rect">
+            <a:avLst/>
+          </a:prstGeom>
+        </p:spPr>
+      </p:pic>
+      <p:sp>
+        <p:nvSpPr>
+          <p:cNvPr id="12" name="CasellaDiTesto 11">
+            <a:extLst>
+              <a:ext uri="{FF2B5EF4-FFF2-40B4-BE49-F238E27FC236}">
+                <a16:creationId xmlns:a16="http://schemas.microsoft.com/office/drawing/2014/main" id="{FDD3222E-C016-4B80-A6D4-5A00B95E1DCE}"/>
+              </a:ext>
+            </a:extLst>
+          </p:cNvPr>
+          <p:cNvSpPr txBox="1"/>
+          <p:nvPr/>
+        </p:nvSpPr>
+        <p:spPr>
+          <a:xfrm>
+            <a:off x="935485" y="1603373"/>
+            <a:ext cx="8398296" cy="769441"/>
+          </a:xfrm>
+          <a:prstGeom prst="rect">
+            <a:avLst/>
+          </a:prstGeom>
+          <a:noFill/>
+        </p:spPr>
+        <p:txBody>
+          <a:bodyPr wrap="square" rtlCol="0">
+            <a:spAutoFit/>
+          </a:bodyPr>
+          <a:lstStyle/>
+          <a:p>
+            <a:pPr algn="just"/>
+            <a:r>
+              <a:rPr lang="en-US" sz="4400" dirty="0">
+                <a:ln w="0"/>
+                <a:solidFill>
+                  <a:srgbClr val="002060"/>
+                </a:solidFill>
+                <a:effectLst>
+                  <a:outerShdw blurRad="38100" dist="25400" dir="5400000" algn="ctr" rotWithShape="0">
+                    <a:srgbClr val="6E747A">
+                      <a:alpha val="43000"/>
+                    </a:srgbClr>
+                  </a:outerShdw>
+                </a:effectLst>
+              </a:rPr>
+              <a:t>Software Quality – Energy Efficiency</a:t>
+            </a:r>
+            <a:endParaRPr lang="it-IT" sz="4400" i="1" dirty="0">
+              <a:ln w="0"/>
+              <a:solidFill>
+                <a:srgbClr val="002060"/>
+              </a:solidFill>
+              <a:effectLst>
+                <a:outerShdw blurRad="38100" dist="25400" dir="5400000" algn="ctr" rotWithShape="0">
+                  <a:srgbClr val="6E747A">
+                    <a:alpha val="43000"/>
+                  </a:srgbClr>
+                </a:outerShdw>
+              </a:effectLst>
+            </a:endParaRPr>
+          </a:p>
+        </p:txBody>
+      </p:sp>
+      <p:sp>
+        <p:nvSpPr>
+          <p:cNvPr id="14" name="CasellaDiTesto 13">
+            <a:extLst>
+              <a:ext uri="{FF2B5EF4-FFF2-40B4-BE49-F238E27FC236}">
+                <a16:creationId xmlns:a16="http://schemas.microsoft.com/office/drawing/2014/main" id="{A2C744A5-CEC3-4801-BA86-D842271B74C0}"/>
+              </a:ext>
+            </a:extLst>
+          </p:cNvPr>
+          <p:cNvSpPr txBox="1"/>
+          <p:nvPr/>
+        </p:nvSpPr>
+        <p:spPr>
+          <a:xfrm>
+            <a:off x="4029075" y="872406"/>
+            <a:ext cx="4133849" cy="369332"/>
+          </a:xfrm>
+          <a:prstGeom prst="rect">
+            <a:avLst/>
+          </a:prstGeom>
+          <a:solidFill>
+            <a:schemeClr val="bg1"/>
+          </a:solidFill>
+        </p:spPr>
+        <p:txBody>
+          <a:bodyPr wrap="square" rtlCol="0">
+            <a:spAutoFit/>
+          </a:bodyPr>
+          <a:lstStyle/>
+          <a:p>
+            <a:pPr algn="ctr"/>
+            <a:r>
+              <a:rPr lang="en-US" b="1" dirty="0">
+                <a:solidFill>
+                  <a:srgbClr val="800000"/>
+                </a:solidFill>
+              </a:rPr>
+              <a:t>Anno </a:t>
+            </a:r>
+            <a:r>
+              <a:rPr lang="it-IT" b="1" dirty="0">
+                <a:solidFill>
+                  <a:srgbClr val="800000"/>
+                </a:solidFill>
+              </a:rPr>
+              <a:t>Accademico</a:t>
+            </a:r>
+            <a:r>
+              <a:rPr lang="en-US" b="1" dirty="0">
+                <a:solidFill>
+                  <a:srgbClr val="800000"/>
+                </a:solidFill>
+              </a:rPr>
+              <a:t> 2022 – 2023</a:t>
+            </a:r>
+          </a:p>
+        </p:txBody>
+      </p:sp>
+      <p:pic>
+        <p:nvPicPr>
+          <p:cNvPr id="1026" name="Picture 2" descr="Università degli Studi di Milano-Bicocca - Wikipedia">
+            <a:extLst>
+              <a:ext uri="{FF2B5EF4-FFF2-40B4-BE49-F238E27FC236}">
+                <a16:creationId xmlns:a16="http://schemas.microsoft.com/office/drawing/2014/main" id="{E42B5CFD-381D-44CC-A7E7-17BBC1F14845}"/>
+              </a:ext>
+            </a:extLst>
+          </p:cNvPr>
+          <p:cNvPicPr>
+            <a:picLocks noChangeAspect="1" noChangeArrowheads="1"/>
+          </p:cNvPicPr>
+          <p:nvPr/>
+        </p:nvPicPr>
+        <p:blipFill>
+          <a:blip r:embed="rId3">
+            <a:extLst>
+              <a:ext uri="{28A0092B-C50C-407E-A947-70E740481C1C}">
+                <a14:useLocalDpi xmlns:a14="http://schemas.microsoft.com/office/drawing/2010/main" val="0"/>
+              </a:ext>
+            </a:extLst>
+          </a:blip>
+          <a:srcRect/>
+          <a:stretch>
+            <a:fillRect/>
+          </a:stretch>
+        </p:blipFill>
+        <p:spPr bwMode="auto">
+          <a:xfrm>
+            <a:off x="1066800" y="160156"/>
+            <a:ext cx="1390154" cy="1373934"/>
+          </a:xfrm>
+          <a:prstGeom prst="rect">
+            <a:avLst/>
+          </a:prstGeom>
+          <a:noFill/>
+          <a:extLst>
+            <a:ext uri="{909E8E84-426E-40DD-AFC4-6F175D3DCCD1}">
+              <a14:hiddenFill xmlns:a14="http://schemas.microsoft.com/office/drawing/2010/main">
+                <a:solidFill>
+                  <a:srgbClr val="FFFFFF"/>
+                </a:solidFill>
+              </a14:hiddenFill>
+            </a:ext>
+          </a:extLst>
+        </p:spPr>
+      </p:pic>
+      <p:sp>
+        <p:nvSpPr>
+          <p:cNvPr id="9" name="CasellaDiTesto 12">
+            <a:extLst>
+              <a:ext uri="{FF2B5EF4-FFF2-40B4-BE49-F238E27FC236}">
+                <a16:creationId xmlns:a16="http://schemas.microsoft.com/office/drawing/2014/main" id="{41B46196-83F9-43AC-8107-35E3AA5E875B}"/>
+              </a:ext>
+            </a:extLst>
+          </p:cNvPr>
+          <p:cNvSpPr txBox="1"/>
+          <p:nvPr/>
+        </p:nvSpPr>
+        <p:spPr>
+          <a:xfrm>
+            <a:off x="1066800" y="2519489"/>
+            <a:ext cx="10058400" cy="3785652"/>
+          </a:xfrm>
+          <a:prstGeom prst="rect">
+            <a:avLst/>
+          </a:prstGeom>
+          <a:noFill/>
+        </p:spPr>
+        <p:txBody>
+          <a:bodyPr wrap="square" rtlCol="0">
+            <a:spAutoFit/>
+          </a:bodyPr>
+          <a:lstStyle/>
+          <a:p>
+            <a:pPr marL="342900" indent="-342900" algn="just">
+              <a:buFont typeface="Arial" panose="020B0604020202020204" pitchFamily="34" charset="0"/>
+              <a:buChar char="•"/>
+            </a:pPr>
+            <a:r>
+              <a:rPr lang="en-US" sz="2000" dirty="0">
+                <a:solidFill>
+                  <a:srgbClr val="002060"/>
+                </a:solidFill>
+              </a:rPr>
+              <a:t>Per </a:t>
+            </a:r>
+            <a:r>
+              <a:rPr lang="en-US" sz="2000" dirty="0" err="1">
+                <a:solidFill>
+                  <a:srgbClr val="002060"/>
+                </a:solidFill>
+              </a:rPr>
+              <a:t>ridurre</a:t>
+            </a:r>
+            <a:r>
+              <a:rPr lang="en-US" sz="2000" dirty="0">
+                <a:solidFill>
+                  <a:srgbClr val="002060"/>
+                </a:solidFill>
+              </a:rPr>
+              <a:t> il </a:t>
+            </a:r>
+            <a:r>
+              <a:rPr lang="en-US" sz="2000" dirty="0" err="1">
+                <a:solidFill>
+                  <a:srgbClr val="002060"/>
+                </a:solidFill>
+              </a:rPr>
+              <a:t>consumo</a:t>
+            </a:r>
+            <a:r>
+              <a:rPr lang="en-US" sz="2000" dirty="0">
+                <a:solidFill>
+                  <a:srgbClr val="002060"/>
+                </a:solidFill>
+              </a:rPr>
+              <a:t> </a:t>
+            </a:r>
+            <a:r>
+              <a:rPr lang="en-US" sz="2000" dirty="0" err="1">
+                <a:solidFill>
+                  <a:srgbClr val="002060"/>
+                </a:solidFill>
+              </a:rPr>
+              <a:t>energetico</a:t>
+            </a:r>
+            <a:r>
+              <a:rPr lang="en-US" sz="2000" dirty="0">
+                <a:solidFill>
+                  <a:srgbClr val="002060"/>
+                </a:solidFill>
+              </a:rPr>
+              <a:t> </a:t>
+            </a:r>
+            <a:r>
+              <a:rPr lang="en-US" sz="2000" dirty="0" err="1">
+                <a:solidFill>
+                  <a:srgbClr val="002060"/>
+                </a:solidFill>
+              </a:rPr>
+              <a:t>prodotto</a:t>
+            </a:r>
+            <a:r>
+              <a:rPr lang="en-US" sz="2000" dirty="0">
+                <a:solidFill>
+                  <a:srgbClr val="002060"/>
+                </a:solidFill>
+              </a:rPr>
+              <a:t> </a:t>
+            </a:r>
+            <a:r>
+              <a:rPr lang="en-US" sz="2000" dirty="0" err="1">
+                <a:solidFill>
+                  <a:srgbClr val="002060"/>
+                </a:solidFill>
+              </a:rPr>
+              <a:t>dai</a:t>
+            </a:r>
+            <a:r>
+              <a:rPr lang="en-US" sz="2000" dirty="0">
+                <a:solidFill>
+                  <a:srgbClr val="002060"/>
+                </a:solidFill>
+              </a:rPr>
+              <a:t> </a:t>
+            </a:r>
+            <a:r>
+              <a:rPr lang="en-US" sz="2000" dirty="0" err="1">
+                <a:solidFill>
+                  <a:srgbClr val="002060"/>
+                </a:solidFill>
+              </a:rPr>
+              <a:t>sensori</a:t>
+            </a:r>
+            <a:r>
+              <a:rPr lang="en-US" sz="2000" dirty="0">
+                <a:solidFill>
+                  <a:srgbClr val="002060"/>
+                </a:solidFill>
+              </a:rPr>
+              <a:t>, </a:t>
+            </a:r>
+            <a:r>
+              <a:rPr lang="en-US" sz="2000" dirty="0" err="1">
+                <a:solidFill>
+                  <a:srgbClr val="002060"/>
+                </a:solidFill>
+              </a:rPr>
+              <a:t>sia</a:t>
+            </a:r>
+            <a:r>
+              <a:rPr lang="en-US" sz="2000" dirty="0">
+                <a:solidFill>
+                  <a:srgbClr val="002060"/>
+                </a:solidFill>
+              </a:rPr>
+              <a:t> </a:t>
+            </a:r>
+            <a:r>
+              <a:rPr lang="en-US" sz="2000" dirty="0" err="1">
+                <a:solidFill>
+                  <a:srgbClr val="002060"/>
+                </a:solidFill>
+              </a:rPr>
+              <a:t>ambientali</a:t>
+            </a:r>
+            <a:r>
+              <a:rPr lang="en-US" sz="2000" dirty="0">
+                <a:solidFill>
+                  <a:srgbClr val="002060"/>
+                </a:solidFill>
+              </a:rPr>
+              <a:t> </a:t>
+            </a:r>
+            <a:r>
+              <a:rPr lang="en-US" sz="2000" dirty="0" err="1">
+                <a:solidFill>
+                  <a:srgbClr val="002060"/>
+                </a:solidFill>
+              </a:rPr>
+              <a:t>che</a:t>
+            </a:r>
+            <a:r>
+              <a:rPr lang="en-US" sz="2000" dirty="0">
+                <a:solidFill>
+                  <a:srgbClr val="002060"/>
+                </a:solidFill>
+              </a:rPr>
+              <a:t> wearable, </a:t>
+            </a:r>
+            <a:r>
+              <a:rPr lang="en-US" sz="2000" dirty="0" err="1">
+                <a:solidFill>
+                  <a:srgbClr val="002060"/>
+                </a:solidFill>
+              </a:rPr>
+              <a:t>può</a:t>
+            </a:r>
+            <a:r>
+              <a:rPr lang="en-US" sz="2000" dirty="0">
+                <a:solidFill>
+                  <a:srgbClr val="002060"/>
+                </a:solidFill>
+              </a:rPr>
+              <a:t> </a:t>
+            </a:r>
+            <a:r>
+              <a:rPr lang="en-US" sz="2000" dirty="0" err="1">
+                <a:solidFill>
+                  <a:srgbClr val="002060"/>
+                </a:solidFill>
+              </a:rPr>
+              <a:t>avere</a:t>
+            </a:r>
+            <a:r>
+              <a:rPr lang="en-US" sz="2000" dirty="0">
+                <a:solidFill>
+                  <a:srgbClr val="002060"/>
+                </a:solidFill>
+              </a:rPr>
+              <a:t> senso </a:t>
+            </a:r>
+            <a:r>
+              <a:rPr lang="en-US" sz="2000" dirty="0" err="1">
+                <a:solidFill>
+                  <a:srgbClr val="002060"/>
+                </a:solidFill>
+              </a:rPr>
+              <a:t>ridurre</a:t>
+            </a:r>
+            <a:r>
+              <a:rPr lang="en-US" sz="2000" dirty="0">
+                <a:solidFill>
+                  <a:srgbClr val="002060"/>
+                </a:solidFill>
+              </a:rPr>
+              <a:t> la </a:t>
+            </a:r>
+            <a:r>
+              <a:rPr lang="en-US" sz="2000" dirty="0" err="1">
+                <a:solidFill>
+                  <a:srgbClr val="002060"/>
+                </a:solidFill>
+              </a:rPr>
+              <a:t>loro</a:t>
+            </a:r>
+            <a:r>
+              <a:rPr lang="en-US" sz="2000" dirty="0">
+                <a:solidFill>
+                  <a:srgbClr val="002060"/>
+                </a:solidFill>
+              </a:rPr>
+              <a:t> </a:t>
+            </a:r>
+            <a:r>
+              <a:rPr lang="en-US" sz="2000" dirty="0" err="1">
+                <a:solidFill>
+                  <a:srgbClr val="002060"/>
+                </a:solidFill>
+              </a:rPr>
+              <a:t>frequenza</a:t>
+            </a:r>
+            <a:r>
+              <a:rPr lang="en-US" sz="2000" dirty="0">
+                <a:solidFill>
+                  <a:srgbClr val="002060"/>
+                </a:solidFill>
+              </a:rPr>
+              <a:t> di </a:t>
+            </a:r>
+            <a:r>
+              <a:rPr lang="en-US" sz="2000" dirty="0" err="1">
+                <a:solidFill>
+                  <a:srgbClr val="002060"/>
+                </a:solidFill>
+              </a:rPr>
+              <a:t>campionamento</a:t>
+            </a:r>
+            <a:r>
+              <a:rPr lang="en-US" sz="2000" dirty="0">
+                <a:solidFill>
+                  <a:srgbClr val="002060"/>
+                </a:solidFill>
+              </a:rPr>
+              <a:t> </a:t>
+            </a:r>
+            <a:r>
+              <a:rPr lang="en-US" sz="2000" dirty="0" err="1">
+                <a:solidFill>
+                  <a:srgbClr val="002060"/>
+                </a:solidFill>
+              </a:rPr>
+              <a:t>mentre</a:t>
+            </a:r>
+            <a:r>
+              <a:rPr lang="en-US" sz="2000" dirty="0">
+                <a:solidFill>
+                  <a:srgbClr val="002060"/>
+                </a:solidFill>
+              </a:rPr>
+              <a:t> il </a:t>
+            </a:r>
+            <a:r>
+              <a:rPr lang="en-US" sz="2000" dirty="0" err="1">
+                <a:solidFill>
+                  <a:srgbClr val="002060"/>
+                </a:solidFill>
+              </a:rPr>
+              <a:t>residente</a:t>
+            </a:r>
+            <a:r>
+              <a:rPr lang="en-US" sz="2000" dirty="0">
+                <a:solidFill>
+                  <a:srgbClr val="002060"/>
+                </a:solidFill>
+              </a:rPr>
+              <a:t> </a:t>
+            </a:r>
+            <a:r>
+              <a:rPr lang="en-US" sz="2000" dirty="0" err="1">
+                <a:solidFill>
+                  <a:srgbClr val="002060"/>
+                </a:solidFill>
+              </a:rPr>
+              <a:t>dorme</a:t>
+            </a:r>
+            <a:r>
+              <a:rPr lang="en-US" sz="2000" dirty="0">
+                <a:solidFill>
+                  <a:srgbClr val="002060"/>
+                </a:solidFill>
+              </a:rPr>
+              <a:t>. Per </a:t>
+            </a:r>
+            <a:r>
+              <a:rPr lang="en-US" sz="2000" dirty="0" err="1">
+                <a:solidFill>
+                  <a:srgbClr val="002060"/>
+                </a:solidFill>
+              </a:rPr>
+              <a:t>capire</a:t>
+            </a:r>
+            <a:r>
+              <a:rPr lang="en-US" sz="2000" dirty="0">
+                <a:solidFill>
+                  <a:srgbClr val="002060"/>
+                </a:solidFill>
+              </a:rPr>
+              <a:t> </a:t>
+            </a:r>
+            <a:r>
+              <a:rPr lang="en-US" sz="2000" dirty="0" err="1">
+                <a:solidFill>
+                  <a:srgbClr val="002060"/>
+                </a:solidFill>
+              </a:rPr>
+              <a:t>quando</a:t>
+            </a:r>
+            <a:r>
+              <a:rPr lang="en-US" sz="2000" dirty="0">
+                <a:solidFill>
+                  <a:srgbClr val="002060"/>
+                </a:solidFill>
+              </a:rPr>
+              <a:t> </a:t>
+            </a:r>
+            <a:r>
+              <a:rPr lang="en-US" sz="2000" dirty="0" err="1">
+                <a:solidFill>
+                  <a:srgbClr val="002060"/>
+                </a:solidFill>
+              </a:rPr>
+              <a:t>sta</a:t>
+            </a:r>
+            <a:r>
+              <a:rPr lang="en-US" sz="2000" dirty="0">
+                <a:solidFill>
+                  <a:srgbClr val="002060"/>
+                </a:solidFill>
+              </a:rPr>
+              <a:t> </a:t>
+            </a:r>
+            <a:r>
+              <a:rPr lang="en-US" sz="2000" dirty="0" err="1">
+                <a:solidFill>
+                  <a:srgbClr val="002060"/>
+                </a:solidFill>
+              </a:rPr>
+              <a:t>dormendo</a:t>
+            </a:r>
+            <a:r>
+              <a:rPr lang="en-US" sz="2000" dirty="0">
+                <a:solidFill>
+                  <a:srgbClr val="002060"/>
+                </a:solidFill>
+              </a:rPr>
+              <a:t>, </a:t>
+            </a:r>
+            <a:r>
+              <a:rPr lang="en-US" sz="2000" dirty="0" err="1">
+                <a:solidFill>
+                  <a:srgbClr val="002060"/>
+                </a:solidFill>
+              </a:rPr>
+              <a:t>si</a:t>
+            </a:r>
+            <a:r>
+              <a:rPr lang="en-US" sz="2000" dirty="0">
+                <a:solidFill>
+                  <a:srgbClr val="002060"/>
+                </a:solidFill>
+              </a:rPr>
+              <a:t> </a:t>
+            </a:r>
+            <a:r>
+              <a:rPr lang="en-US" sz="2000" dirty="0" err="1">
+                <a:solidFill>
+                  <a:srgbClr val="002060"/>
+                </a:solidFill>
+              </a:rPr>
+              <a:t>utilizzano</a:t>
+            </a:r>
+            <a:r>
+              <a:rPr lang="en-US" sz="2000" dirty="0">
+                <a:solidFill>
+                  <a:srgbClr val="002060"/>
+                </a:solidFill>
+              </a:rPr>
+              <a:t> </a:t>
+            </a:r>
+            <a:r>
+              <a:rPr lang="en-US" sz="2000" dirty="0" err="1">
+                <a:solidFill>
+                  <a:srgbClr val="002060"/>
+                </a:solidFill>
+              </a:rPr>
+              <a:t>sia</a:t>
+            </a:r>
+            <a:r>
+              <a:rPr lang="en-US" sz="2000" dirty="0">
+                <a:solidFill>
+                  <a:srgbClr val="002060"/>
+                </a:solidFill>
+              </a:rPr>
+              <a:t> il </a:t>
+            </a:r>
+            <a:r>
+              <a:rPr lang="en-US" sz="2000" dirty="0" err="1">
+                <a:solidFill>
+                  <a:srgbClr val="002060"/>
+                </a:solidFill>
+              </a:rPr>
+              <a:t>sensore</a:t>
+            </a:r>
+            <a:r>
+              <a:rPr lang="en-US" sz="2000" dirty="0">
+                <a:solidFill>
+                  <a:srgbClr val="002060"/>
+                </a:solidFill>
+              </a:rPr>
+              <a:t> di </a:t>
+            </a:r>
+            <a:r>
+              <a:rPr lang="en-US" sz="2000" dirty="0" err="1">
+                <a:solidFill>
+                  <a:srgbClr val="002060"/>
+                </a:solidFill>
+              </a:rPr>
+              <a:t>battiti</a:t>
+            </a:r>
+            <a:r>
+              <a:rPr lang="en-US" sz="2000" dirty="0">
+                <a:solidFill>
+                  <a:srgbClr val="002060"/>
+                </a:solidFill>
+              </a:rPr>
+              <a:t> </a:t>
+            </a:r>
+            <a:r>
+              <a:rPr lang="en-US" sz="2000" dirty="0" err="1">
+                <a:solidFill>
+                  <a:srgbClr val="002060"/>
+                </a:solidFill>
+              </a:rPr>
+              <a:t>cardiaci</a:t>
+            </a:r>
+            <a:r>
+              <a:rPr lang="en-US" sz="2000" dirty="0">
+                <a:solidFill>
+                  <a:srgbClr val="002060"/>
+                </a:solidFill>
+              </a:rPr>
+              <a:t> </a:t>
+            </a:r>
+            <a:r>
+              <a:rPr lang="en-US" sz="2000" dirty="0" err="1">
+                <a:solidFill>
+                  <a:srgbClr val="002060"/>
+                </a:solidFill>
+              </a:rPr>
+              <a:t>che</a:t>
+            </a:r>
+            <a:r>
+              <a:rPr lang="en-US" sz="2000" dirty="0">
+                <a:solidFill>
+                  <a:srgbClr val="002060"/>
+                </a:solidFill>
+              </a:rPr>
+              <a:t> </a:t>
+            </a:r>
+            <a:r>
+              <a:rPr lang="en-US" sz="2000" dirty="0" err="1">
+                <a:solidFill>
+                  <a:srgbClr val="002060"/>
+                </a:solidFill>
+              </a:rPr>
+              <a:t>quello</a:t>
+            </a:r>
+            <a:r>
+              <a:rPr lang="en-US" sz="2000" dirty="0">
+                <a:solidFill>
+                  <a:srgbClr val="002060"/>
+                </a:solidFill>
+              </a:rPr>
+              <a:t> di </a:t>
+            </a:r>
+            <a:r>
+              <a:rPr lang="en-US" sz="2000" dirty="0" err="1">
+                <a:solidFill>
+                  <a:srgbClr val="002060"/>
+                </a:solidFill>
+              </a:rPr>
+              <a:t>pressione</a:t>
+            </a:r>
+            <a:r>
+              <a:rPr lang="en-US" sz="2000" dirty="0">
+                <a:solidFill>
+                  <a:srgbClr val="002060"/>
+                </a:solidFill>
+              </a:rPr>
+              <a:t> </a:t>
+            </a:r>
+            <a:r>
+              <a:rPr lang="en-US" sz="2000" dirty="0" err="1">
+                <a:solidFill>
+                  <a:srgbClr val="002060"/>
+                </a:solidFill>
+              </a:rPr>
+              <a:t>nel</a:t>
+            </a:r>
+            <a:r>
+              <a:rPr lang="en-US" sz="2000" dirty="0">
+                <a:solidFill>
+                  <a:srgbClr val="002060"/>
+                </a:solidFill>
+              </a:rPr>
+              <a:t> </a:t>
+            </a:r>
+            <a:r>
+              <a:rPr lang="en-US" sz="2000" dirty="0" err="1">
+                <a:solidFill>
+                  <a:srgbClr val="002060"/>
+                </a:solidFill>
+              </a:rPr>
+              <a:t>letto</a:t>
+            </a:r>
+            <a:r>
+              <a:rPr lang="en-US" sz="2000" dirty="0">
+                <a:solidFill>
+                  <a:srgbClr val="002060"/>
+                </a:solidFill>
+              </a:rPr>
+              <a:t>;</a:t>
+            </a:r>
+          </a:p>
+          <a:p>
+            <a:pPr marL="342900" indent="-342900" algn="just">
+              <a:buFont typeface="Arial" panose="020B0604020202020204" pitchFamily="34" charset="0"/>
+              <a:buChar char="•"/>
+            </a:pPr>
+            <a:r>
+              <a:rPr lang="en-US" sz="2000" dirty="0">
+                <a:solidFill>
+                  <a:srgbClr val="002060"/>
+                </a:solidFill>
+              </a:rPr>
+              <a:t>Al fine di </a:t>
+            </a:r>
+            <a:r>
+              <a:rPr lang="en-US" sz="2000" dirty="0" err="1">
+                <a:solidFill>
+                  <a:srgbClr val="002060"/>
+                </a:solidFill>
+              </a:rPr>
+              <a:t>avere</a:t>
+            </a:r>
+            <a:r>
+              <a:rPr lang="en-US" sz="2000" dirty="0">
+                <a:solidFill>
+                  <a:srgbClr val="002060"/>
+                </a:solidFill>
+              </a:rPr>
+              <a:t> </a:t>
+            </a:r>
+            <a:r>
+              <a:rPr lang="en-US" sz="2000" dirty="0" err="1">
+                <a:solidFill>
+                  <a:srgbClr val="002060"/>
+                </a:solidFill>
+              </a:rPr>
+              <a:t>una</a:t>
+            </a:r>
+            <a:r>
+              <a:rPr lang="en-US" sz="2000" dirty="0">
+                <a:solidFill>
+                  <a:srgbClr val="002060"/>
+                </a:solidFill>
+              </a:rPr>
+              <a:t> </a:t>
+            </a:r>
+            <a:r>
+              <a:rPr lang="en-US" sz="2000" dirty="0" err="1">
+                <a:solidFill>
+                  <a:srgbClr val="002060"/>
+                </a:solidFill>
+              </a:rPr>
+              <a:t>visione</a:t>
+            </a:r>
+            <a:r>
+              <a:rPr lang="en-US" sz="2000" dirty="0">
+                <a:solidFill>
+                  <a:srgbClr val="002060"/>
+                </a:solidFill>
+              </a:rPr>
+              <a:t> del </a:t>
+            </a:r>
+            <a:r>
+              <a:rPr lang="en-US" sz="2000" dirty="0" err="1">
+                <a:solidFill>
+                  <a:srgbClr val="002060"/>
+                </a:solidFill>
+              </a:rPr>
+              <a:t>consumo</a:t>
+            </a:r>
+            <a:r>
+              <a:rPr lang="en-US" sz="2000" dirty="0">
+                <a:solidFill>
+                  <a:srgbClr val="002060"/>
+                </a:solidFill>
+              </a:rPr>
+              <a:t> </a:t>
+            </a:r>
+            <a:r>
+              <a:rPr lang="en-US" sz="2000" dirty="0" err="1">
+                <a:solidFill>
+                  <a:srgbClr val="002060"/>
+                </a:solidFill>
+              </a:rPr>
+              <a:t>energetico</a:t>
+            </a:r>
+            <a:r>
+              <a:rPr lang="en-US" sz="2000" dirty="0">
+                <a:solidFill>
+                  <a:srgbClr val="002060"/>
+                </a:solidFill>
+              </a:rPr>
+              <a:t> </a:t>
+            </a:r>
+            <a:r>
+              <a:rPr lang="en-US" sz="2000" dirty="0" err="1">
+                <a:solidFill>
+                  <a:srgbClr val="002060"/>
+                </a:solidFill>
+              </a:rPr>
+              <a:t>prodotto</a:t>
+            </a:r>
+            <a:r>
+              <a:rPr lang="en-US" sz="2000" dirty="0">
+                <a:solidFill>
+                  <a:srgbClr val="002060"/>
+                </a:solidFill>
+              </a:rPr>
+              <a:t> </a:t>
+            </a:r>
+            <a:r>
+              <a:rPr lang="en-US" sz="2000" dirty="0" err="1">
+                <a:solidFill>
+                  <a:srgbClr val="002060"/>
+                </a:solidFill>
+              </a:rPr>
+              <a:t>dai</a:t>
+            </a:r>
+            <a:r>
+              <a:rPr lang="en-US" sz="2000" dirty="0">
+                <a:solidFill>
+                  <a:srgbClr val="002060"/>
+                </a:solidFill>
+              </a:rPr>
+              <a:t> </a:t>
+            </a:r>
+            <a:r>
+              <a:rPr lang="en-US" sz="2000" dirty="0" err="1">
+                <a:solidFill>
+                  <a:srgbClr val="002060"/>
+                </a:solidFill>
+              </a:rPr>
+              <a:t>diversi</a:t>
+            </a:r>
+            <a:r>
+              <a:rPr lang="en-US" sz="2000" dirty="0">
+                <a:solidFill>
+                  <a:srgbClr val="002060"/>
+                </a:solidFill>
+              </a:rPr>
+              <a:t> </a:t>
+            </a:r>
+            <a:r>
+              <a:rPr lang="en-US" sz="2000" dirty="0" err="1">
+                <a:solidFill>
+                  <a:srgbClr val="002060"/>
+                </a:solidFill>
+              </a:rPr>
+              <a:t>sensori</a:t>
+            </a:r>
+            <a:r>
+              <a:rPr lang="en-US" sz="2000" dirty="0">
+                <a:solidFill>
+                  <a:srgbClr val="002060"/>
+                </a:solidFill>
+              </a:rPr>
+              <a:t>, </a:t>
+            </a:r>
+            <a:r>
+              <a:rPr lang="en-US" sz="2000" dirty="0" err="1">
+                <a:solidFill>
+                  <a:srgbClr val="002060"/>
+                </a:solidFill>
+              </a:rPr>
+              <a:t>si</a:t>
+            </a:r>
+            <a:r>
+              <a:rPr lang="en-US" sz="2000" dirty="0">
+                <a:solidFill>
+                  <a:srgbClr val="002060"/>
+                </a:solidFill>
+              </a:rPr>
+              <a:t> </a:t>
+            </a:r>
+            <a:r>
+              <a:rPr lang="en-US" sz="2000" dirty="0" err="1">
+                <a:solidFill>
+                  <a:srgbClr val="002060"/>
+                </a:solidFill>
+              </a:rPr>
+              <a:t>ipotizza</a:t>
+            </a:r>
+            <a:r>
+              <a:rPr lang="en-US" sz="2000" dirty="0">
+                <a:solidFill>
+                  <a:srgbClr val="002060"/>
+                </a:solidFill>
+              </a:rPr>
+              <a:t> </a:t>
+            </a:r>
+            <a:r>
+              <a:rPr lang="en-US" sz="2000" dirty="0" err="1">
+                <a:solidFill>
+                  <a:srgbClr val="002060"/>
+                </a:solidFill>
+              </a:rPr>
+              <a:t>l’utilizzo</a:t>
+            </a:r>
+            <a:r>
+              <a:rPr lang="en-US" sz="2000" dirty="0">
+                <a:solidFill>
+                  <a:srgbClr val="002060"/>
+                </a:solidFill>
+              </a:rPr>
+              <a:t> di </a:t>
+            </a:r>
+            <a:r>
+              <a:rPr lang="en-US" sz="2000" dirty="0" err="1">
+                <a:solidFill>
+                  <a:srgbClr val="002060"/>
+                </a:solidFill>
+              </a:rPr>
+              <a:t>sistemi</a:t>
+            </a:r>
+            <a:r>
+              <a:rPr lang="en-US" sz="2000" dirty="0">
+                <a:solidFill>
+                  <a:srgbClr val="002060"/>
+                </a:solidFill>
+              </a:rPr>
+              <a:t> di metering, </a:t>
+            </a:r>
+            <a:r>
+              <a:rPr lang="en-US" sz="2000" dirty="0" err="1">
+                <a:solidFill>
+                  <a:srgbClr val="002060"/>
+                </a:solidFill>
+              </a:rPr>
+              <a:t>sia</a:t>
+            </a:r>
+            <a:r>
+              <a:rPr lang="en-US" sz="2000" dirty="0">
+                <a:solidFill>
+                  <a:srgbClr val="002060"/>
+                </a:solidFill>
+              </a:rPr>
+              <a:t> per lo Smartwatch </a:t>
+            </a:r>
+            <a:r>
+              <a:rPr lang="en-US" sz="2000" dirty="0" err="1">
+                <a:solidFill>
+                  <a:srgbClr val="002060"/>
+                </a:solidFill>
+              </a:rPr>
+              <a:t>che</a:t>
+            </a:r>
+            <a:r>
+              <a:rPr lang="en-US" sz="2000" dirty="0">
+                <a:solidFill>
+                  <a:srgbClr val="002060"/>
+                </a:solidFill>
+              </a:rPr>
+              <a:t> per </a:t>
+            </a:r>
+            <a:r>
+              <a:rPr lang="en-US" sz="2000" dirty="0" err="1">
+                <a:solidFill>
+                  <a:srgbClr val="002060"/>
+                </a:solidFill>
+              </a:rPr>
+              <a:t>i</a:t>
+            </a:r>
+            <a:r>
+              <a:rPr lang="en-US" sz="2000" dirty="0">
+                <a:solidFill>
+                  <a:srgbClr val="002060"/>
+                </a:solidFill>
+              </a:rPr>
+              <a:t> </a:t>
+            </a:r>
+            <a:r>
+              <a:rPr lang="en-US" sz="2000" dirty="0" err="1">
+                <a:solidFill>
+                  <a:srgbClr val="002060"/>
+                </a:solidFill>
+              </a:rPr>
+              <a:t>sensori</a:t>
+            </a:r>
+            <a:r>
+              <a:rPr lang="en-US" sz="2000" dirty="0">
+                <a:solidFill>
+                  <a:srgbClr val="002060"/>
+                </a:solidFill>
+              </a:rPr>
+              <a:t> </a:t>
+            </a:r>
+            <a:r>
+              <a:rPr lang="en-US" sz="2000" dirty="0" err="1">
+                <a:solidFill>
+                  <a:srgbClr val="002060"/>
+                </a:solidFill>
+              </a:rPr>
+              <a:t>ambientali</a:t>
+            </a:r>
+            <a:r>
+              <a:rPr lang="en-US" sz="2000" dirty="0">
+                <a:solidFill>
+                  <a:srgbClr val="002060"/>
+                </a:solidFill>
+              </a:rPr>
+              <a:t>, in modo da </a:t>
+            </a:r>
+            <a:r>
+              <a:rPr lang="en-US" sz="2000" dirty="0" err="1">
+                <a:solidFill>
+                  <a:srgbClr val="002060"/>
+                </a:solidFill>
+              </a:rPr>
+              <a:t>poter</a:t>
+            </a:r>
+            <a:r>
+              <a:rPr lang="en-US" sz="2000" dirty="0">
+                <a:solidFill>
+                  <a:srgbClr val="002060"/>
+                </a:solidFill>
+              </a:rPr>
+              <a:t> </a:t>
+            </a:r>
+            <a:r>
+              <a:rPr lang="en-US" sz="2000" dirty="0" err="1">
+                <a:solidFill>
+                  <a:srgbClr val="002060"/>
+                </a:solidFill>
+              </a:rPr>
+              <a:t>valutare</a:t>
+            </a:r>
+            <a:r>
+              <a:rPr lang="en-US" sz="2000" dirty="0">
+                <a:solidFill>
+                  <a:srgbClr val="002060"/>
+                </a:solidFill>
+              </a:rPr>
+              <a:t> il </a:t>
+            </a:r>
+            <a:r>
+              <a:rPr lang="en-US" sz="2000" dirty="0" err="1">
+                <a:solidFill>
+                  <a:srgbClr val="002060"/>
+                </a:solidFill>
+              </a:rPr>
+              <a:t>consumo</a:t>
+            </a:r>
+            <a:r>
+              <a:rPr lang="en-US" sz="2000" dirty="0">
+                <a:solidFill>
+                  <a:srgbClr val="002060"/>
+                </a:solidFill>
+              </a:rPr>
+              <a:t> </a:t>
+            </a:r>
+            <a:r>
+              <a:rPr lang="en-US" sz="2000" dirty="0" err="1">
+                <a:solidFill>
+                  <a:srgbClr val="002060"/>
+                </a:solidFill>
+              </a:rPr>
+              <a:t>energetico</a:t>
+            </a:r>
+            <a:r>
+              <a:rPr lang="en-US" sz="2000" dirty="0">
+                <a:solidFill>
+                  <a:srgbClr val="002060"/>
+                </a:solidFill>
+              </a:rPr>
+              <a:t>, </a:t>
+            </a:r>
+            <a:r>
+              <a:rPr lang="en-US" sz="2000" dirty="0" err="1">
+                <a:solidFill>
+                  <a:srgbClr val="002060"/>
+                </a:solidFill>
+              </a:rPr>
+              <a:t>perché</a:t>
+            </a:r>
+            <a:r>
+              <a:rPr lang="en-US" sz="2000" dirty="0">
+                <a:solidFill>
+                  <a:srgbClr val="002060"/>
+                </a:solidFill>
+              </a:rPr>
+              <a:t> senza </a:t>
+            </a:r>
+            <a:r>
+              <a:rPr lang="en-US" sz="2000" dirty="0" err="1">
+                <a:solidFill>
+                  <a:srgbClr val="002060"/>
+                </a:solidFill>
+              </a:rPr>
+              <a:t>valutazione</a:t>
+            </a:r>
+            <a:r>
+              <a:rPr lang="en-US" sz="2000" dirty="0">
+                <a:solidFill>
+                  <a:srgbClr val="002060"/>
+                </a:solidFill>
+              </a:rPr>
+              <a:t> non </a:t>
+            </a:r>
+            <a:r>
+              <a:rPr lang="en-US" sz="2000" dirty="0" err="1">
+                <a:solidFill>
+                  <a:srgbClr val="002060"/>
+                </a:solidFill>
+              </a:rPr>
+              <a:t>può</a:t>
+            </a:r>
+            <a:r>
+              <a:rPr lang="en-US" sz="2000" dirty="0">
+                <a:solidFill>
+                  <a:srgbClr val="002060"/>
+                </a:solidFill>
+              </a:rPr>
+              <a:t> </a:t>
+            </a:r>
+            <a:r>
+              <a:rPr lang="en-US" sz="2000" dirty="0" err="1">
+                <a:solidFill>
+                  <a:srgbClr val="002060"/>
+                </a:solidFill>
+              </a:rPr>
+              <a:t>esserci</a:t>
+            </a:r>
+            <a:r>
+              <a:rPr lang="en-US" sz="2000" dirty="0">
+                <a:solidFill>
+                  <a:srgbClr val="002060"/>
+                </a:solidFill>
+              </a:rPr>
+              <a:t> un </a:t>
+            </a:r>
+            <a:r>
+              <a:rPr lang="en-US" sz="2000" dirty="0" err="1">
+                <a:solidFill>
+                  <a:srgbClr val="002060"/>
+                </a:solidFill>
+              </a:rPr>
+              <a:t>controllo</a:t>
+            </a:r>
+            <a:r>
+              <a:rPr lang="en-US" sz="2000" dirty="0">
+                <a:solidFill>
+                  <a:srgbClr val="002060"/>
+                </a:solidFill>
+              </a:rPr>
+              <a:t>;</a:t>
+            </a:r>
+          </a:p>
+          <a:p>
+            <a:pPr marL="342900" indent="-342900" algn="just">
+              <a:buFont typeface="Arial" panose="020B0604020202020204" pitchFamily="34" charset="0"/>
+              <a:buChar char="•"/>
+            </a:pPr>
+            <a:r>
+              <a:rPr lang="it-IT" sz="2000" dirty="0">
+                <a:solidFill>
+                  <a:srgbClr val="002060"/>
+                </a:solidFill>
+              </a:rPr>
+              <a:t>Si ipotizza una modalità di risparmio energetico, che consenta allo </a:t>
+            </a:r>
+            <a:r>
+              <a:rPr lang="it-IT" sz="2000" dirty="0" err="1">
+                <a:solidFill>
+                  <a:srgbClr val="002060"/>
+                </a:solidFill>
+              </a:rPr>
+              <a:t>Smartwatch</a:t>
+            </a:r>
+            <a:r>
+              <a:rPr lang="it-IT" sz="2000" dirty="0">
+                <a:solidFill>
+                  <a:srgbClr val="002060"/>
+                </a:solidFill>
+              </a:rPr>
+              <a:t> di ridurre il consumo energetico, mentre rimane connesso al punto di accesso. La modalità di risparmio energetico riduce il consumo di energia al costo di una maggiore latenza di trasferimento dei dati, e una maggiore frequenza di campionamento;</a:t>
+            </a:r>
+            <a:endParaRPr lang="en-US" sz="2000" dirty="0">
+              <a:solidFill>
+                <a:srgbClr val="002060"/>
+              </a:solidFill>
+            </a:endParaRPr>
+          </a:p>
+        </p:txBody>
+      </p:sp>
+    </p:spTree>
+    <p:extLst>
+      <p:ext uri="{BB962C8B-B14F-4D97-AF65-F5344CB8AC3E}">
+        <p14:creationId xmlns:p14="http://schemas.microsoft.com/office/powerpoint/2010/main" val="4248546002"/>
+      </p:ext>
+    </p:extLst>
+  </p:cSld>
+  <p:clrMapOvr>
+    <a:masterClrMapping/>
+  </p:clrMapOvr>
+</p:sld>
+</file>
+
+<file path=ppt/slides/slide58.xml><?xml version="1.0" encoding="utf-8"?>
+<p:sld xmlns:a="http://schemas.openxmlformats.org/drawingml/2006/main" xmlns:r="http://schemas.openxmlformats.org/officeDocument/2006/relationships" xmlns:p="http://schemas.openxmlformats.org/presentationml/2006/main">
+  <p:cSld>
+    <p:spTree>
+      <p:nvGrpSpPr>
+        <p:cNvPr id="1" name=""/>
+        <p:cNvGrpSpPr/>
+        <p:nvPr/>
+      </p:nvGrpSpPr>
+      <p:grpSpPr>
+        <a:xfrm>
+          <a:off x="0" y="0"/>
+          <a:ext cx="0" cy="0"/>
+          <a:chOff x="0" y="0"/>
+          <a:chExt cx="0" cy="0"/>
+        </a:xfrm>
+      </p:grpSpPr>
+      <p:sp>
+        <p:nvSpPr>
+          <p:cNvPr id="4" name="Segnaposto numero diapositiva 3">
+            <a:extLst>
+              <a:ext uri="{FF2B5EF4-FFF2-40B4-BE49-F238E27FC236}">
+                <a16:creationId xmlns:a16="http://schemas.microsoft.com/office/drawing/2014/main" id="{91E057A0-BAB1-4D57-BDBD-F8F3DE02BEE1}"/>
+              </a:ext>
+            </a:extLst>
+          </p:cNvPr>
+          <p:cNvSpPr>
+            <a:spLocks noGrp="1"/>
+          </p:cNvSpPr>
+          <p:nvPr>
+            <p:ph type="sldNum" sz="quarter" idx="12"/>
+          </p:nvPr>
+        </p:nvSpPr>
+        <p:spPr/>
+        <p:txBody>
+          <a:bodyPr/>
+          <a:lstStyle/>
+          <a:p>
+            <a:fld id="{AFB85319-5DF8-4B17-9881-6D5B2C7AB305}" type="slidenum">
+              <a:rPr lang="it-IT" smtClean="0"/>
+              <a:t>58</a:t>
             </a:fld>
             <a:endParaRPr lang="it-IT" dirty="0"/>
           </a:p>

--- a/Progetto/Presentazione.pptx
+++ b/Progetto/Presentazione.pptx
@@ -201,7 +201,7 @@
 <file path=ppt/charts/chart1.xml><?xml version="1.0" encoding="utf-8"?>
 <c:chartSpace xmlns:c="http://schemas.openxmlformats.org/drawingml/2006/chart" xmlns:a="http://schemas.openxmlformats.org/drawingml/2006/main" xmlns:r="http://schemas.openxmlformats.org/officeDocument/2006/relationships" xmlns:c16r2="http://schemas.microsoft.com/office/drawing/2015/06/chart">
   <c:date1904 val="0"/>
-  <c:lang val="it-IT"/>
+  <c:lang val="en-US"/>
   <c:roundedCorners val="0"/>
   <mc:AlternateContent xmlns:mc="http://schemas.openxmlformats.org/markup-compatibility/2006">
     <mc:Choice xmlns:c14="http://schemas.microsoft.com/office/drawing/2007/8/2/chart" Requires="c14">
@@ -1359,7 +1359,7 @@
           <a:p>
             <a:fld id="{011CA133-7696-465E-9A3E-116FF29C29C2}" type="slidenum">
               <a:rPr lang="it-IT" smtClean="0"/>
-              <a:t>‹N›</a:t>
+              <a:t>‹#›</a:t>
             </a:fld>
             <a:endParaRPr lang="it-IT"/>
           </a:p>
@@ -1669,7 +1669,7 @@
           <a:p>
             <a:fld id="{AFB85319-5DF8-4B17-9881-6D5B2C7AB305}" type="slidenum">
               <a:rPr lang="it-IT" smtClean="0"/>
-              <a:t>‹N›</a:t>
+              <a:t>‹#›</a:t>
             </a:fld>
             <a:endParaRPr lang="it-IT"/>
           </a:p>
@@ -1867,7 +1867,7 @@
           <a:p>
             <a:fld id="{AFB85319-5DF8-4B17-9881-6D5B2C7AB305}" type="slidenum">
               <a:rPr lang="it-IT" smtClean="0"/>
-              <a:t>‹N›</a:t>
+              <a:t>‹#›</a:t>
             </a:fld>
             <a:endParaRPr lang="it-IT"/>
           </a:p>
@@ -2075,7 +2075,7 @@
           <a:p>
             <a:fld id="{AFB85319-5DF8-4B17-9881-6D5B2C7AB305}" type="slidenum">
               <a:rPr lang="it-IT" smtClean="0"/>
-              <a:t>‹N›</a:t>
+              <a:t>‹#›</a:t>
             </a:fld>
             <a:endParaRPr lang="it-IT"/>
           </a:p>
@@ -2273,7 +2273,7 @@
           <a:p>
             <a:fld id="{AFB85319-5DF8-4B17-9881-6D5B2C7AB305}" type="slidenum">
               <a:rPr lang="it-IT" smtClean="0"/>
-              <a:t>‹N›</a:t>
+              <a:t>‹#›</a:t>
             </a:fld>
             <a:endParaRPr lang="it-IT"/>
           </a:p>
@@ -2548,7 +2548,7 @@
           <a:p>
             <a:fld id="{AFB85319-5DF8-4B17-9881-6D5B2C7AB305}" type="slidenum">
               <a:rPr lang="it-IT" smtClean="0"/>
-              <a:t>‹N›</a:t>
+              <a:t>‹#›</a:t>
             </a:fld>
             <a:endParaRPr lang="it-IT"/>
           </a:p>
@@ -2813,7 +2813,7 @@
           <a:p>
             <a:fld id="{AFB85319-5DF8-4B17-9881-6D5B2C7AB305}" type="slidenum">
               <a:rPr lang="it-IT" smtClean="0"/>
-              <a:t>‹N›</a:t>
+              <a:t>‹#›</a:t>
             </a:fld>
             <a:endParaRPr lang="it-IT"/>
           </a:p>
@@ -3225,7 +3225,7 @@
           <a:p>
             <a:fld id="{AFB85319-5DF8-4B17-9881-6D5B2C7AB305}" type="slidenum">
               <a:rPr lang="it-IT" smtClean="0"/>
-              <a:t>‹N›</a:t>
+              <a:t>‹#›</a:t>
             </a:fld>
             <a:endParaRPr lang="it-IT"/>
           </a:p>
@@ -3366,7 +3366,7 @@
           <a:p>
             <a:fld id="{AFB85319-5DF8-4B17-9881-6D5B2C7AB305}" type="slidenum">
               <a:rPr lang="it-IT" smtClean="0"/>
-              <a:t>‹N›</a:t>
+              <a:t>‹#›</a:t>
             </a:fld>
             <a:endParaRPr lang="it-IT"/>
           </a:p>
@@ -3479,7 +3479,7 @@
           <a:p>
             <a:fld id="{AFB85319-5DF8-4B17-9881-6D5B2C7AB305}" type="slidenum">
               <a:rPr lang="it-IT" smtClean="0"/>
-              <a:t>‹N›</a:t>
+              <a:t>‹#›</a:t>
             </a:fld>
             <a:endParaRPr lang="it-IT"/>
           </a:p>
@@ -3790,7 +3790,7 @@
           <a:p>
             <a:fld id="{AFB85319-5DF8-4B17-9881-6D5B2C7AB305}" type="slidenum">
               <a:rPr lang="it-IT" smtClean="0"/>
-              <a:t>‹N›</a:t>
+              <a:t>‹#›</a:t>
             </a:fld>
             <a:endParaRPr lang="it-IT"/>
           </a:p>
@@ -4078,7 +4078,7 @@
           <a:p>
             <a:fld id="{AFB85319-5DF8-4B17-9881-6D5B2C7AB305}" type="slidenum">
               <a:rPr lang="it-IT" smtClean="0"/>
-              <a:t>‹N›</a:t>
+              <a:t>‹#›</a:t>
             </a:fld>
             <a:endParaRPr lang="it-IT"/>
           </a:p>
@@ -4105,17 +4105,20 @@
         <a:gradFill flip="none" rotWithShape="1">
           <a:gsLst>
             <a:gs pos="0">
-              <a:schemeClr val="bg1"/>
-            </a:gs>
-            <a:gs pos="35000">
-              <a:schemeClr val="accent6">
+              <a:schemeClr val="accent5">
                 <a:lumMod val="0"/>
                 <a:lumOff val="100000"/>
               </a:schemeClr>
             </a:gs>
-            <a:gs pos="87000">
-              <a:schemeClr val="bg1">
-                <a:lumMod val="75000"/>
+            <a:gs pos="35000">
+              <a:schemeClr val="accent5">
+                <a:lumMod val="0"/>
+                <a:lumOff val="100000"/>
+              </a:schemeClr>
+            </a:gs>
+            <a:gs pos="100000">
+              <a:schemeClr val="accent5">
+                <a:lumMod val="100000"/>
               </a:schemeClr>
             </a:gs>
           </a:gsLst>
@@ -4377,7 +4380,7 @@
           <a:p>
             <a:fld id="{AFB85319-5DF8-4B17-9881-6D5B2C7AB305}" type="slidenum">
               <a:rPr lang="it-IT" smtClean="0"/>
-              <a:t>‹N›</a:t>
+              <a:t>‹#›</a:t>
             </a:fld>
             <a:endParaRPr lang="it-IT"/>
           </a:p>
@@ -4748,7 +4751,7 @@
         </p:nvSpPr>
         <p:spPr>
           <a:xfrm>
-            <a:off x="986137" y="1900526"/>
+            <a:off x="986135" y="2014275"/>
             <a:ext cx="10219721" cy="1846659"/>
           </a:xfrm>
           <a:prstGeom prst="rect">
@@ -4844,7 +4847,7 @@
         </p:nvSpPr>
         <p:spPr>
           <a:xfrm>
-            <a:off x="6337155" y="4383483"/>
+            <a:off x="6196360" y="4266937"/>
             <a:ext cx="5748690" cy="1569660"/>
           </a:xfrm>
           <a:prstGeom prst="rect">
@@ -4938,7 +4941,7 @@
         </p:nvSpPr>
         <p:spPr>
           <a:xfrm>
-            <a:off x="4944880" y="6172724"/>
+            <a:off x="4944880" y="6237556"/>
             <a:ext cx="2302233" cy="461665"/>
           </a:xfrm>
           <a:prstGeom prst="rect">
@@ -10114,8 +10117,8 @@
         </p:blipFill>
         <p:spPr>
           <a:xfrm>
-            <a:off x="4443412" y="2432276"/>
-            <a:ext cx="3305175" cy="2581275"/>
+            <a:off x="3646724" y="1856344"/>
+            <a:ext cx="4898551" cy="3825670"/>
           </a:xfrm>
           <a:prstGeom prst="rect">
             <a:avLst/>
@@ -10392,8 +10395,8 @@
         </p:blipFill>
         <p:spPr>
           <a:xfrm>
-            <a:off x="2371725" y="2166937"/>
-            <a:ext cx="7448550" cy="2524125"/>
+            <a:off x="1490315" y="2242163"/>
+            <a:ext cx="9211370" cy="3121500"/>
           </a:xfrm>
           <a:prstGeom prst="rect">
             <a:avLst/>
@@ -22225,7 +22228,7 @@
         </p:nvSpPr>
         <p:spPr>
           <a:xfrm>
-            <a:off x="7471696" y="1578546"/>
+            <a:off x="7471697" y="1456902"/>
             <a:ext cx="4466304" cy="6247864"/>
           </a:xfrm>
           <a:prstGeom prst="rect">
@@ -23143,13 +23146,13 @@
           <p:nvPr>
             <p:extLst>
               <p:ext uri="{D42A27DB-BD31-4B8C-83A1-F6EECF244321}">
-                <p14:modId xmlns:p14="http://schemas.microsoft.com/office/powerpoint/2010/main" val="732880936"/>
+                <p14:modId xmlns:p14="http://schemas.microsoft.com/office/powerpoint/2010/main" val="741253429"/>
               </p:ext>
             </p:extLst>
           </p:nvPr>
         </p:nvGraphicFramePr>
         <p:xfrm>
-          <a:off x="215978" y="1609693"/>
+          <a:off x="231814" y="1709709"/>
           <a:ext cx="11728371" cy="4807437"/>
         </p:xfrm>
         <a:graphic>
@@ -23239,6 +23242,9 @@
                       <a:headEnd type="none" w="med" len="med"/>
                       <a:tailEnd type="none" w="med" len="med"/>
                     </a:lnB>
+                    <a:solidFill>
+                      <a:schemeClr val="bg1"/>
+                    </a:solidFill>
                   </a:tcPr>
                 </a:tc>
                 <a:tc>
@@ -23293,6 +23299,9 @@
                       <a:headEnd type="none" w="med" len="med"/>
                       <a:tailEnd type="none" w="med" len="med"/>
                     </a:lnB>
+                    <a:solidFill>
+                      <a:schemeClr val="bg1"/>
+                    </a:solidFill>
                   </a:tcPr>
                 </a:tc>
                 <a:tc>
@@ -23347,6 +23356,9 @@
                       <a:headEnd type="none" w="med" len="med"/>
                       <a:tailEnd type="none" w="med" len="med"/>
                     </a:lnB>
+                    <a:solidFill>
+                      <a:schemeClr val="bg1"/>
+                    </a:solidFill>
                   </a:tcPr>
                 </a:tc>
                 <a:tc>
@@ -23401,6 +23413,9 @@
                       <a:headEnd type="none" w="med" len="med"/>
                       <a:tailEnd type="none" w="med" len="med"/>
                     </a:lnB>
+                    <a:solidFill>
+                      <a:schemeClr val="bg1"/>
+                    </a:solidFill>
                   </a:tcPr>
                 </a:tc>
                 <a:tc>
@@ -23446,6 +23461,9 @@
                       <a:headEnd type="none" w="med" len="med"/>
                       <a:tailEnd type="none" w="med" len="med"/>
                     </a:lnB>
+                    <a:solidFill>
+                      <a:schemeClr val="bg1"/>
+                    </a:solidFill>
                   </a:tcPr>
                 </a:tc>
                 <a:extLst>
@@ -23504,6 +23522,9 @@
                       <a:headEnd type="none" w="med" len="med"/>
                       <a:tailEnd type="none" w="med" len="med"/>
                     </a:lnB>
+                    <a:solidFill>
+                      <a:schemeClr val="bg1"/>
+                    </a:solidFill>
                   </a:tcPr>
                 </a:tc>
                 <a:tc rowSpan="5">
@@ -23564,6 +23585,9 @@
                       <a:headEnd type="none" w="med" len="med"/>
                       <a:tailEnd type="none" w="med" len="med"/>
                     </a:lnB>
+                    <a:solidFill>
+                      <a:schemeClr val="bg1"/>
+                    </a:solidFill>
                   </a:tcPr>
                 </a:tc>
                 <a:tc>
@@ -23624,6 +23648,9 @@
                       <a:headEnd type="none" w="med" len="med"/>
                       <a:tailEnd type="none" w="med" len="med"/>
                     </a:lnB>
+                    <a:solidFill>
+                      <a:schemeClr val="bg1"/>
+                    </a:solidFill>
                   </a:tcPr>
                 </a:tc>
                 <a:tc>
@@ -23684,6 +23711,9 @@
                       <a:headEnd type="none" w="med" len="med"/>
                       <a:tailEnd type="none" w="med" len="med"/>
                     </a:lnB>
+                    <a:solidFill>
+                      <a:schemeClr val="bg1"/>
+                    </a:solidFill>
                   </a:tcPr>
                 </a:tc>
                 <a:tc>
@@ -23735,6 +23765,9 @@
                       <a:headEnd type="none" w="med" len="med"/>
                       <a:tailEnd type="none" w="med" len="med"/>
                     </a:lnB>
+                    <a:solidFill>
+                      <a:schemeClr val="bg1"/>
+                    </a:solidFill>
                   </a:tcPr>
                 </a:tc>
                 <a:extLst>
@@ -23822,6 +23855,9 @@
                       <a:headEnd type="none" w="med" len="med"/>
                       <a:tailEnd type="none" w="med" len="med"/>
                     </a:lnB>
+                    <a:solidFill>
+                      <a:schemeClr val="bg1"/>
+                    </a:solidFill>
                   </a:tcPr>
                 </a:tc>
                 <a:tc>
@@ -23882,6 +23918,9 @@
                       <a:headEnd type="none" w="med" len="med"/>
                       <a:tailEnd type="none" w="med" len="med"/>
                     </a:lnB>
+                    <a:solidFill>
+                      <a:schemeClr val="bg1"/>
+                    </a:solidFill>
                   </a:tcPr>
                 </a:tc>
                 <a:tc>
@@ -23933,6 +23972,9 @@
                       <a:headEnd type="none" w="med" len="med"/>
                       <a:tailEnd type="none" w="med" len="med"/>
                     </a:lnB>
+                    <a:solidFill>
+                      <a:schemeClr val="bg1"/>
+                    </a:solidFill>
                   </a:tcPr>
                 </a:tc>
                 <a:extLst>
@@ -24020,6 +24062,9 @@
                       <a:headEnd type="none" w="med" len="med"/>
                       <a:tailEnd type="none" w="med" len="med"/>
                     </a:lnB>
+                    <a:solidFill>
+                      <a:schemeClr val="bg1"/>
+                    </a:solidFill>
                   </a:tcPr>
                 </a:tc>
                 <a:tc>
@@ -24080,6 +24125,9 @@
                       <a:headEnd type="none" w="med" len="med"/>
                       <a:tailEnd type="none" w="med" len="med"/>
                     </a:lnB>
+                    <a:solidFill>
+                      <a:schemeClr val="bg1"/>
+                    </a:solidFill>
                   </a:tcPr>
                 </a:tc>
                 <a:tc>
@@ -24131,6 +24179,9 @@
                       <a:headEnd type="none" w="med" len="med"/>
                       <a:tailEnd type="none" w="med" len="med"/>
                     </a:lnB>
+                    <a:solidFill>
+                      <a:schemeClr val="bg1"/>
+                    </a:solidFill>
                   </a:tcPr>
                 </a:tc>
                 <a:extLst>
@@ -24218,6 +24269,9 @@
                       <a:headEnd type="none" w="med" len="med"/>
                       <a:tailEnd type="none" w="med" len="med"/>
                     </a:lnB>
+                    <a:solidFill>
+                      <a:schemeClr val="bg1"/>
+                    </a:solidFill>
                   </a:tcPr>
                 </a:tc>
                 <a:tc>
@@ -24278,6 +24332,9 @@
                       <a:headEnd type="none" w="med" len="med"/>
                       <a:tailEnd type="none" w="med" len="med"/>
                     </a:lnB>
+                    <a:solidFill>
+                      <a:schemeClr val="bg1"/>
+                    </a:solidFill>
                   </a:tcPr>
                 </a:tc>
                 <a:tc>
@@ -24329,6 +24386,9 @@
                       <a:headEnd type="none" w="med" len="med"/>
                       <a:tailEnd type="none" w="med" len="med"/>
                     </a:lnB>
+                    <a:solidFill>
+                      <a:schemeClr val="bg1"/>
+                    </a:solidFill>
                   </a:tcPr>
                 </a:tc>
                 <a:extLst>
@@ -24416,6 +24476,9 @@
                       <a:headEnd type="none" w="med" len="med"/>
                       <a:tailEnd type="none" w="med" len="med"/>
                     </a:lnB>
+                    <a:solidFill>
+                      <a:schemeClr val="bg1"/>
+                    </a:solidFill>
                   </a:tcPr>
                 </a:tc>
                 <a:tc>
@@ -24476,6 +24539,9 @@
                       <a:headEnd type="none" w="med" len="med"/>
                       <a:tailEnd type="none" w="med" len="med"/>
                     </a:lnB>
+                    <a:solidFill>
+                      <a:schemeClr val="bg1"/>
+                    </a:solidFill>
                   </a:tcPr>
                 </a:tc>
                 <a:tc>
@@ -24527,6 +24593,9 @@
                       <a:headEnd type="none" w="med" len="med"/>
                       <a:tailEnd type="none" w="med" len="med"/>
                     </a:lnB>
+                    <a:solidFill>
+                      <a:schemeClr val="bg1"/>
+                    </a:solidFill>
                   </a:tcPr>
                 </a:tc>
                 <a:extLst>
@@ -24576,6 +24645,9 @@
                       <a:headEnd type="none" w="med" len="med"/>
                       <a:tailEnd type="none" w="med" len="med"/>
                     </a:lnT>
+                    <a:solidFill>
+                      <a:schemeClr val="bg1"/>
+                    </a:solidFill>
                   </a:tcPr>
                 </a:tc>
                 <a:tc rowSpan="4">
@@ -24627,6 +24699,9 @@
                       <a:headEnd type="none" w="med" len="med"/>
                       <a:tailEnd type="none" w="med" len="med"/>
                     </a:lnT>
+                    <a:solidFill>
+                      <a:schemeClr val="bg1"/>
+                    </a:solidFill>
                   </a:tcPr>
                 </a:tc>
                 <a:tc>
@@ -24687,6 +24762,9 @@
                       <a:headEnd type="none" w="med" len="med"/>
                       <a:tailEnd type="none" w="med" len="med"/>
                     </a:lnB>
+                    <a:solidFill>
+                      <a:schemeClr val="bg1"/>
+                    </a:solidFill>
                   </a:tcPr>
                 </a:tc>
                 <a:tc>
@@ -24747,6 +24825,9 @@
                       <a:headEnd type="none" w="med" len="med"/>
                       <a:tailEnd type="none" w="med" len="med"/>
                     </a:lnB>
+                    <a:solidFill>
+                      <a:schemeClr val="bg1"/>
+                    </a:solidFill>
                   </a:tcPr>
                 </a:tc>
                 <a:tc>
@@ -24810,6 +24891,9 @@
                       <a:headEnd type="none" w="med" len="med"/>
                       <a:tailEnd type="none" w="med" len="med"/>
                     </a:lnB>
+                    <a:solidFill>
+                      <a:schemeClr val="bg1"/>
+                    </a:solidFill>
                   </a:tcPr>
                 </a:tc>
                 <a:extLst>
@@ -24897,6 +24981,9 @@
                       <a:headEnd type="none" w="med" len="med"/>
                       <a:tailEnd type="none" w="med" len="med"/>
                     </a:lnB>
+                    <a:solidFill>
+                      <a:schemeClr val="bg1"/>
+                    </a:solidFill>
                   </a:tcPr>
                 </a:tc>
                 <a:tc>
@@ -24957,6 +25044,9 @@
                       <a:headEnd type="none" w="med" len="med"/>
                       <a:tailEnd type="none" w="med" len="med"/>
                     </a:lnB>
+                    <a:solidFill>
+                      <a:schemeClr val="bg1"/>
+                    </a:solidFill>
                   </a:tcPr>
                 </a:tc>
                 <a:tc>
@@ -25008,6 +25098,9 @@
                       <a:headEnd type="none" w="med" len="med"/>
                       <a:tailEnd type="none" w="med" len="med"/>
                     </a:lnB>
+                    <a:solidFill>
+                      <a:schemeClr val="bg1"/>
+                    </a:solidFill>
                   </a:tcPr>
                 </a:tc>
                 <a:extLst>
@@ -25095,6 +25188,9 @@
                       <a:headEnd type="none" w="med" len="med"/>
                       <a:tailEnd type="none" w="med" len="med"/>
                     </a:lnB>
+                    <a:solidFill>
+                      <a:schemeClr val="bg1"/>
+                    </a:solidFill>
                   </a:tcPr>
                 </a:tc>
                 <a:tc>
@@ -25155,6 +25251,9 @@
                       <a:headEnd type="none" w="med" len="med"/>
                       <a:tailEnd type="none" w="med" len="med"/>
                     </a:lnB>
+                    <a:solidFill>
+                      <a:schemeClr val="bg1"/>
+                    </a:solidFill>
                   </a:tcPr>
                 </a:tc>
                 <a:tc>
@@ -25230,6 +25329,9 @@
                       <a:headEnd type="none" w="med" len="med"/>
                       <a:tailEnd type="none" w="med" len="med"/>
                     </a:lnB>
+                    <a:solidFill>
+                      <a:schemeClr val="bg1"/>
+                    </a:solidFill>
                   </a:tcPr>
                 </a:tc>
                 <a:extLst>
@@ -25308,6 +25410,9 @@
                       <a:headEnd type="none" w="med" len="med"/>
                       <a:tailEnd type="none" w="med" len="med"/>
                     </a:lnT>
+                    <a:solidFill>
+                      <a:schemeClr val="bg1"/>
+                    </a:solidFill>
                   </a:tcPr>
                 </a:tc>
                 <a:tc>
@@ -25359,6 +25464,9 @@
                       <a:headEnd type="none" w="med" len="med"/>
                       <a:tailEnd type="none" w="med" len="med"/>
                     </a:lnT>
+                    <a:solidFill>
+                      <a:schemeClr val="bg1"/>
+                    </a:solidFill>
                   </a:tcPr>
                 </a:tc>
                 <a:tc>
@@ -25401,6 +25509,9 @@
                       <a:headEnd type="none" w="med" len="med"/>
                       <a:tailEnd type="none" w="med" len="med"/>
                     </a:lnT>
+                    <a:solidFill>
+                      <a:schemeClr val="bg1"/>
+                    </a:solidFill>
                   </a:tcPr>
                 </a:tc>
                 <a:extLst>
@@ -30314,13 +30425,13 @@
           <p:nvPr>
             <p:extLst>
               <p:ext uri="{D42A27DB-BD31-4B8C-83A1-F6EECF244321}">
-                <p14:modId xmlns:p14="http://schemas.microsoft.com/office/powerpoint/2010/main" val="1882315220"/>
+                <p14:modId xmlns:p14="http://schemas.microsoft.com/office/powerpoint/2010/main" val="626424755"/>
               </p:ext>
             </p:extLst>
           </p:nvPr>
         </p:nvGraphicFramePr>
         <p:xfrm>
-          <a:off x="215978" y="1609693"/>
+          <a:off x="231814" y="1732018"/>
           <a:ext cx="11728371" cy="4867398"/>
         </p:xfrm>
         <a:graphic>
@@ -30410,6 +30521,9 @@
                       <a:headEnd type="none" w="med" len="med"/>
                       <a:tailEnd type="none" w="med" len="med"/>
                     </a:lnB>
+                    <a:solidFill>
+                      <a:schemeClr val="bg1"/>
+                    </a:solidFill>
                   </a:tcPr>
                 </a:tc>
                 <a:tc>
@@ -30464,6 +30578,9 @@
                       <a:headEnd type="none" w="med" len="med"/>
                       <a:tailEnd type="none" w="med" len="med"/>
                     </a:lnB>
+                    <a:solidFill>
+                      <a:schemeClr val="bg1"/>
+                    </a:solidFill>
                   </a:tcPr>
                 </a:tc>
                 <a:tc>
@@ -30518,6 +30635,9 @@
                       <a:headEnd type="none" w="med" len="med"/>
                       <a:tailEnd type="none" w="med" len="med"/>
                     </a:lnB>
+                    <a:solidFill>
+                      <a:schemeClr val="bg1"/>
+                    </a:solidFill>
                   </a:tcPr>
                 </a:tc>
                 <a:tc>
@@ -30572,6 +30692,9 @@
                       <a:headEnd type="none" w="med" len="med"/>
                       <a:tailEnd type="none" w="med" len="med"/>
                     </a:lnB>
+                    <a:solidFill>
+                      <a:schemeClr val="bg1"/>
+                    </a:solidFill>
                   </a:tcPr>
                 </a:tc>
                 <a:tc>
@@ -30617,6 +30740,9 @@
                       <a:headEnd type="none" w="med" len="med"/>
                       <a:tailEnd type="none" w="med" len="med"/>
                     </a:lnB>
+                    <a:solidFill>
+                      <a:schemeClr val="bg1"/>
+                    </a:solidFill>
                   </a:tcPr>
                 </a:tc>
                 <a:extLst>
@@ -30675,6 +30801,9 @@
                       <a:headEnd type="none" w="med" len="med"/>
                       <a:tailEnd type="none" w="med" len="med"/>
                     </a:lnB>
+                    <a:solidFill>
+                      <a:schemeClr val="bg1"/>
+                    </a:solidFill>
                   </a:tcPr>
                 </a:tc>
                 <a:tc rowSpan="5">
@@ -30735,6 +30864,9 @@
                       <a:headEnd type="none" w="med" len="med"/>
                       <a:tailEnd type="none" w="med" len="med"/>
                     </a:lnB>
+                    <a:solidFill>
+                      <a:schemeClr val="bg1"/>
+                    </a:solidFill>
                   </a:tcPr>
                 </a:tc>
                 <a:tc>
@@ -30795,6 +30927,9 @@
                       <a:headEnd type="none" w="med" len="med"/>
                       <a:tailEnd type="none" w="med" len="med"/>
                     </a:lnB>
+                    <a:solidFill>
+                      <a:schemeClr val="bg1"/>
+                    </a:solidFill>
                   </a:tcPr>
                 </a:tc>
                 <a:tc>
@@ -30855,6 +30990,9 @@
                       <a:headEnd type="none" w="med" len="med"/>
                       <a:tailEnd type="none" w="med" len="med"/>
                     </a:lnB>
+                    <a:solidFill>
+                      <a:schemeClr val="bg1"/>
+                    </a:solidFill>
                   </a:tcPr>
                 </a:tc>
                 <a:tc>
@@ -30906,6 +31044,9 @@
                       <a:headEnd type="none" w="med" len="med"/>
                       <a:tailEnd type="none" w="med" len="med"/>
                     </a:lnB>
+                    <a:solidFill>
+                      <a:schemeClr val="bg1"/>
+                    </a:solidFill>
                   </a:tcPr>
                 </a:tc>
                 <a:extLst>
@@ -30993,6 +31134,9 @@
                       <a:headEnd type="none" w="med" len="med"/>
                       <a:tailEnd type="none" w="med" len="med"/>
                     </a:lnB>
+                    <a:solidFill>
+                      <a:schemeClr val="bg1"/>
+                    </a:solidFill>
                   </a:tcPr>
                 </a:tc>
                 <a:tc>
@@ -31053,6 +31197,9 @@
                       <a:headEnd type="none" w="med" len="med"/>
                       <a:tailEnd type="none" w="med" len="med"/>
                     </a:lnB>
+                    <a:solidFill>
+                      <a:schemeClr val="bg1"/>
+                    </a:solidFill>
                   </a:tcPr>
                 </a:tc>
                 <a:tc>
@@ -31104,6 +31251,9 @@
                       <a:headEnd type="none" w="med" len="med"/>
                       <a:tailEnd type="none" w="med" len="med"/>
                     </a:lnB>
+                    <a:solidFill>
+                      <a:schemeClr val="bg1"/>
+                    </a:solidFill>
                   </a:tcPr>
                 </a:tc>
                 <a:extLst>
@@ -31191,6 +31341,9 @@
                       <a:headEnd type="none" w="med" len="med"/>
                       <a:tailEnd type="none" w="med" len="med"/>
                     </a:lnB>
+                    <a:solidFill>
+                      <a:schemeClr val="bg1"/>
+                    </a:solidFill>
                   </a:tcPr>
                 </a:tc>
                 <a:tc>
@@ -31251,6 +31404,9 @@
                       <a:headEnd type="none" w="med" len="med"/>
                       <a:tailEnd type="none" w="med" len="med"/>
                     </a:lnB>
+                    <a:solidFill>
+                      <a:schemeClr val="bg1"/>
+                    </a:solidFill>
                   </a:tcPr>
                 </a:tc>
                 <a:tc>
@@ -31302,6 +31458,9 @@
                       <a:headEnd type="none" w="med" len="med"/>
                       <a:tailEnd type="none" w="med" len="med"/>
                     </a:lnB>
+                    <a:solidFill>
+                      <a:schemeClr val="bg1"/>
+                    </a:solidFill>
                   </a:tcPr>
                 </a:tc>
                 <a:extLst>
@@ -31389,6 +31548,9 @@
                       <a:headEnd type="none" w="med" len="med"/>
                       <a:tailEnd type="none" w="med" len="med"/>
                     </a:lnB>
+                    <a:solidFill>
+                      <a:schemeClr val="bg1"/>
+                    </a:solidFill>
                   </a:tcPr>
                 </a:tc>
                 <a:tc>
@@ -31449,6 +31611,9 @@
                       <a:headEnd type="none" w="med" len="med"/>
                       <a:tailEnd type="none" w="med" len="med"/>
                     </a:lnB>
+                    <a:solidFill>
+                      <a:schemeClr val="bg1"/>
+                    </a:solidFill>
                   </a:tcPr>
                 </a:tc>
                 <a:tc>
@@ -31497,6 +31662,9 @@
                       <a:headEnd type="none" w="med" len="med"/>
                       <a:tailEnd type="none" w="med" len="med"/>
                     </a:lnB>
+                    <a:solidFill>
+                      <a:schemeClr val="bg1"/>
+                    </a:solidFill>
                   </a:tcPr>
                 </a:tc>
                 <a:extLst>
@@ -31584,6 +31752,9 @@
                       <a:headEnd type="none" w="med" len="med"/>
                       <a:tailEnd type="none" w="med" len="med"/>
                     </a:lnB>
+                    <a:solidFill>
+                      <a:schemeClr val="bg1"/>
+                    </a:solidFill>
                   </a:tcPr>
                 </a:tc>
                 <a:tc>
@@ -31644,6 +31815,9 @@
                       <a:headEnd type="none" w="med" len="med"/>
                       <a:tailEnd type="none" w="med" len="med"/>
                     </a:lnB>
+                    <a:solidFill>
+                      <a:schemeClr val="bg1"/>
+                    </a:solidFill>
                   </a:tcPr>
                 </a:tc>
                 <a:tc>
@@ -31732,6 +31906,9 @@
                       <a:headEnd type="none" w="med" len="med"/>
                       <a:tailEnd type="none" w="med" len="med"/>
                     </a:lnB>
+                    <a:solidFill>
+                      <a:schemeClr val="bg1"/>
+                    </a:solidFill>
                   </a:tcPr>
                 </a:tc>
                 <a:extLst>
@@ -31781,6 +31958,9 @@
                       <a:headEnd type="none" w="med" len="med"/>
                       <a:tailEnd type="none" w="med" len="med"/>
                     </a:lnT>
+                    <a:solidFill>
+                      <a:schemeClr val="bg1"/>
+                    </a:solidFill>
                   </a:tcPr>
                 </a:tc>
                 <a:tc rowSpan="4">
@@ -31832,6 +32012,9 @@
                       <a:headEnd type="none" w="med" len="med"/>
                       <a:tailEnd type="none" w="med" len="med"/>
                     </a:lnT>
+                    <a:solidFill>
+                      <a:schemeClr val="bg1"/>
+                    </a:solidFill>
                   </a:tcPr>
                 </a:tc>
                 <a:tc>
@@ -31892,6 +32075,9 @@
                       <a:headEnd type="none" w="med" len="med"/>
                       <a:tailEnd type="none" w="med" len="med"/>
                     </a:lnB>
+                    <a:solidFill>
+                      <a:schemeClr val="bg1"/>
+                    </a:solidFill>
                   </a:tcPr>
                 </a:tc>
                 <a:tc>
@@ -31952,6 +32138,9 @@
                       <a:headEnd type="none" w="med" len="med"/>
                       <a:tailEnd type="none" w="med" len="med"/>
                     </a:lnB>
+                    <a:solidFill>
+                      <a:schemeClr val="bg1"/>
+                    </a:solidFill>
                   </a:tcPr>
                 </a:tc>
                 <a:tc>
@@ -32020,6 +32209,9 @@
                       <a:headEnd type="none" w="med" len="med"/>
                       <a:tailEnd type="none" w="med" len="med"/>
                     </a:lnB>
+                    <a:solidFill>
+                      <a:schemeClr val="bg1"/>
+                    </a:solidFill>
                   </a:tcPr>
                 </a:tc>
                 <a:extLst>
@@ -32107,6 +32299,9 @@
                       <a:headEnd type="none" w="med" len="med"/>
                       <a:tailEnd type="none" w="med" len="med"/>
                     </a:lnB>
+                    <a:solidFill>
+                      <a:schemeClr val="bg1"/>
+                    </a:solidFill>
                   </a:tcPr>
                 </a:tc>
                 <a:tc>
@@ -32167,6 +32362,9 @@
                       <a:headEnd type="none" w="med" len="med"/>
                       <a:tailEnd type="none" w="med" len="med"/>
                     </a:lnB>
+                    <a:solidFill>
+                      <a:schemeClr val="bg1"/>
+                    </a:solidFill>
                   </a:tcPr>
                 </a:tc>
                 <a:tc>
@@ -32218,6 +32416,9 @@
                       <a:headEnd type="none" w="med" len="med"/>
                       <a:tailEnd type="none" w="med" len="med"/>
                     </a:lnB>
+                    <a:solidFill>
+                      <a:schemeClr val="bg1"/>
+                    </a:solidFill>
                   </a:tcPr>
                 </a:tc>
                 <a:extLst>
@@ -32305,6 +32506,9 @@
                       <a:headEnd type="none" w="med" len="med"/>
                       <a:tailEnd type="none" w="med" len="med"/>
                     </a:lnB>
+                    <a:solidFill>
+                      <a:schemeClr val="bg1"/>
+                    </a:solidFill>
                   </a:tcPr>
                 </a:tc>
                 <a:tc>
@@ -32365,6 +32569,9 @@
                       <a:headEnd type="none" w="med" len="med"/>
                       <a:tailEnd type="none" w="med" len="med"/>
                     </a:lnB>
+                    <a:solidFill>
+                      <a:schemeClr val="bg1"/>
+                    </a:solidFill>
                   </a:tcPr>
                 </a:tc>
                 <a:tc>
@@ -32453,6 +32660,9 @@
                       <a:headEnd type="none" w="med" len="med"/>
                       <a:tailEnd type="none" w="med" len="med"/>
                     </a:lnB>
+                    <a:solidFill>
+                      <a:schemeClr val="bg1"/>
+                    </a:solidFill>
                   </a:tcPr>
                 </a:tc>
                 <a:extLst>
@@ -32531,6 +32741,9 @@
                       <a:headEnd type="none" w="med" len="med"/>
                       <a:tailEnd type="none" w="med" len="med"/>
                     </a:lnT>
+                    <a:solidFill>
+                      <a:schemeClr val="bg1"/>
+                    </a:solidFill>
                   </a:tcPr>
                 </a:tc>
                 <a:tc>
@@ -32582,6 +32795,9 @@
                       <a:headEnd type="none" w="med" len="med"/>
                       <a:tailEnd type="none" w="med" len="med"/>
                     </a:lnT>
+                    <a:solidFill>
+                      <a:schemeClr val="bg1"/>
+                    </a:solidFill>
                   </a:tcPr>
                 </a:tc>
                 <a:tc>
@@ -32624,6 +32840,9 @@
                       <a:headEnd type="none" w="med" len="med"/>
                       <a:tailEnd type="none" w="med" len="med"/>
                     </a:lnT>
+                    <a:solidFill>
+                      <a:schemeClr val="bg1"/>
+                    </a:solidFill>
                   </a:tcPr>
                 </a:tc>
                 <a:extLst>
@@ -32922,7 +33141,7 @@
         </p:nvSpPr>
         <p:spPr>
           <a:xfrm>
-            <a:off x="565782" y="2374923"/>
+            <a:off x="452649" y="2374923"/>
             <a:ext cx="5354675" cy="3416320"/>
           </a:xfrm>
           <a:prstGeom prst="rect">
@@ -35895,7 +36114,7 @@
         </p:nvSpPr>
         <p:spPr>
           <a:xfrm>
-            <a:off x="9595744" y="5842009"/>
+            <a:off x="9595744" y="5894685"/>
             <a:ext cx="1256947" cy="461665"/>
           </a:xfrm>
           <a:prstGeom prst="rect">
@@ -38105,6 +38324,54 @@
           </a:prstGeom>
         </p:spPr>
       </p:pic>
+      <p:sp>
+        <p:nvSpPr>
+          <p:cNvPr id="11" name="TextBox 10">
+            <a:extLst>
+              <a:ext uri="{FF2B5EF4-FFF2-40B4-BE49-F238E27FC236}">
+                <a16:creationId xmlns:a16="http://schemas.microsoft.com/office/drawing/2014/main" id="{ADCC71F2-5543-4F65-968E-B341065A9334}"/>
+              </a:ext>
+            </a:extLst>
+          </p:cNvPr>
+          <p:cNvSpPr txBox="1"/>
+          <p:nvPr/>
+        </p:nvSpPr>
+        <p:spPr>
+          <a:xfrm>
+            <a:off x="1526400" y="4767995"/>
+            <a:ext cx="1256947" cy="461665"/>
+          </a:xfrm>
+          <a:prstGeom prst="rect">
+            <a:avLst/>
+          </a:prstGeom>
+          <a:noFill/>
+          <a:ln>
+            <a:solidFill>
+              <a:schemeClr val="tx1"/>
+            </a:solidFill>
+          </a:ln>
+        </p:spPr>
+        <p:txBody>
+          <a:bodyPr wrap="none" rtlCol="0" anchor="ctr">
+            <a:spAutoFit/>
+          </a:bodyPr>
+          <a:lstStyle/>
+          <a:p>
+            <a:pPr algn="ctr"/>
+            <a:r>
+              <a:rPr lang="it-IT" sz="1200" b="1" i="1" dirty="0"/>
+              <a:t>&lt;&lt;molteplicità&gt;&gt;</a:t>
+            </a:r>
+          </a:p>
+          <a:p>
+            <a:pPr algn="ctr"/>
+            <a:r>
+              <a:rPr lang="it-IT" sz="1200" b="1" i="1" dirty="0"/>
+              <a:t>#residenti</a:t>
+            </a:r>
+          </a:p>
+        </p:txBody>
+      </p:sp>
     </p:spTree>
     <p:extLst>
       <p:ext uri="{BB962C8B-B14F-4D97-AF65-F5344CB8AC3E}">
